--- a/Apriori/my_tex/Поиск ассоциативных правил_Apriori.pptx
+++ b/Apriori/my_tex/Поиск ассоциативных правил_Apriori.pptx
@@ -5,7 +5,7 @@
     <p:sldMasterId id="2147483660" r:id="rId1"/>
   </p:sldMasterIdLst>
   <p:notesMasterIdLst>
-    <p:notesMasterId r:id="rId15"/>
+    <p:notesMasterId r:id="rId17"/>
   </p:notesMasterIdLst>
   <p:sldIdLst>
     <p:sldId id="256" r:id="rId2"/>
@@ -14,13 +14,15 @@
     <p:sldId id="257" r:id="rId5"/>
     <p:sldId id="259" r:id="rId6"/>
     <p:sldId id="261" r:id="rId7"/>
-    <p:sldId id="262" r:id="rId8"/>
-    <p:sldId id="274" r:id="rId9"/>
-    <p:sldId id="260" r:id="rId10"/>
-    <p:sldId id="277" r:id="rId11"/>
-    <p:sldId id="263" r:id="rId12"/>
-    <p:sldId id="273" r:id="rId13"/>
-    <p:sldId id="271" r:id="rId14"/>
+    <p:sldId id="274" r:id="rId8"/>
+    <p:sldId id="260" r:id="rId9"/>
+    <p:sldId id="277" r:id="rId10"/>
+    <p:sldId id="282" r:id="rId11"/>
+    <p:sldId id="280" r:id="rId12"/>
+    <p:sldId id="263" r:id="rId13"/>
+    <p:sldId id="273" r:id="rId14"/>
+    <p:sldId id="279" r:id="rId15"/>
+    <p:sldId id="278" r:id="rId16"/>
   </p:sldIdLst>
   <p:sldSz cx="9144000" cy="6858000" type="screen4x3"/>
   <p:notesSz cx="6858000" cy="9144000"/>
@@ -337,11 +339,11 @@
           <c:showPercent val="0"/>
           <c:showBubbleSize val="0"/>
         </c:dLbls>
-        <c:axId val="85548416"/>
-        <c:axId val="86452096"/>
+        <c:axId val="92560768"/>
+        <c:axId val="92681344"/>
       </c:scatterChart>
       <c:valAx>
-        <c:axId val="85548416"/>
+        <c:axId val="92560768"/>
         <c:scaling>
           <c:orientation val="minMax"/>
         </c:scaling>
@@ -351,12 +353,12 @@
         <c:majorTickMark val="out"/>
         <c:minorTickMark val="none"/>
         <c:tickLblPos val="nextTo"/>
-        <c:crossAx val="86452096"/>
+        <c:crossAx val="92681344"/>
         <c:crosses val="autoZero"/>
         <c:crossBetween val="midCat"/>
       </c:valAx>
       <c:valAx>
-        <c:axId val="86452096"/>
+        <c:axId val="92681344"/>
         <c:scaling>
           <c:orientation val="minMax"/>
         </c:scaling>
@@ -367,7 +369,7 @@
         <c:majorTickMark val="out"/>
         <c:minorTickMark val="none"/>
         <c:tickLblPos val="nextTo"/>
-        <c:crossAx val="85548416"/>
+        <c:crossAx val="92560768"/>
         <c:crosses val="autoZero"/>
         <c:crossBetween val="midCat"/>
       </c:valAx>
@@ -597,11 +599,11 @@
           <c:showPercent val="0"/>
           <c:showBubbleSize val="0"/>
         </c:dLbls>
-        <c:axId val="86487808"/>
-        <c:axId val="86489344"/>
+        <c:axId val="92713728"/>
+        <c:axId val="92715264"/>
       </c:scatterChart>
       <c:valAx>
-        <c:axId val="86487808"/>
+        <c:axId val="92713728"/>
         <c:scaling>
           <c:orientation val="minMax"/>
         </c:scaling>
@@ -611,12 +613,12 @@
         <c:majorTickMark val="out"/>
         <c:minorTickMark val="none"/>
         <c:tickLblPos val="nextTo"/>
-        <c:crossAx val="86489344"/>
+        <c:crossAx val="92715264"/>
         <c:crosses val="autoZero"/>
         <c:crossBetween val="midCat"/>
       </c:valAx>
       <c:valAx>
-        <c:axId val="86489344"/>
+        <c:axId val="92715264"/>
         <c:scaling>
           <c:orientation val="minMax"/>
         </c:scaling>
@@ -627,7 +629,7 @@
         <c:majorTickMark val="out"/>
         <c:minorTickMark val="none"/>
         <c:tickLblPos val="nextTo"/>
-        <c:crossAx val="86487808"/>
+        <c:crossAx val="92713728"/>
         <c:crosses val="autoZero"/>
         <c:crossBetween val="midCat"/>
       </c:valAx>
@@ -724,7 +726,7 @@
           <a:p>
             <a:fld id="{1B5322A2-238D-48CE-A6C1-20B34CF1F297}" type="datetimeFigureOut">
               <a:rPr lang="ru-RU" smtClean="0"/>
-              <a:t>11.03.2014</a:t>
+              <a:t>12.03.2014</a:t>
             </a:fld>
             <a:endParaRPr lang="ru-RU"/>
           </a:p>
@@ -1036,6 +1038,90 @@
           <a:bodyPr/>
           <a:lstStyle/>
           <a:p>
+            <a:endParaRPr lang="ru-RU"/>
+          </a:p>
+        </p:txBody>
+      </p:sp>
+      <p:sp>
+        <p:nvSpPr>
+          <p:cNvPr id="4" name="Номер слайда 3"/>
+          <p:cNvSpPr>
+            <a:spLocks noGrp="1"/>
+          </p:cNvSpPr>
+          <p:nvPr>
+            <p:ph type="sldNum" sz="quarter" idx="10"/>
+          </p:nvPr>
+        </p:nvSpPr>
+        <p:spPr/>
+        <p:txBody>
+          <a:bodyPr/>
+          <a:lstStyle/>
+          <a:p>
+            <a:fld id="{CD0605F1-E06D-4620-A0B4-EA8B38CFE09F}" type="slidenum">
+              <a:rPr lang="ru-RU" smtClean="0"/>
+              <a:t>1</a:t>
+            </a:fld>
+            <a:endParaRPr lang="ru-RU"/>
+          </a:p>
+        </p:txBody>
+      </p:sp>
+    </p:spTree>
+    <p:extLst>
+      <p:ext uri="{BB962C8B-B14F-4D97-AF65-F5344CB8AC3E}">
+        <p14:creationId xmlns:p14="http://schemas.microsoft.com/office/powerpoint/2010/main" val="4178824490"/>
+      </p:ext>
+    </p:extLst>
+  </p:cSld>
+  <p:clrMapOvr>
+    <a:masterClrMapping/>
+  </p:clrMapOvr>
+</p:notes>
+</file>
+
+<file path=ppt/notesSlides/notesSlide2.xml><?xml version="1.0" encoding="utf-8"?>
+<p:notes xmlns:a="http://schemas.openxmlformats.org/drawingml/2006/main" xmlns:r="http://schemas.openxmlformats.org/officeDocument/2006/relationships" xmlns:p="http://schemas.openxmlformats.org/presentationml/2006/main">
+  <p:cSld>
+    <p:spTree>
+      <p:nvGrpSpPr>
+        <p:cNvPr id="1" name=""/>
+        <p:cNvGrpSpPr/>
+        <p:nvPr/>
+      </p:nvGrpSpPr>
+      <p:grpSpPr>
+        <a:xfrm>
+          <a:off x="0" y="0"/>
+          <a:ext cx="0" cy="0"/>
+          <a:chOff x="0" y="0"/>
+          <a:chExt cx="0" cy="0"/>
+        </a:xfrm>
+      </p:grpSpPr>
+      <p:sp>
+        <p:nvSpPr>
+          <p:cNvPr id="2" name="Образ слайда 1"/>
+          <p:cNvSpPr>
+            <a:spLocks noGrp="1" noRot="1" noChangeAspect="1"/>
+          </p:cNvSpPr>
+          <p:nvPr>
+            <p:ph type="sldImg"/>
+          </p:nvPr>
+        </p:nvSpPr>
+        <p:spPr/>
+      </p:sp>
+      <p:sp>
+        <p:nvSpPr>
+          <p:cNvPr id="3" name="Заметки 2"/>
+          <p:cNvSpPr>
+            <a:spLocks noGrp="1"/>
+          </p:cNvSpPr>
+          <p:nvPr>
+            <p:ph type="body" idx="1"/>
+          </p:nvPr>
+        </p:nvSpPr>
+        <p:spPr/>
+        <p:txBody>
+          <a:bodyPr/>
+          <a:lstStyle/>
+          <a:p>
             <a:endParaRPr lang="ru-RU" dirty="0"/>
           </a:p>
         </p:txBody>
@@ -1067,6 +1153,90 @@
     <p:extLst>
       <p:ext uri="{BB962C8B-B14F-4D97-AF65-F5344CB8AC3E}">
         <p14:creationId xmlns:p14="http://schemas.microsoft.com/office/powerpoint/2010/main" val="3170476745"/>
+      </p:ext>
+    </p:extLst>
+  </p:cSld>
+  <p:clrMapOvr>
+    <a:masterClrMapping/>
+  </p:clrMapOvr>
+</p:notes>
+</file>
+
+<file path=ppt/notesSlides/notesSlide3.xml><?xml version="1.0" encoding="utf-8"?>
+<p:notes xmlns:a="http://schemas.openxmlformats.org/drawingml/2006/main" xmlns:r="http://schemas.openxmlformats.org/officeDocument/2006/relationships" xmlns:p="http://schemas.openxmlformats.org/presentationml/2006/main">
+  <p:cSld>
+    <p:spTree>
+      <p:nvGrpSpPr>
+        <p:cNvPr id="1" name=""/>
+        <p:cNvGrpSpPr/>
+        <p:nvPr/>
+      </p:nvGrpSpPr>
+      <p:grpSpPr>
+        <a:xfrm>
+          <a:off x="0" y="0"/>
+          <a:ext cx="0" cy="0"/>
+          <a:chOff x="0" y="0"/>
+          <a:chExt cx="0" cy="0"/>
+        </a:xfrm>
+      </p:grpSpPr>
+      <p:sp>
+        <p:nvSpPr>
+          <p:cNvPr id="2" name="Образ слайда 1"/>
+          <p:cNvSpPr>
+            <a:spLocks noGrp="1" noRot="1" noChangeAspect="1"/>
+          </p:cNvSpPr>
+          <p:nvPr>
+            <p:ph type="sldImg"/>
+          </p:nvPr>
+        </p:nvSpPr>
+        <p:spPr/>
+      </p:sp>
+      <p:sp>
+        <p:nvSpPr>
+          <p:cNvPr id="3" name="Заметки 2"/>
+          <p:cNvSpPr>
+            <a:spLocks noGrp="1"/>
+          </p:cNvSpPr>
+          <p:nvPr>
+            <p:ph type="body" idx="1"/>
+          </p:nvPr>
+        </p:nvSpPr>
+        <p:spPr/>
+        <p:txBody>
+          <a:bodyPr/>
+          <a:lstStyle/>
+          <a:p>
+            <a:endParaRPr lang="ru-RU"/>
+          </a:p>
+        </p:txBody>
+      </p:sp>
+      <p:sp>
+        <p:nvSpPr>
+          <p:cNvPr id="4" name="Номер слайда 3"/>
+          <p:cNvSpPr>
+            <a:spLocks noGrp="1"/>
+          </p:cNvSpPr>
+          <p:nvPr>
+            <p:ph type="sldNum" sz="quarter" idx="10"/>
+          </p:nvPr>
+        </p:nvSpPr>
+        <p:spPr/>
+        <p:txBody>
+          <a:bodyPr/>
+          <a:lstStyle/>
+          <a:p>
+            <a:fld id="{CD0605F1-E06D-4620-A0B4-EA8B38CFE09F}" type="slidenum">
+              <a:rPr lang="ru-RU" smtClean="0"/>
+              <a:t>14</a:t>
+            </a:fld>
+            <a:endParaRPr lang="ru-RU"/>
+          </a:p>
+        </p:txBody>
+      </p:sp>
+    </p:spTree>
+    <p:extLst>
+      <p:ext uri="{BB962C8B-B14F-4D97-AF65-F5344CB8AC3E}">
+        <p14:creationId xmlns:p14="http://schemas.microsoft.com/office/powerpoint/2010/main" val="4178824490"/>
       </p:ext>
     </p:extLst>
   </p:cSld>
@@ -1266,9 +1436,9 @@
           <a:bodyPr/>
           <a:lstStyle/>
           <a:p>
-            <a:fld id="{8DD71387-7B2D-4A8E-B5D8-456C6BC8B667}" type="datetimeFigureOut">
+            <a:fld id="{FF8843E8-E415-417A-8488-395A8465952E}" type="datetime1">
               <a:rPr lang="ru-RU" smtClean="0"/>
-              <a:t>11.03.2014</a:t>
+              <a:t>12.03.2014</a:t>
             </a:fld>
             <a:endParaRPr lang="ru-RU"/>
           </a:p>
@@ -1431,9 +1601,9 @@
           <a:bodyPr/>
           <a:lstStyle/>
           <a:p>
-            <a:fld id="{8DD71387-7B2D-4A8E-B5D8-456C6BC8B667}" type="datetimeFigureOut">
+            <a:fld id="{D935A599-0941-4E14-9EB8-00E24AC3164C}" type="datetime1">
               <a:rPr lang="ru-RU" smtClean="0"/>
-              <a:t>11.03.2014</a:t>
+              <a:t>12.03.2014</a:t>
             </a:fld>
             <a:endParaRPr lang="ru-RU"/>
           </a:p>
@@ -1606,9 +1776,9 @@
           <a:bodyPr/>
           <a:lstStyle/>
           <a:p>
-            <a:fld id="{8DD71387-7B2D-4A8E-B5D8-456C6BC8B667}" type="datetimeFigureOut">
+            <a:fld id="{C3497FEF-C694-44E3-B1CA-5959A09E7702}" type="datetime1">
               <a:rPr lang="ru-RU" smtClean="0"/>
-              <a:t>11.03.2014</a:t>
+              <a:t>12.03.2014</a:t>
             </a:fld>
             <a:endParaRPr lang="ru-RU"/>
           </a:p>
@@ -1789,9 +1959,9 @@
           <a:bodyPr/>
           <a:lstStyle/>
           <a:p>
-            <a:fld id="{8DD71387-7B2D-4A8E-B5D8-456C6BC8B667}" type="datetimeFigureOut">
+            <a:fld id="{F1521FC8-4E9F-4899-9B48-3958713A0443}" type="datetime1">
               <a:rPr lang="ru-RU" smtClean="0"/>
-              <a:t>11.03.2014</a:t>
+              <a:t>12.03.2014</a:t>
             </a:fld>
             <a:endParaRPr lang="ru-RU"/>
           </a:p>
@@ -2051,9 +2221,9 @@
           <a:bodyPr/>
           <a:lstStyle/>
           <a:p>
-            <a:fld id="{8DD71387-7B2D-4A8E-B5D8-456C6BC8B667}" type="datetimeFigureOut">
+            <a:fld id="{A0EA8BEB-A9B4-4756-AF7E-2EE8CFA4BBD3}" type="datetime1">
               <a:rPr lang="ru-RU" smtClean="0"/>
-              <a:t>11.03.2014</a:t>
+              <a:t>12.03.2014</a:t>
             </a:fld>
             <a:endParaRPr lang="ru-RU"/>
           </a:p>
@@ -2399,9 +2569,9 @@
           <a:bodyPr/>
           <a:lstStyle/>
           <a:p>
-            <a:fld id="{8DD71387-7B2D-4A8E-B5D8-456C6BC8B667}" type="datetimeFigureOut">
+            <a:fld id="{41782552-AAFA-4D58-AD69-FEE9246D4ABA}" type="datetime1">
               <a:rPr lang="ru-RU" smtClean="0"/>
-              <a:t>11.03.2014</a:t>
+              <a:t>12.03.2014</a:t>
             </a:fld>
             <a:endParaRPr lang="ru-RU"/>
           </a:p>
@@ -2707,9 +2877,9 @@
           <a:bodyPr/>
           <a:lstStyle/>
           <a:p>
-            <a:fld id="{8DD71387-7B2D-4A8E-B5D8-456C6BC8B667}" type="datetimeFigureOut">
+            <a:fld id="{BD52595D-C00E-424A-9F13-46C770A829AE}" type="datetime1">
               <a:rPr lang="ru-RU" smtClean="0"/>
-              <a:t>11.03.2014</a:t>
+              <a:t>12.03.2014</a:t>
             </a:fld>
             <a:endParaRPr lang="ru-RU"/>
           </a:p>
@@ -2934,9 +3104,9 @@
           <a:bodyPr/>
           <a:lstStyle/>
           <a:p>
-            <a:fld id="{8DD71387-7B2D-4A8E-B5D8-456C6BC8B667}" type="datetimeFigureOut">
+            <a:fld id="{B230960D-0EB6-4A82-A4E8-6562C3600EB9}" type="datetime1">
               <a:rPr lang="ru-RU" smtClean="0"/>
-              <a:t>11.03.2014</a:t>
+              <a:t>12.03.2014</a:t>
             </a:fld>
             <a:endParaRPr lang="ru-RU"/>
           </a:p>
@@ -3024,9 +3194,9 @@
           <a:bodyPr/>
           <a:lstStyle/>
           <a:p>
-            <a:fld id="{8DD71387-7B2D-4A8E-B5D8-456C6BC8B667}" type="datetimeFigureOut">
+            <a:fld id="{15E4B59A-F892-48CB-A840-2EEA18DE8637}" type="datetime1">
               <a:rPr lang="ru-RU" smtClean="0"/>
-              <a:t>11.03.2014</a:t>
+              <a:t>12.03.2014</a:t>
             </a:fld>
             <a:endParaRPr lang="ru-RU"/>
           </a:p>
@@ -3312,9 +3482,9 @@
           <a:bodyPr/>
           <a:lstStyle/>
           <a:p>
-            <a:fld id="{8DD71387-7B2D-4A8E-B5D8-456C6BC8B667}" type="datetimeFigureOut">
+            <a:fld id="{D4B7635B-3912-4994-9517-7263B9610B86}" type="datetime1">
               <a:rPr lang="ru-RU" smtClean="0"/>
-              <a:t>11.03.2014</a:t>
+              <a:t>12.03.2014</a:t>
             </a:fld>
             <a:endParaRPr lang="ru-RU"/>
           </a:p>
@@ -3581,9 +3751,9 @@
           <a:bodyPr/>
           <a:lstStyle/>
           <a:p>
-            <a:fld id="{8DD71387-7B2D-4A8E-B5D8-456C6BC8B667}" type="datetimeFigureOut">
+            <a:fld id="{663C5BE7-0CED-49CA-A68D-11FA18C9C38B}" type="datetime1">
               <a:rPr lang="ru-RU" smtClean="0"/>
-              <a:t>11.03.2014</a:t>
+              <a:t>12.03.2014</a:t>
             </a:fld>
             <a:endParaRPr lang="ru-RU"/>
           </a:p>
@@ -3791,9 +3961,9 @@
             </a:lvl1pPr>
           </a:lstStyle>
           <a:p>
-            <a:fld id="{8DD71387-7B2D-4A8E-B5D8-456C6BC8B667}" type="datetimeFigureOut">
+            <a:fld id="{786FEF34-1197-40F3-A733-EEBE93317C99}" type="datetime1">
               <a:rPr lang="ru-RU" smtClean="0"/>
-              <a:t>11.03.2014</a:t>
+              <a:t>12.03.2014</a:t>
             </a:fld>
             <a:endParaRPr lang="ru-RU"/>
           </a:p>
@@ -4004,6 +4174,7 @@
     <p:sldLayoutId id="2147483670" r:id="rId10"/>
     <p:sldLayoutId id="2147483671" r:id="rId11"/>
   </p:sldLayoutIdLst>
+  <p:hf hdr="0" ftr="0" dt="0"/>
   <p:txStyles>
     <p:titleStyle>
       <a:lvl1pPr algn="ctr" defTabSz="914400" rtl="0" eaLnBrk="1" latinLnBrk="0" hangingPunct="1">
@@ -4463,6 +4634,47 @@
           <a:chExt cx="0" cy="0"/>
         </a:xfrm>
       </p:grpSpPr>
+      <p:pic>
+        <p:nvPicPr>
+          <p:cNvPr id="2051" name="Picture 3" descr="D:\Work\Fires\Apriori\my_tex\apriori_tree_2.png"/>
+          <p:cNvPicPr>
+            <a:picLocks noChangeAspect="1" noChangeArrowheads="1"/>
+          </p:cNvPicPr>
+          <p:nvPr/>
+        </p:nvPicPr>
+        <p:blipFill>
+          <a:blip r:embed="rId2">
+            <a:extLst>
+              <a:ext uri="{28A0092B-C50C-407E-A947-70E740481C1C}">
+                <a14:useLocalDpi xmlns:a14="http://schemas.microsoft.com/office/drawing/2010/main" val="0"/>
+              </a:ext>
+            </a:extLst>
+          </a:blip>
+          <a:srcRect/>
+          <a:stretch>
+            <a:fillRect/>
+          </a:stretch>
+        </p:blipFill>
+        <p:spPr bwMode="auto">
+          <a:xfrm>
+            <a:off x="3277716" y="2020416"/>
+            <a:ext cx="5446933" cy="1931240"/>
+          </a:xfrm>
+          <a:prstGeom prst="rect">
+            <a:avLst/>
+          </a:prstGeom>
+          <a:noFill/>
+          <a:extLst>
+            <a:ext uri="{909E8E84-426E-40DD-AFC4-6F175D3DCCD1}">
+              <a14:hiddenFill xmlns:a14="http://schemas.microsoft.com/office/drawing/2010/main">
+                <a:solidFill>
+                  <a:srgbClr val="FFFFFF"/>
+                </a:solidFill>
+              </a14:hiddenFill>
+            </a:ext>
+          </a:extLst>
+        </p:spPr>
+      </p:pic>
       <p:graphicFrame>
         <p:nvGraphicFramePr>
           <p:cNvPr id="4" name="Объект 3"/>
@@ -4472,7 +4684,7 @@
           <p:nvPr>
             <p:extLst>
               <p:ext uri="{D42A27DB-BD31-4B8C-83A1-F6EECF244321}">
-                <p14:modId xmlns:p14="http://schemas.microsoft.com/office/powerpoint/2010/main" val="1252685867"/>
+                <p14:modId xmlns:p14="http://schemas.microsoft.com/office/powerpoint/2010/main" val="630046767"/>
               </p:ext>
             </p:extLst>
           </p:nvPr>
@@ -7642,47 +7854,6 @@
           </a:p>
         </p:txBody>
       </p:sp>
-      <p:pic>
-        <p:nvPicPr>
-          <p:cNvPr id="1029" name="Picture 5" descr="D:\Work\Fires\Apriori\my_tex\Apriori_Tree2_bgLess.png"/>
-          <p:cNvPicPr>
-            <a:picLocks noChangeAspect="1" noChangeArrowheads="1"/>
-          </p:cNvPicPr>
-          <p:nvPr/>
-        </p:nvPicPr>
-        <p:blipFill>
-          <a:blip r:embed="rId2">
-            <a:extLst>
-              <a:ext uri="{28A0092B-C50C-407E-A947-70E740481C1C}">
-                <a14:useLocalDpi xmlns:a14="http://schemas.microsoft.com/office/drawing/2010/main" val="0"/>
-              </a:ext>
-            </a:extLst>
-          </a:blip>
-          <a:srcRect/>
-          <a:stretch>
-            <a:fillRect/>
-          </a:stretch>
-        </p:blipFill>
-        <p:spPr bwMode="auto">
-          <a:xfrm>
-            <a:off x="3111150" y="2020416"/>
-            <a:ext cx="5585994" cy="3240360"/>
-          </a:xfrm>
-          <a:prstGeom prst="rect">
-            <a:avLst/>
-          </a:prstGeom>
-          <a:noFill/>
-          <a:extLst>
-            <a:ext uri="{909E8E84-426E-40DD-AFC4-6F175D3DCCD1}">
-              <a14:hiddenFill xmlns:a14="http://schemas.microsoft.com/office/drawing/2010/main">
-                <a:solidFill>
-                  <a:srgbClr val="FFFFFF"/>
-                </a:solidFill>
-              </a14:hiddenFill>
-            </a:ext>
-          </a:extLst>
-        </p:spPr>
-      </p:pic>
       <p:sp>
         <p:nvSpPr>
           <p:cNvPr id="7" name="TextBox 6"/>
@@ -7721,10 +7892,33 @@
           </a:p>
         </p:txBody>
       </p:sp>
+      <p:sp>
+        <p:nvSpPr>
+          <p:cNvPr id="3" name="Номер слайда 2"/>
+          <p:cNvSpPr>
+            <a:spLocks noGrp="1"/>
+          </p:cNvSpPr>
+          <p:nvPr>
+            <p:ph type="sldNum" sz="quarter" idx="12"/>
+          </p:nvPr>
+        </p:nvSpPr>
+        <p:spPr/>
+        <p:txBody>
+          <a:bodyPr/>
+          <a:lstStyle/>
+          <a:p>
+            <a:fld id="{EDFC3FDD-8E34-46B9-B4F0-1D742C30C66D}" type="slidenum">
+              <a:rPr lang="ru-RU" smtClean="0"/>
+              <a:t>10</a:t>
+            </a:fld>
+            <a:endParaRPr lang="ru-RU"/>
+          </a:p>
+        </p:txBody>
+      </p:sp>
     </p:spTree>
     <p:extLst>
       <p:ext uri="{BB962C8B-B14F-4D97-AF65-F5344CB8AC3E}">
-        <p14:creationId xmlns:p14="http://schemas.microsoft.com/office/powerpoint/2010/main" val="2332958742"/>
+        <p14:creationId xmlns:p14="http://schemas.microsoft.com/office/powerpoint/2010/main" val="1542972249"/>
       </p:ext>
     </p:extLst>
   </p:cSld>
@@ -7742,6 +7936,3356 @@
 </file>
 
 <file path=ppt/slides/slide11.xml><?xml version="1.0" encoding="utf-8"?>
+<p:sld xmlns:a="http://schemas.openxmlformats.org/drawingml/2006/main" xmlns:r="http://schemas.openxmlformats.org/officeDocument/2006/relationships" xmlns:p="http://schemas.openxmlformats.org/presentationml/2006/main">
+  <p:cSld>
+    <p:bg>
+      <p:bgPr>
+        <a:gradFill>
+          <a:gsLst>
+            <a:gs pos="50000">
+              <a:schemeClr val="bg1">
+                <a:tint val="80000"/>
+                <a:satMod val="250000"/>
+              </a:schemeClr>
+            </a:gs>
+            <a:gs pos="76000">
+              <a:schemeClr val="bg1">
+                <a:tint val="90000"/>
+                <a:shade val="90000"/>
+                <a:satMod val="200000"/>
+              </a:schemeClr>
+            </a:gs>
+            <a:gs pos="92000">
+              <a:schemeClr val="bg1">
+                <a:tint val="90000"/>
+                <a:shade val="70000"/>
+                <a:satMod val="250000"/>
+              </a:schemeClr>
+            </a:gs>
+          </a:gsLst>
+          <a:path path="circle">
+            <a:fillToRect l="50000" t="50000" r="50000" b="50000"/>
+          </a:path>
+        </a:gradFill>
+        <a:effectLst/>
+      </p:bgPr>
+    </p:bg>
+    <p:spTree>
+      <p:nvGrpSpPr>
+        <p:cNvPr id="1" name=""/>
+        <p:cNvGrpSpPr/>
+        <p:nvPr/>
+      </p:nvGrpSpPr>
+      <p:grpSpPr>
+        <a:xfrm>
+          <a:off x="0" y="0"/>
+          <a:ext cx="0" cy="0"/>
+          <a:chOff x="0" y="0"/>
+          <a:chExt cx="0" cy="0"/>
+        </a:xfrm>
+      </p:grpSpPr>
+      <p:graphicFrame>
+        <p:nvGraphicFramePr>
+          <p:cNvPr id="4" name="Объект 3"/>
+          <p:cNvGraphicFramePr>
+            <a:graphicFrameLocks/>
+          </p:cNvGraphicFramePr>
+          <p:nvPr>
+            <p:extLst>
+              <p:ext uri="{D42A27DB-BD31-4B8C-83A1-F6EECF244321}">
+                <p14:modId xmlns:p14="http://schemas.microsoft.com/office/powerpoint/2010/main" val="4128758502"/>
+              </p:ext>
+            </p:extLst>
+          </p:nvPr>
+        </p:nvGraphicFramePr>
+        <p:xfrm>
+          <a:off x="457200" y="2020416"/>
+          <a:ext cx="2592288" cy="3352800"/>
+        </p:xfrm>
+        <a:graphic>
+          <a:graphicData uri="http://schemas.openxmlformats.org/drawingml/2006/table">
+            <a:tbl>
+              <a:tblPr firstRow="1" bandRow="1">
+                <a:tableStyleId>{E8034E78-7F5D-4C2E-B375-FC64B27BC917}</a:tableStyleId>
+              </a:tblPr>
+              <a:tblGrid>
+                <a:gridCol w="591141"/>
+                <a:gridCol w="667049"/>
+                <a:gridCol w="667049"/>
+                <a:gridCol w="667049"/>
+              </a:tblGrid>
+              <a:tr h="202932">
+                <a:tc>
+                  <a:txBody>
+                    <a:bodyPr/>
+                    <a:lstStyle/>
+                    <a:p>
+                      <a:pPr algn="ctr"/>
+                      <a:r>
+                        <a:rPr lang="ru-RU" sz="1400" dirty="0" smtClean="0"/>
+                        <a:t>А</a:t>
+                      </a:r>
+                      <a:endParaRPr lang="ru-RU" sz="1400" dirty="0"/>
+                    </a:p>
+                  </a:txBody>
+                  <a:tcPr>
+                    <a:lnL w="6350" cap="flat" cmpd="sng" algn="ctr">
+                      <a:solidFill>
+                        <a:schemeClr val="tx2"/>
+                      </a:solidFill>
+                      <a:prstDash val="solid"/>
+                      <a:round/>
+                      <a:headEnd type="none" w="med" len="med"/>
+                      <a:tailEnd type="none" w="med" len="med"/>
+                    </a:lnL>
+                    <a:lnR w="6350" cap="flat" cmpd="sng" algn="ctr">
+                      <a:solidFill>
+                        <a:schemeClr val="tx2"/>
+                      </a:solidFill>
+                      <a:prstDash val="solid"/>
+                      <a:round/>
+                      <a:headEnd type="none" w="med" len="med"/>
+                      <a:tailEnd type="none" w="med" len="med"/>
+                    </a:lnR>
+                    <a:lnT w="6350" cap="flat" cmpd="sng" algn="ctr">
+                      <a:solidFill>
+                        <a:schemeClr val="tx2"/>
+                      </a:solidFill>
+                      <a:prstDash val="solid"/>
+                      <a:round/>
+                      <a:headEnd type="none" w="med" len="med"/>
+                      <a:tailEnd type="none" w="med" len="med"/>
+                    </a:lnT>
+                    <a:lnB w="6350" cap="flat" cmpd="sng" algn="ctr">
+                      <a:solidFill>
+                        <a:schemeClr val="tx2"/>
+                      </a:solidFill>
+                      <a:prstDash val="solid"/>
+                      <a:round/>
+                      <a:headEnd type="none" w="med" len="med"/>
+                      <a:tailEnd type="none" w="med" len="med"/>
+                    </a:lnB>
+                    <a:lnTlToBr w="12700" cmpd="sng">
+                      <a:noFill/>
+                      <a:prstDash val="solid"/>
+                    </a:lnTlToBr>
+                    <a:lnBlToTr w="12700" cmpd="sng">
+                      <a:noFill/>
+                      <a:prstDash val="solid"/>
+                    </a:lnBlToTr>
+                  </a:tcPr>
+                </a:tc>
+                <a:tc>
+                  <a:txBody>
+                    <a:bodyPr/>
+                    <a:lstStyle/>
+                    <a:p>
+                      <a:pPr algn="ctr"/>
+                      <a:r>
+                        <a:rPr lang="ru-RU" sz="1400" dirty="0" smtClean="0"/>
+                        <a:t>Б</a:t>
+                      </a:r>
+                      <a:endParaRPr lang="ru-RU" sz="1400" baseline="-25000" dirty="0"/>
+                    </a:p>
+                  </a:txBody>
+                  <a:tcPr>
+                    <a:lnL w="6350" cap="flat" cmpd="sng" algn="ctr">
+                      <a:solidFill>
+                        <a:schemeClr val="tx2"/>
+                      </a:solidFill>
+                      <a:prstDash val="solid"/>
+                      <a:round/>
+                      <a:headEnd type="none" w="med" len="med"/>
+                      <a:tailEnd type="none" w="med" len="med"/>
+                    </a:lnL>
+                    <a:lnR w="6350" cap="flat" cmpd="sng" algn="ctr">
+                      <a:solidFill>
+                        <a:schemeClr val="tx2"/>
+                      </a:solidFill>
+                      <a:prstDash val="solid"/>
+                      <a:round/>
+                      <a:headEnd type="none" w="med" len="med"/>
+                      <a:tailEnd type="none" w="med" len="med"/>
+                    </a:lnR>
+                    <a:lnT w="6350" cap="flat" cmpd="sng" algn="ctr">
+                      <a:solidFill>
+                        <a:schemeClr val="tx2"/>
+                      </a:solidFill>
+                      <a:prstDash val="solid"/>
+                      <a:round/>
+                      <a:headEnd type="none" w="med" len="med"/>
+                      <a:tailEnd type="none" w="med" len="med"/>
+                    </a:lnT>
+                    <a:lnB w="6350" cap="flat" cmpd="sng" algn="ctr">
+                      <a:solidFill>
+                        <a:schemeClr val="tx2"/>
+                      </a:solidFill>
+                      <a:prstDash val="solid"/>
+                      <a:round/>
+                      <a:headEnd type="none" w="med" len="med"/>
+                      <a:tailEnd type="none" w="med" len="med"/>
+                    </a:lnB>
+                    <a:lnTlToBr w="12700" cmpd="sng">
+                      <a:noFill/>
+                      <a:prstDash val="solid"/>
+                    </a:lnTlToBr>
+                    <a:lnBlToTr w="12700" cmpd="sng">
+                      <a:noFill/>
+                      <a:prstDash val="solid"/>
+                    </a:lnBlToTr>
+                  </a:tcPr>
+                </a:tc>
+                <a:tc>
+                  <a:txBody>
+                    <a:bodyPr/>
+                    <a:lstStyle/>
+                    <a:p>
+                      <a:pPr algn="ctr"/>
+                      <a:r>
+                        <a:rPr lang="ru-RU" sz="1400" dirty="0" smtClean="0"/>
+                        <a:t>В</a:t>
+                      </a:r>
+                      <a:endParaRPr lang="ru-RU" sz="1400" dirty="0"/>
+                    </a:p>
+                  </a:txBody>
+                  <a:tcPr>
+                    <a:lnL w="6350" cap="flat" cmpd="sng" algn="ctr">
+                      <a:solidFill>
+                        <a:schemeClr val="tx2"/>
+                      </a:solidFill>
+                      <a:prstDash val="solid"/>
+                      <a:round/>
+                      <a:headEnd type="none" w="med" len="med"/>
+                      <a:tailEnd type="none" w="med" len="med"/>
+                    </a:lnL>
+                    <a:lnR w="6350" cap="flat" cmpd="sng" algn="ctr">
+                      <a:solidFill>
+                        <a:schemeClr val="tx2"/>
+                      </a:solidFill>
+                      <a:prstDash val="solid"/>
+                      <a:round/>
+                      <a:headEnd type="none" w="med" len="med"/>
+                      <a:tailEnd type="none" w="med" len="med"/>
+                    </a:lnR>
+                    <a:lnT w="6350" cap="flat" cmpd="sng" algn="ctr">
+                      <a:solidFill>
+                        <a:schemeClr val="tx2"/>
+                      </a:solidFill>
+                      <a:prstDash val="solid"/>
+                      <a:round/>
+                      <a:headEnd type="none" w="med" len="med"/>
+                      <a:tailEnd type="none" w="med" len="med"/>
+                    </a:lnT>
+                    <a:lnB w="6350" cap="flat" cmpd="sng" algn="ctr">
+                      <a:solidFill>
+                        <a:schemeClr val="tx2"/>
+                      </a:solidFill>
+                      <a:prstDash val="solid"/>
+                      <a:round/>
+                      <a:headEnd type="none" w="med" len="med"/>
+                      <a:tailEnd type="none" w="med" len="med"/>
+                    </a:lnB>
+                    <a:lnTlToBr w="12700" cmpd="sng">
+                      <a:noFill/>
+                      <a:prstDash val="solid"/>
+                    </a:lnTlToBr>
+                    <a:lnBlToTr w="12700" cmpd="sng">
+                      <a:noFill/>
+                      <a:prstDash val="solid"/>
+                    </a:lnBlToTr>
+                  </a:tcPr>
+                </a:tc>
+                <a:tc>
+                  <a:txBody>
+                    <a:bodyPr/>
+                    <a:lstStyle/>
+                    <a:p>
+                      <a:pPr algn="ctr"/>
+                      <a:r>
+                        <a:rPr lang="ru-RU" sz="1400" dirty="0" smtClean="0"/>
+                        <a:t>Г</a:t>
+                      </a:r>
+                      <a:endParaRPr lang="ru-RU" sz="1400" dirty="0"/>
+                    </a:p>
+                  </a:txBody>
+                  <a:tcPr>
+                    <a:lnL w="6350" cap="flat" cmpd="sng" algn="ctr">
+                      <a:solidFill>
+                        <a:schemeClr val="tx2"/>
+                      </a:solidFill>
+                      <a:prstDash val="solid"/>
+                      <a:round/>
+                      <a:headEnd type="none" w="med" len="med"/>
+                      <a:tailEnd type="none" w="med" len="med"/>
+                    </a:lnL>
+                    <a:lnR w="6350" cap="flat" cmpd="sng" algn="ctr">
+                      <a:solidFill>
+                        <a:schemeClr val="tx2"/>
+                      </a:solidFill>
+                      <a:prstDash val="solid"/>
+                      <a:round/>
+                      <a:headEnd type="none" w="med" len="med"/>
+                      <a:tailEnd type="none" w="med" len="med"/>
+                    </a:lnR>
+                    <a:lnT w="6350" cap="flat" cmpd="sng" algn="ctr">
+                      <a:solidFill>
+                        <a:schemeClr val="tx2"/>
+                      </a:solidFill>
+                      <a:prstDash val="solid"/>
+                      <a:round/>
+                      <a:headEnd type="none" w="med" len="med"/>
+                      <a:tailEnd type="none" w="med" len="med"/>
+                    </a:lnT>
+                    <a:lnB w="6350" cap="flat" cmpd="sng" algn="ctr">
+                      <a:solidFill>
+                        <a:schemeClr val="tx2"/>
+                      </a:solidFill>
+                      <a:prstDash val="solid"/>
+                      <a:round/>
+                      <a:headEnd type="none" w="med" len="med"/>
+                      <a:tailEnd type="none" w="med" len="med"/>
+                    </a:lnB>
+                    <a:lnTlToBr w="12700" cmpd="sng">
+                      <a:noFill/>
+                      <a:prstDash val="solid"/>
+                    </a:lnTlToBr>
+                    <a:lnBlToTr w="12700" cmpd="sng">
+                      <a:noFill/>
+                      <a:prstDash val="solid"/>
+                    </a:lnBlToTr>
+                  </a:tcPr>
+                </a:tc>
+              </a:tr>
+              <a:tr h="202932">
+                <a:tc>
+                  <a:txBody>
+                    <a:bodyPr/>
+                    <a:lstStyle/>
+                    <a:p>
+                      <a:pPr algn="ctr"/>
+                      <a:r>
+                        <a:rPr lang="ru-RU" sz="1400" dirty="0" smtClean="0">
+                          <a:solidFill>
+                            <a:schemeClr val="tx1"/>
+                          </a:solidFill>
+                        </a:rPr>
+                        <a:t>0</a:t>
+                      </a:r>
+                      <a:endParaRPr lang="ru-RU" sz="1400" dirty="0">
+                        <a:solidFill>
+                          <a:schemeClr val="tx1"/>
+                        </a:solidFill>
+                      </a:endParaRPr>
+                    </a:p>
+                  </a:txBody>
+                  <a:tcPr>
+                    <a:lnL w="6350" cap="flat" cmpd="sng" algn="ctr">
+                      <a:solidFill>
+                        <a:schemeClr val="tx2"/>
+                      </a:solidFill>
+                      <a:prstDash val="solid"/>
+                      <a:round/>
+                      <a:headEnd type="none" w="med" len="med"/>
+                      <a:tailEnd type="none" w="med" len="med"/>
+                    </a:lnL>
+                    <a:lnR w="6350" cap="flat" cmpd="sng" algn="ctr">
+                      <a:solidFill>
+                        <a:schemeClr val="tx2"/>
+                      </a:solidFill>
+                      <a:prstDash val="solid"/>
+                      <a:round/>
+                      <a:headEnd type="none" w="med" len="med"/>
+                      <a:tailEnd type="none" w="med" len="med"/>
+                    </a:lnR>
+                    <a:lnT w="6350" cap="flat" cmpd="sng" algn="ctr">
+                      <a:solidFill>
+                        <a:schemeClr val="tx2"/>
+                      </a:solidFill>
+                      <a:prstDash val="solid"/>
+                      <a:round/>
+                      <a:headEnd type="none" w="med" len="med"/>
+                      <a:tailEnd type="none" w="med" len="med"/>
+                    </a:lnT>
+                    <a:lnB w="6350" cap="flat" cmpd="sng" algn="ctr">
+                      <a:solidFill>
+                        <a:schemeClr val="tx2"/>
+                      </a:solidFill>
+                      <a:prstDash val="solid"/>
+                      <a:round/>
+                      <a:headEnd type="none" w="med" len="med"/>
+                      <a:tailEnd type="none" w="med" len="med"/>
+                    </a:lnB>
+                    <a:lnTlToBr w="12700" cmpd="sng">
+                      <a:noFill/>
+                      <a:prstDash val="solid"/>
+                    </a:lnTlToBr>
+                    <a:lnBlToTr w="12700" cmpd="sng">
+                      <a:noFill/>
+                      <a:prstDash val="solid"/>
+                    </a:lnBlToTr>
+                  </a:tcPr>
+                </a:tc>
+                <a:tc>
+                  <a:txBody>
+                    <a:bodyPr/>
+                    <a:lstStyle/>
+                    <a:p>
+                      <a:pPr algn="ctr"/>
+                      <a:r>
+                        <a:rPr lang="ru-RU" sz="1400" dirty="0" smtClean="0">
+                          <a:solidFill>
+                            <a:schemeClr val="tx1"/>
+                          </a:solidFill>
+                        </a:rPr>
+                        <a:t>0</a:t>
+                      </a:r>
+                      <a:endParaRPr lang="ru-RU" sz="1400" dirty="0">
+                        <a:solidFill>
+                          <a:schemeClr val="tx1"/>
+                        </a:solidFill>
+                      </a:endParaRPr>
+                    </a:p>
+                  </a:txBody>
+                  <a:tcPr>
+                    <a:lnL w="6350" cap="flat" cmpd="sng" algn="ctr">
+                      <a:solidFill>
+                        <a:schemeClr val="tx2"/>
+                      </a:solidFill>
+                      <a:prstDash val="solid"/>
+                      <a:round/>
+                      <a:headEnd type="none" w="med" len="med"/>
+                      <a:tailEnd type="none" w="med" len="med"/>
+                    </a:lnL>
+                    <a:lnR w="6350" cap="flat" cmpd="sng" algn="ctr">
+                      <a:solidFill>
+                        <a:schemeClr val="tx2"/>
+                      </a:solidFill>
+                      <a:prstDash val="solid"/>
+                      <a:round/>
+                      <a:headEnd type="none" w="med" len="med"/>
+                      <a:tailEnd type="none" w="med" len="med"/>
+                    </a:lnR>
+                    <a:lnT w="6350" cap="flat" cmpd="sng" algn="ctr">
+                      <a:solidFill>
+                        <a:schemeClr val="tx2"/>
+                      </a:solidFill>
+                      <a:prstDash val="solid"/>
+                      <a:round/>
+                      <a:headEnd type="none" w="med" len="med"/>
+                      <a:tailEnd type="none" w="med" len="med"/>
+                    </a:lnT>
+                    <a:lnB w="6350" cap="flat" cmpd="sng" algn="ctr">
+                      <a:solidFill>
+                        <a:schemeClr val="tx2"/>
+                      </a:solidFill>
+                      <a:prstDash val="solid"/>
+                      <a:round/>
+                      <a:headEnd type="none" w="med" len="med"/>
+                      <a:tailEnd type="none" w="med" len="med"/>
+                    </a:lnB>
+                    <a:lnTlToBr w="12700" cmpd="sng">
+                      <a:noFill/>
+                      <a:prstDash val="solid"/>
+                    </a:lnTlToBr>
+                    <a:lnBlToTr w="12700" cmpd="sng">
+                      <a:noFill/>
+                      <a:prstDash val="solid"/>
+                    </a:lnBlToTr>
+                  </a:tcPr>
+                </a:tc>
+                <a:tc>
+                  <a:txBody>
+                    <a:bodyPr/>
+                    <a:lstStyle/>
+                    <a:p>
+                      <a:pPr algn="ctr"/>
+                      <a:r>
+                        <a:rPr lang="ru-RU" sz="1400" dirty="0" smtClean="0">
+                          <a:solidFill>
+                            <a:schemeClr val="tx1"/>
+                          </a:solidFill>
+                        </a:rPr>
+                        <a:t>1</a:t>
+                      </a:r>
+                      <a:endParaRPr lang="ru-RU" sz="1400" dirty="0">
+                        <a:solidFill>
+                          <a:schemeClr val="tx1"/>
+                        </a:solidFill>
+                      </a:endParaRPr>
+                    </a:p>
+                  </a:txBody>
+                  <a:tcPr>
+                    <a:lnL w="6350" cap="flat" cmpd="sng" algn="ctr">
+                      <a:solidFill>
+                        <a:schemeClr val="tx2"/>
+                      </a:solidFill>
+                      <a:prstDash val="solid"/>
+                      <a:round/>
+                      <a:headEnd type="none" w="med" len="med"/>
+                      <a:tailEnd type="none" w="med" len="med"/>
+                    </a:lnL>
+                    <a:lnR w="6350" cap="flat" cmpd="sng" algn="ctr">
+                      <a:solidFill>
+                        <a:schemeClr val="tx2"/>
+                      </a:solidFill>
+                      <a:prstDash val="solid"/>
+                      <a:round/>
+                      <a:headEnd type="none" w="med" len="med"/>
+                      <a:tailEnd type="none" w="med" len="med"/>
+                    </a:lnR>
+                    <a:lnT w="6350" cap="flat" cmpd="sng" algn="ctr">
+                      <a:solidFill>
+                        <a:schemeClr val="tx2"/>
+                      </a:solidFill>
+                      <a:prstDash val="solid"/>
+                      <a:round/>
+                      <a:headEnd type="none" w="med" len="med"/>
+                      <a:tailEnd type="none" w="med" len="med"/>
+                    </a:lnT>
+                    <a:lnB w="6350" cap="flat" cmpd="sng" algn="ctr">
+                      <a:solidFill>
+                        <a:schemeClr val="tx2"/>
+                      </a:solidFill>
+                      <a:prstDash val="solid"/>
+                      <a:round/>
+                      <a:headEnd type="none" w="med" len="med"/>
+                      <a:tailEnd type="none" w="med" len="med"/>
+                    </a:lnB>
+                    <a:lnTlToBr w="12700" cmpd="sng">
+                      <a:noFill/>
+                      <a:prstDash val="solid"/>
+                    </a:lnTlToBr>
+                    <a:lnBlToTr w="12700" cmpd="sng">
+                      <a:noFill/>
+                      <a:prstDash val="solid"/>
+                    </a:lnBlToTr>
+                  </a:tcPr>
+                </a:tc>
+                <a:tc>
+                  <a:txBody>
+                    <a:bodyPr/>
+                    <a:lstStyle/>
+                    <a:p>
+                      <a:pPr algn="ctr"/>
+                      <a:r>
+                        <a:rPr lang="ru-RU" sz="1400" dirty="0" smtClean="0">
+                          <a:solidFill>
+                            <a:schemeClr val="tx1"/>
+                          </a:solidFill>
+                        </a:rPr>
+                        <a:t>1</a:t>
+                      </a:r>
+                      <a:endParaRPr lang="ru-RU" sz="1400" dirty="0">
+                        <a:solidFill>
+                          <a:schemeClr val="tx1"/>
+                        </a:solidFill>
+                      </a:endParaRPr>
+                    </a:p>
+                  </a:txBody>
+                  <a:tcPr>
+                    <a:lnL w="6350" cap="flat" cmpd="sng" algn="ctr">
+                      <a:solidFill>
+                        <a:schemeClr val="tx2"/>
+                      </a:solidFill>
+                      <a:prstDash val="solid"/>
+                      <a:round/>
+                      <a:headEnd type="none" w="med" len="med"/>
+                      <a:tailEnd type="none" w="med" len="med"/>
+                    </a:lnL>
+                    <a:lnR w="6350" cap="flat" cmpd="sng" algn="ctr">
+                      <a:solidFill>
+                        <a:schemeClr val="tx2"/>
+                      </a:solidFill>
+                      <a:prstDash val="solid"/>
+                      <a:round/>
+                      <a:headEnd type="none" w="med" len="med"/>
+                      <a:tailEnd type="none" w="med" len="med"/>
+                    </a:lnR>
+                    <a:lnT w="6350" cap="flat" cmpd="sng" algn="ctr">
+                      <a:solidFill>
+                        <a:schemeClr val="tx2"/>
+                      </a:solidFill>
+                      <a:prstDash val="solid"/>
+                      <a:round/>
+                      <a:headEnd type="none" w="med" len="med"/>
+                      <a:tailEnd type="none" w="med" len="med"/>
+                    </a:lnT>
+                    <a:lnB w="6350" cap="flat" cmpd="sng" algn="ctr">
+                      <a:solidFill>
+                        <a:schemeClr val="tx2"/>
+                      </a:solidFill>
+                      <a:prstDash val="solid"/>
+                      <a:round/>
+                      <a:headEnd type="none" w="med" len="med"/>
+                      <a:tailEnd type="none" w="med" len="med"/>
+                    </a:lnB>
+                    <a:lnTlToBr w="12700" cmpd="sng">
+                      <a:noFill/>
+                      <a:prstDash val="solid"/>
+                    </a:lnTlToBr>
+                    <a:lnBlToTr w="12700" cmpd="sng">
+                      <a:noFill/>
+                      <a:prstDash val="solid"/>
+                    </a:lnBlToTr>
+                  </a:tcPr>
+                </a:tc>
+              </a:tr>
+              <a:tr h="202932">
+                <a:tc>
+                  <a:txBody>
+                    <a:bodyPr/>
+                    <a:lstStyle/>
+                    <a:p>
+                      <a:pPr algn="ctr"/>
+                      <a:r>
+                        <a:rPr lang="ru-RU" sz="1400" dirty="0" smtClean="0">
+                          <a:solidFill>
+                            <a:schemeClr val="tx1"/>
+                          </a:solidFill>
+                        </a:rPr>
+                        <a:t>1</a:t>
+                      </a:r>
+                      <a:endParaRPr lang="ru-RU" sz="1400" dirty="0">
+                        <a:solidFill>
+                          <a:schemeClr val="tx1"/>
+                        </a:solidFill>
+                      </a:endParaRPr>
+                    </a:p>
+                  </a:txBody>
+                  <a:tcPr>
+                    <a:lnL w="6350" cap="flat" cmpd="sng" algn="ctr">
+                      <a:solidFill>
+                        <a:schemeClr val="tx2"/>
+                      </a:solidFill>
+                      <a:prstDash val="solid"/>
+                      <a:round/>
+                      <a:headEnd type="none" w="med" len="med"/>
+                      <a:tailEnd type="none" w="med" len="med"/>
+                    </a:lnL>
+                    <a:lnR w="6350" cap="flat" cmpd="sng" algn="ctr">
+                      <a:solidFill>
+                        <a:schemeClr val="tx2"/>
+                      </a:solidFill>
+                      <a:prstDash val="solid"/>
+                      <a:round/>
+                      <a:headEnd type="none" w="med" len="med"/>
+                      <a:tailEnd type="none" w="med" len="med"/>
+                    </a:lnR>
+                    <a:lnT w="6350" cap="flat" cmpd="sng" algn="ctr">
+                      <a:solidFill>
+                        <a:schemeClr val="tx2"/>
+                      </a:solidFill>
+                      <a:prstDash val="solid"/>
+                      <a:round/>
+                      <a:headEnd type="none" w="med" len="med"/>
+                      <a:tailEnd type="none" w="med" len="med"/>
+                    </a:lnT>
+                    <a:lnB w="6350" cap="flat" cmpd="sng" algn="ctr">
+                      <a:solidFill>
+                        <a:schemeClr val="tx2"/>
+                      </a:solidFill>
+                      <a:prstDash val="solid"/>
+                      <a:round/>
+                      <a:headEnd type="none" w="med" len="med"/>
+                      <a:tailEnd type="none" w="med" len="med"/>
+                    </a:lnB>
+                    <a:lnTlToBr w="12700" cmpd="sng">
+                      <a:noFill/>
+                      <a:prstDash val="solid"/>
+                    </a:lnTlToBr>
+                    <a:lnBlToTr w="12700" cmpd="sng">
+                      <a:noFill/>
+                      <a:prstDash val="solid"/>
+                    </a:lnBlToTr>
+                  </a:tcPr>
+                </a:tc>
+                <a:tc>
+                  <a:txBody>
+                    <a:bodyPr/>
+                    <a:lstStyle/>
+                    <a:p>
+                      <a:pPr algn="ctr"/>
+                      <a:r>
+                        <a:rPr lang="ru-RU" sz="1400" dirty="0" smtClean="0">
+                          <a:solidFill>
+                            <a:schemeClr val="tx1"/>
+                          </a:solidFill>
+                        </a:rPr>
+                        <a:t>0</a:t>
+                      </a:r>
+                      <a:endParaRPr lang="ru-RU" sz="1400" dirty="0">
+                        <a:solidFill>
+                          <a:schemeClr val="tx1"/>
+                        </a:solidFill>
+                      </a:endParaRPr>
+                    </a:p>
+                  </a:txBody>
+                  <a:tcPr>
+                    <a:lnL w="6350" cap="flat" cmpd="sng" algn="ctr">
+                      <a:solidFill>
+                        <a:schemeClr val="tx2"/>
+                      </a:solidFill>
+                      <a:prstDash val="solid"/>
+                      <a:round/>
+                      <a:headEnd type="none" w="med" len="med"/>
+                      <a:tailEnd type="none" w="med" len="med"/>
+                    </a:lnL>
+                    <a:lnR w="6350" cap="flat" cmpd="sng" algn="ctr">
+                      <a:solidFill>
+                        <a:schemeClr val="tx2"/>
+                      </a:solidFill>
+                      <a:prstDash val="solid"/>
+                      <a:round/>
+                      <a:headEnd type="none" w="med" len="med"/>
+                      <a:tailEnd type="none" w="med" len="med"/>
+                    </a:lnR>
+                    <a:lnT w="6350" cap="flat" cmpd="sng" algn="ctr">
+                      <a:solidFill>
+                        <a:schemeClr val="tx2"/>
+                      </a:solidFill>
+                      <a:prstDash val="solid"/>
+                      <a:round/>
+                      <a:headEnd type="none" w="med" len="med"/>
+                      <a:tailEnd type="none" w="med" len="med"/>
+                    </a:lnT>
+                    <a:lnB w="6350" cap="flat" cmpd="sng" algn="ctr">
+                      <a:solidFill>
+                        <a:schemeClr val="tx2"/>
+                      </a:solidFill>
+                      <a:prstDash val="solid"/>
+                      <a:round/>
+                      <a:headEnd type="none" w="med" len="med"/>
+                      <a:tailEnd type="none" w="med" len="med"/>
+                    </a:lnB>
+                    <a:lnTlToBr w="12700" cmpd="sng">
+                      <a:noFill/>
+                      <a:prstDash val="solid"/>
+                    </a:lnTlToBr>
+                    <a:lnBlToTr w="12700" cmpd="sng">
+                      <a:noFill/>
+                      <a:prstDash val="solid"/>
+                    </a:lnBlToTr>
+                  </a:tcPr>
+                </a:tc>
+                <a:tc>
+                  <a:txBody>
+                    <a:bodyPr/>
+                    <a:lstStyle/>
+                    <a:p>
+                      <a:pPr algn="ctr"/>
+                      <a:r>
+                        <a:rPr lang="ru-RU" sz="1400" dirty="0" smtClean="0">
+                          <a:solidFill>
+                            <a:schemeClr val="tx1"/>
+                          </a:solidFill>
+                        </a:rPr>
+                        <a:t>0</a:t>
+                      </a:r>
+                      <a:endParaRPr lang="ru-RU" sz="1400" dirty="0">
+                        <a:solidFill>
+                          <a:schemeClr val="tx1"/>
+                        </a:solidFill>
+                      </a:endParaRPr>
+                    </a:p>
+                  </a:txBody>
+                  <a:tcPr>
+                    <a:lnL w="6350" cap="flat" cmpd="sng" algn="ctr">
+                      <a:solidFill>
+                        <a:schemeClr val="tx2"/>
+                      </a:solidFill>
+                      <a:prstDash val="solid"/>
+                      <a:round/>
+                      <a:headEnd type="none" w="med" len="med"/>
+                      <a:tailEnd type="none" w="med" len="med"/>
+                    </a:lnL>
+                    <a:lnR w="6350" cap="flat" cmpd="sng" algn="ctr">
+                      <a:solidFill>
+                        <a:schemeClr val="tx2"/>
+                      </a:solidFill>
+                      <a:prstDash val="solid"/>
+                      <a:round/>
+                      <a:headEnd type="none" w="med" len="med"/>
+                      <a:tailEnd type="none" w="med" len="med"/>
+                    </a:lnR>
+                    <a:lnT w="6350" cap="flat" cmpd="sng" algn="ctr">
+                      <a:solidFill>
+                        <a:schemeClr val="tx2"/>
+                      </a:solidFill>
+                      <a:prstDash val="solid"/>
+                      <a:round/>
+                      <a:headEnd type="none" w="med" len="med"/>
+                      <a:tailEnd type="none" w="med" len="med"/>
+                    </a:lnT>
+                    <a:lnB w="6350" cap="flat" cmpd="sng" algn="ctr">
+                      <a:solidFill>
+                        <a:schemeClr val="tx2"/>
+                      </a:solidFill>
+                      <a:prstDash val="solid"/>
+                      <a:round/>
+                      <a:headEnd type="none" w="med" len="med"/>
+                      <a:tailEnd type="none" w="med" len="med"/>
+                    </a:lnB>
+                    <a:lnTlToBr w="12700" cmpd="sng">
+                      <a:noFill/>
+                      <a:prstDash val="solid"/>
+                    </a:lnTlToBr>
+                    <a:lnBlToTr w="12700" cmpd="sng">
+                      <a:noFill/>
+                      <a:prstDash val="solid"/>
+                    </a:lnBlToTr>
+                  </a:tcPr>
+                </a:tc>
+                <a:tc>
+                  <a:txBody>
+                    <a:bodyPr/>
+                    <a:lstStyle/>
+                    <a:p>
+                      <a:pPr algn="ctr"/>
+                      <a:r>
+                        <a:rPr lang="ru-RU" sz="1400" dirty="0" smtClean="0">
+                          <a:solidFill>
+                            <a:schemeClr val="tx1"/>
+                          </a:solidFill>
+                        </a:rPr>
+                        <a:t>1</a:t>
+                      </a:r>
+                      <a:endParaRPr lang="ru-RU" sz="1400" dirty="0">
+                        <a:solidFill>
+                          <a:schemeClr val="tx1"/>
+                        </a:solidFill>
+                      </a:endParaRPr>
+                    </a:p>
+                  </a:txBody>
+                  <a:tcPr>
+                    <a:lnL w="6350" cap="flat" cmpd="sng" algn="ctr">
+                      <a:solidFill>
+                        <a:schemeClr val="tx2"/>
+                      </a:solidFill>
+                      <a:prstDash val="solid"/>
+                      <a:round/>
+                      <a:headEnd type="none" w="med" len="med"/>
+                      <a:tailEnd type="none" w="med" len="med"/>
+                    </a:lnL>
+                    <a:lnR w="6350" cap="flat" cmpd="sng" algn="ctr">
+                      <a:solidFill>
+                        <a:schemeClr val="tx2"/>
+                      </a:solidFill>
+                      <a:prstDash val="solid"/>
+                      <a:round/>
+                      <a:headEnd type="none" w="med" len="med"/>
+                      <a:tailEnd type="none" w="med" len="med"/>
+                    </a:lnR>
+                    <a:lnT w="6350" cap="flat" cmpd="sng" algn="ctr">
+                      <a:solidFill>
+                        <a:schemeClr val="tx2"/>
+                      </a:solidFill>
+                      <a:prstDash val="solid"/>
+                      <a:round/>
+                      <a:headEnd type="none" w="med" len="med"/>
+                      <a:tailEnd type="none" w="med" len="med"/>
+                    </a:lnT>
+                    <a:lnB w="6350" cap="flat" cmpd="sng" algn="ctr">
+                      <a:solidFill>
+                        <a:schemeClr val="tx2"/>
+                      </a:solidFill>
+                      <a:prstDash val="solid"/>
+                      <a:round/>
+                      <a:headEnd type="none" w="med" len="med"/>
+                      <a:tailEnd type="none" w="med" len="med"/>
+                    </a:lnB>
+                    <a:lnTlToBr w="12700" cmpd="sng">
+                      <a:noFill/>
+                      <a:prstDash val="solid"/>
+                    </a:lnTlToBr>
+                    <a:lnBlToTr w="12700" cmpd="sng">
+                      <a:noFill/>
+                      <a:prstDash val="solid"/>
+                    </a:lnBlToTr>
+                  </a:tcPr>
+                </a:tc>
+              </a:tr>
+              <a:tr h="202932">
+                <a:tc>
+                  <a:txBody>
+                    <a:bodyPr/>
+                    <a:lstStyle/>
+                    <a:p>
+                      <a:pPr algn="ctr"/>
+                      <a:r>
+                        <a:rPr lang="ru-RU" sz="1400" dirty="0" smtClean="0">
+                          <a:solidFill>
+                            <a:schemeClr val="tx1"/>
+                          </a:solidFill>
+                        </a:rPr>
+                        <a:t>1</a:t>
+                      </a:r>
+                      <a:endParaRPr lang="ru-RU" sz="1400" dirty="0">
+                        <a:solidFill>
+                          <a:schemeClr val="tx1"/>
+                        </a:solidFill>
+                      </a:endParaRPr>
+                    </a:p>
+                  </a:txBody>
+                  <a:tcPr>
+                    <a:lnL w="6350" cap="flat" cmpd="sng" algn="ctr">
+                      <a:solidFill>
+                        <a:schemeClr val="tx2"/>
+                      </a:solidFill>
+                      <a:prstDash val="solid"/>
+                      <a:round/>
+                      <a:headEnd type="none" w="med" len="med"/>
+                      <a:tailEnd type="none" w="med" len="med"/>
+                    </a:lnL>
+                    <a:lnR w="6350" cap="flat" cmpd="sng" algn="ctr">
+                      <a:solidFill>
+                        <a:schemeClr val="tx2"/>
+                      </a:solidFill>
+                      <a:prstDash val="solid"/>
+                      <a:round/>
+                      <a:headEnd type="none" w="med" len="med"/>
+                      <a:tailEnd type="none" w="med" len="med"/>
+                    </a:lnR>
+                    <a:lnT w="6350" cap="flat" cmpd="sng" algn="ctr">
+                      <a:solidFill>
+                        <a:schemeClr val="tx2"/>
+                      </a:solidFill>
+                      <a:prstDash val="solid"/>
+                      <a:round/>
+                      <a:headEnd type="none" w="med" len="med"/>
+                      <a:tailEnd type="none" w="med" len="med"/>
+                    </a:lnT>
+                    <a:lnB w="6350" cap="flat" cmpd="sng" algn="ctr">
+                      <a:solidFill>
+                        <a:schemeClr val="tx2"/>
+                      </a:solidFill>
+                      <a:prstDash val="solid"/>
+                      <a:round/>
+                      <a:headEnd type="none" w="med" len="med"/>
+                      <a:tailEnd type="none" w="med" len="med"/>
+                    </a:lnB>
+                    <a:lnTlToBr w="12700" cmpd="sng">
+                      <a:noFill/>
+                      <a:prstDash val="solid"/>
+                    </a:lnTlToBr>
+                    <a:lnBlToTr w="12700" cmpd="sng">
+                      <a:noFill/>
+                      <a:prstDash val="solid"/>
+                    </a:lnBlToTr>
+                  </a:tcPr>
+                </a:tc>
+                <a:tc>
+                  <a:txBody>
+                    <a:bodyPr/>
+                    <a:lstStyle/>
+                    <a:p>
+                      <a:pPr algn="ctr"/>
+                      <a:r>
+                        <a:rPr lang="ru-RU" sz="1400" dirty="0" smtClean="0">
+                          <a:solidFill>
+                            <a:schemeClr val="tx1"/>
+                          </a:solidFill>
+                        </a:rPr>
+                        <a:t>1</a:t>
+                      </a:r>
+                      <a:endParaRPr lang="ru-RU" sz="1400" dirty="0">
+                        <a:solidFill>
+                          <a:schemeClr val="tx1"/>
+                        </a:solidFill>
+                      </a:endParaRPr>
+                    </a:p>
+                  </a:txBody>
+                  <a:tcPr>
+                    <a:lnL w="6350" cap="flat" cmpd="sng" algn="ctr">
+                      <a:solidFill>
+                        <a:schemeClr val="tx2"/>
+                      </a:solidFill>
+                      <a:prstDash val="solid"/>
+                      <a:round/>
+                      <a:headEnd type="none" w="med" len="med"/>
+                      <a:tailEnd type="none" w="med" len="med"/>
+                    </a:lnL>
+                    <a:lnR w="6350" cap="flat" cmpd="sng" algn="ctr">
+                      <a:solidFill>
+                        <a:schemeClr val="tx2"/>
+                      </a:solidFill>
+                      <a:prstDash val="solid"/>
+                      <a:round/>
+                      <a:headEnd type="none" w="med" len="med"/>
+                      <a:tailEnd type="none" w="med" len="med"/>
+                    </a:lnR>
+                    <a:lnT w="6350" cap="flat" cmpd="sng" algn="ctr">
+                      <a:solidFill>
+                        <a:schemeClr val="tx2"/>
+                      </a:solidFill>
+                      <a:prstDash val="solid"/>
+                      <a:round/>
+                      <a:headEnd type="none" w="med" len="med"/>
+                      <a:tailEnd type="none" w="med" len="med"/>
+                    </a:lnT>
+                    <a:lnB w="6350" cap="flat" cmpd="sng" algn="ctr">
+                      <a:solidFill>
+                        <a:schemeClr val="tx2"/>
+                      </a:solidFill>
+                      <a:prstDash val="solid"/>
+                      <a:round/>
+                      <a:headEnd type="none" w="med" len="med"/>
+                      <a:tailEnd type="none" w="med" len="med"/>
+                    </a:lnB>
+                    <a:lnTlToBr w="12700" cmpd="sng">
+                      <a:noFill/>
+                      <a:prstDash val="solid"/>
+                    </a:lnTlToBr>
+                    <a:lnBlToTr w="12700" cmpd="sng">
+                      <a:noFill/>
+                      <a:prstDash val="solid"/>
+                    </a:lnBlToTr>
+                  </a:tcPr>
+                </a:tc>
+                <a:tc>
+                  <a:txBody>
+                    <a:bodyPr/>
+                    <a:lstStyle/>
+                    <a:p>
+                      <a:pPr algn="ctr"/>
+                      <a:r>
+                        <a:rPr lang="ru-RU" sz="1400" dirty="0" smtClean="0">
+                          <a:solidFill>
+                            <a:schemeClr val="tx1"/>
+                          </a:solidFill>
+                        </a:rPr>
+                        <a:t>1</a:t>
+                      </a:r>
+                      <a:endParaRPr lang="ru-RU" sz="1400" dirty="0">
+                        <a:solidFill>
+                          <a:schemeClr val="tx1"/>
+                        </a:solidFill>
+                      </a:endParaRPr>
+                    </a:p>
+                  </a:txBody>
+                  <a:tcPr>
+                    <a:lnL w="6350" cap="flat" cmpd="sng" algn="ctr">
+                      <a:solidFill>
+                        <a:schemeClr val="tx2"/>
+                      </a:solidFill>
+                      <a:prstDash val="solid"/>
+                      <a:round/>
+                      <a:headEnd type="none" w="med" len="med"/>
+                      <a:tailEnd type="none" w="med" len="med"/>
+                    </a:lnL>
+                    <a:lnR w="6350" cap="flat" cmpd="sng" algn="ctr">
+                      <a:solidFill>
+                        <a:schemeClr val="tx2"/>
+                      </a:solidFill>
+                      <a:prstDash val="solid"/>
+                      <a:round/>
+                      <a:headEnd type="none" w="med" len="med"/>
+                      <a:tailEnd type="none" w="med" len="med"/>
+                    </a:lnR>
+                    <a:lnT w="6350" cap="flat" cmpd="sng" algn="ctr">
+                      <a:solidFill>
+                        <a:schemeClr val="tx2"/>
+                      </a:solidFill>
+                      <a:prstDash val="solid"/>
+                      <a:round/>
+                      <a:headEnd type="none" w="med" len="med"/>
+                      <a:tailEnd type="none" w="med" len="med"/>
+                    </a:lnT>
+                    <a:lnB w="6350" cap="flat" cmpd="sng" algn="ctr">
+                      <a:solidFill>
+                        <a:schemeClr val="tx2"/>
+                      </a:solidFill>
+                      <a:prstDash val="solid"/>
+                      <a:round/>
+                      <a:headEnd type="none" w="med" len="med"/>
+                      <a:tailEnd type="none" w="med" len="med"/>
+                    </a:lnB>
+                    <a:lnTlToBr w="12700" cmpd="sng">
+                      <a:noFill/>
+                      <a:prstDash val="solid"/>
+                    </a:lnTlToBr>
+                    <a:lnBlToTr w="12700" cmpd="sng">
+                      <a:noFill/>
+                      <a:prstDash val="solid"/>
+                    </a:lnBlToTr>
+                  </a:tcPr>
+                </a:tc>
+                <a:tc>
+                  <a:txBody>
+                    <a:bodyPr/>
+                    <a:lstStyle/>
+                    <a:p>
+                      <a:pPr algn="ctr"/>
+                      <a:r>
+                        <a:rPr lang="ru-RU" sz="1400" dirty="0" smtClean="0">
+                          <a:solidFill>
+                            <a:schemeClr val="tx1"/>
+                          </a:solidFill>
+                        </a:rPr>
+                        <a:t>1</a:t>
+                      </a:r>
+                      <a:endParaRPr lang="ru-RU" sz="1400" dirty="0">
+                        <a:solidFill>
+                          <a:schemeClr val="tx1"/>
+                        </a:solidFill>
+                      </a:endParaRPr>
+                    </a:p>
+                  </a:txBody>
+                  <a:tcPr>
+                    <a:lnL w="6350" cap="flat" cmpd="sng" algn="ctr">
+                      <a:solidFill>
+                        <a:schemeClr val="tx2"/>
+                      </a:solidFill>
+                      <a:prstDash val="solid"/>
+                      <a:round/>
+                      <a:headEnd type="none" w="med" len="med"/>
+                      <a:tailEnd type="none" w="med" len="med"/>
+                    </a:lnL>
+                    <a:lnR w="6350" cap="flat" cmpd="sng" algn="ctr">
+                      <a:solidFill>
+                        <a:schemeClr val="tx2"/>
+                      </a:solidFill>
+                      <a:prstDash val="solid"/>
+                      <a:round/>
+                      <a:headEnd type="none" w="med" len="med"/>
+                      <a:tailEnd type="none" w="med" len="med"/>
+                    </a:lnR>
+                    <a:lnT w="6350" cap="flat" cmpd="sng" algn="ctr">
+                      <a:solidFill>
+                        <a:schemeClr val="tx2"/>
+                      </a:solidFill>
+                      <a:prstDash val="solid"/>
+                      <a:round/>
+                      <a:headEnd type="none" w="med" len="med"/>
+                      <a:tailEnd type="none" w="med" len="med"/>
+                    </a:lnT>
+                    <a:lnB w="6350" cap="flat" cmpd="sng" algn="ctr">
+                      <a:solidFill>
+                        <a:schemeClr val="tx2"/>
+                      </a:solidFill>
+                      <a:prstDash val="solid"/>
+                      <a:round/>
+                      <a:headEnd type="none" w="med" len="med"/>
+                      <a:tailEnd type="none" w="med" len="med"/>
+                    </a:lnB>
+                    <a:lnTlToBr w="12700" cmpd="sng">
+                      <a:noFill/>
+                      <a:prstDash val="solid"/>
+                    </a:lnTlToBr>
+                    <a:lnBlToTr w="12700" cmpd="sng">
+                      <a:noFill/>
+                      <a:prstDash val="solid"/>
+                    </a:lnBlToTr>
+                  </a:tcPr>
+                </a:tc>
+              </a:tr>
+              <a:tr h="202932">
+                <a:tc>
+                  <a:txBody>
+                    <a:bodyPr/>
+                    <a:lstStyle/>
+                    <a:p>
+                      <a:pPr algn="ctr"/>
+                      <a:r>
+                        <a:rPr lang="ru-RU" sz="1400" dirty="0" smtClean="0">
+                          <a:solidFill>
+                            <a:schemeClr val="tx1"/>
+                          </a:solidFill>
+                        </a:rPr>
+                        <a:t>0</a:t>
+                      </a:r>
+                      <a:endParaRPr lang="ru-RU" sz="1400" dirty="0">
+                        <a:solidFill>
+                          <a:schemeClr val="tx1"/>
+                        </a:solidFill>
+                      </a:endParaRPr>
+                    </a:p>
+                  </a:txBody>
+                  <a:tcPr>
+                    <a:lnL w="6350" cap="flat" cmpd="sng" algn="ctr">
+                      <a:solidFill>
+                        <a:schemeClr val="tx2"/>
+                      </a:solidFill>
+                      <a:prstDash val="solid"/>
+                      <a:round/>
+                      <a:headEnd type="none" w="med" len="med"/>
+                      <a:tailEnd type="none" w="med" len="med"/>
+                    </a:lnL>
+                    <a:lnR w="6350" cap="flat" cmpd="sng" algn="ctr">
+                      <a:solidFill>
+                        <a:schemeClr val="tx2"/>
+                      </a:solidFill>
+                      <a:prstDash val="solid"/>
+                      <a:round/>
+                      <a:headEnd type="none" w="med" len="med"/>
+                      <a:tailEnd type="none" w="med" len="med"/>
+                    </a:lnR>
+                    <a:lnT w="6350" cap="flat" cmpd="sng" algn="ctr">
+                      <a:solidFill>
+                        <a:schemeClr val="tx2"/>
+                      </a:solidFill>
+                      <a:prstDash val="solid"/>
+                      <a:round/>
+                      <a:headEnd type="none" w="med" len="med"/>
+                      <a:tailEnd type="none" w="med" len="med"/>
+                    </a:lnT>
+                    <a:lnB w="6350" cap="flat" cmpd="sng" algn="ctr">
+                      <a:solidFill>
+                        <a:schemeClr val="tx2"/>
+                      </a:solidFill>
+                      <a:prstDash val="solid"/>
+                      <a:round/>
+                      <a:headEnd type="none" w="med" len="med"/>
+                      <a:tailEnd type="none" w="med" len="med"/>
+                    </a:lnB>
+                    <a:lnTlToBr w="12700" cmpd="sng">
+                      <a:noFill/>
+                      <a:prstDash val="solid"/>
+                    </a:lnTlToBr>
+                    <a:lnBlToTr w="12700" cmpd="sng">
+                      <a:noFill/>
+                      <a:prstDash val="solid"/>
+                    </a:lnBlToTr>
+                  </a:tcPr>
+                </a:tc>
+                <a:tc>
+                  <a:txBody>
+                    <a:bodyPr/>
+                    <a:lstStyle/>
+                    <a:p>
+                      <a:pPr algn="ctr"/>
+                      <a:r>
+                        <a:rPr lang="ru-RU" sz="1400" dirty="0" smtClean="0">
+                          <a:solidFill>
+                            <a:schemeClr val="tx1"/>
+                          </a:solidFill>
+                        </a:rPr>
+                        <a:t>0</a:t>
+                      </a:r>
+                      <a:endParaRPr lang="ru-RU" sz="1400" dirty="0">
+                        <a:solidFill>
+                          <a:schemeClr val="tx1"/>
+                        </a:solidFill>
+                      </a:endParaRPr>
+                    </a:p>
+                  </a:txBody>
+                  <a:tcPr>
+                    <a:lnL w="6350" cap="flat" cmpd="sng" algn="ctr">
+                      <a:solidFill>
+                        <a:schemeClr val="tx2"/>
+                      </a:solidFill>
+                      <a:prstDash val="solid"/>
+                      <a:round/>
+                      <a:headEnd type="none" w="med" len="med"/>
+                      <a:tailEnd type="none" w="med" len="med"/>
+                    </a:lnL>
+                    <a:lnR w="6350" cap="flat" cmpd="sng" algn="ctr">
+                      <a:solidFill>
+                        <a:schemeClr val="tx2"/>
+                      </a:solidFill>
+                      <a:prstDash val="solid"/>
+                      <a:round/>
+                      <a:headEnd type="none" w="med" len="med"/>
+                      <a:tailEnd type="none" w="med" len="med"/>
+                    </a:lnR>
+                    <a:lnT w="6350" cap="flat" cmpd="sng" algn="ctr">
+                      <a:solidFill>
+                        <a:schemeClr val="tx2"/>
+                      </a:solidFill>
+                      <a:prstDash val="solid"/>
+                      <a:round/>
+                      <a:headEnd type="none" w="med" len="med"/>
+                      <a:tailEnd type="none" w="med" len="med"/>
+                    </a:lnT>
+                    <a:lnB w="6350" cap="flat" cmpd="sng" algn="ctr">
+                      <a:solidFill>
+                        <a:schemeClr val="tx2"/>
+                      </a:solidFill>
+                      <a:prstDash val="solid"/>
+                      <a:round/>
+                      <a:headEnd type="none" w="med" len="med"/>
+                      <a:tailEnd type="none" w="med" len="med"/>
+                    </a:lnB>
+                    <a:lnTlToBr w="12700" cmpd="sng">
+                      <a:noFill/>
+                      <a:prstDash val="solid"/>
+                    </a:lnTlToBr>
+                    <a:lnBlToTr w="12700" cmpd="sng">
+                      <a:noFill/>
+                      <a:prstDash val="solid"/>
+                    </a:lnBlToTr>
+                  </a:tcPr>
+                </a:tc>
+                <a:tc>
+                  <a:txBody>
+                    <a:bodyPr/>
+                    <a:lstStyle/>
+                    <a:p>
+                      <a:pPr algn="ctr"/>
+                      <a:r>
+                        <a:rPr lang="ru-RU" sz="1400" dirty="0" smtClean="0">
+                          <a:solidFill>
+                            <a:schemeClr val="tx1"/>
+                          </a:solidFill>
+                        </a:rPr>
+                        <a:t>0</a:t>
+                      </a:r>
+                      <a:endParaRPr lang="ru-RU" sz="1400" dirty="0">
+                        <a:solidFill>
+                          <a:schemeClr val="tx1"/>
+                        </a:solidFill>
+                      </a:endParaRPr>
+                    </a:p>
+                  </a:txBody>
+                  <a:tcPr>
+                    <a:lnL w="6350" cap="flat" cmpd="sng" algn="ctr">
+                      <a:solidFill>
+                        <a:schemeClr val="tx2"/>
+                      </a:solidFill>
+                      <a:prstDash val="solid"/>
+                      <a:round/>
+                      <a:headEnd type="none" w="med" len="med"/>
+                      <a:tailEnd type="none" w="med" len="med"/>
+                    </a:lnL>
+                    <a:lnR w="6350" cap="flat" cmpd="sng" algn="ctr">
+                      <a:solidFill>
+                        <a:schemeClr val="tx2"/>
+                      </a:solidFill>
+                      <a:prstDash val="solid"/>
+                      <a:round/>
+                      <a:headEnd type="none" w="med" len="med"/>
+                      <a:tailEnd type="none" w="med" len="med"/>
+                    </a:lnR>
+                    <a:lnT w="6350" cap="flat" cmpd="sng" algn="ctr">
+                      <a:solidFill>
+                        <a:schemeClr val="tx2"/>
+                      </a:solidFill>
+                      <a:prstDash val="solid"/>
+                      <a:round/>
+                      <a:headEnd type="none" w="med" len="med"/>
+                      <a:tailEnd type="none" w="med" len="med"/>
+                    </a:lnT>
+                    <a:lnB w="6350" cap="flat" cmpd="sng" algn="ctr">
+                      <a:solidFill>
+                        <a:schemeClr val="tx2"/>
+                      </a:solidFill>
+                      <a:prstDash val="solid"/>
+                      <a:round/>
+                      <a:headEnd type="none" w="med" len="med"/>
+                      <a:tailEnd type="none" w="med" len="med"/>
+                    </a:lnB>
+                    <a:lnTlToBr w="12700" cmpd="sng">
+                      <a:noFill/>
+                      <a:prstDash val="solid"/>
+                    </a:lnTlToBr>
+                    <a:lnBlToTr w="12700" cmpd="sng">
+                      <a:noFill/>
+                      <a:prstDash val="solid"/>
+                    </a:lnBlToTr>
+                  </a:tcPr>
+                </a:tc>
+                <a:tc>
+                  <a:txBody>
+                    <a:bodyPr/>
+                    <a:lstStyle/>
+                    <a:p>
+                      <a:pPr algn="ctr"/>
+                      <a:r>
+                        <a:rPr lang="ru-RU" sz="1400" dirty="0" smtClean="0">
+                          <a:solidFill>
+                            <a:schemeClr val="tx1"/>
+                          </a:solidFill>
+                        </a:rPr>
+                        <a:t>1</a:t>
+                      </a:r>
+                      <a:endParaRPr lang="ru-RU" sz="1400" dirty="0">
+                        <a:solidFill>
+                          <a:schemeClr val="tx1"/>
+                        </a:solidFill>
+                      </a:endParaRPr>
+                    </a:p>
+                  </a:txBody>
+                  <a:tcPr>
+                    <a:lnL w="6350" cap="flat" cmpd="sng" algn="ctr">
+                      <a:solidFill>
+                        <a:schemeClr val="tx2"/>
+                      </a:solidFill>
+                      <a:prstDash val="solid"/>
+                      <a:round/>
+                      <a:headEnd type="none" w="med" len="med"/>
+                      <a:tailEnd type="none" w="med" len="med"/>
+                    </a:lnL>
+                    <a:lnR w="6350" cap="flat" cmpd="sng" algn="ctr">
+                      <a:solidFill>
+                        <a:schemeClr val="tx2"/>
+                      </a:solidFill>
+                      <a:prstDash val="solid"/>
+                      <a:round/>
+                      <a:headEnd type="none" w="med" len="med"/>
+                      <a:tailEnd type="none" w="med" len="med"/>
+                    </a:lnR>
+                    <a:lnT w="6350" cap="flat" cmpd="sng" algn="ctr">
+                      <a:solidFill>
+                        <a:schemeClr val="tx2"/>
+                      </a:solidFill>
+                      <a:prstDash val="solid"/>
+                      <a:round/>
+                      <a:headEnd type="none" w="med" len="med"/>
+                      <a:tailEnd type="none" w="med" len="med"/>
+                    </a:lnT>
+                    <a:lnB w="6350" cap="flat" cmpd="sng" algn="ctr">
+                      <a:solidFill>
+                        <a:schemeClr val="tx2"/>
+                      </a:solidFill>
+                      <a:prstDash val="solid"/>
+                      <a:round/>
+                      <a:headEnd type="none" w="med" len="med"/>
+                      <a:tailEnd type="none" w="med" len="med"/>
+                    </a:lnB>
+                    <a:lnTlToBr w="12700" cmpd="sng">
+                      <a:noFill/>
+                      <a:prstDash val="solid"/>
+                    </a:lnTlToBr>
+                    <a:lnBlToTr w="12700" cmpd="sng">
+                      <a:noFill/>
+                      <a:prstDash val="solid"/>
+                    </a:lnBlToTr>
+                  </a:tcPr>
+                </a:tc>
+              </a:tr>
+              <a:tr h="202932">
+                <a:tc>
+                  <a:txBody>
+                    <a:bodyPr/>
+                    <a:lstStyle/>
+                    <a:p>
+                      <a:pPr algn="ctr"/>
+                      <a:r>
+                        <a:rPr lang="ru-RU" sz="1400" dirty="0" smtClean="0">
+                          <a:solidFill>
+                            <a:schemeClr val="tx1"/>
+                          </a:solidFill>
+                        </a:rPr>
+                        <a:t>0</a:t>
+                      </a:r>
+                      <a:endParaRPr lang="ru-RU" sz="1400" dirty="0">
+                        <a:solidFill>
+                          <a:schemeClr val="tx1"/>
+                        </a:solidFill>
+                      </a:endParaRPr>
+                    </a:p>
+                  </a:txBody>
+                  <a:tcPr>
+                    <a:lnL w="6350" cap="flat" cmpd="sng" algn="ctr">
+                      <a:solidFill>
+                        <a:schemeClr val="tx2"/>
+                      </a:solidFill>
+                      <a:prstDash val="solid"/>
+                      <a:round/>
+                      <a:headEnd type="none" w="med" len="med"/>
+                      <a:tailEnd type="none" w="med" len="med"/>
+                    </a:lnL>
+                    <a:lnR w="6350" cap="flat" cmpd="sng" algn="ctr">
+                      <a:solidFill>
+                        <a:schemeClr val="tx2"/>
+                      </a:solidFill>
+                      <a:prstDash val="solid"/>
+                      <a:round/>
+                      <a:headEnd type="none" w="med" len="med"/>
+                      <a:tailEnd type="none" w="med" len="med"/>
+                    </a:lnR>
+                    <a:lnT w="6350" cap="flat" cmpd="sng" algn="ctr">
+                      <a:solidFill>
+                        <a:schemeClr val="tx2"/>
+                      </a:solidFill>
+                      <a:prstDash val="solid"/>
+                      <a:round/>
+                      <a:headEnd type="none" w="med" len="med"/>
+                      <a:tailEnd type="none" w="med" len="med"/>
+                    </a:lnT>
+                    <a:lnB w="6350" cap="flat" cmpd="sng" algn="ctr">
+                      <a:solidFill>
+                        <a:schemeClr val="tx2"/>
+                      </a:solidFill>
+                      <a:prstDash val="solid"/>
+                      <a:round/>
+                      <a:headEnd type="none" w="med" len="med"/>
+                      <a:tailEnd type="none" w="med" len="med"/>
+                    </a:lnB>
+                    <a:lnTlToBr w="12700" cmpd="sng">
+                      <a:noFill/>
+                      <a:prstDash val="solid"/>
+                    </a:lnTlToBr>
+                    <a:lnBlToTr w="12700" cmpd="sng">
+                      <a:noFill/>
+                      <a:prstDash val="solid"/>
+                    </a:lnBlToTr>
+                  </a:tcPr>
+                </a:tc>
+                <a:tc>
+                  <a:txBody>
+                    <a:bodyPr/>
+                    <a:lstStyle/>
+                    <a:p>
+                      <a:pPr algn="ctr"/>
+                      <a:r>
+                        <a:rPr lang="ru-RU" sz="1400" dirty="0" smtClean="0">
+                          <a:solidFill>
+                            <a:schemeClr val="tx1"/>
+                          </a:solidFill>
+                        </a:rPr>
+                        <a:t>0</a:t>
+                      </a:r>
+                      <a:endParaRPr lang="ru-RU" sz="1400" dirty="0">
+                        <a:solidFill>
+                          <a:schemeClr val="tx1"/>
+                        </a:solidFill>
+                      </a:endParaRPr>
+                    </a:p>
+                  </a:txBody>
+                  <a:tcPr>
+                    <a:lnL w="6350" cap="flat" cmpd="sng" algn="ctr">
+                      <a:solidFill>
+                        <a:schemeClr val="tx2"/>
+                      </a:solidFill>
+                      <a:prstDash val="solid"/>
+                      <a:round/>
+                      <a:headEnd type="none" w="med" len="med"/>
+                      <a:tailEnd type="none" w="med" len="med"/>
+                    </a:lnL>
+                    <a:lnR w="6350" cap="flat" cmpd="sng" algn="ctr">
+                      <a:solidFill>
+                        <a:schemeClr val="tx2"/>
+                      </a:solidFill>
+                      <a:prstDash val="solid"/>
+                      <a:round/>
+                      <a:headEnd type="none" w="med" len="med"/>
+                      <a:tailEnd type="none" w="med" len="med"/>
+                    </a:lnR>
+                    <a:lnT w="6350" cap="flat" cmpd="sng" algn="ctr">
+                      <a:solidFill>
+                        <a:schemeClr val="tx2"/>
+                      </a:solidFill>
+                      <a:prstDash val="solid"/>
+                      <a:round/>
+                      <a:headEnd type="none" w="med" len="med"/>
+                      <a:tailEnd type="none" w="med" len="med"/>
+                    </a:lnT>
+                    <a:lnB w="6350" cap="flat" cmpd="sng" algn="ctr">
+                      <a:solidFill>
+                        <a:schemeClr val="tx2"/>
+                      </a:solidFill>
+                      <a:prstDash val="solid"/>
+                      <a:round/>
+                      <a:headEnd type="none" w="med" len="med"/>
+                      <a:tailEnd type="none" w="med" len="med"/>
+                    </a:lnB>
+                    <a:lnTlToBr w="12700" cmpd="sng">
+                      <a:noFill/>
+                      <a:prstDash val="solid"/>
+                    </a:lnTlToBr>
+                    <a:lnBlToTr w="12700" cmpd="sng">
+                      <a:noFill/>
+                      <a:prstDash val="solid"/>
+                    </a:lnBlToTr>
+                  </a:tcPr>
+                </a:tc>
+                <a:tc>
+                  <a:txBody>
+                    <a:bodyPr/>
+                    <a:lstStyle/>
+                    <a:p>
+                      <a:pPr algn="ctr"/>
+                      <a:r>
+                        <a:rPr lang="ru-RU" sz="1400" dirty="0" smtClean="0">
+                          <a:solidFill>
+                            <a:schemeClr val="tx1"/>
+                          </a:solidFill>
+                        </a:rPr>
+                        <a:t>1</a:t>
+                      </a:r>
+                      <a:endParaRPr lang="ru-RU" sz="1400" dirty="0">
+                        <a:solidFill>
+                          <a:schemeClr val="tx1"/>
+                        </a:solidFill>
+                      </a:endParaRPr>
+                    </a:p>
+                  </a:txBody>
+                  <a:tcPr>
+                    <a:lnL w="6350" cap="flat" cmpd="sng" algn="ctr">
+                      <a:solidFill>
+                        <a:schemeClr val="tx2"/>
+                      </a:solidFill>
+                      <a:prstDash val="solid"/>
+                      <a:round/>
+                      <a:headEnd type="none" w="med" len="med"/>
+                      <a:tailEnd type="none" w="med" len="med"/>
+                    </a:lnL>
+                    <a:lnR w="6350" cap="flat" cmpd="sng" algn="ctr">
+                      <a:solidFill>
+                        <a:schemeClr val="tx2"/>
+                      </a:solidFill>
+                      <a:prstDash val="solid"/>
+                      <a:round/>
+                      <a:headEnd type="none" w="med" len="med"/>
+                      <a:tailEnd type="none" w="med" len="med"/>
+                    </a:lnR>
+                    <a:lnT w="6350" cap="flat" cmpd="sng" algn="ctr">
+                      <a:solidFill>
+                        <a:schemeClr val="tx2"/>
+                      </a:solidFill>
+                      <a:prstDash val="solid"/>
+                      <a:round/>
+                      <a:headEnd type="none" w="med" len="med"/>
+                      <a:tailEnd type="none" w="med" len="med"/>
+                    </a:lnT>
+                    <a:lnB w="6350" cap="flat" cmpd="sng" algn="ctr">
+                      <a:solidFill>
+                        <a:schemeClr val="tx2"/>
+                      </a:solidFill>
+                      <a:prstDash val="solid"/>
+                      <a:round/>
+                      <a:headEnd type="none" w="med" len="med"/>
+                      <a:tailEnd type="none" w="med" len="med"/>
+                    </a:lnB>
+                    <a:lnTlToBr w="12700" cmpd="sng">
+                      <a:noFill/>
+                      <a:prstDash val="solid"/>
+                    </a:lnTlToBr>
+                    <a:lnBlToTr w="12700" cmpd="sng">
+                      <a:noFill/>
+                      <a:prstDash val="solid"/>
+                    </a:lnBlToTr>
+                  </a:tcPr>
+                </a:tc>
+                <a:tc>
+                  <a:txBody>
+                    <a:bodyPr/>
+                    <a:lstStyle/>
+                    <a:p>
+                      <a:pPr algn="ctr"/>
+                      <a:r>
+                        <a:rPr lang="ru-RU" sz="1400" dirty="0" smtClean="0">
+                          <a:solidFill>
+                            <a:schemeClr val="tx1"/>
+                          </a:solidFill>
+                        </a:rPr>
+                        <a:t>1</a:t>
+                      </a:r>
+                      <a:endParaRPr lang="ru-RU" sz="1400" dirty="0">
+                        <a:solidFill>
+                          <a:schemeClr val="tx1"/>
+                        </a:solidFill>
+                      </a:endParaRPr>
+                    </a:p>
+                  </a:txBody>
+                  <a:tcPr>
+                    <a:lnL w="6350" cap="flat" cmpd="sng" algn="ctr">
+                      <a:solidFill>
+                        <a:schemeClr val="tx2"/>
+                      </a:solidFill>
+                      <a:prstDash val="solid"/>
+                      <a:round/>
+                      <a:headEnd type="none" w="med" len="med"/>
+                      <a:tailEnd type="none" w="med" len="med"/>
+                    </a:lnL>
+                    <a:lnR w="6350" cap="flat" cmpd="sng" algn="ctr">
+                      <a:solidFill>
+                        <a:schemeClr val="tx2"/>
+                      </a:solidFill>
+                      <a:prstDash val="solid"/>
+                      <a:round/>
+                      <a:headEnd type="none" w="med" len="med"/>
+                      <a:tailEnd type="none" w="med" len="med"/>
+                    </a:lnR>
+                    <a:lnT w="6350" cap="flat" cmpd="sng" algn="ctr">
+                      <a:solidFill>
+                        <a:schemeClr val="tx2"/>
+                      </a:solidFill>
+                      <a:prstDash val="solid"/>
+                      <a:round/>
+                      <a:headEnd type="none" w="med" len="med"/>
+                      <a:tailEnd type="none" w="med" len="med"/>
+                    </a:lnT>
+                    <a:lnB w="6350" cap="flat" cmpd="sng" algn="ctr">
+                      <a:solidFill>
+                        <a:schemeClr val="tx2"/>
+                      </a:solidFill>
+                      <a:prstDash val="solid"/>
+                      <a:round/>
+                      <a:headEnd type="none" w="med" len="med"/>
+                      <a:tailEnd type="none" w="med" len="med"/>
+                    </a:lnB>
+                    <a:lnTlToBr w="12700" cmpd="sng">
+                      <a:noFill/>
+                      <a:prstDash val="solid"/>
+                    </a:lnTlToBr>
+                    <a:lnBlToTr w="12700" cmpd="sng">
+                      <a:noFill/>
+                      <a:prstDash val="solid"/>
+                    </a:lnBlToTr>
+                  </a:tcPr>
+                </a:tc>
+              </a:tr>
+              <a:tr h="202932">
+                <a:tc>
+                  <a:txBody>
+                    <a:bodyPr/>
+                    <a:lstStyle/>
+                    <a:p>
+                      <a:pPr algn="ctr"/>
+                      <a:r>
+                        <a:rPr lang="ru-RU" sz="1400" dirty="0" smtClean="0">
+                          <a:solidFill>
+                            <a:schemeClr val="tx1"/>
+                          </a:solidFill>
+                        </a:rPr>
+                        <a:t>0</a:t>
+                      </a:r>
+                      <a:endParaRPr lang="ru-RU" sz="1400" dirty="0">
+                        <a:solidFill>
+                          <a:schemeClr val="tx1"/>
+                        </a:solidFill>
+                      </a:endParaRPr>
+                    </a:p>
+                  </a:txBody>
+                  <a:tcPr>
+                    <a:lnL w="6350" cap="flat" cmpd="sng" algn="ctr">
+                      <a:solidFill>
+                        <a:schemeClr val="tx2"/>
+                      </a:solidFill>
+                      <a:prstDash val="solid"/>
+                      <a:round/>
+                      <a:headEnd type="none" w="med" len="med"/>
+                      <a:tailEnd type="none" w="med" len="med"/>
+                    </a:lnL>
+                    <a:lnR w="6350" cap="flat" cmpd="sng" algn="ctr">
+                      <a:solidFill>
+                        <a:schemeClr val="tx2"/>
+                      </a:solidFill>
+                      <a:prstDash val="solid"/>
+                      <a:round/>
+                      <a:headEnd type="none" w="med" len="med"/>
+                      <a:tailEnd type="none" w="med" len="med"/>
+                    </a:lnR>
+                    <a:lnT w="6350" cap="flat" cmpd="sng" algn="ctr">
+                      <a:solidFill>
+                        <a:schemeClr val="tx2"/>
+                      </a:solidFill>
+                      <a:prstDash val="solid"/>
+                      <a:round/>
+                      <a:headEnd type="none" w="med" len="med"/>
+                      <a:tailEnd type="none" w="med" len="med"/>
+                    </a:lnT>
+                    <a:lnB w="6350" cap="flat" cmpd="sng" algn="ctr">
+                      <a:solidFill>
+                        <a:schemeClr val="tx2"/>
+                      </a:solidFill>
+                      <a:prstDash val="solid"/>
+                      <a:round/>
+                      <a:headEnd type="none" w="med" len="med"/>
+                      <a:tailEnd type="none" w="med" len="med"/>
+                    </a:lnB>
+                    <a:lnTlToBr w="12700" cmpd="sng">
+                      <a:noFill/>
+                      <a:prstDash val="solid"/>
+                    </a:lnTlToBr>
+                    <a:lnBlToTr w="12700" cmpd="sng">
+                      <a:noFill/>
+                      <a:prstDash val="solid"/>
+                    </a:lnBlToTr>
+                  </a:tcPr>
+                </a:tc>
+                <a:tc>
+                  <a:txBody>
+                    <a:bodyPr/>
+                    <a:lstStyle/>
+                    <a:p>
+                      <a:pPr algn="ctr"/>
+                      <a:r>
+                        <a:rPr lang="ru-RU" sz="1400" dirty="0" smtClean="0">
+                          <a:solidFill>
+                            <a:schemeClr val="tx1"/>
+                          </a:solidFill>
+                        </a:rPr>
+                        <a:t>0</a:t>
+                      </a:r>
+                      <a:endParaRPr lang="ru-RU" sz="1400" dirty="0">
+                        <a:solidFill>
+                          <a:schemeClr val="tx1"/>
+                        </a:solidFill>
+                      </a:endParaRPr>
+                    </a:p>
+                  </a:txBody>
+                  <a:tcPr>
+                    <a:lnL w="6350" cap="flat" cmpd="sng" algn="ctr">
+                      <a:solidFill>
+                        <a:schemeClr val="tx2"/>
+                      </a:solidFill>
+                      <a:prstDash val="solid"/>
+                      <a:round/>
+                      <a:headEnd type="none" w="med" len="med"/>
+                      <a:tailEnd type="none" w="med" len="med"/>
+                    </a:lnL>
+                    <a:lnR w="6350" cap="flat" cmpd="sng" algn="ctr">
+                      <a:solidFill>
+                        <a:schemeClr val="tx2"/>
+                      </a:solidFill>
+                      <a:prstDash val="solid"/>
+                      <a:round/>
+                      <a:headEnd type="none" w="med" len="med"/>
+                      <a:tailEnd type="none" w="med" len="med"/>
+                    </a:lnR>
+                    <a:lnT w="6350" cap="flat" cmpd="sng" algn="ctr">
+                      <a:solidFill>
+                        <a:schemeClr val="tx2"/>
+                      </a:solidFill>
+                      <a:prstDash val="solid"/>
+                      <a:round/>
+                      <a:headEnd type="none" w="med" len="med"/>
+                      <a:tailEnd type="none" w="med" len="med"/>
+                    </a:lnT>
+                    <a:lnB w="6350" cap="flat" cmpd="sng" algn="ctr">
+                      <a:solidFill>
+                        <a:schemeClr val="tx2"/>
+                      </a:solidFill>
+                      <a:prstDash val="solid"/>
+                      <a:round/>
+                      <a:headEnd type="none" w="med" len="med"/>
+                      <a:tailEnd type="none" w="med" len="med"/>
+                    </a:lnB>
+                    <a:lnTlToBr w="12700" cmpd="sng">
+                      <a:noFill/>
+                      <a:prstDash val="solid"/>
+                    </a:lnTlToBr>
+                    <a:lnBlToTr w="12700" cmpd="sng">
+                      <a:noFill/>
+                      <a:prstDash val="solid"/>
+                    </a:lnBlToTr>
+                  </a:tcPr>
+                </a:tc>
+                <a:tc>
+                  <a:txBody>
+                    <a:bodyPr/>
+                    <a:lstStyle/>
+                    <a:p>
+                      <a:pPr algn="ctr"/>
+                      <a:r>
+                        <a:rPr lang="ru-RU" sz="1400" dirty="0" smtClean="0">
+                          <a:solidFill>
+                            <a:schemeClr val="tx1"/>
+                          </a:solidFill>
+                        </a:rPr>
+                        <a:t>1</a:t>
+                      </a:r>
+                      <a:endParaRPr lang="ru-RU" sz="1400" dirty="0">
+                        <a:solidFill>
+                          <a:schemeClr val="tx1"/>
+                        </a:solidFill>
+                      </a:endParaRPr>
+                    </a:p>
+                  </a:txBody>
+                  <a:tcPr>
+                    <a:lnL w="6350" cap="flat" cmpd="sng" algn="ctr">
+                      <a:solidFill>
+                        <a:schemeClr val="tx2"/>
+                      </a:solidFill>
+                      <a:prstDash val="solid"/>
+                      <a:round/>
+                      <a:headEnd type="none" w="med" len="med"/>
+                      <a:tailEnd type="none" w="med" len="med"/>
+                    </a:lnL>
+                    <a:lnR w="6350" cap="flat" cmpd="sng" algn="ctr">
+                      <a:solidFill>
+                        <a:schemeClr val="tx2"/>
+                      </a:solidFill>
+                      <a:prstDash val="solid"/>
+                      <a:round/>
+                      <a:headEnd type="none" w="med" len="med"/>
+                      <a:tailEnd type="none" w="med" len="med"/>
+                    </a:lnR>
+                    <a:lnT w="6350" cap="flat" cmpd="sng" algn="ctr">
+                      <a:solidFill>
+                        <a:schemeClr val="tx2"/>
+                      </a:solidFill>
+                      <a:prstDash val="solid"/>
+                      <a:round/>
+                      <a:headEnd type="none" w="med" len="med"/>
+                      <a:tailEnd type="none" w="med" len="med"/>
+                    </a:lnT>
+                    <a:lnB w="6350" cap="flat" cmpd="sng" algn="ctr">
+                      <a:solidFill>
+                        <a:schemeClr val="tx2"/>
+                      </a:solidFill>
+                      <a:prstDash val="solid"/>
+                      <a:round/>
+                      <a:headEnd type="none" w="med" len="med"/>
+                      <a:tailEnd type="none" w="med" len="med"/>
+                    </a:lnB>
+                    <a:lnTlToBr w="12700" cmpd="sng">
+                      <a:noFill/>
+                      <a:prstDash val="solid"/>
+                    </a:lnTlToBr>
+                    <a:lnBlToTr w="12700" cmpd="sng">
+                      <a:noFill/>
+                      <a:prstDash val="solid"/>
+                    </a:lnBlToTr>
+                  </a:tcPr>
+                </a:tc>
+                <a:tc>
+                  <a:txBody>
+                    <a:bodyPr/>
+                    <a:lstStyle/>
+                    <a:p>
+                      <a:pPr algn="ctr"/>
+                      <a:r>
+                        <a:rPr lang="ru-RU" sz="1400" dirty="0" smtClean="0">
+                          <a:solidFill>
+                            <a:schemeClr val="tx1"/>
+                          </a:solidFill>
+                        </a:rPr>
+                        <a:t>0</a:t>
+                      </a:r>
+                      <a:endParaRPr lang="ru-RU" sz="1400" dirty="0">
+                        <a:solidFill>
+                          <a:schemeClr val="tx1"/>
+                        </a:solidFill>
+                      </a:endParaRPr>
+                    </a:p>
+                  </a:txBody>
+                  <a:tcPr>
+                    <a:lnL w="6350" cap="flat" cmpd="sng" algn="ctr">
+                      <a:solidFill>
+                        <a:schemeClr val="tx2"/>
+                      </a:solidFill>
+                      <a:prstDash val="solid"/>
+                      <a:round/>
+                      <a:headEnd type="none" w="med" len="med"/>
+                      <a:tailEnd type="none" w="med" len="med"/>
+                    </a:lnL>
+                    <a:lnR w="6350" cap="flat" cmpd="sng" algn="ctr">
+                      <a:solidFill>
+                        <a:schemeClr val="tx2"/>
+                      </a:solidFill>
+                      <a:prstDash val="solid"/>
+                      <a:round/>
+                      <a:headEnd type="none" w="med" len="med"/>
+                      <a:tailEnd type="none" w="med" len="med"/>
+                    </a:lnR>
+                    <a:lnT w="6350" cap="flat" cmpd="sng" algn="ctr">
+                      <a:solidFill>
+                        <a:schemeClr val="tx2"/>
+                      </a:solidFill>
+                      <a:prstDash val="solid"/>
+                      <a:round/>
+                      <a:headEnd type="none" w="med" len="med"/>
+                      <a:tailEnd type="none" w="med" len="med"/>
+                    </a:lnT>
+                    <a:lnB w="6350" cap="flat" cmpd="sng" algn="ctr">
+                      <a:solidFill>
+                        <a:schemeClr val="tx2"/>
+                      </a:solidFill>
+                      <a:prstDash val="solid"/>
+                      <a:round/>
+                      <a:headEnd type="none" w="med" len="med"/>
+                      <a:tailEnd type="none" w="med" len="med"/>
+                    </a:lnB>
+                    <a:lnTlToBr w="12700" cmpd="sng">
+                      <a:noFill/>
+                      <a:prstDash val="solid"/>
+                    </a:lnTlToBr>
+                    <a:lnBlToTr w="12700" cmpd="sng">
+                      <a:noFill/>
+                      <a:prstDash val="solid"/>
+                    </a:lnBlToTr>
+                  </a:tcPr>
+                </a:tc>
+              </a:tr>
+              <a:tr h="202932">
+                <a:tc>
+                  <a:txBody>
+                    <a:bodyPr/>
+                    <a:lstStyle/>
+                    <a:p>
+                      <a:pPr algn="ctr"/>
+                      <a:r>
+                        <a:rPr lang="ru-RU" sz="1400" dirty="0" smtClean="0">
+                          <a:solidFill>
+                            <a:schemeClr val="tx1"/>
+                          </a:solidFill>
+                        </a:rPr>
+                        <a:t>1</a:t>
+                      </a:r>
+                      <a:endParaRPr lang="ru-RU" sz="1400" dirty="0">
+                        <a:solidFill>
+                          <a:schemeClr val="tx1"/>
+                        </a:solidFill>
+                      </a:endParaRPr>
+                    </a:p>
+                  </a:txBody>
+                  <a:tcPr>
+                    <a:lnL w="6350" cap="flat" cmpd="sng" algn="ctr">
+                      <a:solidFill>
+                        <a:schemeClr val="tx2"/>
+                      </a:solidFill>
+                      <a:prstDash val="solid"/>
+                      <a:round/>
+                      <a:headEnd type="none" w="med" len="med"/>
+                      <a:tailEnd type="none" w="med" len="med"/>
+                    </a:lnL>
+                    <a:lnR w="6350" cap="flat" cmpd="sng" algn="ctr">
+                      <a:solidFill>
+                        <a:schemeClr val="tx2"/>
+                      </a:solidFill>
+                      <a:prstDash val="solid"/>
+                      <a:round/>
+                      <a:headEnd type="none" w="med" len="med"/>
+                      <a:tailEnd type="none" w="med" len="med"/>
+                    </a:lnR>
+                    <a:lnT w="6350" cap="flat" cmpd="sng" algn="ctr">
+                      <a:solidFill>
+                        <a:schemeClr val="tx2"/>
+                      </a:solidFill>
+                      <a:prstDash val="solid"/>
+                      <a:round/>
+                      <a:headEnd type="none" w="med" len="med"/>
+                      <a:tailEnd type="none" w="med" len="med"/>
+                    </a:lnT>
+                    <a:lnB w="6350" cap="flat" cmpd="sng" algn="ctr">
+                      <a:solidFill>
+                        <a:schemeClr val="tx2"/>
+                      </a:solidFill>
+                      <a:prstDash val="solid"/>
+                      <a:round/>
+                      <a:headEnd type="none" w="med" len="med"/>
+                      <a:tailEnd type="none" w="med" len="med"/>
+                    </a:lnB>
+                    <a:lnTlToBr w="12700" cmpd="sng">
+                      <a:noFill/>
+                      <a:prstDash val="solid"/>
+                    </a:lnTlToBr>
+                    <a:lnBlToTr w="12700" cmpd="sng">
+                      <a:noFill/>
+                      <a:prstDash val="solid"/>
+                    </a:lnBlToTr>
+                  </a:tcPr>
+                </a:tc>
+                <a:tc>
+                  <a:txBody>
+                    <a:bodyPr/>
+                    <a:lstStyle/>
+                    <a:p>
+                      <a:pPr algn="ctr"/>
+                      <a:r>
+                        <a:rPr lang="ru-RU" sz="1400" dirty="0" smtClean="0">
+                          <a:solidFill>
+                            <a:schemeClr val="tx1"/>
+                          </a:solidFill>
+                        </a:rPr>
+                        <a:t>0</a:t>
+                      </a:r>
+                      <a:endParaRPr lang="ru-RU" sz="1400" dirty="0">
+                        <a:solidFill>
+                          <a:schemeClr val="tx1"/>
+                        </a:solidFill>
+                      </a:endParaRPr>
+                    </a:p>
+                  </a:txBody>
+                  <a:tcPr>
+                    <a:lnL w="6350" cap="flat" cmpd="sng" algn="ctr">
+                      <a:solidFill>
+                        <a:schemeClr val="tx2"/>
+                      </a:solidFill>
+                      <a:prstDash val="solid"/>
+                      <a:round/>
+                      <a:headEnd type="none" w="med" len="med"/>
+                      <a:tailEnd type="none" w="med" len="med"/>
+                    </a:lnL>
+                    <a:lnR w="6350" cap="flat" cmpd="sng" algn="ctr">
+                      <a:solidFill>
+                        <a:schemeClr val="tx2"/>
+                      </a:solidFill>
+                      <a:prstDash val="solid"/>
+                      <a:round/>
+                      <a:headEnd type="none" w="med" len="med"/>
+                      <a:tailEnd type="none" w="med" len="med"/>
+                    </a:lnR>
+                    <a:lnT w="6350" cap="flat" cmpd="sng" algn="ctr">
+                      <a:solidFill>
+                        <a:schemeClr val="tx2"/>
+                      </a:solidFill>
+                      <a:prstDash val="solid"/>
+                      <a:round/>
+                      <a:headEnd type="none" w="med" len="med"/>
+                      <a:tailEnd type="none" w="med" len="med"/>
+                    </a:lnT>
+                    <a:lnB w="6350" cap="flat" cmpd="sng" algn="ctr">
+                      <a:solidFill>
+                        <a:schemeClr val="tx2"/>
+                      </a:solidFill>
+                      <a:prstDash val="solid"/>
+                      <a:round/>
+                      <a:headEnd type="none" w="med" len="med"/>
+                      <a:tailEnd type="none" w="med" len="med"/>
+                    </a:lnB>
+                    <a:lnTlToBr w="12700" cmpd="sng">
+                      <a:noFill/>
+                      <a:prstDash val="solid"/>
+                    </a:lnTlToBr>
+                    <a:lnBlToTr w="12700" cmpd="sng">
+                      <a:noFill/>
+                      <a:prstDash val="solid"/>
+                    </a:lnBlToTr>
+                  </a:tcPr>
+                </a:tc>
+                <a:tc>
+                  <a:txBody>
+                    <a:bodyPr/>
+                    <a:lstStyle/>
+                    <a:p>
+                      <a:pPr algn="ctr"/>
+                      <a:r>
+                        <a:rPr lang="ru-RU" sz="1400" dirty="0" smtClean="0">
+                          <a:solidFill>
+                            <a:schemeClr val="tx1"/>
+                          </a:solidFill>
+                        </a:rPr>
+                        <a:t>1</a:t>
+                      </a:r>
+                      <a:endParaRPr lang="ru-RU" sz="1400" dirty="0">
+                        <a:solidFill>
+                          <a:schemeClr val="tx1"/>
+                        </a:solidFill>
+                      </a:endParaRPr>
+                    </a:p>
+                  </a:txBody>
+                  <a:tcPr>
+                    <a:lnL w="6350" cap="flat" cmpd="sng" algn="ctr">
+                      <a:solidFill>
+                        <a:schemeClr val="tx2"/>
+                      </a:solidFill>
+                      <a:prstDash val="solid"/>
+                      <a:round/>
+                      <a:headEnd type="none" w="med" len="med"/>
+                      <a:tailEnd type="none" w="med" len="med"/>
+                    </a:lnL>
+                    <a:lnR w="6350" cap="flat" cmpd="sng" algn="ctr">
+                      <a:solidFill>
+                        <a:schemeClr val="tx2"/>
+                      </a:solidFill>
+                      <a:prstDash val="solid"/>
+                      <a:round/>
+                      <a:headEnd type="none" w="med" len="med"/>
+                      <a:tailEnd type="none" w="med" len="med"/>
+                    </a:lnR>
+                    <a:lnT w="6350" cap="flat" cmpd="sng" algn="ctr">
+                      <a:solidFill>
+                        <a:schemeClr val="tx2"/>
+                      </a:solidFill>
+                      <a:prstDash val="solid"/>
+                      <a:round/>
+                      <a:headEnd type="none" w="med" len="med"/>
+                      <a:tailEnd type="none" w="med" len="med"/>
+                    </a:lnT>
+                    <a:lnB w="6350" cap="flat" cmpd="sng" algn="ctr">
+                      <a:solidFill>
+                        <a:schemeClr val="tx2"/>
+                      </a:solidFill>
+                      <a:prstDash val="solid"/>
+                      <a:round/>
+                      <a:headEnd type="none" w="med" len="med"/>
+                      <a:tailEnd type="none" w="med" len="med"/>
+                    </a:lnB>
+                    <a:lnTlToBr w="12700" cmpd="sng">
+                      <a:noFill/>
+                      <a:prstDash val="solid"/>
+                    </a:lnTlToBr>
+                    <a:lnBlToTr w="12700" cmpd="sng">
+                      <a:noFill/>
+                      <a:prstDash val="solid"/>
+                    </a:lnBlToTr>
+                  </a:tcPr>
+                </a:tc>
+                <a:tc>
+                  <a:txBody>
+                    <a:bodyPr/>
+                    <a:lstStyle/>
+                    <a:p>
+                      <a:pPr algn="ctr"/>
+                      <a:r>
+                        <a:rPr lang="ru-RU" sz="1400" dirty="0" smtClean="0">
+                          <a:solidFill>
+                            <a:schemeClr val="tx1"/>
+                          </a:solidFill>
+                        </a:rPr>
+                        <a:t>0</a:t>
+                      </a:r>
+                      <a:endParaRPr lang="ru-RU" sz="1400" dirty="0">
+                        <a:solidFill>
+                          <a:schemeClr val="tx1"/>
+                        </a:solidFill>
+                      </a:endParaRPr>
+                    </a:p>
+                  </a:txBody>
+                  <a:tcPr>
+                    <a:lnL w="6350" cap="flat" cmpd="sng" algn="ctr">
+                      <a:solidFill>
+                        <a:schemeClr val="tx2"/>
+                      </a:solidFill>
+                      <a:prstDash val="solid"/>
+                      <a:round/>
+                      <a:headEnd type="none" w="med" len="med"/>
+                      <a:tailEnd type="none" w="med" len="med"/>
+                    </a:lnL>
+                    <a:lnR w="6350" cap="flat" cmpd="sng" algn="ctr">
+                      <a:solidFill>
+                        <a:schemeClr val="tx2"/>
+                      </a:solidFill>
+                      <a:prstDash val="solid"/>
+                      <a:round/>
+                      <a:headEnd type="none" w="med" len="med"/>
+                      <a:tailEnd type="none" w="med" len="med"/>
+                    </a:lnR>
+                    <a:lnT w="6350" cap="flat" cmpd="sng" algn="ctr">
+                      <a:solidFill>
+                        <a:schemeClr val="tx2"/>
+                      </a:solidFill>
+                      <a:prstDash val="solid"/>
+                      <a:round/>
+                      <a:headEnd type="none" w="med" len="med"/>
+                      <a:tailEnd type="none" w="med" len="med"/>
+                    </a:lnT>
+                    <a:lnB w="6350" cap="flat" cmpd="sng" algn="ctr">
+                      <a:solidFill>
+                        <a:schemeClr val="tx2"/>
+                      </a:solidFill>
+                      <a:prstDash val="solid"/>
+                      <a:round/>
+                      <a:headEnd type="none" w="med" len="med"/>
+                      <a:tailEnd type="none" w="med" len="med"/>
+                    </a:lnB>
+                    <a:lnTlToBr w="12700" cmpd="sng">
+                      <a:noFill/>
+                      <a:prstDash val="solid"/>
+                    </a:lnTlToBr>
+                    <a:lnBlToTr w="12700" cmpd="sng">
+                      <a:noFill/>
+                      <a:prstDash val="solid"/>
+                    </a:lnBlToTr>
+                  </a:tcPr>
+                </a:tc>
+              </a:tr>
+              <a:tr h="202932">
+                <a:tc>
+                  <a:txBody>
+                    <a:bodyPr/>
+                    <a:lstStyle/>
+                    <a:p>
+                      <a:pPr algn="ctr"/>
+                      <a:r>
+                        <a:rPr lang="ru-RU" sz="1400" dirty="0" smtClean="0">
+                          <a:solidFill>
+                            <a:schemeClr val="tx1"/>
+                          </a:solidFill>
+                        </a:rPr>
+                        <a:t>0</a:t>
+                      </a:r>
+                      <a:endParaRPr lang="ru-RU" sz="1400" dirty="0">
+                        <a:solidFill>
+                          <a:schemeClr val="tx1"/>
+                        </a:solidFill>
+                      </a:endParaRPr>
+                    </a:p>
+                  </a:txBody>
+                  <a:tcPr>
+                    <a:lnL w="6350" cap="flat" cmpd="sng" algn="ctr">
+                      <a:solidFill>
+                        <a:schemeClr val="tx2"/>
+                      </a:solidFill>
+                      <a:prstDash val="solid"/>
+                      <a:round/>
+                      <a:headEnd type="none" w="med" len="med"/>
+                      <a:tailEnd type="none" w="med" len="med"/>
+                    </a:lnL>
+                    <a:lnR w="6350" cap="flat" cmpd="sng" algn="ctr">
+                      <a:solidFill>
+                        <a:schemeClr val="tx2"/>
+                      </a:solidFill>
+                      <a:prstDash val="solid"/>
+                      <a:round/>
+                      <a:headEnd type="none" w="med" len="med"/>
+                      <a:tailEnd type="none" w="med" len="med"/>
+                    </a:lnR>
+                    <a:lnT w="6350" cap="flat" cmpd="sng" algn="ctr">
+                      <a:solidFill>
+                        <a:schemeClr val="tx2"/>
+                      </a:solidFill>
+                      <a:prstDash val="solid"/>
+                      <a:round/>
+                      <a:headEnd type="none" w="med" len="med"/>
+                      <a:tailEnd type="none" w="med" len="med"/>
+                    </a:lnT>
+                    <a:lnB w="6350" cap="flat" cmpd="sng" algn="ctr">
+                      <a:solidFill>
+                        <a:schemeClr val="tx2"/>
+                      </a:solidFill>
+                      <a:prstDash val="solid"/>
+                      <a:round/>
+                      <a:headEnd type="none" w="med" len="med"/>
+                      <a:tailEnd type="none" w="med" len="med"/>
+                    </a:lnB>
+                    <a:lnTlToBr w="12700" cmpd="sng">
+                      <a:noFill/>
+                      <a:prstDash val="solid"/>
+                    </a:lnTlToBr>
+                    <a:lnBlToTr w="12700" cmpd="sng">
+                      <a:noFill/>
+                      <a:prstDash val="solid"/>
+                    </a:lnBlToTr>
+                  </a:tcPr>
+                </a:tc>
+                <a:tc>
+                  <a:txBody>
+                    <a:bodyPr/>
+                    <a:lstStyle/>
+                    <a:p>
+                      <a:pPr algn="ctr"/>
+                      <a:r>
+                        <a:rPr lang="ru-RU" sz="1400" dirty="0" smtClean="0">
+                          <a:solidFill>
+                            <a:schemeClr val="tx1"/>
+                          </a:solidFill>
+                        </a:rPr>
+                        <a:t>0</a:t>
+                      </a:r>
+                      <a:endParaRPr lang="ru-RU" sz="1400" dirty="0">
+                        <a:solidFill>
+                          <a:schemeClr val="tx1"/>
+                        </a:solidFill>
+                      </a:endParaRPr>
+                    </a:p>
+                  </a:txBody>
+                  <a:tcPr>
+                    <a:lnL w="6350" cap="flat" cmpd="sng" algn="ctr">
+                      <a:solidFill>
+                        <a:schemeClr val="tx2"/>
+                      </a:solidFill>
+                      <a:prstDash val="solid"/>
+                      <a:round/>
+                      <a:headEnd type="none" w="med" len="med"/>
+                      <a:tailEnd type="none" w="med" len="med"/>
+                    </a:lnL>
+                    <a:lnR w="6350" cap="flat" cmpd="sng" algn="ctr">
+                      <a:solidFill>
+                        <a:schemeClr val="tx2"/>
+                      </a:solidFill>
+                      <a:prstDash val="solid"/>
+                      <a:round/>
+                      <a:headEnd type="none" w="med" len="med"/>
+                      <a:tailEnd type="none" w="med" len="med"/>
+                    </a:lnR>
+                    <a:lnT w="6350" cap="flat" cmpd="sng" algn="ctr">
+                      <a:solidFill>
+                        <a:schemeClr val="tx2"/>
+                      </a:solidFill>
+                      <a:prstDash val="solid"/>
+                      <a:round/>
+                      <a:headEnd type="none" w="med" len="med"/>
+                      <a:tailEnd type="none" w="med" len="med"/>
+                    </a:lnT>
+                    <a:lnB w="6350" cap="flat" cmpd="sng" algn="ctr">
+                      <a:solidFill>
+                        <a:schemeClr val="tx2"/>
+                      </a:solidFill>
+                      <a:prstDash val="solid"/>
+                      <a:round/>
+                      <a:headEnd type="none" w="med" len="med"/>
+                      <a:tailEnd type="none" w="med" len="med"/>
+                    </a:lnB>
+                    <a:lnTlToBr w="12700" cmpd="sng">
+                      <a:noFill/>
+                      <a:prstDash val="solid"/>
+                    </a:lnTlToBr>
+                    <a:lnBlToTr w="12700" cmpd="sng">
+                      <a:noFill/>
+                      <a:prstDash val="solid"/>
+                    </a:lnBlToTr>
+                  </a:tcPr>
+                </a:tc>
+                <a:tc>
+                  <a:txBody>
+                    <a:bodyPr/>
+                    <a:lstStyle/>
+                    <a:p>
+                      <a:pPr algn="ctr"/>
+                      <a:r>
+                        <a:rPr lang="ru-RU" sz="1400" dirty="0" smtClean="0">
+                          <a:solidFill>
+                            <a:schemeClr val="tx1"/>
+                          </a:solidFill>
+                        </a:rPr>
+                        <a:t>0</a:t>
+                      </a:r>
+                      <a:endParaRPr lang="ru-RU" sz="1400" dirty="0">
+                        <a:solidFill>
+                          <a:schemeClr val="tx1"/>
+                        </a:solidFill>
+                      </a:endParaRPr>
+                    </a:p>
+                  </a:txBody>
+                  <a:tcPr>
+                    <a:lnL w="6350" cap="flat" cmpd="sng" algn="ctr">
+                      <a:solidFill>
+                        <a:schemeClr val="tx2"/>
+                      </a:solidFill>
+                      <a:prstDash val="solid"/>
+                      <a:round/>
+                      <a:headEnd type="none" w="med" len="med"/>
+                      <a:tailEnd type="none" w="med" len="med"/>
+                    </a:lnL>
+                    <a:lnR w="6350" cap="flat" cmpd="sng" algn="ctr">
+                      <a:solidFill>
+                        <a:schemeClr val="tx2"/>
+                      </a:solidFill>
+                      <a:prstDash val="solid"/>
+                      <a:round/>
+                      <a:headEnd type="none" w="med" len="med"/>
+                      <a:tailEnd type="none" w="med" len="med"/>
+                    </a:lnR>
+                    <a:lnT w="6350" cap="flat" cmpd="sng" algn="ctr">
+                      <a:solidFill>
+                        <a:schemeClr val="tx2"/>
+                      </a:solidFill>
+                      <a:prstDash val="solid"/>
+                      <a:round/>
+                      <a:headEnd type="none" w="med" len="med"/>
+                      <a:tailEnd type="none" w="med" len="med"/>
+                    </a:lnT>
+                    <a:lnB w="6350" cap="flat" cmpd="sng" algn="ctr">
+                      <a:solidFill>
+                        <a:schemeClr val="tx2"/>
+                      </a:solidFill>
+                      <a:prstDash val="solid"/>
+                      <a:round/>
+                      <a:headEnd type="none" w="med" len="med"/>
+                      <a:tailEnd type="none" w="med" len="med"/>
+                    </a:lnB>
+                    <a:lnTlToBr w="12700" cmpd="sng">
+                      <a:noFill/>
+                      <a:prstDash val="solid"/>
+                    </a:lnTlToBr>
+                    <a:lnBlToTr w="12700" cmpd="sng">
+                      <a:noFill/>
+                      <a:prstDash val="solid"/>
+                    </a:lnBlToTr>
+                  </a:tcPr>
+                </a:tc>
+                <a:tc>
+                  <a:txBody>
+                    <a:bodyPr/>
+                    <a:lstStyle/>
+                    <a:p>
+                      <a:pPr algn="ctr"/>
+                      <a:r>
+                        <a:rPr lang="ru-RU" sz="1400" dirty="0" smtClean="0">
+                          <a:solidFill>
+                            <a:schemeClr val="tx1"/>
+                          </a:solidFill>
+                        </a:rPr>
+                        <a:t>1</a:t>
+                      </a:r>
+                      <a:endParaRPr lang="ru-RU" sz="1400" dirty="0">
+                        <a:solidFill>
+                          <a:schemeClr val="tx1"/>
+                        </a:solidFill>
+                      </a:endParaRPr>
+                    </a:p>
+                  </a:txBody>
+                  <a:tcPr>
+                    <a:lnL w="6350" cap="flat" cmpd="sng" algn="ctr">
+                      <a:solidFill>
+                        <a:schemeClr val="tx2"/>
+                      </a:solidFill>
+                      <a:prstDash val="solid"/>
+                      <a:round/>
+                      <a:headEnd type="none" w="med" len="med"/>
+                      <a:tailEnd type="none" w="med" len="med"/>
+                    </a:lnL>
+                    <a:lnR w="6350" cap="flat" cmpd="sng" algn="ctr">
+                      <a:solidFill>
+                        <a:schemeClr val="tx2"/>
+                      </a:solidFill>
+                      <a:prstDash val="solid"/>
+                      <a:round/>
+                      <a:headEnd type="none" w="med" len="med"/>
+                      <a:tailEnd type="none" w="med" len="med"/>
+                    </a:lnR>
+                    <a:lnT w="6350" cap="flat" cmpd="sng" algn="ctr">
+                      <a:solidFill>
+                        <a:schemeClr val="tx2"/>
+                      </a:solidFill>
+                      <a:prstDash val="solid"/>
+                      <a:round/>
+                      <a:headEnd type="none" w="med" len="med"/>
+                      <a:tailEnd type="none" w="med" len="med"/>
+                    </a:lnT>
+                    <a:lnB w="6350" cap="flat" cmpd="sng" algn="ctr">
+                      <a:solidFill>
+                        <a:schemeClr val="tx2"/>
+                      </a:solidFill>
+                      <a:prstDash val="solid"/>
+                      <a:round/>
+                      <a:headEnd type="none" w="med" len="med"/>
+                      <a:tailEnd type="none" w="med" len="med"/>
+                    </a:lnB>
+                    <a:lnTlToBr w="12700" cmpd="sng">
+                      <a:noFill/>
+                      <a:prstDash val="solid"/>
+                    </a:lnTlToBr>
+                    <a:lnBlToTr w="12700" cmpd="sng">
+                      <a:noFill/>
+                      <a:prstDash val="solid"/>
+                    </a:lnBlToTr>
+                  </a:tcPr>
+                </a:tc>
+              </a:tr>
+              <a:tr h="202932">
+                <a:tc>
+                  <a:txBody>
+                    <a:bodyPr/>
+                    <a:lstStyle/>
+                    <a:p>
+                      <a:pPr algn="ctr"/>
+                      <a:r>
+                        <a:rPr lang="ru-RU" sz="1400" dirty="0" smtClean="0">
+                          <a:solidFill>
+                            <a:schemeClr val="tx1"/>
+                          </a:solidFill>
+                        </a:rPr>
+                        <a:t>0</a:t>
+                      </a:r>
+                      <a:endParaRPr lang="ru-RU" sz="1400" dirty="0">
+                        <a:solidFill>
+                          <a:schemeClr val="tx1"/>
+                        </a:solidFill>
+                      </a:endParaRPr>
+                    </a:p>
+                  </a:txBody>
+                  <a:tcPr>
+                    <a:lnL w="6350" cap="flat" cmpd="sng" algn="ctr">
+                      <a:solidFill>
+                        <a:schemeClr val="tx2"/>
+                      </a:solidFill>
+                      <a:prstDash val="solid"/>
+                      <a:round/>
+                      <a:headEnd type="none" w="med" len="med"/>
+                      <a:tailEnd type="none" w="med" len="med"/>
+                    </a:lnL>
+                    <a:lnR w="6350" cap="flat" cmpd="sng" algn="ctr">
+                      <a:solidFill>
+                        <a:schemeClr val="tx2"/>
+                      </a:solidFill>
+                      <a:prstDash val="solid"/>
+                      <a:round/>
+                      <a:headEnd type="none" w="med" len="med"/>
+                      <a:tailEnd type="none" w="med" len="med"/>
+                    </a:lnR>
+                    <a:lnT w="6350" cap="flat" cmpd="sng" algn="ctr">
+                      <a:solidFill>
+                        <a:schemeClr val="tx2"/>
+                      </a:solidFill>
+                      <a:prstDash val="solid"/>
+                      <a:round/>
+                      <a:headEnd type="none" w="med" len="med"/>
+                      <a:tailEnd type="none" w="med" len="med"/>
+                    </a:lnT>
+                    <a:lnB w="6350" cap="flat" cmpd="sng" algn="ctr">
+                      <a:solidFill>
+                        <a:schemeClr val="tx2"/>
+                      </a:solidFill>
+                      <a:prstDash val="solid"/>
+                      <a:round/>
+                      <a:headEnd type="none" w="med" len="med"/>
+                      <a:tailEnd type="none" w="med" len="med"/>
+                    </a:lnB>
+                    <a:lnTlToBr w="12700" cmpd="sng">
+                      <a:noFill/>
+                      <a:prstDash val="solid"/>
+                    </a:lnTlToBr>
+                    <a:lnBlToTr w="12700" cmpd="sng">
+                      <a:noFill/>
+                      <a:prstDash val="solid"/>
+                    </a:lnBlToTr>
+                  </a:tcPr>
+                </a:tc>
+                <a:tc>
+                  <a:txBody>
+                    <a:bodyPr/>
+                    <a:lstStyle/>
+                    <a:p>
+                      <a:pPr algn="ctr"/>
+                      <a:r>
+                        <a:rPr lang="ru-RU" sz="1400" dirty="0" smtClean="0">
+                          <a:solidFill>
+                            <a:schemeClr val="tx1"/>
+                          </a:solidFill>
+                        </a:rPr>
+                        <a:t>0</a:t>
+                      </a:r>
+                      <a:endParaRPr lang="ru-RU" sz="1400" dirty="0">
+                        <a:solidFill>
+                          <a:schemeClr val="tx1"/>
+                        </a:solidFill>
+                      </a:endParaRPr>
+                    </a:p>
+                  </a:txBody>
+                  <a:tcPr>
+                    <a:lnL w="6350" cap="flat" cmpd="sng" algn="ctr">
+                      <a:solidFill>
+                        <a:schemeClr val="tx2"/>
+                      </a:solidFill>
+                      <a:prstDash val="solid"/>
+                      <a:round/>
+                      <a:headEnd type="none" w="med" len="med"/>
+                      <a:tailEnd type="none" w="med" len="med"/>
+                    </a:lnL>
+                    <a:lnR w="6350" cap="flat" cmpd="sng" algn="ctr">
+                      <a:solidFill>
+                        <a:schemeClr val="tx2"/>
+                      </a:solidFill>
+                      <a:prstDash val="solid"/>
+                      <a:round/>
+                      <a:headEnd type="none" w="med" len="med"/>
+                      <a:tailEnd type="none" w="med" len="med"/>
+                    </a:lnR>
+                    <a:lnT w="6350" cap="flat" cmpd="sng" algn="ctr">
+                      <a:solidFill>
+                        <a:schemeClr val="tx2"/>
+                      </a:solidFill>
+                      <a:prstDash val="solid"/>
+                      <a:round/>
+                      <a:headEnd type="none" w="med" len="med"/>
+                      <a:tailEnd type="none" w="med" len="med"/>
+                    </a:lnT>
+                    <a:lnB w="6350" cap="flat" cmpd="sng" algn="ctr">
+                      <a:solidFill>
+                        <a:schemeClr val="tx2"/>
+                      </a:solidFill>
+                      <a:prstDash val="solid"/>
+                      <a:round/>
+                      <a:headEnd type="none" w="med" len="med"/>
+                      <a:tailEnd type="none" w="med" len="med"/>
+                    </a:lnB>
+                    <a:lnTlToBr w="12700" cmpd="sng">
+                      <a:noFill/>
+                      <a:prstDash val="solid"/>
+                    </a:lnTlToBr>
+                    <a:lnBlToTr w="12700" cmpd="sng">
+                      <a:noFill/>
+                      <a:prstDash val="solid"/>
+                    </a:lnBlToTr>
+                  </a:tcPr>
+                </a:tc>
+                <a:tc>
+                  <a:txBody>
+                    <a:bodyPr/>
+                    <a:lstStyle/>
+                    <a:p>
+                      <a:pPr algn="ctr"/>
+                      <a:r>
+                        <a:rPr lang="ru-RU" sz="1400" dirty="0" smtClean="0">
+                          <a:solidFill>
+                            <a:schemeClr val="tx1"/>
+                          </a:solidFill>
+                        </a:rPr>
+                        <a:t>1</a:t>
+                      </a:r>
+                      <a:endParaRPr lang="ru-RU" sz="1400" dirty="0">
+                        <a:solidFill>
+                          <a:schemeClr val="tx1"/>
+                        </a:solidFill>
+                      </a:endParaRPr>
+                    </a:p>
+                  </a:txBody>
+                  <a:tcPr>
+                    <a:lnL w="6350" cap="flat" cmpd="sng" algn="ctr">
+                      <a:solidFill>
+                        <a:schemeClr val="tx2"/>
+                      </a:solidFill>
+                      <a:prstDash val="solid"/>
+                      <a:round/>
+                      <a:headEnd type="none" w="med" len="med"/>
+                      <a:tailEnd type="none" w="med" len="med"/>
+                    </a:lnL>
+                    <a:lnR w="6350" cap="flat" cmpd="sng" algn="ctr">
+                      <a:solidFill>
+                        <a:schemeClr val="tx2"/>
+                      </a:solidFill>
+                      <a:prstDash val="solid"/>
+                      <a:round/>
+                      <a:headEnd type="none" w="med" len="med"/>
+                      <a:tailEnd type="none" w="med" len="med"/>
+                    </a:lnR>
+                    <a:lnT w="6350" cap="flat" cmpd="sng" algn="ctr">
+                      <a:solidFill>
+                        <a:schemeClr val="tx2"/>
+                      </a:solidFill>
+                      <a:prstDash val="solid"/>
+                      <a:round/>
+                      <a:headEnd type="none" w="med" len="med"/>
+                      <a:tailEnd type="none" w="med" len="med"/>
+                    </a:lnT>
+                    <a:lnB w="6350" cap="flat" cmpd="sng" algn="ctr">
+                      <a:solidFill>
+                        <a:schemeClr val="tx2"/>
+                      </a:solidFill>
+                      <a:prstDash val="solid"/>
+                      <a:round/>
+                      <a:headEnd type="none" w="med" len="med"/>
+                      <a:tailEnd type="none" w="med" len="med"/>
+                    </a:lnB>
+                    <a:lnTlToBr w="12700" cmpd="sng">
+                      <a:noFill/>
+                      <a:prstDash val="solid"/>
+                    </a:lnTlToBr>
+                    <a:lnBlToTr w="12700" cmpd="sng">
+                      <a:noFill/>
+                      <a:prstDash val="solid"/>
+                    </a:lnBlToTr>
+                  </a:tcPr>
+                </a:tc>
+                <a:tc>
+                  <a:txBody>
+                    <a:bodyPr/>
+                    <a:lstStyle/>
+                    <a:p>
+                      <a:pPr algn="ctr"/>
+                      <a:r>
+                        <a:rPr lang="ru-RU" sz="1400" dirty="0" smtClean="0">
+                          <a:solidFill>
+                            <a:schemeClr val="tx1"/>
+                          </a:solidFill>
+                        </a:rPr>
+                        <a:t>1</a:t>
+                      </a:r>
+                      <a:endParaRPr lang="ru-RU" sz="1400" dirty="0">
+                        <a:solidFill>
+                          <a:schemeClr val="tx1"/>
+                        </a:solidFill>
+                      </a:endParaRPr>
+                    </a:p>
+                  </a:txBody>
+                  <a:tcPr>
+                    <a:lnL w="6350" cap="flat" cmpd="sng" algn="ctr">
+                      <a:solidFill>
+                        <a:schemeClr val="tx2"/>
+                      </a:solidFill>
+                      <a:prstDash val="solid"/>
+                      <a:round/>
+                      <a:headEnd type="none" w="med" len="med"/>
+                      <a:tailEnd type="none" w="med" len="med"/>
+                    </a:lnL>
+                    <a:lnR w="6350" cap="flat" cmpd="sng" algn="ctr">
+                      <a:solidFill>
+                        <a:schemeClr val="tx2"/>
+                      </a:solidFill>
+                      <a:prstDash val="solid"/>
+                      <a:round/>
+                      <a:headEnd type="none" w="med" len="med"/>
+                      <a:tailEnd type="none" w="med" len="med"/>
+                    </a:lnR>
+                    <a:lnT w="6350" cap="flat" cmpd="sng" algn="ctr">
+                      <a:solidFill>
+                        <a:schemeClr val="tx2"/>
+                      </a:solidFill>
+                      <a:prstDash val="solid"/>
+                      <a:round/>
+                      <a:headEnd type="none" w="med" len="med"/>
+                      <a:tailEnd type="none" w="med" len="med"/>
+                    </a:lnT>
+                    <a:lnB w="6350" cap="flat" cmpd="sng" algn="ctr">
+                      <a:solidFill>
+                        <a:schemeClr val="tx2"/>
+                      </a:solidFill>
+                      <a:prstDash val="solid"/>
+                      <a:round/>
+                      <a:headEnd type="none" w="med" len="med"/>
+                      <a:tailEnd type="none" w="med" len="med"/>
+                    </a:lnB>
+                    <a:lnTlToBr w="12700" cmpd="sng">
+                      <a:noFill/>
+                      <a:prstDash val="solid"/>
+                    </a:lnTlToBr>
+                    <a:lnBlToTr w="12700" cmpd="sng">
+                      <a:noFill/>
+                      <a:prstDash val="solid"/>
+                    </a:lnBlToTr>
+                  </a:tcPr>
+                </a:tc>
+              </a:tr>
+              <a:tr h="202932">
+                <a:tc>
+                  <a:txBody>
+                    <a:bodyPr/>
+                    <a:lstStyle/>
+                    <a:p>
+                      <a:pPr algn="ctr"/>
+                      <a:r>
+                        <a:rPr lang="ru-RU" sz="1400" dirty="0" smtClean="0">
+                          <a:solidFill>
+                            <a:schemeClr val="tx1"/>
+                          </a:solidFill>
+                        </a:rPr>
+                        <a:t>0</a:t>
+                      </a:r>
+                      <a:endParaRPr lang="ru-RU" sz="1400" dirty="0">
+                        <a:solidFill>
+                          <a:schemeClr val="tx1"/>
+                        </a:solidFill>
+                      </a:endParaRPr>
+                    </a:p>
+                  </a:txBody>
+                  <a:tcPr>
+                    <a:lnL w="6350" cap="flat" cmpd="sng" algn="ctr">
+                      <a:solidFill>
+                        <a:schemeClr val="tx2"/>
+                      </a:solidFill>
+                      <a:prstDash val="solid"/>
+                      <a:round/>
+                      <a:headEnd type="none" w="med" len="med"/>
+                      <a:tailEnd type="none" w="med" len="med"/>
+                    </a:lnL>
+                    <a:lnR w="6350" cap="flat" cmpd="sng" algn="ctr">
+                      <a:solidFill>
+                        <a:schemeClr val="tx2"/>
+                      </a:solidFill>
+                      <a:prstDash val="solid"/>
+                      <a:round/>
+                      <a:headEnd type="none" w="med" len="med"/>
+                      <a:tailEnd type="none" w="med" len="med"/>
+                    </a:lnR>
+                    <a:lnT w="6350" cap="flat" cmpd="sng" algn="ctr">
+                      <a:solidFill>
+                        <a:schemeClr val="tx2"/>
+                      </a:solidFill>
+                      <a:prstDash val="solid"/>
+                      <a:round/>
+                      <a:headEnd type="none" w="med" len="med"/>
+                      <a:tailEnd type="none" w="med" len="med"/>
+                    </a:lnT>
+                    <a:lnB w="6350" cap="flat" cmpd="sng" algn="ctr">
+                      <a:solidFill>
+                        <a:schemeClr val="tx2"/>
+                      </a:solidFill>
+                      <a:prstDash val="solid"/>
+                      <a:round/>
+                      <a:headEnd type="none" w="med" len="med"/>
+                      <a:tailEnd type="none" w="med" len="med"/>
+                    </a:lnB>
+                    <a:lnTlToBr w="12700" cmpd="sng">
+                      <a:noFill/>
+                      <a:prstDash val="solid"/>
+                    </a:lnTlToBr>
+                    <a:lnBlToTr w="12700" cmpd="sng">
+                      <a:noFill/>
+                      <a:prstDash val="solid"/>
+                    </a:lnBlToTr>
+                  </a:tcPr>
+                </a:tc>
+                <a:tc>
+                  <a:txBody>
+                    <a:bodyPr/>
+                    <a:lstStyle/>
+                    <a:p>
+                      <a:pPr algn="ctr"/>
+                      <a:r>
+                        <a:rPr lang="ru-RU" sz="1400" dirty="0" smtClean="0">
+                          <a:solidFill>
+                            <a:schemeClr val="tx1"/>
+                          </a:solidFill>
+                        </a:rPr>
+                        <a:t>1</a:t>
+                      </a:r>
+                      <a:endParaRPr lang="ru-RU" sz="1400" dirty="0">
+                        <a:solidFill>
+                          <a:schemeClr val="tx1"/>
+                        </a:solidFill>
+                      </a:endParaRPr>
+                    </a:p>
+                  </a:txBody>
+                  <a:tcPr>
+                    <a:lnL w="6350" cap="flat" cmpd="sng" algn="ctr">
+                      <a:solidFill>
+                        <a:schemeClr val="tx2"/>
+                      </a:solidFill>
+                      <a:prstDash val="solid"/>
+                      <a:round/>
+                      <a:headEnd type="none" w="med" len="med"/>
+                      <a:tailEnd type="none" w="med" len="med"/>
+                    </a:lnL>
+                    <a:lnR w="6350" cap="flat" cmpd="sng" algn="ctr">
+                      <a:solidFill>
+                        <a:schemeClr val="tx2"/>
+                      </a:solidFill>
+                      <a:prstDash val="solid"/>
+                      <a:round/>
+                      <a:headEnd type="none" w="med" len="med"/>
+                      <a:tailEnd type="none" w="med" len="med"/>
+                    </a:lnR>
+                    <a:lnT w="6350" cap="flat" cmpd="sng" algn="ctr">
+                      <a:solidFill>
+                        <a:schemeClr val="tx2"/>
+                      </a:solidFill>
+                      <a:prstDash val="solid"/>
+                      <a:round/>
+                      <a:headEnd type="none" w="med" len="med"/>
+                      <a:tailEnd type="none" w="med" len="med"/>
+                    </a:lnT>
+                    <a:lnB w="6350" cap="flat" cmpd="sng" algn="ctr">
+                      <a:solidFill>
+                        <a:schemeClr val="tx2"/>
+                      </a:solidFill>
+                      <a:prstDash val="solid"/>
+                      <a:round/>
+                      <a:headEnd type="none" w="med" len="med"/>
+                      <a:tailEnd type="none" w="med" len="med"/>
+                    </a:lnB>
+                    <a:lnTlToBr w="12700" cmpd="sng">
+                      <a:noFill/>
+                      <a:prstDash val="solid"/>
+                    </a:lnTlToBr>
+                    <a:lnBlToTr w="12700" cmpd="sng">
+                      <a:noFill/>
+                      <a:prstDash val="solid"/>
+                    </a:lnBlToTr>
+                  </a:tcPr>
+                </a:tc>
+                <a:tc>
+                  <a:txBody>
+                    <a:bodyPr/>
+                    <a:lstStyle/>
+                    <a:p>
+                      <a:pPr algn="ctr"/>
+                      <a:r>
+                        <a:rPr lang="ru-RU" sz="1400" dirty="0" smtClean="0">
+                          <a:solidFill>
+                            <a:schemeClr val="tx1"/>
+                          </a:solidFill>
+                        </a:rPr>
+                        <a:t>0</a:t>
+                      </a:r>
+                      <a:endParaRPr lang="ru-RU" sz="1400" dirty="0">
+                        <a:solidFill>
+                          <a:schemeClr val="tx1"/>
+                        </a:solidFill>
+                      </a:endParaRPr>
+                    </a:p>
+                  </a:txBody>
+                  <a:tcPr>
+                    <a:lnL w="6350" cap="flat" cmpd="sng" algn="ctr">
+                      <a:solidFill>
+                        <a:schemeClr val="tx2"/>
+                      </a:solidFill>
+                      <a:prstDash val="solid"/>
+                      <a:round/>
+                      <a:headEnd type="none" w="med" len="med"/>
+                      <a:tailEnd type="none" w="med" len="med"/>
+                    </a:lnL>
+                    <a:lnR w="6350" cap="flat" cmpd="sng" algn="ctr">
+                      <a:solidFill>
+                        <a:schemeClr val="tx2"/>
+                      </a:solidFill>
+                      <a:prstDash val="solid"/>
+                      <a:round/>
+                      <a:headEnd type="none" w="med" len="med"/>
+                      <a:tailEnd type="none" w="med" len="med"/>
+                    </a:lnR>
+                    <a:lnT w="6350" cap="flat" cmpd="sng" algn="ctr">
+                      <a:solidFill>
+                        <a:schemeClr val="tx2"/>
+                      </a:solidFill>
+                      <a:prstDash val="solid"/>
+                      <a:round/>
+                      <a:headEnd type="none" w="med" len="med"/>
+                      <a:tailEnd type="none" w="med" len="med"/>
+                    </a:lnT>
+                    <a:lnB w="6350" cap="flat" cmpd="sng" algn="ctr">
+                      <a:solidFill>
+                        <a:schemeClr val="tx2"/>
+                      </a:solidFill>
+                      <a:prstDash val="solid"/>
+                      <a:round/>
+                      <a:headEnd type="none" w="med" len="med"/>
+                      <a:tailEnd type="none" w="med" len="med"/>
+                    </a:lnB>
+                    <a:lnTlToBr w="12700" cmpd="sng">
+                      <a:noFill/>
+                      <a:prstDash val="solid"/>
+                    </a:lnTlToBr>
+                    <a:lnBlToTr w="12700" cmpd="sng">
+                      <a:noFill/>
+                      <a:prstDash val="solid"/>
+                    </a:lnBlToTr>
+                  </a:tcPr>
+                </a:tc>
+                <a:tc>
+                  <a:txBody>
+                    <a:bodyPr/>
+                    <a:lstStyle/>
+                    <a:p>
+                      <a:pPr algn="ctr"/>
+                      <a:r>
+                        <a:rPr lang="ru-RU" sz="1400" dirty="0" smtClean="0">
+                          <a:solidFill>
+                            <a:schemeClr val="tx1"/>
+                          </a:solidFill>
+                        </a:rPr>
+                        <a:t>0</a:t>
+                      </a:r>
+                      <a:endParaRPr lang="ru-RU" sz="1400" dirty="0">
+                        <a:solidFill>
+                          <a:schemeClr val="tx1"/>
+                        </a:solidFill>
+                      </a:endParaRPr>
+                    </a:p>
+                  </a:txBody>
+                  <a:tcPr>
+                    <a:lnL w="6350" cap="flat" cmpd="sng" algn="ctr">
+                      <a:solidFill>
+                        <a:schemeClr val="tx2"/>
+                      </a:solidFill>
+                      <a:prstDash val="solid"/>
+                      <a:round/>
+                      <a:headEnd type="none" w="med" len="med"/>
+                      <a:tailEnd type="none" w="med" len="med"/>
+                    </a:lnL>
+                    <a:lnR w="6350" cap="flat" cmpd="sng" algn="ctr">
+                      <a:solidFill>
+                        <a:schemeClr val="tx2"/>
+                      </a:solidFill>
+                      <a:prstDash val="solid"/>
+                      <a:round/>
+                      <a:headEnd type="none" w="med" len="med"/>
+                      <a:tailEnd type="none" w="med" len="med"/>
+                    </a:lnR>
+                    <a:lnT w="6350" cap="flat" cmpd="sng" algn="ctr">
+                      <a:solidFill>
+                        <a:schemeClr val="tx2"/>
+                      </a:solidFill>
+                      <a:prstDash val="solid"/>
+                      <a:round/>
+                      <a:headEnd type="none" w="med" len="med"/>
+                      <a:tailEnd type="none" w="med" len="med"/>
+                    </a:lnT>
+                    <a:lnB w="6350" cap="flat" cmpd="sng" algn="ctr">
+                      <a:solidFill>
+                        <a:schemeClr val="tx2"/>
+                      </a:solidFill>
+                      <a:prstDash val="solid"/>
+                      <a:round/>
+                      <a:headEnd type="none" w="med" len="med"/>
+                      <a:tailEnd type="none" w="med" len="med"/>
+                    </a:lnB>
+                    <a:lnTlToBr w="12700" cmpd="sng">
+                      <a:noFill/>
+                      <a:prstDash val="solid"/>
+                    </a:lnTlToBr>
+                    <a:lnBlToTr w="12700" cmpd="sng">
+                      <a:noFill/>
+                      <a:prstDash val="solid"/>
+                    </a:lnBlToTr>
+                  </a:tcPr>
+                </a:tc>
+              </a:tr>
+            </a:tbl>
+          </a:graphicData>
+        </a:graphic>
+      </p:graphicFrame>
+      <p:sp>
+        <p:nvSpPr>
+          <p:cNvPr id="13" name="Заголовок 1"/>
+          <p:cNvSpPr txBox="1">
+            <a:spLocks/>
+          </p:cNvSpPr>
+          <p:nvPr/>
+        </p:nvSpPr>
+        <p:spPr>
+          <a:xfrm>
+            <a:off x="457200" y="188640"/>
+            <a:ext cx="8229600" cy="720080"/>
+          </a:xfrm>
+          <a:prstGeom prst="rect">
+            <a:avLst/>
+          </a:prstGeom>
+        </p:spPr>
+        <p:txBody>
+          <a:bodyPr vert="horz" lIns="91440" tIns="45720" rIns="91440" bIns="45720" rtlCol="0" anchor="b">
+            <a:noAutofit/>
+          </a:bodyPr>
+          <a:lstStyle>
+            <a:lvl1pPr algn="ctr" defTabSz="914400" rtl="0" eaLnBrk="1" latinLnBrk="0" hangingPunct="1">
+              <a:lnSpc>
+                <a:spcPts val="5800"/>
+              </a:lnSpc>
+              <a:spcBef>
+                <a:spcPct val="0"/>
+              </a:spcBef>
+              <a:buNone/>
+              <a:defRPr sz="5400" kern="1200">
+                <a:solidFill>
+                  <a:schemeClr val="tx2"/>
+                </a:solidFill>
+                <a:effectLst>
+                  <a:outerShdw blurRad="63500" dist="38100" dir="5400000" algn="t" rotWithShape="0">
+                    <a:prstClr val="black">
+                      <a:alpha val="25000"/>
+                    </a:prstClr>
+                  </a:outerShdw>
+                </a:effectLst>
+                <a:latin typeface="+mn-lt"/>
+                <a:ea typeface="+mj-ea"/>
+                <a:cs typeface="+mj-cs"/>
+              </a:defRPr>
+            </a:lvl1pPr>
+          </a:lstStyle>
+          <a:p>
+            <a:r>
+              <a:rPr lang="ru-RU" sz="3600" smtClean="0"/>
+              <a:t>Построение ассоциативных правил</a:t>
+            </a:r>
+            <a:endParaRPr lang="ru-RU" sz="3600" dirty="0"/>
+          </a:p>
+        </p:txBody>
+      </p:sp>
+      <p:sp>
+        <p:nvSpPr>
+          <p:cNvPr id="14" name="Заголовок 1"/>
+          <p:cNvSpPr txBox="1">
+            <a:spLocks/>
+          </p:cNvSpPr>
+          <p:nvPr/>
+        </p:nvSpPr>
+        <p:spPr>
+          <a:xfrm>
+            <a:off x="4788024" y="836712"/>
+            <a:ext cx="3909120" cy="288032"/>
+          </a:xfrm>
+          <a:prstGeom prst="rect">
+            <a:avLst/>
+          </a:prstGeom>
+        </p:spPr>
+        <p:txBody>
+          <a:bodyPr vert="horz" lIns="91440" tIns="45720" rIns="91440" bIns="45720" rtlCol="0" anchor="ctr">
+            <a:noAutofit/>
+          </a:bodyPr>
+          <a:lstStyle>
+            <a:lvl1pPr algn="ctr" defTabSz="914400" rtl="0" eaLnBrk="1" latinLnBrk="0" hangingPunct="1">
+              <a:spcBef>
+                <a:spcPct val="0"/>
+              </a:spcBef>
+              <a:buNone/>
+              <a:defRPr sz="4400" kern="1200">
+                <a:solidFill>
+                  <a:schemeClr val="tx1"/>
+                </a:solidFill>
+                <a:latin typeface="+mj-lt"/>
+                <a:ea typeface="+mj-ea"/>
+                <a:cs typeface="+mj-cs"/>
+              </a:defRPr>
+            </a:lvl1pPr>
+          </a:lstStyle>
+          <a:p>
+            <a:pPr algn="r"/>
+            <a:r>
+              <a:rPr lang="ru-RU" sz="2800" dirty="0" smtClean="0">
+                <a:solidFill>
+                  <a:schemeClr val="bg1">
+                    <a:lumMod val="50000"/>
+                  </a:schemeClr>
+                </a:solidFill>
+              </a:rPr>
+              <a:t>Алгоритм </a:t>
+            </a:r>
+            <a:r>
+              <a:rPr lang="en-US" sz="2800" dirty="0" err="1" smtClean="0">
+                <a:solidFill>
+                  <a:schemeClr val="bg1">
+                    <a:lumMod val="50000"/>
+                  </a:schemeClr>
+                </a:solidFill>
+              </a:rPr>
+              <a:t>Apriori</a:t>
+            </a:r>
+            <a:endParaRPr lang="en-US" sz="2800" dirty="0" smtClean="0">
+              <a:solidFill>
+                <a:schemeClr val="bg1">
+                  <a:lumMod val="50000"/>
+                </a:schemeClr>
+              </a:solidFill>
+            </a:endParaRPr>
+          </a:p>
+        </p:txBody>
+      </p:sp>
+      <p:sp>
+        <p:nvSpPr>
+          <p:cNvPr id="15" name="TextBox 14"/>
+          <p:cNvSpPr txBox="1"/>
+          <p:nvPr/>
+        </p:nvSpPr>
+        <p:spPr>
+          <a:xfrm>
+            <a:off x="1115616" y="1340768"/>
+            <a:ext cx="6984776" cy="369332"/>
+          </a:xfrm>
+          <a:prstGeom prst="rect">
+            <a:avLst/>
+          </a:prstGeom>
+          <a:noFill/>
+        </p:spPr>
+        <p:txBody>
+          <a:bodyPr wrap="square" rtlCol="0">
+            <a:spAutoFit/>
+          </a:bodyPr>
+          <a:lstStyle/>
+          <a:p>
+            <a:r>
+              <a:rPr lang="ru-RU" dirty="0" smtClean="0"/>
+              <a:t>Этап </a:t>
+            </a:r>
+            <a:r>
+              <a:rPr lang="en-US" dirty="0" smtClean="0"/>
+              <a:t>2</a:t>
+            </a:r>
+            <a:r>
+              <a:rPr lang="ru-RU" dirty="0" smtClean="0"/>
+              <a:t>. Построение дерева частых наборов</a:t>
+            </a:r>
+            <a:endParaRPr lang="ru-RU" dirty="0"/>
+          </a:p>
+        </p:txBody>
+      </p:sp>
+      <p:sp>
+        <p:nvSpPr>
+          <p:cNvPr id="7" name="TextBox 6"/>
+          <p:cNvSpPr txBox="1"/>
+          <p:nvPr/>
+        </p:nvSpPr>
+        <p:spPr>
+          <a:xfrm>
+            <a:off x="457200" y="5733256"/>
+            <a:ext cx="8003232" cy="646331"/>
+          </a:xfrm>
+          <a:prstGeom prst="rect">
+            <a:avLst/>
+          </a:prstGeom>
+          <a:noFill/>
+        </p:spPr>
+        <p:txBody>
+          <a:bodyPr wrap="square" rtlCol="0">
+            <a:spAutoFit/>
+          </a:bodyPr>
+          <a:lstStyle/>
+          <a:p>
+            <a:pPr algn="ctr"/>
+            <a:r>
+              <a:rPr lang="ru-RU" dirty="0" smtClean="0"/>
+              <a:t>Показатели характеристик при количестве пожаров равном П.</a:t>
+            </a:r>
+          </a:p>
+          <a:p>
+            <a:pPr algn="ctr"/>
+            <a:r>
+              <a:rPr lang="ru-RU" dirty="0" smtClean="0"/>
+              <a:t>И значении минимальной поддержки наборов равной 15%.</a:t>
+            </a:r>
+            <a:endParaRPr lang="ru-RU" dirty="0"/>
+          </a:p>
+        </p:txBody>
+      </p:sp>
+      <p:sp>
+        <p:nvSpPr>
+          <p:cNvPr id="3" name="Номер слайда 2"/>
+          <p:cNvSpPr>
+            <a:spLocks noGrp="1"/>
+          </p:cNvSpPr>
+          <p:nvPr>
+            <p:ph type="sldNum" sz="quarter" idx="12"/>
+          </p:nvPr>
+        </p:nvSpPr>
+        <p:spPr/>
+        <p:txBody>
+          <a:bodyPr/>
+          <a:lstStyle/>
+          <a:p>
+            <a:fld id="{EDFC3FDD-8E34-46B9-B4F0-1D742C30C66D}" type="slidenum">
+              <a:rPr lang="ru-RU" smtClean="0"/>
+              <a:t>11</a:t>
+            </a:fld>
+            <a:endParaRPr lang="ru-RU"/>
+          </a:p>
+        </p:txBody>
+      </p:sp>
+      <p:pic>
+        <p:nvPicPr>
+          <p:cNvPr id="4098" name="Picture 2" descr="D:\Work\Fires\Apriori\my_tex\apriori_tree_4.png"/>
+          <p:cNvPicPr>
+            <a:picLocks noChangeAspect="1" noChangeArrowheads="1"/>
+          </p:cNvPicPr>
+          <p:nvPr/>
+        </p:nvPicPr>
+        <p:blipFill>
+          <a:blip r:embed="rId2">
+            <a:extLst>
+              <a:ext uri="{28A0092B-C50C-407E-A947-70E740481C1C}">
+                <a14:useLocalDpi xmlns:a14="http://schemas.microsoft.com/office/drawing/2010/main" val="0"/>
+              </a:ext>
+            </a:extLst>
+          </a:blip>
+          <a:srcRect/>
+          <a:stretch>
+            <a:fillRect/>
+          </a:stretch>
+        </p:blipFill>
+        <p:spPr bwMode="auto">
+          <a:xfrm>
+            <a:off x="3118123" y="2029941"/>
+            <a:ext cx="5618202" cy="2992760"/>
+          </a:xfrm>
+          <a:prstGeom prst="rect">
+            <a:avLst/>
+          </a:prstGeom>
+          <a:noFill/>
+          <a:extLst>
+            <a:ext uri="{909E8E84-426E-40DD-AFC4-6F175D3DCCD1}">
+              <a14:hiddenFill xmlns:a14="http://schemas.microsoft.com/office/drawing/2010/main">
+                <a:solidFill>
+                  <a:srgbClr val="FFFFFF"/>
+                </a:solidFill>
+              </a14:hiddenFill>
+            </a:ext>
+          </a:extLst>
+        </p:spPr>
+      </p:pic>
+    </p:spTree>
+    <p:extLst>
+      <p:ext uri="{BB962C8B-B14F-4D97-AF65-F5344CB8AC3E}">
+        <p14:creationId xmlns:p14="http://schemas.microsoft.com/office/powerpoint/2010/main" val="3869394566"/>
+      </p:ext>
+    </p:extLst>
+  </p:cSld>
+  <p:clrMapOvr>
+    <a:masterClrMapping/>
+  </p:clrMapOvr>
+  <p:timing>
+    <p:tnLst>
+      <p:par>
+        <p:cTn id="1" dur="indefinite" restart="never" nodeType="tmRoot"/>
+      </p:par>
+    </p:tnLst>
+  </p:timing>
+</p:sld>
+</file>
+
+<file path=ppt/slides/slide12.xml><?xml version="1.0" encoding="utf-8"?>
 <p:sld xmlns:a="http://schemas.openxmlformats.org/drawingml/2006/main" xmlns:r="http://schemas.openxmlformats.org/officeDocument/2006/relationships" xmlns:p="http://schemas.openxmlformats.org/presentationml/2006/main">
   <p:cSld>
     <p:spTree>
@@ -9386,6 +12930,29 @@
           </a:extLst>
         </p:spPr>
       </p:pic>
+      <p:sp>
+        <p:nvSpPr>
+          <p:cNvPr id="5" name="Номер слайда 4"/>
+          <p:cNvSpPr>
+            <a:spLocks noGrp="1"/>
+          </p:cNvSpPr>
+          <p:nvPr>
+            <p:ph type="sldNum" sz="quarter" idx="12"/>
+          </p:nvPr>
+        </p:nvSpPr>
+        <p:spPr/>
+        <p:txBody>
+          <a:bodyPr/>
+          <a:lstStyle/>
+          <a:p>
+            <a:fld id="{EDFC3FDD-8E34-46B9-B4F0-1D742C30C66D}" type="slidenum">
+              <a:rPr lang="ru-RU" smtClean="0"/>
+              <a:t>12</a:t>
+            </a:fld>
+            <a:endParaRPr lang="ru-RU"/>
+          </a:p>
+        </p:txBody>
+      </p:sp>
     </p:spTree>
     <p:extLst>
       <p:ext uri="{BB962C8B-B14F-4D97-AF65-F5344CB8AC3E}">
@@ -9406,7 +12973,7 @@
 </p:sld>
 </file>
 
-<file path=ppt/slides/slide12.xml><?xml version="1.0" encoding="utf-8"?>
+<file path=ppt/slides/slide13.xml><?xml version="1.0" encoding="utf-8"?>
 <p:sld xmlns:a="http://schemas.openxmlformats.org/drawingml/2006/main" xmlns:r="http://schemas.openxmlformats.org/officeDocument/2006/relationships" xmlns:p="http://schemas.openxmlformats.org/presentationml/2006/main">
   <p:cSld>
     <p:spTree>
@@ -10731,6 +14298,29 @@
           </a:p>
         </p:txBody>
       </p:sp>
+      <p:sp>
+        <p:nvSpPr>
+          <p:cNvPr id="4" name="Номер слайда 3"/>
+          <p:cNvSpPr>
+            <a:spLocks noGrp="1"/>
+          </p:cNvSpPr>
+          <p:nvPr>
+            <p:ph type="sldNum" sz="quarter" idx="12"/>
+          </p:nvPr>
+        </p:nvSpPr>
+        <p:spPr/>
+        <p:txBody>
+          <a:bodyPr/>
+          <a:lstStyle/>
+          <a:p>
+            <a:fld id="{EDFC3FDD-8E34-46B9-B4F0-1D742C30C66D}" type="slidenum">
+              <a:rPr lang="ru-RU" smtClean="0"/>
+              <a:t>13</a:t>
+            </a:fld>
+            <a:endParaRPr lang="ru-RU"/>
+          </a:p>
+        </p:txBody>
+      </p:sp>
     </p:spTree>
     <p:extLst>
       <p:ext uri="{BB962C8B-B14F-4D97-AF65-F5344CB8AC3E}">
@@ -10759,7 +14349,7 @@
 </p:sld>
 </file>
 
-<file path=ppt/slides/slide13.xml><?xml version="1.0" encoding="utf-8"?>
+<file path=ppt/slides/slide14.xml><?xml version="1.0" encoding="utf-8"?>
 <p:sld xmlns:a="http://schemas.openxmlformats.org/drawingml/2006/main" xmlns:r="http://schemas.openxmlformats.org/officeDocument/2006/relationships" xmlns:p="http://schemas.openxmlformats.org/presentationml/2006/main">
   <p:cSld>
     <p:spTree>
@@ -10783,7 +14373,55 @@
             <a:spLocks noGrp="1"/>
           </p:cNvSpPr>
           <p:nvPr>
-            <p:ph type="title"/>
+            <p:ph type="ctrTitle"/>
+          </p:nvPr>
+        </p:nvSpPr>
+        <p:spPr>
+          <a:xfrm>
+            <a:off x="611560" y="1700808"/>
+            <a:ext cx="7772400" cy="1951856"/>
+          </a:xfrm>
+        </p:spPr>
+        <p:txBody>
+          <a:bodyPr/>
+          <a:lstStyle/>
+          <a:p>
+            <a:r>
+              <a:rPr lang="ru-RU" sz="4000" dirty="0">
+                <a:effectLst/>
+              </a:rPr>
+              <a:t>Поиск ассоциативных правил </a:t>
+            </a:r>
+            <a:r>
+              <a:rPr lang="ru-RU" sz="4000" dirty="0" smtClean="0">
+                <a:effectLst/>
+              </a:rPr>
+              <a:t>для оценки </a:t>
+            </a:r>
+            <a:r>
+              <a:rPr lang="ru-RU" sz="4000" dirty="0">
+                <a:effectLst/>
+              </a:rPr>
+              <a:t>количества лесных пожаров в модели </a:t>
+            </a:r>
+            <a:r>
+              <a:rPr lang="ru-RU" sz="4000" dirty="0" smtClean="0">
+                <a:effectLst/>
+              </a:rPr>
+              <a:t>ANFIS</a:t>
+            </a:r>
+            <a:endParaRPr lang="ru-RU" sz="4000" dirty="0"/>
+          </a:p>
+        </p:txBody>
+      </p:sp>
+      <p:sp>
+        <p:nvSpPr>
+          <p:cNvPr id="3" name="Подзаголовок 2"/>
+          <p:cNvSpPr>
+            <a:spLocks noGrp="1"/>
+          </p:cNvSpPr>
+          <p:nvPr>
+            <p:ph type="subTitle" idx="1"/>
           </p:nvPr>
         </p:nvSpPr>
         <p:spPr/>
@@ -10792,13 +14430,62 @@
           <a:lstStyle/>
           <a:p>
             <a:r>
-              <a:rPr lang="ru-RU" dirty="0" smtClean="0"/>
-              <a:t>Вывод</a:t>
+              <a:rPr lang="ru-RU" dirty="0" smtClean="0">
+                <a:solidFill>
+                  <a:schemeClr val="accent6">
+                    <a:lumMod val="75000"/>
+                  </a:schemeClr>
+                </a:solidFill>
+              </a:rPr>
+              <a:t>Костенчук Михаил Ильич</a:t>
             </a:r>
-            <a:endParaRPr lang="ru-RU" dirty="0"/>
+            <a:endParaRPr lang="ru-RU" dirty="0">
+              <a:solidFill>
+                <a:schemeClr val="accent6">
+                  <a:lumMod val="75000"/>
+                </a:schemeClr>
+              </a:solidFill>
+            </a:endParaRPr>
           </a:p>
         </p:txBody>
       </p:sp>
+    </p:spTree>
+    <p:extLst>
+      <p:ext uri="{BB962C8B-B14F-4D97-AF65-F5344CB8AC3E}">
+        <p14:creationId xmlns:p14="http://schemas.microsoft.com/office/powerpoint/2010/main" val="3390024763"/>
+      </p:ext>
+    </p:extLst>
+  </p:cSld>
+  <p:clrMapOvr>
+    <a:masterClrMapping/>
+  </p:clrMapOvr>
+  <p:timing>
+    <p:tnLst>
+      <p:par>
+        <p:cTn id="1" dur="indefinite" restart="never" nodeType="tmRoot"/>
+      </p:par>
+    </p:tnLst>
+  </p:timing>
+</p:sld>
+</file>
+
+<file path=ppt/slides/slide15.xml><?xml version="1.0" encoding="utf-8"?>
+<p:sld xmlns:a="http://schemas.openxmlformats.org/drawingml/2006/main" xmlns:r="http://schemas.openxmlformats.org/officeDocument/2006/relationships" xmlns:p="http://schemas.openxmlformats.org/presentationml/2006/main" show="0">
+  <p:cSld>
+    <p:spTree>
+      <p:nvGrpSpPr>
+        <p:cNvPr id="1" name=""/>
+        <p:cNvGrpSpPr/>
+        <p:nvPr/>
+      </p:nvGrpSpPr>
+      <p:grpSpPr>
+        <a:xfrm>
+          <a:off x="0" y="0"/>
+          <a:ext cx="0" cy="0"/>
+          <a:chOff x="0" y="0"/>
+          <a:chExt cx="0" cy="0"/>
+        </a:xfrm>
+      </p:grpSpPr>
       <p:sp>
         <p:nvSpPr>
           <p:cNvPr id="3" name="Объект 2"/>
@@ -10811,8 +14498,127 @@
         </p:nvSpPr>
         <p:spPr>
           <a:xfrm>
-            <a:off x="457200" y="2204865"/>
-            <a:ext cx="8229600" cy="720080"/>
+            <a:off x="457200" y="1052736"/>
+            <a:ext cx="8229600" cy="504056"/>
+          </a:xfrm>
+          <a:effectLst>
+            <a:outerShdw blurRad="50800" dist="38100" dir="2700000" algn="tl" rotWithShape="0">
+              <a:prstClr val="black">
+                <a:alpha val="40000"/>
+              </a:prstClr>
+            </a:outerShdw>
+          </a:effectLst>
+        </p:spPr>
+        <p:style>
+          <a:lnRef idx="2">
+            <a:schemeClr val="accent6"/>
+          </a:lnRef>
+          <a:fillRef idx="1">
+            <a:schemeClr val="lt1"/>
+          </a:fillRef>
+          <a:effectRef idx="0">
+            <a:schemeClr val="accent6"/>
+          </a:effectRef>
+          <a:fontRef idx="minor">
+            <a:schemeClr val="dk1"/>
+          </a:fontRef>
+        </p:style>
+        <p:txBody>
+          <a:bodyPr/>
+          <a:lstStyle/>
+          <a:p>
+            <a:pPr marL="0" indent="0" algn="ctr">
+              <a:buNone/>
+            </a:pPr>
+            <a:r>
+              <a:rPr lang="en-US" dirty="0" smtClean="0"/>
+              <a:t>III. </a:t>
+            </a:r>
+            <a:r>
+              <a:rPr lang="ru-RU" dirty="0" smtClean="0"/>
+              <a:t>Работа нейронной продукционной сети</a:t>
+            </a:r>
+          </a:p>
+        </p:txBody>
+      </p:sp>
+      <p:pic>
+        <p:nvPicPr>
+          <p:cNvPr id="2053" name="Picture 5"/>
+          <p:cNvPicPr>
+            <a:picLocks noChangeAspect="1" noChangeArrowheads="1"/>
+          </p:cNvPicPr>
+          <p:nvPr/>
+        </p:nvPicPr>
+        <p:blipFill>
+          <a:blip r:embed="rId2">
+            <a:extLst>
+              <a:ext uri="{28A0092B-C50C-407E-A947-70E740481C1C}">
+                <a14:useLocalDpi xmlns:a14="http://schemas.microsoft.com/office/drawing/2010/main" val="0"/>
+              </a:ext>
+            </a:extLst>
+          </a:blip>
+          <a:srcRect/>
+          <a:stretch>
+            <a:fillRect/>
+          </a:stretch>
+        </p:blipFill>
+        <p:spPr bwMode="auto">
+          <a:xfrm>
+            <a:off x="347662" y="1772816"/>
+            <a:ext cx="8448675" cy="4886325"/>
+          </a:xfrm>
+          <a:prstGeom prst="rect">
+            <a:avLst/>
+          </a:prstGeom>
+          <a:noFill/>
+          <a:ln>
+            <a:noFill/>
+          </a:ln>
+          <a:effectLst/>
+          <a:extLst>
+            <a:ext uri="{909E8E84-426E-40DD-AFC4-6F175D3DCCD1}">
+              <a14:hiddenFill xmlns:a14="http://schemas.microsoft.com/office/drawing/2010/main">
+                <a:solidFill>
+                  <a:schemeClr val="accent1"/>
+                </a:solidFill>
+              </a14:hiddenFill>
+            </a:ext>
+            <a:ext uri="{91240B29-F687-4F45-9708-019B960494DF}">
+              <a14:hiddenLine xmlns:a14="http://schemas.microsoft.com/office/drawing/2010/main" w="9525">
+                <a:solidFill>
+                  <a:schemeClr val="tx1"/>
+                </a:solidFill>
+                <a:miter lim="800000"/>
+                <a:headEnd/>
+                <a:tailEnd/>
+              </a14:hiddenLine>
+            </a:ext>
+            <a:ext uri="{AF507438-7753-43E0-B8FC-AC1667EBCBE1}">
+              <a14:hiddenEffects xmlns:a14="http://schemas.microsoft.com/office/drawing/2010/main">
+                <a:effectLst>
+                  <a:outerShdw dist="35921" dir="2700000" algn="ctr" rotWithShape="0">
+                    <a:schemeClr val="bg2"/>
+                  </a:outerShdw>
+                </a:effectLst>
+              </a14:hiddenEffects>
+            </a:ext>
+          </a:extLst>
+        </p:spPr>
+      </p:pic>
+      <p:sp>
+        <p:nvSpPr>
+          <p:cNvPr id="5" name="Заголовок 1"/>
+          <p:cNvSpPr>
+            <a:spLocks noGrp="1"/>
+          </p:cNvSpPr>
+          <p:nvPr>
+            <p:ph type="title"/>
+          </p:nvPr>
+        </p:nvSpPr>
+        <p:spPr>
+          <a:xfrm>
+            <a:off x="457200" y="274638"/>
+            <a:ext cx="8229600" cy="850106"/>
           </a:xfrm>
         </p:spPr>
         <p:txBody>
@@ -10821,91 +14627,55 @@
           </a:bodyPr>
           <a:lstStyle/>
           <a:p>
-            <a:pPr marL="0" indent="0" algn="ctr">
-              <a:buNone/>
-            </a:pPr>
             <a:r>
               <a:rPr lang="ru-RU" sz="3200" dirty="0" smtClean="0"/>
-              <a:t>Искомая цель достигнута</a:t>
+              <a:t>Общий алгоритм работы программы</a:t>
             </a:r>
-          </a:p>
-          <a:p>
-            <a:endParaRPr lang="ru-RU" sz="3200" dirty="0"/>
-          </a:p>
-          <a:p>
-            <a:pPr marL="0" indent="0">
-              <a:buNone/>
-            </a:pPr>
             <a:endParaRPr lang="ru-RU" sz="3200" dirty="0"/>
           </a:p>
         </p:txBody>
       </p:sp>
       <p:sp>
         <p:nvSpPr>
-          <p:cNvPr id="4" name="Заголовок 3"/>
-          <p:cNvSpPr txBox="1">
-            <a:spLocks/>
+          <p:cNvPr id="4" name="Номер слайда 3"/>
+          <p:cNvSpPr>
+            <a:spLocks noGrp="1"/>
           </p:cNvSpPr>
-          <p:nvPr/>
+          <p:nvPr>
+            <p:ph type="sldNum" sz="quarter" idx="12"/>
+          </p:nvPr>
         </p:nvSpPr>
-        <p:spPr>
-          <a:xfrm>
-            <a:off x="467544" y="4509120"/>
-            <a:ext cx="8229600" cy="1600200"/>
-          </a:xfrm>
-          <a:prstGeom prst="rect">
-            <a:avLst/>
-          </a:prstGeom>
-        </p:spPr>
+        <p:spPr/>
         <p:txBody>
-          <a:bodyPr vert="horz" lIns="91440" tIns="45720" rIns="91440" bIns="45720" rtlCol="0" anchor="b">
-            <a:noAutofit/>
-          </a:bodyPr>
-          <a:lstStyle>
-            <a:lvl1pPr algn="ctr" defTabSz="914400" rtl="0" eaLnBrk="1" latinLnBrk="0" hangingPunct="1">
-              <a:lnSpc>
-                <a:spcPts val="5800"/>
-              </a:lnSpc>
-              <a:spcBef>
-                <a:spcPct val="0"/>
-              </a:spcBef>
-              <a:buNone/>
-              <a:defRPr sz="5400" kern="1200">
-                <a:solidFill>
-                  <a:schemeClr val="tx2"/>
-                </a:solidFill>
-                <a:effectLst>
-                  <a:outerShdw blurRad="63500" dist="38100" dir="5400000" algn="t" rotWithShape="0">
-                    <a:prstClr val="black">
-                      <a:alpha val="25000"/>
-                    </a:prstClr>
-                  </a:outerShdw>
-                </a:effectLst>
-                <a:latin typeface="+mn-lt"/>
-                <a:ea typeface="+mj-ea"/>
-                <a:cs typeface="+mj-cs"/>
-              </a:defRPr>
-            </a:lvl1pPr>
-          </a:lstStyle>
+          <a:bodyPr/>
+          <a:lstStyle/>
           <a:p>
-            <a:r>
-              <a:rPr lang="ru-RU" dirty="0" smtClean="0"/>
-              <a:t>Спасибо за внимание</a:t>
-            </a:r>
-            <a:endParaRPr lang="ru-RU" dirty="0"/>
+            <a:fld id="{EDFC3FDD-8E34-46B9-B4F0-1D742C30C66D}" type="slidenum">
+              <a:rPr lang="ru-RU" smtClean="0"/>
+              <a:t>15</a:t>
+            </a:fld>
+            <a:endParaRPr lang="ru-RU"/>
           </a:p>
         </p:txBody>
       </p:sp>
     </p:spTree>
     <p:extLst>
       <p:ext uri="{BB962C8B-B14F-4D97-AF65-F5344CB8AC3E}">
-        <p14:creationId xmlns:p14="http://schemas.microsoft.com/office/powerpoint/2010/main" val="2737329370"/>
+        <p14:creationId xmlns:p14="http://schemas.microsoft.com/office/powerpoint/2010/main" val="687767264"/>
       </p:ext>
     </p:extLst>
   </p:cSld>
   <p:clrMapOvr>
     <a:masterClrMapping/>
   </p:clrMapOvr>
+  <mc:AlternateContent xmlns:mc="http://schemas.openxmlformats.org/markup-compatibility/2006" xmlns:p14="http://schemas.microsoft.com/office/powerpoint/2010/main">
+    <mc:Choice Requires="p14">
+      <p:transition spd="slow" p14:dur="2000"/>
+    </mc:Choice>
+    <mc:Fallback xmlns="">
+      <p:transition spd="slow"/>
+    </mc:Fallback>
+  </mc:AlternateContent>
   <p:timing>
     <p:tnLst>
       <p:par>
@@ -11047,6 +14817,29 @@
               <a:rPr lang="ru-RU" sz="2000" dirty="0"/>
               <a:t>.</a:t>
             </a:r>
+          </a:p>
+        </p:txBody>
+      </p:sp>
+      <p:sp>
+        <p:nvSpPr>
+          <p:cNvPr id="7" name="Номер слайда 6"/>
+          <p:cNvSpPr>
+            <a:spLocks noGrp="1"/>
+          </p:cNvSpPr>
+          <p:nvPr>
+            <p:ph type="sldNum" sz="quarter" idx="12"/>
+          </p:nvPr>
+        </p:nvSpPr>
+        <p:spPr/>
+        <p:txBody>
+          <a:bodyPr/>
+          <a:lstStyle/>
+          <a:p>
+            <a:fld id="{EDFC3FDD-8E34-46B9-B4F0-1D742C30C66D}" type="slidenum">
+              <a:rPr lang="ru-RU" smtClean="0"/>
+              <a:t>2</a:t>
+            </a:fld>
+            <a:endParaRPr lang="ru-RU"/>
           </a:p>
         </p:txBody>
       </p:sp>
@@ -11236,6 +15029,29 @@
           </a:p>
         </p:txBody>
       </p:sp>
+      <p:sp>
+        <p:nvSpPr>
+          <p:cNvPr id="6" name="Номер слайда 5"/>
+          <p:cNvSpPr>
+            <a:spLocks noGrp="1"/>
+          </p:cNvSpPr>
+          <p:nvPr>
+            <p:ph type="sldNum" sz="quarter" idx="12"/>
+          </p:nvPr>
+        </p:nvSpPr>
+        <p:spPr/>
+        <p:txBody>
+          <a:bodyPr/>
+          <a:lstStyle/>
+          <a:p>
+            <a:fld id="{EDFC3FDD-8E34-46B9-B4F0-1D742C30C66D}" type="slidenum">
+              <a:rPr lang="ru-RU" smtClean="0"/>
+              <a:t>3</a:t>
+            </a:fld>
+            <a:endParaRPr lang="ru-RU"/>
+          </a:p>
+        </p:txBody>
+      </p:sp>
     </p:spTree>
     <p:extLst>
       <p:ext uri="{BB962C8B-B14F-4D97-AF65-F5344CB8AC3E}">
@@ -15047,6 +18863,29 @@
           </a:graphicData>
         </a:graphic>
       </p:graphicFrame>
+      <p:sp>
+        <p:nvSpPr>
+          <p:cNvPr id="6" name="Номер слайда 5"/>
+          <p:cNvSpPr>
+            <a:spLocks noGrp="1"/>
+          </p:cNvSpPr>
+          <p:nvPr>
+            <p:ph type="sldNum" sz="quarter" idx="12"/>
+          </p:nvPr>
+        </p:nvSpPr>
+        <p:spPr/>
+        <p:txBody>
+          <a:bodyPr/>
+          <a:lstStyle/>
+          <a:p>
+            <a:fld id="{EDFC3FDD-8E34-46B9-B4F0-1D742C30C66D}" type="slidenum">
+              <a:rPr lang="ru-RU" smtClean="0"/>
+              <a:t>4</a:t>
+            </a:fld>
+            <a:endParaRPr lang="ru-RU"/>
+          </a:p>
+        </p:txBody>
+      </p:sp>
     </p:spTree>
     <p:extLst>
       <p:ext uri="{BB962C8B-B14F-4D97-AF65-F5344CB8AC3E}">
@@ -15290,6 +19129,29 @@
           <a:lstStyle/>
           <a:p>
             <a:pPr algn="ctr"/>
+            <a:endParaRPr lang="ru-RU"/>
+          </a:p>
+        </p:txBody>
+      </p:sp>
+      <p:sp>
+        <p:nvSpPr>
+          <p:cNvPr id="8" name="Номер слайда 7"/>
+          <p:cNvSpPr>
+            <a:spLocks noGrp="1"/>
+          </p:cNvSpPr>
+          <p:nvPr>
+            <p:ph type="sldNum" sz="quarter" idx="12"/>
+          </p:nvPr>
+        </p:nvSpPr>
+        <p:spPr/>
+        <p:txBody>
+          <a:bodyPr/>
+          <a:lstStyle/>
+          <a:p>
+            <a:fld id="{EDFC3FDD-8E34-46B9-B4F0-1D742C30C66D}" type="slidenum">
+              <a:rPr lang="ru-RU" smtClean="0"/>
+              <a:t>5</a:t>
+            </a:fld>
             <a:endParaRPr lang="ru-RU"/>
           </a:p>
         </p:txBody>
@@ -15562,8 +19424,13 @@
             </a:r>
             <a:r>
               <a:rPr lang="ru-RU" dirty="0" smtClean="0"/>
-              <a:t>высокая) </a:t>
+              <a:t>низкая</a:t>
             </a:r>
+            <a:r>
+              <a:rPr lang="ru-RU" dirty="0" smtClean="0"/>
+              <a:t>) </a:t>
+            </a:r>
+            <a:endParaRPr lang="ru-RU" dirty="0" smtClean="0"/>
           </a:p>
           <a:p>
             <a:r>
@@ -15908,6 +19775,29 @@
           </a:p>
         </p:txBody>
       </p:sp>
+      <p:sp>
+        <p:nvSpPr>
+          <p:cNvPr id="11" name="Номер слайда 10"/>
+          <p:cNvSpPr>
+            <a:spLocks noGrp="1"/>
+          </p:cNvSpPr>
+          <p:nvPr>
+            <p:ph type="sldNum" sz="quarter" idx="12"/>
+          </p:nvPr>
+        </p:nvSpPr>
+        <p:spPr/>
+        <p:txBody>
+          <a:bodyPr/>
+          <a:lstStyle/>
+          <a:p>
+            <a:fld id="{EDFC3FDD-8E34-46B9-B4F0-1D742C30C66D}" type="slidenum">
+              <a:rPr lang="ru-RU" smtClean="0"/>
+              <a:t>6</a:t>
+            </a:fld>
+            <a:endParaRPr lang="ru-RU"/>
+          </a:p>
+        </p:txBody>
+      </p:sp>
     </p:spTree>
     <p:extLst>
       <p:ext uri="{BB962C8B-B14F-4D97-AF65-F5344CB8AC3E}">
@@ -15937,200 +19827,6 @@
 </file>
 
 <file path=ppt/slides/slide7.xml><?xml version="1.0" encoding="utf-8"?>
-<p:sld xmlns:a="http://schemas.openxmlformats.org/drawingml/2006/main" xmlns:r="http://schemas.openxmlformats.org/officeDocument/2006/relationships" xmlns:p="http://schemas.openxmlformats.org/presentationml/2006/main" show="0">
-  <p:cSld>
-    <p:spTree>
-      <p:nvGrpSpPr>
-        <p:cNvPr id="1" name=""/>
-        <p:cNvGrpSpPr/>
-        <p:nvPr/>
-      </p:nvGrpSpPr>
-      <p:grpSpPr>
-        <a:xfrm>
-          <a:off x="0" y="0"/>
-          <a:ext cx="0" cy="0"/>
-          <a:chOff x="0" y="0"/>
-          <a:chExt cx="0" cy="0"/>
-        </a:xfrm>
-      </p:grpSpPr>
-      <p:sp>
-        <p:nvSpPr>
-          <p:cNvPr id="3" name="Объект 2"/>
-          <p:cNvSpPr>
-            <a:spLocks noGrp="1"/>
-          </p:cNvSpPr>
-          <p:nvPr>
-            <p:ph idx="1"/>
-          </p:nvPr>
-        </p:nvSpPr>
-        <p:spPr>
-          <a:xfrm>
-            <a:off x="457200" y="1052736"/>
-            <a:ext cx="8229600" cy="504056"/>
-          </a:xfrm>
-          <a:effectLst>
-            <a:outerShdw blurRad="50800" dist="38100" dir="2700000" algn="tl" rotWithShape="0">
-              <a:prstClr val="black">
-                <a:alpha val="40000"/>
-              </a:prstClr>
-            </a:outerShdw>
-          </a:effectLst>
-        </p:spPr>
-        <p:style>
-          <a:lnRef idx="2">
-            <a:schemeClr val="accent6"/>
-          </a:lnRef>
-          <a:fillRef idx="1">
-            <a:schemeClr val="lt1"/>
-          </a:fillRef>
-          <a:effectRef idx="0">
-            <a:schemeClr val="accent6"/>
-          </a:effectRef>
-          <a:fontRef idx="minor">
-            <a:schemeClr val="dk1"/>
-          </a:fontRef>
-        </p:style>
-        <p:txBody>
-          <a:bodyPr/>
-          <a:lstStyle/>
-          <a:p>
-            <a:pPr marL="0" indent="0" algn="ctr">
-              <a:buNone/>
-            </a:pPr>
-            <a:r>
-              <a:rPr lang="en-US" dirty="0" smtClean="0"/>
-              <a:t>III. </a:t>
-            </a:r>
-            <a:r>
-              <a:rPr lang="ru-RU" dirty="0" smtClean="0"/>
-              <a:t>Работа нейронной продукционной сети</a:t>
-            </a:r>
-          </a:p>
-        </p:txBody>
-      </p:sp>
-      <p:pic>
-        <p:nvPicPr>
-          <p:cNvPr id="2053" name="Picture 5"/>
-          <p:cNvPicPr>
-            <a:picLocks noChangeAspect="1" noChangeArrowheads="1"/>
-          </p:cNvPicPr>
-          <p:nvPr/>
-        </p:nvPicPr>
-        <p:blipFill>
-          <a:blip r:embed="rId2">
-            <a:extLst>
-              <a:ext uri="{28A0092B-C50C-407E-A947-70E740481C1C}">
-                <a14:useLocalDpi xmlns:a14="http://schemas.microsoft.com/office/drawing/2010/main" val="0"/>
-              </a:ext>
-            </a:extLst>
-          </a:blip>
-          <a:srcRect/>
-          <a:stretch>
-            <a:fillRect/>
-          </a:stretch>
-        </p:blipFill>
-        <p:spPr bwMode="auto">
-          <a:xfrm>
-            <a:off x="347662" y="1772816"/>
-            <a:ext cx="8448675" cy="4886325"/>
-          </a:xfrm>
-          <a:prstGeom prst="rect">
-            <a:avLst/>
-          </a:prstGeom>
-          <a:noFill/>
-          <a:ln>
-            <a:noFill/>
-          </a:ln>
-          <a:effectLst/>
-          <a:extLst>
-            <a:ext uri="{909E8E84-426E-40DD-AFC4-6F175D3DCCD1}">
-              <a14:hiddenFill xmlns:a14="http://schemas.microsoft.com/office/drawing/2010/main">
-                <a:solidFill>
-                  <a:schemeClr val="accent1"/>
-                </a:solidFill>
-              </a14:hiddenFill>
-            </a:ext>
-            <a:ext uri="{91240B29-F687-4F45-9708-019B960494DF}">
-              <a14:hiddenLine xmlns:a14="http://schemas.microsoft.com/office/drawing/2010/main" w="9525">
-                <a:solidFill>
-                  <a:schemeClr val="tx1"/>
-                </a:solidFill>
-                <a:miter lim="800000"/>
-                <a:headEnd/>
-                <a:tailEnd/>
-              </a14:hiddenLine>
-            </a:ext>
-            <a:ext uri="{AF507438-7753-43E0-B8FC-AC1667EBCBE1}">
-              <a14:hiddenEffects xmlns:a14="http://schemas.microsoft.com/office/drawing/2010/main">
-                <a:effectLst>
-                  <a:outerShdw dist="35921" dir="2700000" algn="ctr" rotWithShape="0">
-                    <a:schemeClr val="bg2"/>
-                  </a:outerShdw>
-                </a:effectLst>
-              </a14:hiddenEffects>
-            </a:ext>
-          </a:extLst>
-        </p:spPr>
-      </p:pic>
-      <p:sp>
-        <p:nvSpPr>
-          <p:cNvPr id="5" name="Заголовок 1"/>
-          <p:cNvSpPr>
-            <a:spLocks noGrp="1"/>
-          </p:cNvSpPr>
-          <p:nvPr>
-            <p:ph type="title"/>
-          </p:nvPr>
-        </p:nvSpPr>
-        <p:spPr>
-          <a:xfrm>
-            <a:off x="457200" y="274638"/>
-            <a:ext cx="8229600" cy="850106"/>
-          </a:xfrm>
-        </p:spPr>
-        <p:txBody>
-          <a:bodyPr>
-            <a:normAutofit/>
-          </a:bodyPr>
-          <a:lstStyle/>
-          <a:p>
-            <a:r>
-              <a:rPr lang="ru-RU" sz="3200" dirty="0" smtClean="0"/>
-              <a:t>Общий алгоритм работы программы</a:t>
-            </a:r>
-            <a:endParaRPr lang="ru-RU" sz="3200" dirty="0"/>
-          </a:p>
-        </p:txBody>
-      </p:sp>
-    </p:spTree>
-    <p:extLst>
-      <p:ext uri="{BB962C8B-B14F-4D97-AF65-F5344CB8AC3E}">
-        <p14:creationId xmlns:p14="http://schemas.microsoft.com/office/powerpoint/2010/main" val="2179727390"/>
-      </p:ext>
-    </p:extLst>
-  </p:cSld>
-  <p:clrMapOvr>
-    <a:masterClrMapping/>
-  </p:clrMapOvr>
-  <mc:AlternateContent xmlns:mc="http://schemas.openxmlformats.org/markup-compatibility/2006" xmlns:p14="http://schemas.microsoft.com/office/powerpoint/2010/main">
-    <mc:Choice Requires="p14">
-      <p:transition spd="slow" p14:dur="2000"/>
-    </mc:Choice>
-    <mc:Fallback xmlns="">
-      <p:transition spd="slow"/>
-    </mc:Fallback>
-  </mc:AlternateContent>
-  <p:timing>
-    <p:tnLst>
-      <p:par>
-        <p:cTn id="1" dur="indefinite" restart="never" nodeType="tmRoot"/>
-      </p:par>
-    </p:tnLst>
-  </p:timing>
-</p:sld>
-</file>
-
-<file path=ppt/slides/slide8.xml><?xml version="1.0" encoding="utf-8"?>
 <p:sld xmlns:a="http://schemas.openxmlformats.org/drawingml/2006/main" xmlns:r="http://schemas.openxmlformats.org/officeDocument/2006/relationships" xmlns:p="http://schemas.openxmlformats.org/presentationml/2006/main">
   <p:cSld>
     <p:spTree>
@@ -16327,6 +20023,29 @@
           </a:p>
         </p:txBody>
       </p:sp>
+      <p:sp>
+        <p:nvSpPr>
+          <p:cNvPr id="3" name="Номер слайда 2"/>
+          <p:cNvSpPr>
+            <a:spLocks noGrp="1"/>
+          </p:cNvSpPr>
+          <p:nvPr>
+            <p:ph type="sldNum" sz="quarter" idx="12"/>
+          </p:nvPr>
+        </p:nvSpPr>
+        <p:spPr/>
+        <p:txBody>
+          <a:bodyPr/>
+          <a:lstStyle/>
+          <a:p>
+            <a:fld id="{EDFC3FDD-8E34-46B9-B4F0-1D742C30C66D}" type="slidenum">
+              <a:rPr lang="ru-RU" smtClean="0"/>
+              <a:t>7</a:t>
+            </a:fld>
+            <a:endParaRPr lang="ru-RU"/>
+          </a:p>
+        </p:txBody>
+      </p:sp>
     </p:spTree>
     <p:extLst>
       <p:ext uri="{BB962C8B-B14F-4D97-AF65-F5344CB8AC3E}">
@@ -16347,7 +20066,7 @@
 </p:sld>
 </file>
 
-<file path=ppt/slides/slide9.xml><?xml version="1.0" encoding="utf-8"?>
+<file path=ppt/slides/slide8.xml><?xml version="1.0" encoding="utf-8"?>
 <p:sld xmlns:a="http://schemas.openxmlformats.org/drawingml/2006/main" xmlns:r="http://schemas.openxmlformats.org/officeDocument/2006/relationships" xmlns:p="http://schemas.openxmlformats.org/presentationml/2006/main">
   <p:cSld>
     <p:spTree>
@@ -16534,10 +20253,3383 @@
           </a:extLst>
         </p:spPr>
       </p:pic>
+      <p:sp>
+        <p:nvSpPr>
+          <p:cNvPr id="4" name="Номер слайда 3"/>
+          <p:cNvSpPr>
+            <a:spLocks noGrp="1"/>
+          </p:cNvSpPr>
+          <p:nvPr>
+            <p:ph type="sldNum" sz="quarter" idx="12"/>
+          </p:nvPr>
+        </p:nvSpPr>
+        <p:spPr/>
+        <p:txBody>
+          <a:bodyPr/>
+          <a:lstStyle/>
+          <a:p>
+            <a:fld id="{EDFC3FDD-8E34-46B9-B4F0-1D742C30C66D}" type="slidenum">
+              <a:rPr lang="ru-RU" smtClean="0"/>
+              <a:t>8</a:t>
+            </a:fld>
+            <a:endParaRPr lang="ru-RU"/>
+          </a:p>
+        </p:txBody>
+      </p:sp>
     </p:spTree>
     <p:extLst>
       <p:ext uri="{BB962C8B-B14F-4D97-AF65-F5344CB8AC3E}">
         <p14:creationId xmlns:p14="http://schemas.microsoft.com/office/powerpoint/2010/main" val="2070814515"/>
+      </p:ext>
+    </p:extLst>
+  </p:cSld>
+  <p:clrMapOvr>
+    <a:masterClrMapping/>
+  </p:clrMapOvr>
+  <p:timing>
+    <p:tnLst>
+      <p:par>
+        <p:cTn id="1" dur="indefinite" restart="never" nodeType="tmRoot"/>
+      </p:par>
+    </p:tnLst>
+  </p:timing>
+</p:sld>
+</file>
+
+<file path=ppt/slides/slide9.xml><?xml version="1.0" encoding="utf-8"?>
+<p:sld xmlns:a="http://schemas.openxmlformats.org/drawingml/2006/main" xmlns:r="http://schemas.openxmlformats.org/officeDocument/2006/relationships" xmlns:p="http://schemas.openxmlformats.org/presentationml/2006/main">
+  <p:cSld>
+    <p:bg>
+      <p:bgPr>
+        <a:gradFill>
+          <a:gsLst>
+            <a:gs pos="50000">
+              <a:schemeClr val="bg1">
+                <a:tint val="80000"/>
+                <a:satMod val="250000"/>
+              </a:schemeClr>
+            </a:gs>
+            <a:gs pos="76000">
+              <a:schemeClr val="bg1">
+                <a:tint val="90000"/>
+                <a:shade val="90000"/>
+                <a:satMod val="200000"/>
+              </a:schemeClr>
+            </a:gs>
+            <a:gs pos="92000">
+              <a:schemeClr val="bg1">
+                <a:tint val="90000"/>
+                <a:shade val="70000"/>
+                <a:satMod val="250000"/>
+              </a:schemeClr>
+            </a:gs>
+          </a:gsLst>
+          <a:path path="circle">
+            <a:fillToRect l="50000" t="50000" r="50000" b="50000"/>
+          </a:path>
+        </a:gradFill>
+        <a:effectLst/>
+      </p:bgPr>
+    </p:bg>
+    <p:spTree>
+      <p:nvGrpSpPr>
+        <p:cNvPr id="1" name=""/>
+        <p:cNvGrpSpPr/>
+        <p:nvPr/>
+      </p:nvGrpSpPr>
+      <p:grpSpPr>
+        <a:xfrm>
+          <a:off x="0" y="0"/>
+          <a:ext cx="0" cy="0"/>
+          <a:chOff x="0" y="0"/>
+          <a:chExt cx="0" cy="0"/>
+        </a:xfrm>
+      </p:grpSpPr>
+      <p:graphicFrame>
+        <p:nvGraphicFramePr>
+          <p:cNvPr id="4" name="Объект 3"/>
+          <p:cNvGraphicFramePr>
+            <a:graphicFrameLocks/>
+          </p:cNvGraphicFramePr>
+          <p:nvPr>
+            <p:extLst>
+              <p:ext uri="{D42A27DB-BD31-4B8C-83A1-F6EECF244321}">
+                <p14:modId xmlns:p14="http://schemas.microsoft.com/office/powerpoint/2010/main" val="1252685867"/>
+              </p:ext>
+            </p:extLst>
+          </p:nvPr>
+        </p:nvGraphicFramePr>
+        <p:xfrm>
+          <a:off x="457200" y="2020416"/>
+          <a:ext cx="2592288" cy="3352800"/>
+        </p:xfrm>
+        <a:graphic>
+          <a:graphicData uri="http://schemas.openxmlformats.org/drawingml/2006/table">
+            <a:tbl>
+              <a:tblPr firstRow="1" bandRow="1">
+                <a:tableStyleId>{E8034E78-7F5D-4C2E-B375-FC64B27BC917}</a:tableStyleId>
+              </a:tblPr>
+              <a:tblGrid>
+                <a:gridCol w="591141"/>
+                <a:gridCol w="667049"/>
+                <a:gridCol w="667049"/>
+                <a:gridCol w="667049"/>
+              </a:tblGrid>
+              <a:tr h="202932">
+                <a:tc>
+                  <a:txBody>
+                    <a:bodyPr/>
+                    <a:lstStyle/>
+                    <a:p>
+                      <a:pPr algn="ctr"/>
+                      <a:r>
+                        <a:rPr lang="ru-RU" sz="1400" dirty="0" smtClean="0"/>
+                        <a:t>А</a:t>
+                      </a:r>
+                      <a:endParaRPr lang="ru-RU" sz="1400" dirty="0"/>
+                    </a:p>
+                  </a:txBody>
+                  <a:tcPr>
+                    <a:lnL w="6350" cap="flat" cmpd="sng" algn="ctr">
+                      <a:solidFill>
+                        <a:schemeClr val="tx2"/>
+                      </a:solidFill>
+                      <a:prstDash val="solid"/>
+                      <a:round/>
+                      <a:headEnd type="none" w="med" len="med"/>
+                      <a:tailEnd type="none" w="med" len="med"/>
+                    </a:lnL>
+                    <a:lnR w="6350" cap="flat" cmpd="sng" algn="ctr">
+                      <a:solidFill>
+                        <a:schemeClr val="tx2"/>
+                      </a:solidFill>
+                      <a:prstDash val="solid"/>
+                      <a:round/>
+                      <a:headEnd type="none" w="med" len="med"/>
+                      <a:tailEnd type="none" w="med" len="med"/>
+                    </a:lnR>
+                    <a:lnT w="6350" cap="flat" cmpd="sng" algn="ctr">
+                      <a:solidFill>
+                        <a:schemeClr val="tx2"/>
+                      </a:solidFill>
+                      <a:prstDash val="solid"/>
+                      <a:round/>
+                      <a:headEnd type="none" w="med" len="med"/>
+                      <a:tailEnd type="none" w="med" len="med"/>
+                    </a:lnT>
+                    <a:lnB w="6350" cap="flat" cmpd="sng" algn="ctr">
+                      <a:solidFill>
+                        <a:schemeClr val="tx2"/>
+                      </a:solidFill>
+                      <a:prstDash val="solid"/>
+                      <a:round/>
+                      <a:headEnd type="none" w="med" len="med"/>
+                      <a:tailEnd type="none" w="med" len="med"/>
+                    </a:lnB>
+                    <a:lnTlToBr w="12700" cmpd="sng">
+                      <a:noFill/>
+                      <a:prstDash val="solid"/>
+                    </a:lnTlToBr>
+                    <a:lnBlToTr w="12700" cmpd="sng">
+                      <a:noFill/>
+                      <a:prstDash val="solid"/>
+                    </a:lnBlToTr>
+                  </a:tcPr>
+                </a:tc>
+                <a:tc>
+                  <a:txBody>
+                    <a:bodyPr/>
+                    <a:lstStyle/>
+                    <a:p>
+                      <a:pPr algn="ctr"/>
+                      <a:r>
+                        <a:rPr lang="ru-RU" sz="1400" dirty="0" smtClean="0"/>
+                        <a:t>Б</a:t>
+                      </a:r>
+                      <a:endParaRPr lang="ru-RU" sz="1400" baseline="-25000" dirty="0"/>
+                    </a:p>
+                  </a:txBody>
+                  <a:tcPr>
+                    <a:lnL w="6350" cap="flat" cmpd="sng" algn="ctr">
+                      <a:solidFill>
+                        <a:schemeClr val="tx2"/>
+                      </a:solidFill>
+                      <a:prstDash val="solid"/>
+                      <a:round/>
+                      <a:headEnd type="none" w="med" len="med"/>
+                      <a:tailEnd type="none" w="med" len="med"/>
+                    </a:lnL>
+                    <a:lnR w="6350" cap="flat" cmpd="sng" algn="ctr">
+                      <a:solidFill>
+                        <a:schemeClr val="tx2"/>
+                      </a:solidFill>
+                      <a:prstDash val="solid"/>
+                      <a:round/>
+                      <a:headEnd type="none" w="med" len="med"/>
+                      <a:tailEnd type="none" w="med" len="med"/>
+                    </a:lnR>
+                    <a:lnT w="6350" cap="flat" cmpd="sng" algn="ctr">
+                      <a:solidFill>
+                        <a:schemeClr val="tx2"/>
+                      </a:solidFill>
+                      <a:prstDash val="solid"/>
+                      <a:round/>
+                      <a:headEnd type="none" w="med" len="med"/>
+                      <a:tailEnd type="none" w="med" len="med"/>
+                    </a:lnT>
+                    <a:lnB w="6350" cap="flat" cmpd="sng" algn="ctr">
+                      <a:solidFill>
+                        <a:schemeClr val="tx2"/>
+                      </a:solidFill>
+                      <a:prstDash val="solid"/>
+                      <a:round/>
+                      <a:headEnd type="none" w="med" len="med"/>
+                      <a:tailEnd type="none" w="med" len="med"/>
+                    </a:lnB>
+                    <a:lnTlToBr w="12700" cmpd="sng">
+                      <a:noFill/>
+                      <a:prstDash val="solid"/>
+                    </a:lnTlToBr>
+                    <a:lnBlToTr w="12700" cmpd="sng">
+                      <a:noFill/>
+                      <a:prstDash val="solid"/>
+                    </a:lnBlToTr>
+                  </a:tcPr>
+                </a:tc>
+                <a:tc>
+                  <a:txBody>
+                    <a:bodyPr/>
+                    <a:lstStyle/>
+                    <a:p>
+                      <a:pPr algn="ctr"/>
+                      <a:r>
+                        <a:rPr lang="ru-RU" sz="1400" dirty="0" smtClean="0"/>
+                        <a:t>В</a:t>
+                      </a:r>
+                      <a:endParaRPr lang="ru-RU" sz="1400" dirty="0"/>
+                    </a:p>
+                  </a:txBody>
+                  <a:tcPr>
+                    <a:lnL w="6350" cap="flat" cmpd="sng" algn="ctr">
+                      <a:solidFill>
+                        <a:schemeClr val="tx2"/>
+                      </a:solidFill>
+                      <a:prstDash val="solid"/>
+                      <a:round/>
+                      <a:headEnd type="none" w="med" len="med"/>
+                      <a:tailEnd type="none" w="med" len="med"/>
+                    </a:lnL>
+                    <a:lnR w="6350" cap="flat" cmpd="sng" algn="ctr">
+                      <a:solidFill>
+                        <a:schemeClr val="tx2"/>
+                      </a:solidFill>
+                      <a:prstDash val="solid"/>
+                      <a:round/>
+                      <a:headEnd type="none" w="med" len="med"/>
+                      <a:tailEnd type="none" w="med" len="med"/>
+                    </a:lnR>
+                    <a:lnT w="6350" cap="flat" cmpd="sng" algn="ctr">
+                      <a:solidFill>
+                        <a:schemeClr val="tx2"/>
+                      </a:solidFill>
+                      <a:prstDash val="solid"/>
+                      <a:round/>
+                      <a:headEnd type="none" w="med" len="med"/>
+                      <a:tailEnd type="none" w="med" len="med"/>
+                    </a:lnT>
+                    <a:lnB w="6350" cap="flat" cmpd="sng" algn="ctr">
+                      <a:solidFill>
+                        <a:schemeClr val="tx2"/>
+                      </a:solidFill>
+                      <a:prstDash val="solid"/>
+                      <a:round/>
+                      <a:headEnd type="none" w="med" len="med"/>
+                      <a:tailEnd type="none" w="med" len="med"/>
+                    </a:lnB>
+                    <a:lnTlToBr w="12700" cmpd="sng">
+                      <a:noFill/>
+                      <a:prstDash val="solid"/>
+                    </a:lnTlToBr>
+                    <a:lnBlToTr w="12700" cmpd="sng">
+                      <a:noFill/>
+                      <a:prstDash val="solid"/>
+                    </a:lnBlToTr>
+                  </a:tcPr>
+                </a:tc>
+                <a:tc>
+                  <a:txBody>
+                    <a:bodyPr/>
+                    <a:lstStyle/>
+                    <a:p>
+                      <a:pPr algn="ctr"/>
+                      <a:r>
+                        <a:rPr lang="ru-RU" sz="1400" dirty="0" smtClean="0"/>
+                        <a:t>Г</a:t>
+                      </a:r>
+                      <a:endParaRPr lang="ru-RU" sz="1400" dirty="0"/>
+                    </a:p>
+                  </a:txBody>
+                  <a:tcPr>
+                    <a:lnL w="6350" cap="flat" cmpd="sng" algn="ctr">
+                      <a:solidFill>
+                        <a:schemeClr val="tx2"/>
+                      </a:solidFill>
+                      <a:prstDash val="solid"/>
+                      <a:round/>
+                      <a:headEnd type="none" w="med" len="med"/>
+                      <a:tailEnd type="none" w="med" len="med"/>
+                    </a:lnL>
+                    <a:lnR w="6350" cap="flat" cmpd="sng" algn="ctr">
+                      <a:solidFill>
+                        <a:schemeClr val="tx2"/>
+                      </a:solidFill>
+                      <a:prstDash val="solid"/>
+                      <a:round/>
+                      <a:headEnd type="none" w="med" len="med"/>
+                      <a:tailEnd type="none" w="med" len="med"/>
+                    </a:lnR>
+                    <a:lnT w="6350" cap="flat" cmpd="sng" algn="ctr">
+                      <a:solidFill>
+                        <a:schemeClr val="tx2"/>
+                      </a:solidFill>
+                      <a:prstDash val="solid"/>
+                      <a:round/>
+                      <a:headEnd type="none" w="med" len="med"/>
+                      <a:tailEnd type="none" w="med" len="med"/>
+                    </a:lnT>
+                    <a:lnB w="6350" cap="flat" cmpd="sng" algn="ctr">
+                      <a:solidFill>
+                        <a:schemeClr val="tx2"/>
+                      </a:solidFill>
+                      <a:prstDash val="solid"/>
+                      <a:round/>
+                      <a:headEnd type="none" w="med" len="med"/>
+                      <a:tailEnd type="none" w="med" len="med"/>
+                    </a:lnB>
+                    <a:lnTlToBr w="12700" cmpd="sng">
+                      <a:noFill/>
+                      <a:prstDash val="solid"/>
+                    </a:lnTlToBr>
+                    <a:lnBlToTr w="12700" cmpd="sng">
+                      <a:noFill/>
+                      <a:prstDash val="solid"/>
+                    </a:lnBlToTr>
+                  </a:tcPr>
+                </a:tc>
+              </a:tr>
+              <a:tr h="202932">
+                <a:tc>
+                  <a:txBody>
+                    <a:bodyPr/>
+                    <a:lstStyle/>
+                    <a:p>
+                      <a:pPr algn="ctr"/>
+                      <a:r>
+                        <a:rPr lang="ru-RU" sz="1400" dirty="0" smtClean="0">
+                          <a:solidFill>
+                            <a:schemeClr val="tx1"/>
+                          </a:solidFill>
+                        </a:rPr>
+                        <a:t>0</a:t>
+                      </a:r>
+                      <a:endParaRPr lang="ru-RU" sz="1400" dirty="0">
+                        <a:solidFill>
+                          <a:schemeClr val="tx1"/>
+                        </a:solidFill>
+                      </a:endParaRPr>
+                    </a:p>
+                  </a:txBody>
+                  <a:tcPr>
+                    <a:lnL w="6350" cap="flat" cmpd="sng" algn="ctr">
+                      <a:solidFill>
+                        <a:schemeClr val="tx2"/>
+                      </a:solidFill>
+                      <a:prstDash val="solid"/>
+                      <a:round/>
+                      <a:headEnd type="none" w="med" len="med"/>
+                      <a:tailEnd type="none" w="med" len="med"/>
+                    </a:lnL>
+                    <a:lnR w="6350" cap="flat" cmpd="sng" algn="ctr">
+                      <a:solidFill>
+                        <a:schemeClr val="tx2"/>
+                      </a:solidFill>
+                      <a:prstDash val="solid"/>
+                      <a:round/>
+                      <a:headEnd type="none" w="med" len="med"/>
+                      <a:tailEnd type="none" w="med" len="med"/>
+                    </a:lnR>
+                    <a:lnT w="6350" cap="flat" cmpd="sng" algn="ctr">
+                      <a:solidFill>
+                        <a:schemeClr val="tx2"/>
+                      </a:solidFill>
+                      <a:prstDash val="solid"/>
+                      <a:round/>
+                      <a:headEnd type="none" w="med" len="med"/>
+                      <a:tailEnd type="none" w="med" len="med"/>
+                    </a:lnT>
+                    <a:lnB w="6350" cap="flat" cmpd="sng" algn="ctr">
+                      <a:solidFill>
+                        <a:schemeClr val="tx2"/>
+                      </a:solidFill>
+                      <a:prstDash val="solid"/>
+                      <a:round/>
+                      <a:headEnd type="none" w="med" len="med"/>
+                      <a:tailEnd type="none" w="med" len="med"/>
+                    </a:lnB>
+                    <a:lnTlToBr w="12700" cmpd="sng">
+                      <a:noFill/>
+                      <a:prstDash val="solid"/>
+                    </a:lnTlToBr>
+                    <a:lnBlToTr w="12700" cmpd="sng">
+                      <a:noFill/>
+                      <a:prstDash val="solid"/>
+                    </a:lnBlToTr>
+                  </a:tcPr>
+                </a:tc>
+                <a:tc>
+                  <a:txBody>
+                    <a:bodyPr/>
+                    <a:lstStyle/>
+                    <a:p>
+                      <a:pPr algn="ctr"/>
+                      <a:r>
+                        <a:rPr lang="ru-RU" sz="1400" dirty="0" smtClean="0">
+                          <a:solidFill>
+                            <a:schemeClr val="tx1"/>
+                          </a:solidFill>
+                        </a:rPr>
+                        <a:t>0</a:t>
+                      </a:r>
+                      <a:endParaRPr lang="ru-RU" sz="1400" dirty="0">
+                        <a:solidFill>
+                          <a:schemeClr val="tx1"/>
+                        </a:solidFill>
+                      </a:endParaRPr>
+                    </a:p>
+                  </a:txBody>
+                  <a:tcPr>
+                    <a:lnL w="6350" cap="flat" cmpd="sng" algn="ctr">
+                      <a:solidFill>
+                        <a:schemeClr val="tx2"/>
+                      </a:solidFill>
+                      <a:prstDash val="solid"/>
+                      <a:round/>
+                      <a:headEnd type="none" w="med" len="med"/>
+                      <a:tailEnd type="none" w="med" len="med"/>
+                    </a:lnL>
+                    <a:lnR w="6350" cap="flat" cmpd="sng" algn="ctr">
+                      <a:solidFill>
+                        <a:schemeClr val="tx2"/>
+                      </a:solidFill>
+                      <a:prstDash val="solid"/>
+                      <a:round/>
+                      <a:headEnd type="none" w="med" len="med"/>
+                      <a:tailEnd type="none" w="med" len="med"/>
+                    </a:lnR>
+                    <a:lnT w="6350" cap="flat" cmpd="sng" algn="ctr">
+                      <a:solidFill>
+                        <a:schemeClr val="tx2"/>
+                      </a:solidFill>
+                      <a:prstDash val="solid"/>
+                      <a:round/>
+                      <a:headEnd type="none" w="med" len="med"/>
+                      <a:tailEnd type="none" w="med" len="med"/>
+                    </a:lnT>
+                    <a:lnB w="6350" cap="flat" cmpd="sng" algn="ctr">
+                      <a:solidFill>
+                        <a:schemeClr val="tx2"/>
+                      </a:solidFill>
+                      <a:prstDash val="solid"/>
+                      <a:round/>
+                      <a:headEnd type="none" w="med" len="med"/>
+                      <a:tailEnd type="none" w="med" len="med"/>
+                    </a:lnB>
+                    <a:lnTlToBr w="12700" cmpd="sng">
+                      <a:noFill/>
+                      <a:prstDash val="solid"/>
+                    </a:lnTlToBr>
+                    <a:lnBlToTr w="12700" cmpd="sng">
+                      <a:noFill/>
+                      <a:prstDash val="solid"/>
+                    </a:lnBlToTr>
+                  </a:tcPr>
+                </a:tc>
+                <a:tc>
+                  <a:txBody>
+                    <a:bodyPr/>
+                    <a:lstStyle/>
+                    <a:p>
+                      <a:pPr algn="ctr"/>
+                      <a:r>
+                        <a:rPr lang="ru-RU" sz="1400" dirty="0" smtClean="0">
+                          <a:solidFill>
+                            <a:schemeClr val="tx1"/>
+                          </a:solidFill>
+                        </a:rPr>
+                        <a:t>1</a:t>
+                      </a:r>
+                      <a:endParaRPr lang="ru-RU" sz="1400" dirty="0">
+                        <a:solidFill>
+                          <a:schemeClr val="tx1"/>
+                        </a:solidFill>
+                      </a:endParaRPr>
+                    </a:p>
+                  </a:txBody>
+                  <a:tcPr>
+                    <a:lnL w="6350" cap="flat" cmpd="sng" algn="ctr">
+                      <a:solidFill>
+                        <a:schemeClr val="tx2"/>
+                      </a:solidFill>
+                      <a:prstDash val="solid"/>
+                      <a:round/>
+                      <a:headEnd type="none" w="med" len="med"/>
+                      <a:tailEnd type="none" w="med" len="med"/>
+                    </a:lnL>
+                    <a:lnR w="6350" cap="flat" cmpd="sng" algn="ctr">
+                      <a:solidFill>
+                        <a:schemeClr val="tx2"/>
+                      </a:solidFill>
+                      <a:prstDash val="solid"/>
+                      <a:round/>
+                      <a:headEnd type="none" w="med" len="med"/>
+                      <a:tailEnd type="none" w="med" len="med"/>
+                    </a:lnR>
+                    <a:lnT w="6350" cap="flat" cmpd="sng" algn="ctr">
+                      <a:solidFill>
+                        <a:schemeClr val="tx2"/>
+                      </a:solidFill>
+                      <a:prstDash val="solid"/>
+                      <a:round/>
+                      <a:headEnd type="none" w="med" len="med"/>
+                      <a:tailEnd type="none" w="med" len="med"/>
+                    </a:lnT>
+                    <a:lnB w="6350" cap="flat" cmpd="sng" algn="ctr">
+                      <a:solidFill>
+                        <a:schemeClr val="tx2"/>
+                      </a:solidFill>
+                      <a:prstDash val="solid"/>
+                      <a:round/>
+                      <a:headEnd type="none" w="med" len="med"/>
+                      <a:tailEnd type="none" w="med" len="med"/>
+                    </a:lnB>
+                    <a:lnTlToBr w="12700" cmpd="sng">
+                      <a:noFill/>
+                      <a:prstDash val="solid"/>
+                    </a:lnTlToBr>
+                    <a:lnBlToTr w="12700" cmpd="sng">
+                      <a:noFill/>
+                      <a:prstDash val="solid"/>
+                    </a:lnBlToTr>
+                  </a:tcPr>
+                </a:tc>
+                <a:tc>
+                  <a:txBody>
+                    <a:bodyPr/>
+                    <a:lstStyle/>
+                    <a:p>
+                      <a:pPr algn="ctr"/>
+                      <a:r>
+                        <a:rPr lang="ru-RU" sz="1400" dirty="0" smtClean="0">
+                          <a:solidFill>
+                            <a:schemeClr val="tx1"/>
+                          </a:solidFill>
+                        </a:rPr>
+                        <a:t>1</a:t>
+                      </a:r>
+                      <a:endParaRPr lang="ru-RU" sz="1400" dirty="0">
+                        <a:solidFill>
+                          <a:schemeClr val="tx1"/>
+                        </a:solidFill>
+                      </a:endParaRPr>
+                    </a:p>
+                  </a:txBody>
+                  <a:tcPr>
+                    <a:lnL w="6350" cap="flat" cmpd="sng" algn="ctr">
+                      <a:solidFill>
+                        <a:schemeClr val="tx2"/>
+                      </a:solidFill>
+                      <a:prstDash val="solid"/>
+                      <a:round/>
+                      <a:headEnd type="none" w="med" len="med"/>
+                      <a:tailEnd type="none" w="med" len="med"/>
+                    </a:lnL>
+                    <a:lnR w="6350" cap="flat" cmpd="sng" algn="ctr">
+                      <a:solidFill>
+                        <a:schemeClr val="tx2"/>
+                      </a:solidFill>
+                      <a:prstDash val="solid"/>
+                      <a:round/>
+                      <a:headEnd type="none" w="med" len="med"/>
+                      <a:tailEnd type="none" w="med" len="med"/>
+                    </a:lnR>
+                    <a:lnT w="6350" cap="flat" cmpd="sng" algn="ctr">
+                      <a:solidFill>
+                        <a:schemeClr val="tx2"/>
+                      </a:solidFill>
+                      <a:prstDash val="solid"/>
+                      <a:round/>
+                      <a:headEnd type="none" w="med" len="med"/>
+                      <a:tailEnd type="none" w="med" len="med"/>
+                    </a:lnT>
+                    <a:lnB w="6350" cap="flat" cmpd="sng" algn="ctr">
+                      <a:solidFill>
+                        <a:schemeClr val="tx2"/>
+                      </a:solidFill>
+                      <a:prstDash val="solid"/>
+                      <a:round/>
+                      <a:headEnd type="none" w="med" len="med"/>
+                      <a:tailEnd type="none" w="med" len="med"/>
+                    </a:lnB>
+                    <a:lnTlToBr w="12700" cmpd="sng">
+                      <a:noFill/>
+                      <a:prstDash val="solid"/>
+                    </a:lnTlToBr>
+                    <a:lnBlToTr w="12700" cmpd="sng">
+                      <a:noFill/>
+                      <a:prstDash val="solid"/>
+                    </a:lnBlToTr>
+                  </a:tcPr>
+                </a:tc>
+              </a:tr>
+              <a:tr h="202932">
+                <a:tc>
+                  <a:txBody>
+                    <a:bodyPr/>
+                    <a:lstStyle/>
+                    <a:p>
+                      <a:pPr algn="ctr"/>
+                      <a:r>
+                        <a:rPr lang="ru-RU" sz="1400" dirty="0" smtClean="0">
+                          <a:solidFill>
+                            <a:schemeClr val="tx1"/>
+                          </a:solidFill>
+                        </a:rPr>
+                        <a:t>1</a:t>
+                      </a:r>
+                      <a:endParaRPr lang="ru-RU" sz="1400" dirty="0">
+                        <a:solidFill>
+                          <a:schemeClr val="tx1"/>
+                        </a:solidFill>
+                      </a:endParaRPr>
+                    </a:p>
+                  </a:txBody>
+                  <a:tcPr>
+                    <a:lnL w="6350" cap="flat" cmpd="sng" algn="ctr">
+                      <a:solidFill>
+                        <a:schemeClr val="tx2"/>
+                      </a:solidFill>
+                      <a:prstDash val="solid"/>
+                      <a:round/>
+                      <a:headEnd type="none" w="med" len="med"/>
+                      <a:tailEnd type="none" w="med" len="med"/>
+                    </a:lnL>
+                    <a:lnR w="6350" cap="flat" cmpd="sng" algn="ctr">
+                      <a:solidFill>
+                        <a:schemeClr val="tx2"/>
+                      </a:solidFill>
+                      <a:prstDash val="solid"/>
+                      <a:round/>
+                      <a:headEnd type="none" w="med" len="med"/>
+                      <a:tailEnd type="none" w="med" len="med"/>
+                    </a:lnR>
+                    <a:lnT w="6350" cap="flat" cmpd="sng" algn="ctr">
+                      <a:solidFill>
+                        <a:schemeClr val="tx2"/>
+                      </a:solidFill>
+                      <a:prstDash val="solid"/>
+                      <a:round/>
+                      <a:headEnd type="none" w="med" len="med"/>
+                      <a:tailEnd type="none" w="med" len="med"/>
+                    </a:lnT>
+                    <a:lnB w="6350" cap="flat" cmpd="sng" algn="ctr">
+                      <a:solidFill>
+                        <a:schemeClr val="tx2"/>
+                      </a:solidFill>
+                      <a:prstDash val="solid"/>
+                      <a:round/>
+                      <a:headEnd type="none" w="med" len="med"/>
+                      <a:tailEnd type="none" w="med" len="med"/>
+                    </a:lnB>
+                    <a:lnTlToBr w="12700" cmpd="sng">
+                      <a:noFill/>
+                      <a:prstDash val="solid"/>
+                    </a:lnTlToBr>
+                    <a:lnBlToTr w="12700" cmpd="sng">
+                      <a:noFill/>
+                      <a:prstDash val="solid"/>
+                    </a:lnBlToTr>
+                  </a:tcPr>
+                </a:tc>
+                <a:tc>
+                  <a:txBody>
+                    <a:bodyPr/>
+                    <a:lstStyle/>
+                    <a:p>
+                      <a:pPr algn="ctr"/>
+                      <a:r>
+                        <a:rPr lang="ru-RU" sz="1400" dirty="0" smtClean="0">
+                          <a:solidFill>
+                            <a:schemeClr val="tx1"/>
+                          </a:solidFill>
+                        </a:rPr>
+                        <a:t>0</a:t>
+                      </a:r>
+                      <a:endParaRPr lang="ru-RU" sz="1400" dirty="0">
+                        <a:solidFill>
+                          <a:schemeClr val="tx1"/>
+                        </a:solidFill>
+                      </a:endParaRPr>
+                    </a:p>
+                  </a:txBody>
+                  <a:tcPr>
+                    <a:lnL w="6350" cap="flat" cmpd="sng" algn="ctr">
+                      <a:solidFill>
+                        <a:schemeClr val="tx2"/>
+                      </a:solidFill>
+                      <a:prstDash val="solid"/>
+                      <a:round/>
+                      <a:headEnd type="none" w="med" len="med"/>
+                      <a:tailEnd type="none" w="med" len="med"/>
+                    </a:lnL>
+                    <a:lnR w="6350" cap="flat" cmpd="sng" algn="ctr">
+                      <a:solidFill>
+                        <a:schemeClr val="tx2"/>
+                      </a:solidFill>
+                      <a:prstDash val="solid"/>
+                      <a:round/>
+                      <a:headEnd type="none" w="med" len="med"/>
+                      <a:tailEnd type="none" w="med" len="med"/>
+                    </a:lnR>
+                    <a:lnT w="6350" cap="flat" cmpd="sng" algn="ctr">
+                      <a:solidFill>
+                        <a:schemeClr val="tx2"/>
+                      </a:solidFill>
+                      <a:prstDash val="solid"/>
+                      <a:round/>
+                      <a:headEnd type="none" w="med" len="med"/>
+                      <a:tailEnd type="none" w="med" len="med"/>
+                    </a:lnT>
+                    <a:lnB w="6350" cap="flat" cmpd="sng" algn="ctr">
+                      <a:solidFill>
+                        <a:schemeClr val="tx2"/>
+                      </a:solidFill>
+                      <a:prstDash val="solid"/>
+                      <a:round/>
+                      <a:headEnd type="none" w="med" len="med"/>
+                      <a:tailEnd type="none" w="med" len="med"/>
+                    </a:lnB>
+                    <a:lnTlToBr w="12700" cmpd="sng">
+                      <a:noFill/>
+                      <a:prstDash val="solid"/>
+                    </a:lnTlToBr>
+                    <a:lnBlToTr w="12700" cmpd="sng">
+                      <a:noFill/>
+                      <a:prstDash val="solid"/>
+                    </a:lnBlToTr>
+                  </a:tcPr>
+                </a:tc>
+                <a:tc>
+                  <a:txBody>
+                    <a:bodyPr/>
+                    <a:lstStyle/>
+                    <a:p>
+                      <a:pPr algn="ctr"/>
+                      <a:r>
+                        <a:rPr lang="ru-RU" sz="1400" dirty="0" smtClean="0">
+                          <a:solidFill>
+                            <a:schemeClr val="tx1"/>
+                          </a:solidFill>
+                        </a:rPr>
+                        <a:t>0</a:t>
+                      </a:r>
+                      <a:endParaRPr lang="ru-RU" sz="1400" dirty="0">
+                        <a:solidFill>
+                          <a:schemeClr val="tx1"/>
+                        </a:solidFill>
+                      </a:endParaRPr>
+                    </a:p>
+                  </a:txBody>
+                  <a:tcPr>
+                    <a:lnL w="6350" cap="flat" cmpd="sng" algn="ctr">
+                      <a:solidFill>
+                        <a:schemeClr val="tx2"/>
+                      </a:solidFill>
+                      <a:prstDash val="solid"/>
+                      <a:round/>
+                      <a:headEnd type="none" w="med" len="med"/>
+                      <a:tailEnd type="none" w="med" len="med"/>
+                    </a:lnL>
+                    <a:lnR w="6350" cap="flat" cmpd="sng" algn="ctr">
+                      <a:solidFill>
+                        <a:schemeClr val="tx2"/>
+                      </a:solidFill>
+                      <a:prstDash val="solid"/>
+                      <a:round/>
+                      <a:headEnd type="none" w="med" len="med"/>
+                      <a:tailEnd type="none" w="med" len="med"/>
+                    </a:lnR>
+                    <a:lnT w="6350" cap="flat" cmpd="sng" algn="ctr">
+                      <a:solidFill>
+                        <a:schemeClr val="tx2"/>
+                      </a:solidFill>
+                      <a:prstDash val="solid"/>
+                      <a:round/>
+                      <a:headEnd type="none" w="med" len="med"/>
+                      <a:tailEnd type="none" w="med" len="med"/>
+                    </a:lnT>
+                    <a:lnB w="6350" cap="flat" cmpd="sng" algn="ctr">
+                      <a:solidFill>
+                        <a:schemeClr val="tx2"/>
+                      </a:solidFill>
+                      <a:prstDash val="solid"/>
+                      <a:round/>
+                      <a:headEnd type="none" w="med" len="med"/>
+                      <a:tailEnd type="none" w="med" len="med"/>
+                    </a:lnB>
+                    <a:lnTlToBr w="12700" cmpd="sng">
+                      <a:noFill/>
+                      <a:prstDash val="solid"/>
+                    </a:lnTlToBr>
+                    <a:lnBlToTr w="12700" cmpd="sng">
+                      <a:noFill/>
+                      <a:prstDash val="solid"/>
+                    </a:lnBlToTr>
+                  </a:tcPr>
+                </a:tc>
+                <a:tc>
+                  <a:txBody>
+                    <a:bodyPr/>
+                    <a:lstStyle/>
+                    <a:p>
+                      <a:pPr algn="ctr"/>
+                      <a:r>
+                        <a:rPr lang="ru-RU" sz="1400" dirty="0" smtClean="0">
+                          <a:solidFill>
+                            <a:schemeClr val="tx1"/>
+                          </a:solidFill>
+                        </a:rPr>
+                        <a:t>1</a:t>
+                      </a:r>
+                      <a:endParaRPr lang="ru-RU" sz="1400" dirty="0">
+                        <a:solidFill>
+                          <a:schemeClr val="tx1"/>
+                        </a:solidFill>
+                      </a:endParaRPr>
+                    </a:p>
+                  </a:txBody>
+                  <a:tcPr>
+                    <a:lnL w="6350" cap="flat" cmpd="sng" algn="ctr">
+                      <a:solidFill>
+                        <a:schemeClr val="tx2"/>
+                      </a:solidFill>
+                      <a:prstDash val="solid"/>
+                      <a:round/>
+                      <a:headEnd type="none" w="med" len="med"/>
+                      <a:tailEnd type="none" w="med" len="med"/>
+                    </a:lnL>
+                    <a:lnR w="6350" cap="flat" cmpd="sng" algn="ctr">
+                      <a:solidFill>
+                        <a:schemeClr val="tx2"/>
+                      </a:solidFill>
+                      <a:prstDash val="solid"/>
+                      <a:round/>
+                      <a:headEnd type="none" w="med" len="med"/>
+                      <a:tailEnd type="none" w="med" len="med"/>
+                    </a:lnR>
+                    <a:lnT w="6350" cap="flat" cmpd="sng" algn="ctr">
+                      <a:solidFill>
+                        <a:schemeClr val="tx2"/>
+                      </a:solidFill>
+                      <a:prstDash val="solid"/>
+                      <a:round/>
+                      <a:headEnd type="none" w="med" len="med"/>
+                      <a:tailEnd type="none" w="med" len="med"/>
+                    </a:lnT>
+                    <a:lnB w="6350" cap="flat" cmpd="sng" algn="ctr">
+                      <a:solidFill>
+                        <a:schemeClr val="tx2"/>
+                      </a:solidFill>
+                      <a:prstDash val="solid"/>
+                      <a:round/>
+                      <a:headEnd type="none" w="med" len="med"/>
+                      <a:tailEnd type="none" w="med" len="med"/>
+                    </a:lnB>
+                    <a:lnTlToBr w="12700" cmpd="sng">
+                      <a:noFill/>
+                      <a:prstDash val="solid"/>
+                    </a:lnTlToBr>
+                    <a:lnBlToTr w="12700" cmpd="sng">
+                      <a:noFill/>
+                      <a:prstDash val="solid"/>
+                    </a:lnBlToTr>
+                  </a:tcPr>
+                </a:tc>
+              </a:tr>
+              <a:tr h="202932">
+                <a:tc>
+                  <a:txBody>
+                    <a:bodyPr/>
+                    <a:lstStyle/>
+                    <a:p>
+                      <a:pPr algn="ctr"/>
+                      <a:r>
+                        <a:rPr lang="ru-RU" sz="1400" dirty="0" smtClean="0">
+                          <a:solidFill>
+                            <a:schemeClr val="tx1"/>
+                          </a:solidFill>
+                        </a:rPr>
+                        <a:t>1</a:t>
+                      </a:r>
+                      <a:endParaRPr lang="ru-RU" sz="1400" dirty="0">
+                        <a:solidFill>
+                          <a:schemeClr val="tx1"/>
+                        </a:solidFill>
+                      </a:endParaRPr>
+                    </a:p>
+                  </a:txBody>
+                  <a:tcPr>
+                    <a:lnL w="6350" cap="flat" cmpd="sng" algn="ctr">
+                      <a:solidFill>
+                        <a:schemeClr val="tx2"/>
+                      </a:solidFill>
+                      <a:prstDash val="solid"/>
+                      <a:round/>
+                      <a:headEnd type="none" w="med" len="med"/>
+                      <a:tailEnd type="none" w="med" len="med"/>
+                    </a:lnL>
+                    <a:lnR w="6350" cap="flat" cmpd="sng" algn="ctr">
+                      <a:solidFill>
+                        <a:schemeClr val="tx2"/>
+                      </a:solidFill>
+                      <a:prstDash val="solid"/>
+                      <a:round/>
+                      <a:headEnd type="none" w="med" len="med"/>
+                      <a:tailEnd type="none" w="med" len="med"/>
+                    </a:lnR>
+                    <a:lnT w="6350" cap="flat" cmpd="sng" algn="ctr">
+                      <a:solidFill>
+                        <a:schemeClr val="tx2"/>
+                      </a:solidFill>
+                      <a:prstDash val="solid"/>
+                      <a:round/>
+                      <a:headEnd type="none" w="med" len="med"/>
+                      <a:tailEnd type="none" w="med" len="med"/>
+                    </a:lnT>
+                    <a:lnB w="6350" cap="flat" cmpd="sng" algn="ctr">
+                      <a:solidFill>
+                        <a:schemeClr val="tx2"/>
+                      </a:solidFill>
+                      <a:prstDash val="solid"/>
+                      <a:round/>
+                      <a:headEnd type="none" w="med" len="med"/>
+                      <a:tailEnd type="none" w="med" len="med"/>
+                    </a:lnB>
+                    <a:lnTlToBr w="12700" cmpd="sng">
+                      <a:noFill/>
+                      <a:prstDash val="solid"/>
+                    </a:lnTlToBr>
+                    <a:lnBlToTr w="12700" cmpd="sng">
+                      <a:noFill/>
+                      <a:prstDash val="solid"/>
+                    </a:lnBlToTr>
+                  </a:tcPr>
+                </a:tc>
+                <a:tc>
+                  <a:txBody>
+                    <a:bodyPr/>
+                    <a:lstStyle/>
+                    <a:p>
+                      <a:pPr algn="ctr"/>
+                      <a:r>
+                        <a:rPr lang="ru-RU" sz="1400" dirty="0" smtClean="0">
+                          <a:solidFill>
+                            <a:schemeClr val="tx1"/>
+                          </a:solidFill>
+                        </a:rPr>
+                        <a:t>1</a:t>
+                      </a:r>
+                      <a:endParaRPr lang="ru-RU" sz="1400" dirty="0">
+                        <a:solidFill>
+                          <a:schemeClr val="tx1"/>
+                        </a:solidFill>
+                      </a:endParaRPr>
+                    </a:p>
+                  </a:txBody>
+                  <a:tcPr>
+                    <a:lnL w="6350" cap="flat" cmpd="sng" algn="ctr">
+                      <a:solidFill>
+                        <a:schemeClr val="tx2"/>
+                      </a:solidFill>
+                      <a:prstDash val="solid"/>
+                      <a:round/>
+                      <a:headEnd type="none" w="med" len="med"/>
+                      <a:tailEnd type="none" w="med" len="med"/>
+                    </a:lnL>
+                    <a:lnR w="6350" cap="flat" cmpd="sng" algn="ctr">
+                      <a:solidFill>
+                        <a:schemeClr val="tx2"/>
+                      </a:solidFill>
+                      <a:prstDash val="solid"/>
+                      <a:round/>
+                      <a:headEnd type="none" w="med" len="med"/>
+                      <a:tailEnd type="none" w="med" len="med"/>
+                    </a:lnR>
+                    <a:lnT w="6350" cap="flat" cmpd="sng" algn="ctr">
+                      <a:solidFill>
+                        <a:schemeClr val="tx2"/>
+                      </a:solidFill>
+                      <a:prstDash val="solid"/>
+                      <a:round/>
+                      <a:headEnd type="none" w="med" len="med"/>
+                      <a:tailEnd type="none" w="med" len="med"/>
+                    </a:lnT>
+                    <a:lnB w="6350" cap="flat" cmpd="sng" algn="ctr">
+                      <a:solidFill>
+                        <a:schemeClr val="tx2"/>
+                      </a:solidFill>
+                      <a:prstDash val="solid"/>
+                      <a:round/>
+                      <a:headEnd type="none" w="med" len="med"/>
+                      <a:tailEnd type="none" w="med" len="med"/>
+                    </a:lnB>
+                    <a:lnTlToBr w="12700" cmpd="sng">
+                      <a:noFill/>
+                      <a:prstDash val="solid"/>
+                    </a:lnTlToBr>
+                    <a:lnBlToTr w="12700" cmpd="sng">
+                      <a:noFill/>
+                      <a:prstDash val="solid"/>
+                    </a:lnBlToTr>
+                  </a:tcPr>
+                </a:tc>
+                <a:tc>
+                  <a:txBody>
+                    <a:bodyPr/>
+                    <a:lstStyle/>
+                    <a:p>
+                      <a:pPr algn="ctr"/>
+                      <a:r>
+                        <a:rPr lang="ru-RU" sz="1400" dirty="0" smtClean="0">
+                          <a:solidFill>
+                            <a:schemeClr val="tx1"/>
+                          </a:solidFill>
+                        </a:rPr>
+                        <a:t>1</a:t>
+                      </a:r>
+                      <a:endParaRPr lang="ru-RU" sz="1400" dirty="0">
+                        <a:solidFill>
+                          <a:schemeClr val="tx1"/>
+                        </a:solidFill>
+                      </a:endParaRPr>
+                    </a:p>
+                  </a:txBody>
+                  <a:tcPr>
+                    <a:lnL w="6350" cap="flat" cmpd="sng" algn="ctr">
+                      <a:solidFill>
+                        <a:schemeClr val="tx2"/>
+                      </a:solidFill>
+                      <a:prstDash val="solid"/>
+                      <a:round/>
+                      <a:headEnd type="none" w="med" len="med"/>
+                      <a:tailEnd type="none" w="med" len="med"/>
+                    </a:lnL>
+                    <a:lnR w="6350" cap="flat" cmpd="sng" algn="ctr">
+                      <a:solidFill>
+                        <a:schemeClr val="tx2"/>
+                      </a:solidFill>
+                      <a:prstDash val="solid"/>
+                      <a:round/>
+                      <a:headEnd type="none" w="med" len="med"/>
+                      <a:tailEnd type="none" w="med" len="med"/>
+                    </a:lnR>
+                    <a:lnT w="6350" cap="flat" cmpd="sng" algn="ctr">
+                      <a:solidFill>
+                        <a:schemeClr val="tx2"/>
+                      </a:solidFill>
+                      <a:prstDash val="solid"/>
+                      <a:round/>
+                      <a:headEnd type="none" w="med" len="med"/>
+                      <a:tailEnd type="none" w="med" len="med"/>
+                    </a:lnT>
+                    <a:lnB w="6350" cap="flat" cmpd="sng" algn="ctr">
+                      <a:solidFill>
+                        <a:schemeClr val="tx2"/>
+                      </a:solidFill>
+                      <a:prstDash val="solid"/>
+                      <a:round/>
+                      <a:headEnd type="none" w="med" len="med"/>
+                      <a:tailEnd type="none" w="med" len="med"/>
+                    </a:lnB>
+                    <a:lnTlToBr w="12700" cmpd="sng">
+                      <a:noFill/>
+                      <a:prstDash val="solid"/>
+                    </a:lnTlToBr>
+                    <a:lnBlToTr w="12700" cmpd="sng">
+                      <a:noFill/>
+                      <a:prstDash val="solid"/>
+                    </a:lnBlToTr>
+                  </a:tcPr>
+                </a:tc>
+                <a:tc>
+                  <a:txBody>
+                    <a:bodyPr/>
+                    <a:lstStyle/>
+                    <a:p>
+                      <a:pPr algn="ctr"/>
+                      <a:r>
+                        <a:rPr lang="ru-RU" sz="1400" dirty="0" smtClean="0">
+                          <a:solidFill>
+                            <a:schemeClr val="tx1"/>
+                          </a:solidFill>
+                        </a:rPr>
+                        <a:t>1</a:t>
+                      </a:r>
+                      <a:endParaRPr lang="ru-RU" sz="1400" dirty="0">
+                        <a:solidFill>
+                          <a:schemeClr val="tx1"/>
+                        </a:solidFill>
+                      </a:endParaRPr>
+                    </a:p>
+                  </a:txBody>
+                  <a:tcPr>
+                    <a:lnL w="6350" cap="flat" cmpd="sng" algn="ctr">
+                      <a:solidFill>
+                        <a:schemeClr val="tx2"/>
+                      </a:solidFill>
+                      <a:prstDash val="solid"/>
+                      <a:round/>
+                      <a:headEnd type="none" w="med" len="med"/>
+                      <a:tailEnd type="none" w="med" len="med"/>
+                    </a:lnL>
+                    <a:lnR w="6350" cap="flat" cmpd="sng" algn="ctr">
+                      <a:solidFill>
+                        <a:schemeClr val="tx2"/>
+                      </a:solidFill>
+                      <a:prstDash val="solid"/>
+                      <a:round/>
+                      <a:headEnd type="none" w="med" len="med"/>
+                      <a:tailEnd type="none" w="med" len="med"/>
+                    </a:lnR>
+                    <a:lnT w="6350" cap="flat" cmpd="sng" algn="ctr">
+                      <a:solidFill>
+                        <a:schemeClr val="tx2"/>
+                      </a:solidFill>
+                      <a:prstDash val="solid"/>
+                      <a:round/>
+                      <a:headEnd type="none" w="med" len="med"/>
+                      <a:tailEnd type="none" w="med" len="med"/>
+                    </a:lnT>
+                    <a:lnB w="6350" cap="flat" cmpd="sng" algn="ctr">
+                      <a:solidFill>
+                        <a:schemeClr val="tx2"/>
+                      </a:solidFill>
+                      <a:prstDash val="solid"/>
+                      <a:round/>
+                      <a:headEnd type="none" w="med" len="med"/>
+                      <a:tailEnd type="none" w="med" len="med"/>
+                    </a:lnB>
+                    <a:lnTlToBr w="12700" cmpd="sng">
+                      <a:noFill/>
+                      <a:prstDash val="solid"/>
+                    </a:lnTlToBr>
+                    <a:lnBlToTr w="12700" cmpd="sng">
+                      <a:noFill/>
+                      <a:prstDash val="solid"/>
+                    </a:lnBlToTr>
+                  </a:tcPr>
+                </a:tc>
+              </a:tr>
+              <a:tr h="202932">
+                <a:tc>
+                  <a:txBody>
+                    <a:bodyPr/>
+                    <a:lstStyle/>
+                    <a:p>
+                      <a:pPr algn="ctr"/>
+                      <a:r>
+                        <a:rPr lang="ru-RU" sz="1400" dirty="0" smtClean="0">
+                          <a:solidFill>
+                            <a:schemeClr val="tx1"/>
+                          </a:solidFill>
+                        </a:rPr>
+                        <a:t>0</a:t>
+                      </a:r>
+                      <a:endParaRPr lang="ru-RU" sz="1400" dirty="0">
+                        <a:solidFill>
+                          <a:schemeClr val="tx1"/>
+                        </a:solidFill>
+                      </a:endParaRPr>
+                    </a:p>
+                  </a:txBody>
+                  <a:tcPr>
+                    <a:lnL w="6350" cap="flat" cmpd="sng" algn="ctr">
+                      <a:solidFill>
+                        <a:schemeClr val="tx2"/>
+                      </a:solidFill>
+                      <a:prstDash val="solid"/>
+                      <a:round/>
+                      <a:headEnd type="none" w="med" len="med"/>
+                      <a:tailEnd type="none" w="med" len="med"/>
+                    </a:lnL>
+                    <a:lnR w="6350" cap="flat" cmpd="sng" algn="ctr">
+                      <a:solidFill>
+                        <a:schemeClr val="tx2"/>
+                      </a:solidFill>
+                      <a:prstDash val="solid"/>
+                      <a:round/>
+                      <a:headEnd type="none" w="med" len="med"/>
+                      <a:tailEnd type="none" w="med" len="med"/>
+                    </a:lnR>
+                    <a:lnT w="6350" cap="flat" cmpd="sng" algn="ctr">
+                      <a:solidFill>
+                        <a:schemeClr val="tx2"/>
+                      </a:solidFill>
+                      <a:prstDash val="solid"/>
+                      <a:round/>
+                      <a:headEnd type="none" w="med" len="med"/>
+                      <a:tailEnd type="none" w="med" len="med"/>
+                    </a:lnT>
+                    <a:lnB w="6350" cap="flat" cmpd="sng" algn="ctr">
+                      <a:solidFill>
+                        <a:schemeClr val="tx2"/>
+                      </a:solidFill>
+                      <a:prstDash val="solid"/>
+                      <a:round/>
+                      <a:headEnd type="none" w="med" len="med"/>
+                      <a:tailEnd type="none" w="med" len="med"/>
+                    </a:lnB>
+                    <a:lnTlToBr w="12700" cmpd="sng">
+                      <a:noFill/>
+                      <a:prstDash val="solid"/>
+                    </a:lnTlToBr>
+                    <a:lnBlToTr w="12700" cmpd="sng">
+                      <a:noFill/>
+                      <a:prstDash val="solid"/>
+                    </a:lnBlToTr>
+                  </a:tcPr>
+                </a:tc>
+                <a:tc>
+                  <a:txBody>
+                    <a:bodyPr/>
+                    <a:lstStyle/>
+                    <a:p>
+                      <a:pPr algn="ctr"/>
+                      <a:r>
+                        <a:rPr lang="ru-RU" sz="1400" dirty="0" smtClean="0">
+                          <a:solidFill>
+                            <a:schemeClr val="tx1"/>
+                          </a:solidFill>
+                        </a:rPr>
+                        <a:t>0</a:t>
+                      </a:r>
+                      <a:endParaRPr lang="ru-RU" sz="1400" dirty="0">
+                        <a:solidFill>
+                          <a:schemeClr val="tx1"/>
+                        </a:solidFill>
+                      </a:endParaRPr>
+                    </a:p>
+                  </a:txBody>
+                  <a:tcPr>
+                    <a:lnL w="6350" cap="flat" cmpd="sng" algn="ctr">
+                      <a:solidFill>
+                        <a:schemeClr val="tx2"/>
+                      </a:solidFill>
+                      <a:prstDash val="solid"/>
+                      <a:round/>
+                      <a:headEnd type="none" w="med" len="med"/>
+                      <a:tailEnd type="none" w="med" len="med"/>
+                    </a:lnL>
+                    <a:lnR w="6350" cap="flat" cmpd="sng" algn="ctr">
+                      <a:solidFill>
+                        <a:schemeClr val="tx2"/>
+                      </a:solidFill>
+                      <a:prstDash val="solid"/>
+                      <a:round/>
+                      <a:headEnd type="none" w="med" len="med"/>
+                      <a:tailEnd type="none" w="med" len="med"/>
+                    </a:lnR>
+                    <a:lnT w="6350" cap="flat" cmpd="sng" algn="ctr">
+                      <a:solidFill>
+                        <a:schemeClr val="tx2"/>
+                      </a:solidFill>
+                      <a:prstDash val="solid"/>
+                      <a:round/>
+                      <a:headEnd type="none" w="med" len="med"/>
+                      <a:tailEnd type="none" w="med" len="med"/>
+                    </a:lnT>
+                    <a:lnB w="6350" cap="flat" cmpd="sng" algn="ctr">
+                      <a:solidFill>
+                        <a:schemeClr val="tx2"/>
+                      </a:solidFill>
+                      <a:prstDash val="solid"/>
+                      <a:round/>
+                      <a:headEnd type="none" w="med" len="med"/>
+                      <a:tailEnd type="none" w="med" len="med"/>
+                    </a:lnB>
+                    <a:lnTlToBr w="12700" cmpd="sng">
+                      <a:noFill/>
+                      <a:prstDash val="solid"/>
+                    </a:lnTlToBr>
+                    <a:lnBlToTr w="12700" cmpd="sng">
+                      <a:noFill/>
+                      <a:prstDash val="solid"/>
+                    </a:lnBlToTr>
+                  </a:tcPr>
+                </a:tc>
+                <a:tc>
+                  <a:txBody>
+                    <a:bodyPr/>
+                    <a:lstStyle/>
+                    <a:p>
+                      <a:pPr algn="ctr"/>
+                      <a:r>
+                        <a:rPr lang="ru-RU" sz="1400" dirty="0" smtClean="0">
+                          <a:solidFill>
+                            <a:schemeClr val="tx1"/>
+                          </a:solidFill>
+                        </a:rPr>
+                        <a:t>0</a:t>
+                      </a:r>
+                      <a:endParaRPr lang="ru-RU" sz="1400" dirty="0">
+                        <a:solidFill>
+                          <a:schemeClr val="tx1"/>
+                        </a:solidFill>
+                      </a:endParaRPr>
+                    </a:p>
+                  </a:txBody>
+                  <a:tcPr>
+                    <a:lnL w="6350" cap="flat" cmpd="sng" algn="ctr">
+                      <a:solidFill>
+                        <a:schemeClr val="tx2"/>
+                      </a:solidFill>
+                      <a:prstDash val="solid"/>
+                      <a:round/>
+                      <a:headEnd type="none" w="med" len="med"/>
+                      <a:tailEnd type="none" w="med" len="med"/>
+                    </a:lnL>
+                    <a:lnR w="6350" cap="flat" cmpd="sng" algn="ctr">
+                      <a:solidFill>
+                        <a:schemeClr val="tx2"/>
+                      </a:solidFill>
+                      <a:prstDash val="solid"/>
+                      <a:round/>
+                      <a:headEnd type="none" w="med" len="med"/>
+                      <a:tailEnd type="none" w="med" len="med"/>
+                    </a:lnR>
+                    <a:lnT w="6350" cap="flat" cmpd="sng" algn="ctr">
+                      <a:solidFill>
+                        <a:schemeClr val="tx2"/>
+                      </a:solidFill>
+                      <a:prstDash val="solid"/>
+                      <a:round/>
+                      <a:headEnd type="none" w="med" len="med"/>
+                      <a:tailEnd type="none" w="med" len="med"/>
+                    </a:lnT>
+                    <a:lnB w="6350" cap="flat" cmpd="sng" algn="ctr">
+                      <a:solidFill>
+                        <a:schemeClr val="tx2"/>
+                      </a:solidFill>
+                      <a:prstDash val="solid"/>
+                      <a:round/>
+                      <a:headEnd type="none" w="med" len="med"/>
+                      <a:tailEnd type="none" w="med" len="med"/>
+                    </a:lnB>
+                    <a:lnTlToBr w="12700" cmpd="sng">
+                      <a:noFill/>
+                      <a:prstDash val="solid"/>
+                    </a:lnTlToBr>
+                    <a:lnBlToTr w="12700" cmpd="sng">
+                      <a:noFill/>
+                      <a:prstDash val="solid"/>
+                    </a:lnBlToTr>
+                  </a:tcPr>
+                </a:tc>
+                <a:tc>
+                  <a:txBody>
+                    <a:bodyPr/>
+                    <a:lstStyle/>
+                    <a:p>
+                      <a:pPr algn="ctr"/>
+                      <a:r>
+                        <a:rPr lang="ru-RU" sz="1400" dirty="0" smtClean="0">
+                          <a:solidFill>
+                            <a:schemeClr val="tx1"/>
+                          </a:solidFill>
+                        </a:rPr>
+                        <a:t>1</a:t>
+                      </a:r>
+                      <a:endParaRPr lang="ru-RU" sz="1400" dirty="0">
+                        <a:solidFill>
+                          <a:schemeClr val="tx1"/>
+                        </a:solidFill>
+                      </a:endParaRPr>
+                    </a:p>
+                  </a:txBody>
+                  <a:tcPr>
+                    <a:lnL w="6350" cap="flat" cmpd="sng" algn="ctr">
+                      <a:solidFill>
+                        <a:schemeClr val="tx2"/>
+                      </a:solidFill>
+                      <a:prstDash val="solid"/>
+                      <a:round/>
+                      <a:headEnd type="none" w="med" len="med"/>
+                      <a:tailEnd type="none" w="med" len="med"/>
+                    </a:lnL>
+                    <a:lnR w="6350" cap="flat" cmpd="sng" algn="ctr">
+                      <a:solidFill>
+                        <a:schemeClr val="tx2"/>
+                      </a:solidFill>
+                      <a:prstDash val="solid"/>
+                      <a:round/>
+                      <a:headEnd type="none" w="med" len="med"/>
+                      <a:tailEnd type="none" w="med" len="med"/>
+                    </a:lnR>
+                    <a:lnT w="6350" cap="flat" cmpd="sng" algn="ctr">
+                      <a:solidFill>
+                        <a:schemeClr val="tx2"/>
+                      </a:solidFill>
+                      <a:prstDash val="solid"/>
+                      <a:round/>
+                      <a:headEnd type="none" w="med" len="med"/>
+                      <a:tailEnd type="none" w="med" len="med"/>
+                    </a:lnT>
+                    <a:lnB w="6350" cap="flat" cmpd="sng" algn="ctr">
+                      <a:solidFill>
+                        <a:schemeClr val="tx2"/>
+                      </a:solidFill>
+                      <a:prstDash val="solid"/>
+                      <a:round/>
+                      <a:headEnd type="none" w="med" len="med"/>
+                      <a:tailEnd type="none" w="med" len="med"/>
+                    </a:lnB>
+                    <a:lnTlToBr w="12700" cmpd="sng">
+                      <a:noFill/>
+                      <a:prstDash val="solid"/>
+                    </a:lnTlToBr>
+                    <a:lnBlToTr w="12700" cmpd="sng">
+                      <a:noFill/>
+                      <a:prstDash val="solid"/>
+                    </a:lnBlToTr>
+                  </a:tcPr>
+                </a:tc>
+              </a:tr>
+              <a:tr h="202932">
+                <a:tc>
+                  <a:txBody>
+                    <a:bodyPr/>
+                    <a:lstStyle/>
+                    <a:p>
+                      <a:pPr algn="ctr"/>
+                      <a:r>
+                        <a:rPr lang="ru-RU" sz="1400" dirty="0" smtClean="0">
+                          <a:solidFill>
+                            <a:schemeClr val="tx1"/>
+                          </a:solidFill>
+                        </a:rPr>
+                        <a:t>0</a:t>
+                      </a:r>
+                      <a:endParaRPr lang="ru-RU" sz="1400" dirty="0">
+                        <a:solidFill>
+                          <a:schemeClr val="tx1"/>
+                        </a:solidFill>
+                      </a:endParaRPr>
+                    </a:p>
+                  </a:txBody>
+                  <a:tcPr>
+                    <a:lnL w="6350" cap="flat" cmpd="sng" algn="ctr">
+                      <a:solidFill>
+                        <a:schemeClr val="tx2"/>
+                      </a:solidFill>
+                      <a:prstDash val="solid"/>
+                      <a:round/>
+                      <a:headEnd type="none" w="med" len="med"/>
+                      <a:tailEnd type="none" w="med" len="med"/>
+                    </a:lnL>
+                    <a:lnR w="6350" cap="flat" cmpd="sng" algn="ctr">
+                      <a:solidFill>
+                        <a:schemeClr val="tx2"/>
+                      </a:solidFill>
+                      <a:prstDash val="solid"/>
+                      <a:round/>
+                      <a:headEnd type="none" w="med" len="med"/>
+                      <a:tailEnd type="none" w="med" len="med"/>
+                    </a:lnR>
+                    <a:lnT w="6350" cap="flat" cmpd="sng" algn="ctr">
+                      <a:solidFill>
+                        <a:schemeClr val="tx2"/>
+                      </a:solidFill>
+                      <a:prstDash val="solid"/>
+                      <a:round/>
+                      <a:headEnd type="none" w="med" len="med"/>
+                      <a:tailEnd type="none" w="med" len="med"/>
+                    </a:lnT>
+                    <a:lnB w="6350" cap="flat" cmpd="sng" algn="ctr">
+                      <a:solidFill>
+                        <a:schemeClr val="tx2"/>
+                      </a:solidFill>
+                      <a:prstDash val="solid"/>
+                      <a:round/>
+                      <a:headEnd type="none" w="med" len="med"/>
+                      <a:tailEnd type="none" w="med" len="med"/>
+                    </a:lnB>
+                    <a:lnTlToBr w="12700" cmpd="sng">
+                      <a:noFill/>
+                      <a:prstDash val="solid"/>
+                    </a:lnTlToBr>
+                    <a:lnBlToTr w="12700" cmpd="sng">
+                      <a:noFill/>
+                      <a:prstDash val="solid"/>
+                    </a:lnBlToTr>
+                  </a:tcPr>
+                </a:tc>
+                <a:tc>
+                  <a:txBody>
+                    <a:bodyPr/>
+                    <a:lstStyle/>
+                    <a:p>
+                      <a:pPr algn="ctr"/>
+                      <a:r>
+                        <a:rPr lang="ru-RU" sz="1400" dirty="0" smtClean="0">
+                          <a:solidFill>
+                            <a:schemeClr val="tx1"/>
+                          </a:solidFill>
+                        </a:rPr>
+                        <a:t>0</a:t>
+                      </a:r>
+                      <a:endParaRPr lang="ru-RU" sz="1400" dirty="0">
+                        <a:solidFill>
+                          <a:schemeClr val="tx1"/>
+                        </a:solidFill>
+                      </a:endParaRPr>
+                    </a:p>
+                  </a:txBody>
+                  <a:tcPr>
+                    <a:lnL w="6350" cap="flat" cmpd="sng" algn="ctr">
+                      <a:solidFill>
+                        <a:schemeClr val="tx2"/>
+                      </a:solidFill>
+                      <a:prstDash val="solid"/>
+                      <a:round/>
+                      <a:headEnd type="none" w="med" len="med"/>
+                      <a:tailEnd type="none" w="med" len="med"/>
+                    </a:lnL>
+                    <a:lnR w="6350" cap="flat" cmpd="sng" algn="ctr">
+                      <a:solidFill>
+                        <a:schemeClr val="tx2"/>
+                      </a:solidFill>
+                      <a:prstDash val="solid"/>
+                      <a:round/>
+                      <a:headEnd type="none" w="med" len="med"/>
+                      <a:tailEnd type="none" w="med" len="med"/>
+                    </a:lnR>
+                    <a:lnT w="6350" cap="flat" cmpd="sng" algn="ctr">
+                      <a:solidFill>
+                        <a:schemeClr val="tx2"/>
+                      </a:solidFill>
+                      <a:prstDash val="solid"/>
+                      <a:round/>
+                      <a:headEnd type="none" w="med" len="med"/>
+                      <a:tailEnd type="none" w="med" len="med"/>
+                    </a:lnT>
+                    <a:lnB w="6350" cap="flat" cmpd="sng" algn="ctr">
+                      <a:solidFill>
+                        <a:schemeClr val="tx2"/>
+                      </a:solidFill>
+                      <a:prstDash val="solid"/>
+                      <a:round/>
+                      <a:headEnd type="none" w="med" len="med"/>
+                      <a:tailEnd type="none" w="med" len="med"/>
+                    </a:lnB>
+                    <a:lnTlToBr w="12700" cmpd="sng">
+                      <a:noFill/>
+                      <a:prstDash val="solid"/>
+                    </a:lnTlToBr>
+                    <a:lnBlToTr w="12700" cmpd="sng">
+                      <a:noFill/>
+                      <a:prstDash val="solid"/>
+                    </a:lnBlToTr>
+                  </a:tcPr>
+                </a:tc>
+                <a:tc>
+                  <a:txBody>
+                    <a:bodyPr/>
+                    <a:lstStyle/>
+                    <a:p>
+                      <a:pPr algn="ctr"/>
+                      <a:r>
+                        <a:rPr lang="ru-RU" sz="1400" dirty="0" smtClean="0">
+                          <a:solidFill>
+                            <a:schemeClr val="tx1"/>
+                          </a:solidFill>
+                        </a:rPr>
+                        <a:t>1</a:t>
+                      </a:r>
+                      <a:endParaRPr lang="ru-RU" sz="1400" dirty="0">
+                        <a:solidFill>
+                          <a:schemeClr val="tx1"/>
+                        </a:solidFill>
+                      </a:endParaRPr>
+                    </a:p>
+                  </a:txBody>
+                  <a:tcPr>
+                    <a:lnL w="6350" cap="flat" cmpd="sng" algn="ctr">
+                      <a:solidFill>
+                        <a:schemeClr val="tx2"/>
+                      </a:solidFill>
+                      <a:prstDash val="solid"/>
+                      <a:round/>
+                      <a:headEnd type="none" w="med" len="med"/>
+                      <a:tailEnd type="none" w="med" len="med"/>
+                    </a:lnL>
+                    <a:lnR w="6350" cap="flat" cmpd="sng" algn="ctr">
+                      <a:solidFill>
+                        <a:schemeClr val="tx2"/>
+                      </a:solidFill>
+                      <a:prstDash val="solid"/>
+                      <a:round/>
+                      <a:headEnd type="none" w="med" len="med"/>
+                      <a:tailEnd type="none" w="med" len="med"/>
+                    </a:lnR>
+                    <a:lnT w="6350" cap="flat" cmpd="sng" algn="ctr">
+                      <a:solidFill>
+                        <a:schemeClr val="tx2"/>
+                      </a:solidFill>
+                      <a:prstDash val="solid"/>
+                      <a:round/>
+                      <a:headEnd type="none" w="med" len="med"/>
+                      <a:tailEnd type="none" w="med" len="med"/>
+                    </a:lnT>
+                    <a:lnB w="6350" cap="flat" cmpd="sng" algn="ctr">
+                      <a:solidFill>
+                        <a:schemeClr val="tx2"/>
+                      </a:solidFill>
+                      <a:prstDash val="solid"/>
+                      <a:round/>
+                      <a:headEnd type="none" w="med" len="med"/>
+                      <a:tailEnd type="none" w="med" len="med"/>
+                    </a:lnB>
+                    <a:lnTlToBr w="12700" cmpd="sng">
+                      <a:noFill/>
+                      <a:prstDash val="solid"/>
+                    </a:lnTlToBr>
+                    <a:lnBlToTr w="12700" cmpd="sng">
+                      <a:noFill/>
+                      <a:prstDash val="solid"/>
+                    </a:lnBlToTr>
+                  </a:tcPr>
+                </a:tc>
+                <a:tc>
+                  <a:txBody>
+                    <a:bodyPr/>
+                    <a:lstStyle/>
+                    <a:p>
+                      <a:pPr algn="ctr"/>
+                      <a:r>
+                        <a:rPr lang="ru-RU" sz="1400" dirty="0" smtClean="0">
+                          <a:solidFill>
+                            <a:schemeClr val="tx1"/>
+                          </a:solidFill>
+                        </a:rPr>
+                        <a:t>1</a:t>
+                      </a:r>
+                      <a:endParaRPr lang="ru-RU" sz="1400" dirty="0">
+                        <a:solidFill>
+                          <a:schemeClr val="tx1"/>
+                        </a:solidFill>
+                      </a:endParaRPr>
+                    </a:p>
+                  </a:txBody>
+                  <a:tcPr>
+                    <a:lnL w="6350" cap="flat" cmpd="sng" algn="ctr">
+                      <a:solidFill>
+                        <a:schemeClr val="tx2"/>
+                      </a:solidFill>
+                      <a:prstDash val="solid"/>
+                      <a:round/>
+                      <a:headEnd type="none" w="med" len="med"/>
+                      <a:tailEnd type="none" w="med" len="med"/>
+                    </a:lnL>
+                    <a:lnR w="6350" cap="flat" cmpd="sng" algn="ctr">
+                      <a:solidFill>
+                        <a:schemeClr val="tx2"/>
+                      </a:solidFill>
+                      <a:prstDash val="solid"/>
+                      <a:round/>
+                      <a:headEnd type="none" w="med" len="med"/>
+                      <a:tailEnd type="none" w="med" len="med"/>
+                    </a:lnR>
+                    <a:lnT w="6350" cap="flat" cmpd="sng" algn="ctr">
+                      <a:solidFill>
+                        <a:schemeClr val="tx2"/>
+                      </a:solidFill>
+                      <a:prstDash val="solid"/>
+                      <a:round/>
+                      <a:headEnd type="none" w="med" len="med"/>
+                      <a:tailEnd type="none" w="med" len="med"/>
+                    </a:lnT>
+                    <a:lnB w="6350" cap="flat" cmpd="sng" algn="ctr">
+                      <a:solidFill>
+                        <a:schemeClr val="tx2"/>
+                      </a:solidFill>
+                      <a:prstDash val="solid"/>
+                      <a:round/>
+                      <a:headEnd type="none" w="med" len="med"/>
+                      <a:tailEnd type="none" w="med" len="med"/>
+                    </a:lnB>
+                    <a:lnTlToBr w="12700" cmpd="sng">
+                      <a:noFill/>
+                      <a:prstDash val="solid"/>
+                    </a:lnTlToBr>
+                    <a:lnBlToTr w="12700" cmpd="sng">
+                      <a:noFill/>
+                      <a:prstDash val="solid"/>
+                    </a:lnBlToTr>
+                  </a:tcPr>
+                </a:tc>
+              </a:tr>
+              <a:tr h="202932">
+                <a:tc>
+                  <a:txBody>
+                    <a:bodyPr/>
+                    <a:lstStyle/>
+                    <a:p>
+                      <a:pPr algn="ctr"/>
+                      <a:r>
+                        <a:rPr lang="ru-RU" sz="1400" dirty="0" smtClean="0">
+                          <a:solidFill>
+                            <a:schemeClr val="tx1"/>
+                          </a:solidFill>
+                        </a:rPr>
+                        <a:t>0</a:t>
+                      </a:r>
+                      <a:endParaRPr lang="ru-RU" sz="1400" dirty="0">
+                        <a:solidFill>
+                          <a:schemeClr val="tx1"/>
+                        </a:solidFill>
+                      </a:endParaRPr>
+                    </a:p>
+                  </a:txBody>
+                  <a:tcPr>
+                    <a:lnL w="6350" cap="flat" cmpd="sng" algn="ctr">
+                      <a:solidFill>
+                        <a:schemeClr val="tx2"/>
+                      </a:solidFill>
+                      <a:prstDash val="solid"/>
+                      <a:round/>
+                      <a:headEnd type="none" w="med" len="med"/>
+                      <a:tailEnd type="none" w="med" len="med"/>
+                    </a:lnL>
+                    <a:lnR w="6350" cap="flat" cmpd="sng" algn="ctr">
+                      <a:solidFill>
+                        <a:schemeClr val="tx2"/>
+                      </a:solidFill>
+                      <a:prstDash val="solid"/>
+                      <a:round/>
+                      <a:headEnd type="none" w="med" len="med"/>
+                      <a:tailEnd type="none" w="med" len="med"/>
+                    </a:lnR>
+                    <a:lnT w="6350" cap="flat" cmpd="sng" algn="ctr">
+                      <a:solidFill>
+                        <a:schemeClr val="tx2"/>
+                      </a:solidFill>
+                      <a:prstDash val="solid"/>
+                      <a:round/>
+                      <a:headEnd type="none" w="med" len="med"/>
+                      <a:tailEnd type="none" w="med" len="med"/>
+                    </a:lnT>
+                    <a:lnB w="6350" cap="flat" cmpd="sng" algn="ctr">
+                      <a:solidFill>
+                        <a:schemeClr val="tx2"/>
+                      </a:solidFill>
+                      <a:prstDash val="solid"/>
+                      <a:round/>
+                      <a:headEnd type="none" w="med" len="med"/>
+                      <a:tailEnd type="none" w="med" len="med"/>
+                    </a:lnB>
+                    <a:lnTlToBr w="12700" cmpd="sng">
+                      <a:noFill/>
+                      <a:prstDash val="solid"/>
+                    </a:lnTlToBr>
+                    <a:lnBlToTr w="12700" cmpd="sng">
+                      <a:noFill/>
+                      <a:prstDash val="solid"/>
+                    </a:lnBlToTr>
+                  </a:tcPr>
+                </a:tc>
+                <a:tc>
+                  <a:txBody>
+                    <a:bodyPr/>
+                    <a:lstStyle/>
+                    <a:p>
+                      <a:pPr algn="ctr"/>
+                      <a:r>
+                        <a:rPr lang="ru-RU" sz="1400" dirty="0" smtClean="0">
+                          <a:solidFill>
+                            <a:schemeClr val="tx1"/>
+                          </a:solidFill>
+                        </a:rPr>
+                        <a:t>0</a:t>
+                      </a:r>
+                      <a:endParaRPr lang="ru-RU" sz="1400" dirty="0">
+                        <a:solidFill>
+                          <a:schemeClr val="tx1"/>
+                        </a:solidFill>
+                      </a:endParaRPr>
+                    </a:p>
+                  </a:txBody>
+                  <a:tcPr>
+                    <a:lnL w="6350" cap="flat" cmpd="sng" algn="ctr">
+                      <a:solidFill>
+                        <a:schemeClr val="tx2"/>
+                      </a:solidFill>
+                      <a:prstDash val="solid"/>
+                      <a:round/>
+                      <a:headEnd type="none" w="med" len="med"/>
+                      <a:tailEnd type="none" w="med" len="med"/>
+                    </a:lnL>
+                    <a:lnR w="6350" cap="flat" cmpd="sng" algn="ctr">
+                      <a:solidFill>
+                        <a:schemeClr val="tx2"/>
+                      </a:solidFill>
+                      <a:prstDash val="solid"/>
+                      <a:round/>
+                      <a:headEnd type="none" w="med" len="med"/>
+                      <a:tailEnd type="none" w="med" len="med"/>
+                    </a:lnR>
+                    <a:lnT w="6350" cap="flat" cmpd="sng" algn="ctr">
+                      <a:solidFill>
+                        <a:schemeClr val="tx2"/>
+                      </a:solidFill>
+                      <a:prstDash val="solid"/>
+                      <a:round/>
+                      <a:headEnd type="none" w="med" len="med"/>
+                      <a:tailEnd type="none" w="med" len="med"/>
+                    </a:lnT>
+                    <a:lnB w="6350" cap="flat" cmpd="sng" algn="ctr">
+                      <a:solidFill>
+                        <a:schemeClr val="tx2"/>
+                      </a:solidFill>
+                      <a:prstDash val="solid"/>
+                      <a:round/>
+                      <a:headEnd type="none" w="med" len="med"/>
+                      <a:tailEnd type="none" w="med" len="med"/>
+                    </a:lnB>
+                    <a:lnTlToBr w="12700" cmpd="sng">
+                      <a:noFill/>
+                      <a:prstDash val="solid"/>
+                    </a:lnTlToBr>
+                    <a:lnBlToTr w="12700" cmpd="sng">
+                      <a:noFill/>
+                      <a:prstDash val="solid"/>
+                    </a:lnBlToTr>
+                  </a:tcPr>
+                </a:tc>
+                <a:tc>
+                  <a:txBody>
+                    <a:bodyPr/>
+                    <a:lstStyle/>
+                    <a:p>
+                      <a:pPr algn="ctr"/>
+                      <a:r>
+                        <a:rPr lang="ru-RU" sz="1400" dirty="0" smtClean="0">
+                          <a:solidFill>
+                            <a:schemeClr val="tx1"/>
+                          </a:solidFill>
+                        </a:rPr>
+                        <a:t>1</a:t>
+                      </a:r>
+                      <a:endParaRPr lang="ru-RU" sz="1400" dirty="0">
+                        <a:solidFill>
+                          <a:schemeClr val="tx1"/>
+                        </a:solidFill>
+                      </a:endParaRPr>
+                    </a:p>
+                  </a:txBody>
+                  <a:tcPr>
+                    <a:lnL w="6350" cap="flat" cmpd="sng" algn="ctr">
+                      <a:solidFill>
+                        <a:schemeClr val="tx2"/>
+                      </a:solidFill>
+                      <a:prstDash val="solid"/>
+                      <a:round/>
+                      <a:headEnd type="none" w="med" len="med"/>
+                      <a:tailEnd type="none" w="med" len="med"/>
+                    </a:lnL>
+                    <a:lnR w="6350" cap="flat" cmpd="sng" algn="ctr">
+                      <a:solidFill>
+                        <a:schemeClr val="tx2"/>
+                      </a:solidFill>
+                      <a:prstDash val="solid"/>
+                      <a:round/>
+                      <a:headEnd type="none" w="med" len="med"/>
+                      <a:tailEnd type="none" w="med" len="med"/>
+                    </a:lnR>
+                    <a:lnT w="6350" cap="flat" cmpd="sng" algn="ctr">
+                      <a:solidFill>
+                        <a:schemeClr val="tx2"/>
+                      </a:solidFill>
+                      <a:prstDash val="solid"/>
+                      <a:round/>
+                      <a:headEnd type="none" w="med" len="med"/>
+                      <a:tailEnd type="none" w="med" len="med"/>
+                    </a:lnT>
+                    <a:lnB w="6350" cap="flat" cmpd="sng" algn="ctr">
+                      <a:solidFill>
+                        <a:schemeClr val="tx2"/>
+                      </a:solidFill>
+                      <a:prstDash val="solid"/>
+                      <a:round/>
+                      <a:headEnd type="none" w="med" len="med"/>
+                      <a:tailEnd type="none" w="med" len="med"/>
+                    </a:lnB>
+                    <a:lnTlToBr w="12700" cmpd="sng">
+                      <a:noFill/>
+                      <a:prstDash val="solid"/>
+                    </a:lnTlToBr>
+                    <a:lnBlToTr w="12700" cmpd="sng">
+                      <a:noFill/>
+                      <a:prstDash val="solid"/>
+                    </a:lnBlToTr>
+                  </a:tcPr>
+                </a:tc>
+                <a:tc>
+                  <a:txBody>
+                    <a:bodyPr/>
+                    <a:lstStyle/>
+                    <a:p>
+                      <a:pPr algn="ctr"/>
+                      <a:r>
+                        <a:rPr lang="ru-RU" sz="1400" dirty="0" smtClean="0">
+                          <a:solidFill>
+                            <a:schemeClr val="tx1"/>
+                          </a:solidFill>
+                        </a:rPr>
+                        <a:t>0</a:t>
+                      </a:r>
+                      <a:endParaRPr lang="ru-RU" sz="1400" dirty="0">
+                        <a:solidFill>
+                          <a:schemeClr val="tx1"/>
+                        </a:solidFill>
+                      </a:endParaRPr>
+                    </a:p>
+                  </a:txBody>
+                  <a:tcPr>
+                    <a:lnL w="6350" cap="flat" cmpd="sng" algn="ctr">
+                      <a:solidFill>
+                        <a:schemeClr val="tx2"/>
+                      </a:solidFill>
+                      <a:prstDash val="solid"/>
+                      <a:round/>
+                      <a:headEnd type="none" w="med" len="med"/>
+                      <a:tailEnd type="none" w="med" len="med"/>
+                    </a:lnL>
+                    <a:lnR w="6350" cap="flat" cmpd="sng" algn="ctr">
+                      <a:solidFill>
+                        <a:schemeClr val="tx2"/>
+                      </a:solidFill>
+                      <a:prstDash val="solid"/>
+                      <a:round/>
+                      <a:headEnd type="none" w="med" len="med"/>
+                      <a:tailEnd type="none" w="med" len="med"/>
+                    </a:lnR>
+                    <a:lnT w="6350" cap="flat" cmpd="sng" algn="ctr">
+                      <a:solidFill>
+                        <a:schemeClr val="tx2"/>
+                      </a:solidFill>
+                      <a:prstDash val="solid"/>
+                      <a:round/>
+                      <a:headEnd type="none" w="med" len="med"/>
+                      <a:tailEnd type="none" w="med" len="med"/>
+                    </a:lnT>
+                    <a:lnB w="6350" cap="flat" cmpd="sng" algn="ctr">
+                      <a:solidFill>
+                        <a:schemeClr val="tx2"/>
+                      </a:solidFill>
+                      <a:prstDash val="solid"/>
+                      <a:round/>
+                      <a:headEnd type="none" w="med" len="med"/>
+                      <a:tailEnd type="none" w="med" len="med"/>
+                    </a:lnB>
+                    <a:lnTlToBr w="12700" cmpd="sng">
+                      <a:noFill/>
+                      <a:prstDash val="solid"/>
+                    </a:lnTlToBr>
+                    <a:lnBlToTr w="12700" cmpd="sng">
+                      <a:noFill/>
+                      <a:prstDash val="solid"/>
+                    </a:lnBlToTr>
+                  </a:tcPr>
+                </a:tc>
+              </a:tr>
+              <a:tr h="202932">
+                <a:tc>
+                  <a:txBody>
+                    <a:bodyPr/>
+                    <a:lstStyle/>
+                    <a:p>
+                      <a:pPr algn="ctr"/>
+                      <a:r>
+                        <a:rPr lang="ru-RU" sz="1400" dirty="0" smtClean="0">
+                          <a:solidFill>
+                            <a:schemeClr val="tx1"/>
+                          </a:solidFill>
+                        </a:rPr>
+                        <a:t>1</a:t>
+                      </a:r>
+                      <a:endParaRPr lang="ru-RU" sz="1400" dirty="0">
+                        <a:solidFill>
+                          <a:schemeClr val="tx1"/>
+                        </a:solidFill>
+                      </a:endParaRPr>
+                    </a:p>
+                  </a:txBody>
+                  <a:tcPr>
+                    <a:lnL w="6350" cap="flat" cmpd="sng" algn="ctr">
+                      <a:solidFill>
+                        <a:schemeClr val="tx2"/>
+                      </a:solidFill>
+                      <a:prstDash val="solid"/>
+                      <a:round/>
+                      <a:headEnd type="none" w="med" len="med"/>
+                      <a:tailEnd type="none" w="med" len="med"/>
+                    </a:lnL>
+                    <a:lnR w="6350" cap="flat" cmpd="sng" algn="ctr">
+                      <a:solidFill>
+                        <a:schemeClr val="tx2"/>
+                      </a:solidFill>
+                      <a:prstDash val="solid"/>
+                      <a:round/>
+                      <a:headEnd type="none" w="med" len="med"/>
+                      <a:tailEnd type="none" w="med" len="med"/>
+                    </a:lnR>
+                    <a:lnT w="6350" cap="flat" cmpd="sng" algn="ctr">
+                      <a:solidFill>
+                        <a:schemeClr val="tx2"/>
+                      </a:solidFill>
+                      <a:prstDash val="solid"/>
+                      <a:round/>
+                      <a:headEnd type="none" w="med" len="med"/>
+                      <a:tailEnd type="none" w="med" len="med"/>
+                    </a:lnT>
+                    <a:lnB w="6350" cap="flat" cmpd="sng" algn="ctr">
+                      <a:solidFill>
+                        <a:schemeClr val="tx2"/>
+                      </a:solidFill>
+                      <a:prstDash val="solid"/>
+                      <a:round/>
+                      <a:headEnd type="none" w="med" len="med"/>
+                      <a:tailEnd type="none" w="med" len="med"/>
+                    </a:lnB>
+                    <a:lnTlToBr w="12700" cmpd="sng">
+                      <a:noFill/>
+                      <a:prstDash val="solid"/>
+                    </a:lnTlToBr>
+                    <a:lnBlToTr w="12700" cmpd="sng">
+                      <a:noFill/>
+                      <a:prstDash val="solid"/>
+                    </a:lnBlToTr>
+                  </a:tcPr>
+                </a:tc>
+                <a:tc>
+                  <a:txBody>
+                    <a:bodyPr/>
+                    <a:lstStyle/>
+                    <a:p>
+                      <a:pPr algn="ctr"/>
+                      <a:r>
+                        <a:rPr lang="ru-RU" sz="1400" dirty="0" smtClean="0">
+                          <a:solidFill>
+                            <a:schemeClr val="tx1"/>
+                          </a:solidFill>
+                        </a:rPr>
+                        <a:t>0</a:t>
+                      </a:r>
+                      <a:endParaRPr lang="ru-RU" sz="1400" dirty="0">
+                        <a:solidFill>
+                          <a:schemeClr val="tx1"/>
+                        </a:solidFill>
+                      </a:endParaRPr>
+                    </a:p>
+                  </a:txBody>
+                  <a:tcPr>
+                    <a:lnL w="6350" cap="flat" cmpd="sng" algn="ctr">
+                      <a:solidFill>
+                        <a:schemeClr val="tx2"/>
+                      </a:solidFill>
+                      <a:prstDash val="solid"/>
+                      <a:round/>
+                      <a:headEnd type="none" w="med" len="med"/>
+                      <a:tailEnd type="none" w="med" len="med"/>
+                    </a:lnL>
+                    <a:lnR w="6350" cap="flat" cmpd="sng" algn="ctr">
+                      <a:solidFill>
+                        <a:schemeClr val="tx2"/>
+                      </a:solidFill>
+                      <a:prstDash val="solid"/>
+                      <a:round/>
+                      <a:headEnd type="none" w="med" len="med"/>
+                      <a:tailEnd type="none" w="med" len="med"/>
+                    </a:lnR>
+                    <a:lnT w="6350" cap="flat" cmpd="sng" algn="ctr">
+                      <a:solidFill>
+                        <a:schemeClr val="tx2"/>
+                      </a:solidFill>
+                      <a:prstDash val="solid"/>
+                      <a:round/>
+                      <a:headEnd type="none" w="med" len="med"/>
+                      <a:tailEnd type="none" w="med" len="med"/>
+                    </a:lnT>
+                    <a:lnB w="6350" cap="flat" cmpd="sng" algn="ctr">
+                      <a:solidFill>
+                        <a:schemeClr val="tx2"/>
+                      </a:solidFill>
+                      <a:prstDash val="solid"/>
+                      <a:round/>
+                      <a:headEnd type="none" w="med" len="med"/>
+                      <a:tailEnd type="none" w="med" len="med"/>
+                    </a:lnB>
+                    <a:lnTlToBr w="12700" cmpd="sng">
+                      <a:noFill/>
+                      <a:prstDash val="solid"/>
+                    </a:lnTlToBr>
+                    <a:lnBlToTr w="12700" cmpd="sng">
+                      <a:noFill/>
+                      <a:prstDash val="solid"/>
+                    </a:lnBlToTr>
+                  </a:tcPr>
+                </a:tc>
+                <a:tc>
+                  <a:txBody>
+                    <a:bodyPr/>
+                    <a:lstStyle/>
+                    <a:p>
+                      <a:pPr algn="ctr"/>
+                      <a:r>
+                        <a:rPr lang="ru-RU" sz="1400" dirty="0" smtClean="0">
+                          <a:solidFill>
+                            <a:schemeClr val="tx1"/>
+                          </a:solidFill>
+                        </a:rPr>
+                        <a:t>1</a:t>
+                      </a:r>
+                      <a:endParaRPr lang="ru-RU" sz="1400" dirty="0">
+                        <a:solidFill>
+                          <a:schemeClr val="tx1"/>
+                        </a:solidFill>
+                      </a:endParaRPr>
+                    </a:p>
+                  </a:txBody>
+                  <a:tcPr>
+                    <a:lnL w="6350" cap="flat" cmpd="sng" algn="ctr">
+                      <a:solidFill>
+                        <a:schemeClr val="tx2"/>
+                      </a:solidFill>
+                      <a:prstDash val="solid"/>
+                      <a:round/>
+                      <a:headEnd type="none" w="med" len="med"/>
+                      <a:tailEnd type="none" w="med" len="med"/>
+                    </a:lnL>
+                    <a:lnR w="6350" cap="flat" cmpd="sng" algn="ctr">
+                      <a:solidFill>
+                        <a:schemeClr val="tx2"/>
+                      </a:solidFill>
+                      <a:prstDash val="solid"/>
+                      <a:round/>
+                      <a:headEnd type="none" w="med" len="med"/>
+                      <a:tailEnd type="none" w="med" len="med"/>
+                    </a:lnR>
+                    <a:lnT w="6350" cap="flat" cmpd="sng" algn="ctr">
+                      <a:solidFill>
+                        <a:schemeClr val="tx2"/>
+                      </a:solidFill>
+                      <a:prstDash val="solid"/>
+                      <a:round/>
+                      <a:headEnd type="none" w="med" len="med"/>
+                      <a:tailEnd type="none" w="med" len="med"/>
+                    </a:lnT>
+                    <a:lnB w="6350" cap="flat" cmpd="sng" algn="ctr">
+                      <a:solidFill>
+                        <a:schemeClr val="tx2"/>
+                      </a:solidFill>
+                      <a:prstDash val="solid"/>
+                      <a:round/>
+                      <a:headEnd type="none" w="med" len="med"/>
+                      <a:tailEnd type="none" w="med" len="med"/>
+                    </a:lnB>
+                    <a:lnTlToBr w="12700" cmpd="sng">
+                      <a:noFill/>
+                      <a:prstDash val="solid"/>
+                    </a:lnTlToBr>
+                    <a:lnBlToTr w="12700" cmpd="sng">
+                      <a:noFill/>
+                      <a:prstDash val="solid"/>
+                    </a:lnBlToTr>
+                  </a:tcPr>
+                </a:tc>
+                <a:tc>
+                  <a:txBody>
+                    <a:bodyPr/>
+                    <a:lstStyle/>
+                    <a:p>
+                      <a:pPr algn="ctr"/>
+                      <a:r>
+                        <a:rPr lang="ru-RU" sz="1400" dirty="0" smtClean="0">
+                          <a:solidFill>
+                            <a:schemeClr val="tx1"/>
+                          </a:solidFill>
+                        </a:rPr>
+                        <a:t>0</a:t>
+                      </a:r>
+                      <a:endParaRPr lang="ru-RU" sz="1400" dirty="0">
+                        <a:solidFill>
+                          <a:schemeClr val="tx1"/>
+                        </a:solidFill>
+                      </a:endParaRPr>
+                    </a:p>
+                  </a:txBody>
+                  <a:tcPr>
+                    <a:lnL w="6350" cap="flat" cmpd="sng" algn="ctr">
+                      <a:solidFill>
+                        <a:schemeClr val="tx2"/>
+                      </a:solidFill>
+                      <a:prstDash val="solid"/>
+                      <a:round/>
+                      <a:headEnd type="none" w="med" len="med"/>
+                      <a:tailEnd type="none" w="med" len="med"/>
+                    </a:lnL>
+                    <a:lnR w="6350" cap="flat" cmpd="sng" algn="ctr">
+                      <a:solidFill>
+                        <a:schemeClr val="tx2"/>
+                      </a:solidFill>
+                      <a:prstDash val="solid"/>
+                      <a:round/>
+                      <a:headEnd type="none" w="med" len="med"/>
+                      <a:tailEnd type="none" w="med" len="med"/>
+                    </a:lnR>
+                    <a:lnT w="6350" cap="flat" cmpd="sng" algn="ctr">
+                      <a:solidFill>
+                        <a:schemeClr val="tx2"/>
+                      </a:solidFill>
+                      <a:prstDash val="solid"/>
+                      <a:round/>
+                      <a:headEnd type="none" w="med" len="med"/>
+                      <a:tailEnd type="none" w="med" len="med"/>
+                    </a:lnT>
+                    <a:lnB w="6350" cap="flat" cmpd="sng" algn="ctr">
+                      <a:solidFill>
+                        <a:schemeClr val="tx2"/>
+                      </a:solidFill>
+                      <a:prstDash val="solid"/>
+                      <a:round/>
+                      <a:headEnd type="none" w="med" len="med"/>
+                      <a:tailEnd type="none" w="med" len="med"/>
+                    </a:lnB>
+                    <a:lnTlToBr w="12700" cmpd="sng">
+                      <a:noFill/>
+                      <a:prstDash val="solid"/>
+                    </a:lnTlToBr>
+                    <a:lnBlToTr w="12700" cmpd="sng">
+                      <a:noFill/>
+                      <a:prstDash val="solid"/>
+                    </a:lnBlToTr>
+                  </a:tcPr>
+                </a:tc>
+              </a:tr>
+              <a:tr h="202932">
+                <a:tc>
+                  <a:txBody>
+                    <a:bodyPr/>
+                    <a:lstStyle/>
+                    <a:p>
+                      <a:pPr algn="ctr"/>
+                      <a:r>
+                        <a:rPr lang="ru-RU" sz="1400" dirty="0" smtClean="0">
+                          <a:solidFill>
+                            <a:schemeClr val="tx1"/>
+                          </a:solidFill>
+                        </a:rPr>
+                        <a:t>0</a:t>
+                      </a:r>
+                      <a:endParaRPr lang="ru-RU" sz="1400" dirty="0">
+                        <a:solidFill>
+                          <a:schemeClr val="tx1"/>
+                        </a:solidFill>
+                      </a:endParaRPr>
+                    </a:p>
+                  </a:txBody>
+                  <a:tcPr>
+                    <a:lnL w="6350" cap="flat" cmpd="sng" algn="ctr">
+                      <a:solidFill>
+                        <a:schemeClr val="tx2"/>
+                      </a:solidFill>
+                      <a:prstDash val="solid"/>
+                      <a:round/>
+                      <a:headEnd type="none" w="med" len="med"/>
+                      <a:tailEnd type="none" w="med" len="med"/>
+                    </a:lnL>
+                    <a:lnR w="6350" cap="flat" cmpd="sng" algn="ctr">
+                      <a:solidFill>
+                        <a:schemeClr val="tx2"/>
+                      </a:solidFill>
+                      <a:prstDash val="solid"/>
+                      <a:round/>
+                      <a:headEnd type="none" w="med" len="med"/>
+                      <a:tailEnd type="none" w="med" len="med"/>
+                    </a:lnR>
+                    <a:lnT w="6350" cap="flat" cmpd="sng" algn="ctr">
+                      <a:solidFill>
+                        <a:schemeClr val="tx2"/>
+                      </a:solidFill>
+                      <a:prstDash val="solid"/>
+                      <a:round/>
+                      <a:headEnd type="none" w="med" len="med"/>
+                      <a:tailEnd type="none" w="med" len="med"/>
+                    </a:lnT>
+                    <a:lnB w="6350" cap="flat" cmpd="sng" algn="ctr">
+                      <a:solidFill>
+                        <a:schemeClr val="tx2"/>
+                      </a:solidFill>
+                      <a:prstDash val="solid"/>
+                      <a:round/>
+                      <a:headEnd type="none" w="med" len="med"/>
+                      <a:tailEnd type="none" w="med" len="med"/>
+                    </a:lnB>
+                    <a:lnTlToBr w="12700" cmpd="sng">
+                      <a:noFill/>
+                      <a:prstDash val="solid"/>
+                    </a:lnTlToBr>
+                    <a:lnBlToTr w="12700" cmpd="sng">
+                      <a:noFill/>
+                      <a:prstDash val="solid"/>
+                    </a:lnBlToTr>
+                  </a:tcPr>
+                </a:tc>
+                <a:tc>
+                  <a:txBody>
+                    <a:bodyPr/>
+                    <a:lstStyle/>
+                    <a:p>
+                      <a:pPr algn="ctr"/>
+                      <a:r>
+                        <a:rPr lang="ru-RU" sz="1400" dirty="0" smtClean="0">
+                          <a:solidFill>
+                            <a:schemeClr val="tx1"/>
+                          </a:solidFill>
+                        </a:rPr>
+                        <a:t>0</a:t>
+                      </a:r>
+                      <a:endParaRPr lang="ru-RU" sz="1400" dirty="0">
+                        <a:solidFill>
+                          <a:schemeClr val="tx1"/>
+                        </a:solidFill>
+                      </a:endParaRPr>
+                    </a:p>
+                  </a:txBody>
+                  <a:tcPr>
+                    <a:lnL w="6350" cap="flat" cmpd="sng" algn="ctr">
+                      <a:solidFill>
+                        <a:schemeClr val="tx2"/>
+                      </a:solidFill>
+                      <a:prstDash val="solid"/>
+                      <a:round/>
+                      <a:headEnd type="none" w="med" len="med"/>
+                      <a:tailEnd type="none" w="med" len="med"/>
+                    </a:lnL>
+                    <a:lnR w="6350" cap="flat" cmpd="sng" algn="ctr">
+                      <a:solidFill>
+                        <a:schemeClr val="tx2"/>
+                      </a:solidFill>
+                      <a:prstDash val="solid"/>
+                      <a:round/>
+                      <a:headEnd type="none" w="med" len="med"/>
+                      <a:tailEnd type="none" w="med" len="med"/>
+                    </a:lnR>
+                    <a:lnT w="6350" cap="flat" cmpd="sng" algn="ctr">
+                      <a:solidFill>
+                        <a:schemeClr val="tx2"/>
+                      </a:solidFill>
+                      <a:prstDash val="solid"/>
+                      <a:round/>
+                      <a:headEnd type="none" w="med" len="med"/>
+                      <a:tailEnd type="none" w="med" len="med"/>
+                    </a:lnT>
+                    <a:lnB w="6350" cap="flat" cmpd="sng" algn="ctr">
+                      <a:solidFill>
+                        <a:schemeClr val="tx2"/>
+                      </a:solidFill>
+                      <a:prstDash val="solid"/>
+                      <a:round/>
+                      <a:headEnd type="none" w="med" len="med"/>
+                      <a:tailEnd type="none" w="med" len="med"/>
+                    </a:lnB>
+                    <a:lnTlToBr w="12700" cmpd="sng">
+                      <a:noFill/>
+                      <a:prstDash val="solid"/>
+                    </a:lnTlToBr>
+                    <a:lnBlToTr w="12700" cmpd="sng">
+                      <a:noFill/>
+                      <a:prstDash val="solid"/>
+                    </a:lnBlToTr>
+                  </a:tcPr>
+                </a:tc>
+                <a:tc>
+                  <a:txBody>
+                    <a:bodyPr/>
+                    <a:lstStyle/>
+                    <a:p>
+                      <a:pPr algn="ctr"/>
+                      <a:r>
+                        <a:rPr lang="ru-RU" sz="1400" dirty="0" smtClean="0">
+                          <a:solidFill>
+                            <a:schemeClr val="tx1"/>
+                          </a:solidFill>
+                        </a:rPr>
+                        <a:t>0</a:t>
+                      </a:r>
+                      <a:endParaRPr lang="ru-RU" sz="1400" dirty="0">
+                        <a:solidFill>
+                          <a:schemeClr val="tx1"/>
+                        </a:solidFill>
+                      </a:endParaRPr>
+                    </a:p>
+                  </a:txBody>
+                  <a:tcPr>
+                    <a:lnL w="6350" cap="flat" cmpd="sng" algn="ctr">
+                      <a:solidFill>
+                        <a:schemeClr val="tx2"/>
+                      </a:solidFill>
+                      <a:prstDash val="solid"/>
+                      <a:round/>
+                      <a:headEnd type="none" w="med" len="med"/>
+                      <a:tailEnd type="none" w="med" len="med"/>
+                    </a:lnL>
+                    <a:lnR w="6350" cap="flat" cmpd="sng" algn="ctr">
+                      <a:solidFill>
+                        <a:schemeClr val="tx2"/>
+                      </a:solidFill>
+                      <a:prstDash val="solid"/>
+                      <a:round/>
+                      <a:headEnd type="none" w="med" len="med"/>
+                      <a:tailEnd type="none" w="med" len="med"/>
+                    </a:lnR>
+                    <a:lnT w="6350" cap="flat" cmpd="sng" algn="ctr">
+                      <a:solidFill>
+                        <a:schemeClr val="tx2"/>
+                      </a:solidFill>
+                      <a:prstDash val="solid"/>
+                      <a:round/>
+                      <a:headEnd type="none" w="med" len="med"/>
+                      <a:tailEnd type="none" w="med" len="med"/>
+                    </a:lnT>
+                    <a:lnB w="6350" cap="flat" cmpd="sng" algn="ctr">
+                      <a:solidFill>
+                        <a:schemeClr val="tx2"/>
+                      </a:solidFill>
+                      <a:prstDash val="solid"/>
+                      <a:round/>
+                      <a:headEnd type="none" w="med" len="med"/>
+                      <a:tailEnd type="none" w="med" len="med"/>
+                    </a:lnB>
+                    <a:lnTlToBr w="12700" cmpd="sng">
+                      <a:noFill/>
+                      <a:prstDash val="solid"/>
+                    </a:lnTlToBr>
+                    <a:lnBlToTr w="12700" cmpd="sng">
+                      <a:noFill/>
+                      <a:prstDash val="solid"/>
+                    </a:lnBlToTr>
+                  </a:tcPr>
+                </a:tc>
+                <a:tc>
+                  <a:txBody>
+                    <a:bodyPr/>
+                    <a:lstStyle/>
+                    <a:p>
+                      <a:pPr algn="ctr"/>
+                      <a:r>
+                        <a:rPr lang="ru-RU" sz="1400" dirty="0" smtClean="0">
+                          <a:solidFill>
+                            <a:schemeClr val="tx1"/>
+                          </a:solidFill>
+                        </a:rPr>
+                        <a:t>1</a:t>
+                      </a:r>
+                      <a:endParaRPr lang="ru-RU" sz="1400" dirty="0">
+                        <a:solidFill>
+                          <a:schemeClr val="tx1"/>
+                        </a:solidFill>
+                      </a:endParaRPr>
+                    </a:p>
+                  </a:txBody>
+                  <a:tcPr>
+                    <a:lnL w="6350" cap="flat" cmpd="sng" algn="ctr">
+                      <a:solidFill>
+                        <a:schemeClr val="tx2"/>
+                      </a:solidFill>
+                      <a:prstDash val="solid"/>
+                      <a:round/>
+                      <a:headEnd type="none" w="med" len="med"/>
+                      <a:tailEnd type="none" w="med" len="med"/>
+                    </a:lnL>
+                    <a:lnR w="6350" cap="flat" cmpd="sng" algn="ctr">
+                      <a:solidFill>
+                        <a:schemeClr val="tx2"/>
+                      </a:solidFill>
+                      <a:prstDash val="solid"/>
+                      <a:round/>
+                      <a:headEnd type="none" w="med" len="med"/>
+                      <a:tailEnd type="none" w="med" len="med"/>
+                    </a:lnR>
+                    <a:lnT w="6350" cap="flat" cmpd="sng" algn="ctr">
+                      <a:solidFill>
+                        <a:schemeClr val="tx2"/>
+                      </a:solidFill>
+                      <a:prstDash val="solid"/>
+                      <a:round/>
+                      <a:headEnd type="none" w="med" len="med"/>
+                      <a:tailEnd type="none" w="med" len="med"/>
+                    </a:lnT>
+                    <a:lnB w="6350" cap="flat" cmpd="sng" algn="ctr">
+                      <a:solidFill>
+                        <a:schemeClr val="tx2"/>
+                      </a:solidFill>
+                      <a:prstDash val="solid"/>
+                      <a:round/>
+                      <a:headEnd type="none" w="med" len="med"/>
+                      <a:tailEnd type="none" w="med" len="med"/>
+                    </a:lnB>
+                    <a:lnTlToBr w="12700" cmpd="sng">
+                      <a:noFill/>
+                      <a:prstDash val="solid"/>
+                    </a:lnTlToBr>
+                    <a:lnBlToTr w="12700" cmpd="sng">
+                      <a:noFill/>
+                      <a:prstDash val="solid"/>
+                    </a:lnBlToTr>
+                  </a:tcPr>
+                </a:tc>
+              </a:tr>
+              <a:tr h="202932">
+                <a:tc>
+                  <a:txBody>
+                    <a:bodyPr/>
+                    <a:lstStyle/>
+                    <a:p>
+                      <a:pPr algn="ctr"/>
+                      <a:r>
+                        <a:rPr lang="ru-RU" sz="1400" dirty="0" smtClean="0">
+                          <a:solidFill>
+                            <a:schemeClr val="tx1"/>
+                          </a:solidFill>
+                        </a:rPr>
+                        <a:t>0</a:t>
+                      </a:r>
+                      <a:endParaRPr lang="ru-RU" sz="1400" dirty="0">
+                        <a:solidFill>
+                          <a:schemeClr val="tx1"/>
+                        </a:solidFill>
+                      </a:endParaRPr>
+                    </a:p>
+                  </a:txBody>
+                  <a:tcPr>
+                    <a:lnL w="6350" cap="flat" cmpd="sng" algn="ctr">
+                      <a:solidFill>
+                        <a:schemeClr val="tx2"/>
+                      </a:solidFill>
+                      <a:prstDash val="solid"/>
+                      <a:round/>
+                      <a:headEnd type="none" w="med" len="med"/>
+                      <a:tailEnd type="none" w="med" len="med"/>
+                    </a:lnL>
+                    <a:lnR w="6350" cap="flat" cmpd="sng" algn="ctr">
+                      <a:solidFill>
+                        <a:schemeClr val="tx2"/>
+                      </a:solidFill>
+                      <a:prstDash val="solid"/>
+                      <a:round/>
+                      <a:headEnd type="none" w="med" len="med"/>
+                      <a:tailEnd type="none" w="med" len="med"/>
+                    </a:lnR>
+                    <a:lnT w="6350" cap="flat" cmpd="sng" algn="ctr">
+                      <a:solidFill>
+                        <a:schemeClr val="tx2"/>
+                      </a:solidFill>
+                      <a:prstDash val="solid"/>
+                      <a:round/>
+                      <a:headEnd type="none" w="med" len="med"/>
+                      <a:tailEnd type="none" w="med" len="med"/>
+                    </a:lnT>
+                    <a:lnB w="6350" cap="flat" cmpd="sng" algn="ctr">
+                      <a:solidFill>
+                        <a:schemeClr val="tx2"/>
+                      </a:solidFill>
+                      <a:prstDash val="solid"/>
+                      <a:round/>
+                      <a:headEnd type="none" w="med" len="med"/>
+                      <a:tailEnd type="none" w="med" len="med"/>
+                    </a:lnB>
+                    <a:lnTlToBr w="12700" cmpd="sng">
+                      <a:noFill/>
+                      <a:prstDash val="solid"/>
+                    </a:lnTlToBr>
+                    <a:lnBlToTr w="12700" cmpd="sng">
+                      <a:noFill/>
+                      <a:prstDash val="solid"/>
+                    </a:lnBlToTr>
+                  </a:tcPr>
+                </a:tc>
+                <a:tc>
+                  <a:txBody>
+                    <a:bodyPr/>
+                    <a:lstStyle/>
+                    <a:p>
+                      <a:pPr algn="ctr"/>
+                      <a:r>
+                        <a:rPr lang="ru-RU" sz="1400" dirty="0" smtClean="0">
+                          <a:solidFill>
+                            <a:schemeClr val="tx1"/>
+                          </a:solidFill>
+                        </a:rPr>
+                        <a:t>0</a:t>
+                      </a:r>
+                      <a:endParaRPr lang="ru-RU" sz="1400" dirty="0">
+                        <a:solidFill>
+                          <a:schemeClr val="tx1"/>
+                        </a:solidFill>
+                      </a:endParaRPr>
+                    </a:p>
+                  </a:txBody>
+                  <a:tcPr>
+                    <a:lnL w="6350" cap="flat" cmpd="sng" algn="ctr">
+                      <a:solidFill>
+                        <a:schemeClr val="tx2"/>
+                      </a:solidFill>
+                      <a:prstDash val="solid"/>
+                      <a:round/>
+                      <a:headEnd type="none" w="med" len="med"/>
+                      <a:tailEnd type="none" w="med" len="med"/>
+                    </a:lnL>
+                    <a:lnR w="6350" cap="flat" cmpd="sng" algn="ctr">
+                      <a:solidFill>
+                        <a:schemeClr val="tx2"/>
+                      </a:solidFill>
+                      <a:prstDash val="solid"/>
+                      <a:round/>
+                      <a:headEnd type="none" w="med" len="med"/>
+                      <a:tailEnd type="none" w="med" len="med"/>
+                    </a:lnR>
+                    <a:lnT w="6350" cap="flat" cmpd="sng" algn="ctr">
+                      <a:solidFill>
+                        <a:schemeClr val="tx2"/>
+                      </a:solidFill>
+                      <a:prstDash val="solid"/>
+                      <a:round/>
+                      <a:headEnd type="none" w="med" len="med"/>
+                      <a:tailEnd type="none" w="med" len="med"/>
+                    </a:lnT>
+                    <a:lnB w="6350" cap="flat" cmpd="sng" algn="ctr">
+                      <a:solidFill>
+                        <a:schemeClr val="tx2"/>
+                      </a:solidFill>
+                      <a:prstDash val="solid"/>
+                      <a:round/>
+                      <a:headEnd type="none" w="med" len="med"/>
+                      <a:tailEnd type="none" w="med" len="med"/>
+                    </a:lnB>
+                    <a:lnTlToBr w="12700" cmpd="sng">
+                      <a:noFill/>
+                      <a:prstDash val="solid"/>
+                    </a:lnTlToBr>
+                    <a:lnBlToTr w="12700" cmpd="sng">
+                      <a:noFill/>
+                      <a:prstDash val="solid"/>
+                    </a:lnBlToTr>
+                  </a:tcPr>
+                </a:tc>
+                <a:tc>
+                  <a:txBody>
+                    <a:bodyPr/>
+                    <a:lstStyle/>
+                    <a:p>
+                      <a:pPr algn="ctr"/>
+                      <a:r>
+                        <a:rPr lang="ru-RU" sz="1400" dirty="0" smtClean="0">
+                          <a:solidFill>
+                            <a:schemeClr val="tx1"/>
+                          </a:solidFill>
+                        </a:rPr>
+                        <a:t>1</a:t>
+                      </a:r>
+                      <a:endParaRPr lang="ru-RU" sz="1400" dirty="0">
+                        <a:solidFill>
+                          <a:schemeClr val="tx1"/>
+                        </a:solidFill>
+                      </a:endParaRPr>
+                    </a:p>
+                  </a:txBody>
+                  <a:tcPr>
+                    <a:lnL w="6350" cap="flat" cmpd="sng" algn="ctr">
+                      <a:solidFill>
+                        <a:schemeClr val="tx2"/>
+                      </a:solidFill>
+                      <a:prstDash val="solid"/>
+                      <a:round/>
+                      <a:headEnd type="none" w="med" len="med"/>
+                      <a:tailEnd type="none" w="med" len="med"/>
+                    </a:lnL>
+                    <a:lnR w="6350" cap="flat" cmpd="sng" algn="ctr">
+                      <a:solidFill>
+                        <a:schemeClr val="tx2"/>
+                      </a:solidFill>
+                      <a:prstDash val="solid"/>
+                      <a:round/>
+                      <a:headEnd type="none" w="med" len="med"/>
+                      <a:tailEnd type="none" w="med" len="med"/>
+                    </a:lnR>
+                    <a:lnT w="6350" cap="flat" cmpd="sng" algn="ctr">
+                      <a:solidFill>
+                        <a:schemeClr val="tx2"/>
+                      </a:solidFill>
+                      <a:prstDash val="solid"/>
+                      <a:round/>
+                      <a:headEnd type="none" w="med" len="med"/>
+                      <a:tailEnd type="none" w="med" len="med"/>
+                    </a:lnT>
+                    <a:lnB w="6350" cap="flat" cmpd="sng" algn="ctr">
+                      <a:solidFill>
+                        <a:schemeClr val="tx2"/>
+                      </a:solidFill>
+                      <a:prstDash val="solid"/>
+                      <a:round/>
+                      <a:headEnd type="none" w="med" len="med"/>
+                      <a:tailEnd type="none" w="med" len="med"/>
+                    </a:lnB>
+                    <a:lnTlToBr w="12700" cmpd="sng">
+                      <a:noFill/>
+                      <a:prstDash val="solid"/>
+                    </a:lnTlToBr>
+                    <a:lnBlToTr w="12700" cmpd="sng">
+                      <a:noFill/>
+                      <a:prstDash val="solid"/>
+                    </a:lnBlToTr>
+                  </a:tcPr>
+                </a:tc>
+                <a:tc>
+                  <a:txBody>
+                    <a:bodyPr/>
+                    <a:lstStyle/>
+                    <a:p>
+                      <a:pPr algn="ctr"/>
+                      <a:r>
+                        <a:rPr lang="ru-RU" sz="1400" dirty="0" smtClean="0">
+                          <a:solidFill>
+                            <a:schemeClr val="tx1"/>
+                          </a:solidFill>
+                        </a:rPr>
+                        <a:t>1</a:t>
+                      </a:r>
+                      <a:endParaRPr lang="ru-RU" sz="1400" dirty="0">
+                        <a:solidFill>
+                          <a:schemeClr val="tx1"/>
+                        </a:solidFill>
+                      </a:endParaRPr>
+                    </a:p>
+                  </a:txBody>
+                  <a:tcPr>
+                    <a:lnL w="6350" cap="flat" cmpd="sng" algn="ctr">
+                      <a:solidFill>
+                        <a:schemeClr val="tx2"/>
+                      </a:solidFill>
+                      <a:prstDash val="solid"/>
+                      <a:round/>
+                      <a:headEnd type="none" w="med" len="med"/>
+                      <a:tailEnd type="none" w="med" len="med"/>
+                    </a:lnL>
+                    <a:lnR w="6350" cap="flat" cmpd="sng" algn="ctr">
+                      <a:solidFill>
+                        <a:schemeClr val="tx2"/>
+                      </a:solidFill>
+                      <a:prstDash val="solid"/>
+                      <a:round/>
+                      <a:headEnd type="none" w="med" len="med"/>
+                      <a:tailEnd type="none" w="med" len="med"/>
+                    </a:lnR>
+                    <a:lnT w="6350" cap="flat" cmpd="sng" algn="ctr">
+                      <a:solidFill>
+                        <a:schemeClr val="tx2"/>
+                      </a:solidFill>
+                      <a:prstDash val="solid"/>
+                      <a:round/>
+                      <a:headEnd type="none" w="med" len="med"/>
+                      <a:tailEnd type="none" w="med" len="med"/>
+                    </a:lnT>
+                    <a:lnB w="6350" cap="flat" cmpd="sng" algn="ctr">
+                      <a:solidFill>
+                        <a:schemeClr val="tx2"/>
+                      </a:solidFill>
+                      <a:prstDash val="solid"/>
+                      <a:round/>
+                      <a:headEnd type="none" w="med" len="med"/>
+                      <a:tailEnd type="none" w="med" len="med"/>
+                    </a:lnB>
+                    <a:lnTlToBr w="12700" cmpd="sng">
+                      <a:noFill/>
+                      <a:prstDash val="solid"/>
+                    </a:lnTlToBr>
+                    <a:lnBlToTr w="12700" cmpd="sng">
+                      <a:noFill/>
+                      <a:prstDash val="solid"/>
+                    </a:lnBlToTr>
+                  </a:tcPr>
+                </a:tc>
+              </a:tr>
+              <a:tr h="202932">
+                <a:tc>
+                  <a:txBody>
+                    <a:bodyPr/>
+                    <a:lstStyle/>
+                    <a:p>
+                      <a:pPr algn="ctr"/>
+                      <a:r>
+                        <a:rPr lang="ru-RU" sz="1400" dirty="0" smtClean="0">
+                          <a:solidFill>
+                            <a:schemeClr val="tx1"/>
+                          </a:solidFill>
+                        </a:rPr>
+                        <a:t>0</a:t>
+                      </a:r>
+                      <a:endParaRPr lang="ru-RU" sz="1400" dirty="0">
+                        <a:solidFill>
+                          <a:schemeClr val="tx1"/>
+                        </a:solidFill>
+                      </a:endParaRPr>
+                    </a:p>
+                  </a:txBody>
+                  <a:tcPr>
+                    <a:lnL w="6350" cap="flat" cmpd="sng" algn="ctr">
+                      <a:solidFill>
+                        <a:schemeClr val="tx2"/>
+                      </a:solidFill>
+                      <a:prstDash val="solid"/>
+                      <a:round/>
+                      <a:headEnd type="none" w="med" len="med"/>
+                      <a:tailEnd type="none" w="med" len="med"/>
+                    </a:lnL>
+                    <a:lnR w="6350" cap="flat" cmpd="sng" algn="ctr">
+                      <a:solidFill>
+                        <a:schemeClr val="tx2"/>
+                      </a:solidFill>
+                      <a:prstDash val="solid"/>
+                      <a:round/>
+                      <a:headEnd type="none" w="med" len="med"/>
+                      <a:tailEnd type="none" w="med" len="med"/>
+                    </a:lnR>
+                    <a:lnT w="6350" cap="flat" cmpd="sng" algn="ctr">
+                      <a:solidFill>
+                        <a:schemeClr val="tx2"/>
+                      </a:solidFill>
+                      <a:prstDash val="solid"/>
+                      <a:round/>
+                      <a:headEnd type="none" w="med" len="med"/>
+                      <a:tailEnd type="none" w="med" len="med"/>
+                    </a:lnT>
+                    <a:lnB w="6350" cap="flat" cmpd="sng" algn="ctr">
+                      <a:solidFill>
+                        <a:schemeClr val="tx2"/>
+                      </a:solidFill>
+                      <a:prstDash val="solid"/>
+                      <a:round/>
+                      <a:headEnd type="none" w="med" len="med"/>
+                      <a:tailEnd type="none" w="med" len="med"/>
+                    </a:lnB>
+                    <a:lnTlToBr w="12700" cmpd="sng">
+                      <a:noFill/>
+                      <a:prstDash val="solid"/>
+                    </a:lnTlToBr>
+                    <a:lnBlToTr w="12700" cmpd="sng">
+                      <a:noFill/>
+                      <a:prstDash val="solid"/>
+                    </a:lnBlToTr>
+                  </a:tcPr>
+                </a:tc>
+                <a:tc>
+                  <a:txBody>
+                    <a:bodyPr/>
+                    <a:lstStyle/>
+                    <a:p>
+                      <a:pPr algn="ctr"/>
+                      <a:r>
+                        <a:rPr lang="ru-RU" sz="1400" dirty="0" smtClean="0">
+                          <a:solidFill>
+                            <a:schemeClr val="tx1"/>
+                          </a:solidFill>
+                        </a:rPr>
+                        <a:t>1</a:t>
+                      </a:r>
+                      <a:endParaRPr lang="ru-RU" sz="1400" dirty="0">
+                        <a:solidFill>
+                          <a:schemeClr val="tx1"/>
+                        </a:solidFill>
+                      </a:endParaRPr>
+                    </a:p>
+                  </a:txBody>
+                  <a:tcPr>
+                    <a:lnL w="6350" cap="flat" cmpd="sng" algn="ctr">
+                      <a:solidFill>
+                        <a:schemeClr val="tx2"/>
+                      </a:solidFill>
+                      <a:prstDash val="solid"/>
+                      <a:round/>
+                      <a:headEnd type="none" w="med" len="med"/>
+                      <a:tailEnd type="none" w="med" len="med"/>
+                    </a:lnL>
+                    <a:lnR w="6350" cap="flat" cmpd="sng" algn="ctr">
+                      <a:solidFill>
+                        <a:schemeClr val="tx2"/>
+                      </a:solidFill>
+                      <a:prstDash val="solid"/>
+                      <a:round/>
+                      <a:headEnd type="none" w="med" len="med"/>
+                      <a:tailEnd type="none" w="med" len="med"/>
+                    </a:lnR>
+                    <a:lnT w="6350" cap="flat" cmpd="sng" algn="ctr">
+                      <a:solidFill>
+                        <a:schemeClr val="tx2"/>
+                      </a:solidFill>
+                      <a:prstDash val="solid"/>
+                      <a:round/>
+                      <a:headEnd type="none" w="med" len="med"/>
+                      <a:tailEnd type="none" w="med" len="med"/>
+                    </a:lnT>
+                    <a:lnB w="6350" cap="flat" cmpd="sng" algn="ctr">
+                      <a:solidFill>
+                        <a:schemeClr val="tx2"/>
+                      </a:solidFill>
+                      <a:prstDash val="solid"/>
+                      <a:round/>
+                      <a:headEnd type="none" w="med" len="med"/>
+                      <a:tailEnd type="none" w="med" len="med"/>
+                    </a:lnB>
+                    <a:lnTlToBr w="12700" cmpd="sng">
+                      <a:noFill/>
+                      <a:prstDash val="solid"/>
+                    </a:lnTlToBr>
+                    <a:lnBlToTr w="12700" cmpd="sng">
+                      <a:noFill/>
+                      <a:prstDash val="solid"/>
+                    </a:lnBlToTr>
+                  </a:tcPr>
+                </a:tc>
+                <a:tc>
+                  <a:txBody>
+                    <a:bodyPr/>
+                    <a:lstStyle/>
+                    <a:p>
+                      <a:pPr algn="ctr"/>
+                      <a:r>
+                        <a:rPr lang="ru-RU" sz="1400" dirty="0" smtClean="0">
+                          <a:solidFill>
+                            <a:schemeClr val="tx1"/>
+                          </a:solidFill>
+                        </a:rPr>
+                        <a:t>0</a:t>
+                      </a:r>
+                      <a:endParaRPr lang="ru-RU" sz="1400" dirty="0">
+                        <a:solidFill>
+                          <a:schemeClr val="tx1"/>
+                        </a:solidFill>
+                      </a:endParaRPr>
+                    </a:p>
+                  </a:txBody>
+                  <a:tcPr>
+                    <a:lnL w="6350" cap="flat" cmpd="sng" algn="ctr">
+                      <a:solidFill>
+                        <a:schemeClr val="tx2"/>
+                      </a:solidFill>
+                      <a:prstDash val="solid"/>
+                      <a:round/>
+                      <a:headEnd type="none" w="med" len="med"/>
+                      <a:tailEnd type="none" w="med" len="med"/>
+                    </a:lnL>
+                    <a:lnR w="6350" cap="flat" cmpd="sng" algn="ctr">
+                      <a:solidFill>
+                        <a:schemeClr val="tx2"/>
+                      </a:solidFill>
+                      <a:prstDash val="solid"/>
+                      <a:round/>
+                      <a:headEnd type="none" w="med" len="med"/>
+                      <a:tailEnd type="none" w="med" len="med"/>
+                    </a:lnR>
+                    <a:lnT w="6350" cap="flat" cmpd="sng" algn="ctr">
+                      <a:solidFill>
+                        <a:schemeClr val="tx2"/>
+                      </a:solidFill>
+                      <a:prstDash val="solid"/>
+                      <a:round/>
+                      <a:headEnd type="none" w="med" len="med"/>
+                      <a:tailEnd type="none" w="med" len="med"/>
+                    </a:lnT>
+                    <a:lnB w="6350" cap="flat" cmpd="sng" algn="ctr">
+                      <a:solidFill>
+                        <a:schemeClr val="tx2"/>
+                      </a:solidFill>
+                      <a:prstDash val="solid"/>
+                      <a:round/>
+                      <a:headEnd type="none" w="med" len="med"/>
+                      <a:tailEnd type="none" w="med" len="med"/>
+                    </a:lnB>
+                    <a:lnTlToBr w="12700" cmpd="sng">
+                      <a:noFill/>
+                      <a:prstDash val="solid"/>
+                    </a:lnTlToBr>
+                    <a:lnBlToTr w="12700" cmpd="sng">
+                      <a:noFill/>
+                      <a:prstDash val="solid"/>
+                    </a:lnBlToTr>
+                  </a:tcPr>
+                </a:tc>
+                <a:tc>
+                  <a:txBody>
+                    <a:bodyPr/>
+                    <a:lstStyle/>
+                    <a:p>
+                      <a:pPr algn="ctr"/>
+                      <a:r>
+                        <a:rPr lang="ru-RU" sz="1400" dirty="0" smtClean="0">
+                          <a:solidFill>
+                            <a:schemeClr val="tx1"/>
+                          </a:solidFill>
+                        </a:rPr>
+                        <a:t>0</a:t>
+                      </a:r>
+                      <a:endParaRPr lang="ru-RU" sz="1400" dirty="0">
+                        <a:solidFill>
+                          <a:schemeClr val="tx1"/>
+                        </a:solidFill>
+                      </a:endParaRPr>
+                    </a:p>
+                  </a:txBody>
+                  <a:tcPr>
+                    <a:lnL w="6350" cap="flat" cmpd="sng" algn="ctr">
+                      <a:solidFill>
+                        <a:schemeClr val="tx2"/>
+                      </a:solidFill>
+                      <a:prstDash val="solid"/>
+                      <a:round/>
+                      <a:headEnd type="none" w="med" len="med"/>
+                      <a:tailEnd type="none" w="med" len="med"/>
+                    </a:lnL>
+                    <a:lnR w="6350" cap="flat" cmpd="sng" algn="ctr">
+                      <a:solidFill>
+                        <a:schemeClr val="tx2"/>
+                      </a:solidFill>
+                      <a:prstDash val="solid"/>
+                      <a:round/>
+                      <a:headEnd type="none" w="med" len="med"/>
+                      <a:tailEnd type="none" w="med" len="med"/>
+                    </a:lnR>
+                    <a:lnT w="6350" cap="flat" cmpd="sng" algn="ctr">
+                      <a:solidFill>
+                        <a:schemeClr val="tx2"/>
+                      </a:solidFill>
+                      <a:prstDash val="solid"/>
+                      <a:round/>
+                      <a:headEnd type="none" w="med" len="med"/>
+                      <a:tailEnd type="none" w="med" len="med"/>
+                    </a:lnT>
+                    <a:lnB w="6350" cap="flat" cmpd="sng" algn="ctr">
+                      <a:solidFill>
+                        <a:schemeClr val="tx2"/>
+                      </a:solidFill>
+                      <a:prstDash val="solid"/>
+                      <a:round/>
+                      <a:headEnd type="none" w="med" len="med"/>
+                      <a:tailEnd type="none" w="med" len="med"/>
+                    </a:lnB>
+                    <a:lnTlToBr w="12700" cmpd="sng">
+                      <a:noFill/>
+                      <a:prstDash val="solid"/>
+                    </a:lnTlToBr>
+                    <a:lnBlToTr w="12700" cmpd="sng">
+                      <a:noFill/>
+                      <a:prstDash val="solid"/>
+                    </a:lnBlToTr>
+                  </a:tcPr>
+                </a:tc>
+              </a:tr>
+            </a:tbl>
+          </a:graphicData>
+        </a:graphic>
+      </p:graphicFrame>
+      <p:sp>
+        <p:nvSpPr>
+          <p:cNvPr id="13" name="Заголовок 1"/>
+          <p:cNvSpPr txBox="1">
+            <a:spLocks/>
+          </p:cNvSpPr>
+          <p:nvPr/>
+        </p:nvSpPr>
+        <p:spPr>
+          <a:xfrm>
+            <a:off x="457200" y="188640"/>
+            <a:ext cx="8229600" cy="720080"/>
+          </a:xfrm>
+          <a:prstGeom prst="rect">
+            <a:avLst/>
+          </a:prstGeom>
+        </p:spPr>
+        <p:txBody>
+          <a:bodyPr vert="horz" lIns="91440" tIns="45720" rIns="91440" bIns="45720" rtlCol="0" anchor="b">
+            <a:noAutofit/>
+          </a:bodyPr>
+          <a:lstStyle>
+            <a:lvl1pPr algn="ctr" defTabSz="914400" rtl="0" eaLnBrk="1" latinLnBrk="0" hangingPunct="1">
+              <a:lnSpc>
+                <a:spcPts val="5800"/>
+              </a:lnSpc>
+              <a:spcBef>
+                <a:spcPct val="0"/>
+              </a:spcBef>
+              <a:buNone/>
+              <a:defRPr sz="5400" kern="1200">
+                <a:solidFill>
+                  <a:schemeClr val="tx2"/>
+                </a:solidFill>
+                <a:effectLst>
+                  <a:outerShdw blurRad="63500" dist="38100" dir="5400000" algn="t" rotWithShape="0">
+                    <a:prstClr val="black">
+                      <a:alpha val="25000"/>
+                    </a:prstClr>
+                  </a:outerShdw>
+                </a:effectLst>
+                <a:latin typeface="+mn-lt"/>
+                <a:ea typeface="+mj-ea"/>
+                <a:cs typeface="+mj-cs"/>
+              </a:defRPr>
+            </a:lvl1pPr>
+          </a:lstStyle>
+          <a:p>
+            <a:r>
+              <a:rPr lang="ru-RU" sz="3600" smtClean="0"/>
+              <a:t>Построение ассоциативных правил</a:t>
+            </a:r>
+            <a:endParaRPr lang="ru-RU" sz="3600" dirty="0"/>
+          </a:p>
+        </p:txBody>
+      </p:sp>
+      <p:sp>
+        <p:nvSpPr>
+          <p:cNvPr id="14" name="Заголовок 1"/>
+          <p:cNvSpPr txBox="1">
+            <a:spLocks/>
+          </p:cNvSpPr>
+          <p:nvPr/>
+        </p:nvSpPr>
+        <p:spPr>
+          <a:xfrm>
+            <a:off x="4788024" y="836712"/>
+            <a:ext cx="3909120" cy="288032"/>
+          </a:xfrm>
+          <a:prstGeom prst="rect">
+            <a:avLst/>
+          </a:prstGeom>
+        </p:spPr>
+        <p:txBody>
+          <a:bodyPr vert="horz" lIns="91440" tIns="45720" rIns="91440" bIns="45720" rtlCol="0" anchor="ctr">
+            <a:noAutofit/>
+          </a:bodyPr>
+          <a:lstStyle>
+            <a:lvl1pPr algn="ctr" defTabSz="914400" rtl="0" eaLnBrk="1" latinLnBrk="0" hangingPunct="1">
+              <a:spcBef>
+                <a:spcPct val="0"/>
+              </a:spcBef>
+              <a:buNone/>
+              <a:defRPr sz="4400" kern="1200">
+                <a:solidFill>
+                  <a:schemeClr val="tx1"/>
+                </a:solidFill>
+                <a:latin typeface="+mj-lt"/>
+                <a:ea typeface="+mj-ea"/>
+                <a:cs typeface="+mj-cs"/>
+              </a:defRPr>
+            </a:lvl1pPr>
+          </a:lstStyle>
+          <a:p>
+            <a:pPr algn="r"/>
+            <a:r>
+              <a:rPr lang="ru-RU" sz="2800" dirty="0" smtClean="0">
+                <a:solidFill>
+                  <a:schemeClr val="bg1">
+                    <a:lumMod val="50000"/>
+                  </a:schemeClr>
+                </a:solidFill>
+              </a:rPr>
+              <a:t>Алгоритм </a:t>
+            </a:r>
+            <a:r>
+              <a:rPr lang="en-US" sz="2800" dirty="0" err="1" smtClean="0">
+                <a:solidFill>
+                  <a:schemeClr val="bg1">
+                    <a:lumMod val="50000"/>
+                  </a:schemeClr>
+                </a:solidFill>
+              </a:rPr>
+              <a:t>Apriori</a:t>
+            </a:r>
+            <a:endParaRPr lang="en-US" sz="2800" dirty="0" smtClean="0">
+              <a:solidFill>
+                <a:schemeClr val="bg1">
+                  <a:lumMod val="50000"/>
+                </a:schemeClr>
+              </a:solidFill>
+            </a:endParaRPr>
+          </a:p>
+        </p:txBody>
+      </p:sp>
+      <p:sp>
+        <p:nvSpPr>
+          <p:cNvPr id="15" name="TextBox 14"/>
+          <p:cNvSpPr txBox="1"/>
+          <p:nvPr/>
+        </p:nvSpPr>
+        <p:spPr>
+          <a:xfrm>
+            <a:off x="1115616" y="1340768"/>
+            <a:ext cx="6984776" cy="369332"/>
+          </a:xfrm>
+          <a:prstGeom prst="rect">
+            <a:avLst/>
+          </a:prstGeom>
+          <a:noFill/>
+        </p:spPr>
+        <p:txBody>
+          <a:bodyPr wrap="square" rtlCol="0">
+            <a:spAutoFit/>
+          </a:bodyPr>
+          <a:lstStyle/>
+          <a:p>
+            <a:r>
+              <a:rPr lang="ru-RU" dirty="0" smtClean="0"/>
+              <a:t>Этап </a:t>
+            </a:r>
+            <a:r>
+              <a:rPr lang="en-US" dirty="0" smtClean="0"/>
+              <a:t>2</a:t>
+            </a:r>
+            <a:r>
+              <a:rPr lang="ru-RU" dirty="0" smtClean="0"/>
+              <a:t>. Построение дерева частых наборов</a:t>
+            </a:r>
+            <a:endParaRPr lang="ru-RU" dirty="0"/>
+          </a:p>
+        </p:txBody>
+      </p:sp>
+      <p:sp>
+        <p:nvSpPr>
+          <p:cNvPr id="7" name="TextBox 6"/>
+          <p:cNvSpPr txBox="1"/>
+          <p:nvPr/>
+        </p:nvSpPr>
+        <p:spPr>
+          <a:xfrm>
+            <a:off x="457200" y="5733256"/>
+            <a:ext cx="8003232" cy="646331"/>
+          </a:xfrm>
+          <a:prstGeom prst="rect">
+            <a:avLst/>
+          </a:prstGeom>
+          <a:noFill/>
+        </p:spPr>
+        <p:txBody>
+          <a:bodyPr wrap="square" rtlCol="0">
+            <a:spAutoFit/>
+          </a:bodyPr>
+          <a:lstStyle/>
+          <a:p>
+            <a:pPr algn="ctr"/>
+            <a:r>
+              <a:rPr lang="ru-RU" dirty="0" smtClean="0"/>
+              <a:t>Показатели характеристик при количестве пожаров равном П.</a:t>
+            </a:r>
+          </a:p>
+          <a:p>
+            <a:pPr algn="ctr"/>
+            <a:r>
+              <a:rPr lang="ru-RU" dirty="0" smtClean="0"/>
+              <a:t>И значении минимальной поддержки наборов равной 15%.</a:t>
+            </a:r>
+            <a:endParaRPr lang="ru-RU" dirty="0"/>
+          </a:p>
+        </p:txBody>
+      </p:sp>
+      <p:sp>
+        <p:nvSpPr>
+          <p:cNvPr id="3" name="Номер слайда 2"/>
+          <p:cNvSpPr>
+            <a:spLocks noGrp="1"/>
+          </p:cNvSpPr>
+          <p:nvPr>
+            <p:ph type="sldNum" sz="quarter" idx="12"/>
+          </p:nvPr>
+        </p:nvSpPr>
+        <p:spPr/>
+        <p:txBody>
+          <a:bodyPr/>
+          <a:lstStyle/>
+          <a:p>
+            <a:fld id="{EDFC3FDD-8E34-46B9-B4F0-1D742C30C66D}" type="slidenum">
+              <a:rPr lang="ru-RU" smtClean="0"/>
+              <a:t>9</a:t>
+            </a:fld>
+            <a:endParaRPr lang="ru-RU"/>
+          </a:p>
+        </p:txBody>
+      </p:sp>
+      <p:pic>
+        <p:nvPicPr>
+          <p:cNvPr id="1026" name="Picture 2" descr="D:\Work\Fires\Apriori\my_tex\apriori_tree_1.png"/>
+          <p:cNvPicPr>
+            <a:picLocks noChangeAspect="1" noChangeArrowheads="1"/>
+          </p:cNvPicPr>
+          <p:nvPr/>
+        </p:nvPicPr>
+        <p:blipFill>
+          <a:blip r:embed="rId2">
+            <a:extLst>
+              <a:ext uri="{28A0092B-C50C-407E-A947-70E740481C1C}">
+                <a14:useLocalDpi xmlns:a14="http://schemas.microsoft.com/office/drawing/2010/main" val="0"/>
+              </a:ext>
+            </a:extLst>
+          </a:blip>
+          <a:srcRect/>
+          <a:stretch>
+            <a:fillRect/>
+          </a:stretch>
+        </p:blipFill>
+        <p:spPr bwMode="auto">
+          <a:xfrm>
+            <a:off x="4561656" y="2020416"/>
+            <a:ext cx="4125144" cy="1032796"/>
+          </a:xfrm>
+          <a:prstGeom prst="rect">
+            <a:avLst/>
+          </a:prstGeom>
+          <a:noFill/>
+          <a:extLst>
+            <a:ext uri="{909E8E84-426E-40DD-AFC4-6F175D3DCCD1}">
+              <a14:hiddenFill xmlns:a14="http://schemas.microsoft.com/office/drawing/2010/main">
+                <a:solidFill>
+                  <a:srgbClr val="FFFFFF"/>
+                </a:solidFill>
+              </a14:hiddenFill>
+            </a:ext>
+          </a:extLst>
+        </p:spPr>
+      </p:pic>
+    </p:spTree>
+    <p:extLst>
+      <p:ext uri="{BB962C8B-B14F-4D97-AF65-F5344CB8AC3E}">
+        <p14:creationId xmlns:p14="http://schemas.microsoft.com/office/powerpoint/2010/main" val="2332958742"/>
       </p:ext>
     </p:extLst>
   </p:cSld>

--- a/Apriori/my_tex/Поиск ассоциативных правил_Apriori.pptx
+++ b/Apriori/my_tex/Поиск ассоциативных правил_Apriori.pptx
@@ -339,11 +339,11 @@
           <c:showPercent val="0"/>
           <c:showBubbleSize val="0"/>
         </c:dLbls>
-        <c:axId val="92560768"/>
-        <c:axId val="92681344"/>
+        <c:axId val="78992128"/>
+        <c:axId val="78993664"/>
       </c:scatterChart>
       <c:valAx>
-        <c:axId val="92560768"/>
+        <c:axId val="78992128"/>
         <c:scaling>
           <c:orientation val="minMax"/>
         </c:scaling>
@@ -353,12 +353,12 @@
         <c:majorTickMark val="out"/>
         <c:minorTickMark val="none"/>
         <c:tickLblPos val="nextTo"/>
-        <c:crossAx val="92681344"/>
+        <c:crossAx val="78993664"/>
         <c:crosses val="autoZero"/>
         <c:crossBetween val="midCat"/>
       </c:valAx>
       <c:valAx>
-        <c:axId val="92681344"/>
+        <c:axId val="78993664"/>
         <c:scaling>
           <c:orientation val="minMax"/>
         </c:scaling>
@@ -369,7 +369,7 @@
         <c:majorTickMark val="out"/>
         <c:minorTickMark val="none"/>
         <c:tickLblPos val="nextTo"/>
-        <c:crossAx val="92560768"/>
+        <c:crossAx val="78992128"/>
         <c:crosses val="autoZero"/>
         <c:crossBetween val="midCat"/>
       </c:valAx>
@@ -599,11 +599,11 @@
           <c:showPercent val="0"/>
           <c:showBubbleSize val="0"/>
         </c:dLbls>
-        <c:axId val="92713728"/>
-        <c:axId val="92715264"/>
+        <c:axId val="79026048"/>
+        <c:axId val="79027584"/>
       </c:scatterChart>
       <c:valAx>
-        <c:axId val="92713728"/>
+        <c:axId val="79026048"/>
         <c:scaling>
           <c:orientation val="minMax"/>
         </c:scaling>
@@ -613,12 +613,12 @@
         <c:majorTickMark val="out"/>
         <c:minorTickMark val="none"/>
         <c:tickLblPos val="nextTo"/>
-        <c:crossAx val="92715264"/>
+        <c:crossAx val="79027584"/>
         <c:crosses val="autoZero"/>
         <c:crossBetween val="midCat"/>
       </c:valAx>
       <c:valAx>
-        <c:axId val="92715264"/>
+        <c:axId val="79027584"/>
         <c:scaling>
           <c:orientation val="minMax"/>
         </c:scaling>
@@ -629,7 +629,7 @@
         <c:majorTickMark val="out"/>
         <c:minorTickMark val="none"/>
         <c:tickLblPos val="nextTo"/>
-        <c:crossAx val="92713728"/>
+        <c:crossAx val="79026048"/>
         <c:crosses val="autoZero"/>
         <c:crossBetween val="midCat"/>
       </c:valAx>
@@ -7886,7 +7886,23 @@
             <a:pPr algn="ctr"/>
             <a:r>
               <a:rPr lang="ru-RU" dirty="0" smtClean="0"/>
-              <a:t>И значении минимальной поддержки наборов равной 15%.</a:t>
+              <a:t>И значении минимальной поддержки наборов равной </a:t>
+            </a:r>
+            <a:r>
+              <a:rPr lang="en-US" dirty="0"/>
+              <a:t>0.15(</a:t>
+            </a:r>
+            <a:r>
+              <a:rPr lang="ru-RU" dirty="0"/>
+              <a:t>15%</a:t>
+            </a:r>
+            <a:r>
+              <a:rPr lang="en-US" dirty="0"/>
+              <a:t>)</a:t>
+            </a:r>
+            <a:r>
+              <a:rPr lang="ru-RU" dirty="0" smtClean="0"/>
+              <a:t>.</a:t>
             </a:r>
             <a:endParaRPr lang="ru-RU" dirty="0"/>
           </a:p>
@@ -11195,7 +11211,23 @@
             <a:pPr algn="ctr"/>
             <a:r>
               <a:rPr lang="ru-RU" dirty="0" smtClean="0"/>
-              <a:t>И значении минимальной поддержки наборов равной 15%.</a:t>
+              <a:t>И значении минимальной поддержки наборов равной </a:t>
+            </a:r>
+            <a:r>
+              <a:rPr lang="en-US" dirty="0"/>
+              <a:t>0.15(</a:t>
+            </a:r>
+            <a:r>
+              <a:rPr lang="ru-RU" dirty="0"/>
+              <a:t>15%</a:t>
+            </a:r>
+            <a:r>
+              <a:rPr lang="en-US" dirty="0"/>
+              <a:t>)</a:t>
+            </a:r>
+            <a:r>
+              <a:rPr lang="ru-RU" dirty="0" smtClean="0"/>
+              <a:t>.</a:t>
             </a:r>
             <a:endParaRPr lang="ru-RU" dirty="0"/>
           </a:p>
@@ -11220,7 +11252,7 @@
               <a:rPr lang="ru-RU" smtClean="0"/>
               <a:t>11</a:t>
             </a:fld>
-            <a:endParaRPr lang="ru-RU"/>
+            <a:endParaRPr lang="ru-RU" dirty="0"/>
           </a:p>
         </p:txBody>
       </p:sp>
@@ -13059,14 +13091,14 @@
           <p:nvPr>
             <p:extLst>
               <p:ext uri="{D42A27DB-BD31-4B8C-83A1-F6EECF244321}">
-                <p14:modId xmlns:p14="http://schemas.microsoft.com/office/powerpoint/2010/main" val="2056379172"/>
+                <p14:modId xmlns:p14="http://schemas.microsoft.com/office/powerpoint/2010/main" val="2559322028"/>
               </p:ext>
             </p:extLst>
           </p:nvPr>
         </p:nvGraphicFramePr>
         <p:xfrm>
-          <a:off x="683567" y="2023126"/>
-          <a:ext cx="7776864" cy="3601893"/>
+          <a:off x="611560" y="2023126"/>
+          <a:ext cx="7920882" cy="3601893"/>
         </p:xfrm>
         <a:graphic>
           <a:graphicData uri="http://schemas.openxmlformats.org/drawingml/2006/table">
@@ -13075,11 +13107,11 @@
                 <a:tableStyleId>{E8034E78-7F5D-4C2E-B375-FC64B27BC917}</a:tableStyleId>
               </a:tblPr>
               <a:tblGrid>
-                <a:gridCol w="665489"/>
-                <a:gridCol w="3654992"/>
-                <a:gridCol w="504056"/>
-                <a:gridCol w="1872208"/>
-                <a:gridCol w="1080119"/>
+                <a:gridCol w="671651"/>
+                <a:gridCol w="3688835"/>
+                <a:gridCol w="508723"/>
+                <a:gridCol w="1971553"/>
+                <a:gridCol w="1080120"/>
               </a:tblGrid>
               <a:tr h="371013">
                 <a:tc>
@@ -13285,7 +13317,7 @@
                             <a:schemeClr val="tx1"/>
                           </a:solidFill>
                         </a:rPr>
-                        <a:t>Пожаров</a:t>
+                        <a:t>Количество</a:t>
                       </a:r>
                       <a:r>
                         <a:rPr lang="ru-RU" sz="1400" baseline="0" dirty="0" smtClean="0">
@@ -13293,7 +13325,39 @@
                             <a:schemeClr val="tx1"/>
                           </a:solidFill>
                         </a:rPr>
-                        <a:t> очень высокое количество</a:t>
+                        <a:t> п</a:t>
+                      </a:r>
+                      <a:r>
+                        <a:rPr lang="ru-RU" sz="1400" dirty="0" smtClean="0">
+                          <a:solidFill>
+                            <a:schemeClr val="tx1"/>
+                          </a:solidFill>
+                        </a:rPr>
+                        <a:t>ожаров</a:t>
+                      </a:r>
+                      <a:r>
+                        <a:rPr lang="ru-RU" sz="1400" baseline="0" dirty="0" smtClean="0">
+                          <a:solidFill>
+                            <a:schemeClr val="tx1"/>
+                          </a:solidFill>
+                        </a:rPr>
+                        <a:t> </a:t>
+                      </a:r>
+                      <a:r>
+                        <a:rPr lang="ru-RU" sz="1400" baseline="0" dirty="0" smtClean="0">
+                          <a:solidFill>
+                            <a:schemeClr val="tx1"/>
+                          </a:solidFill>
+                        </a:rPr>
+                        <a:t>очень </a:t>
+                      </a:r>
+                      <a:r>
+                        <a:rPr lang="ru-RU" sz="1400" baseline="0" dirty="0" smtClean="0">
+                          <a:solidFill>
+                            <a:schemeClr val="tx1"/>
+                          </a:solidFill>
+                        </a:rPr>
+                        <a:t>высокое</a:t>
                       </a:r>
                       <a:endParaRPr lang="ru-RU" sz="1400" dirty="0">
                         <a:solidFill>
@@ -13508,7 +13572,7 @@
                             <a:schemeClr val="tx1"/>
                           </a:solidFill>
                         </a:rPr>
-                        <a:t>Пожаров</a:t>
+                        <a:t>Количество пожаров</a:t>
                       </a:r>
                       <a:r>
                         <a:rPr lang="ru-RU" sz="1400" baseline="0" dirty="0" smtClean="0">
@@ -13516,7 +13580,7 @@
                             <a:schemeClr val="tx1"/>
                           </a:solidFill>
                         </a:rPr>
-                        <a:t> высокое количество</a:t>
+                        <a:t> высокое</a:t>
                       </a:r>
                       <a:endParaRPr lang="ru-RU" sz="1400" dirty="0">
                         <a:solidFill>
@@ -13726,7 +13790,7 @@
                             <a:schemeClr val="tx1"/>
                           </a:solidFill>
                         </a:rPr>
-                        <a:t>Пожаров</a:t>
+                        <a:t>Количество пожаров</a:t>
                       </a:r>
                       <a:r>
                         <a:rPr lang="ru-RU" sz="1400" baseline="0" dirty="0" smtClean="0">
@@ -13734,7 +13798,7 @@
                             <a:schemeClr val="tx1"/>
                           </a:solidFill>
                         </a:rPr>
-                        <a:t> среднее количество</a:t>
+                        <a:t>  среднее</a:t>
                       </a:r>
                       <a:endParaRPr lang="ru-RU" sz="1400" dirty="0">
                         <a:solidFill>
@@ -13912,7 +13976,7 @@
                             <a:schemeClr val="tx1"/>
                           </a:solidFill>
                         </a:rPr>
-                        <a:t>Пожаров</a:t>
+                        <a:t>Количество пожаров</a:t>
                       </a:r>
                       <a:r>
                         <a:rPr lang="ru-RU" sz="1400" baseline="0" dirty="0" smtClean="0">
@@ -13920,7 +13984,7 @@
                             <a:schemeClr val="tx1"/>
                           </a:solidFill>
                         </a:rPr>
-                        <a:t> низкое количество</a:t>
+                        <a:t> низкое</a:t>
                       </a:r>
                       <a:endParaRPr lang="ru-RU" sz="1400" dirty="0">
                         <a:solidFill>
@@ -14150,7 +14214,7 @@
                             <a:schemeClr val="tx1"/>
                           </a:solidFill>
                         </a:rPr>
-                        <a:t>Пожаров</a:t>
+                        <a:t>Количество пожаров</a:t>
                       </a:r>
                       <a:r>
                         <a:rPr lang="ru-RU" sz="1400" baseline="0" dirty="0" smtClean="0">
@@ -14158,7 +14222,7 @@
                             <a:schemeClr val="tx1"/>
                           </a:solidFill>
                         </a:rPr>
-                        <a:t> низкое количество</a:t>
+                        <a:t> низкое</a:t>
                       </a:r>
                       <a:endParaRPr lang="ru-RU" sz="1400" dirty="0">
                         <a:solidFill>
@@ -19424,13 +19488,8 @@
             </a:r>
             <a:r>
               <a:rPr lang="ru-RU" dirty="0" smtClean="0"/>
-              <a:t>низкая</a:t>
+              <a:t>низкая) </a:t>
             </a:r>
-            <a:r>
-              <a:rPr lang="ru-RU" dirty="0" smtClean="0"/>
-              <a:t>) </a:t>
-            </a:r>
-            <a:endParaRPr lang="ru-RU" dirty="0" smtClean="0"/>
           </a:p>
           <a:p>
             <a:r>
@@ -23556,7 +23615,23 @@
             <a:pPr algn="ctr"/>
             <a:r>
               <a:rPr lang="ru-RU" dirty="0" smtClean="0"/>
-              <a:t>И значении минимальной поддержки наборов равной 15%.</a:t>
+              <a:t>И значении минимальной поддержки наборов равной </a:t>
+            </a:r>
+            <a:r>
+              <a:rPr lang="en-US" dirty="0" smtClean="0"/>
+              <a:t>0.15(</a:t>
+            </a:r>
+            <a:r>
+              <a:rPr lang="ru-RU" dirty="0" smtClean="0"/>
+              <a:t>15%</a:t>
+            </a:r>
+            <a:r>
+              <a:rPr lang="en-US" dirty="0" smtClean="0"/>
+              <a:t>)</a:t>
+            </a:r>
+            <a:r>
+              <a:rPr lang="ru-RU" dirty="0" smtClean="0"/>
+              <a:t>.</a:t>
             </a:r>
             <a:endParaRPr lang="ru-RU" dirty="0"/>
           </a:p>

--- a/Apriori/my_tex/Поиск ассоциативных правил_Apriori.pptx
+++ b/Apriori/my_tex/Поиск ассоциативных правил_Apriori.pptx
@@ -5,24 +5,25 @@
     <p:sldMasterId id="2147483660" r:id="rId1"/>
   </p:sldMasterIdLst>
   <p:notesMasterIdLst>
-    <p:notesMasterId r:id="rId17"/>
+    <p:notesMasterId r:id="rId18"/>
   </p:notesMasterIdLst>
   <p:sldIdLst>
-    <p:sldId id="256" r:id="rId2"/>
-    <p:sldId id="276" r:id="rId3"/>
-    <p:sldId id="258" r:id="rId4"/>
-    <p:sldId id="257" r:id="rId5"/>
-    <p:sldId id="259" r:id="rId6"/>
-    <p:sldId id="261" r:id="rId7"/>
-    <p:sldId id="274" r:id="rId8"/>
-    <p:sldId id="260" r:id="rId9"/>
-    <p:sldId id="277" r:id="rId10"/>
-    <p:sldId id="282" r:id="rId11"/>
-    <p:sldId id="280" r:id="rId12"/>
-    <p:sldId id="263" r:id="rId13"/>
-    <p:sldId id="273" r:id="rId14"/>
-    <p:sldId id="279" r:id="rId15"/>
-    <p:sldId id="278" r:id="rId16"/>
+    <p:sldId id="284" r:id="rId2"/>
+    <p:sldId id="283" r:id="rId3"/>
+    <p:sldId id="276" r:id="rId4"/>
+    <p:sldId id="258" r:id="rId5"/>
+    <p:sldId id="257" r:id="rId6"/>
+    <p:sldId id="259" r:id="rId7"/>
+    <p:sldId id="261" r:id="rId8"/>
+    <p:sldId id="274" r:id="rId9"/>
+    <p:sldId id="260" r:id="rId10"/>
+    <p:sldId id="277" r:id="rId11"/>
+    <p:sldId id="282" r:id="rId12"/>
+    <p:sldId id="280" r:id="rId13"/>
+    <p:sldId id="263" r:id="rId14"/>
+    <p:sldId id="273" r:id="rId15"/>
+    <p:sldId id="279" r:id="rId16"/>
+    <p:sldId id="278" r:id="rId17"/>
   </p:sldIdLst>
   <p:sldSz cx="9144000" cy="6858000" type="screen4x3"/>
   <p:notesSz cx="6858000" cy="9144000"/>
@@ -339,11 +340,11 @@
           <c:showPercent val="0"/>
           <c:showBubbleSize val="0"/>
         </c:dLbls>
-        <c:axId val="81613568"/>
-        <c:axId val="81615104"/>
+        <c:axId val="75715328"/>
+        <c:axId val="75716864"/>
       </c:scatterChart>
       <c:valAx>
-        <c:axId val="81613568"/>
+        <c:axId val="75715328"/>
         <c:scaling>
           <c:orientation val="minMax"/>
         </c:scaling>
@@ -353,12 +354,12 @@
         <c:majorTickMark val="out"/>
         <c:minorTickMark val="none"/>
         <c:tickLblPos val="nextTo"/>
-        <c:crossAx val="81615104"/>
+        <c:crossAx val="75716864"/>
         <c:crosses val="autoZero"/>
         <c:crossBetween val="midCat"/>
       </c:valAx>
       <c:valAx>
-        <c:axId val="81615104"/>
+        <c:axId val="75716864"/>
         <c:scaling>
           <c:orientation val="minMax"/>
         </c:scaling>
@@ -369,7 +370,7 @@
         <c:majorTickMark val="out"/>
         <c:minorTickMark val="none"/>
         <c:tickLblPos val="nextTo"/>
-        <c:crossAx val="81613568"/>
+        <c:crossAx val="75715328"/>
         <c:crosses val="autoZero"/>
         <c:crossBetween val="midCat"/>
       </c:valAx>
@@ -599,11 +600,11 @@
           <c:showPercent val="0"/>
           <c:showBubbleSize val="0"/>
         </c:dLbls>
-        <c:axId val="81651584"/>
-        <c:axId val="81653120"/>
+        <c:axId val="75749248"/>
+        <c:axId val="75750784"/>
       </c:scatterChart>
       <c:valAx>
-        <c:axId val="81651584"/>
+        <c:axId val="75749248"/>
         <c:scaling>
           <c:orientation val="minMax"/>
         </c:scaling>
@@ -613,12 +614,12 @@
         <c:majorTickMark val="out"/>
         <c:minorTickMark val="none"/>
         <c:tickLblPos val="nextTo"/>
-        <c:crossAx val="81653120"/>
+        <c:crossAx val="75750784"/>
         <c:crosses val="autoZero"/>
         <c:crossBetween val="midCat"/>
       </c:valAx>
       <c:valAx>
-        <c:axId val="81653120"/>
+        <c:axId val="75750784"/>
         <c:scaling>
           <c:orientation val="minMax"/>
         </c:scaling>
@@ -629,7 +630,7 @@
         <c:majorTickMark val="out"/>
         <c:minorTickMark val="none"/>
         <c:tickLblPos val="nextTo"/>
-        <c:crossAx val="81651584"/>
+        <c:crossAx val="75749248"/>
         <c:crosses val="autoZero"/>
         <c:crossBetween val="midCat"/>
       </c:valAx>
@@ -726,7 +727,7 @@
           <a:p>
             <a:fld id="{1B5322A2-238D-48CE-A6C1-20B34CF1F297}" type="datetimeFigureOut">
               <a:rPr lang="ru-RU" smtClean="0"/>
-              <a:t>14.03.2014</a:t>
+              <a:t>17.03.2014</a:t>
             </a:fld>
             <a:endParaRPr lang="ru-RU"/>
           </a:p>
@@ -1038,90 +1039,6 @@
           <a:bodyPr/>
           <a:lstStyle/>
           <a:p>
-            <a:endParaRPr lang="ru-RU"/>
-          </a:p>
-        </p:txBody>
-      </p:sp>
-      <p:sp>
-        <p:nvSpPr>
-          <p:cNvPr id="4" name="Номер слайда 3"/>
-          <p:cNvSpPr>
-            <a:spLocks noGrp="1"/>
-          </p:cNvSpPr>
-          <p:nvPr>
-            <p:ph type="sldNum" sz="quarter" idx="10"/>
-          </p:nvPr>
-        </p:nvSpPr>
-        <p:spPr/>
-        <p:txBody>
-          <a:bodyPr/>
-          <a:lstStyle/>
-          <a:p>
-            <a:fld id="{CD0605F1-E06D-4620-A0B4-EA8B38CFE09F}" type="slidenum">
-              <a:rPr lang="ru-RU" smtClean="0"/>
-              <a:t>1</a:t>
-            </a:fld>
-            <a:endParaRPr lang="ru-RU"/>
-          </a:p>
-        </p:txBody>
-      </p:sp>
-    </p:spTree>
-    <p:extLst>
-      <p:ext uri="{BB962C8B-B14F-4D97-AF65-F5344CB8AC3E}">
-        <p14:creationId xmlns:p14="http://schemas.microsoft.com/office/powerpoint/2010/main" val="4178824490"/>
-      </p:ext>
-    </p:extLst>
-  </p:cSld>
-  <p:clrMapOvr>
-    <a:masterClrMapping/>
-  </p:clrMapOvr>
-</p:notes>
-</file>
-
-<file path=ppt/notesSlides/notesSlide2.xml><?xml version="1.0" encoding="utf-8"?>
-<p:notes xmlns:a="http://schemas.openxmlformats.org/drawingml/2006/main" xmlns:r="http://schemas.openxmlformats.org/officeDocument/2006/relationships" xmlns:p="http://schemas.openxmlformats.org/presentationml/2006/main">
-  <p:cSld>
-    <p:spTree>
-      <p:nvGrpSpPr>
-        <p:cNvPr id="1" name=""/>
-        <p:cNvGrpSpPr/>
-        <p:nvPr/>
-      </p:nvGrpSpPr>
-      <p:grpSpPr>
-        <a:xfrm>
-          <a:off x="0" y="0"/>
-          <a:ext cx="0" cy="0"/>
-          <a:chOff x="0" y="0"/>
-          <a:chExt cx="0" cy="0"/>
-        </a:xfrm>
-      </p:grpSpPr>
-      <p:sp>
-        <p:nvSpPr>
-          <p:cNvPr id="2" name="Образ слайда 1"/>
-          <p:cNvSpPr>
-            <a:spLocks noGrp="1" noRot="1" noChangeAspect="1"/>
-          </p:cNvSpPr>
-          <p:nvPr>
-            <p:ph type="sldImg"/>
-          </p:nvPr>
-        </p:nvSpPr>
-        <p:spPr/>
-      </p:sp>
-      <p:sp>
-        <p:nvSpPr>
-          <p:cNvPr id="3" name="Заметки 2"/>
-          <p:cNvSpPr>
-            <a:spLocks noGrp="1"/>
-          </p:cNvSpPr>
-          <p:nvPr>
-            <p:ph type="body" idx="1"/>
-          </p:nvPr>
-        </p:nvSpPr>
-        <p:spPr/>
-        <p:txBody>
-          <a:bodyPr/>
-          <a:lstStyle/>
-          <a:p>
             <a:endParaRPr lang="ru-RU" dirty="0"/>
           </a:p>
         </p:txBody>
@@ -1143,7 +1060,7 @@
           <a:p>
             <a:fld id="{CD0605F1-E06D-4620-A0B4-EA8B38CFE09F}" type="slidenum">
               <a:rPr lang="ru-RU" smtClean="0"/>
-              <a:t>2</a:t>
+              <a:t>3</a:t>
             </a:fld>
             <a:endParaRPr lang="ru-RU"/>
           </a:p>
@@ -1162,7 +1079,7 @@
 </p:notes>
 </file>
 
-<file path=ppt/notesSlides/notesSlide3.xml><?xml version="1.0" encoding="utf-8"?>
+<file path=ppt/notesSlides/notesSlide2.xml><?xml version="1.0" encoding="utf-8"?>
 <p:notes xmlns:a="http://schemas.openxmlformats.org/drawingml/2006/main" xmlns:r="http://schemas.openxmlformats.org/officeDocument/2006/relationships" xmlns:p="http://schemas.openxmlformats.org/presentationml/2006/main">
   <p:cSld>
     <p:spTree>
@@ -1227,7 +1144,7 @@
           <a:p>
             <a:fld id="{CD0605F1-E06D-4620-A0B4-EA8B38CFE09F}" type="slidenum">
               <a:rPr lang="ru-RU" smtClean="0"/>
-              <a:t>14</a:t>
+              <a:t>15</a:t>
             </a:fld>
             <a:endParaRPr lang="ru-RU"/>
           </a:p>
@@ -1438,7 +1355,7 @@
           <a:p>
             <a:fld id="{FF8843E8-E415-417A-8488-395A8465952E}" type="datetime1">
               <a:rPr lang="ru-RU" smtClean="0"/>
-              <a:t>14.03.2014</a:t>
+              <a:t>17.03.2014</a:t>
             </a:fld>
             <a:endParaRPr lang="ru-RU"/>
           </a:p>
@@ -1603,7 +1520,7 @@
           <a:p>
             <a:fld id="{D935A599-0941-4E14-9EB8-00E24AC3164C}" type="datetime1">
               <a:rPr lang="ru-RU" smtClean="0"/>
-              <a:t>14.03.2014</a:t>
+              <a:t>17.03.2014</a:t>
             </a:fld>
             <a:endParaRPr lang="ru-RU"/>
           </a:p>
@@ -1778,7 +1695,7 @@
           <a:p>
             <a:fld id="{C3497FEF-C694-44E3-B1CA-5959A09E7702}" type="datetime1">
               <a:rPr lang="ru-RU" smtClean="0"/>
-              <a:t>14.03.2014</a:t>
+              <a:t>17.03.2014</a:t>
             </a:fld>
             <a:endParaRPr lang="ru-RU"/>
           </a:p>
@@ -1961,7 +1878,7 @@
           <a:p>
             <a:fld id="{F1521FC8-4E9F-4899-9B48-3958713A0443}" type="datetime1">
               <a:rPr lang="ru-RU" smtClean="0"/>
-              <a:t>14.03.2014</a:t>
+              <a:t>17.03.2014</a:t>
             </a:fld>
             <a:endParaRPr lang="ru-RU"/>
           </a:p>
@@ -2223,7 +2140,7 @@
           <a:p>
             <a:fld id="{A0EA8BEB-A9B4-4756-AF7E-2EE8CFA4BBD3}" type="datetime1">
               <a:rPr lang="ru-RU" smtClean="0"/>
-              <a:t>14.03.2014</a:t>
+              <a:t>17.03.2014</a:t>
             </a:fld>
             <a:endParaRPr lang="ru-RU"/>
           </a:p>
@@ -2571,7 +2488,7 @@
           <a:p>
             <a:fld id="{41782552-AAFA-4D58-AD69-FEE9246D4ABA}" type="datetime1">
               <a:rPr lang="ru-RU" smtClean="0"/>
-              <a:t>14.03.2014</a:t>
+              <a:t>17.03.2014</a:t>
             </a:fld>
             <a:endParaRPr lang="ru-RU"/>
           </a:p>
@@ -2879,7 +2796,7 @@
           <a:p>
             <a:fld id="{BD52595D-C00E-424A-9F13-46C770A829AE}" type="datetime1">
               <a:rPr lang="ru-RU" smtClean="0"/>
-              <a:t>14.03.2014</a:t>
+              <a:t>17.03.2014</a:t>
             </a:fld>
             <a:endParaRPr lang="ru-RU"/>
           </a:p>
@@ -3106,7 +3023,7 @@
           <a:p>
             <a:fld id="{B230960D-0EB6-4A82-A4E8-6562C3600EB9}" type="datetime1">
               <a:rPr lang="ru-RU" smtClean="0"/>
-              <a:t>14.03.2014</a:t>
+              <a:t>17.03.2014</a:t>
             </a:fld>
             <a:endParaRPr lang="ru-RU"/>
           </a:p>
@@ -3196,7 +3113,7 @@
           <a:p>
             <a:fld id="{15E4B59A-F892-48CB-A840-2EEA18DE8637}" type="datetime1">
               <a:rPr lang="ru-RU" smtClean="0"/>
-              <a:t>14.03.2014</a:t>
+              <a:t>17.03.2014</a:t>
             </a:fld>
             <a:endParaRPr lang="ru-RU"/>
           </a:p>
@@ -3484,7 +3401,7 @@
           <a:p>
             <a:fld id="{D4B7635B-3912-4994-9517-7263B9610B86}" type="datetime1">
               <a:rPr lang="ru-RU" smtClean="0"/>
-              <a:t>14.03.2014</a:t>
+              <a:t>17.03.2014</a:t>
             </a:fld>
             <a:endParaRPr lang="ru-RU"/>
           </a:p>
@@ -3753,7 +3670,7 @@
           <a:p>
             <a:fld id="{663C5BE7-0CED-49CA-A68D-11FA18C9C38B}" type="datetime1">
               <a:rPr lang="ru-RU" smtClean="0"/>
-              <a:t>14.03.2014</a:t>
+              <a:t>17.03.2014</a:t>
             </a:fld>
             <a:endParaRPr lang="ru-RU"/>
           </a:p>
@@ -3963,7 +3880,7 @@
           <a:p>
             <a:fld id="{786FEF34-1197-40F3-A733-EEBE93317C99}" type="datetime1">
               <a:rPr lang="ru-RU" smtClean="0"/>
-              <a:t>14.03.2014</a:t>
+              <a:t>17.03.2014</a:t>
             </a:fld>
             <a:endParaRPr lang="ru-RU"/>
           </a:p>
@@ -4484,60 +4401,12 @@
       </p:grpSpPr>
       <p:sp>
         <p:nvSpPr>
-          <p:cNvPr id="2" name="Заголовок 1"/>
+          <p:cNvPr id="2" name="Номер слайда 1"/>
           <p:cNvSpPr>
             <a:spLocks noGrp="1"/>
           </p:cNvSpPr>
           <p:nvPr>
-            <p:ph type="ctrTitle"/>
-          </p:nvPr>
-        </p:nvSpPr>
-        <p:spPr>
-          <a:xfrm>
-            <a:off x="611560" y="1700808"/>
-            <a:ext cx="7772400" cy="1951856"/>
-          </a:xfrm>
-        </p:spPr>
-        <p:txBody>
-          <a:bodyPr/>
-          <a:lstStyle/>
-          <a:p>
-            <a:r>
-              <a:rPr lang="ru-RU" sz="4000" dirty="0">
-                <a:effectLst/>
-              </a:rPr>
-              <a:t>Поиск ассоциативных правил </a:t>
-            </a:r>
-            <a:r>
-              <a:rPr lang="ru-RU" sz="4000" dirty="0" smtClean="0">
-                <a:effectLst/>
-              </a:rPr>
-              <a:t>для оценки </a:t>
-            </a:r>
-            <a:r>
-              <a:rPr lang="ru-RU" sz="4000" dirty="0">
-                <a:effectLst/>
-              </a:rPr>
-              <a:t>количества лесных пожаров в модели </a:t>
-            </a:r>
-            <a:r>
-              <a:rPr lang="ru-RU" sz="4000" dirty="0" smtClean="0">
-                <a:effectLst/>
-              </a:rPr>
-              <a:t>ANFIS</a:t>
-            </a:r>
-            <a:endParaRPr lang="ru-RU" sz="4000" dirty="0"/>
-          </a:p>
-        </p:txBody>
-      </p:sp>
-      <p:sp>
-        <p:nvSpPr>
-          <p:cNvPr id="3" name="Подзаголовок 2"/>
-          <p:cNvSpPr>
-            <a:spLocks noGrp="1"/>
-          </p:cNvSpPr>
-          <p:nvPr>
-            <p:ph type="subTitle" idx="1"/>
+            <p:ph type="sldNum" sz="quarter" idx="12"/>
           </p:nvPr>
         </p:nvSpPr>
         <p:spPr/>
@@ -4545,22 +4414,348 @@
           <a:bodyPr/>
           <a:lstStyle/>
           <a:p>
+            <a:fld id="{EDFC3FDD-8E34-46B9-B4F0-1D742C30C66D}" type="slidenum">
+              <a:rPr lang="ru-RU" smtClean="0"/>
+              <a:t>1</a:t>
+            </a:fld>
+            <a:endParaRPr lang="ru-RU"/>
+          </a:p>
+        </p:txBody>
+      </p:sp>
+      <p:sp>
+        <p:nvSpPr>
+          <p:cNvPr id="3" name="TextBox 2"/>
+          <p:cNvSpPr txBox="1"/>
+          <p:nvPr/>
+        </p:nvSpPr>
+        <p:spPr>
+          <a:xfrm>
+            <a:off x="3579128" y="6021288"/>
+            <a:ext cx="1971950" cy="400110"/>
+          </a:xfrm>
+          <a:prstGeom prst="rect">
+            <a:avLst/>
+          </a:prstGeom>
+          <a:noFill/>
+        </p:spPr>
+        <p:txBody>
+          <a:bodyPr wrap="none" rtlCol="0">
+            <a:spAutoFit/>
+          </a:bodyPr>
+          <a:lstStyle/>
+          <a:p>
+            <a:r>
+              <a:rPr lang="ru-RU" sz="2000" dirty="0" smtClean="0">
+                <a:solidFill>
+                  <a:schemeClr val="tx2">
+                    <a:lumMod val="50000"/>
+                  </a:schemeClr>
+                </a:solidFill>
+                <a:latin typeface="Times New Roman" pitchFamily="18" charset="0"/>
+                <a:cs typeface="Times New Roman" pitchFamily="18" charset="0"/>
+              </a:rPr>
+              <a:t>г. Химки – 2014</a:t>
+            </a:r>
+            <a:endParaRPr lang="ru-RU" sz="2000" dirty="0">
+              <a:solidFill>
+                <a:schemeClr val="tx2">
+                  <a:lumMod val="50000"/>
+                </a:schemeClr>
+              </a:solidFill>
+              <a:latin typeface="Times New Roman" pitchFamily="18" charset="0"/>
+              <a:cs typeface="Times New Roman" pitchFamily="18" charset="0"/>
+            </a:endParaRPr>
+          </a:p>
+        </p:txBody>
+      </p:sp>
+      <p:sp>
+        <p:nvSpPr>
+          <p:cNvPr id="4" name="TextBox 3"/>
+          <p:cNvSpPr txBox="1"/>
+          <p:nvPr/>
+        </p:nvSpPr>
+        <p:spPr>
+          <a:xfrm>
+            <a:off x="251520" y="332656"/>
+            <a:ext cx="8640960" cy="923330"/>
+          </a:xfrm>
+          <a:prstGeom prst="rect">
+            <a:avLst/>
+          </a:prstGeom>
+          <a:noFill/>
+        </p:spPr>
+        <p:txBody>
+          <a:bodyPr wrap="square" rtlCol="0">
+            <a:spAutoFit/>
+          </a:bodyPr>
+          <a:lstStyle/>
+          <a:p>
+            <a:pPr algn="ctr"/>
             <a:r>
               <a:rPr lang="ru-RU" dirty="0" smtClean="0">
                 <a:solidFill>
-                  <a:schemeClr val="accent6">
-                    <a:lumMod val="75000"/>
+                  <a:schemeClr val="tx2">
+                    <a:lumMod val="50000"/>
                   </a:schemeClr>
                 </a:solidFill>
+                <a:latin typeface="Times New Roman" pitchFamily="18" charset="0"/>
+                <a:cs typeface="Times New Roman" pitchFamily="18" charset="0"/>
               </a:rPr>
-              <a:t>Костенчук Михаил Ильич</a:t>
+              <a:t>МИНИСТЕРСТВО РОССИЙСКОЙ ФЕДЕРАЦИИ</a:t>
             </a:r>
-            <a:endParaRPr lang="ru-RU" dirty="0">
+          </a:p>
+          <a:p>
+            <a:pPr algn="ctr"/>
+            <a:r>
+              <a:rPr lang="ru-RU" dirty="0" smtClean="0">
+                <a:solidFill>
+                  <a:schemeClr val="tx2">
+                    <a:lumMod val="50000"/>
+                  </a:schemeClr>
+                </a:solidFill>
+                <a:latin typeface="Times New Roman" pitchFamily="18" charset="0"/>
+                <a:cs typeface="Times New Roman" pitchFamily="18" charset="0"/>
+              </a:rPr>
+              <a:t>ПО ДЕЛАМ ГРАЖДАНСКОЙ ОБОРОНЫ, ЧРЕЗВЫЧАЙНЫМСИТУАЦИЯМ И ЛИКВИДАЦИИ ПОСЛЕДСТВИЙ СТИХИЙНЫХ БЕДСТВИЙ</a:t>
+            </a:r>
+          </a:p>
+        </p:txBody>
+      </p:sp>
+      <p:sp>
+        <p:nvSpPr>
+          <p:cNvPr id="5" name="TextBox 4"/>
+          <p:cNvSpPr txBox="1"/>
+          <p:nvPr/>
+        </p:nvSpPr>
+        <p:spPr>
+          <a:xfrm>
+            <a:off x="251520" y="1340768"/>
+            <a:ext cx="8640960" cy="400110"/>
+          </a:xfrm>
+          <a:prstGeom prst="rect">
+            <a:avLst/>
+          </a:prstGeom>
+          <a:noFill/>
+        </p:spPr>
+        <p:txBody>
+          <a:bodyPr wrap="square" rtlCol="0">
+            <a:spAutoFit/>
+          </a:bodyPr>
+          <a:lstStyle/>
+          <a:p>
+            <a:pPr algn="ctr"/>
+            <a:r>
+              <a:rPr lang="ru-RU" sz="2000" b="1" dirty="0" smtClean="0">
+                <a:solidFill>
+                  <a:schemeClr val="tx2">
+                    <a:lumMod val="50000"/>
+                  </a:schemeClr>
+                </a:solidFill>
+                <a:latin typeface="Times New Roman" pitchFamily="18" charset="0"/>
+                <a:cs typeface="Times New Roman" pitchFamily="18" charset="0"/>
+              </a:rPr>
+              <a:t>Академия гражданской защиты</a:t>
+            </a:r>
+            <a:endParaRPr lang="ru-RU" sz="2000" b="1" dirty="0">
               <a:solidFill>
-                <a:schemeClr val="accent6">
-                  <a:lumMod val="75000"/>
+                <a:schemeClr val="tx2">
+                  <a:lumMod val="50000"/>
                 </a:schemeClr>
               </a:solidFill>
+              <a:latin typeface="Times New Roman" pitchFamily="18" charset="0"/>
+              <a:cs typeface="Times New Roman" pitchFamily="18" charset="0"/>
+            </a:endParaRPr>
+          </a:p>
+        </p:txBody>
+      </p:sp>
+      <p:sp>
+        <p:nvSpPr>
+          <p:cNvPr id="6" name="Прямоугольник 5"/>
+          <p:cNvSpPr/>
+          <p:nvPr/>
+        </p:nvSpPr>
+        <p:spPr>
+          <a:xfrm>
+            <a:off x="251520" y="2420888"/>
+            <a:ext cx="8640960" cy="830997"/>
+          </a:xfrm>
+          <a:prstGeom prst="rect">
+            <a:avLst/>
+          </a:prstGeom>
+          <a:noFill/>
+        </p:spPr>
+        <p:txBody>
+          <a:bodyPr wrap="square" lIns="91440" tIns="45720" rIns="91440" bIns="45720">
+            <a:spAutoFit/>
+            <a:scene3d>
+              <a:camera prst="orthographicFront"/>
+              <a:lightRig rig="soft" dir="tl">
+                <a:rot lat="0" lon="0" rev="0"/>
+              </a:lightRig>
+            </a:scene3d>
+            <a:sp3d contourW="25400" prstMaterial="matte">
+              <a:bevelT w="25400" h="55880" prst="artDeco"/>
+              <a:contourClr>
+                <a:schemeClr val="accent2">
+                  <a:tint val="20000"/>
+                </a:schemeClr>
+              </a:contourClr>
+            </a:sp3d>
+          </a:bodyPr>
+          <a:lstStyle/>
+          <a:p>
+            <a:pPr algn="ctr"/>
+            <a:r>
+              <a:rPr lang="ru-RU" sz="2400" b="1" spc="50" dirty="0" smtClean="0">
+                <a:ln w="11430"/>
+                <a:solidFill>
+                  <a:srgbClr val="CC0000"/>
+                </a:solidFill>
+                <a:effectLst>
+                  <a:outerShdw blurRad="76200" dist="50800" dir="5400000" algn="tl" rotWithShape="0">
+                    <a:srgbClr val="000000">
+                      <a:alpha val="65000"/>
+                    </a:srgbClr>
+                  </a:outerShdw>
+                </a:effectLst>
+                <a:latin typeface="Arial Black" pitchFamily="34" charset="0"/>
+              </a:rPr>
+              <a:t>Разработка </a:t>
+            </a:r>
+            <a:r>
+              <a:rPr lang="ru-RU" sz="2400" b="1" spc="50" dirty="0">
+                <a:ln w="11430"/>
+                <a:solidFill>
+                  <a:srgbClr val="CC0000"/>
+                </a:solidFill>
+                <a:effectLst>
+                  <a:outerShdw blurRad="76200" dist="50800" dir="5400000" algn="tl" rotWithShape="0">
+                    <a:srgbClr val="000000">
+                      <a:alpha val="65000"/>
+                    </a:srgbClr>
+                  </a:outerShdw>
+                </a:effectLst>
+                <a:latin typeface="Arial Black" pitchFamily="34" charset="0"/>
+              </a:rPr>
+              <a:t>информационной системы прогнозирования природных лесных </a:t>
+            </a:r>
+            <a:r>
+              <a:rPr lang="ru-RU" sz="2400" b="1" spc="50" dirty="0" smtClean="0">
+                <a:ln w="11430"/>
+                <a:solidFill>
+                  <a:srgbClr val="CC0000"/>
+                </a:solidFill>
+                <a:effectLst>
+                  <a:outerShdw blurRad="76200" dist="50800" dir="5400000" algn="tl" rotWithShape="0">
+                    <a:srgbClr val="000000">
+                      <a:alpha val="65000"/>
+                    </a:srgbClr>
+                  </a:outerShdw>
+                </a:effectLst>
+                <a:latin typeface="Arial Black" pitchFamily="34" charset="0"/>
+              </a:rPr>
+              <a:t>пожаров</a:t>
+            </a:r>
+            <a:endParaRPr lang="ru-RU" sz="2400" b="1" spc="50" dirty="0">
+              <a:ln w="11430"/>
+              <a:solidFill>
+                <a:srgbClr val="CC0000"/>
+              </a:solidFill>
+              <a:effectLst>
+                <a:outerShdw blurRad="76200" dist="50800" dir="5400000" algn="tl" rotWithShape="0">
+                  <a:srgbClr val="000000">
+                    <a:alpha val="65000"/>
+                  </a:srgbClr>
+                </a:outerShdw>
+              </a:effectLst>
+              <a:latin typeface="Arial Black" pitchFamily="34" charset="0"/>
+            </a:endParaRPr>
+          </a:p>
+        </p:txBody>
+      </p:sp>
+      <p:sp>
+        <p:nvSpPr>
+          <p:cNvPr id="7" name="Прямоугольник 6"/>
+          <p:cNvSpPr/>
+          <p:nvPr/>
+        </p:nvSpPr>
+        <p:spPr>
+          <a:xfrm>
+            <a:off x="5148064" y="4077072"/>
+            <a:ext cx="3600400" cy="1015663"/>
+          </a:xfrm>
+          <a:prstGeom prst="rect">
+            <a:avLst/>
+          </a:prstGeom>
+        </p:spPr>
+        <p:txBody>
+          <a:bodyPr wrap="square">
+            <a:spAutoFit/>
+          </a:bodyPr>
+          <a:lstStyle/>
+          <a:p>
+            <a:r>
+              <a:rPr lang="ru-RU" sz="2000" dirty="0" smtClean="0">
+                <a:solidFill>
+                  <a:schemeClr val="tx2">
+                    <a:lumMod val="50000"/>
+                  </a:schemeClr>
+                </a:solidFill>
+                <a:latin typeface="Times New Roman" pitchFamily="18" charset="0"/>
+                <a:cs typeface="Times New Roman" pitchFamily="18" charset="0"/>
+              </a:rPr>
+              <a:t>Разработчики: Белоусов Р.Л.</a:t>
+            </a:r>
+          </a:p>
+          <a:p>
+            <a:pPr indent="1616075"/>
+            <a:r>
+              <a:rPr lang="ru-RU" sz="2000" dirty="0" smtClean="0">
+                <a:solidFill>
+                  <a:schemeClr val="tx2">
+                    <a:lumMod val="50000"/>
+                  </a:schemeClr>
+                </a:solidFill>
+                <a:latin typeface="Times New Roman" pitchFamily="18" charset="0"/>
+                <a:cs typeface="Times New Roman" pitchFamily="18" charset="0"/>
+              </a:rPr>
+              <a:t>Дрожжин Н.А.</a:t>
+            </a:r>
+          </a:p>
+          <a:p>
+            <a:pPr indent="1616075"/>
+            <a:r>
+              <a:rPr lang="ru-RU" sz="2000" dirty="0" err="1" smtClean="0">
+                <a:solidFill>
+                  <a:schemeClr val="tx2">
+                    <a:lumMod val="50000"/>
+                  </a:schemeClr>
+                </a:solidFill>
+                <a:latin typeface="Times New Roman" pitchFamily="18" charset="0"/>
+                <a:cs typeface="Times New Roman" pitchFamily="18" charset="0"/>
+              </a:rPr>
+              <a:t>Костенчук</a:t>
+            </a:r>
+            <a:r>
+              <a:rPr lang="ru-RU" sz="2000" dirty="0" smtClean="0">
+                <a:solidFill>
+                  <a:schemeClr val="tx2">
+                    <a:lumMod val="50000"/>
+                  </a:schemeClr>
+                </a:solidFill>
+                <a:latin typeface="Times New Roman" pitchFamily="18" charset="0"/>
+                <a:cs typeface="Times New Roman" pitchFamily="18" charset="0"/>
+              </a:rPr>
+              <a:t> М.И.</a:t>
+            </a:r>
+            <a:endParaRPr lang="ru-RU" sz="2000" dirty="0">
+              <a:solidFill>
+                <a:schemeClr val="tx2">
+                  <a:lumMod val="50000"/>
+                </a:schemeClr>
+              </a:solidFill>
+              <a:latin typeface="Times New Roman" pitchFamily="18" charset="0"/>
+              <a:cs typeface="Times New Roman" pitchFamily="18" charset="0"/>
             </a:endParaRPr>
           </a:p>
         </p:txBody>
@@ -4568,7 +4763,3395 @@
     </p:spTree>
     <p:extLst>
       <p:ext uri="{BB962C8B-B14F-4D97-AF65-F5344CB8AC3E}">
-        <p14:creationId xmlns:p14="http://schemas.microsoft.com/office/powerpoint/2010/main" val="1824440564"/>
+        <p14:creationId xmlns:p14="http://schemas.microsoft.com/office/powerpoint/2010/main" val="3641135453"/>
+      </p:ext>
+    </p:extLst>
+  </p:cSld>
+  <p:clrMapOvr>
+    <a:masterClrMapping/>
+  </p:clrMapOvr>
+</p:sld>
+</file>
+
+<file path=ppt/slides/slide10.xml><?xml version="1.0" encoding="utf-8"?>
+<p:sld xmlns:a="http://schemas.openxmlformats.org/drawingml/2006/main" xmlns:r="http://schemas.openxmlformats.org/officeDocument/2006/relationships" xmlns:p="http://schemas.openxmlformats.org/presentationml/2006/main">
+  <p:cSld>
+    <p:bg>
+      <p:bgPr>
+        <a:gradFill>
+          <a:gsLst>
+            <a:gs pos="50000">
+              <a:schemeClr val="bg1">
+                <a:tint val="80000"/>
+                <a:satMod val="250000"/>
+              </a:schemeClr>
+            </a:gs>
+            <a:gs pos="76000">
+              <a:schemeClr val="bg1">
+                <a:tint val="90000"/>
+                <a:shade val="90000"/>
+                <a:satMod val="200000"/>
+              </a:schemeClr>
+            </a:gs>
+            <a:gs pos="92000">
+              <a:schemeClr val="bg1">
+                <a:tint val="90000"/>
+                <a:shade val="70000"/>
+                <a:satMod val="250000"/>
+              </a:schemeClr>
+            </a:gs>
+          </a:gsLst>
+          <a:path path="circle">
+            <a:fillToRect l="50000" t="50000" r="50000" b="50000"/>
+          </a:path>
+        </a:gradFill>
+        <a:effectLst/>
+      </p:bgPr>
+    </p:bg>
+    <p:spTree>
+      <p:nvGrpSpPr>
+        <p:cNvPr id="1" name=""/>
+        <p:cNvGrpSpPr/>
+        <p:nvPr/>
+      </p:nvGrpSpPr>
+      <p:grpSpPr>
+        <a:xfrm>
+          <a:off x="0" y="0"/>
+          <a:ext cx="0" cy="0"/>
+          <a:chOff x="0" y="0"/>
+          <a:chExt cx="0" cy="0"/>
+        </a:xfrm>
+      </p:grpSpPr>
+      <p:graphicFrame>
+        <p:nvGraphicFramePr>
+          <p:cNvPr id="4" name="Объект 3"/>
+          <p:cNvGraphicFramePr>
+            <a:graphicFrameLocks/>
+          </p:cNvGraphicFramePr>
+          <p:nvPr>
+            <p:extLst>
+              <p:ext uri="{D42A27DB-BD31-4B8C-83A1-F6EECF244321}">
+                <p14:modId xmlns:p14="http://schemas.microsoft.com/office/powerpoint/2010/main" val="2557878741"/>
+              </p:ext>
+            </p:extLst>
+          </p:nvPr>
+        </p:nvGraphicFramePr>
+        <p:xfrm>
+          <a:off x="457200" y="2164432"/>
+          <a:ext cx="2592288" cy="3352800"/>
+        </p:xfrm>
+        <a:graphic>
+          <a:graphicData uri="http://schemas.openxmlformats.org/drawingml/2006/table">
+            <a:tbl>
+              <a:tblPr firstRow="1" bandRow="1">
+                <a:tableStyleId>{E8034E78-7F5D-4C2E-B375-FC64B27BC917}</a:tableStyleId>
+              </a:tblPr>
+              <a:tblGrid>
+                <a:gridCol w="591141"/>
+                <a:gridCol w="667049"/>
+                <a:gridCol w="667049"/>
+                <a:gridCol w="667049"/>
+              </a:tblGrid>
+              <a:tr h="202932">
+                <a:tc>
+                  <a:txBody>
+                    <a:bodyPr/>
+                    <a:lstStyle/>
+                    <a:p>
+                      <a:pPr algn="ctr"/>
+                      <a:r>
+                        <a:rPr lang="ru-RU" sz="1400" dirty="0" smtClean="0"/>
+                        <a:t>А</a:t>
+                      </a:r>
+                      <a:endParaRPr lang="ru-RU" sz="1400" dirty="0"/>
+                    </a:p>
+                  </a:txBody>
+                  <a:tcPr>
+                    <a:lnL w="6350" cap="flat" cmpd="sng" algn="ctr">
+                      <a:solidFill>
+                        <a:schemeClr val="tx2"/>
+                      </a:solidFill>
+                      <a:prstDash val="solid"/>
+                      <a:round/>
+                      <a:headEnd type="none" w="med" len="med"/>
+                      <a:tailEnd type="none" w="med" len="med"/>
+                    </a:lnL>
+                    <a:lnR w="6350" cap="flat" cmpd="sng" algn="ctr">
+                      <a:solidFill>
+                        <a:schemeClr val="tx2"/>
+                      </a:solidFill>
+                      <a:prstDash val="solid"/>
+                      <a:round/>
+                      <a:headEnd type="none" w="med" len="med"/>
+                      <a:tailEnd type="none" w="med" len="med"/>
+                    </a:lnR>
+                    <a:lnT w="6350" cap="flat" cmpd="sng" algn="ctr">
+                      <a:solidFill>
+                        <a:schemeClr val="tx2"/>
+                      </a:solidFill>
+                      <a:prstDash val="solid"/>
+                      <a:round/>
+                      <a:headEnd type="none" w="med" len="med"/>
+                      <a:tailEnd type="none" w="med" len="med"/>
+                    </a:lnT>
+                    <a:lnB w="6350" cap="flat" cmpd="sng" algn="ctr">
+                      <a:solidFill>
+                        <a:schemeClr val="tx2"/>
+                      </a:solidFill>
+                      <a:prstDash val="solid"/>
+                      <a:round/>
+                      <a:headEnd type="none" w="med" len="med"/>
+                      <a:tailEnd type="none" w="med" len="med"/>
+                    </a:lnB>
+                    <a:lnTlToBr w="12700" cmpd="sng">
+                      <a:noFill/>
+                      <a:prstDash val="solid"/>
+                    </a:lnTlToBr>
+                    <a:lnBlToTr w="12700" cmpd="sng">
+                      <a:noFill/>
+                      <a:prstDash val="solid"/>
+                    </a:lnBlToTr>
+                  </a:tcPr>
+                </a:tc>
+                <a:tc>
+                  <a:txBody>
+                    <a:bodyPr/>
+                    <a:lstStyle/>
+                    <a:p>
+                      <a:pPr algn="ctr"/>
+                      <a:r>
+                        <a:rPr lang="ru-RU" sz="1400" dirty="0" smtClean="0"/>
+                        <a:t>Б</a:t>
+                      </a:r>
+                      <a:endParaRPr lang="ru-RU" sz="1400" baseline="-25000" dirty="0"/>
+                    </a:p>
+                  </a:txBody>
+                  <a:tcPr>
+                    <a:lnL w="6350" cap="flat" cmpd="sng" algn="ctr">
+                      <a:solidFill>
+                        <a:schemeClr val="tx2"/>
+                      </a:solidFill>
+                      <a:prstDash val="solid"/>
+                      <a:round/>
+                      <a:headEnd type="none" w="med" len="med"/>
+                      <a:tailEnd type="none" w="med" len="med"/>
+                    </a:lnL>
+                    <a:lnR w="6350" cap="flat" cmpd="sng" algn="ctr">
+                      <a:solidFill>
+                        <a:schemeClr val="tx2"/>
+                      </a:solidFill>
+                      <a:prstDash val="solid"/>
+                      <a:round/>
+                      <a:headEnd type="none" w="med" len="med"/>
+                      <a:tailEnd type="none" w="med" len="med"/>
+                    </a:lnR>
+                    <a:lnT w="6350" cap="flat" cmpd="sng" algn="ctr">
+                      <a:solidFill>
+                        <a:schemeClr val="tx2"/>
+                      </a:solidFill>
+                      <a:prstDash val="solid"/>
+                      <a:round/>
+                      <a:headEnd type="none" w="med" len="med"/>
+                      <a:tailEnd type="none" w="med" len="med"/>
+                    </a:lnT>
+                    <a:lnB w="6350" cap="flat" cmpd="sng" algn="ctr">
+                      <a:solidFill>
+                        <a:schemeClr val="tx2"/>
+                      </a:solidFill>
+                      <a:prstDash val="solid"/>
+                      <a:round/>
+                      <a:headEnd type="none" w="med" len="med"/>
+                      <a:tailEnd type="none" w="med" len="med"/>
+                    </a:lnB>
+                    <a:lnTlToBr w="12700" cmpd="sng">
+                      <a:noFill/>
+                      <a:prstDash val="solid"/>
+                    </a:lnTlToBr>
+                    <a:lnBlToTr w="12700" cmpd="sng">
+                      <a:noFill/>
+                      <a:prstDash val="solid"/>
+                    </a:lnBlToTr>
+                  </a:tcPr>
+                </a:tc>
+                <a:tc>
+                  <a:txBody>
+                    <a:bodyPr/>
+                    <a:lstStyle/>
+                    <a:p>
+                      <a:pPr algn="ctr"/>
+                      <a:r>
+                        <a:rPr lang="ru-RU" sz="1400" dirty="0" smtClean="0"/>
+                        <a:t>В</a:t>
+                      </a:r>
+                      <a:endParaRPr lang="ru-RU" sz="1400" dirty="0"/>
+                    </a:p>
+                  </a:txBody>
+                  <a:tcPr>
+                    <a:lnL w="6350" cap="flat" cmpd="sng" algn="ctr">
+                      <a:solidFill>
+                        <a:schemeClr val="tx2"/>
+                      </a:solidFill>
+                      <a:prstDash val="solid"/>
+                      <a:round/>
+                      <a:headEnd type="none" w="med" len="med"/>
+                      <a:tailEnd type="none" w="med" len="med"/>
+                    </a:lnL>
+                    <a:lnR w="6350" cap="flat" cmpd="sng" algn="ctr">
+                      <a:solidFill>
+                        <a:schemeClr val="tx2"/>
+                      </a:solidFill>
+                      <a:prstDash val="solid"/>
+                      <a:round/>
+                      <a:headEnd type="none" w="med" len="med"/>
+                      <a:tailEnd type="none" w="med" len="med"/>
+                    </a:lnR>
+                    <a:lnT w="6350" cap="flat" cmpd="sng" algn="ctr">
+                      <a:solidFill>
+                        <a:schemeClr val="tx2"/>
+                      </a:solidFill>
+                      <a:prstDash val="solid"/>
+                      <a:round/>
+                      <a:headEnd type="none" w="med" len="med"/>
+                      <a:tailEnd type="none" w="med" len="med"/>
+                    </a:lnT>
+                    <a:lnB w="6350" cap="flat" cmpd="sng" algn="ctr">
+                      <a:solidFill>
+                        <a:schemeClr val="tx2"/>
+                      </a:solidFill>
+                      <a:prstDash val="solid"/>
+                      <a:round/>
+                      <a:headEnd type="none" w="med" len="med"/>
+                      <a:tailEnd type="none" w="med" len="med"/>
+                    </a:lnB>
+                    <a:lnTlToBr w="12700" cmpd="sng">
+                      <a:noFill/>
+                      <a:prstDash val="solid"/>
+                    </a:lnTlToBr>
+                    <a:lnBlToTr w="12700" cmpd="sng">
+                      <a:noFill/>
+                      <a:prstDash val="solid"/>
+                    </a:lnBlToTr>
+                  </a:tcPr>
+                </a:tc>
+                <a:tc>
+                  <a:txBody>
+                    <a:bodyPr/>
+                    <a:lstStyle/>
+                    <a:p>
+                      <a:pPr algn="ctr"/>
+                      <a:r>
+                        <a:rPr lang="ru-RU" sz="1400" dirty="0" smtClean="0"/>
+                        <a:t>Г</a:t>
+                      </a:r>
+                      <a:endParaRPr lang="ru-RU" sz="1400" dirty="0"/>
+                    </a:p>
+                  </a:txBody>
+                  <a:tcPr>
+                    <a:lnL w="6350" cap="flat" cmpd="sng" algn="ctr">
+                      <a:solidFill>
+                        <a:schemeClr val="tx2"/>
+                      </a:solidFill>
+                      <a:prstDash val="solid"/>
+                      <a:round/>
+                      <a:headEnd type="none" w="med" len="med"/>
+                      <a:tailEnd type="none" w="med" len="med"/>
+                    </a:lnL>
+                    <a:lnR w="6350" cap="flat" cmpd="sng" algn="ctr">
+                      <a:solidFill>
+                        <a:schemeClr val="tx2"/>
+                      </a:solidFill>
+                      <a:prstDash val="solid"/>
+                      <a:round/>
+                      <a:headEnd type="none" w="med" len="med"/>
+                      <a:tailEnd type="none" w="med" len="med"/>
+                    </a:lnR>
+                    <a:lnT w="6350" cap="flat" cmpd="sng" algn="ctr">
+                      <a:solidFill>
+                        <a:schemeClr val="tx2"/>
+                      </a:solidFill>
+                      <a:prstDash val="solid"/>
+                      <a:round/>
+                      <a:headEnd type="none" w="med" len="med"/>
+                      <a:tailEnd type="none" w="med" len="med"/>
+                    </a:lnT>
+                    <a:lnB w="6350" cap="flat" cmpd="sng" algn="ctr">
+                      <a:solidFill>
+                        <a:schemeClr val="tx2"/>
+                      </a:solidFill>
+                      <a:prstDash val="solid"/>
+                      <a:round/>
+                      <a:headEnd type="none" w="med" len="med"/>
+                      <a:tailEnd type="none" w="med" len="med"/>
+                    </a:lnB>
+                    <a:lnTlToBr w="12700" cmpd="sng">
+                      <a:noFill/>
+                      <a:prstDash val="solid"/>
+                    </a:lnTlToBr>
+                    <a:lnBlToTr w="12700" cmpd="sng">
+                      <a:noFill/>
+                      <a:prstDash val="solid"/>
+                    </a:lnBlToTr>
+                  </a:tcPr>
+                </a:tc>
+              </a:tr>
+              <a:tr h="202932">
+                <a:tc>
+                  <a:txBody>
+                    <a:bodyPr/>
+                    <a:lstStyle/>
+                    <a:p>
+                      <a:pPr algn="ctr"/>
+                      <a:r>
+                        <a:rPr lang="ru-RU" sz="1400" dirty="0" smtClean="0">
+                          <a:solidFill>
+                            <a:schemeClr val="tx1"/>
+                          </a:solidFill>
+                        </a:rPr>
+                        <a:t>0</a:t>
+                      </a:r>
+                      <a:endParaRPr lang="ru-RU" sz="1400" dirty="0">
+                        <a:solidFill>
+                          <a:schemeClr val="tx1"/>
+                        </a:solidFill>
+                      </a:endParaRPr>
+                    </a:p>
+                  </a:txBody>
+                  <a:tcPr>
+                    <a:lnL w="6350" cap="flat" cmpd="sng" algn="ctr">
+                      <a:solidFill>
+                        <a:schemeClr val="tx2"/>
+                      </a:solidFill>
+                      <a:prstDash val="solid"/>
+                      <a:round/>
+                      <a:headEnd type="none" w="med" len="med"/>
+                      <a:tailEnd type="none" w="med" len="med"/>
+                    </a:lnL>
+                    <a:lnR w="6350" cap="flat" cmpd="sng" algn="ctr">
+                      <a:solidFill>
+                        <a:schemeClr val="tx2"/>
+                      </a:solidFill>
+                      <a:prstDash val="solid"/>
+                      <a:round/>
+                      <a:headEnd type="none" w="med" len="med"/>
+                      <a:tailEnd type="none" w="med" len="med"/>
+                    </a:lnR>
+                    <a:lnT w="6350" cap="flat" cmpd="sng" algn="ctr">
+                      <a:solidFill>
+                        <a:schemeClr val="tx2"/>
+                      </a:solidFill>
+                      <a:prstDash val="solid"/>
+                      <a:round/>
+                      <a:headEnd type="none" w="med" len="med"/>
+                      <a:tailEnd type="none" w="med" len="med"/>
+                    </a:lnT>
+                    <a:lnB w="6350" cap="flat" cmpd="sng" algn="ctr">
+                      <a:solidFill>
+                        <a:schemeClr val="tx2"/>
+                      </a:solidFill>
+                      <a:prstDash val="solid"/>
+                      <a:round/>
+                      <a:headEnd type="none" w="med" len="med"/>
+                      <a:tailEnd type="none" w="med" len="med"/>
+                    </a:lnB>
+                    <a:lnTlToBr w="12700" cmpd="sng">
+                      <a:noFill/>
+                      <a:prstDash val="solid"/>
+                    </a:lnTlToBr>
+                    <a:lnBlToTr w="12700" cmpd="sng">
+                      <a:noFill/>
+                      <a:prstDash val="solid"/>
+                    </a:lnBlToTr>
+                  </a:tcPr>
+                </a:tc>
+                <a:tc>
+                  <a:txBody>
+                    <a:bodyPr/>
+                    <a:lstStyle/>
+                    <a:p>
+                      <a:pPr algn="ctr"/>
+                      <a:r>
+                        <a:rPr lang="ru-RU" sz="1400" dirty="0" smtClean="0">
+                          <a:solidFill>
+                            <a:schemeClr val="tx1"/>
+                          </a:solidFill>
+                        </a:rPr>
+                        <a:t>0</a:t>
+                      </a:r>
+                      <a:endParaRPr lang="ru-RU" sz="1400" dirty="0">
+                        <a:solidFill>
+                          <a:schemeClr val="tx1"/>
+                        </a:solidFill>
+                      </a:endParaRPr>
+                    </a:p>
+                  </a:txBody>
+                  <a:tcPr>
+                    <a:lnL w="6350" cap="flat" cmpd="sng" algn="ctr">
+                      <a:solidFill>
+                        <a:schemeClr val="tx2"/>
+                      </a:solidFill>
+                      <a:prstDash val="solid"/>
+                      <a:round/>
+                      <a:headEnd type="none" w="med" len="med"/>
+                      <a:tailEnd type="none" w="med" len="med"/>
+                    </a:lnL>
+                    <a:lnR w="6350" cap="flat" cmpd="sng" algn="ctr">
+                      <a:solidFill>
+                        <a:schemeClr val="tx2"/>
+                      </a:solidFill>
+                      <a:prstDash val="solid"/>
+                      <a:round/>
+                      <a:headEnd type="none" w="med" len="med"/>
+                      <a:tailEnd type="none" w="med" len="med"/>
+                    </a:lnR>
+                    <a:lnT w="6350" cap="flat" cmpd="sng" algn="ctr">
+                      <a:solidFill>
+                        <a:schemeClr val="tx2"/>
+                      </a:solidFill>
+                      <a:prstDash val="solid"/>
+                      <a:round/>
+                      <a:headEnd type="none" w="med" len="med"/>
+                      <a:tailEnd type="none" w="med" len="med"/>
+                    </a:lnT>
+                    <a:lnB w="6350" cap="flat" cmpd="sng" algn="ctr">
+                      <a:solidFill>
+                        <a:schemeClr val="tx2"/>
+                      </a:solidFill>
+                      <a:prstDash val="solid"/>
+                      <a:round/>
+                      <a:headEnd type="none" w="med" len="med"/>
+                      <a:tailEnd type="none" w="med" len="med"/>
+                    </a:lnB>
+                    <a:lnTlToBr w="12700" cmpd="sng">
+                      <a:noFill/>
+                      <a:prstDash val="solid"/>
+                    </a:lnTlToBr>
+                    <a:lnBlToTr w="12700" cmpd="sng">
+                      <a:noFill/>
+                      <a:prstDash val="solid"/>
+                    </a:lnBlToTr>
+                  </a:tcPr>
+                </a:tc>
+                <a:tc>
+                  <a:txBody>
+                    <a:bodyPr/>
+                    <a:lstStyle/>
+                    <a:p>
+                      <a:pPr algn="ctr"/>
+                      <a:r>
+                        <a:rPr lang="ru-RU" sz="1400" dirty="0" smtClean="0">
+                          <a:solidFill>
+                            <a:schemeClr val="tx1"/>
+                          </a:solidFill>
+                        </a:rPr>
+                        <a:t>1</a:t>
+                      </a:r>
+                      <a:endParaRPr lang="ru-RU" sz="1400" dirty="0">
+                        <a:solidFill>
+                          <a:schemeClr val="tx1"/>
+                        </a:solidFill>
+                      </a:endParaRPr>
+                    </a:p>
+                  </a:txBody>
+                  <a:tcPr>
+                    <a:lnL w="6350" cap="flat" cmpd="sng" algn="ctr">
+                      <a:solidFill>
+                        <a:schemeClr val="tx2"/>
+                      </a:solidFill>
+                      <a:prstDash val="solid"/>
+                      <a:round/>
+                      <a:headEnd type="none" w="med" len="med"/>
+                      <a:tailEnd type="none" w="med" len="med"/>
+                    </a:lnL>
+                    <a:lnR w="6350" cap="flat" cmpd="sng" algn="ctr">
+                      <a:solidFill>
+                        <a:schemeClr val="tx2"/>
+                      </a:solidFill>
+                      <a:prstDash val="solid"/>
+                      <a:round/>
+                      <a:headEnd type="none" w="med" len="med"/>
+                      <a:tailEnd type="none" w="med" len="med"/>
+                    </a:lnR>
+                    <a:lnT w="6350" cap="flat" cmpd="sng" algn="ctr">
+                      <a:solidFill>
+                        <a:schemeClr val="tx2"/>
+                      </a:solidFill>
+                      <a:prstDash val="solid"/>
+                      <a:round/>
+                      <a:headEnd type="none" w="med" len="med"/>
+                      <a:tailEnd type="none" w="med" len="med"/>
+                    </a:lnT>
+                    <a:lnB w="6350" cap="flat" cmpd="sng" algn="ctr">
+                      <a:solidFill>
+                        <a:schemeClr val="tx2"/>
+                      </a:solidFill>
+                      <a:prstDash val="solid"/>
+                      <a:round/>
+                      <a:headEnd type="none" w="med" len="med"/>
+                      <a:tailEnd type="none" w="med" len="med"/>
+                    </a:lnB>
+                    <a:lnTlToBr w="12700" cmpd="sng">
+                      <a:noFill/>
+                      <a:prstDash val="solid"/>
+                    </a:lnTlToBr>
+                    <a:lnBlToTr w="12700" cmpd="sng">
+                      <a:noFill/>
+                      <a:prstDash val="solid"/>
+                    </a:lnBlToTr>
+                  </a:tcPr>
+                </a:tc>
+                <a:tc>
+                  <a:txBody>
+                    <a:bodyPr/>
+                    <a:lstStyle/>
+                    <a:p>
+                      <a:pPr algn="ctr"/>
+                      <a:r>
+                        <a:rPr lang="ru-RU" sz="1400" dirty="0" smtClean="0">
+                          <a:solidFill>
+                            <a:schemeClr val="tx1"/>
+                          </a:solidFill>
+                        </a:rPr>
+                        <a:t>1</a:t>
+                      </a:r>
+                      <a:endParaRPr lang="ru-RU" sz="1400" dirty="0">
+                        <a:solidFill>
+                          <a:schemeClr val="tx1"/>
+                        </a:solidFill>
+                      </a:endParaRPr>
+                    </a:p>
+                  </a:txBody>
+                  <a:tcPr>
+                    <a:lnL w="6350" cap="flat" cmpd="sng" algn="ctr">
+                      <a:solidFill>
+                        <a:schemeClr val="tx2"/>
+                      </a:solidFill>
+                      <a:prstDash val="solid"/>
+                      <a:round/>
+                      <a:headEnd type="none" w="med" len="med"/>
+                      <a:tailEnd type="none" w="med" len="med"/>
+                    </a:lnL>
+                    <a:lnR w="6350" cap="flat" cmpd="sng" algn="ctr">
+                      <a:solidFill>
+                        <a:schemeClr val="tx2"/>
+                      </a:solidFill>
+                      <a:prstDash val="solid"/>
+                      <a:round/>
+                      <a:headEnd type="none" w="med" len="med"/>
+                      <a:tailEnd type="none" w="med" len="med"/>
+                    </a:lnR>
+                    <a:lnT w="6350" cap="flat" cmpd="sng" algn="ctr">
+                      <a:solidFill>
+                        <a:schemeClr val="tx2"/>
+                      </a:solidFill>
+                      <a:prstDash val="solid"/>
+                      <a:round/>
+                      <a:headEnd type="none" w="med" len="med"/>
+                      <a:tailEnd type="none" w="med" len="med"/>
+                    </a:lnT>
+                    <a:lnB w="6350" cap="flat" cmpd="sng" algn="ctr">
+                      <a:solidFill>
+                        <a:schemeClr val="tx2"/>
+                      </a:solidFill>
+                      <a:prstDash val="solid"/>
+                      <a:round/>
+                      <a:headEnd type="none" w="med" len="med"/>
+                      <a:tailEnd type="none" w="med" len="med"/>
+                    </a:lnB>
+                    <a:lnTlToBr w="12700" cmpd="sng">
+                      <a:noFill/>
+                      <a:prstDash val="solid"/>
+                    </a:lnTlToBr>
+                    <a:lnBlToTr w="12700" cmpd="sng">
+                      <a:noFill/>
+                      <a:prstDash val="solid"/>
+                    </a:lnBlToTr>
+                  </a:tcPr>
+                </a:tc>
+              </a:tr>
+              <a:tr h="202932">
+                <a:tc>
+                  <a:txBody>
+                    <a:bodyPr/>
+                    <a:lstStyle/>
+                    <a:p>
+                      <a:pPr algn="ctr"/>
+                      <a:r>
+                        <a:rPr lang="ru-RU" sz="1400" dirty="0" smtClean="0">
+                          <a:solidFill>
+                            <a:schemeClr val="tx1"/>
+                          </a:solidFill>
+                        </a:rPr>
+                        <a:t>1</a:t>
+                      </a:r>
+                      <a:endParaRPr lang="ru-RU" sz="1400" dirty="0">
+                        <a:solidFill>
+                          <a:schemeClr val="tx1"/>
+                        </a:solidFill>
+                      </a:endParaRPr>
+                    </a:p>
+                  </a:txBody>
+                  <a:tcPr>
+                    <a:lnL w="6350" cap="flat" cmpd="sng" algn="ctr">
+                      <a:solidFill>
+                        <a:schemeClr val="tx2"/>
+                      </a:solidFill>
+                      <a:prstDash val="solid"/>
+                      <a:round/>
+                      <a:headEnd type="none" w="med" len="med"/>
+                      <a:tailEnd type="none" w="med" len="med"/>
+                    </a:lnL>
+                    <a:lnR w="6350" cap="flat" cmpd="sng" algn="ctr">
+                      <a:solidFill>
+                        <a:schemeClr val="tx2"/>
+                      </a:solidFill>
+                      <a:prstDash val="solid"/>
+                      <a:round/>
+                      <a:headEnd type="none" w="med" len="med"/>
+                      <a:tailEnd type="none" w="med" len="med"/>
+                    </a:lnR>
+                    <a:lnT w="6350" cap="flat" cmpd="sng" algn="ctr">
+                      <a:solidFill>
+                        <a:schemeClr val="tx2"/>
+                      </a:solidFill>
+                      <a:prstDash val="solid"/>
+                      <a:round/>
+                      <a:headEnd type="none" w="med" len="med"/>
+                      <a:tailEnd type="none" w="med" len="med"/>
+                    </a:lnT>
+                    <a:lnB w="6350" cap="flat" cmpd="sng" algn="ctr">
+                      <a:solidFill>
+                        <a:schemeClr val="tx2"/>
+                      </a:solidFill>
+                      <a:prstDash val="solid"/>
+                      <a:round/>
+                      <a:headEnd type="none" w="med" len="med"/>
+                      <a:tailEnd type="none" w="med" len="med"/>
+                    </a:lnB>
+                    <a:lnTlToBr w="12700" cmpd="sng">
+                      <a:noFill/>
+                      <a:prstDash val="solid"/>
+                    </a:lnTlToBr>
+                    <a:lnBlToTr w="12700" cmpd="sng">
+                      <a:noFill/>
+                      <a:prstDash val="solid"/>
+                    </a:lnBlToTr>
+                  </a:tcPr>
+                </a:tc>
+                <a:tc>
+                  <a:txBody>
+                    <a:bodyPr/>
+                    <a:lstStyle/>
+                    <a:p>
+                      <a:pPr algn="ctr"/>
+                      <a:r>
+                        <a:rPr lang="ru-RU" sz="1400" dirty="0" smtClean="0">
+                          <a:solidFill>
+                            <a:schemeClr val="tx1"/>
+                          </a:solidFill>
+                        </a:rPr>
+                        <a:t>0</a:t>
+                      </a:r>
+                      <a:endParaRPr lang="ru-RU" sz="1400" dirty="0">
+                        <a:solidFill>
+                          <a:schemeClr val="tx1"/>
+                        </a:solidFill>
+                      </a:endParaRPr>
+                    </a:p>
+                  </a:txBody>
+                  <a:tcPr>
+                    <a:lnL w="6350" cap="flat" cmpd="sng" algn="ctr">
+                      <a:solidFill>
+                        <a:schemeClr val="tx2"/>
+                      </a:solidFill>
+                      <a:prstDash val="solid"/>
+                      <a:round/>
+                      <a:headEnd type="none" w="med" len="med"/>
+                      <a:tailEnd type="none" w="med" len="med"/>
+                    </a:lnL>
+                    <a:lnR w="6350" cap="flat" cmpd="sng" algn="ctr">
+                      <a:solidFill>
+                        <a:schemeClr val="tx2"/>
+                      </a:solidFill>
+                      <a:prstDash val="solid"/>
+                      <a:round/>
+                      <a:headEnd type="none" w="med" len="med"/>
+                      <a:tailEnd type="none" w="med" len="med"/>
+                    </a:lnR>
+                    <a:lnT w="6350" cap="flat" cmpd="sng" algn="ctr">
+                      <a:solidFill>
+                        <a:schemeClr val="tx2"/>
+                      </a:solidFill>
+                      <a:prstDash val="solid"/>
+                      <a:round/>
+                      <a:headEnd type="none" w="med" len="med"/>
+                      <a:tailEnd type="none" w="med" len="med"/>
+                    </a:lnT>
+                    <a:lnB w="6350" cap="flat" cmpd="sng" algn="ctr">
+                      <a:solidFill>
+                        <a:schemeClr val="tx2"/>
+                      </a:solidFill>
+                      <a:prstDash val="solid"/>
+                      <a:round/>
+                      <a:headEnd type="none" w="med" len="med"/>
+                      <a:tailEnd type="none" w="med" len="med"/>
+                    </a:lnB>
+                    <a:lnTlToBr w="12700" cmpd="sng">
+                      <a:noFill/>
+                      <a:prstDash val="solid"/>
+                    </a:lnTlToBr>
+                    <a:lnBlToTr w="12700" cmpd="sng">
+                      <a:noFill/>
+                      <a:prstDash val="solid"/>
+                    </a:lnBlToTr>
+                  </a:tcPr>
+                </a:tc>
+                <a:tc>
+                  <a:txBody>
+                    <a:bodyPr/>
+                    <a:lstStyle/>
+                    <a:p>
+                      <a:pPr algn="ctr"/>
+                      <a:r>
+                        <a:rPr lang="ru-RU" sz="1400" dirty="0" smtClean="0">
+                          <a:solidFill>
+                            <a:schemeClr val="tx1"/>
+                          </a:solidFill>
+                        </a:rPr>
+                        <a:t>0</a:t>
+                      </a:r>
+                      <a:endParaRPr lang="ru-RU" sz="1400" dirty="0">
+                        <a:solidFill>
+                          <a:schemeClr val="tx1"/>
+                        </a:solidFill>
+                      </a:endParaRPr>
+                    </a:p>
+                  </a:txBody>
+                  <a:tcPr>
+                    <a:lnL w="6350" cap="flat" cmpd="sng" algn="ctr">
+                      <a:solidFill>
+                        <a:schemeClr val="tx2"/>
+                      </a:solidFill>
+                      <a:prstDash val="solid"/>
+                      <a:round/>
+                      <a:headEnd type="none" w="med" len="med"/>
+                      <a:tailEnd type="none" w="med" len="med"/>
+                    </a:lnL>
+                    <a:lnR w="6350" cap="flat" cmpd="sng" algn="ctr">
+                      <a:solidFill>
+                        <a:schemeClr val="tx2"/>
+                      </a:solidFill>
+                      <a:prstDash val="solid"/>
+                      <a:round/>
+                      <a:headEnd type="none" w="med" len="med"/>
+                      <a:tailEnd type="none" w="med" len="med"/>
+                    </a:lnR>
+                    <a:lnT w="6350" cap="flat" cmpd="sng" algn="ctr">
+                      <a:solidFill>
+                        <a:schemeClr val="tx2"/>
+                      </a:solidFill>
+                      <a:prstDash val="solid"/>
+                      <a:round/>
+                      <a:headEnd type="none" w="med" len="med"/>
+                      <a:tailEnd type="none" w="med" len="med"/>
+                    </a:lnT>
+                    <a:lnB w="6350" cap="flat" cmpd="sng" algn="ctr">
+                      <a:solidFill>
+                        <a:schemeClr val="tx2"/>
+                      </a:solidFill>
+                      <a:prstDash val="solid"/>
+                      <a:round/>
+                      <a:headEnd type="none" w="med" len="med"/>
+                      <a:tailEnd type="none" w="med" len="med"/>
+                    </a:lnB>
+                    <a:lnTlToBr w="12700" cmpd="sng">
+                      <a:noFill/>
+                      <a:prstDash val="solid"/>
+                    </a:lnTlToBr>
+                    <a:lnBlToTr w="12700" cmpd="sng">
+                      <a:noFill/>
+                      <a:prstDash val="solid"/>
+                    </a:lnBlToTr>
+                  </a:tcPr>
+                </a:tc>
+                <a:tc>
+                  <a:txBody>
+                    <a:bodyPr/>
+                    <a:lstStyle/>
+                    <a:p>
+                      <a:pPr algn="ctr"/>
+                      <a:r>
+                        <a:rPr lang="ru-RU" sz="1400" dirty="0" smtClean="0">
+                          <a:solidFill>
+                            <a:schemeClr val="tx1"/>
+                          </a:solidFill>
+                        </a:rPr>
+                        <a:t>1</a:t>
+                      </a:r>
+                      <a:endParaRPr lang="ru-RU" sz="1400" dirty="0">
+                        <a:solidFill>
+                          <a:schemeClr val="tx1"/>
+                        </a:solidFill>
+                      </a:endParaRPr>
+                    </a:p>
+                  </a:txBody>
+                  <a:tcPr>
+                    <a:lnL w="6350" cap="flat" cmpd="sng" algn="ctr">
+                      <a:solidFill>
+                        <a:schemeClr val="tx2"/>
+                      </a:solidFill>
+                      <a:prstDash val="solid"/>
+                      <a:round/>
+                      <a:headEnd type="none" w="med" len="med"/>
+                      <a:tailEnd type="none" w="med" len="med"/>
+                    </a:lnL>
+                    <a:lnR w="6350" cap="flat" cmpd="sng" algn="ctr">
+                      <a:solidFill>
+                        <a:schemeClr val="tx2"/>
+                      </a:solidFill>
+                      <a:prstDash val="solid"/>
+                      <a:round/>
+                      <a:headEnd type="none" w="med" len="med"/>
+                      <a:tailEnd type="none" w="med" len="med"/>
+                    </a:lnR>
+                    <a:lnT w="6350" cap="flat" cmpd="sng" algn="ctr">
+                      <a:solidFill>
+                        <a:schemeClr val="tx2"/>
+                      </a:solidFill>
+                      <a:prstDash val="solid"/>
+                      <a:round/>
+                      <a:headEnd type="none" w="med" len="med"/>
+                      <a:tailEnd type="none" w="med" len="med"/>
+                    </a:lnT>
+                    <a:lnB w="6350" cap="flat" cmpd="sng" algn="ctr">
+                      <a:solidFill>
+                        <a:schemeClr val="tx2"/>
+                      </a:solidFill>
+                      <a:prstDash val="solid"/>
+                      <a:round/>
+                      <a:headEnd type="none" w="med" len="med"/>
+                      <a:tailEnd type="none" w="med" len="med"/>
+                    </a:lnB>
+                    <a:lnTlToBr w="12700" cmpd="sng">
+                      <a:noFill/>
+                      <a:prstDash val="solid"/>
+                    </a:lnTlToBr>
+                    <a:lnBlToTr w="12700" cmpd="sng">
+                      <a:noFill/>
+                      <a:prstDash val="solid"/>
+                    </a:lnBlToTr>
+                  </a:tcPr>
+                </a:tc>
+              </a:tr>
+              <a:tr h="202932">
+                <a:tc>
+                  <a:txBody>
+                    <a:bodyPr/>
+                    <a:lstStyle/>
+                    <a:p>
+                      <a:pPr algn="ctr"/>
+                      <a:r>
+                        <a:rPr lang="ru-RU" sz="1400" dirty="0" smtClean="0">
+                          <a:solidFill>
+                            <a:schemeClr val="tx1"/>
+                          </a:solidFill>
+                        </a:rPr>
+                        <a:t>1</a:t>
+                      </a:r>
+                      <a:endParaRPr lang="ru-RU" sz="1400" dirty="0">
+                        <a:solidFill>
+                          <a:schemeClr val="tx1"/>
+                        </a:solidFill>
+                      </a:endParaRPr>
+                    </a:p>
+                  </a:txBody>
+                  <a:tcPr>
+                    <a:lnL w="6350" cap="flat" cmpd="sng" algn="ctr">
+                      <a:solidFill>
+                        <a:schemeClr val="tx2"/>
+                      </a:solidFill>
+                      <a:prstDash val="solid"/>
+                      <a:round/>
+                      <a:headEnd type="none" w="med" len="med"/>
+                      <a:tailEnd type="none" w="med" len="med"/>
+                    </a:lnL>
+                    <a:lnR w="6350" cap="flat" cmpd="sng" algn="ctr">
+                      <a:solidFill>
+                        <a:schemeClr val="tx2"/>
+                      </a:solidFill>
+                      <a:prstDash val="solid"/>
+                      <a:round/>
+                      <a:headEnd type="none" w="med" len="med"/>
+                      <a:tailEnd type="none" w="med" len="med"/>
+                    </a:lnR>
+                    <a:lnT w="6350" cap="flat" cmpd="sng" algn="ctr">
+                      <a:solidFill>
+                        <a:schemeClr val="tx2"/>
+                      </a:solidFill>
+                      <a:prstDash val="solid"/>
+                      <a:round/>
+                      <a:headEnd type="none" w="med" len="med"/>
+                      <a:tailEnd type="none" w="med" len="med"/>
+                    </a:lnT>
+                    <a:lnB w="6350" cap="flat" cmpd="sng" algn="ctr">
+                      <a:solidFill>
+                        <a:schemeClr val="tx2"/>
+                      </a:solidFill>
+                      <a:prstDash val="solid"/>
+                      <a:round/>
+                      <a:headEnd type="none" w="med" len="med"/>
+                      <a:tailEnd type="none" w="med" len="med"/>
+                    </a:lnB>
+                    <a:lnTlToBr w="12700" cmpd="sng">
+                      <a:noFill/>
+                      <a:prstDash val="solid"/>
+                    </a:lnTlToBr>
+                    <a:lnBlToTr w="12700" cmpd="sng">
+                      <a:noFill/>
+                      <a:prstDash val="solid"/>
+                    </a:lnBlToTr>
+                  </a:tcPr>
+                </a:tc>
+                <a:tc>
+                  <a:txBody>
+                    <a:bodyPr/>
+                    <a:lstStyle/>
+                    <a:p>
+                      <a:pPr algn="ctr"/>
+                      <a:r>
+                        <a:rPr lang="ru-RU" sz="1400" dirty="0" smtClean="0">
+                          <a:solidFill>
+                            <a:schemeClr val="tx1"/>
+                          </a:solidFill>
+                        </a:rPr>
+                        <a:t>1</a:t>
+                      </a:r>
+                      <a:endParaRPr lang="ru-RU" sz="1400" dirty="0">
+                        <a:solidFill>
+                          <a:schemeClr val="tx1"/>
+                        </a:solidFill>
+                      </a:endParaRPr>
+                    </a:p>
+                  </a:txBody>
+                  <a:tcPr>
+                    <a:lnL w="6350" cap="flat" cmpd="sng" algn="ctr">
+                      <a:solidFill>
+                        <a:schemeClr val="tx2"/>
+                      </a:solidFill>
+                      <a:prstDash val="solid"/>
+                      <a:round/>
+                      <a:headEnd type="none" w="med" len="med"/>
+                      <a:tailEnd type="none" w="med" len="med"/>
+                    </a:lnL>
+                    <a:lnR w="6350" cap="flat" cmpd="sng" algn="ctr">
+                      <a:solidFill>
+                        <a:schemeClr val="tx2"/>
+                      </a:solidFill>
+                      <a:prstDash val="solid"/>
+                      <a:round/>
+                      <a:headEnd type="none" w="med" len="med"/>
+                      <a:tailEnd type="none" w="med" len="med"/>
+                    </a:lnR>
+                    <a:lnT w="6350" cap="flat" cmpd="sng" algn="ctr">
+                      <a:solidFill>
+                        <a:schemeClr val="tx2"/>
+                      </a:solidFill>
+                      <a:prstDash val="solid"/>
+                      <a:round/>
+                      <a:headEnd type="none" w="med" len="med"/>
+                      <a:tailEnd type="none" w="med" len="med"/>
+                    </a:lnT>
+                    <a:lnB w="6350" cap="flat" cmpd="sng" algn="ctr">
+                      <a:solidFill>
+                        <a:schemeClr val="tx2"/>
+                      </a:solidFill>
+                      <a:prstDash val="solid"/>
+                      <a:round/>
+                      <a:headEnd type="none" w="med" len="med"/>
+                      <a:tailEnd type="none" w="med" len="med"/>
+                    </a:lnB>
+                    <a:lnTlToBr w="12700" cmpd="sng">
+                      <a:noFill/>
+                      <a:prstDash val="solid"/>
+                    </a:lnTlToBr>
+                    <a:lnBlToTr w="12700" cmpd="sng">
+                      <a:noFill/>
+                      <a:prstDash val="solid"/>
+                    </a:lnBlToTr>
+                  </a:tcPr>
+                </a:tc>
+                <a:tc>
+                  <a:txBody>
+                    <a:bodyPr/>
+                    <a:lstStyle/>
+                    <a:p>
+                      <a:pPr algn="ctr"/>
+                      <a:r>
+                        <a:rPr lang="ru-RU" sz="1400" dirty="0" smtClean="0">
+                          <a:solidFill>
+                            <a:schemeClr val="tx1"/>
+                          </a:solidFill>
+                        </a:rPr>
+                        <a:t>1</a:t>
+                      </a:r>
+                      <a:endParaRPr lang="ru-RU" sz="1400" dirty="0">
+                        <a:solidFill>
+                          <a:schemeClr val="tx1"/>
+                        </a:solidFill>
+                      </a:endParaRPr>
+                    </a:p>
+                  </a:txBody>
+                  <a:tcPr>
+                    <a:lnL w="6350" cap="flat" cmpd="sng" algn="ctr">
+                      <a:solidFill>
+                        <a:schemeClr val="tx2"/>
+                      </a:solidFill>
+                      <a:prstDash val="solid"/>
+                      <a:round/>
+                      <a:headEnd type="none" w="med" len="med"/>
+                      <a:tailEnd type="none" w="med" len="med"/>
+                    </a:lnL>
+                    <a:lnR w="6350" cap="flat" cmpd="sng" algn="ctr">
+                      <a:solidFill>
+                        <a:schemeClr val="tx2"/>
+                      </a:solidFill>
+                      <a:prstDash val="solid"/>
+                      <a:round/>
+                      <a:headEnd type="none" w="med" len="med"/>
+                      <a:tailEnd type="none" w="med" len="med"/>
+                    </a:lnR>
+                    <a:lnT w="6350" cap="flat" cmpd="sng" algn="ctr">
+                      <a:solidFill>
+                        <a:schemeClr val="tx2"/>
+                      </a:solidFill>
+                      <a:prstDash val="solid"/>
+                      <a:round/>
+                      <a:headEnd type="none" w="med" len="med"/>
+                      <a:tailEnd type="none" w="med" len="med"/>
+                    </a:lnT>
+                    <a:lnB w="6350" cap="flat" cmpd="sng" algn="ctr">
+                      <a:solidFill>
+                        <a:schemeClr val="tx2"/>
+                      </a:solidFill>
+                      <a:prstDash val="solid"/>
+                      <a:round/>
+                      <a:headEnd type="none" w="med" len="med"/>
+                      <a:tailEnd type="none" w="med" len="med"/>
+                    </a:lnB>
+                    <a:lnTlToBr w="12700" cmpd="sng">
+                      <a:noFill/>
+                      <a:prstDash val="solid"/>
+                    </a:lnTlToBr>
+                    <a:lnBlToTr w="12700" cmpd="sng">
+                      <a:noFill/>
+                      <a:prstDash val="solid"/>
+                    </a:lnBlToTr>
+                  </a:tcPr>
+                </a:tc>
+                <a:tc>
+                  <a:txBody>
+                    <a:bodyPr/>
+                    <a:lstStyle/>
+                    <a:p>
+                      <a:pPr algn="ctr"/>
+                      <a:r>
+                        <a:rPr lang="ru-RU" sz="1400" dirty="0" smtClean="0">
+                          <a:solidFill>
+                            <a:schemeClr val="tx1"/>
+                          </a:solidFill>
+                        </a:rPr>
+                        <a:t>1</a:t>
+                      </a:r>
+                      <a:endParaRPr lang="ru-RU" sz="1400" dirty="0">
+                        <a:solidFill>
+                          <a:schemeClr val="tx1"/>
+                        </a:solidFill>
+                      </a:endParaRPr>
+                    </a:p>
+                  </a:txBody>
+                  <a:tcPr>
+                    <a:lnL w="6350" cap="flat" cmpd="sng" algn="ctr">
+                      <a:solidFill>
+                        <a:schemeClr val="tx2"/>
+                      </a:solidFill>
+                      <a:prstDash val="solid"/>
+                      <a:round/>
+                      <a:headEnd type="none" w="med" len="med"/>
+                      <a:tailEnd type="none" w="med" len="med"/>
+                    </a:lnL>
+                    <a:lnR w="6350" cap="flat" cmpd="sng" algn="ctr">
+                      <a:solidFill>
+                        <a:schemeClr val="tx2"/>
+                      </a:solidFill>
+                      <a:prstDash val="solid"/>
+                      <a:round/>
+                      <a:headEnd type="none" w="med" len="med"/>
+                      <a:tailEnd type="none" w="med" len="med"/>
+                    </a:lnR>
+                    <a:lnT w="6350" cap="flat" cmpd="sng" algn="ctr">
+                      <a:solidFill>
+                        <a:schemeClr val="tx2"/>
+                      </a:solidFill>
+                      <a:prstDash val="solid"/>
+                      <a:round/>
+                      <a:headEnd type="none" w="med" len="med"/>
+                      <a:tailEnd type="none" w="med" len="med"/>
+                    </a:lnT>
+                    <a:lnB w="6350" cap="flat" cmpd="sng" algn="ctr">
+                      <a:solidFill>
+                        <a:schemeClr val="tx2"/>
+                      </a:solidFill>
+                      <a:prstDash val="solid"/>
+                      <a:round/>
+                      <a:headEnd type="none" w="med" len="med"/>
+                      <a:tailEnd type="none" w="med" len="med"/>
+                    </a:lnB>
+                    <a:lnTlToBr w="12700" cmpd="sng">
+                      <a:noFill/>
+                      <a:prstDash val="solid"/>
+                    </a:lnTlToBr>
+                    <a:lnBlToTr w="12700" cmpd="sng">
+                      <a:noFill/>
+                      <a:prstDash val="solid"/>
+                    </a:lnBlToTr>
+                  </a:tcPr>
+                </a:tc>
+              </a:tr>
+              <a:tr h="202932">
+                <a:tc>
+                  <a:txBody>
+                    <a:bodyPr/>
+                    <a:lstStyle/>
+                    <a:p>
+                      <a:pPr algn="ctr"/>
+                      <a:r>
+                        <a:rPr lang="ru-RU" sz="1400" dirty="0" smtClean="0">
+                          <a:solidFill>
+                            <a:schemeClr val="tx1"/>
+                          </a:solidFill>
+                        </a:rPr>
+                        <a:t>0</a:t>
+                      </a:r>
+                      <a:endParaRPr lang="ru-RU" sz="1400" dirty="0">
+                        <a:solidFill>
+                          <a:schemeClr val="tx1"/>
+                        </a:solidFill>
+                      </a:endParaRPr>
+                    </a:p>
+                  </a:txBody>
+                  <a:tcPr>
+                    <a:lnL w="6350" cap="flat" cmpd="sng" algn="ctr">
+                      <a:solidFill>
+                        <a:schemeClr val="tx2"/>
+                      </a:solidFill>
+                      <a:prstDash val="solid"/>
+                      <a:round/>
+                      <a:headEnd type="none" w="med" len="med"/>
+                      <a:tailEnd type="none" w="med" len="med"/>
+                    </a:lnL>
+                    <a:lnR w="6350" cap="flat" cmpd="sng" algn="ctr">
+                      <a:solidFill>
+                        <a:schemeClr val="tx2"/>
+                      </a:solidFill>
+                      <a:prstDash val="solid"/>
+                      <a:round/>
+                      <a:headEnd type="none" w="med" len="med"/>
+                      <a:tailEnd type="none" w="med" len="med"/>
+                    </a:lnR>
+                    <a:lnT w="6350" cap="flat" cmpd="sng" algn="ctr">
+                      <a:solidFill>
+                        <a:schemeClr val="tx2"/>
+                      </a:solidFill>
+                      <a:prstDash val="solid"/>
+                      <a:round/>
+                      <a:headEnd type="none" w="med" len="med"/>
+                      <a:tailEnd type="none" w="med" len="med"/>
+                    </a:lnT>
+                    <a:lnB w="6350" cap="flat" cmpd="sng" algn="ctr">
+                      <a:solidFill>
+                        <a:schemeClr val="tx2"/>
+                      </a:solidFill>
+                      <a:prstDash val="solid"/>
+                      <a:round/>
+                      <a:headEnd type="none" w="med" len="med"/>
+                      <a:tailEnd type="none" w="med" len="med"/>
+                    </a:lnB>
+                    <a:lnTlToBr w="12700" cmpd="sng">
+                      <a:noFill/>
+                      <a:prstDash val="solid"/>
+                    </a:lnTlToBr>
+                    <a:lnBlToTr w="12700" cmpd="sng">
+                      <a:noFill/>
+                      <a:prstDash val="solid"/>
+                    </a:lnBlToTr>
+                  </a:tcPr>
+                </a:tc>
+                <a:tc>
+                  <a:txBody>
+                    <a:bodyPr/>
+                    <a:lstStyle/>
+                    <a:p>
+                      <a:pPr algn="ctr"/>
+                      <a:r>
+                        <a:rPr lang="ru-RU" sz="1400" dirty="0" smtClean="0">
+                          <a:solidFill>
+                            <a:schemeClr val="tx1"/>
+                          </a:solidFill>
+                        </a:rPr>
+                        <a:t>0</a:t>
+                      </a:r>
+                      <a:endParaRPr lang="ru-RU" sz="1400" dirty="0">
+                        <a:solidFill>
+                          <a:schemeClr val="tx1"/>
+                        </a:solidFill>
+                      </a:endParaRPr>
+                    </a:p>
+                  </a:txBody>
+                  <a:tcPr>
+                    <a:lnL w="6350" cap="flat" cmpd="sng" algn="ctr">
+                      <a:solidFill>
+                        <a:schemeClr val="tx2"/>
+                      </a:solidFill>
+                      <a:prstDash val="solid"/>
+                      <a:round/>
+                      <a:headEnd type="none" w="med" len="med"/>
+                      <a:tailEnd type="none" w="med" len="med"/>
+                    </a:lnL>
+                    <a:lnR w="6350" cap="flat" cmpd="sng" algn="ctr">
+                      <a:solidFill>
+                        <a:schemeClr val="tx2"/>
+                      </a:solidFill>
+                      <a:prstDash val="solid"/>
+                      <a:round/>
+                      <a:headEnd type="none" w="med" len="med"/>
+                      <a:tailEnd type="none" w="med" len="med"/>
+                    </a:lnR>
+                    <a:lnT w="6350" cap="flat" cmpd="sng" algn="ctr">
+                      <a:solidFill>
+                        <a:schemeClr val="tx2"/>
+                      </a:solidFill>
+                      <a:prstDash val="solid"/>
+                      <a:round/>
+                      <a:headEnd type="none" w="med" len="med"/>
+                      <a:tailEnd type="none" w="med" len="med"/>
+                    </a:lnT>
+                    <a:lnB w="6350" cap="flat" cmpd="sng" algn="ctr">
+                      <a:solidFill>
+                        <a:schemeClr val="tx2"/>
+                      </a:solidFill>
+                      <a:prstDash val="solid"/>
+                      <a:round/>
+                      <a:headEnd type="none" w="med" len="med"/>
+                      <a:tailEnd type="none" w="med" len="med"/>
+                    </a:lnB>
+                    <a:lnTlToBr w="12700" cmpd="sng">
+                      <a:noFill/>
+                      <a:prstDash val="solid"/>
+                    </a:lnTlToBr>
+                    <a:lnBlToTr w="12700" cmpd="sng">
+                      <a:noFill/>
+                      <a:prstDash val="solid"/>
+                    </a:lnBlToTr>
+                  </a:tcPr>
+                </a:tc>
+                <a:tc>
+                  <a:txBody>
+                    <a:bodyPr/>
+                    <a:lstStyle/>
+                    <a:p>
+                      <a:pPr algn="ctr"/>
+                      <a:r>
+                        <a:rPr lang="ru-RU" sz="1400" dirty="0" smtClean="0">
+                          <a:solidFill>
+                            <a:schemeClr val="tx1"/>
+                          </a:solidFill>
+                        </a:rPr>
+                        <a:t>0</a:t>
+                      </a:r>
+                      <a:endParaRPr lang="ru-RU" sz="1400" dirty="0">
+                        <a:solidFill>
+                          <a:schemeClr val="tx1"/>
+                        </a:solidFill>
+                      </a:endParaRPr>
+                    </a:p>
+                  </a:txBody>
+                  <a:tcPr>
+                    <a:lnL w="6350" cap="flat" cmpd="sng" algn="ctr">
+                      <a:solidFill>
+                        <a:schemeClr val="tx2"/>
+                      </a:solidFill>
+                      <a:prstDash val="solid"/>
+                      <a:round/>
+                      <a:headEnd type="none" w="med" len="med"/>
+                      <a:tailEnd type="none" w="med" len="med"/>
+                    </a:lnL>
+                    <a:lnR w="6350" cap="flat" cmpd="sng" algn="ctr">
+                      <a:solidFill>
+                        <a:schemeClr val="tx2"/>
+                      </a:solidFill>
+                      <a:prstDash val="solid"/>
+                      <a:round/>
+                      <a:headEnd type="none" w="med" len="med"/>
+                      <a:tailEnd type="none" w="med" len="med"/>
+                    </a:lnR>
+                    <a:lnT w="6350" cap="flat" cmpd="sng" algn="ctr">
+                      <a:solidFill>
+                        <a:schemeClr val="tx2"/>
+                      </a:solidFill>
+                      <a:prstDash val="solid"/>
+                      <a:round/>
+                      <a:headEnd type="none" w="med" len="med"/>
+                      <a:tailEnd type="none" w="med" len="med"/>
+                    </a:lnT>
+                    <a:lnB w="6350" cap="flat" cmpd="sng" algn="ctr">
+                      <a:solidFill>
+                        <a:schemeClr val="tx2"/>
+                      </a:solidFill>
+                      <a:prstDash val="solid"/>
+                      <a:round/>
+                      <a:headEnd type="none" w="med" len="med"/>
+                      <a:tailEnd type="none" w="med" len="med"/>
+                    </a:lnB>
+                    <a:lnTlToBr w="12700" cmpd="sng">
+                      <a:noFill/>
+                      <a:prstDash val="solid"/>
+                    </a:lnTlToBr>
+                    <a:lnBlToTr w="12700" cmpd="sng">
+                      <a:noFill/>
+                      <a:prstDash val="solid"/>
+                    </a:lnBlToTr>
+                  </a:tcPr>
+                </a:tc>
+                <a:tc>
+                  <a:txBody>
+                    <a:bodyPr/>
+                    <a:lstStyle/>
+                    <a:p>
+                      <a:pPr algn="ctr"/>
+                      <a:r>
+                        <a:rPr lang="ru-RU" sz="1400" dirty="0" smtClean="0">
+                          <a:solidFill>
+                            <a:schemeClr val="tx1"/>
+                          </a:solidFill>
+                        </a:rPr>
+                        <a:t>1</a:t>
+                      </a:r>
+                      <a:endParaRPr lang="ru-RU" sz="1400" dirty="0">
+                        <a:solidFill>
+                          <a:schemeClr val="tx1"/>
+                        </a:solidFill>
+                      </a:endParaRPr>
+                    </a:p>
+                  </a:txBody>
+                  <a:tcPr>
+                    <a:lnL w="6350" cap="flat" cmpd="sng" algn="ctr">
+                      <a:solidFill>
+                        <a:schemeClr val="tx2"/>
+                      </a:solidFill>
+                      <a:prstDash val="solid"/>
+                      <a:round/>
+                      <a:headEnd type="none" w="med" len="med"/>
+                      <a:tailEnd type="none" w="med" len="med"/>
+                    </a:lnL>
+                    <a:lnR w="6350" cap="flat" cmpd="sng" algn="ctr">
+                      <a:solidFill>
+                        <a:schemeClr val="tx2"/>
+                      </a:solidFill>
+                      <a:prstDash val="solid"/>
+                      <a:round/>
+                      <a:headEnd type="none" w="med" len="med"/>
+                      <a:tailEnd type="none" w="med" len="med"/>
+                    </a:lnR>
+                    <a:lnT w="6350" cap="flat" cmpd="sng" algn="ctr">
+                      <a:solidFill>
+                        <a:schemeClr val="tx2"/>
+                      </a:solidFill>
+                      <a:prstDash val="solid"/>
+                      <a:round/>
+                      <a:headEnd type="none" w="med" len="med"/>
+                      <a:tailEnd type="none" w="med" len="med"/>
+                    </a:lnT>
+                    <a:lnB w="6350" cap="flat" cmpd="sng" algn="ctr">
+                      <a:solidFill>
+                        <a:schemeClr val="tx2"/>
+                      </a:solidFill>
+                      <a:prstDash val="solid"/>
+                      <a:round/>
+                      <a:headEnd type="none" w="med" len="med"/>
+                      <a:tailEnd type="none" w="med" len="med"/>
+                    </a:lnB>
+                    <a:lnTlToBr w="12700" cmpd="sng">
+                      <a:noFill/>
+                      <a:prstDash val="solid"/>
+                    </a:lnTlToBr>
+                    <a:lnBlToTr w="12700" cmpd="sng">
+                      <a:noFill/>
+                      <a:prstDash val="solid"/>
+                    </a:lnBlToTr>
+                  </a:tcPr>
+                </a:tc>
+              </a:tr>
+              <a:tr h="202932">
+                <a:tc>
+                  <a:txBody>
+                    <a:bodyPr/>
+                    <a:lstStyle/>
+                    <a:p>
+                      <a:pPr algn="ctr"/>
+                      <a:r>
+                        <a:rPr lang="ru-RU" sz="1400" dirty="0" smtClean="0">
+                          <a:solidFill>
+                            <a:schemeClr val="tx1"/>
+                          </a:solidFill>
+                        </a:rPr>
+                        <a:t>0</a:t>
+                      </a:r>
+                      <a:endParaRPr lang="ru-RU" sz="1400" dirty="0">
+                        <a:solidFill>
+                          <a:schemeClr val="tx1"/>
+                        </a:solidFill>
+                      </a:endParaRPr>
+                    </a:p>
+                  </a:txBody>
+                  <a:tcPr>
+                    <a:lnL w="6350" cap="flat" cmpd="sng" algn="ctr">
+                      <a:solidFill>
+                        <a:schemeClr val="tx2"/>
+                      </a:solidFill>
+                      <a:prstDash val="solid"/>
+                      <a:round/>
+                      <a:headEnd type="none" w="med" len="med"/>
+                      <a:tailEnd type="none" w="med" len="med"/>
+                    </a:lnL>
+                    <a:lnR w="6350" cap="flat" cmpd="sng" algn="ctr">
+                      <a:solidFill>
+                        <a:schemeClr val="tx2"/>
+                      </a:solidFill>
+                      <a:prstDash val="solid"/>
+                      <a:round/>
+                      <a:headEnd type="none" w="med" len="med"/>
+                      <a:tailEnd type="none" w="med" len="med"/>
+                    </a:lnR>
+                    <a:lnT w="6350" cap="flat" cmpd="sng" algn="ctr">
+                      <a:solidFill>
+                        <a:schemeClr val="tx2"/>
+                      </a:solidFill>
+                      <a:prstDash val="solid"/>
+                      <a:round/>
+                      <a:headEnd type="none" w="med" len="med"/>
+                      <a:tailEnd type="none" w="med" len="med"/>
+                    </a:lnT>
+                    <a:lnB w="6350" cap="flat" cmpd="sng" algn="ctr">
+                      <a:solidFill>
+                        <a:schemeClr val="tx2"/>
+                      </a:solidFill>
+                      <a:prstDash val="solid"/>
+                      <a:round/>
+                      <a:headEnd type="none" w="med" len="med"/>
+                      <a:tailEnd type="none" w="med" len="med"/>
+                    </a:lnB>
+                    <a:lnTlToBr w="12700" cmpd="sng">
+                      <a:noFill/>
+                      <a:prstDash val="solid"/>
+                    </a:lnTlToBr>
+                    <a:lnBlToTr w="12700" cmpd="sng">
+                      <a:noFill/>
+                      <a:prstDash val="solid"/>
+                    </a:lnBlToTr>
+                  </a:tcPr>
+                </a:tc>
+                <a:tc>
+                  <a:txBody>
+                    <a:bodyPr/>
+                    <a:lstStyle/>
+                    <a:p>
+                      <a:pPr algn="ctr"/>
+                      <a:r>
+                        <a:rPr lang="ru-RU" sz="1400" dirty="0" smtClean="0">
+                          <a:solidFill>
+                            <a:schemeClr val="tx1"/>
+                          </a:solidFill>
+                        </a:rPr>
+                        <a:t>0</a:t>
+                      </a:r>
+                      <a:endParaRPr lang="ru-RU" sz="1400" dirty="0">
+                        <a:solidFill>
+                          <a:schemeClr val="tx1"/>
+                        </a:solidFill>
+                      </a:endParaRPr>
+                    </a:p>
+                  </a:txBody>
+                  <a:tcPr>
+                    <a:lnL w="6350" cap="flat" cmpd="sng" algn="ctr">
+                      <a:solidFill>
+                        <a:schemeClr val="tx2"/>
+                      </a:solidFill>
+                      <a:prstDash val="solid"/>
+                      <a:round/>
+                      <a:headEnd type="none" w="med" len="med"/>
+                      <a:tailEnd type="none" w="med" len="med"/>
+                    </a:lnL>
+                    <a:lnR w="6350" cap="flat" cmpd="sng" algn="ctr">
+                      <a:solidFill>
+                        <a:schemeClr val="tx2"/>
+                      </a:solidFill>
+                      <a:prstDash val="solid"/>
+                      <a:round/>
+                      <a:headEnd type="none" w="med" len="med"/>
+                      <a:tailEnd type="none" w="med" len="med"/>
+                    </a:lnR>
+                    <a:lnT w="6350" cap="flat" cmpd="sng" algn="ctr">
+                      <a:solidFill>
+                        <a:schemeClr val="tx2"/>
+                      </a:solidFill>
+                      <a:prstDash val="solid"/>
+                      <a:round/>
+                      <a:headEnd type="none" w="med" len="med"/>
+                      <a:tailEnd type="none" w="med" len="med"/>
+                    </a:lnT>
+                    <a:lnB w="6350" cap="flat" cmpd="sng" algn="ctr">
+                      <a:solidFill>
+                        <a:schemeClr val="tx2"/>
+                      </a:solidFill>
+                      <a:prstDash val="solid"/>
+                      <a:round/>
+                      <a:headEnd type="none" w="med" len="med"/>
+                      <a:tailEnd type="none" w="med" len="med"/>
+                    </a:lnB>
+                    <a:lnTlToBr w="12700" cmpd="sng">
+                      <a:noFill/>
+                      <a:prstDash val="solid"/>
+                    </a:lnTlToBr>
+                    <a:lnBlToTr w="12700" cmpd="sng">
+                      <a:noFill/>
+                      <a:prstDash val="solid"/>
+                    </a:lnBlToTr>
+                  </a:tcPr>
+                </a:tc>
+                <a:tc>
+                  <a:txBody>
+                    <a:bodyPr/>
+                    <a:lstStyle/>
+                    <a:p>
+                      <a:pPr algn="ctr"/>
+                      <a:r>
+                        <a:rPr lang="ru-RU" sz="1400" dirty="0" smtClean="0">
+                          <a:solidFill>
+                            <a:schemeClr val="tx1"/>
+                          </a:solidFill>
+                        </a:rPr>
+                        <a:t>1</a:t>
+                      </a:r>
+                      <a:endParaRPr lang="ru-RU" sz="1400" dirty="0">
+                        <a:solidFill>
+                          <a:schemeClr val="tx1"/>
+                        </a:solidFill>
+                      </a:endParaRPr>
+                    </a:p>
+                  </a:txBody>
+                  <a:tcPr>
+                    <a:lnL w="6350" cap="flat" cmpd="sng" algn="ctr">
+                      <a:solidFill>
+                        <a:schemeClr val="tx2"/>
+                      </a:solidFill>
+                      <a:prstDash val="solid"/>
+                      <a:round/>
+                      <a:headEnd type="none" w="med" len="med"/>
+                      <a:tailEnd type="none" w="med" len="med"/>
+                    </a:lnL>
+                    <a:lnR w="6350" cap="flat" cmpd="sng" algn="ctr">
+                      <a:solidFill>
+                        <a:schemeClr val="tx2"/>
+                      </a:solidFill>
+                      <a:prstDash val="solid"/>
+                      <a:round/>
+                      <a:headEnd type="none" w="med" len="med"/>
+                      <a:tailEnd type="none" w="med" len="med"/>
+                    </a:lnR>
+                    <a:lnT w="6350" cap="flat" cmpd="sng" algn="ctr">
+                      <a:solidFill>
+                        <a:schemeClr val="tx2"/>
+                      </a:solidFill>
+                      <a:prstDash val="solid"/>
+                      <a:round/>
+                      <a:headEnd type="none" w="med" len="med"/>
+                      <a:tailEnd type="none" w="med" len="med"/>
+                    </a:lnT>
+                    <a:lnB w="6350" cap="flat" cmpd="sng" algn="ctr">
+                      <a:solidFill>
+                        <a:schemeClr val="tx2"/>
+                      </a:solidFill>
+                      <a:prstDash val="solid"/>
+                      <a:round/>
+                      <a:headEnd type="none" w="med" len="med"/>
+                      <a:tailEnd type="none" w="med" len="med"/>
+                    </a:lnB>
+                    <a:lnTlToBr w="12700" cmpd="sng">
+                      <a:noFill/>
+                      <a:prstDash val="solid"/>
+                    </a:lnTlToBr>
+                    <a:lnBlToTr w="12700" cmpd="sng">
+                      <a:noFill/>
+                      <a:prstDash val="solid"/>
+                    </a:lnBlToTr>
+                  </a:tcPr>
+                </a:tc>
+                <a:tc>
+                  <a:txBody>
+                    <a:bodyPr/>
+                    <a:lstStyle/>
+                    <a:p>
+                      <a:pPr algn="ctr"/>
+                      <a:r>
+                        <a:rPr lang="ru-RU" sz="1400" dirty="0" smtClean="0">
+                          <a:solidFill>
+                            <a:schemeClr val="tx1"/>
+                          </a:solidFill>
+                        </a:rPr>
+                        <a:t>1</a:t>
+                      </a:r>
+                      <a:endParaRPr lang="ru-RU" sz="1400" dirty="0">
+                        <a:solidFill>
+                          <a:schemeClr val="tx1"/>
+                        </a:solidFill>
+                      </a:endParaRPr>
+                    </a:p>
+                  </a:txBody>
+                  <a:tcPr>
+                    <a:lnL w="6350" cap="flat" cmpd="sng" algn="ctr">
+                      <a:solidFill>
+                        <a:schemeClr val="tx2"/>
+                      </a:solidFill>
+                      <a:prstDash val="solid"/>
+                      <a:round/>
+                      <a:headEnd type="none" w="med" len="med"/>
+                      <a:tailEnd type="none" w="med" len="med"/>
+                    </a:lnL>
+                    <a:lnR w="6350" cap="flat" cmpd="sng" algn="ctr">
+                      <a:solidFill>
+                        <a:schemeClr val="tx2"/>
+                      </a:solidFill>
+                      <a:prstDash val="solid"/>
+                      <a:round/>
+                      <a:headEnd type="none" w="med" len="med"/>
+                      <a:tailEnd type="none" w="med" len="med"/>
+                    </a:lnR>
+                    <a:lnT w="6350" cap="flat" cmpd="sng" algn="ctr">
+                      <a:solidFill>
+                        <a:schemeClr val="tx2"/>
+                      </a:solidFill>
+                      <a:prstDash val="solid"/>
+                      <a:round/>
+                      <a:headEnd type="none" w="med" len="med"/>
+                      <a:tailEnd type="none" w="med" len="med"/>
+                    </a:lnT>
+                    <a:lnB w="6350" cap="flat" cmpd="sng" algn="ctr">
+                      <a:solidFill>
+                        <a:schemeClr val="tx2"/>
+                      </a:solidFill>
+                      <a:prstDash val="solid"/>
+                      <a:round/>
+                      <a:headEnd type="none" w="med" len="med"/>
+                      <a:tailEnd type="none" w="med" len="med"/>
+                    </a:lnB>
+                    <a:lnTlToBr w="12700" cmpd="sng">
+                      <a:noFill/>
+                      <a:prstDash val="solid"/>
+                    </a:lnTlToBr>
+                    <a:lnBlToTr w="12700" cmpd="sng">
+                      <a:noFill/>
+                      <a:prstDash val="solid"/>
+                    </a:lnBlToTr>
+                  </a:tcPr>
+                </a:tc>
+              </a:tr>
+              <a:tr h="202932">
+                <a:tc>
+                  <a:txBody>
+                    <a:bodyPr/>
+                    <a:lstStyle/>
+                    <a:p>
+                      <a:pPr algn="ctr"/>
+                      <a:r>
+                        <a:rPr lang="ru-RU" sz="1400" dirty="0" smtClean="0">
+                          <a:solidFill>
+                            <a:schemeClr val="tx1"/>
+                          </a:solidFill>
+                        </a:rPr>
+                        <a:t>0</a:t>
+                      </a:r>
+                      <a:endParaRPr lang="ru-RU" sz="1400" dirty="0">
+                        <a:solidFill>
+                          <a:schemeClr val="tx1"/>
+                        </a:solidFill>
+                      </a:endParaRPr>
+                    </a:p>
+                  </a:txBody>
+                  <a:tcPr>
+                    <a:lnL w="6350" cap="flat" cmpd="sng" algn="ctr">
+                      <a:solidFill>
+                        <a:schemeClr val="tx2"/>
+                      </a:solidFill>
+                      <a:prstDash val="solid"/>
+                      <a:round/>
+                      <a:headEnd type="none" w="med" len="med"/>
+                      <a:tailEnd type="none" w="med" len="med"/>
+                    </a:lnL>
+                    <a:lnR w="6350" cap="flat" cmpd="sng" algn="ctr">
+                      <a:solidFill>
+                        <a:schemeClr val="tx2"/>
+                      </a:solidFill>
+                      <a:prstDash val="solid"/>
+                      <a:round/>
+                      <a:headEnd type="none" w="med" len="med"/>
+                      <a:tailEnd type="none" w="med" len="med"/>
+                    </a:lnR>
+                    <a:lnT w="6350" cap="flat" cmpd="sng" algn="ctr">
+                      <a:solidFill>
+                        <a:schemeClr val="tx2"/>
+                      </a:solidFill>
+                      <a:prstDash val="solid"/>
+                      <a:round/>
+                      <a:headEnd type="none" w="med" len="med"/>
+                      <a:tailEnd type="none" w="med" len="med"/>
+                    </a:lnT>
+                    <a:lnB w="6350" cap="flat" cmpd="sng" algn="ctr">
+                      <a:solidFill>
+                        <a:schemeClr val="tx2"/>
+                      </a:solidFill>
+                      <a:prstDash val="solid"/>
+                      <a:round/>
+                      <a:headEnd type="none" w="med" len="med"/>
+                      <a:tailEnd type="none" w="med" len="med"/>
+                    </a:lnB>
+                    <a:lnTlToBr w="12700" cmpd="sng">
+                      <a:noFill/>
+                      <a:prstDash val="solid"/>
+                    </a:lnTlToBr>
+                    <a:lnBlToTr w="12700" cmpd="sng">
+                      <a:noFill/>
+                      <a:prstDash val="solid"/>
+                    </a:lnBlToTr>
+                  </a:tcPr>
+                </a:tc>
+                <a:tc>
+                  <a:txBody>
+                    <a:bodyPr/>
+                    <a:lstStyle/>
+                    <a:p>
+                      <a:pPr algn="ctr"/>
+                      <a:r>
+                        <a:rPr lang="ru-RU" sz="1400" dirty="0" smtClean="0">
+                          <a:solidFill>
+                            <a:schemeClr val="tx1"/>
+                          </a:solidFill>
+                        </a:rPr>
+                        <a:t>0</a:t>
+                      </a:r>
+                      <a:endParaRPr lang="ru-RU" sz="1400" dirty="0">
+                        <a:solidFill>
+                          <a:schemeClr val="tx1"/>
+                        </a:solidFill>
+                      </a:endParaRPr>
+                    </a:p>
+                  </a:txBody>
+                  <a:tcPr>
+                    <a:lnL w="6350" cap="flat" cmpd="sng" algn="ctr">
+                      <a:solidFill>
+                        <a:schemeClr val="tx2"/>
+                      </a:solidFill>
+                      <a:prstDash val="solid"/>
+                      <a:round/>
+                      <a:headEnd type="none" w="med" len="med"/>
+                      <a:tailEnd type="none" w="med" len="med"/>
+                    </a:lnL>
+                    <a:lnR w="6350" cap="flat" cmpd="sng" algn="ctr">
+                      <a:solidFill>
+                        <a:schemeClr val="tx2"/>
+                      </a:solidFill>
+                      <a:prstDash val="solid"/>
+                      <a:round/>
+                      <a:headEnd type="none" w="med" len="med"/>
+                      <a:tailEnd type="none" w="med" len="med"/>
+                    </a:lnR>
+                    <a:lnT w="6350" cap="flat" cmpd="sng" algn="ctr">
+                      <a:solidFill>
+                        <a:schemeClr val="tx2"/>
+                      </a:solidFill>
+                      <a:prstDash val="solid"/>
+                      <a:round/>
+                      <a:headEnd type="none" w="med" len="med"/>
+                      <a:tailEnd type="none" w="med" len="med"/>
+                    </a:lnT>
+                    <a:lnB w="6350" cap="flat" cmpd="sng" algn="ctr">
+                      <a:solidFill>
+                        <a:schemeClr val="tx2"/>
+                      </a:solidFill>
+                      <a:prstDash val="solid"/>
+                      <a:round/>
+                      <a:headEnd type="none" w="med" len="med"/>
+                      <a:tailEnd type="none" w="med" len="med"/>
+                    </a:lnB>
+                    <a:lnTlToBr w="12700" cmpd="sng">
+                      <a:noFill/>
+                      <a:prstDash val="solid"/>
+                    </a:lnTlToBr>
+                    <a:lnBlToTr w="12700" cmpd="sng">
+                      <a:noFill/>
+                      <a:prstDash val="solid"/>
+                    </a:lnBlToTr>
+                  </a:tcPr>
+                </a:tc>
+                <a:tc>
+                  <a:txBody>
+                    <a:bodyPr/>
+                    <a:lstStyle/>
+                    <a:p>
+                      <a:pPr algn="ctr"/>
+                      <a:r>
+                        <a:rPr lang="ru-RU" sz="1400" dirty="0" smtClean="0">
+                          <a:solidFill>
+                            <a:schemeClr val="tx1"/>
+                          </a:solidFill>
+                        </a:rPr>
+                        <a:t>1</a:t>
+                      </a:r>
+                      <a:endParaRPr lang="ru-RU" sz="1400" dirty="0">
+                        <a:solidFill>
+                          <a:schemeClr val="tx1"/>
+                        </a:solidFill>
+                      </a:endParaRPr>
+                    </a:p>
+                  </a:txBody>
+                  <a:tcPr>
+                    <a:lnL w="6350" cap="flat" cmpd="sng" algn="ctr">
+                      <a:solidFill>
+                        <a:schemeClr val="tx2"/>
+                      </a:solidFill>
+                      <a:prstDash val="solid"/>
+                      <a:round/>
+                      <a:headEnd type="none" w="med" len="med"/>
+                      <a:tailEnd type="none" w="med" len="med"/>
+                    </a:lnL>
+                    <a:lnR w="6350" cap="flat" cmpd="sng" algn="ctr">
+                      <a:solidFill>
+                        <a:schemeClr val="tx2"/>
+                      </a:solidFill>
+                      <a:prstDash val="solid"/>
+                      <a:round/>
+                      <a:headEnd type="none" w="med" len="med"/>
+                      <a:tailEnd type="none" w="med" len="med"/>
+                    </a:lnR>
+                    <a:lnT w="6350" cap="flat" cmpd="sng" algn="ctr">
+                      <a:solidFill>
+                        <a:schemeClr val="tx2"/>
+                      </a:solidFill>
+                      <a:prstDash val="solid"/>
+                      <a:round/>
+                      <a:headEnd type="none" w="med" len="med"/>
+                      <a:tailEnd type="none" w="med" len="med"/>
+                    </a:lnT>
+                    <a:lnB w="6350" cap="flat" cmpd="sng" algn="ctr">
+                      <a:solidFill>
+                        <a:schemeClr val="tx2"/>
+                      </a:solidFill>
+                      <a:prstDash val="solid"/>
+                      <a:round/>
+                      <a:headEnd type="none" w="med" len="med"/>
+                      <a:tailEnd type="none" w="med" len="med"/>
+                    </a:lnB>
+                    <a:lnTlToBr w="12700" cmpd="sng">
+                      <a:noFill/>
+                      <a:prstDash val="solid"/>
+                    </a:lnTlToBr>
+                    <a:lnBlToTr w="12700" cmpd="sng">
+                      <a:noFill/>
+                      <a:prstDash val="solid"/>
+                    </a:lnBlToTr>
+                  </a:tcPr>
+                </a:tc>
+                <a:tc>
+                  <a:txBody>
+                    <a:bodyPr/>
+                    <a:lstStyle/>
+                    <a:p>
+                      <a:pPr algn="ctr"/>
+                      <a:r>
+                        <a:rPr lang="ru-RU" sz="1400" dirty="0" smtClean="0">
+                          <a:solidFill>
+                            <a:schemeClr val="tx1"/>
+                          </a:solidFill>
+                        </a:rPr>
+                        <a:t>0</a:t>
+                      </a:r>
+                      <a:endParaRPr lang="ru-RU" sz="1400" dirty="0">
+                        <a:solidFill>
+                          <a:schemeClr val="tx1"/>
+                        </a:solidFill>
+                      </a:endParaRPr>
+                    </a:p>
+                  </a:txBody>
+                  <a:tcPr>
+                    <a:lnL w="6350" cap="flat" cmpd="sng" algn="ctr">
+                      <a:solidFill>
+                        <a:schemeClr val="tx2"/>
+                      </a:solidFill>
+                      <a:prstDash val="solid"/>
+                      <a:round/>
+                      <a:headEnd type="none" w="med" len="med"/>
+                      <a:tailEnd type="none" w="med" len="med"/>
+                    </a:lnL>
+                    <a:lnR w="6350" cap="flat" cmpd="sng" algn="ctr">
+                      <a:solidFill>
+                        <a:schemeClr val="tx2"/>
+                      </a:solidFill>
+                      <a:prstDash val="solid"/>
+                      <a:round/>
+                      <a:headEnd type="none" w="med" len="med"/>
+                      <a:tailEnd type="none" w="med" len="med"/>
+                    </a:lnR>
+                    <a:lnT w="6350" cap="flat" cmpd="sng" algn="ctr">
+                      <a:solidFill>
+                        <a:schemeClr val="tx2"/>
+                      </a:solidFill>
+                      <a:prstDash val="solid"/>
+                      <a:round/>
+                      <a:headEnd type="none" w="med" len="med"/>
+                      <a:tailEnd type="none" w="med" len="med"/>
+                    </a:lnT>
+                    <a:lnB w="6350" cap="flat" cmpd="sng" algn="ctr">
+                      <a:solidFill>
+                        <a:schemeClr val="tx2"/>
+                      </a:solidFill>
+                      <a:prstDash val="solid"/>
+                      <a:round/>
+                      <a:headEnd type="none" w="med" len="med"/>
+                      <a:tailEnd type="none" w="med" len="med"/>
+                    </a:lnB>
+                    <a:lnTlToBr w="12700" cmpd="sng">
+                      <a:noFill/>
+                      <a:prstDash val="solid"/>
+                    </a:lnTlToBr>
+                    <a:lnBlToTr w="12700" cmpd="sng">
+                      <a:noFill/>
+                      <a:prstDash val="solid"/>
+                    </a:lnBlToTr>
+                  </a:tcPr>
+                </a:tc>
+              </a:tr>
+              <a:tr h="202932">
+                <a:tc>
+                  <a:txBody>
+                    <a:bodyPr/>
+                    <a:lstStyle/>
+                    <a:p>
+                      <a:pPr algn="ctr"/>
+                      <a:r>
+                        <a:rPr lang="ru-RU" sz="1400" dirty="0" smtClean="0">
+                          <a:solidFill>
+                            <a:schemeClr val="tx1"/>
+                          </a:solidFill>
+                        </a:rPr>
+                        <a:t>1</a:t>
+                      </a:r>
+                      <a:endParaRPr lang="ru-RU" sz="1400" dirty="0">
+                        <a:solidFill>
+                          <a:schemeClr val="tx1"/>
+                        </a:solidFill>
+                      </a:endParaRPr>
+                    </a:p>
+                  </a:txBody>
+                  <a:tcPr>
+                    <a:lnL w="6350" cap="flat" cmpd="sng" algn="ctr">
+                      <a:solidFill>
+                        <a:schemeClr val="tx2"/>
+                      </a:solidFill>
+                      <a:prstDash val="solid"/>
+                      <a:round/>
+                      <a:headEnd type="none" w="med" len="med"/>
+                      <a:tailEnd type="none" w="med" len="med"/>
+                    </a:lnL>
+                    <a:lnR w="6350" cap="flat" cmpd="sng" algn="ctr">
+                      <a:solidFill>
+                        <a:schemeClr val="tx2"/>
+                      </a:solidFill>
+                      <a:prstDash val="solid"/>
+                      <a:round/>
+                      <a:headEnd type="none" w="med" len="med"/>
+                      <a:tailEnd type="none" w="med" len="med"/>
+                    </a:lnR>
+                    <a:lnT w="6350" cap="flat" cmpd="sng" algn="ctr">
+                      <a:solidFill>
+                        <a:schemeClr val="tx2"/>
+                      </a:solidFill>
+                      <a:prstDash val="solid"/>
+                      <a:round/>
+                      <a:headEnd type="none" w="med" len="med"/>
+                      <a:tailEnd type="none" w="med" len="med"/>
+                    </a:lnT>
+                    <a:lnB w="6350" cap="flat" cmpd="sng" algn="ctr">
+                      <a:solidFill>
+                        <a:schemeClr val="tx2"/>
+                      </a:solidFill>
+                      <a:prstDash val="solid"/>
+                      <a:round/>
+                      <a:headEnd type="none" w="med" len="med"/>
+                      <a:tailEnd type="none" w="med" len="med"/>
+                    </a:lnB>
+                    <a:lnTlToBr w="12700" cmpd="sng">
+                      <a:noFill/>
+                      <a:prstDash val="solid"/>
+                    </a:lnTlToBr>
+                    <a:lnBlToTr w="12700" cmpd="sng">
+                      <a:noFill/>
+                      <a:prstDash val="solid"/>
+                    </a:lnBlToTr>
+                  </a:tcPr>
+                </a:tc>
+                <a:tc>
+                  <a:txBody>
+                    <a:bodyPr/>
+                    <a:lstStyle/>
+                    <a:p>
+                      <a:pPr algn="ctr"/>
+                      <a:r>
+                        <a:rPr lang="ru-RU" sz="1400" dirty="0" smtClean="0">
+                          <a:solidFill>
+                            <a:schemeClr val="tx1"/>
+                          </a:solidFill>
+                        </a:rPr>
+                        <a:t>0</a:t>
+                      </a:r>
+                      <a:endParaRPr lang="ru-RU" sz="1400" dirty="0">
+                        <a:solidFill>
+                          <a:schemeClr val="tx1"/>
+                        </a:solidFill>
+                      </a:endParaRPr>
+                    </a:p>
+                  </a:txBody>
+                  <a:tcPr>
+                    <a:lnL w="6350" cap="flat" cmpd="sng" algn="ctr">
+                      <a:solidFill>
+                        <a:schemeClr val="tx2"/>
+                      </a:solidFill>
+                      <a:prstDash val="solid"/>
+                      <a:round/>
+                      <a:headEnd type="none" w="med" len="med"/>
+                      <a:tailEnd type="none" w="med" len="med"/>
+                    </a:lnL>
+                    <a:lnR w="6350" cap="flat" cmpd="sng" algn="ctr">
+                      <a:solidFill>
+                        <a:schemeClr val="tx2"/>
+                      </a:solidFill>
+                      <a:prstDash val="solid"/>
+                      <a:round/>
+                      <a:headEnd type="none" w="med" len="med"/>
+                      <a:tailEnd type="none" w="med" len="med"/>
+                    </a:lnR>
+                    <a:lnT w="6350" cap="flat" cmpd="sng" algn="ctr">
+                      <a:solidFill>
+                        <a:schemeClr val="tx2"/>
+                      </a:solidFill>
+                      <a:prstDash val="solid"/>
+                      <a:round/>
+                      <a:headEnd type="none" w="med" len="med"/>
+                      <a:tailEnd type="none" w="med" len="med"/>
+                    </a:lnT>
+                    <a:lnB w="6350" cap="flat" cmpd="sng" algn="ctr">
+                      <a:solidFill>
+                        <a:schemeClr val="tx2"/>
+                      </a:solidFill>
+                      <a:prstDash val="solid"/>
+                      <a:round/>
+                      <a:headEnd type="none" w="med" len="med"/>
+                      <a:tailEnd type="none" w="med" len="med"/>
+                    </a:lnB>
+                    <a:lnTlToBr w="12700" cmpd="sng">
+                      <a:noFill/>
+                      <a:prstDash val="solid"/>
+                    </a:lnTlToBr>
+                    <a:lnBlToTr w="12700" cmpd="sng">
+                      <a:noFill/>
+                      <a:prstDash val="solid"/>
+                    </a:lnBlToTr>
+                  </a:tcPr>
+                </a:tc>
+                <a:tc>
+                  <a:txBody>
+                    <a:bodyPr/>
+                    <a:lstStyle/>
+                    <a:p>
+                      <a:pPr algn="ctr"/>
+                      <a:r>
+                        <a:rPr lang="ru-RU" sz="1400" dirty="0" smtClean="0">
+                          <a:solidFill>
+                            <a:schemeClr val="tx1"/>
+                          </a:solidFill>
+                        </a:rPr>
+                        <a:t>1</a:t>
+                      </a:r>
+                      <a:endParaRPr lang="ru-RU" sz="1400" dirty="0">
+                        <a:solidFill>
+                          <a:schemeClr val="tx1"/>
+                        </a:solidFill>
+                      </a:endParaRPr>
+                    </a:p>
+                  </a:txBody>
+                  <a:tcPr>
+                    <a:lnL w="6350" cap="flat" cmpd="sng" algn="ctr">
+                      <a:solidFill>
+                        <a:schemeClr val="tx2"/>
+                      </a:solidFill>
+                      <a:prstDash val="solid"/>
+                      <a:round/>
+                      <a:headEnd type="none" w="med" len="med"/>
+                      <a:tailEnd type="none" w="med" len="med"/>
+                    </a:lnL>
+                    <a:lnR w="6350" cap="flat" cmpd="sng" algn="ctr">
+                      <a:solidFill>
+                        <a:schemeClr val="tx2"/>
+                      </a:solidFill>
+                      <a:prstDash val="solid"/>
+                      <a:round/>
+                      <a:headEnd type="none" w="med" len="med"/>
+                      <a:tailEnd type="none" w="med" len="med"/>
+                    </a:lnR>
+                    <a:lnT w="6350" cap="flat" cmpd="sng" algn="ctr">
+                      <a:solidFill>
+                        <a:schemeClr val="tx2"/>
+                      </a:solidFill>
+                      <a:prstDash val="solid"/>
+                      <a:round/>
+                      <a:headEnd type="none" w="med" len="med"/>
+                      <a:tailEnd type="none" w="med" len="med"/>
+                    </a:lnT>
+                    <a:lnB w="6350" cap="flat" cmpd="sng" algn="ctr">
+                      <a:solidFill>
+                        <a:schemeClr val="tx2"/>
+                      </a:solidFill>
+                      <a:prstDash val="solid"/>
+                      <a:round/>
+                      <a:headEnd type="none" w="med" len="med"/>
+                      <a:tailEnd type="none" w="med" len="med"/>
+                    </a:lnB>
+                    <a:lnTlToBr w="12700" cmpd="sng">
+                      <a:noFill/>
+                      <a:prstDash val="solid"/>
+                    </a:lnTlToBr>
+                    <a:lnBlToTr w="12700" cmpd="sng">
+                      <a:noFill/>
+                      <a:prstDash val="solid"/>
+                    </a:lnBlToTr>
+                  </a:tcPr>
+                </a:tc>
+                <a:tc>
+                  <a:txBody>
+                    <a:bodyPr/>
+                    <a:lstStyle/>
+                    <a:p>
+                      <a:pPr algn="ctr"/>
+                      <a:r>
+                        <a:rPr lang="ru-RU" sz="1400" dirty="0" smtClean="0">
+                          <a:solidFill>
+                            <a:schemeClr val="tx1"/>
+                          </a:solidFill>
+                        </a:rPr>
+                        <a:t>0</a:t>
+                      </a:r>
+                      <a:endParaRPr lang="ru-RU" sz="1400" dirty="0">
+                        <a:solidFill>
+                          <a:schemeClr val="tx1"/>
+                        </a:solidFill>
+                      </a:endParaRPr>
+                    </a:p>
+                  </a:txBody>
+                  <a:tcPr>
+                    <a:lnL w="6350" cap="flat" cmpd="sng" algn="ctr">
+                      <a:solidFill>
+                        <a:schemeClr val="tx2"/>
+                      </a:solidFill>
+                      <a:prstDash val="solid"/>
+                      <a:round/>
+                      <a:headEnd type="none" w="med" len="med"/>
+                      <a:tailEnd type="none" w="med" len="med"/>
+                    </a:lnL>
+                    <a:lnR w="6350" cap="flat" cmpd="sng" algn="ctr">
+                      <a:solidFill>
+                        <a:schemeClr val="tx2"/>
+                      </a:solidFill>
+                      <a:prstDash val="solid"/>
+                      <a:round/>
+                      <a:headEnd type="none" w="med" len="med"/>
+                      <a:tailEnd type="none" w="med" len="med"/>
+                    </a:lnR>
+                    <a:lnT w="6350" cap="flat" cmpd="sng" algn="ctr">
+                      <a:solidFill>
+                        <a:schemeClr val="tx2"/>
+                      </a:solidFill>
+                      <a:prstDash val="solid"/>
+                      <a:round/>
+                      <a:headEnd type="none" w="med" len="med"/>
+                      <a:tailEnd type="none" w="med" len="med"/>
+                    </a:lnT>
+                    <a:lnB w="6350" cap="flat" cmpd="sng" algn="ctr">
+                      <a:solidFill>
+                        <a:schemeClr val="tx2"/>
+                      </a:solidFill>
+                      <a:prstDash val="solid"/>
+                      <a:round/>
+                      <a:headEnd type="none" w="med" len="med"/>
+                      <a:tailEnd type="none" w="med" len="med"/>
+                    </a:lnB>
+                    <a:lnTlToBr w="12700" cmpd="sng">
+                      <a:noFill/>
+                      <a:prstDash val="solid"/>
+                    </a:lnTlToBr>
+                    <a:lnBlToTr w="12700" cmpd="sng">
+                      <a:noFill/>
+                      <a:prstDash val="solid"/>
+                    </a:lnBlToTr>
+                  </a:tcPr>
+                </a:tc>
+              </a:tr>
+              <a:tr h="202932">
+                <a:tc>
+                  <a:txBody>
+                    <a:bodyPr/>
+                    <a:lstStyle/>
+                    <a:p>
+                      <a:pPr algn="ctr"/>
+                      <a:r>
+                        <a:rPr lang="ru-RU" sz="1400" dirty="0" smtClean="0">
+                          <a:solidFill>
+                            <a:schemeClr val="tx1"/>
+                          </a:solidFill>
+                        </a:rPr>
+                        <a:t>0</a:t>
+                      </a:r>
+                      <a:endParaRPr lang="ru-RU" sz="1400" dirty="0">
+                        <a:solidFill>
+                          <a:schemeClr val="tx1"/>
+                        </a:solidFill>
+                      </a:endParaRPr>
+                    </a:p>
+                  </a:txBody>
+                  <a:tcPr>
+                    <a:lnL w="6350" cap="flat" cmpd="sng" algn="ctr">
+                      <a:solidFill>
+                        <a:schemeClr val="tx2"/>
+                      </a:solidFill>
+                      <a:prstDash val="solid"/>
+                      <a:round/>
+                      <a:headEnd type="none" w="med" len="med"/>
+                      <a:tailEnd type="none" w="med" len="med"/>
+                    </a:lnL>
+                    <a:lnR w="6350" cap="flat" cmpd="sng" algn="ctr">
+                      <a:solidFill>
+                        <a:schemeClr val="tx2"/>
+                      </a:solidFill>
+                      <a:prstDash val="solid"/>
+                      <a:round/>
+                      <a:headEnd type="none" w="med" len="med"/>
+                      <a:tailEnd type="none" w="med" len="med"/>
+                    </a:lnR>
+                    <a:lnT w="6350" cap="flat" cmpd="sng" algn="ctr">
+                      <a:solidFill>
+                        <a:schemeClr val="tx2"/>
+                      </a:solidFill>
+                      <a:prstDash val="solid"/>
+                      <a:round/>
+                      <a:headEnd type="none" w="med" len="med"/>
+                      <a:tailEnd type="none" w="med" len="med"/>
+                    </a:lnT>
+                    <a:lnB w="6350" cap="flat" cmpd="sng" algn="ctr">
+                      <a:solidFill>
+                        <a:schemeClr val="tx2"/>
+                      </a:solidFill>
+                      <a:prstDash val="solid"/>
+                      <a:round/>
+                      <a:headEnd type="none" w="med" len="med"/>
+                      <a:tailEnd type="none" w="med" len="med"/>
+                    </a:lnB>
+                    <a:lnTlToBr w="12700" cmpd="sng">
+                      <a:noFill/>
+                      <a:prstDash val="solid"/>
+                    </a:lnTlToBr>
+                    <a:lnBlToTr w="12700" cmpd="sng">
+                      <a:noFill/>
+                      <a:prstDash val="solid"/>
+                    </a:lnBlToTr>
+                  </a:tcPr>
+                </a:tc>
+                <a:tc>
+                  <a:txBody>
+                    <a:bodyPr/>
+                    <a:lstStyle/>
+                    <a:p>
+                      <a:pPr algn="ctr"/>
+                      <a:r>
+                        <a:rPr lang="ru-RU" sz="1400" dirty="0" smtClean="0">
+                          <a:solidFill>
+                            <a:schemeClr val="tx1"/>
+                          </a:solidFill>
+                        </a:rPr>
+                        <a:t>0</a:t>
+                      </a:r>
+                      <a:endParaRPr lang="ru-RU" sz="1400" dirty="0">
+                        <a:solidFill>
+                          <a:schemeClr val="tx1"/>
+                        </a:solidFill>
+                      </a:endParaRPr>
+                    </a:p>
+                  </a:txBody>
+                  <a:tcPr>
+                    <a:lnL w="6350" cap="flat" cmpd="sng" algn="ctr">
+                      <a:solidFill>
+                        <a:schemeClr val="tx2"/>
+                      </a:solidFill>
+                      <a:prstDash val="solid"/>
+                      <a:round/>
+                      <a:headEnd type="none" w="med" len="med"/>
+                      <a:tailEnd type="none" w="med" len="med"/>
+                    </a:lnL>
+                    <a:lnR w="6350" cap="flat" cmpd="sng" algn="ctr">
+                      <a:solidFill>
+                        <a:schemeClr val="tx2"/>
+                      </a:solidFill>
+                      <a:prstDash val="solid"/>
+                      <a:round/>
+                      <a:headEnd type="none" w="med" len="med"/>
+                      <a:tailEnd type="none" w="med" len="med"/>
+                    </a:lnR>
+                    <a:lnT w="6350" cap="flat" cmpd="sng" algn="ctr">
+                      <a:solidFill>
+                        <a:schemeClr val="tx2"/>
+                      </a:solidFill>
+                      <a:prstDash val="solid"/>
+                      <a:round/>
+                      <a:headEnd type="none" w="med" len="med"/>
+                      <a:tailEnd type="none" w="med" len="med"/>
+                    </a:lnT>
+                    <a:lnB w="6350" cap="flat" cmpd="sng" algn="ctr">
+                      <a:solidFill>
+                        <a:schemeClr val="tx2"/>
+                      </a:solidFill>
+                      <a:prstDash val="solid"/>
+                      <a:round/>
+                      <a:headEnd type="none" w="med" len="med"/>
+                      <a:tailEnd type="none" w="med" len="med"/>
+                    </a:lnB>
+                    <a:lnTlToBr w="12700" cmpd="sng">
+                      <a:noFill/>
+                      <a:prstDash val="solid"/>
+                    </a:lnTlToBr>
+                    <a:lnBlToTr w="12700" cmpd="sng">
+                      <a:noFill/>
+                      <a:prstDash val="solid"/>
+                    </a:lnBlToTr>
+                  </a:tcPr>
+                </a:tc>
+                <a:tc>
+                  <a:txBody>
+                    <a:bodyPr/>
+                    <a:lstStyle/>
+                    <a:p>
+                      <a:pPr algn="ctr"/>
+                      <a:r>
+                        <a:rPr lang="ru-RU" sz="1400" dirty="0" smtClean="0">
+                          <a:solidFill>
+                            <a:schemeClr val="tx1"/>
+                          </a:solidFill>
+                        </a:rPr>
+                        <a:t>0</a:t>
+                      </a:r>
+                      <a:endParaRPr lang="ru-RU" sz="1400" dirty="0">
+                        <a:solidFill>
+                          <a:schemeClr val="tx1"/>
+                        </a:solidFill>
+                      </a:endParaRPr>
+                    </a:p>
+                  </a:txBody>
+                  <a:tcPr>
+                    <a:lnL w="6350" cap="flat" cmpd="sng" algn="ctr">
+                      <a:solidFill>
+                        <a:schemeClr val="tx2"/>
+                      </a:solidFill>
+                      <a:prstDash val="solid"/>
+                      <a:round/>
+                      <a:headEnd type="none" w="med" len="med"/>
+                      <a:tailEnd type="none" w="med" len="med"/>
+                    </a:lnL>
+                    <a:lnR w="6350" cap="flat" cmpd="sng" algn="ctr">
+                      <a:solidFill>
+                        <a:schemeClr val="tx2"/>
+                      </a:solidFill>
+                      <a:prstDash val="solid"/>
+                      <a:round/>
+                      <a:headEnd type="none" w="med" len="med"/>
+                      <a:tailEnd type="none" w="med" len="med"/>
+                    </a:lnR>
+                    <a:lnT w="6350" cap="flat" cmpd="sng" algn="ctr">
+                      <a:solidFill>
+                        <a:schemeClr val="tx2"/>
+                      </a:solidFill>
+                      <a:prstDash val="solid"/>
+                      <a:round/>
+                      <a:headEnd type="none" w="med" len="med"/>
+                      <a:tailEnd type="none" w="med" len="med"/>
+                    </a:lnT>
+                    <a:lnB w="6350" cap="flat" cmpd="sng" algn="ctr">
+                      <a:solidFill>
+                        <a:schemeClr val="tx2"/>
+                      </a:solidFill>
+                      <a:prstDash val="solid"/>
+                      <a:round/>
+                      <a:headEnd type="none" w="med" len="med"/>
+                      <a:tailEnd type="none" w="med" len="med"/>
+                    </a:lnB>
+                    <a:lnTlToBr w="12700" cmpd="sng">
+                      <a:noFill/>
+                      <a:prstDash val="solid"/>
+                    </a:lnTlToBr>
+                    <a:lnBlToTr w="12700" cmpd="sng">
+                      <a:noFill/>
+                      <a:prstDash val="solid"/>
+                    </a:lnBlToTr>
+                  </a:tcPr>
+                </a:tc>
+                <a:tc>
+                  <a:txBody>
+                    <a:bodyPr/>
+                    <a:lstStyle/>
+                    <a:p>
+                      <a:pPr algn="ctr"/>
+                      <a:r>
+                        <a:rPr lang="ru-RU" sz="1400" dirty="0" smtClean="0">
+                          <a:solidFill>
+                            <a:schemeClr val="tx1"/>
+                          </a:solidFill>
+                        </a:rPr>
+                        <a:t>1</a:t>
+                      </a:r>
+                      <a:endParaRPr lang="ru-RU" sz="1400" dirty="0">
+                        <a:solidFill>
+                          <a:schemeClr val="tx1"/>
+                        </a:solidFill>
+                      </a:endParaRPr>
+                    </a:p>
+                  </a:txBody>
+                  <a:tcPr>
+                    <a:lnL w="6350" cap="flat" cmpd="sng" algn="ctr">
+                      <a:solidFill>
+                        <a:schemeClr val="tx2"/>
+                      </a:solidFill>
+                      <a:prstDash val="solid"/>
+                      <a:round/>
+                      <a:headEnd type="none" w="med" len="med"/>
+                      <a:tailEnd type="none" w="med" len="med"/>
+                    </a:lnL>
+                    <a:lnR w="6350" cap="flat" cmpd="sng" algn="ctr">
+                      <a:solidFill>
+                        <a:schemeClr val="tx2"/>
+                      </a:solidFill>
+                      <a:prstDash val="solid"/>
+                      <a:round/>
+                      <a:headEnd type="none" w="med" len="med"/>
+                      <a:tailEnd type="none" w="med" len="med"/>
+                    </a:lnR>
+                    <a:lnT w="6350" cap="flat" cmpd="sng" algn="ctr">
+                      <a:solidFill>
+                        <a:schemeClr val="tx2"/>
+                      </a:solidFill>
+                      <a:prstDash val="solid"/>
+                      <a:round/>
+                      <a:headEnd type="none" w="med" len="med"/>
+                      <a:tailEnd type="none" w="med" len="med"/>
+                    </a:lnT>
+                    <a:lnB w="6350" cap="flat" cmpd="sng" algn="ctr">
+                      <a:solidFill>
+                        <a:schemeClr val="tx2"/>
+                      </a:solidFill>
+                      <a:prstDash val="solid"/>
+                      <a:round/>
+                      <a:headEnd type="none" w="med" len="med"/>
+                      <a:tailEnd type="none" w="med" len="med"/>
+                    </a:lnB>
+                    <a:lnTlToBr w="12700" cmpd="sng">
+                      <a:noFill/>
+                      <a:prstDash val="solid"/>
+                    </a:lnTlToBr>
+                    <a:lnBlToTr w="12700" cmpd="sng">
+                      <a:noFill/>
+                      <a:prstDash val="solid"/>
+                    </a:lnBlToTr>
+                  </a:tcPr>
+                </a:tc>
+              </a:tr>
+              <a:tr h="202932">
+                <a:tc>
+                  <a:txBody>
+                    <a:bodyPr/>
+                    <a:lstStyle/>
+                    <a:p>
+                      <a:pPr algn="ctr"/>
+                      <a:r>
+                        <a:rPr lang="ru-RU" sz="1400" dirty="0" smtClean="0">
+                          <a:solidFill>
+                            <a:schemeClr val="tx1"/>
+                          </a:solidFill>
+                        </a:rPr>
+                        <a:t>0</a:t>
+                      </a:r>
+                      <a:endParaRPr lang="ru-RU" sz="1400" dirty="0">
+                        <a:solidFill>
+                          <a:schemeClr val="tx1"/>
+                        </a:solidFill>
+                      </a:endParaRPr>
+                    </a:p>
+                  </a:txBody>
+                  <a:tcPr>
+                    <a:lnL w="6350" cap="flat" cmpd="sng" algn="ctr">
+                      <a:solidFill>
+                        <a:schemeClr val="tx2"/>
+                      </a:solidFill>
+                      <a:prstDash val="solid"/>
+                      <a:round/>
+                      <a:headEnd type="none" w="med" len="med"/>
+                      <a:tailEnd type="none" w="med" len="med"/>
+                    </a:lnL>
+                    <a:lnR w="6350" cap="flat" cmpd="sng" algn="ctr">
+                      <a:solidFill>
+                        <a:schemeClr val="tx2"/>
+                      </a:solidFill>
+                      <a:prstDash val="solid"/>
+                      <a:round/>
+                      <a:headEnd type="none" w="med" len="med"/>
+                      <a:tailEnd type="none" w="med" len="med"/>
+                    </a:lnR>
+                    <a:lnT w="6350" cap="flat" cmpd="sng" algn="ctr">
+                      <a:solidFill>
+                        <a:schemeClr val="tx2"/>
+                      </a:solidFill>
+                      <a:prstDash val="solid"/>
+                      <a:round/>
+                      <a:headEnd type="none" w="med" len="med"/>
+                      <a:tailEnd type="none" w="med" len="med"/>
+                    </a:lnT>
+                    <a:lnB w="6350" cap="flat" cmpd="sng" algn="ctr">
+                      <a:solidFill>
+                        <a:schemeClr val="tx2"/>
+                      </a:solidFill>
+                      <a:prstDash val="solid"/>
+                      <a:round/>
+                      <a:headEnd type="none" w="med" len="med"/>
+                      <a:tailEnd type="none" w="med" len="med"/>
+                    </a:lnB>
+                    <a:lnTlToBr w="12700" cmpd="sng">
+                      <a:noFill/>
+                      <a:prstDash val="solid"/>
+                    </a:lnTlToBr>
+                    <a:lnBlToTr w="12700" cmpd="sng">
+                      <a:noFill/>
+                      <a:prstDash val="solid"/>
+                    </a:lnBlToTr>
+                  </a:tcPr>
+                </a:tc>
+                <a:tc>
+                  <a:txBody>
+                    <a:bodyPr/>
+                    <a:lstStyle/>
+                    <a:p>
+                      <a:pPr algn="ctr"/>
+                      <a:r>
+                        <a:rPr lang="ru-RU" sz="1400" dirty="0" smtClean="0">
+                          <a:solidFill>
+                            <a:schemeClr val="tx1"/>
+                          </a:solidFill>
+                        </a:rPr>
+                        <a:t>0</a:t>
+                      </a:r>
+                      <a:endParaRPr lang="ru-RU" sz="1400" dirty="0">
+                        <a:solidFill>
+                          <a:schemeClr val="tx1"/>
+                        </a:solidFill>
+                      </a:endParaRPr>
+                    </a:p>
+                  </a:txBody>
+                  <a:tcPr>
+                    <a:lnL w="6350" cap="flat" cmpd="sng" algn="ctr">
+                      <a:solidFill>
+                        <a:schemeClr val="tx2"/>
+                      </a:solidFill>
+                      <a:prstDash val="solid"/>
+                      <a:round/>
+                      <a:headEnd type="none" w="med" len="med"/>
+                      <a:tailEnd type="none" w="med" len="med"/>
+                    </a:lnL>
+                    <a:lnR w="6350" cap="flat" cmpd="sng" algn="ctr">
+                      <a:solidFill>
+                        <a:schemeClr val="tx2"/>
+                      </a:solidFill>
+                      <a:prstDash val="solid"/>
+                      <a:round/>
+                      <a:headEnd type="none" w="med" len="med"/>
+                      <a:tailEnd type="none" w="med" len="med"/>
+                    </a:lnR>
+                    <a:lnT w="6350" cap="flat" cmpd="sng" algn="ctr">
+                      <a:solidFill>
+                        <a:schemeClr val="tx2"/>
+                      </a:solidFill>
+                      <a:prstDash val="solid"/>
+                      <a:round/>
+                      <a:headEnd type="none" w="med" len="med"/>
+                      <a:tailEnd type="none" w="med" len="med"/>
+                    </a:lnT>
+                    <a:lnB w="6350" cap="flat" cmpd="sng" algn="ctr">
+                      <a:solidFill>
+                        <a:schemeClr val="tx2"/>
+                      </a:solidFill>
+                      <a:prstDash val="solid"/>
+                      <a:round/>
+                      <a:headEnd type="none" w="med" len="med"/>
+                      <a:tailEnd type="none" w="med" len="med"/>
+                    </a:lnB>
+                    <a:lnTlToBr w="12700" cmpd="sng">
+                      <a:noFill/>
+                      <a:prstDash val="solid"/>
+                    </a:lnTlToBr>
+                    <a:lnBlToTr w="12700" cmpd="sng">
+                      <a:noFill/>
+                      <a:prstDash val="solid"/>
+                    </a:lnBlToTr>
+                  </a:tcPr>
+                </a:tc>
+                <a:tc>
+                  <a:txBody>
+                    <a:bodyPr/>
+                    <a:lstStyle/>
+                    <a:p>
+                      <a:pPr algn="ctr"/>
+                      <a:r>
+                        <a:rPr lang="ru-RU" sz="1400" dirty="0" smtClean="0">
+                          <a:solidFill>
+                            <a:schemeClr val="tx1"/>
+                          </a:solidFill>
+                        </a:rPr>
+                        <a:t>1</a:t>
+                      </a:r>
+                      <a:endParaRPr lang="ru-RU" sz="1400" dirty="0">
+                        <a:solidFill>
+                          <a:schemeClr val="tx1"/>
+                        </a:solidFill>
+                      </a:endParaRPr>
+                    </a:p>
+                  </a:txBody>
+                  <a:tcPr>
+                    <a:lnL w="6350" cap="flat" cmpd="sng" algn="ctr">
+                      <a:solidFill>
+                        <a:schemeClr val="tx2"/>
+                      </a:solidFill>
+                      <a:prstDash val="solid"/>
+                      <a:round/>
+                      <a:headEnd type="none" w="med" len="med"/>
+                      <a:tailEnd type="none" w="med" len="med"/>
+                    </a:lnL>
+                    <a:lnR w="6350" cap="flat" cmpd="sng" algn="ctr">
+                      <a:solidFill>
+                        <a:schemeClr val="tx2"/>
+                      </a:solidFill>
+                      <a:prstDash val="solid"/>
+                      <a:round/>
+                      <a:headEnd type="none" w="med" len="med"/>
+                      <a:tailEnd type="none" w="med" len="med"/>
+                    </a:lnR>
+                    <a:lnT w="6350" cap="flat" cmpd="sng" algn="ctr">
+                      <a:solidFill>
+                        <a:schemeClr val="tx2"/>
+                      </a:solidFill>
+                      <a:prstDash val="solid"/>
+                      <a:round/>
+                      <a:headEnd type="none" w="med" len="med"/>
+                      <a:tailEnd type="none" w="med" len="med"/>
+                    </a:lnT>
+                    <a:lnB w="6350" cap="flat" cmpd="sng" algn="ctr">
+                      <a:solidFill>
+                        <a:schemeClr val="tx2"/>
+                      </a:solidFill>
+                      <a:prstDash val="solid"/>
+                      <a:round/>
+                      <a:headEnd type="none" w="med" len="med"/>
+                      <a:tailEnd type="none" w="med" len="med"/>
+                    </a:lnB>
+                    <a:lnTlToBr w="12700" cmpd="sng">
+                      <a:noFill/>
+                      <a:prstDash val="solid"/>
+                    </a:lnTlToBr>
+                    <a:lnBlToTr w="12700" cmpd="sng">
+                      <a:noFill/>
+                      <a:prstDash val="solid"/>
+                    </a:lnBlToTr>
+                  </a:tcPr>
+                </a:tc>
+                <a:tc>
+                  <a:txBody>
+                    <a:bodyPr/>
+                    <a:lstStyle/>
+                    <a:p>
+                      <a:pPr algn="ctr"/>
+                      <a:r>
+                        <a:rPr lang="ru-RU" sz="1400" dirty="0" smtClean="0">
+                          <a:solidFill>
+                            <a:schemeClr val="tx1"/>
+                          </a:solidFill>
+                        </a:rPr>
+                        <a:t>1</a:t>
+                      </a:r>
+                      <a:endParaRPr lang="ru-RU" sz="1400" dirty="0">
+                        <a:solidFill>
+                          <a:schemeClr val="tx1"/>
+                        </a:solidFill>
+                      </a:endParaRPr>
+                    </a:p>
+                  </a:txBody>
+                  <a:tcPr>
+                    <a:lnL w="6350" cap="flat" cmpd="sng" algn="ctr">
+                      <a:solidFill>
+                        <a:schemeClr val="tx2"/>
+                      </a:solidFill>
+                      <a:prstDash val="solid"/>
+                      <a:round/>
+                      <a:headEnd type="none" w="med" len="med"/>
+                      <a:tailEnd type="none" w="med" len="med"/>
+                    </a:lnL>
+                    <a:lnR w="6350" cap="flat" cmpd="sng" algn="ctr">
+                      <a:solidFill>
+                        <a:schemeClr val="tx2"/>
+                      </a:solidFill>
+                      <a:prstDash val="solid"/>
+                      <a:round/>
+                      <a:headEnd type="none" w="med" len="med"/>
+                      <a:tailEnd type="none" w="med" len="med"/>
+                    </a:lnR>
+                    <a:lnT w="6350" cap="flat" cmpd="sng" algn="ctr">
+                      <a:solidFill>
+                        <a:schemeClr val="tx2"/>
+                      </a:solidFill>
+                      <a:prstDash val="solid"/>
+                      <a:round/>
+                      <a:headEnd type="none" w="med" len="med"/>
+                      <a:tailEnd type="none" w="med" len="med"/>
+                    </a:lnT>
+                    <a:lnB w="6350" cap="flat" cmpd="sng" algn="ctr">
+                      <a:solidFill>
+                        <a:schemeClr val="tx2"/>
+                      </a:solidFill>
+                      <a:prstDash val="solid"/>
+                      <a:round/>
+                      <a:headEnd type="none" w="med" len="med"/>
+                      <a:tailEnd type="none" w="med" len="med"/>
+                    </a:lnB>
+                    <a:lnTlToBr w="12700" cmpd="sng">
+                      <a:noFill/>
+                      <a:prstDash val="solid"/>
+                    </a:lnTlToBr>
+                    <a:lnBlToTr w="12700" cmpd="sng">
+                      <a:noFill/>
+                      <a:prstDash val="solid"/>
+                    </a:lnBlToTr>
+                  </a:tcPr>
+                </a:tc>
+              </a:tr>
+              <a:tr h="202932">
+                <a:tc>
+                  <a:txBody>
+                    <a:bodyPr/>
+                    <a:lstStyle/>
+                    <a:p>
+                      <a:pPr algn="ctr"/>
+                      <a:r>
+                        <a:rPr lang="ru-RU" sz="1400" dirty="0" smtClean="0">
+                          <a:solidFill>
+                            <a:schemeClr val="tx1"/>
+                          </a:solidFill>
+                        </a:rPr>
+                        <a:t>0</a:t>
+                      </a:r>
+                      <a:endParaRPr lang="ru-RU" sz="1400" dirty="0">
+                        <a:solidFill>
+                          <a:schemeClr val="tx1"/>
+                        </a:solidFill>
+                      </a:endParaRPr>
+                    </a:p>
+                  </a:txBody>
+                  <a:tcPr>
+                    <a:lnL w="6350" cap="flat" cmpd="sng" algn="ctr">
+                      <a:solidFill>
+                        <a:schemeClr val="tx2"/>
+                      </a:solidFill>
+                      <a:prstDash val="solid"/>
+                      <a:round/>
+                      <a:headEnd type="none" w="med" len="med"/>
+                      <a:tailEnd type="none" w="med" len="med"/>
+                    </a:lnL>
+                    <a:lnR w="6350" cap="flat" cmpd="sng" algn="ctr">
+                      <a:solidFill>
+                        <a:schemeClr val="tx2"/>
+                      </a:solidFill>
+                      <a:prstDash val="solid"/>
+                      <a:round/>
+                      <a:headEnd type="none" w="med" len="med"/>
+                      <a:tailEnd type="none" w="med" len="med"/>
+                    </a:lnR>
+                    <a:lnT w="6350" cap="flat" cmpd="sng" algn="ctr">
+                      <a:solidFill>
+                        <a:schemeClr val="tx2"/>
+                      </a:solidFill>
+                      <a:prstDash val="solid"/>
+                      <a:round/>
+                      <a:headEnd type="none" w="med" len="med"/>
+                      <a:tailEnd type="none" w="med" len="med"/>
+                    </a:lnT>
+                    <a:lnB w="6350" cap="flat" cmpd="sng" algn="ctr">
+                      <a:solidFill>
+                        <a:schemeClr val="tx2"/>
+                      </a:solidFill>
+                      <a:prstDash val="solid"/>
+                      <a:round/>
+                      <a:headEnd type="none" w="med" len="med"/>
+                      <a:tailEnd type="none" w="med" len="med"/>
+                    </a:lnB>
+                    <a:lnTlToBr w="12700" cmpd="sng">
+                      <a:noFill/>
+                      <a:prstDash val="solid"/>
+                    </a:lnTlToBr>
+                    <a:lnBlToTr w="12700" cmpd="sng">
+                      <a:noFill/>
+                      <a:prstDash val="solid"/>
+                    </a:lnBlToTr>
+                  </a:tcPr>
+                </a:tc>
+                <a:tc>
+                  <a:txBody>
+                    <a:bodyPr/>
+                    <a:lstStyle/>
+                    <a:p>
+                      <a:pPr algn="ctr"/>
+                      <a:r>
+                        <a:rPr lang="ru-RU" sz="1400" dirty="0" smtClean="0">
+                          <a:solidFill>
+                            <a:schemeClr val="tx1"/>
+                          </a:solidFill>
+                        </a:rPr>
+                        <a:t>1</a:t>
+                      </a:r>
+                      <a:endParaRPr lang="ru-RU" sz="1400" dirty="0">
+                        <a:solidFill>
+                          <a:schemeClr val="tx1"/>
+                        </a:solidFill>
+                      </a:endParaRPr>
+                    </a:p>
+                  </a:txBody>
+                  <a:tcPr>
+                    <a:lnL w="6350" cap="flat" cmpd="sng" algn="ctr">
+                      <a:solidFill>
+                        <a:schemeClr val="tx2"/>
+                      </a:solidFill>
+                      <a:prstDash val="solid"/>
+                      <a:round/>
+                      <a:headEnd type="none" w="med" len="med"/>
+                      <a:tailEnd type="none" w="med" len="med"/>
+                    </a:lnL>
+                    <a:lnR w="6350" cap="flat" cmpd="sng" algn="ctr">
+                      <a:solidFill>
+                        <a:schemeClr val="tx2"/>
+                      </a:solidFill>
+                      <a:prstDash val="solid"/>
+                      <a:round/>
+                      <a:headEnd type="none" w="med" len="med"/>
+                      <a:tailEnd type="none" w="med" len="med"/>
+                    </a:lnR>
+                    <a:lnT w="6350" cap="flat" cmpd="sng" algn="ctr">
+                      <a:solidFill>
+                        <a:schemeClr val="tx2"/>
+                      </a:solidFill>
+                      <a:prstDash val="solid"/>
+                      <a:round/>
+                      <a:headEnd type="none" w="med" len="med"/>
+                      <a:tailEnd type="none" w="med" len="med"/>
+                    </a:lnT>
+                    <a:lnB w="6350" cap="flat" cmpd="sng" algn="ctr">
+                      <a:solidFill>
+                        <a:schemeClr val="tx2"/>
+                      </a:solidFill>
+                      <a:prstDash val="solid"/>
+                      <a:round/>
+                      <a:headEnd type="none" w="med" len="med"/>
+                      <a:tailEnd type="none" w="med" len="med"/>
+                    </a:lnB>
+                    <a:lnTlToBr w="12700" cmpd="sng">
+                      <a:noFill/>
+                      <a:prstDash val="solid"/>
+                    </a:lnTlToBr>
+                    <a:lnBlToTr w="12700" cmpd="sng">
+                      <a:noFill/>
+                      <a:prstDash val="solid"/>
+                    </a:lnBlToTr>
+                  </a:tcPr>
+                </a:tc>
+                <a:tc>
+                  <a:txBody>
+                    <a:bodyPr/>
+                    <a:lstStyle/>
+                    <a:p>
+                      <a:pPr algn="ctr"/>
+                      <a:r>
+                        <a:rPr lang="ru-RU" sz="1400" dirty="0" smtClean="0">
+                          <a:solidFill>
+                            <a:schemeClr val="tx1"/>
+                          </a:solidFill>
+                        </a:rPr>
+                        <a:t>0</a:t>
+                      </a:r>
+                      <a:endParaRPr lang="ru-RU" sz="1400" dirty="0">
+                        <a:solidFill>
+                          <a:schemeClr val="tx1"/>
+                        </a:solidFill>
+                      </a:endParaRPr>
+                    </a:p>
+                  </a:txBody>
+                  <a:tcPr>
+                    <a:lnL w="6350" cap="flat" cmpd="sng" algn="ctr">
+                      <a:solidFill>
+                        <a:schemeClr val="tx2"/>
+                      </a:solidFill>
+                      <a:prstDash val="solid"/>
+                      <a:round/>
+                      <a:headEnd type="none" w="med" len="med"/>
+                      <a:tailEnd type="none" w="med" len="med"/>
+                    </a:lnL>
+                    <a:lnR w="6350" cap="flat" cmpd="sng" algn="ctr">
+                      <a:solidFill>
+                        <a:schemeClr val="tx2"/>
+                      </a:solidFill>
+                      <a:prstDash val="solid"/>
+                      <a:round/>
+                      <a:headEnd type="none" w="med" len="med"/>
+                      <a:tailEnd type="none" w="med" len="med"/>
+                    </a:lnR>
+                    <a:lnT w="6350" cap="flat" cmpd="sng" algn="ctr">
+                      <a:solidFill>
+                        <a:schemeClr val="tx2"/>
+                      </a:solidFill>
+                      <a:prstDash val="solid"/>
+                      <a:round/>
+                      <a:headEnd type="none" w="med" len="med"/>
+                      <a:tailEnd type="none" w="med" len="med"/>
+                    </a:lnT>
+                    <a:lnB w="6350" cap="flat" cmpd="sng" algn="ctr">
+                      <a:solidFill>
+                        <a:schemeClr val="tx2"/>
+                      </a:solidFill>
+                      <a:prstDash val="solid"/>
+                      <a:round/>
+                      <a:headEnd type="none" w="med" len="med"/>
+                      <a:tailEnd type="none" w="med" len="med"/>
+                    </a:lnB>
+                    <a:lnTlToBr w="12700" cmpd="sng">
+                      <a:noFill/>
+                      <a:prstDash val="solid"/>
+                    </a:lnTlToBr>
+                    <a:lnBlToTr w="12700" cmpd="sng">
+                      <a:noFill/>
+                      <a:prstDash val="solid"/>
+                    </a:lnBlToTr>
+                  </a:tcPr>
+                </a:tc>
+                <a:tc>
+                  <a:txBody>
+                    <a:bodyPr/>
+                    <a:lstStyle/>
+                    <a:p>
+                      <a:pPr algn="ctr"/>
+                      <a:r>
+                        <a:rPr lang="ru-RU" sz="1400" dirty="0" smtClean="0">
+                          <a:solidFill>
+                            <a:schemeClr val="tx1"/>
+                          </a:solidFill>
+                        </a:rPr>
+                        <a:t>0</a:t>
+                      </a:r>
+                      <a:endParaRPr lang="ru-RU" sz="1400" dirty="0">
+                        <a:solidFill>
+                          <a:schemeClr val="tx1"/>
+                        </a:solidFill>
+                      </a:endParaRPr>
+                    </a:p>
+                  </a:txBody>
+                  <a:tcPr>
+                    <a:lnL w="6350" cap="flat" cmpd="sng" algn="ctr">
+                      <a:solidFill>
+                        <a:schemeClr val="tx2"/>
+                      </a:solidFill>
+                      <a:prstDash val="solid"/>
+                      <a:round/>
+                      <a:headEnd type="none" w="med" len="med"/>
+                      <a:tailEnd type="none" w="med" len="med"/>
+                    </a:lnL>
+                    <a:lnR w="6350" cap="flat" cmpd="sng" algn="ctr">
+                      <a:solidFill>
+                        <a:schemeClr val="tx2"/>
+                      </a:solidFill>
+                      <a:prstDash val="solid"/>
+                      <a:round/>
+                      <a:headEnd type="none" w="med" len="med"/>
+                      <a:tailEnd type="none" w="med" len="med"/>
+                    </a:lnR>
+                    <a:lnT w="6350" cap="flat" cmpd="sng" algn="ctr">
+                      <a:solidFill>
+                        <a:schemeClr val="tx2"/>
+                      </a:solidFill>
+                      <a:prstDash val="solid"/>
+                      <a:round/>
+                      <a:headEnd type="none" w="med" len="med"/>
+                      <a:tailEnd type="none" w="med" len="med"/>
+                    </a:lnT>
+                    <a:lnB w="6350" cap="flat" cmpd="sng" algn="ctr">
+                      <a:solidFill>
+                        <a:schemeClr val="tx2"/>
+                      </a:solidFill>
+                      <a:prstDash val="solid"/>
+                      <a:round/>
+                      <a:headEnd type="none" w="med" len="med"/>
+                      <a:tailEnd type="none" w="med" len="med"/>
+                    </a:lnB>
+                    <a:lnTlToBr w="12700" cmpd="sng">
+                      <a:noFill/>
+                      <a:prstDash val="solid"/>
+                    </a:lnTlToBr>
+                    <a:lnBlToTr w="12700" cmpd="sng">
+                      <a:noFill/>
+                      <a:prstDash val="solid"/>
+                    </a:lnBlToTr>
+                  </a:tcPr>
+                </a:tc>
+              </a:tr>
+            </a:tbl>
+          </a:graphicData>
+        </a:graphic>
+      </p:graphicFrame>
+      <p:sp>
+        <p:nvSpPr>
+          <p:cNvPr id="13" name="Заголовок 1"/>
+          <p:cNvSpPr txBox="1">
+            <a:spLocks/>
+          </p:cNvSpPr>
+          <p:nvPr/>
+        </p:nvSpPr>
+        <p:spPr>
+          <a:xfrm>
+            <a:off x="457200" y="188640"/>
+            <a:ext cx="8229600" cy="720080"/>
+          </a:xfrm>
+          <a:prstGeom prst="rect">
+            <a:avLst/>
+          </a:prstGeom>
+        </p:spPr>
+        <p:txBody>
+          <a:bodyPr vert="horz" lIns="91440" tIns="45720" rIns="91440" bIns="45720" rtlCol="0" anchor="b">
+            <a:noAutofit/>
+          </a:bodyPr>
+          <a:lstStyle>
+            <a:lvl1pPr algn="ctr" defTabSz="914400" rtl="0" eaLnBrk="1" latinLnBrk="0" hangingPunct="1">
+              <a:lnSpc>
+                <a:spcPts val="5800"/>
+              </a:lnSpc>
+              <a:spcBef>
+                <a:spcPct val="0"/>
+              </a:spcBef>
+              <a:buNone/>
+              <a:defRPr sz="5400" kern="1200">
+                <a:solidFill>
+                  <a:schemeClr val="tx2"/>
+                </a:solidFill>
+                <a:effectLst>
+                  <a:outerShdw blurRad="63500" dist="38100" dir="5400000" algn="t" rotWithShape="0">
+                    <a:prstClr val="black">
+                      <a:alpha val="25000"/>
+                    </a:prstClr>
+                  </a:outerShdw>
+                </a:effectLst>
+                <a:latin typeface="+mn-lt"/>
+                <a:ea typeface="+mj-ea"/>
+                <a:cs typeface="+mj-cs"/>
+              </a:defRPr>
+            </a:lvl1pPr>
+          </a:lstStyle>
+          <a:p>
+            <a:r>
+              <a:rPr lang="ru-RU" sz="3600" dirty="0" smtClean="0"/>
+              <a:t>Поиск ассоциативных правил</a:t>
+            </a:r>
+            <a:endParaRPr lang="ru-RU" sz="3600" dirty="0"/>
+          </a:p>
+        </p:txBody>
+      </p:sp>
+      <p:sp>
+        <p:nvSpPr>
+          <p:cNvPr id="14" name="Заголовок 1"/>
+          <p:cNvSpPr txBox="1">
+            <a:spLocks/>
+          </p:cNvSpPr>
+          <p:nvPr/>
+        </p:nvSpPr>
+        <p:spPr>
+          <a:xfrm>
+            <a:off x="4788024" y="836712"/>
+            <a:ext cx="3909120" cy="288032"/>
+          </a:xfrm>
+          <a:prstGeom prst="rect">
+            <a:avLst/>
+          </a:prstGeom>
+        </p:spPr>
+        <p:txBody>
+          <a:bodyPr vert="horz" lIns="91440" tIns="45720" rIns="91440" bIns="45720" rtlCol="0" anchor="ctr">
+            <a:noAutofit/>
+          </a:bodyPr>
+          <a:lstStyle>
+            <a:lvl1pPr algn="ctr" defTabSz="914400" rtl="0" eaLnBrk="1" latinLnBrk="0" hangingPunct="1">
+              <a:spcBef>
+                <a:spcPct val="0"/>
+              </a:spcBef>
+              <a:buNone/>
+              <a:defRPr sz="4400" kern="1200">
+                <a:solidFill>
+                  <a:schemeClr val="tx1"/>
+                </a:solidFill>
+                <a:latin typeface="+mj-lt"/>
+                <a:ea typeface="+mj-ea"/>
+                <a:cs typeface="+mj-cs"/>
+              </a:defRPr>
+            </a:lvl1pPr>
+          </a:lstStyle>
+          <a:p>
+            <a:pPr algn="r"/>
+            <a:r>
+              <a:rPr lang="ru-RU" sz="2800" dirty="0" smtClean="0">
+                <a:solidFill>
+                  <a:schemeClr val="bg1">
+                    <a:lumMod val="50000"/>
+                  </a:schemeClr>
+                </a:solidFill>
+              </a:rPr>
+              <a:t>Алгоритм </a:t>
+            </a:r>
+            <a:r>
+              <a:rPr lang="en-US" sz="2800" dirty="0" err="1" smtClean="0">
+                <a:solidFill>
+                  <a:schemeClr val="bg1">
+                    <a:lumMod val="50000"/>
+                  </a:schemeClr>
+                </a:solidFill>
+              </a:rPr>
+              <a:t>Apriori</a:t>
+            </a:r>
+            <a:endParaRPr lang="en-US" sz="2800" dirty="0" smtClean="0">
+              <a:solidFill>
+                <a:schemeClr val="bg1">
+                  <a:lumMod val="50000"/>
+                </a:schemeClr>
+              </a:solidFill>
+            </a:endParaRPr>
+          </a:p>
+        </p:txBody>
+      </p:sp>
+      <p:sp>
+        <p:nvSpPr>
+          <p:cNvPr id="15" name="TextBox 14"/>
+          <p:cNvSpPr txBox="1"/>
+          <p:nvPr/>
+        </p:nvSpPr>
+        <p:spPr>
+          <a:xfrm>
+            <a:off x="1115616" y="1340768"/>
+            <a:ext cx="6984776" cy="369332"/>
+          </a:xfrm>
+          <a:prstGeom prst="rect">
+            <a:avLst/>
+          </a:prstGeom>
+          <a:noFill/>
+        </p:spPr>
+        <p:txBody>
+          <a:bodyPr wrap="square" rtlCol="0">
+            <a:spAutoFit/>
+          </a:bodyPr>
+          <a:lstStyle/>
+          <a:p>
+            <a:r>
+              <a:rPr lang="ru-RU" dirty="0" smtClean="0"/>
+              <a:t>Этап </a:t>
+            </a:r>
+            <a:r>
+              <a:rPr lang="en-US" dirty="0" smtClean="0"/>
+              <a:t>2</a:t>
+            </a:r>
+            <a:r>
+              <a:rPr lang="ru-RU" dirty="0" smtClean="0"/>
+              <a:t>. Построение дерева частых наборов</a:t>
+            </a:r>
+            <a:endParaRPr lang="ru-RU" dirty="0"/>
+          </a:p>
+        </p:txBody>
+      </p:sp>
+      <p:sp>
+        <p:nvSpPr>
+          <p:cNvPr id="7" name="TextBox 6"/>
+          <p:cNvSpPr txBox="1"/>
+          <p:nvPr/>
+        </p:nvSpPr>
+        <p:spPr>
+          <a:xfrm>
+            <a:off x="457200" y="5733256"/>
+            <a:ext cx="8003232" cy="646331"/>
+          </a:xfrm>
+          <a:prstGeom prst="rect">
+            <a:avLst/>
+          </a:prstGeom>
+          <a:noFill/>
+        </p:spPr>
+        <p:txBody>
+          <a:bodyPr wrap="square" rtlCol="0">
+            <a:spAutoFit/>
+          </a:bodyPr>
+          <a:lstStyle/>
+          <a:p>
+            <a:pPr algn="ctr"/>
+            <a:r>
+              <a:rPr lang="ru-RU" dirty="0" smtClean="0"/>
+              <a:t>Показатели характеристик при высоком количестве пожаров.</a:t>
+            </a:r>
+          </a:p>
+          <a:p>
+            <a:pPr algn="ctr"/>
+            <a:r>
+              <a:rPr lang="ru-RU" dirty="0"/>
+              <a:t>Значение минимальной поддержки наборов равно </a:t>
+            </a:r>
+            <a:r>
+              <a:rPr lang="en-US" dirty="0"/>
+              <a:t>0.15(</a:t>
+            </a:r>
+            <a:r>
+              <a:rPr lang="ru-RU" dirty="0"/>
+              <a:t>15%</a:t>
+            </a:r>
+            <a:r>
+              <a:rPr lang="en-US" dirty="0"/>
+              <a:t>)</a:t>
+            </a:r>
+            <a:r>
+              <a:rPr lang="ru-RU" dirty="0"/>
+              <a:t>.</a:t>
+            </a:r>
+          </a:p>
+        </p:txBody>
+      </p:sp>
+      <p:sp>
+        <p:nvSpPr>
+          <p:cNvPr id="3" name="Номер слайда 2"/>
+          <p:cNvSpPr>
+            <a:spLocks noGrp="1"/>
+          </p:cNvSpPr>
+          <p:nvPr>
+            <p:ph type="sldNum" sz="quarter" idx="12"/>
+          </p:nvPr>
+        </p:nvSpPr>
+        <p:spPr/>
+        <p:txBody>
+          <a:bodyPr/>
+          <a:lstStyle/>
+          <a:p>
+            <a:fld id="{EDFC3FDD-8E34-46B9-B4F0-1D742C30C66D}" type="slidenum">
+              <a:rPr lang="ru-RU" smtClean="0"/>
+              <a:t>10</a:t>
+            </a:fld>
+            <a:endParaRPr lang="ru-RU"/>
+          </a:p>
+        </p:txBody>
+      </p:sp>
+      <p:pic>
+        <p:nvPicPr>
+          <p:cNvPr id="1026" name="Picture 2" descr="D:\Work\Fires\Apriori\my_tex\apriori_tree_1.png"/>
+          <p:cNvPicPr>
+            <a:picLocks noChangeAspect="1" noChangeArrowheads="1"/>
+          </p:cNvPicPr>
+          <p:nvPr/>
+        </p:nvPicPr>
+        <p:blipFill>
+          <a:blip r:embed="rId2">
+            <a:extLst>
+              <a:ext uri="{28A0092B-C50C-407E-A947-70E740481C1C}">
+                <a14:useLocalDpi xmlns:a14="http://schemas.microsoft.com/office/drawing/2010/main" val="0"/>
+              </a:ext>
+            </a:extLst>
+          </a:blip>
+          <a:srcRect/>
+          <a:stretch>
+            <a:fillRect/>
+          </a:stretch>
+        </p:blipFill>
+        <p:spPr bwMode="auto">
+          <a:xfrm>
+            <a:off x="4561656" y="2020416"/>
+            <a:ext cx="4125144" cy="1032796"/>
+          </a:xfrm>
+          <a:prstGeom prst="rect">
+            <a:avLst/>
+          </a:prstGeom>
+          <a:noFill/>
+          <a:extLst>
+            <a:ext uri="{909E8E84-426E-40DD-AFC4-6F175D3DCCD1}">
+              <a14:hiddenFill xmlns:a14="http://schemas.microsoft.com/office/drawing/2010/main">
+                <a:solidFill>
+                  <a:srgbClr val="FFFFFF"/>
+                </a:solidFill>
+              </a14:hiddenFill>
+            </a:ext>
+          </a:extLst>
+        </p:spPr>
+      </p:pic>
+      <p:sp>
+        <p:nvSpPr>
+          <p:cNvPr id="2" name="TextBox 1"/>
+          <p:cNvSpPr txBox="1"/>
+          <p:nvPr/>
+        </p:nvSpPr>
+        <p:spPr>
+          <a:xfrm>
+            <a:off x="395536" y="1835750"/>
+            <a:ext cx="2797561" cy="369332"/>
+          </a:xfrm>
+          <a:prstGeom prst="rect">
+            <a:avLst/>
+          </a:prstGeom>
+          <a:noFill/>
+        </p:spPr>
+        <p:txBody>
+          <a:bodyPr wrap="none" rtlCol="0">
+            <a:spAutoFit/>
+          </a:bodyPr>
+          <a:lstStyle/>
+          <a:p>
+            <a:r>
+              <a:rPr lang="ru-RU" dirty="0" smtClean="0"/>
+              <a:t>Высокое число пожаров</a:t>
+            </a:r>
+            <a:endParaRPr lang="ru-RU" dirty="0"/>
+          </a:p>
+        </p:txBody>
+      </p:sp>
+    </p:spTree>
+    <p:extLst>
+      <p:ext uri="{BB962C8B-B14F-4D97-AF65-F5344CB8AC3E}">
+        <p14:creationId xmlns:p14="http://schemas.microsoft.com/office/powerpoint/2010/main" val="2332958742"/>
       </p:ext>
     </p:extLst>
   </p:cSld>
@@ -4585,7 +8168,7 @@
 </p:sld>
 </file>
 
-<file path=ppt/slides/slide10.xml><?xml version="1.0" encoding="utf-8"?>
+<file path=ppt/slides/slide11.xml><?xml version="1.0" encoding="utf-8"?>
 <p:sld xmlns:a="http://schemas.openxmlformats.org/drawingml/2006/main" xmlns:r="http://schemas.openxmlformats.org/officeDocument/2006/relationships" xmlns:p="http://schemas.openxmlformats.org/presentationml/2006/main">
   <p:cSld>
     <p:bg>
@@ -4725,11 +8308,7 @@
           <a:p>
             <a:r>
               <a:rPr lang="ru-RU" sz="3600" dirty="0" smtClean="0"/>
-              <a:t>Поиск ассоциативных </a:t>
-            </a:r>
-            <a:r>
-              <a:rPr lang="ru-RU" sz="3600" dirty="0" smtClean="0"/>
-              <a:t>правил</a:t>
+              <a:t>Поиск ассоциативных правил</a:t>
             </a:r>
             <a:endParaRPr lang="ru-RU" sz="3600" dirty="0"/>
           </a:p>
@@ -4897,7 +8476,6 @@
               <a:rPr lang="ru-RU" dirty="0"/>
               <a:t>.</a:t>
             </a:r>
-            <a:endParaRPr lang="ru-RU" dirty="0"/>
           </a:p>
         </p:txBody>
       </p:sp>
@@ -4918,7 +8496,7 @@
           <a:p>
             <a:fld id="{EDFC3FDD-8E34-46B9-B4F0-1D742C30C66D}" type="slidenum">
               <a:rPr lang="ru-RU" smtClean="0"/>
-              <a:t>10</a:t>
+              <a:t>11</a:t>
             </a:fld>
             <a:endParaRPr lang="ru-RU"/>
           </a:p>
@@ -7990,7 +11568,7 @@
 </p:sld>
 </file>
 
-<file path=ppt/slides/slide11.xml><?xml version="1.0" encoding="utf-8"?>
+<file path=ppt/slides/slide12.xml><?xml version="1.0" encoding="utf-8"?>
 <p:sld xmlns:a="http://schemas.openxmlformats.org/drawingml/2006/main" xmlns:r="http://schemas.openxmlformats.org/officeDocument/2006/relationships" xmlns:p="http://schemas.openxmlformats.org/presentationml/2006/main">
   <p:cSld>
     <p:bg>
@@ -8089,11 +11667,7 @@
           <a:p>
             <a:r>
               <a:rPr lang="ru-RU" sz="3600" dirty="0" smtClean="0"/>
-              <a:t>Поиск ассоциативных </a:t>
-            </a:r>
-            <a:r>
-              <a:rPr lang="ru-RU" sz="3600" dirty="0" smtClean="0"/>
-              <a:t>правил</a:t>
+              <a:t>Поиск ассоциативных правил</a:t>
             </a:r>
             <a:endParaRPr lang="ru-RU" sz="3600" dirty="0"/>
           </a:p>
@@ -8243,19 +11817,7 @@
             <a:pPr algn="ctr"/>
             <a:r>
               <a:rPr lang="ru-RU" dirty="0" smtClean="0"/>
-              <a:t>З</a:t>
-            </a:r>
-            <a:r>
-              <a:rPr lang="ru-RU" dirty="0" smtClean="0"/>
-              <a:t>начение </a:t>
-            </a:r>
-            <a:r>
-              <a:rPr lang="ru-RU" dirty="0" smtClean="0"/>
-              <a:t>минимальной поддержки наборов </a:t>
-            </a:r>
-            <a:r>
-              <a:rPr lang="ru-RU" dirty="0" smtClean="0"/>
-              <a:t>равно </a:t>
+              <a:t>Значение минимальной поддержки наборов равно </a:t>
             </a:r>
             <a:r>
               <a:rPr lang="en-US" dirty="0" smtClean="0"/>
@@ -8294,7 +11856,7 @@
           <a:p>
             <a:fld id="{EDFC3FDD-8E34-46B9-B4F0-1D742C30C66D}" type="slidenum">
               <a:rPr lang="ru-RU" smtClean="0"/>
-              <a:t>11</a:t>
+              <a:t>12</a:t>
             </a:fld>
             <a:endParaRPr lang="ru-RU" dirty="0"/>
           </a:p>
@@ -11407,7 +14969,7 @@
 </p:sld>
 </file>
 
-<file path=ppt/slides/slide12.xml><?xml version="1.0" encoding="utf-8"?>
+<file path=ppt/slides/slide13.xml><?xml version="1.0" encoding="utf-8"?>
 <p:sld xmlns:a="http://schemas.openxmlformats.org/drawingml/2006/main" xmlns:r="http://schemas.openxmlformats.org/officeDocument/2006/relationships" xmlns:p="http://schemas.openxmlformats.org/presentationml/2006/main">
   <p:cSld>
     <p:spTree>
@@ -11448,11 +15010,7 @@
           <a:p>
             <a:r>
               <a:rPr lang="ru-RU" sz="3600" dirty="0" smtClean="0"/>
-              <a:t>Поиск ассоциативных </a:t>
-            </a:r>
-            <a:r>
-              <a:rPr lang="ru-RU" sz="3600" dirty="0" smtClean="0"/>
-              <a:t>правил</a:t>
+              <a:t>Поиск ассоциативных правил</a:t>
             </a:r>
             <a:endParaRPr lang="ru-RU" sz="3600" dirty="0"/>
           </a:p>
@@ -11975,11 +15533,6 @@
                         </a:rPr>
                         <a:t>Высокое</a:t>
                       </a:r>
-                      <a:endParaRPr lang="ru-RU" sz="1400" dirty="0" smtClean="0">
-                        <a:solidFill>
-                          <a:schemeClr val="tx1"/>
-                        </a:solidFill>
-                      </a:endParaRPr>
                     </a:p>
                   </a:txBody>
                   <a:tcPr>
@@ -12162,11 +15715,6 @@
                         </a:rPr>
                         <a:t>Высокое</a:t>
                       </a:r>
-                      <a:endParaRPr lang="ru-RU" sz="1400" dirty="0" smtClean="0">
-                        <a:solidFill>
-                          <a:schemeClr val="tx1"/>
-                        </a:solidFill>
-                      </a:endParaRPr>
                     </a:p>
                   </a:txBody>
                   <a:tcPr>
@@ -12349,11 +15897,6 @@
                         </a:rPr>
                         <a:t>Высокое</a:t>
                       </a:r>
-                      <a:endParaRPr lang="ru-RU" sz="1400" dirty="0" smtClean="0">
-                        <a:solidFill>
-                          <a:schemeClr val="tx1"/>
-                        </a:solidFill>
-                      </a:endParaRPr>
                     </a:p>
                   </a:txBody>
                   <a:tcPr>
@@ -12536,11 +16079,6 @@
                         </a:rPr>
                         <a:t>Высокое</a:t>
                       </a:r>
-                      <a:endParaRPr lang="ru-RU" sz="1400" dirty="0" smtClean="0">
-                        <a:solidFill>
-                          <a:schemeClr val="tx1"/>
-                        </a:solidFill>
-                      </a:endParaRPr>
                     </a:p>
                   </a:txBody>
                   <a:tcPr>
@@ -12723,11 +16261,6 @@
                         </a:rPr>
                         <a:t>Высокое</a:t>
                       </a:r>
-                      <a:endParaRPr lang="ru-RU" sz="1400" dirty="0" smtClean="0">
-                        <a:solidFill>
-                          <a:schemeClr val="tx1"/>
-                        </a:solidFill>
-                      </a:endParaRPr>
                     </a:p>
                   </a:txBody>
                   <a:tcPr>
@@ -12918,11 +16451,6 @@
                         </a:rPr>
                         <a:t>Высокое</a:t>
                       </a:r>
-                      <a:endParaRPr lang="ru-RU" sz="1400" dirty="0" smtClean="0">
-                        <a:solidFill>
-                          <a:schemeClr val="tx1"/>
-                        </a:solidFill>
-                      </a:endParaRPr>
                     </a:p>
                   </a:txBody>
                   <a:tcPr>
@@ -13114,7 +16642,7 @@
           <a:p>
             <a:fld id="{EDFC3FDD-8E34-46B9-B4F0-1D742C30C66D}" type="slidenum">
               <a:rPr lang="ru-RU" smtClean="0"/>
-              <a:t>12</a:t>
+              <a:t>13</a:t>
             </a:fld>
             <a:endParaRPr lang="ru-RU"/>
           </a:p>
@@ -13140,7 +16668,7 @@
 </p:sld>
 </file>
 
-<file path=ppt/slides/slide13.xml><?xml version="1.0" encoding="utf-8"?>
+<file path=ppt/slides/slide14.xml><?xml version="1.0" encoding="utf-8"?>
 <p:sld xmlns:a="http://schemas.openxmlformats.org/drawingml/2006/main" xmlns:r="http://schemas.openxmlformats.org/officeDocument/2006/relationships" xmlns:p="http://schemas.openxmlformats.org/presentationml/2006/main">
   <p:cSld>
     <p:spTree>
@@ -13181,11 +16709,7 @@
           <a:p>
             <a:r>
               <a:rPr lang="ru-RU" sz="3600" dirty="0" smtClean="0"/>
-              <a:t>Поиск ассоциативных </a:t>
-            </a:r>
-            <a:r>
-              <a:rPr lang="ru-RU" sz="3600" dirty="0" smtClean="0"/>
-              <a:t>правил</a:t>
+              <a:t>Поиск ассоциативных правил</a:t>
             </a:r>
             <a:endParaRPr lang="ru-RU" sz="3600" dirty="0"/>
           </a:p>
@@ -13215,7 +16739,19 @@
           <a:p>
             <a:r>
               <a:rPr lang="ru-RU" dirty="0" smtClean="0"/>
-              <a:t>В результате работы программы получены правила:</a:t>
+              <a:t>В результате </a:t>
+            </a:r>
+            <a:r>
+              <a:rPr lang="ru-RU" dirty="0" smtClean="0"/>
+              <a:t>апробации </a:t>
+            </a:r>
+            <a:r>
+              <a:rPr lang="ru-RU" dirty="0" smtClean="0"/>
+              <a:t>программы </a:t>
+            </a:r>
+            <a:r>
+              <a:rPr lang="ru-RU" dirty="0" smtClean="0"/>
+              <a:t>получены правила:</a:t>
             </a:r>
             <a:endParaRPr lang="ru-RU" dirty="0"/>
           </a:p>
@@ -14502,7 +18038,7 @@
           <a:p>
             <a:fld id="{EDFC3FDD-8E34-46B9-B4F0-1D742C30C66D}" type="slidenum">
               <a:rPr lang="ru-RU" smtClean="0"/>
-              <a:t>13</a:t>
+              <a:t>14</a:t>
             </a:fld>
             <a:endParaRPr lang="ru-RU"/>
           </a:p>
@@ -14536,7 +18072,7 @@
 </p:sld>
 </file>
 
-<file path=ppt/slides/slide14.xml><?xml version="1.0" encoding="utf-8"?>
+<file path=ppt/slides/slide15.xml><?xml version="1.0" encoding="utf-8"?>
 <p:sld xmlns:a="http://schemas.openxmlformats.org/drawingml/2006/main" xmlns:r="http://schemas.openxmlformats.org/officeDocument/2006/relationships" xmlns:p="http://schemas.openxmlformats.org/presentationml/2006/main">
   <p:cSld>
     <p:spTree>
@@ -14656,7 +18192,7 @@
 </p:sld>
 </file>
 
-<file path=ppt/slides/slide15.xml><?xml version="1.0" encoding="utf-8"?>
+<file path=ppt/slides/slide16.xml><?xml version="1.0" encoding="utf-8"?>
 <p:sld xmlns:a="http://schemas.openxmlformats.org/drawingml/2006/main" xmlns:r="http://schemas.openxmlformats.org/officeDocument/2006/relationships" xmlns:p="http://schemas.openxmlformats.org/presentationml/2006/main" show="0">
   <p:cSld>
     <p:spTree>
@@ -14839,7 +18375,7 @@
           <a:p>
             <a:fld id="{EDFC3FDD-8E34-46B9-B4F0-1D742C30C66D}" type="slidenum">
               <a:rPr lang="ru-RU" smtClean="0"/>
-              <a:t>15</a:t>
+              <a:t>16</a:t>
             </a:fld>
             <a:endParaRPr lang="ru-RU"/>
           </a:p>
@@ -14874,6 +18410,324 @@
 </file>
 
 <file path=ppt/slides/slide2.xml><?xml version="1.0" encoding="utf-8"?>
+<p:sld xmlns:a="http://schemas.openxmlformats.org/drawingml/2006/main" xmlns:r="http://schemas.openxmlformats.org/officeDocument/2006/relationships" xmlns:p="http://schemas.openxmlformats.org/presentationml/2006/main">
+  <p:cSld>
+    <p:spTree>
+      <p:nvGrpSpPr>
+        <p:cNvPr id="1" name=""/>
+        <p:cNvGrpSpPr/>
+        <p:nvPr/>
+      </p:nvGrpSpPr>
+      <p:grpSpPr>
+        <a:xfrm>
+          <a:off x="0" y="0"/>
+          <a:ext cx="0" cy="0"/>
+          <a:chOff x="0" y="0"/>
+          <a:chExt cx="0" cy="0"/>
+        </a:xfrm>
+      </p:grpSpPr>
+      <p:sp>
+        <p:nvSpPr>
+          <p:cNvPr id="2" name="Номер слайда 1"/>
+          <p:cNvSpPr>
+            <a:spLocks noGrp="1"/>
+          </p:cNvSpPr>
+          <p:nvPr>
+            <p:ph type="sldNum" sz="quarter" idx="12"/>
+          </p:nvPr>
+        </p:nvSpPr>
+        <p:spPr/>
+        <p:txBody>
+          <a:bodyPr/>
+          <a:lstStyle/>
+          <a:p>
+            <a:fld id="{EDFC3FDD-8E34-46B9-B4F0-1D742C30C66D}" type="slidenum">
+              <a:rPr lang="ru-RU" smtClean="0"/>
+              <a:t>2</a:t>
+            </a:fld>
+            <a:endParaRPr lang="ru-RU"/>
+          </a:p>
+        </p:txBody>
+      </p:sp>
+      <p:sp>
+        <p:nvSpPr>
+          <p:cNvPr id="3" name="Заголовок 1"/>
+          <p:cNvSpPr txBox="1">
+            <a:spLocks/>
+          </p:cNvSpPr>
+          <p:nvPr/>
+        </p:nvSpPr>
+        <p:spPr>
+          <a:xfrm>
+            <a:off x="755576" y="404664"/>
+            <a:ext cx="7772400" cy="2505075"/>
+          </a:xfrm>
+          <a:prstGeom prst="rect">
+            <a:avLst/>
+          </a:prstGeom>
+        </p:spPr>
+        <p:txBody>
+          <a:bodyPr/>
+          <a:lstStyle>
+            <a:lvl1pPr algn="ctr" defTabSz="914400" rtl="0" eaLnBrk="1" latinLnBrk="0" hangingPunct="1">
+              <a:lnSpc>
+                <a:spcPts val="5800"/>
+              </a:lnSpc>
+              <a:spcBef>
+                <a:spcPct val="0"/>
+              </a:spcBef>
+              <a:buNone/>
+              <a:defRPr sz="5400" kern="1200">
+                <a:solidFill>
+                  <a:schemeClr val="tx2"/>
+                </a:solidFill>
+                <a:effectLst>
+                  <a:outerShdw blurRad="63500" dist="38100" dir="5400000" algn="t" rotWithShape="0">
+                    <a:prstClr val="black">
+                      <a:alpha val="25000"/>
+                    </a:prstClr>
+                  </a:outerShdw>
+                </a:effectLst>
+                <a:latin typeface="+mn-lt"/>
+                <a:ea typeface="+mj-ea"/>
+                <a:cs typeface="+mj-cs"/>
+              </a:defRPr>
+            </a:lvl1pPr>
+          </a:lstStyle>
+          <a:p>
+            <a:r>
+              <a:rPr lang="ru-RU" sz="4000" b="1" dirty="0" smtClean="0">
+                <a:effectLst/>
+              </a:rPr>
+              <a:t>Поиск ассоциативных правил для оценки количества лесных пожаров в модели ANFIS</a:t>
+            </a:r>
+            <a:endParaRPr lang="ru-RU" sz="4000" b="1" dirty="0"/>
+          </a:p>
+        </p:txBody>
+      </p:sp>
+      <p:sp>
+        <p:nvSpPr>
+          <p:cNvPr id="4" name="Текст 9"/>
+          <p:cNvSpPr txBox="1">
+            <a:spLocks/>
+          </p:cNvSpPr>
+          <p:nvPr/>
+        </p:nvSpPr>
+        <p:spPr>
+          <a:xfrm>
+            <a:off x="693195" y="5105424"/>
+            <a:ext cx="7772400" cy="1131887"/>
+          </a:xfrm>
+          <a:prstGeom prst="rect">
+            <a:avLst/>
+          </a:prstGeom>
+        </p:spPr>
+        <p:txBody>
+          <a:bodyPr/>
+          <a:lstStyle>
+            <a:lvl1pPr marL="342900" indent="-342900" algn="l" defTabSz="914400" rtl="0" eaLnBrk="1" latinLnBrk="0" hangingPunct="1">
+              <a:spcBef>
+                <a:spcPct val="20000"/>
+              </a:spcBef>
+              <a:buFont typeface="Arial" pitchFamily="34" charset="0"/>
+              <a:buChar char="•"/>
+              <a:defRPr sz="2400" kern="1200">
+                <a:solidFill>
+                  <a:schemeClr val="tx1">
+                    <a:lumMod val="50000"/>
+                    <a:lumOff val="50000"/>
+                  </a:schemeClr>
+                </a:solidFill>
+                <a:latin typeface="+mj-lt"/>
+                <a:ea typeface="+mn-ea"/>
+                <a:cs typeface="+mn-cs"/>
+              </a:defRPr>
+            </a:lvl1pPr>
+            <a:lvl2pPr marL="742950" indent="-285750" algn="l" defTabSz="914400" rtl="0" eaLnBrk="1" latinLnBrk="0" hangingPunct="1">
+              <a:spcBef>
+                <a:spcPct val="20000"/>
+              </a:spcBef>
+              <a:buFont typeface="Courier New" pitchFamily="49" charset="0"/>
+              <a:buChar char="o"/>
+              <a:defRPr sz="1600" kern="1200">
+                <a:solidFill>
+                  <a:schemeClr val="tx1">
+                    <a:lumMod val="50000"/>
+                    <a:lumOff val="50000"/>
+                  </a:schemeClr>
+                </a:solidFill>
+                <a:latin typeface="+mj-lt"/>
+                <a:ea typeface="+mn-ea"/>
+                <a:cs typeface="+mn-cs"/>
+              </a:defRPr>
+            </a:lvl2pPr>
+            <a:lvl3pPr marL="1143000" indent="-228600" algn="l" defTabSz="914400" rtl="0" eaLnBrk="1" latinLnBrk="0" hangingPunct="1">
+              <a:spcBef>
+                <a:spcPct val="20000"/>
+              </a:spcBef>
+              <a:buFont typeface="Arial" pitchFamily="34" charset="0"/>
+              <a:buChar char="•"/>
+              <a:defRPr sz="1600" kern="1200">
+                <a:solidFill>
+                  <a:schemeClr val="tx1">
+                    <a:lumMod val="50000"/>
+                    <a:lumOff val="50000"/>
+                  </a:schemeClr>
+                </a:solidFill>
+                <a:latin typeface="+mj-lt"/>
+                <a:ea typeface="+mn-ea"/>
+                <a:cs typeface="+mn-cs"/>
+              </a:defRPr>
+            </a:lvl3pPr>
+            <a:lvl4pPr marL="1600200" indent="-228600" algn="l" defTabSz="914400" rtl="0" eaLnBrk="1" latinLnBrk="0" hangingPunct="1">
+              <a:spcBef>
+                <a:spcPct val="20000"/>
+              </a:spcBef>
+              <a:buFont typeface="Courier New" pitchFamily="49" charset="0"/>
+              <a:buChar char="o"/>
+              <a:defRPr sz="1600" kern="1200">
+                <a:solidFill>
+                  <a:schemeClr val="tx1">
+                    <a:lumMod val="50000"/>
+                    <a:lumOff val="50000"/>
+                  </a:schemeClr>
+                </a:solidFill>
+                <a:latin typeface="+mj-lt"/>
+                <a:ea typeface="+mn-ea"/>
+                <a:cs typeface="+mn-cs"/>
+              </a:defRPr>
+            </a:lvl4pPr>
+            <a:lvl5pPr marL="2057400" indent="-228600" algn="l" defTabSz="914400" rtl="0" eaLnBrk="1" latinLnBrk="0" hangingPunct="1">
+              <a:spcBef>
+                <a:spcPct val="20000"/>
+              </a:spcBef>
+              <a:buFont typeface="Arial" pitchFamily="34" charset="0"/>
+              <a:buChar char="•"/>
+              <a:defRPr sz="1600" kern="1200">
+                <a:solidFill>
+                  <a:schemeClr val="tx1">
+                    <a:lumMod val="50000"/>
+                    <a:lumOff val="50000"/>
+                  </a:schemeClr>
+                </a:solidFill>
+                <a:latin typeface="+mj-lt"/>
+                <a:ea typeface="+mn-ea"/>
+                <a:cs typeface="+mn-cs"/>
+              </a:defRPr>
+            </a:lvl5pPr>
+            <a:lvl6pPr marL="2514600" indent="-228600" algn="l" defTabSz="914400" rtl="0" eaLnBrk="1" latinLnBrk="0" hangingPunct="1">
+              <a:spcBef>
+                <a:spcPct val="20000"/>
+              </a:spcBef>
+              <a:buFont typeface="Courier New" pitchFamily="49" charset="0"/>
+              <a:buChar char="o"/>
+              <a:defRPr sz="1600" kern="1200">
+                <a:solidFill>
+                  <a:schemeClr val="tx1">
+                    <a:lumMod val="50000"/>
+                    <a:lumOff val="50000"/>
+                  </a:schemeClr>
+                </a:solidFill>
+                <a:latin typeface="+mj-lt"/>
+                <a:ea typeface="+mn-ea"/>
+                <a:cs typeface="+mn-cs"/>
+              </a:defRPr>
+            </a:lvl6pPr>
+            <a:lvl7pPr marL="2971800" indent="-228600" algn="l" defTabSz="914400" rtl="0" eaLnBrk="1" latinLnBrk="0" hangingPunct="1">
+              <a:spcBef>
+                <a:spcPct val="20000"/>
+              </a:spcBef>
+              <a:buFont typeface="Arial" pitchFamily="34" charset="0"/>
+              <a:buChar char="•"/>
+              <a:defRPr sz="1600" kern="1200">
+                <a:solidFill>
+                  <a:schemeClr val="tx1">
+                    <a:lumMod val="50000"/>
+                    <a:lumOff val="50000"/>
+                  </a:schemeClr>
+                </a:solidFill>
+                <a:latin typeface="+mj-lt"/>
+                <a:ea typeface="+mn-ea"/>
+                <a:cs typeface="+mn-cs"/>
+              </a:defRPr>
+            </a:lvl7pPr>
+            <a:lvl8pPr marL="3429000" indent="-228600" algn="l" defTabSz="914400" rtl="0" eaLnBrk="1" latinLnBrk="0" hangingPunct="1">
+              <a:spcBef>
+                <a:spcPct val="20000"/>
+              </a:spcBef>
+              <a:buFont typeface="Courier New" pitchFamily="49" charset="0"/>
+              <a:buChar char="o"/>
+              <a:defRPr sz="1600" kern="1200">
+                <a:solidFill>
+                  <a:schemeClr val="tx1">
+                    <a:lumMod val="50000"/>
+                    <a:lumOff val="50000"/>
+                  </a:schemeClr>
+                </a:solidFill>
+                <a:latin typeface="+mj-lt"/>
+                <a:ea typeface="+mn-ea"/>
+                <a:cs typeface="+mn-cs"/>
+              </a:defRPr>
+            </a:lvl8pPr>
+            <a:lvl9pPr marL="3886200" indent="-228600" algn="l" defTabSz="914400" rtl="0" eaLnBrk="1" latinLnBrk="0" hangingPunct="1">
+              <a:spcBef>
+                <a:spcPct val="20000"/>
+              </a:spcBef>
+              <a:buFont typeface="Arial" pitchFamily="34" charset="0"/>
+              <a:buChar char="•"/>
+              <a:defRPr sz="1600" kern="1200">
+                <a:solidFill>
+                  <a:schemeClr val="tx1">
+                    <a:lumMod val="50000"/>
+                    <a:lumOff val="50000"/>
+                  </a:schemeClr>
+                </a:solidFill>
+                <a:latin typeface="+mj-lt"/>
+                <a:ea typeface="+mn-ea"/>
+                <a:cs typeface="+mn-cs"/>
+              </a:defRPr>
+            </a:lvl9pPr>
+          </a:lstStyle>
+          <a:p>
+            <a:pPr marL="0" indent="0" algn="ctr">
+              <a:buNone/>
+            </a:pPr>
+            <a:r>
+              <a:rPr lang="ru-RU" dirty="0" smtClean="0">
+                <a:solidFill>
+                  <a:schemeClr val="tx1">
+                    <a:lumMod val="65000"/>
+                    <a:lumOff val="35000"/>
+                  </a:schemeClr>
+                </a:solidFill>
+              </a:rPr>
+              <a:t>Костенчук Михаил Ильич</a:t>
+            </a:r>
+            <a:endParaRPr lang="ru-RU" dirty="0">
+              <a:solidFill>
+                <a:schemeClr val="tx1">
+                  <a:lumMod val="65000"/>
+                  <a:lumOff val="35000"/>
+                </a:schemeClr>
+              </a:solidFill>
+            </a:endParaRPr>
+          </a:p>
+        </p:txBody>
+      </p:sp>
+    </p:spTree>
+    <p:extLst>
+      <p:ext uri="{BB962C8B-B14F-4D97-AF65-F5344CB8AC3E}">
+        <p14:creationId xmlns:p14="http://schemas.microsoft.com/office/powerpoint/2010/main" val="1008216744"/>
+      </p:ext>
+    </p:extLst>
+  </p:cSld>
+  <p:clrMapOvr>
+    <a:masterClrMapping/>
+  </p:clrMapOvr>
+</p:sld>
+</file>
+
+<file path=ppt/slides/slide3.xml><?xml version="1.0" encoding="utf-8"?>
 <p:sld xmlns:a="http://schemas.openxmlformats.org/drawingml/2006/main" xmlns:r="http://schemas.openxmlformats.org/officeDocument/2006/relationships" xmlns:p="http://schemas.openxmlformats.org/presentationml/2006/main">
   <p:cSld>
     <p:spTree>
@@ -15024,7 +18878,7 @@
           <a:p>
             <a:fld id="{EDFC3FDD-8E34-46B9-B4F0-1D742C30C66D}" type="slidenum">
               <a:rPr lang="ru-RU" smtClean="0"/>
-              <a:t>2</a:t>
+              <a:t>3</a:t>
             </a:fld>
             <a:endParaRPr lang="ru-RU"/>
           </a:p>
@@ -15050,7 +18904,7 @@
 </p:sld>
 </file>
 
-<file path=ppt/slides/slide3.xml><?xml version="1.0" encoding="utf-8"?>
+<file path=ppt/slides/slide4.xml><?xml version="1.0" encoding="utf-8"?>
 <p:sld xmlns:a="http://schemas.openxmlformats.org/drawingml/2006/main" xmlns:r="http://schemas.openxmlformats.org/officeDocument/2006/relationships" xmlns:p="http://schemas.openxmlformats.org/presentationml/2006/main">
   <p:cSld>
     <p:spTree>
@@ -15129,7 +18983,31 @@
             </a:pPr>
             <a:r>
               <a:rPr lang="ru-RU" sz="2800" dirty="0" smtClean="0"/>
-              <a:t>Найти ассоциативные связи и построить продукционные правила оценки количества лесных пожаров</a:t>
+              <a:t>Поиск </a:t>
+            </a:r>
+            <a:r>
+              <a:rPr lang="ru-RU" sz="2800" dirty="0" smtClean="0"/>
+              <a:t>ассоциативных связей </a:t>
+            </a:r>
+            <a:r>
+              <a:rPr lang="ru-RU" sz="2800" dirty="0" smtClean="0"/>
+              <a:t>и </a:t>
+            </a:r>
+            <a:r>
+              <a:rPr lang="ru-RU" sz="2800" dirty="0" smtClean="0"/>
+              <a:t>построение продукционны</a:t>
+            </a:r>
+            <a:r>
+              <a:rPr lang="ru-RU" sz="2800" dirty="0" smtClean="0"/>
+              <a:t>х </a:t>
+            </a:r>
+            <a:r>
+              <a:rPr lang="ru-RU" sz="2800" dirty="0" smtClean="0"/>
+              <a:t>правил </a:t>
+            </a:r>
+            <a:r>
+              <a:rPr lang="ru-RU" sz="2800" dirty="0" smtClean="0"/>
+              <a:t>оценки количества лесных пожаров</a:t>
             </a:r>
             <a:endParaRPr lang="ru-RU" sz="2800" dirty="0"/>
           </a:p>
@@ -15215,7 +19093,7 @@
           <a:p>
             <a:fld id="{EDFC3FDD-8E34-46B9-B4F0-1D742C30C66D}" type="slidenum">
               <a:rPr lang="ru-RU" smtClean="0"/>
-              <a:t>3</a:t>
+              <a:t>4</a:t>
             </a:fld>
             <a:endParaRPr lang="ru-RU"/>
           </a:p>
@@ -15241,7 +19119,7 @@
 </p:sld>
 </file>
 
-<file path=ppt/slides/slide4.xml><?xml version="1.0" encoding="utf-8"?>
+<file path=ppt/slides/slide5.xml><?xml version="1.0" encoding="utf-8"?>
 <p:sld xmlns:a="http://schemas.openxmlformats.org/drawingml/2006/main" xmlns:r="http://schemas.openxmlformats.org/officeDocument/2006/relationships" xmlns:p="http://schemas.openxmlformats.org/presentationml/2006/main">
   <p:cSld>
     <p:spTree>
@@ -19049,7 +22927,7 @@
           <a:p>
             <a:fld id="{EDFC3FDD-8E34-46B9-B4F0-1D742C30C66D}" type="slidenum">
               <a:rPr lang="ru-RU" smtClean="0"/>
-              <a:t>4</a:t>
+              <a:t>5</a:t>
             </a:fld>
             <a:endParaRPr lang="ru-RU"/>
           </a:p>
@@ -19075,7 +22953,7 @@
 </p:sld>
 </file>
 
-<file path=ppt/slides/slide5.xml><?xml version="1.0" encoding="utf-8"?>
+<file path=ppt/slides/slide6.xml><?xml version="1.0" encoding="utf-8"?>
 <p:sld xmlns:a="http://schemas.openxmlformats.org/drawingml/2006/main" xmlns:r="http://schemas.openxmlformats.org/officeDocument/2006/relationships" xmlns:p="http://schemas.openxmlformats.org/presentationml/2006/main">
   <p:cSld>
     <p:spTree>
@@ -19174,11 +23052,7 @@
             </a:pPr>
             <a:r>
               <a:rPr lang="ru-RU" dirty="0" smtClean="0"/>
-              <a:t>Представление </a:t>
-            </a:r>
-            <a:r>
-              <a:rPr lang="ru-RU" dirty="0" smtClean="0"/>
-              <a:t>количественных характеристик в качественном виде.</a:t>
+              <a:t>Представление количественных характеристик в качественном виде.</a:t>
             </a:r>
           </a:p>
         </p:txBody>
@@ -19270,7 +23144,7 @@
           <a:p>
             <a:fld id="{EDFC3FDD-8E34-46B9-B4F0-1D742C30C66D}" type="slidenum">
               <a:rPr lang="ru-RU" smtClean="0"/>
-              <a:t>5</a:t>
+              <a:t>6</a:t>
             </a:fld>
             <a:endParaRPr lang="ru-RU" dirty="0"/>
           </a:p>
@@ -19444,7 +23318,7 @@
 </p:sld>
 </file>
 
-<file path=ppt/slides/slide6.xml><?xml version="1.0" encoding="utf-8"?>
+<file path=ppt/slides/slide7.xml><?xml version="1.0" encoding="utf-8"?>
 <p:sld xmlns:a="http://schemas.openxmlformats.org/drawingml/2006/main" xmlns:r="http://schemas.openxmlformats.org/officeDocument/2006/relationships" xmlns:p="http://schemas.openxmlformats.org/presentationml/2006/main">
   <p:cSld>
     <p:spTree>
@@ -19509,11 +23383,7 @@
             </a:pPr>
             <a:r>
               <a:rPr lang="ru-RU" dirty="0" smtClean="0"/>
-              <a:t>Построение </a:t>
-            </a:r>
-            <a:r>
-              <a:rPr lang="ru-RU" dirty="0" smtClean="0"/>
-              <a:t>ассоциативных правил на основе имеющейся статистики</a:t>
+              <a:t>Построение ассоциативных правил на основе имеющейся статистики</a:t>
             </a:r>
           </a:p>
         </p:txBody>
@@ -20024,11 +23894,7 @@
           <a:p>
             <a:r>
               <a:rPr lang="ru-RU" sz="3200" dirty="0" smtClean="0"/>
-              <a:t>Основна</a:t>
-            </a:r>
-            <a:r>
-              <a:rPr lang="ru-RU" sz="3200" dirty="0" smtClean="0"/>
-              <a:t>я задача</a:t>
+              <a:t>Основная задача</a:t>
             </a:r>
             <a:endParaRPr lang="ru-RU" sz="3200" dirty="0"/>
           </a:p>
@@ -20051,7 +23917,7 @@
           <a:p>
             <a:fld id="{EDFC3FDD-8E34-46B9-B4F0-1D742C30C66D}" type="slidenum">
               <a:rPr lang="ru-RU" smtClean="0"/>
-              <a:t>6</a:t>
+              <a:t>7</a:t>
             </a:fld>
             <a:endParaRPr lang="ru-RU"/>
           </a:p>
@@ -20156,7 +24022,7 @@
 </p:sld>
 </file>
 
-<file path=ppt/slides/slide7.xml><?xml version="1.0" encoding="utf-8"?>
+<file path=ppt/slides/slide8.xml><?xml version="1.0" encoding="utf-8"?>
 <p:sld xmlns:a="http://schemas.openxmlformats.org/drawingml/2006/main" xmlns:r="http://schemas.openxmlformats.org/officeDocument/2006/relationships" xmlns:p="http://schemas.openxmlformats.org/presentationml/2006/main">
   <p:cSld>
     <p:spTree>
@@ -20374,7 +24240,7 @@
           <a:p>
             <a:fld id="{EDFC3FDD-8E34-46B9-B4F0-1D742C30C66D}" type="slidenum">
               <a:rPr lang="ru-RU" smtClean="0"/>
-              <a:t>7</a:t>
+              <a:t>8</a:t>
             </a:fld>
             <a:endParaRPr lang="ru-RU"/>
           </a:p>
@@ -20400,7 +24266,7 @@
 </p:sld>
 </file>
 
-<file path=ppt/slides/slide8.xml><?xml version="1.0" encoding="utf-8"?>
+<file path=ppt/slides/slide9.xml><?xml version="1.0" encoding="utf-8"?>
 <p:sld xmlns:a="http://schemas.openxmlformats.org/drawingml/2006/main" xmlns:r="http://schemas.openxmlformats.org/officeDocument/2006/relationships" xmlns:p="http://schemas.openxmlformats.org/presentationml/2006/main">
   <p:cSld>
     <p:spTree>
@@ -20441,11 +24307,7 @@
           <a:p>
             <a:r>
               <a:rPr lang="ru-RU" sz="3600" dirty="0" smtClean="0"/>
-              <a:t>Поиск ассоциативных </a:t>
-            </a:r>
-            <a:r>
-              <a:rPr lang="ru-RU" sz="3600" dirty="0" smtClean="0"/>
-              <a:t>правил</a:t>
+              <a:t>Поиск ассоциативных правил</a:t>
             </a:r>
             <a:endParaRPr lang="ru-RU" sz="3600" dirty="0"/>
           </a:p>
@@ -20608,7 +24470,7 @@
           <a:p>
             <a:fld id="{EDFC3FDD-8E34-46B9-B4F0-1D742C30C66D}" type="slidenum">
               <a:rPr lang="ru-RU" smtClean="0"/>
-              <a:t>8</a:t>
+              <a:t>9</a:t>
             </a:fld>
             <a:endParaRPr lang="ru-RU"/>
           </a:p>
@@ -20618,3411 +24480,6 @@
     <p:extLst>
       <p:ext uri="{BB962C8B-B14F-4D97-AF65-F5344CB8AC3E}">
         <p14:creationId xmlns:p14="http://schemas.microsoft.com/office/powerpoint/2010/main" val="2070814515"/>
-      </p:ext>
-    </p:extLst>
-  </p:cSld>
-  <p:clrMapOvr>
-    <a:masterClrMapping/>
-  </p:clrMapOvr>
-  <p:timing>
-    <p:tnLst>
-      <p:par>
-        <p:cTn id="1" dur="indefinite" restart="never" nodeType="tmRoot"/>
-      </p:par>
-    </p:tnLst>
-  </p:timing>
-</p:sld>
-</file>
-
-<file path=ppt/slides/slide9.xml><?xml version="1.0" encoding="utf-8"?>
-<p:sld xmlns:a="http://schemas.openxmlformats.org/drawingml/2006/main" xmlns:r="http://schemas.openxmlformats.org/officeDocument/2006/relationships" xmlns:p="http://schemas.openxmlformats.org/presentationml/2006/main">
-  <p:cSld>
-    <p:bg>
-      <p:bgPr>
-        <a:gradFill>
-          <a:gsLst>
-            <a:gs pos="50000">
-              <a:schemeClr val="bg1">
-                <a:tint val="80000"/>
-                <a:satMod val="250000"/>
-              </a:schemeClr>
-            </a:gs>
-            <a:gs pos="76000">
-              <a:schemeClr val="bg1">
-                <a:tint val="90000"/>
-                <a:shade val="90000"/>
-                <a:satMod val="200000"/>
-              </a:schemeClr>
-            </a:gs>
-            <a:gs pos="92000">
-              <a:schemeClr val="bg1">
-                <a:tint val="90000"/>
-                <a:shade val="70000"/>
-                <a:satMod val="250000"/>
-              </a:schemeClr>
-            </a:gs>
-          </a:gsLst>
-          <a:path path="circle">
-            <a:fillToRect l="50000" t="50000" r="50000" b="50000"/>
-          </a:path>
-        </a:gradFill>
-        <a:effectLst/>
-      </p:bgPr>
-    </p:bg>
-    <p:spTree>
-      <p:nvGrpSpPr>
-        <p:cNvPr id="1" name=""/>
-        <p:cNvGrpSpPr/>
-        <p:nvPr/>
-      </p:nvGrpSpPr>
-      <p:grpSpPr>
-        <a:xfrm>
-          <a:off x="0" y="0"/>
-          <a:ext cx="0" cy="0"/>
-          <a:chOff x="0" y="0"/>
-          <a:chExt cx="0" cy="0"/>
-        </a:xfrm>
-      </p:grpSpPr>
-      <p:graphicFrame>
-        <p:nvGraphicFramePr>
-          <p:cNvPr id="4" name="Объект 3"/>
-          <p:cNvGraphicFramePr>
-            <a:graphicFrameLocks/>
-          </p:cNvGraphicFramePr>
-          <p:nvPr>
-            <p:extLst>
-              <p:ext uri="{D42A27DB-BD31-4B8C-83A1-F6EECF244321}">
-                <p14:modId xmlns:p14="http://schemas.microsoft.com/office/powerpoint/2010/main" val="2557878741"/>
-              </p:ext>
-            </p:extLst>
-          </p:nvPr>
-        </p:nvGraphicFramePr>
-        <p:xfrm>
-          <a:off x="457200" y="2164432"/>
-          <a:ext cx="2592288" cy="3352800"/>
-        </p:xfrm>
-        <a:graphic>
-          <a:graphicData uri="http://schemas.openxmlformats.org/drawingml/2006/table">
-            <a:tbl>
-              <a:tblPr firstRow="1" bandRow="1">
-                <a:tableStyleId>{E8034E78-7F5D-4C2E-B375-FC64B27BC917}</a:tableStyleId>
-              </a:tblPr>
-              <a:tblGrid>
-                <a:gridCol w="591141"/>
-                <a:gridCol w="667049"/>
-                <a:gridCol w="667049"/>
-                <a:gridCol w="667049"/>
-              </a:tblGrid>
-              <a:tr h="202932">
-                <a:tc>
-                  <a:txBody>
-                    <a:bodyPr/>
-                    <a:lstStyle/>
-                    <a:p>
-                      <a:pPr algn="ctr"/>
-                      <a:r>
-                        <a:rPr lang="ru-RU" sz="1400" dirty="0" smtClean="0"/>
-                        <a:t>А</a:t>
-                      </a:r>
-                      <a:endParaRPr lang="ru-RU" sz="1400" dirty="0"/>
-                    </a:p>
-                  </a:txBody>
-                  <a:tcPr>
-                    <a:lnL w="6350" cap="flat" cmpd="sng" algn="ctr">
-                      <a:solidFill>
-                        <a:schemeClr val="tx2"/>
-                      </a:solidFill>
-                      <a:prstDash val="solid"/>
-                      <a:round/>
-                      <a:headEnd type="none" w="med" len="med"/>
-                      <a:tailEnd type="none" w="med" len="med"/>
-                    </a:lnL>
-                    <a:lnR w="6350" cap="flat" cmpd="sng" algn="ctr">
-                      <a:solidFill>
-                        <a:schemeClr val="tx2"/>
-                      </a:solidFill>
-                      <a:prstDash val="solid"/>
-                      <a:round/>
-                      <a:headEnd type="none" w="med" len="med"/>
-                      <a:tailEnd type="none" w="med" len="med"/>
-                    </a:lnR>
-                    <a:lnT w="6350" cap="flat" cmpd="sng" algn="ctr">
-                      <a:solidFill>
-                        <a:schemeClr val="tx2"/>
-                      </a:solidFill>
-                      <a:prstDash val="solid"/>
-                      <a:round/>
-                      <a:headEnd type="none" w="med" len="med"/>
-                      <a:tailEnd type="none" w="med" len="med"/>
-                    </a:lnT>
-                    <a:lnB w="6350" cap="flat" cmpd="sng" algn="ctr">
-                      <a:solidFill>
-                        <a:schemeClr val="tx2"/>
-                      </a:solidFill>
-                      <a:prstDash val="solid"/>
-                      <a:round/>
-                      <a:headEnd type="none" w="med" len="med"/>
-                      <a:tailEnd type="none" w="med" len="med"/>
-                    </a:lnB>
-                    <a:lnTlToBr w="12700" cmpd="sng">
-                      <a:noFill/>
-                      <a:prstDash val="solid"/>
-                    </a:lnTlToBr>
-                    <a:lnBlToTr w="12700" cmpd="sng">
-                      <a:noFill/>
-                      <a:prstDash val="solid"/>
-                    </a:lnBlToTr>
-                  </a:tcPr>
-                </a:tc>
-                <a:tc>
-                  <a:txBody>
-                    <a:bodyPr/>
-                    <a:lstStyle/>
-                    <a:p>
-                      <a:pPr algn="ctr"/>
-                      <a:r>
-                        <a:rPr lang="ru-RU" sz="1400" dirty="0" smtClean="0"/>
-                        <a:t>Б</a:t>
-                      </a:r>
-                      <a:endParaRPr lang="ru-RU" sz="1400" baseline="-25000" dirty="0"/>
-                    </a:p>
-                  </a:txBody>
-                  <a:tcPr>
-                    <a:lnL w="6350" cap="flat" cmpd="sng" algn="ctr">
-                      <a:solidFill>
-                        <a:schemeClr val="tx2"/>
-                      </a:solidFill>
-                      <a:prstDash val="solid"/>
-                      <a:round/>
-                      <a:headEnd type="none" w="med" len="med"/>
-                      <a:tailEnd type="none" w="med" len="med"/>
-                    </a:lnL>
-                    <a:lnR w="6350" cap="flat" cmpd="sng" algn="ctr">
-                      <a:solidFill>
-                        <a:schemeClr val="tx2"/>
-                      </a:solidFill>
-                      <a:prstDash val="solid"/>
-                      <a:round/>
-                      <a:headEnd type="none" w="med" len="med"/>
-                      <a:tailEnd type="none" w="med" len="med"/>
-                    </a:lnR>
-                    <a:lnT w="6350" cap="flat" cmpd="sng" algn="ctr">
-                      <a:solidFill>
-                        <a:schemeClr val="tx2"/>
-                      </a:solidFill>
-                      <a:prstDash val="solid"/>
-                      <a:round/>
-                      <a:headEnd type="none" w="med" len="med"/>
-                      <a:tailEnd type="none" w="med" len="med"/>
-                    </a:lnT>
-                    <a:lnB w="6350" cap="flat" cmpd="sng" algn="ctr">
-                      <a:solidFill>
-                        <a:schemeClr val="tx2"/>
-                      </a:solidFill>
-                      <a:prstDash val="solid"/>
-                      <a:round/>
-                      <a:headEnd type="none" w="med" len="med"/>
-                      <a:tailEnd type="none" w="med" len="med"/>
-                    </a:lnB>
-                    <a:lnTlToBr w="12700" cmpd="sng">
-                      <a:noFill/>
-                      <a:prstDash val="solid"/>
-                    </a:lnTlToBr>
-                    <a:lnBlToTr w="12700" cmpd="sng">
-                      <a:noFill/>
-                      <a:prstDash val="solid"/>
-                    </a:lnBlToTr>
-                  </a:tcPr>
-                </a:tc>
-                <a:tc>
-                  <a:txBody>
-                    <a:bodyPr/>
-                    <a:lstStyle/>
-                    <a:p>
-                      <a:pPr algn="ctr"/>
-                      <a:r>
-                        <a:rPr lang="ru-RU" sz="1400" dirty="0" smtClean="0"/>
-                        <a:t>В</a:t>
-                      </a:r>
-                      <a:endParaRPr lang="ru-RU" sz="1400" dirty="0"/>
-                    </a:p>
-                  </a:txBody>
-                  <a:tcPr>
-                    <a:lnL w="6350" cap="flat" cmpd="sng" algn="ctr">
-                      <a:solidFill>
-                        <a:schemeClr val="tx2"/>
-                      </a:solidFill>
-                      <a:prstDash val="solid"/>
-                      <a:round/>
-                      <a:headEnd type="none" w="med" len="med"/>
-                      <a:tailEnd type="none" w="med" len="med"/>
-                    </a:lnL>
-                    <a:lnR w="6350" cap="flat" cmpd="sng" algn="ctr">
-                      <a:solidFill>
-                        <a:schemeClr val="tx2"/>
-                      </a:solidFill>
-                      <a:prstDash val="solid"/>
-                      <a:round/>
-                      <a:headEnd type="none" w="med" len="med"/>
-                      <a:tailEnd type="none" w="med" len="med"/>
-                    </a:lnR>
-                    <a:lnT w="6350" cap="flat" cmpd="sng" algn="ctr">
-                      <a:solidFill>
-                        <a:schemeClr val="tx2"/>
-                      </a:solidFill>
-                      <a:prstDash val="solid"/>
-                      <a:round/>
-                      <a:headEnd type="none" w="med" len="med"/>
-                      <a:tailEnd type="none" w="med" len="med"/>
-                    </a:lnT>
-                    <a:lnB w="6350" cap="flat" cmpd="sng" algn="ctr">
-                      <a:solidFill>
-                        <a:schemeClr val="tx2"/>
-                      </a:solidFill>
-                      <a:prstDash val="solid"/>
-                      <a:round/>
-                      <a:headEnd type="none" w="med" len="med"/>
-                      <a:tailEnd type="none" w="med" len="med"/>
-                    </a:lnB>
-                    <a:lnTlToBr w="12700" cmpd="sng">
-                      <a:noFill/>
-                      <a:prstDash val="solid"/>
-                    </a:lnTlToBr>
-                    <a:lnBlToTr w="12700" cmpd="sng">
-                      <a:noFill/>
-                      <a:prstDash val="solid"/>
-                    </a:lnBlToTr>
-                  </a:tcPr>
-                </a:tc>
-                <a:tc>
-                  <a:txBody>
-                    <a:bodyPr/>
-                    <a:lstStyle/>
-                    <a:p>
-                      <a:pPr algn="ctr"/>
-                      <a:r>
-                        <a:rPr lang="ru-RU" sz="1400" dirty="0" smtClean="0"/>
-                        <a:t>Г</a:t>
-                      </a:r>
-                      <a:endParaRPr lang="ru-RU" sz="1400" dirty="0"/>
-                    </a:p>
-                  </a:txBody>
-                  <a:tcPr>
-                    <a:lnL w="6350" cap="flat" cmpd="sng" algn="ctr">
-                      <a:solidFill>
-                        <a:schemeClr val="tx2"/>
-                      </a:solidFill>
-                      <a:prstDash val="solid"/>
-                      <a:round/>
-                      <a:headEnd type="none" w="med" len="med"/>
-                      <a:tailEnd type="none" w="med" len="med"/>
-                    </a:lnL>
-                    <a:lnR w="6350" cap="flat" cmpd="sng" algn="ctr">
-                      <a:solidFill>
-                        <a:schemeClr val="tx2"/>
-                      </a:solidFill>
-                      <a:prstDash val="solid"/>
-                      <a:round/>
-                      <a:headEnd type="none" w="med" len="med"/>
-                      <a:tailEnd type="none" w="med" len="med"/>
-                    </a:lnR>
-                    <a:lnT w="6350" cap="flat" cmpd="sng" algn="ctr">
-                      <a:solidFill>
-                        <a:schemeClr val="tx2"/>
-                      </a:solidFill>
-                      <a:prstDash val="solid"/>
-                      <a:round/>
-                      <a:headEnd type="none" w="med" len="med"/>
-                      <a:tailEnd type="none" w="med" len="med"/>
-                    </a:lnT>
-                    <a:lnB w="6350" cap="flat" cmpd="sng" algn="ctr">
-                      <a:solidFill>
-                        <a:schemeClr val="tx2"/>
-                      </a:solidFill>
-                      <a:prstDash val="solid"/>
-                      <a:round/>
-                      <a:headEnd type="none" w="med" len="med"/>
-                      <a:tailEnd type="none" w="med" len="med"/>
-                    </a:lnB>
-                    <a:lnTlToBr w="12700" cmpd="sng">
-                      <a:noFill/>
-                      <a:prstDash val="solid"/>
-                    </a:lnTlToBr>
-                    <a:lnBlToTr w="12700" cmpd="sng">
-                      <a:noFill/>
-                      <a:prstDash val="solid"/>
-                    </a:lnBlToTr>
-                  </a:tcPr>
-                </a:tc>
-              </a:tr>
-              <a:tr h="202932">
-                <a:tc>
-                  <a:txBody>
-                    <a:bodyPr/>
-                    <a:lstStyle/>
-                    <a:p>
-                      <a:pPr algn="ctr"/>
-                      <a:r>
-                        <a:rPr lang="ru-RU" sz="1400" dirty="0" smtClean="0">
-                          <a:solidFill>
-                            <a:schemeClr val="tx1"/>
-                          </a:solidFill>
-                        </a:rPr>
-                        <a:t>0</a:t>
-                      </a:r>
-                      <a:endParaRPr lang="ru-RU" sz="1400" dirty="0">
-                        <a:solidFill>
-                          <a:schemeClr val="tx1"/>
-                        </a:solidFill>
-                      </a:endParaRPr>
-                    </a:p>
-                  </a:txBody>
-                  <a:tcPr>
-                    <a:lnL w="6350" cap="flat" cmpd="sng" algn="ctr">
-                      <a:solidFill>
-                        <a:schemeClr val="tx2"/>
-                      </a:solidFill>
-                      <a:prstDash val="solid"/>
-                      <a:round/>
-                      <a:headEnd type="none" w="med" len="med"/>
-                      <a:tailEnd type="none" w="med" len="med"/>
-                    </a:lnL>
-                    <a:lnR w="6350" cap="flat" cmpd="sng" algn="ctr">
-                      <a:solidFill>
-                        <a:schemeClr val="tx2"/>
-                      </a:solidFill>
-                      <a:prstDash val="solid"/>
-                      <a:round/>
-                      <a:headEnd type="none" w="med" len="med"/>
-                      <a:tailEnd type="none" w="med" len="med"/>
-                    </a:lnR>
-                    <a:lnT w="6350" cap="flat" cmpd="sng" algn="ctr">
-                      <a:solidFill>
-                        <a:schemeClr val="tx2"/>
-                      </a:solidFill>
-                      <a:prstDash val="solid"/>
-                      <a:round/>
-                      <a:headEnd type="none" w="med" len="med"/>
-                      <a:tailEnd type="none" w="med" len="med"/>
-                    </a:lnT>
-                    <a:lnB w="6350" cap="flat" cmpd="sng" algn="ctr">
-                      <a:solidFill>
-                        <a:schemeClr val="tx2"/>
-                      </a:solidFill>
-                      <a:prstDash val="solid"/>
-                      <a:round/>
-                      <a:headEnd type="none" w="med" len="med"/>
-                      <a:tailEnd type="none" w="med" len="med"/>
-                    </a:lnB>
-                    <a:lnTlToBr w="12700" cmpd="sng">
-                      <a:noFill/>
-                      <a:prstDash val="solid"/>
-                    </a:lnTlToBr>
-                    <a:lnBlToTr w="12700" cmpd="sng">
-                      <a:noFill/>
-                      <a:prstDash val="solid"/>
-                    </a:lnBlToTr>
-                  </a:tcPr>
-                </a:tc>
-                <a:tc>
-                  <a:txBody>
-                    <a:bodyPr/>
-                    <a:lstStyle/>
-                    <a:p>
-                      <a:pPr algn="ctr"/>
-                      <a:r>
-                        <a:rPr lang="ru-RU" sz="1400" dirty="0" smtClean="0">
-                          <a:solidFill>
-                            <a:schemeClr val="tx1"/>
-                          </a:solidFill>
-                        </a:rPr>
-                        <a:t>0</a:t>
-                      </a:r>
-                      <a:endParaRPr lang="ru-RU" sz="1400" dirty="0">
-                        <a:solidFill>
-                          <a:schemeClr val="tx1"/>
-                        </a:solidFill>
-                      </a:endParaRPr>
-                    </a:p>
-                  </a:txBody>
-                  <a:tcPr>
-                    <a:lnL w="6350" cap="flat" cmpd="sng" algn="ctr">
-                      <a:solidFill>
-                        <a:schemeClr val="tx2"/>
-                      </a:solidFill>
-                      <a:prstDash val="solid"/>
-                      <a:round/>
-                      <a:headEnd type="none" w="med" len="med"/>
-                      <a:tailEnd type="none" w="med" len="med"/>
-                    </a:lnL>
-                    <a:lnR w="6350" cap="flat" cmpd="sng" algn="ctr">
-                      <a:solidFill>
-                        <a:schemeClr val="tx2"/>
-                      </a:solidFill>
-                      <a:prstDash val="solid"/>
-                      <a:round/>
-                      <a:headEnd type="none" w="med" len="med"/>
-                      <a:tailEnd type="none" w="med" len="med"/>
-                    </a:lnR>
-                    <a:lnT w="6350" cap="flat" cmpd="sng" algn="ctr">
-                      <a:solidFill>
-                        <a:schemeClr val="tx2"/>
-                      </a:solidFill>
-                      <a:prstDash val="solid"/>
-                      <a:round/>
-                      <a:headEnd type="none" w="med" len="med"/>
-                      <a:tailEnd type="none" w="med" len="med"/>
-                    </a:lnT>
-                    <a:lnB w="6350" cap="flat" cmpd="sng" algn="ctr">
-                      <a:solidFill>
-                        <a:schemeClr val="tx2"/>
-                      </a:solidFill>
-                      <a:prstDash val="solid"/>
-                      <a:round/>
-                      <a:headEnd type="none" w="med" len="med"/>
-                      <a:tailEnd type="none" w="med" len="med"/>
-                    </a:lnB>
-                    <a:lnTlToBr w="12700" cmpd="sng">
-                      <a:noFill/>
-                      <a:prstDash val="solid"/>
-                    </a:lnTlToBr>
-                    <a:lnBlToTr w="12700" cmpd="sng">
-                      <a:noFill/>
-                      <a:prstDash val="solid"/>
-                    </a:lnBlToTr>
-                  </a:tcPr>
-                </a:tc>
-                <a:tc>
-                  <a:txBody>
-                    <a:bodyPr/>
-                    <a:lstStyle/>
-                    <a:p>
-                      <a:pPr algn="ctr"/>
-                      <a:r>
-                        <a:rPr lang="ru-RU" sz="1400" dirty="0" smtClean="0">
-                          <a:solidFill>
-                            <a:schemeClr val="tx1"/>
-                          </a:solidFill>
-                        </a:rPr>
-                        <a:t>1</a:t>
-                      </a:r>
-                      <a:endParaRPr lang="ru-RU" sz="1400" dirty="0">
-                        <a:solidFill>
-                          <a:schemeClr val="tx1"/>
-                        </a:solidFill>
-                      </a:endParaRPr>
-                    </a:p>
-                  </a:txBody>
-                  <a:tcPr>
-                    <a:lnL w="6350" cap="flat" cmpd="sng" algn="ctr">
-                      <a:solidFill>
-                        <a:schemeClr val="tx2"/>
-                      </a:solidFill>
-                      <a:prstDash val="solid"/>
-                      <a:round/>
-                      <a:headEnd type="none" w="med" len="med"/>
-                      <a:tailEnd type="none" w="med" len="med"/>
-                    </a:lnL>
-                    <a:lnR w="6350" cap="flat" cmpd="sng" algn="ctr">
-                      <a:solidFill>
-                        <a:schemeClr val="tx2"/>
-                      </a:solidFill>
-                      <a:prstDash val="solid"/>
-                      <a:round/>
-                      <a:headEnd type="none" w="med" len="med"/>
-                      <a:tailEnd type="none" w="med" len="med"/>
-                    </a:lnR>
-                    <a:lnT w="6350" cap="flat" cmpd="sng" algn="ctr">
-                      <a:solidFill>
-                        <a:schemeClr val="tx2"/>
-                      </a:solidFill>
-                      <a:prstDash val="solid"/>
-                      <a:round/>
-                      <a:headEnd type="none" w="med" len="med"/>
-                      <a:tailEnd type="none" w="med" len="med"/>
-                    </a:lnT>
-                    <a:lnB w="6350" cap="flat" cmpd="sng" algn="ctr">
-                      <a:solidFill>
-                        <a:schemeClr val="tx2"/>
-                      </a:solidFill>
-                      <a:prstDash val="solid"/>
-                      <a:round/>
-                      <a:headEnd type="none" w="med" len="med"/>
-                      <a:tailEnd type="none" w="med" len="med"/>
-                    </a:lnB>
-                    <a:lnTlToBr w="12700" cmpd="sng">
-                      <a:noFill/>
-                      <a:prstDash val="solid"/>
-                    </a:lnTlToBr>
-                    <a:lnBlToTr w="12700" cmpd="sng">
-                      <a:noFill/>
-                      <a:prstDash val="solid"/>
-                    </a:lnBlToTr>
-                  </a:tcPr>
-                </a:tc>
-                <a:tc>
-                  <a:txBody>
-                    <a:bodyPr/>
-                    <a:lstStyle/>
-                    <a:p>
-                      <a:pPr algn="ctr"/>
-                      <a:r>
-                        <a:rPr lang="ru-RU" sz="1400" dirty="0" smtClean="0">
-                          <a:solidFill>
-                            <a:schemeClr val="tx1"/>
-                          </a:solidFill>
-                        </a:rPr>
-                        <a:t>1</a:t>
-                      </a:r>
-                      <a:endParaRPr lang="ru-RU" sz="1400" dirty="0">
-                        <a:solidFill>
-                          <a:schemeClr val="tx1"/>
-                        </a:solidFill>
-                      </a:endParaRPr>
-                    </a:p>
-                  </a:txBody>
-                  <a:tcPr>
-                    <a:lnL w="6350" cap="flat" cmpd="sng" algn="ctr">
-                      <a:solidFill>
-                        <a:schemeClr val="tx2"/>
-                      </a:solidFill>
-                      <a:prstDash val="solid"/>
-                      <a:round/>
-                      <a:headEnd type="none" w="med" len="med"/>
-                      <a:tailEnd type="none" w="med" len="med"/>
-                    </a:lnL>
-                    <a:lnR w="6350" cap="flat" cmpd="sng" algn="ctr">
-                      <a:solidFill>
-                        <a:schemeClr val="tx2"/>
-                      </a:solidFill>
-                      <a:prstDash val="solid"/>
-                      <a:round/>
-                      <a:headEnd type="none" w="med" len="med"/>
-                      <a:tailEnd type="none" w="med" len="med"/>
-                    </a:lnR>
-                    <a:lnT w="6350" cap="flat" cmpd="sng" algn="ctr">
-                      <a:solidFill>
-                        <a:schemeClr val="tx2"/>
-                      </a:solidFill>
-                      <a:prstDash val="solid"/>
-                      <a:round/>
-                      <a:headEnd type="none" w="med" len="med"/>
-                      <a:tailEnd type="none" w="med" len="med"/>
-                    </a:lnT>
-                    <a:lnB w="6350" cap="flat" cmpd="sng" algn="ctr">
-                      <a:solidFill>
-                        <a:schemeClr val="tx2"/>
-                      </a:solidFill>
-                      <a:prstDash val="solid"/>
-                      <a:round/>
-                      <a:headEnd type="none" w="med" len="med"/>
-                      <a:tailEnd type="none" w="med" len="med"/>
-                    </a:lnB>
-                    <a:lnTlToBr w="12700" cmpd="sng">
-                      <a:noFill/>
-                      <a:prstDash val="solid"/>
-                    </a:lnTlToBr>
-                    <a:lnBlToTr w="12700" cmpd="sng">
-                      <a:noFill/>
-                      <a:prstDash val="solid"/>
-                    </a:lnBlToTr>
-                  </a:tcPr>
-                </a:tc>
-              </a:tr>
-              <a:tr h="202932">
-                <a:tc>
-                  <a:txBody>
-                    <a:bodyPr/>
-                    <a:lstStyle/>
-                    <a:p>
-                      <a:pPr algn="ctr"/>
-                      <a:r>
-                        <a:rPr lang="ru-RU" sz="1400" dirty="0" smtClean="0">
-                          <a:solidFill>
-                            <a:schemeClr val="tx1"/>
-                          </a:solidFill>
-                        </a:rPr>
-                        <a:t>1</a:t>
-                      </a:r>
-                      <a:endParaRPr lang="ru-RU" sz="1400" dirty="0">
-                        <a:solidFill>
-                          <a:schemeClr val="tx1"/>
-                        </a:solidFill>
-                      </a:endParaRPr>
-                    </a:p>
-                  </a:txBody>
-                  <a:tcPr>
-                    <a:lnL w="6350" cap="flat" cmpd="sng" algn="ctr">
-                      <a:solidFill>
-                        <a:schemeClr val="tx2"/>
-                      </a:solidFill>
-                      <a:prstDash val="solid"/>
-                      <a:round/>
-                      <a:headEnd type="none" w="med" len="med"/>
-                      <a:tailEnd type="none" w="med" len="med"/>
-                    </a:lnL>
-                    <a:lnR w="6350" cap="flat" cmpd="sng" algn="ctr">
-                      <a:solidFill>
-                        <a:schemeClr val="tx2"/>
-                      </a:solidFill>
-                      <a:prstDash val="solid"/>
-                      <a:round/>
-                      <a:headEnd type="none" w="med" len="med"/>
-                      <a:tailEnd type="none" w="med" len="med"/>
-                    </a:lnR>
-                    <a:lnT w="6350" cap="flat" cmpd="sng" algn="ctr">
-                      <a:solidFill>
-                        <a:schemeClr val="tx2"/>
-                      </a:solidFill>
-                      <a:prstDash val="solid"/>
-                      <a:round/>
-                      <a:headEnd type="none" w="med" len="med"/>
-                      <a:tailEnd type="none" w="med" len="med"/>
-                    </a:lnT>
-                    <a:lnB w="6350" cap="flat" cmpd="sng" algn="ctr">
-                      <a:solidFill>
-                        <a:schemeClr val="tx2"/>
-                      </a:solidFill>
-                      <a:prstDash val="solid"/>
-                      <a:round/>
-                      <a:headEnd type="none" w="med" len="med"/>
-                      <a:tailEnd type="none" w="med" len="med"/>
-                    </a:lnB>
-                    <a:lnTlToBr w="12700" cmpd="sng">
-                      <a:noFill/>
-                      <a:prstDash val="solid"/>
-                    </a:lnTlToBr>
-                    <a:lnBlToTr w="12700" cmpd="sng">
-                      <a:noFill/>
-                      <a:prstDash val="solid"/>
-                    </a:lnBlToTr>
-                  </a:tcPr>
-                </a:tc>
-                <a:tc>
-                  <a:txBody>
-                    <a:bodyPr/>
-                    <a:lstStyle/>
-                    <a:p>
-                      <a:pPr algn="ctr"/>
-                      <a:r>
-                        <a:rPr lang="ru-RU" sz="1400" dirty="0" smtClean="0">
-                          <a:solidFill>
-                            <a:schemeClr val="tx1"/>
-                          </a:solidFill>
-                        </a:rPr>
-                        <a:t>0</a:t>
-                      </a:r>
-                      <a:endParaRPr lang="ru-RU" sz="1400" dirty="0">
-                        <a:solidFill>
-                          <a:schemeClr val="tx1"/>
-                        </a:solidFill>
-                      </a:endParaRPr>
-                    </a:p>
-                  </a:txBody>
-                  <a:tcPr>
-                    <a:lnL w="6350" cap="flat" cmpd="sng" algn="ctr">
-                      <a:solidFill>
-                        <a:schemeClr val="tx2"/>
-                      </a:solidFill>
-                      <a:prstDash val="solid"/>
-                      <a:round/>
-                      <a:headEnd type="none" w="med" len="med"/>
-                      <a:tailEnd type="none" w="med" len="med"/>
-                    </a:lnL>
-                    <a:lnR w="6350" cap="flat" cmpd="sng" algn="ctr">
-                      <a:solidFill>
-                        <a:schemeClr val="tx2"/>
-                      </a:solidFill>
-                      <a:prstDash val="solid"/>
-                      <a:round/>
-                      <a:headEnd type="none" w="med" len="med"/>
-                      <a:tailEnd type="none" w="med" len="med"/>
-                    </a:lnR>
-                    <a:lnT w="6350" cap="flat" cmpd="sng" algn="ctr">
-                      <a:solidFill>
-                        <a:schemeClr val="tx2"/>
-                      </a:solidFill>
-                      <a:prstDash val="solid"/>
-                      <a:round/>
-                      <a:headEnd type="none" w="med" len="med"/>
-                      <a:tailEnd type="none" w="med" len="med"/>
-                    </a:lnT>
-                    <a:lnB w="6350" cap="flat" cmpd="sng" algn="ctr">
-                      <a:solidFill>
-                        <a:schemeClr val="tx2"/>
-                      </a:solidFill>
-                      <a:prstDash val="solid"/>
-                      <a:round/>
-                      <a:headEnd type="none" w="med" len="med"/>
-                      <a:tailEnd type="none" w="med" len="med"/>
-                    </a:lnB>
-                    <a:lnTlToBr w="12700" cmpd="sng">
-                      <a:noFill/>
-                      <a:prstDash val="solid"/>
-                    </a:lnTlToBr>
-                    <a:lnBlToTr w="12700" cmpd="sng">
-                      <a:noFill/>
-                      <a:prstDash val="solid"/>
-                    </a:lnBlToTr>
-                  </a:tcPr>
-                </a:tc>
-                <a:tc>
-                  <a:txBody>
-                    <a:bodyPr/>
-                    <a:lstStyle/>
-                    <a:p>
-                      <a:pPr algn="ctr"/>
-                      <a:r>
-                        <a:rPr lang="ru-RU" sz="1400" dirty="0" smtClean="0">
-                          <a:solidFill>
-                            <a:schemeClr val="tx1"/>
-                          </a:solidFill>
-                        </a:rPr>
-                        <a:t>0</a:t>
-                      </a:r>
-                      <a:endParaRPr lang="ru-RU" sz="1400" dirty="0">
-                        <a:solidFill>
-                          <a:schemeClr val="tx1"/>
-                        </a:solidFill>
-                      </a:endParaRPr>
-                    </a:p>
-                  </a:txBody>
-                  <a:tcPr>
-                    <a:lnL w="6350" cap="flat" cmpd="sng" algn="ctr">
-                      <a:solidFill>
-                        <a:schemeClr val="tx2"/>
-                      </a:solidFill>
-                      <a:prstDash val="solid"/>
-                      <a:round/>
-                      <a:headEnd type="none" w="med" len="med"/>
-                      <a:tailEnd type="none" w="med" len="med"/>
-                    </a:lnL>
-                    <a:lnR w="6350" cap="flat" cmpd="sng" algn="ctr">
-                      <a:solidFill>
-                        <a:schemeClr val="tx2"/>
-                      </a:solidFill>
-                      <a:prstDash val="solid"/>
-                      <a:round/>
-                      <a:headEnd type="none" w="med" len="med"/>
-                      <a:tailEnd type="none" w="med" len="med"/>
-                    </a:lnR>
-                    <a:lnT w="6350" cap="flat" cmpd="sng" algn="ctr">
-                      <a:solidFill>
-                        <a:schemeClr val="tx2"/>
-                      </a:solidFill>
-                      <a:prstDash val="solid"/>
-                      <a:round/>
-                      <a:headEnd type="none" w="med" len="med"/>
-                      <a:tailEnd type="none" w="med" len="med"/>
-                    </a:lnT>
-                    <a:lnB w="6350" cap="flat" cmpd="sng" algn="ctr">
-                      <a:solidFill>
-                        <a:schemeClr val="tx2"/>
-                      </a:solidFill>
-                      <a:prstDash val="solid"/>
-                      <a:round/>
-                      <a:headEnd type="none" w="med" len="med"/>
-                      <a:tailEnd type="none" w="med" len="med"/>
-                    </a:lnB>
-                    <a:lnTlToBr w="12700" cmpd="sng">
-                      <a:noFill/>
-                      <a:prstDash val="solid"/>
-                    </a:lnTlToBr>
-                    <a:lnBlToTr w="12700" cmpd="sng">
-                      <a:noFill/>
-                      <a:prstDash val="solid"/>
-                    </a:lnBlToTr>
-                  </a:tcPr>
-                </a:tc>
-                <a:tc>
-                  <a:txBody>
-                    <a:bodyPr/>
-                    <a:lstStyle/>
-                    <a:p>
-                      <a:pPr algn="ctr"/>
-                      <a:r>
-                        <a:rPr lang="ru-RU" sz="1400" dirty="0" smtClean="0">
-                          <a:solidFill>
-                            <a:schemeClr val="tx1"/>
-                          </a:solidFill>
-                        </a:rPr>
-                        <a:t>1</a:t>
-                      </a:r>
-                      <a:endParaRPr lang="ru-RU" sz="1400" dirty="0">
-                        <a:solidFill>
-                          <a:schemeClr val="tx1"/>
-                        </a:solidFill>
-                      </a:endParaRPr>
-                    </a:p>
-                  </a:txBody>
-                  <a:tcPr>
-                    <a:lnL w="6350" cap="flat" cmpd="sng" algn="ctr">
-                      <a:solidFill>
-                        <a:schemeClr val="tx2"/>
-                      </a:solidFill>
-                      <a:prstDash val="solid"/>
-                      <a:round/>
-                      <a:headEnd type="none" w="med" len="med"/>
-                      <a:tailEnd type="none" w="med" len="med"/>
-                    </a:lnL>
-                    <a:lnR w="6350" cap="flat" cmpd="sng" algn="ctr">
-                      <a:solidFill>
-                        <a:schemeClr val="tx2"/>
-                      </a:solidFill>
-                      <a:prstDash val="solid"/>
-                      <a:round/>
-                      <a:headEnd type="none" w="med" len="med"/>
-                      <a:tailEnd type="none" w="med" len="med"/>
-                    </a:lnR>
-                    <a:lnT w="6350" cap="flat" cmpd="sng" algn="ctr">
-                      <a:solidFill>
-                        <a:schemeClr val="tx2"/>
-                      </a:solidFill>
-                      <a:prstDash val="solid"/>
-                      <a:round/>
-                      <a:headEnd type="none" w="med" len="med"/>
-                      <a:tailEnd type="none" w="med" len="med"/>
-                    </a:lnT>
-                    <a:lnB w="6350" cap="flat" cmpd="sng" algn="ctr">
-                      <a:solidFill>
-                        <a:schemeClr val="tx2"/>
-                      </a:solidFill>
-                      <a:prstDash val="solid"/>
-                      <a:round/>
-                      <a:headEnd type="none" w="med" len="med"/>
-                      <a:tailEnd type="none" w="med" len="med"/>
-                    </a:lnB>
-                    <a:lnTlToBr w="12700" cmpd="sng">
-                      <a:noFill/>
-                      <a:prstDash val="solid"/>
-                    </a:lnTlToBr>
-                    <a:lnBlToTr w="12700" cmpd="sng">
-                      <a:noFill/>
-                      <a:prstDash val="solid"/>
-                    </a:lnBlToTr>
-                  </a:tcPr>
-                </a:tc>
-              </a:tr>
-              <a:tr h="202932">
-                <a:tc>
-                  <a:txBody>
-                    <a:bodyPr/>
-                    <a:lstStyle/>
-                    <a:p>
-                      <a:pPr algn="ctr"/>
-                      <a:r>
-                        <a:rPr lang="ru-RU" sz="1400" dirty="0" smtClean="0">
-                          <a:solidFill>
-                            <a:schemeClr val="tx1"/>
-                          </a:solidFill>
-                        </a:rPr>
-                        <a:t>1</a:t>
-                      </a:r>
-                      <a:endParaRPr lang="ru-RU" sz="1400" dirty="0">
-                        <a:solidFill>
-                          <a:schemeClr val="tx1"/>
-                        </a:solidFill>
-                      </a:endParaRPr>
-                    </a:p>
-                  </a:txBody>
-                  <a:tcPr>
-                    <a:lnL w="6350" cap="flat" cmpd="sng" algn="ctr">
-                      <a:solidFill>
-                        <a:schemeClr val="tx2"/>
-                      </a:solidFill>
-                      <a:prstDash val="solid"/>
-                      <a:round/>
-                      <a:headEnd type="none" w="med" len="med"/>
-                      <a:tailEnd type="none" w="med" len="med"/>
-                    </a:lnL>
-                    <a:lnR w="6350" cap="flat" cmpd="sng" algn="ctr">
-                      <a:solidFill>
-                        <a:schemeClr val="tx2"/>
-                      </a:solidFill>
-                      <a:prstDash val="solid"/>
-                      <a:round/>
-                      <a:headEnd type="none" w="med" len="med"/>
-                      <a:tailEnd type="none" w="med" len="med"/>
-                    </a:lnR>
-                    <a:lnT w="6350" cap="flat" cmpd="sng" algn="ctr">
-                      <a:solidFill>
-                        <a:schemeClr val="tx2"/>
-                      </a:solidFill>
-                      <a:prstDash val="solid"/>
-                      <a:round/>
-                      <a:headEnd type="none" w="med" len="med"/>
-                      <a:tailEnd type="none" w="med" len="med"/>
-                    </a:lnT>
-                    <a:lnB w="6350" cap="flat" cmpd="sng" algn="ctr">
-                      <a:solidFill>
-                        <a:schemeClr val="tx2"/>
-                      </a:solidFill>
-                      <a:prstDash val="solid"/>
-                      <a:round/>
-                      <a:headEnd type="none" w="med" len="med"/>
-                      <a:tailEnd type="none" w="med" len="med"/>
-                    </a:lnB>
-                    <a:lnTlToBr w="12700" cmpd="sng">
-                      <a:noFill/>
-                      <a:prstDash val="solid"/>
-                    </a:lnTlToBr>
-                    <a:lnBlToTr w="12700" cmpd="sng">
-                      <a:noFill/>
-                      <a:prstDash val="solid"/>
-                    </a:lnBlToTr>
-                  </a:tcPr>
-                </a:tc>
-                <a:tc>
-                  <a:txBody>
-                    <a:bodyPr/>
-                    <a:lstStyle/>
-                    <a:p>
-                      <a:pPr algn="ctr"/>
-                      <a:r>
-                        <a:rPr lang="ru-RU" sz="1400" dirty="0" smtClean="0">
-                          <a:solidFill>
-                            <a:schemeClr val="tx1"/>
-                          </a:solidFill>
-                        </a:rPr>
-                        <a:t>1</a:t>
-                      </a:r>
-                      <a:endParaRPr lang="ru-RU" sz="1400" dirty="0">
-                        <a:solidFill>
-                          <a:schemeClr val="tx1"/>
-                        </a:solidFill>
-                      </a:endParaRPr>
-                    </a:p>
-                  </a:txBody>
-                  <a:tcPr>
-                    <a:lnL w="6350" cap="flat" cmpd="sng" algn="ctr">
-                      <a:solidFill>
-                        <a:schemeClr val="tx2"/>
-                      </a:solidFill>
-                      <a:prstDash val="solid"/>
-                      <a:round/>
-                      <a:headEnd type="none" w="med" len="med"/>
-                      <a:tailEnd type="none" w="med" len="med"/>
-                    </a:lnL>
-                    <a:lnR w="6350" cap="flat" cmpd="sng" algn="ctr">
-                      <a:solidFill>
-                        <a:schemeClr val="tx2"/>
-                      </a:solidFill>
-                      <a:prstDash val="solid"/>
-                      <a:round/>
-                      <a:headEnd type="none" w="med" len="med"/>
-                      <a:tailEnd type="none" w="med" len="med"/>
-                    </a:lnR>
-                    <a:lnT w="6350" cap="flat" cmpd="sng" algn="ctr">
-                      <a:solidFill>
-                        <a:schemeClr val="tx2"/>
-                      </a:solidFill>
-                      <a:prstDash val="solid"/>
-                      <a:round/>
-                      <a:headEnd type="none" w="med" len="med"/>
-                      <a:tailEnd type="none" w="med" len="med"/>
-                    </a:lnT>
-                    <a:lnB w="6350" cap="flat" cmpd="sng" algn="ctr">
-                      <a:solidFill>
-                        <a:schemeClr val="tx2"/>
-                      </a:solidFill>
-                      <a:prstDash val="solid"/>
-                      <a:round/>
-                      <a:headEnd type="none" w="med" len="med"/>
-                      <a:tailEnd type="none" w="med" len="med"/>
-                    </a:lnB>
-                    <a:lnTlToBr w="12700" cmpd="sng">
-                      <a:noFill/>
-                      <a:prstDash val="solid"/>
-                    </a:lnTlToBr>
-                    <a:lnBlToTr w="12700" cmpd="sng">
-                      <a:noFill/>
-                      <a:prstDash val="solid"/>
-                    </a:lnBlToTr>
-                  </a:tcPr>
-                </a:tc>
-                <a:tc>
-                  <a:txBody>
-                    <a:bodyPr/>
-                    <a:lstStyle/>
-                    <a:p>
-                      <a:pPr algn="ctr"/>
-                      <a:r>
-                        <a:rPr lang="ru-RU" sz="1400" dirty="0" smtClean="0">
-                          <a:solidFill>
-                            <a:schemeClr val="tx1"/>
-                          </a:solidFill>
-                        </a:rPr>
-                        <a:t>1</a:t>
-                      </a:r>
-                      <a:endParaRPr lang="ru-RU" sz="1400" dirty="0">
-                        <a:solidFill>
-                          <a:schemeClr val="tx1"/>
-                        </a:solidFill>
-                      </a:endParaRPr>
-                    </a:p>
-                  </a:txBody>
-                  <a:tcPr>
-                    <a:lnL w="6350" cap="flat" cmpd="sng" algn="ctr">
-                      <a:solidFill>
-                        <a:schemeClr val="tx2"/>
-                      </a:solidFill>
-                      <a:prstDash val="solid"/>
-                      <a:round/>
-                      <a:headEnd type="none" w="med" len="med"/>
-                      <a:tailEnd type="none" w="med" len="med"/>
-                    </a:lnL>
-                    <a:lnR w="6350" cap="flat" cmpd="sng" algn="ctr">
-                      <a:solidFill>
-                        <a:schemeClr val="tx2"/>
-                      </a:solidFill>
-                      <a:prstDash val="solid"/>
-                      <a:round/>
-                      <a:headEnd type="none" w="med" len="med"/>
-                      <a:tailEnd type="none" w="med" len="med"/>
-                    </a:lnR>
-                    <a:lnT w="6350" cap="flat" cmpd="sng" algn="ctr">
-                      <a:solidFill>
-                        <a:schemeClr val="tx2"/>
-                      </a:solidFill>
-                      <a:prstDash val="solid"/>
-                      <a:round/>
-                      <a:headEnd type="none" w="med" len="med"/>
-                      <a:tailEnd type="none" w="med" len="med"/>
-                    </a:lnT>
-                    <a:lnB w="6350" cap="flat" cmpd="sng" algn="ctr">
-                      <a:solidFill>
-                        <a:schemeClr val="tx2"/>
-                      </a:solidFill>
-                      <a:prstDash val="solid"/>
-                      <a:round/>
-                      <a:headEnd type="none" w="med" len="med"/>
-                      <a:tailEnd type="none" w="med" len="med"/>
-                    </a:lnB>
-                    <a:lnTlToBr w="12700" cmpd="sng">
-                      <a:noFill/>
-                      <a:prstDash val="solid"/>
-                    </a:lnTlToBr>
-                    <a:lnBlToTr w="12700" cmpd="sng">
-                      <a:noFill/>
-                      <a:prstDash val="solid"/>
-                    </a:lnBlToTr>
-                  </a:tcPr>
-                </a:tc>
-                <a:tc>
-                  <a:txBody>
-                    <a:bodyPr/>
-                    <a:lstStyle/>
-                    <a:p>
-                      <a:pPr algn="ctr"/>
-                      <a:r>
-                        <a:rPr lang="ru-RU" sz="1400" dirty="0" smtClean="0">
-                          <a:solidFill>
-                            <a:schemeClr val="tx1"/>
-                          </a:solidFill>
-                        </a:rPr>
-                        <a:t>1</a:t>
-                      </a:r>
-                      <a:endParaRPr lang="ru-RU" sz="1400" dirty="0">
-                        <a:solidFill>
-                          <a:schemeClr val="tx1"/>
-                        </a:solidFill>
-                      </a:endParaRPr>
-                    </a:p>
-                  </a:txBody>
-                  <a:tcPr>
-                    <a:lnL w="6350" cap="flat" cmpd="sng" algn="ctr">
-                      <a:solidFill>
-                        <a:schemeClr val="tx2"/>
-                      </a:solidFill>
-                      <a:prstDash val="solid"/>
-                      <a:round/>
-                      <a:headEnd type="none" w="med" len="med"/>
-                      <a:tailEnd type="none" w="med" len="med"/>
-                    </a:lnL>
-                    <a:lnR w="6350" cap="flat" cmpd="sng" algn="ctr">
-                      <a:solidFill>
-                        <a:schemeClr val="tx2"/>
-                      </a:solidFill>
-                      <a:prstDash val="solid"/>
-                      <a:round/>
-                      <a:headEnd type="none" w="med" len="med"/>
-                      <a:tailEnd type="none" w="med" len="med"/>
-                    </a:lnR>
-                    <a:lnT w="6350" cap="flat" cmpd="sng" algn="ctr">
-                      <a:solidFill>
-                        <a:schemeClr val="tx2"/>
-                      </a:solidFill>
-                      <a:prstDash val="solid"/>
-                      <a:round/>
-                      <a:headEnd type="none" w="med" len="med"/>
-                      <a:tailEnd type="none" w="med" len="med"/>
-                    </a:lnT>
-                    <a:lnB w="6350" cap="flat" cmpd="sng" algn="ctr">
-                      <a:solidFill>
-                        <a:schemeClr val="tx2"/>
-                      </a:solidFill>
-                      <a:prstDash val="solid"/>
-                      <a:round/>
-                      <a:headEnd type="none" w="med" len="med"/>
-                      <a:tailEnd type="none" w="med" len="med"/>
-                    </a:lnB>
-                    <a:lnTlToBr w="12700" cmpd="sng">
-                      <a:noFill/>
-                      <a:prstDash val="solid"/>
-                    </a:lnTlToBr>
-                    <a:lnBlToTr w="12700" cmpd="sng">
-                      <a:noFill/>
-                      <a:prstDash val="solid"/>
-                    </a:lnBlToTr>
-                  </a:tcPr>
-                </a:tc>
-              </a:tr>
-              <a:tr h="202932">
-                <a:tc>
-                  <a:txBody>
-                    <a:bodyPr/>
-                    <a:lstStyle/>
-                    <a:p>
-                      <a:pPr algn="ctr"/>
-                      <a:r>
-                        <a:rPr lang="ru-RU" sz="1400" dirty="0" smtClean="0">
-                          <a:solidFill>
-                            <a:schemeClr val="tx1"/>
-                          </a:solidFill>
-                        </a:rPr>
-                        <a:t>0</a:t>
-                      </a:r>
-                      <a:endParaRPr lang="ru-RU" sz="1400" dirty="0">
-                        <a:solidFill>
-                          <a:schemeClr val="tx1"/>
-                        </a:solidFill>
-                      </a:endParaRPr>
-                    </a:p>
-                  </a:txBody>
-                  <a:tcPr>
-                    <a:lnL w="6350" cap="flat" cmpd="sng" algn="ctr">
-                      <a:solidFill>
-                        <a:schemeClr val="tx2"/>
-                      </a:solidFill>
-                      <a:prstDash val="solid"/>
-                      <a:round/>
-                      <a:headEnd type="none" w="med" len="med"/>
-                      <a:tailEnd type="none" w="med" len="med"/>
-                    </a:lnL>
-                    <a:lnR w="6350" cap="flat" cmpd="sng" algn="ctr">
-                      <a:solidFill>
-                        <a:schemeClr val="tx2"/>
-                      </a:solidFill>
-                      <a:prstDash val="solid"/>
-                      <a:round/>
-                      <a:headEnd type="none" w="med" len="med"/>
-                      <a:tailEnd type="none" w="med" len="med"/>
-                    </a:lnR>
-                    <a:lnT w="6350" cap="flat" cmpd="sng" algn="ctr">
-                      <a:solidFill>
-                        <a:schemeClr val="tx2"/>
-                      </a:solidFill>
-                      <a:prstDash val="solid"/>
-                      <a:round/>
-                      <a:headEnd type="none" w="med" len="med"/>
-                      <a:tailEnd type="none" w="med" len="med"/>
-                    </a:lnT>
-                    <a:lnB w="6350" cap="flat" cmpd="sng" algn="ctr">
-                      <a:solidFill>
-                        <a:schemeClr val="tx2"/>
-                      </a:solidFill>
-                      <a:prstDash val="solid"/>
-                      <a:round/>
-                      <a:headEnd type="none" w="med" len="med"/>
-                      <a:tailEnd type="none" w="med" len="med"/>
-                    </a:lnB>
-                    <a:lnTlToBr w="12700" cmpd="sng">
-                      <a:noFill/>
-                      <a:prstDash val="solid"/>
-                    </a:lnTlToBr>
-                    <a:lnBlToTr w="12700" cmpd="sng">
-                      <a:noFill/>
-                      <a:prstDash val="solid"/>
-                    </a:lnBlToTr>
-                  </a:tcPr>
-                </a:tc>
-                <a:tc>
-                  <a:txBody>
-                    <a:bodyPr/>
-                    <a:lstStyle/>
-                    <a:p>
-                      <a:pPr algn="ctr"/>
-                      <a:r>
-                        <a:rPr lang="ru-RU" sz="1400" dirty="0" smtClean="0">
-                          <a:solidFill>
-                            <a:schemeClr val="tx1"/>
-                          </a:solidFill>
-                        </a:rPr>
-                        <a:t>0</a:t>
-                      </a:r>
-                      <a:endParaRPr lang="ru-RU" sz="1400" dirty="0">
-                        <a:solidFill>
-                          <a:schemeClr val="tx1"/>
-                        </a:solidFill>
-                      </a:endParaRPr>
-                    </a:p>
-                  </a:txBody>
-                  <a:tcPr>
-                    <a:lnL w="6350" cap="flat" cmpd="sng" algn="ctr">
-                      <a:solidFill>
-                        <a:schemeClr val="tx2"/>
-                      </a:solidFill>
-                      <a:prstDash val="solid"/>
-                      <a:round/>
-                      <a:headEnd type="none" w="med" len="med"/>
-                      <a:tailEnd type="none" w="med" len="med"/>
-                    </a:lnL>
-                    <a:lnR w="6350" cap="flat" cmpd="sng" algn="ctr">
-                      <a:solidFill>
-                        <a:schemeClr val="tx2"/>
-                      </a:solidFill>
-                      <a:prstDash val="solid"/>
-                      <a:round/>
-                      <a:headEnd type="none" w="med" len="med"/>
-                      <a:tailEnd type="none" w="med" len="med"/>
-                    </a:lnR>
-                    <a:lnT w="6350" cap="flat" cmpd="sng" algn="ctr">
-                      <a:solidFill>
-                        <a:schemeClr val="tx2"/>
-                      </a:solidFill>
-                      <a:prstDash val="solid"/>
-                      <a:round/>
-                      <a:headEnd type="none" w="med" len="med"/>
-                      <a:tailEnd type="none" w="med" len="med"/>
-                    </a:lnT>
-                    <a:lnB w="6350" cap="flat" cmpd="sng" algn="ctr">
-                      <a:solidFill>
-                        <a:schemeClr val="tx2"/>
-                      </a:solidFill>
-                      <a:prstDash val="solid"/>
-                      <a:round/>
-                      <a:headEnd type="none" w="med" len="med"/>
-                      <a:tailEnd type="none" w="med" len="med"/>
-                    </a:lnB>
-                    <a:lnTlToBr w="12700" cmpd="sng">
-                      <a:noFill/>
-                      <a:prstDash val="solid"/>
-                    </a:lnTlToBr>
-                    <a:lnBlToTr w="12700" cmpd="sng">
-                      <a:noFill/>
-                      <a:prstDash val="solid"/>
-                    </a:lnBlToTr>
-                  </a:tcPr>
-                </a:tc>
-                <a:tc>
-                  <a:txBody>
-                    <a:bodyPr/>
-                    <a:lstStyle/>
-                    <a:p>
-                      <a:pPr algn="ctr"/>
-                      <a:r>
-                        <a:rPr lang="ru-RU" sz="1400" dirty="0" smtClean="0">
-                          <a:solidFill>
-                            <a:schemeClr val="tx1"/>
-                          </a:solidFill>
-                        </a:rPr>
-                        <a:t>0</a:t>
-                      </a:r>
-                      <a:endParaRPr lang="ru-RU" sz="1400" dirty="0">
-                        <a:solidFill>
-                          <a:schemeClr val="tx1"/>
-                        </a:solidFill>
-                      </a:endParaRPr>
-                    </a:p>
-                  </a:txBody>
-                  <a:tcPr>
-                    <a:lnL w="6350" cap="flat" cmpd="sng" algn="ctr">
-                      <a:solidFill>
-                        <a:schemeClr val="tx2"/>
-                      </a:solidFill>
-                      <a:prstDash val="solid"/>
-                      <a:round/>
-                      <a:headEnd type="none" w="med" len="med"/>
-                      <a:tailEnd type="none" w="med" len="med"/>
-                    </a:lnL>
-                    <a:lnR w="6350" cap="flat" cmpd="sng" algn="ctr">
-                      <a:solidFill>
-                        <a:schemeClr val="tx2"/>
-                      </a:solidFill>
-                      <a:prstDash val="solid"/>
-                      <a:round/>
-                      <a:headEnd type="none" w="med" len="med"/>
-                      <a:tailEnd type="none" w="med" len="med"/>
-                    </a:lnR>
-                    <a:lnT w="6350" cap="flat" cmpd="sng" algn="ctr">
-                      <a:solidFill>
-                        <a:schemeClr val="tx2"/>
-                      </a:solidFill>
-                      <a:prstDash val="solid"/>
-                      <a:round/>
-                      <a:headEnd type="none" w="med" len="med"/>
-                      <a:tailEnd type="none" w="med" len="med"/>
-                    </a:lnT>
-                    <a:lnB w="6350" cap="flat" cmpd="sng" algn="ctr">
-                      <a:solidFill>
-                        <a:schemeClr val="tx2"/>
-                      </a:solidFill>
-                      <a:prstDash val="solid"/>
-                      <a:round/>
-                      <a:headEnd type="none" w="med" len="med"/>
-                      <a:tailEnd type="none" w="med" len="med"/>
-                    </a:lnB>
-                    <a:lnTlToBr w="12700" cmpd="sng">
-                      <a:noFill/>
-                      <a:prstDash val="solid"/>
-                    </a:lnTlToBr>
-                    <a:lnBlToTr w="12700" cmpd="sng">
-                      <a:noFill/>
-                      <a:prstDash val="solid"/>
-                    </a:lnBlToTr>
-                  </a:tcPr>
-                </a:tc>
-                <a:tc>
-                  <a:txBody>
-                    <a:bodyPr/>
-                    <a:lstStyle/>
-                    <a:p>
-                      <a:pPr algn="ctr"/>
-                      <a:r>
-                        <a:rPr lang="ru-RU" sz="1400" dirty="0" smtClean="0">
-                          <a:solidFill>
-                            <a:schemeClr val="tx1"/>
-                          </a:solidFill>
-                        </a:rPr>
-                        <a:t>1</a:t>
-                      </a:r>
-                      <a:endParaRPr lang="ru-RU" sz="1400" dirty="0">
-                        <a:solidFill>
-                          <a:schemeClr val="tx1"/>
-                        </a:solidFill>
-                      </a:endParaRPr>
-                    </a:p>
-                  </a:txBody>
-                  <a:tcPr>
-                    <a:lnL w="6350" cap="flat" cmpd="sng" algn="ctr">
-                      <a:solidFill>
-                        <a:schemeClr val="tx2"/>
-                      </a:solidFill>
-                      <a:prstDash val="solid"/>
-                      <a:round/>
-                      <a:headEnd type="none" w="med" len="med"/>
-                      <a:tailEnd type="none" w="med" len="med"/>
-                    </a:lnL>
-                    <a:lnR w="6350" cap="flat" cmpd="sng" algn="ctr">
-                      <a:solidFill>
-                        <a:schemeClr val="tx2"/>
-                      </a:solidFill>
-                      <a:prstDash val="solid"/>
-                      <a:round/>
-                      <a:headEnd type="none" w="med" len="med"/>
-                      <a:tailEnd type="none" w="med" len="med"/>
-                    </a:lnR>
-                    <a:lnT w="6350" cap="flat" cmpd="sng" algn="ctr">
-                      <a:solidFill>
-                        <a:schemeClr val="tx2"/>
-                      </a:solidFill>
-                      <a:prstDash val="solid"/>
-                      <a:round/>
-                      <a:headEnd type="none" w="med" len="med"/>
-                      <a:tailEnd type="none" w="med" len="med"/>
-                    </a:lnT>
-                    <a:lnB w="6350" cap="flat" cmpd="sng" algn="ctr">
-                      <a:solidFill>
-                        <a:schemeClr val="tx2"/>
-                      </a:solidFill>
-                      <a:prstDash val="solid"/>
-                      <a:round/>
-                      <a:headEnd type="none" w="med" len="med"/>
-                      <a:tailEnd type="none" w="med" len="med"/>
-                    </a:lnB>
-                    <a:lnTlToBr w="12700" cmpd="sng">
-                      <a:noFill/>
-                      <a:prstDash val="solid"/>
-                    </a:lnTlToBr>
-                    <a:lnBlToTr w="12700" cmpd="sng">
-                      <a:noFill/>
-                      <a:prstDash val="solid"/>
-                    </a:lnBlToTr>
-                  </a:tcPr>
-                </a:tc>
-              </a:tr>
-              <a:tr h="202932">
-                <a:tc>
-                  <a:txBody>
-                    <a:bodyPr/>
-                    <a:lstStyle/>
-                    <a:p>
-                      <a:pPr algn="ctr"/>
-                      <a:r>
-                        <a:rPr lang="ru-RU" sz="1400" dirty="0" smtClean="0">
-                          <a:solidFill>
-                            <a:schemeClr val="tx1"/>
-                          </a:solidFill>
-                        </a:rPr>
-                        <a:t>0</a:t>
-                      </a:r>
-                      <a:endParaRPr lang="ru-RU" sz="1400" dirty="0">
-                        <a:solidFill>
-                          <a:schemeClr val="tx1"/>
-                        </a:solidFill>
-                      </a:endParaRPr>
-                    </a:p>
-                  </a:txBody>
-                  <a:tcPr>
-                    <a:lnL w="6350" cap="flat" cmpd="sng" algn="ctr">
-                      <a:solidFill>
-                        <a:schemeClr val="tx2"/>
-                      </a:solidFill>
-                      <a:prstDash val="solid"/>
-                      <a:round/>
-                      <a:headEnd type="none" w="med" len="med"/>
-                      <a:tailEnd type="none" w="med" len="med"/>
-                    </a:lnL>
-                    <a:lnR w="6350" cap="flat" cmpd="sng" algn="ctr">
-                      <a:solidFill>
-                        <a:schemeClr val="tx2"/>
-                      </a:solidFill>
-                      <a:prstDash val="solid"/>
-                      <a:round/>
-                      <a:headEnd type="none" w="med" len="med"/>
-                      <a:tailEnd type="none" w="med" len="med"/>
-                    </a:lnR>
-                    <a:lnT w="6350" cap="flat" cmpd="sng" algn="ctr">
-                      <a:solidFill>
-                        <a:schemeClr val="tx2"/>
-                      </a:solidFill>
-                      <a:prstDash val="solid"/>
-                      <a:round/>
-                      <a:headEnd type="none" w="med" len="med"/>
-                      <a:tailEnd type="none" w="med" len="med"/>
-                    </a:lnT>
-                    <a:lnB w="6350" cap="flat" cmpd="sng" algn="ctr">
-                      <a:solidFill>
-                        <a:schemeClr val="tx2"/>
-                      </a:solidFill>
-                      <a:prstDash val="solid"/>
-                      <a:round/>
-                      <a:headEnd type="none" w="med" len="med"/>
-                      <a:tailEnd type="none" w="med" len="med"/>
-                    </a:lnB>
-                    <a:lnTlToBr w="12700" cmpd="sng">
-                      <a:noFill/>
-                      <a:prstDash val="solid"/>
-                    </a:lnTlToBr>
-                    <a:lnBlToTr w="12700" cmpd="sng">
-                      <a:noFill/>
-                      <a:prstDash val="solid"/>
-                    </a:lnBlToTr>
-                  </a:tcPr>
-                </a:tc>
-                <a:tc>
-                  <a:txBody>
-                    <a:bodyPr/>
-                    <a:lstStyle/>
-                    <a:p>
-                      <a:pPr algn="ctr"/>
-                      <a:r>
-                        <a:rPr lang="ru-RU" sz="1400" dirty="0" smtClean="0">
-                          <a:solidFill>
-                            <a:schemeClr val="tx1"/>
-                          </a:solidFill>
-                        </a:rPr>
-                        <a:t>0</a:t>
-                      </a:r>
-                      <a:endParaRPr lang="ru-RU" sz="1400" dirty="0">
-                        <a:solidFill>
-                          <a:schemeClr val="tx1"/>
-                        </a:solidFill>
-                      </a:endParaRPr>
-                    </a:p>
-                  </a:txBody>
-                  <a:tcPr>
-                    <a:lnL w="6350" cap="flat" cmpd="sng" algn="ctr">
-                      <a:solidFill>
-                        <a:schemeClr val="tx2"/>
-                      </a:solidFill>
-                      <a:prstDash val="solid"/>
-                      <a:round/>
-                      <a:headEnd type="none" w="med" len="med"/>
-                      <a:tailEnd type="none" w="med" len="med"/>
-                    </a:lnL>
-                    <a:lnR w="6350" cap="flat" cmpd="sng" algn="ctr">
-                      <a:solidFill>
-                        <a:schemeClr val="tx2"/>
-                      </a:solidFill>
-                      <a:prstDash val="solid"/>
-                      <a:round/>
-                      <a:headEnd type="none" w="med" len="med"/>
-                      <a:tailEnd type="none" w="med" len="med"/>
-                    </a:lnR>
-                    <a:lnT w="6350" cap="flat" cmpd="sng" algn="ctr">
-                      <a:solidFill>
-                        <a:schemeClr val="tx2"/>
-                      </a:solidFill>
-                      <a:prstDash val="solid"/>
-                      <a:round/>
-                      <a:headEnd type="none" w="med" len="med"/>
-                      <a:tailEnd type="none" w="med" len="med"/>
-                    </a:lnT>
-                    <a:lnB w="6350" cap="flat" cmpd="sng" algn="ctr">
-                      <a:solidFill>
-                        <a:schemeClr val="tx2"/>
-                      </a:solidFill>
-                      <a:prstDash val="solid"/>
-                      <a:round/>
-                      <a:headEnd type="none" w="med" len="med"/>
-                      <a:tailEnd type="none" w="med" len="med"/>
-                    </a:lnB>
-                    <a:lnTlToBr w="12700" cmpd="sng">
-                      <a:noFill/>
-                      <a:prstDash val="solid"/>
-                    </a:lnTlToBr>
-                    <a:lnBlToTr w="12700" cmpd="sng">
-                      <a:noFill/>
-                      <a:prstDash val="solid"/>
-                    </a:lnBlToTr>
-                  </a:tcPr>
-                </a:tc>
-                <a:tc>
-                  <a:txBody>
-                    <a:bodyPr/>
-                    <a:lstStyle/>
-                    <a:p>
-                      <a:pPr algn="ctr"/>
-                      <a:r>
-                        <a:rPr lang="ru-RU" sz="1400" dirty="0" smtClean="0">
-                          <a:solidFill>
-                            <a:schemeClr val="tx1"/>
-                          </a:solidFill>
-                        </a:rPr>
-                        <a:t>1</a:t>
-                      </a:r>
-                      <a:endParaRPr lang="ru-RU" sz="1400" dirty="0">
-                        <a:solidFill>
-                          <a:schemeClr val="tx1"/>
-                        </a:solidFill>
-                      </a:endParaRPr>
-                    </a:p>
-                  </a:txBody>
-                  <a:tcPr>
-                    <a:lnL w="6350" cap="flat" cmpd="sng" algn="ctr">
-                      <a:solidFill>
-                        <a:schemeClr val="tx2"/>
-                      </a:solidFill>
-                      <a:prstDash val="solid"/>
-                      <a:round/>
-                      <a:headEnd type="none" w="med" len="med"/>
-                      <a:tailEnd type="none" w="med" len="med"/>
-                    </a:lnL>
-                    <a:lnR w="6350" cap="flat" cmpd="sng" algn="ctr">
-                      <a:solidFill>
-                        <a:schemeClr val="tx2"/>
-                      </a:solidFill>
-                      <a:prstDash val="solid"/>
-                      <a:round/>
-                      <a:headEnd type="none" w="med" len="med"/>
-                      <a:tailEnd type="none" w="med" len="med"/>
-                    </a:lnR>
-                    <a:lnT w="6350" cap="flat" cmpd="sng" algn="ctr">
-                      <a:solidFill>
-                        <a:schemeClr val="tx2"/>
-                      </a:solidFill>
-                      <a:prstDash val="solid"/>
-                      <a:round/>
-                      <a:headEnd type="none" w="med" len="med"/>
-                      <a:tailEnd type="none" w="med" len="med"/>
-                    </a:lnT>
-                    <a:lnB w="6350" cap="flat" cmpd="sng" algn="ctr">
-                      <a:solidFill>
-                        <a:schemeClr val="tx2"/>
-                      </a:solidFill>
-                      <a:prstDash val="solid"/>
-                      <a:round/>
-                      <a:headEnd type="none" w="med" len="med"/>
-                      <a:tailEnd type="none" w="med" len="med"/>
-                    </a:lnB>
-                    <a:lnTlToBr w="12700" cmpd="sng">
-                      <a:noFill/>
-                      <a:prstDash val="solid"/>
-                    </a:lnTlToBr>
-                    <a:lnBlToTr w="12700" cmpd="sng">
-                      <a:noFill/>
-                      <a:prstDash val="solid"/>
-                    </a:lnBlToTr>
-                  </a:tcPr>
-                </a:tc>
-                <a:tc>
-                  <a:txBody>
-                    <a:bodyPr/>
-                    <a:lstStyle/>
-                    <a:p>
-                      <a:pPr algn="ctr"/>
-                      <a:r>
-                        <a:rPr lang="ru-RU" sz="1400" dirty="0" smtClean="0">
-                          <a:solidFill>
-                            <a:schemeClr val="tx1"/>
-                          </a:solidFill>
-                        </a:rPr>
-                        <a:t>1</a:t>
-                      </a:r>
-                      <a:endParaRPr lang="ru-RU" sz="1400" dirty="0">
-                        <a:solidFill>
-                          <a:schemeClr val="tx1"/>
-                        </a:solidFill>
-                      </a:endParaRPr>
-                    </a:p>
-                  </a:txBody>
-                  <a:tcPr>
-                    <a:lnL w="6350" cap="flat" cmpd="sng" algn="ctr">
-                      <a:solidFill>
-                        <a:schemeClr val="tx2"/>
-                      </a:solidFill>
-                      <a:prstDash val="solid"/>
-                      <a:round/>
-                      <a:headEnd type="none" w="med" len="med"/>
-                      <a:tailEnd type="none" w="med" len="med"/>
-                    </a:lnL>
-                    <a:lnR w="6350" cap="flat" cmpd="sng" algn="ctr">
-                      <a:solidFill>
-                        <a:schemeClr val="tx2"/>
-                      </a:solidFill>
-                      <a:prstDash val="solid"/>
-                      <a:round/>
-                      <a:headEnd type="none" w="med" len="med"/>
-                      <a:tailEnd type="none" w="med" len="med"/>
-                    </a:lnR>
-                    <a:lnT w="6350" cap="flat" cmpd="sng" algn="ctr">
-                      <a:solidFill>
-                        <a:schemeClr val="tx2"/>
-                      </a:solidFill>
-                      <a:prstDash val="solid"/>
-                      <a:round/>
-                      <a:headEnd type="none" w="med" len="med"/>
-                      <a:tailEnd type="none" w="med" len="med"/>
-                    </a:lnT>
-                    <a:lnB w="6350" cap="flat" cmpd="sng" algn="ctr">
-                      <a:solidFill>
-                        <a:schemeClr val="tx2"/>
-                      </a:solidFill>
-                      <a:prstDash val="solid"/>
-                      <a:round/>
-                      <a:headEnd type="none" w="med" len="med"/>
-                      <a:tailEnd type="none" w="med" len="med"/>
-                    </a:lnB>
-                    <a:lnTlToBr w="12700" cmpd="sng">
-                      <a:noFill/>
-                      <a:prstDash val="solid"/>
-                    </a:lnTlToBr>
-                    <a:lnBlToTr w="12700" cmpd="sng">
-                      <a:noFill/>
-                      <a:prstDash val="solid"/>
-                    </a:lnBlToTr>
-                  </a:tcPr>
-                </a:tc>
-              </a:tr>
-              <a:tr h="202932">
-                <a:tc>
-                  <a:txBody>
-                    <a:bodyPr/>
-                    <a:lstStyle/>
-                    <a:p>
-                      <a:pPr algn="ctr"/>
-                      <a:r>
-                        <a:rPr lang="ru-RU" sz="1400" dirty="0" smtClean="0">
-                          <a:solidFill>
-                            <a:schemeClr val="tx1"/>
-                          </a:solidFill>
-                        </a:rPr>
-                        <a:t>0</a:t>
-                      </a:r>
-                      <a:endParaRPr lang="ru-RU" sz="1400" dirty="0">
-                        <a:solidFill>
-                          <a:schemeClr val="tx1"/>
-                        </a:solidFill>
-                      </a:endParaRPr>
-                    </a:p>
-                  </a:txBody>
-                  <a:tcPr>
-                    <a:lnL w="6350" cap="flat" cmpd="sng" algn="ctr">
-                      <a:solidFill>
-                        <a:schemeClr val="tx2"/>
-                      </a:solidFill>
-                      <a:prstDash val="solid"/>
-                      <a:round/>
-                      <a:headEnd type="none" w="med" len="med"/>
-                      <a:tailEnd type="none" w="med" len="med"/>
-                    </a:lnL>
-                    <a:lnR w="6350" cap="flat" cmpd="sng" algn="ctr">
-                      <a:solidFill>
-                        <a:schemeClr val="tx2"/>
-                      </a:solidFill>
-                      <a:prstDash val="solid"/>
-                      <a:round/>
-                      <a:headEnd type="none" w="med" len="med"/>
-                      <a:tailEnd type="none" w="med" len="med"/>
-                    </a:lnR>
-                    <a:lnT w="6350" cap="flat" cmpd="sng" algn="ctr">
-                      <a:solidFill>
-                        <a:schemeClr val="tx2"/>
-                      </a:solidFill>
-                      <a:prstDash val="solid"/>
-                      <a:round/>
-                      <a:headEnd type="none" w="med" len="med"/>
-                      <a:tailEnd type="none" w="med" len="med"/>
-                    </a:lnT>
-                    <a:lnB w="6350" cap="flat" cmpd="sng" algn="ctr">
-                      <a:solidFill>
-                        <a:schemeClr val="tx2"/>
-                      </a:solidFill>
-                      <a:prstDash val="solid"/>
-                      <a:round/>
-                      <a:headEnd type="none" w="med" len="med"/>
-                      <a:tailEnd type="none" w="med" len="med"/>
-                    </a:lnB>
-                    <a:lnTlToBr w="12700" cmpd="sng">
-                      <a:noFill/>
-                      <a:prstDash val="solid"/>
-                    </a:lnTlToBr>
-                    <a:lnBlToTr w="12700" cmpd="sng">
-                      <a:noFill/>
-                      <a:prstDash val="solid"/>
-                    </a:lnBlToTr>
-                  </a:tcPr>
-                </a:tc>
-                <a:tc>
-                  <a:txBody>
-                    <a:bodyPr/>
-                    <a:lstStyle/>
-                    <a:p>
-                      <a:pPr algn="ctr"/>
-                      <a:r>
-                        <a:rPr lang="ru-RU" sz="1400" dirty="0" smtClean="0">
-                          <a:solidFill>
-                            <a:schemeClr val="tx1"/>
-                          </a:solidFill>
-                        </a:rPr>
-                        <a:t>0</a:t>
-                      </a:r>
-                      <a:endParaRPr lang="ru-RU" sz="1400" dirty="0">
-                        <a:solidFill>
-                          <a:schemeClr val="tx1"/>
-                        </a:solidFill>
-                      </a:endParaRPr>
-                    </a:p>
-                  </a:txBody>
-                  <a:tcPr>
-                    <a:lnL w="6350" cap="flat" cmpd="sng" algn="ctr">
-                      <a:solidFill>
-                        <a:schemeClr val="tx2"/>
-                      </a:solidFill>
-                      <a:prstDash val="solid"/>
-                      <a:round/>
-                      <a:headEnd type="none" w="med" len="med"/>
-                      <a:tailEnd type="none" w="med" len="med"/>
-                    </a:lnL>
-                    <a:lnR w="6350" cap="flat" cmpd="sng" algn="ctr">
-                      <a:solidFill>
-                        <a:schemeClr val="tx2"/>
-                      </a:solidFill>
-                      <a:prstDash val="solid"/>
-                      <a:round/>
-                      <a:headEnd type="none" w="med" len="med"/>
-                      <a:tailEnd type="none" w="med" len="med"/>
-                    </a:lnR>
-                    <a:lnT w="6350" cap="flat" cmpd="sng" algn="ctr">
-                      <a:solidFill>
-                        <a:schemeClr val="tx2"/>
-                      </a:solidFill>
-                      <a:prstDash val="solid"/>
-                      <a:round/>
-                      <a:headEnd type="none" w="med" len="med"/>
-                      <a:tailEnd type="none" w="med" len="med"/>
-                    </a:lnT>
-                    <a:lnB w="6350" cap="flat" cmpd="sng" algn="ctr">
-                      <a:solidFill>
-                        <a:schemeClr val="tx2"/>
-                      </a:solidFill>
-                      <a:prstDash val="solid"/>
-                      <a:round/>
-                      <a:headEnd type="none" w="med" len="med"/>
-                      <a:tailEnd type="none" w="med" len="med"/>
-                    </a:lnB>
-                    <a:lnTlToBr w="12700" cmpd="sng">
-                      <a:noFill/>
-                      <a:prstDash val="solid"/>
-                    </a:lnTlToBr>
-                    <a:lnBlToTr w="12700" cmpd="sng">
-                      <a:noFill/>
-                      <a:prstDash val="solid"/>
-                    </a:lnBlToTr>
-                  </a:tcPr>
-                </a:tc>
-                <a:tc>
-                  <a:txBody>
-                    <a:bodyPr/>
-                    <a:lstStyle/>
-                    <a:p>
-                      <a:pPr algn="ctr"/>
-                      <a:r>
-                        <a:rPr lang="ru-RU" sz="1400" dirty="0" smtClean="0">
-                          <a:solidFill>
-                            <a:schemeClr val="tx1"/>
-                          </a:solidFill>
-                        </a:rPr>
-                        <a:t>1</a:t>
-                      </a:r>
-                      <a:endParaRPr lang="ru-RU" sz="1400" dirty="0">
-                        <a:solidFill>
-                          <a:schemeClr val="tx1"/>
-                        </a:solidFill>
-                      </a:endParaRPr>
-                    </a:p>
-                  </a:txBody>
-                  <a:tcPr>
-                    <a:lnL w="6350" cap="flat" cmpd="sng" algn="ctr">
-                      <a:solidFill>
-                        <a:schemeClr val="tx2"/>
-                      </a:solidFill>
-                      <a:prstDash val="solid"/>
-                      <a:round/>
-                      <a:headEnd type="none" w="med" len="med"/>
-                      <a:tailEnd type="none" w="med" len="med"/>
-                    </a:lnL>
-                    <a:lnR w="6350" cap="flat" cmpd="sng" algn="ctr">
-                      <a:solidFill>
-                        <a:schemeClr val="tx2"/>
-                      </a:solidFill>
-                      <a:prstDash val="solid"/>
-                      <a:round/>
-                      <a:headEnd type="none" w="med" len="med"/>
-                      <a:tailEnd type="none" w="med" len="med"/>
-                    </a:lnR>
-                    <a:lnT w="6350" cap="flat" cmpd="sng" algn="ctr">
-                      <a:solidFill>
-                        <a:schemeClr val="tx2"/>
-                      </a:solidFill>
-                      <a:prstDash val="solid"/>
-                      <a:round/>
-                      <a:headEnd type="none" w="med" len="med"/>
-                      <a:tailEnd type="none" w="med" len="med"/>
-                    </a:lnT>
-                    <a:lnB w="6350" cap="flat" cmpd="sng" algn="ctr">
-                      <a:solidFill>
-                        <a:schemeClr val="tx2"/>
-                      </a:solidFill>
-                      <a:prstDash val="solid"/>
-                      <a:round/>
-                      <a:headEnd type="none" w="med" len="med"/>
-                      <a:tailEnd type="none" w="med" len="med"/>
-                    </a:lnB>
-                    <a:lnTlToBr w="12700" cmpd="sng">
-                      <a:noFill/>
-                      <a:prstDash val="solid"/>
-                    </a:lnTlToBr>
-                    <a:lnBlToTr w="12700" cmpd="sng">
-                      <a:noFill/>
-                      <a:prstDash val="solid"/>
-                    </a:lnBlToTr>
-                  </a:tcPr>
-                </a:tc>
-                <a:tc>
-                  <a:txBody>
-                    <a:bodyPr/>
-                    <a:lstStyle/>
-                    <a:p>
-                      <a:pPr algn="ctr"/>
-                      <a:r>
-                        <a:rPr lang="ru-RU" sz="1400" dirty="0" smtClean="0">
-                          <a:solidFill>
-                            <a:schemeClr val="tx1"/>
-                          </a:solidFill>
-                        </a:rPr>
-                        <a:t>0</a:t>
-                      </a:r>
-                      <a:endParaRPr lang="ru-RU" sz="1400" dirty="0">
-                        <a:solidFill>
-                          <a:schemeClr val="tx1"/>
-                        </a:solidFill>
-                      </a:endParaRPr>
-                    </a:p>
-                  </a:txBody>
-                  <a:tcPr>
-                    <a:lnL w="6350" cap="flat" cmpd="sng" algn="ctr">
-                      <a:solidFill>
-                        <a:schemeClr val="tx2"/>
-                      </a:solidFill>
-                      <a:prstDash val="solid"/>
-                      <a:round/>
-                      <a:headEnd type="none" w="med" len="med"/>
-                      <a:tailEnd type="none" w="med" len="med"/>
-                    </a:lnL>
-                    <a:lnR w="6350" cap="flat" cmpd="sng" algn="ctr">
-                      <a:solidFill>
-                        <a:schemeClr val="tx2"/>
-                      </a:solidFill>
-                      <a:prstDash val="solid"/>
-                      <a:round/>
-                      <a:headEnd type="none" w="med" len="med"/>
-                      <a:tailEnd type="none" w="med" len="med"/>
-                    </a:lnR>
-                    <a:lnT w="6350" cap="flat" cmpd="sng" algn="ctr">
-                      <a:solidFill>
-                        <a:schemeClr val="tx2"/>
-                      </a:solidFill>
-                      <a:prstDash val="solid"/>
-                      <a:round/>
-                      <a:headEnd type="none" w="med" len="med"/>
-                      <a:tailEnd type="none" w="med" len="med"/>
-                    </a:lnT>
-                    <a:lnB w="6350" cap="flat" cmpd="sng" algn="ctr">
-                      <a:solidFill>
-                        <a:schemeClr val="tx2"/>
-                      </a:solidFill>
-                      <a:prstDash val="solid"/>
-                      <a:round/>
-                      <a:headEnd type="none" w="med" len="med"/>
-                      <a:tailEnd type="none" w="med" len="med"/>
-                    </a:lnB>
-                    <a:lnTlToBr w="12700" cmpd="sng">
-                      <a:noFill/>
-                      <a:prstDash val="solid"/>
-                    </a:lnTlToBr>
-                    <a:lnBlToTr w="12700" cmpd="sng">
-                      <a:noFill/>
-                      <a:prstDash val="solid"/>
-                    </a:lnBlToTr>
-                  </a:tcPr>
-                </a:tc>
-              </a:tr>
-              <a:tr h="202932">
-                <a:tc>
-                  <a:txBody>
-                    <a:bodyPr/>
-                    <a:lstStyle/>
-                    <a:p>
-                      <a:pPr algn="ctr"/>
-                      <a:r>
-                        <a:rPr lang="ru-RU" sz="1400" dirty="0" smtClean="0">
-                          <a:solidFill>
-                            <a:schemeClr val="tx1"/>
-                          </a:solidFill>
-                        </a:rPr>
-                        <a:t>1</a:t>
-                      </a:r>
-                      <a:endParaRPr lang="ru-RU" sz="1400" dirty="0">
-                        <a:solidFill>
-                          <a:schemeClr val="tx1"/>
-                        </a:solidFill>
-                      </a:endParaRPr>
-                    </a:p>
-                  </a:txBody>
-                  <a:tcPr>
-                    <a:lnL w="6350" cap="flat" cmpd="sng" algn="ctr">
-                      <a:solidFill>
-                        <a:schemeClr val="tx2"/>
-                      </a:solidFill>
-                      <a:prstDash val="solid"/>
-                      <a:round/>
-                      <a:headEnd type="none" w="med" len="med"/>
-                      <a:tailEnd type="none" w="med" len="med"/>
-                    </a:lnL>
-                    <a:lnR w="6350" cap="flat" cmpd="sng" algn="ctr">
-                      <a:solidFill>
-                        <a:schemeClr val="tx2"/>
-                      </a:solidFill>
-                      <a:prstDash val="solid"/>
-                      <a:round/>
-                      <a:headEnd type="none" w="med" len="med"/>
-                      <a:tailEnd type="none" w="med" len="med"/>
-                    </a:lnR>
-                    <a:lnT w="6350" cap="flat" cmpd="sng" algn="ctr">
-                      <a:solidFill>
-                        <a:schemeClr val="tx2"/>
-                      </a:solidFill>
-                      <a:prstDash val="solid"/>
-                      <a:round/>
-                      <a:headEnd type="none" w="med" len="med"/>
-                      <a:tailEnd type="none" w="med" len="med"/>
-                    </a:lnT>
-                    <a:lnB w="6350" cap="flat" cmpd="sng" algn="ctr">
-                      <a:solidFill>
-                        <a:schemeClr val="tx2"/>
-                      </a:solidFill>
-                      <a:prstDash val="solid"/>
-                      <a:round/>
-                      <a:headEnd type="none" w="med" len="med"/>
-                      <a:tailEnd type="none" w="med" len="med"/>
-                    </a:lnB>
-                    <a:lnTlToBr w="12700" cmpd="sng">
-                      <a:noFill/>
-                      <a:prstDash val="solid"/>
-                    </a:lnTlToBr>
-                    <a:lnBlToTr w="12700" cmpd="sng">
-                      <a:noFill/>
-                      <a:prstDash val="solid"/>
-                    </a:lnBlToTr>
-                  </a:tcPr>
-                </a:tc>
-                <a:tc>
-                  <a:txBody>
-                    <a:bodyPr/>
-                    <a:lstStyle/>
-                    <a:p>
-                      <a:pPr algn="ctr"/>
-                      <a:r>
-                        <a:rPr lang="ru-RU" sz="1400" dirty="0" smtClean="0">
-                          <a:solidFill>
-                            <a:schemeClr val="tx1"/>
-                          </a:solidFill>
-                        </a:rPr>
-                        <a:t>0</a:t>
-                      </a:r>
-                      <a:endParaRPr lang="ru-RU" sz="1400" dirty="0">
-                        <a:solidFill>
-                          <a:schemeClr val="tx1"/>
-                        </a:solidFill>
-                      </a:endParaRPr>
-                    </a:p>
-                  </a:txBody>
-                  <a:tcPr>
-                    <a:lnL w="6350" cap="flat" cmpd="sng" algn="ctr">
-                      <a:solidFill>
-                        <a:schemeClr val="tx2"/>
-                      </a:solidFill>
-                      <a:prstDash val="solid"/>
-                      <a:round/>
-                      <a:headEnd type="none" w="med" len="med"/>
-                      <a:tailEnd type="none" w="med" len="med"/>
-                    </a:lnL>
-                    <a:lnR w="6350" cap="flat" cmpd="sng" algn="ctr">
-                      <a:solidFill>
-                        <a:schemeClr val="tx2"/>
-                      </a:solidFill>
-                      <a:prstDash val="solid"/>
-                      <a:round/>
-                      <a:headEnd type="none" w="med" len="med"/>
-                      <a:tailEnd type="none" w="med" len="med"/>
-                    </a:lnR>
-                    <a:lnT w="6350" cap="flat" cmpd="sng" algn="ctr">
-                      <a:solidFill>
-                        <a:schemeClr val="tx2"/>
-                      </a:solidFill>
-                      <a:prstDash val="solid"/>
-                      <a:round/>
-                      <a:headEnd type="none" w="med" len="med"/>
-                      <a:tailEnd type="none" w="med" len="med"/>
-                    </a:lnT>
-                    <a:lnB w="6350" cap="flat" cmpd="sng" algn="ctr">
-                      <a:solidFill>
-                        <a:schemeClr val="tx2"/>
-                      </a:solidFill>
-                      <a:prstDash val="solid"/>
-                      <a:round/>
-                      <a:headEnd type="none" w="med" len="med"/>
-                      <a:tailEnd type="none" w="med" len="med"/>
-                    </a:lnB>
-                    <a:lnTlToBr w="12700" cmpd="sng">
-                      <a:noFill/>
-                      <a:prstDash val="solid"/>
-                    </a:lnTlToBr>
-                    <a:lnBlToTr w="12700" cmpd="sng">
-                      <a:noFill/>
-                      <a:prstDash val="solid"/>
-                    </a:lnBlToTr>
-                  </a:tcPr>
-                </a:tc>
-                <a:tc>
-                  <a:txBody>
-                    <a:bodyPr/>
-                    <a:lstStyle/>
-                    <a:p>
-                      <a:pPr algn="ctr"/>
-                      <a:r>
-                        <a:rPr lang="ru-RU" sz="1400" dirty="0" smtClean="0">
-                          <a:solidFill>
-                            <a:schemeClr val="tx1"/>
-                          </a:solidFill>
-                        </a:rPr>
-                        <a:t>1</a:t>
-                      </a:r>
-                      <a:endParaRPr lang="ru-RU" sz="1400" dirty="0">
-                        <a:solidFill>
-                          <a:schemeClr val="tx1"/>
-                        </a:solidFill>
-                      </a:endParaRPr>
-                    </a:p>
-                  </a:txBody>
-                  <a:tcPr>
-                    <a:lnL w="6350" cap="flat" cmpd="sng" algn="ctr">
-                      <a:solidFill>
-                        <a:schemeClr val="tx2"/>
-                      </a:solidFill>
-                      <a:prstDash val="solid"/>
-                      <a:round/>
-                      <a:headEnd type="none" w="med" len="med"/>
-                      <a:tailEnd type="none" w="med" len="med"/>
-                    </a:lnL>
-                    <a:lnR w="6350" cap="flat" cmpd="sng" algn="ctr">
-                      <a:solidFill>
-                        <a:schemeClr val="tx2"/>
-                      </a:solidFill>
-                      <a:prstDash val="solid"/>
-                      <a:round/>
-                      <a:headEnd type="none" w="med" len="med"/>
-                      <a:tailEnd type="none" w="med" len="med"/>
-                    </a:lnR>
-                    <a:lnT w="6350" cap="flat" cmpd="sng" algn="ctr">
-                      <a:solidFill>
-                        <a:schemeClr val="tx2"/>
-                      </a:solidFill>
-                      <a:prstDash val="solid"/>
-                      <a:round/>
-                      <a:headEnd type="none" w="med" len="med"/>
-                      <a:tailEnd type="none" w="med" len="med"/>
-                    </a:lnT>
-                    <a:lnB w="6350" cap="flat" cmpd="sng" algn="ctr">
-                      <a:solidFill>
-                        <a:schemeClr val="tx2"/>
-                      </a:solidFill>
-                      <a:prstDash val="solid"/>
-                      <a:round/>
-                      <a:headEnd type="none" w="med" len="med"/>
-                      <a:tailEnd type="none" w="med" len="med"/>
-                    </a:lnB>
-                    <a:lnTlToBr w="12700" cmpd="sng">
-                      <a:noFill/>
-                      <a:prstDash val="solid"/>
-                    </a:lnTlToBr>
-                    <a:lnBlToTr w="12700" cmpd="sng">
-                      <a:noFill/>
-                      <a:prstDash val="solid"/>
-                    </a:lnBlToTr>
-                  </a:tcPr>
-                </a:tc>
-                <a:tc>
-                  <a:txBody>
-                    <a:bodyPr/>
-                    <a:lstStyle/>
-                    <a:p>
-                      <a:pPr algn="ctr"/>
-                      <a:r>
-                        <a:rPr lang="ru-RU" sz="1400" dirty="0" smtClean="0">
-                          <a:solidFill>
-                            <a:schemeClr val="tx1"/>
-                          </a:solidFill>
-                        </a:rPr>
-                        <a:t>0</a:t>
-                      </a:r>
-                      <a:endParaRPr lang="ru-RU" sz="1400" dirty="0">
-                        <a:solidFill>
-                          <a:schemeClr val="tx1"/>
-                        </a:solidFill>
-                      </a:endParaRPr>
-                    </a:p>
-                  </a:txBody>
-                  <a:tcPr>
-                    <a:lnL w="6350" cap="flat" cmpd="sng" algn="ctr">
-                      <a:solidFill>
-                        <a:schemeClr val="tx2"/>
-                      </a:solidFill>
-                      <a:prstDash val="solid"/>
-                      <a:round/>
-                      <a:headEnd type="none" w="med" len="med"/>
-                      <a:tailEnd type="none" w="med" len="med"/>
-                    </a:lnL>
-                    <a:lnR w="6350" cap="flat" cmpd="sng" algn="ctr">
-                      <a:solidFill>
-                        <a:schemeClr val="tx2"/>
-                      </a:solidFill>
-                      <a:prstDash val="solid"/>
-                      <a:round/>
-                      <a:headEnd type="none" w="med" len="med"/>
-                      <a:tailEnd type="none" w="med" len="med"/>
-                    </a:lnR>
-                    <a:lnT w="6350" cap="flat" cmpd="sng" algn="ctr">
-                      <a:solidFill>
-                        <a:schemeClr val="tx2"/>
-                      </a:solidFill>
-                      <a:prstDash val="solid"/>
-                      <a:round/>
-                      <a:headEnd type="none" w="med" len="med"/>
-                      <a:tailEnd type="none" w="med" len="med"/>
-                    </a:lnT>
-                    <a:lnB w="6350" cap="flat" cmpd="sng" algn="ctr">
-                      <a:solidFill>
-                        <a:schemeClr val="tx2"/>
-                      </a:solidFill>
-                      <a:prstDash val="solid"/>
-                      <a:round/>
-                      <a:headEnd type="none" w="med" len="med"/>
-                      <a:tailEnd type="none" w="med" len="med"/>
-                    </a:lnB>
-                    <a:lnTlToBr w="12700" cmpd="sng">
-                      <a:noFill/>
-                      <a:prstDash val="solid"/>
-                    </a:lnTlToBr>
-                    <a:lnBlToTr w="12700" cmpd="sng">
-                      <a:noFill/>
-                      <a:prstDash val="solid"/>
-                    </a:lnBlToTr>
-                  </a:tcPr>
-                </a:tc>
-              </a:tr>
-              <a:tr h="202932">
-                <a:tc>
-                  <a:txBody>
-                    <a:bodyPr/>
-                    <a:lstStyle/>
-                    <a:p>
-                      <a:pPr algn="ctr"/>
-                      <a:r>
-                        <a:rPr lang="ru-RU" sz="1400" dirty="0" smtClean="0">
-                          <a:solidFill>
-                            <a:schemeClr val="tx1"/>
-                          </a:solidFill>
-                        </a:rPr>
-                        <a:t>0</a:t>
-                      </a:r>
-                      <a:endParaRPr lang="ru-RU" sz="1400" dirty="0">
-                        <a:solidFill>
-                          <a:schemeClr val="tx1"/>
-                        </a:solidFill>
-                      </a:endParaRPr>
-                    </a:p>
-                  </a:txBody>
-                  <a:tcPr>
-                    <a:lnL w="6350" cap="flat" cmpd="sng" algn="ctr">
-                      <a:solidFill>
-                        <a:schemeClr val="tx2"/>
-                      </a:solidFill>
-                      <a:prstDash val="solid"/>
-                      <a:round/>
-                      <a:headEnd type="none" w="med" len="med"/>
-                      <a:tailEnd type="none" w="med" len="med"/>
-                    </a:lnL>
-                    <a:lnR w="6350" cap="flat" cmpd="sng" algn="ctr">
-                      <a:solidFill>
-                        <a:schemeClr val="tx2"/>
-                      </a:solidFill>
-                      <a:prstDash val="solid"/>
-                      <a:round/>
-                      <a:headEnd type="none" w="med" len="med"/>
-                      <a:tailEnd type="none" w="med" len="med"/>
-                    </a:lnR>
-                    <a:lnT w="6350" cap="flat" cmpd="sng" algn="ctr">
-                      <a:solidFill>
-                        <a:schemeClr val="tx2"/>
-                      </a:solidFill>
-                      <a:prstDash val="solid"/>
-                      <a:round/>
-                      <a:headEnd type="none" w="med" len="med"/>
-                      <a:tailEnd type="none" w="med" len="med"/>
-                    </a:lnT>
-                    <a:lnB w="6350" cap="flat" cmpd="sng" algn="ctr">
-                      <a:solidFill>
-                        <a:schemeClr val="tx2"/>
-                      </a:solidFill>
-                      <a:prstDash val="solid"/>
-                      <a:round/>
-                      <a:headEnd type="none" w="med" len="med"/>
-                      <a:tailEnd type="none" w="med" len="med"/>
-                    </a:lnB>
-                    <a:lnTlToBr w="12700" cmpd="sng">
-                      <a:noFill/>
-                      <a:prstDash val="solid"/>
-                    </a:lnTlToBr>
-                    <a:lnBlToTr w="12700" cmpd="sng">
-                      <a:noFill/>
-                      <a:prstDash val="solid"/>
-                    </a:lnBlToTr>
-                  </a:tcPr>
-                </a:tc>
-                <a:tc>
-                  <a:txBody>
-                    <a:bodyPr/>
-                    <a:lstStyle/>
-                    <a:p>
-                      <a:pPr algn="ctr"/>
-                      <a:r>
-                        <a:rPr lang="ru-RU" sz="1400" dirty="0" smtClean="0">
-                          <a:solidFill>
-                            <a:schemeClr val="tx1"/>
-                          </a:solidFill>
-                        </a:rPr>
-                        <a:t>0</a:t>
-                      </a:r>
-                      <a:endParaRPr lang="ru-RU" sz="1400" dirty="0">
-                        <a:solidFill>
-                          <a:schemeClr val="tx1"/>
-                        </a:solidFill>
-                      </a:endParaRPr>
-                    </a:p>
-                  </a:txBody>
-                  <a:tcPr>
-                    <a:lnL w="6350" cap="flat" cmpd="sng" algn="ctr">
-                      <a:solidFill>
-                        <a:schemeClr val="tx2"/>
-                      </a:solidFill>
-                      <a:prstDash val="solid"/>
-                      <a:round/>
-                      <a:headEnd type="none" w="med" len="med"/>
-                      <a:tailEnd type="none" w="med" len="med"/>
-                    </a:lnL>
-                    <a:lnR w="6350" cap="flat" cmpd="sng" algn="ctr">
-                      <a:solidFill>
-                        <a:schemeClr val="tx2"/>
-                      </a:solidFill>
-                      <a:prstDash val="solid"/>
-                      <a:round/>
-                      <a:headEnd type="none" w="med" len="med"/>
-                      <a:tailEnd type="none" w="med" len="med"/>
-                    </a:lnR>
-                    <a:lnT w="6350" cap="flat" cmpd="sng" algn="ctr">
-                      <a:solidFill>
-                        <a:schemeClr val="tx2"/>
-                      </a:solidFill>
-                      <a:prstDash val="solid"/>
-                      <a:round/>
-                      <a:headEnd type="none" w="med" len="med"/>
-                      <a:tailEnd type="none" w="med" len="med"/>
-                    </a:lnT>
-                    <a:lnB w="6350" cap="flat" cmpd="sng" algn="ctr">
-                      <a:solidFill>
-                        <a:schemeClr val="tx2"/>
-                      </a:solidFill>
-                      <a:prstDash val="solid"/>
-                      <a:round/>
-                      <a:headEnd type="none" w="med" len="med"/>
-                      <a:tailEnd type="none" w="med" len="med"/>
-                    </a:lnB>
-                    <a:lnTlToBr w="12700" cmpd="sng">
-                      <a:noFill/>
-                      <a:prstDash val="solid"/>
-                    </a:lnTlToBr>
-                    <a:lnBlToTr w="12700" cmpd="sng">
-                      <a:noFill/>
-                      <a:prstDash val="solid"/>
-                    </a:lnBlToTr>
-                  </a:tcPr>
-                </a:tc>
-                <a:tc>
-                  <a:txBody>
-                    <a:bodyPr/>
-                    <a:lstStyle/>
-                    <a:p>
-                      <a:pPr algn="ctr"/>
-                      <a:r>
-                        <a:rPr lang="ru-RU" sz="1400" dirty="0" smtClean="0">
-                          <a:solidFill>
-                            <a:schemeClr val="tx1"/>
-                          </a:solidFill>
-                        </a:rPr>
-                        <a:t>0</a:t>
-                      </a:r>
-                      <a:endParaRPr lang="ru-RU" sz="1400" dirty="0">
-                        <a:solidFill>
-                          <a:schemeClr val="tx1"/>
-                        </a:solidFill>
-                      </a:endParaRPr>
-                    </a:p>
-                  </a:txBody>
-                  <a:tcPr>
-                    <a:lnL w="6350" cap="flat" cmpd="sng" algn="ctr">
-                      <a:solidFill>
-                        <a:schemeClr val="tx2"/>
-                      </a:solidFill>
-                      <a:prstDash val="solid"/>
-                      <a:round/>
-                      <a:headEnd type="none" w="med" len="med"/>
-                      <a:tailEnd type="none" w="med" len="med"/>
-                    </a:lnL>
-                    <a:lnR w="6350" cap="flat" cmpd="sng" algn="ctr">
-                      <a:solidFill>
-                        <a:schemeClr val="tx2"/>
-                      </a:solidFill>
-                      <a:prstDash val="solid"/>
-                      <a:round/>
-                      <a:headEnd type="none" w="med" len="med"/>
-                      <a:tailEnd type="none" w="med" len="med"/>
-                    </a:lnR>
-                    <a:lnT w="6350" cap="flat" cmpd="sng" algn="ctr">
-                      <a:solidFill>
-                        <a:schemeClr val="tx2"/>
-                      </a:solidFill>
-                      <a:prstDash val="solid"/>
-                      <a:round/>
-                      <a:headEnd type="none" w="med" len="med"/>
-                      <a:tailEnd type="none" w="med" len="med"/>
-                    </a:lnT>
-                    <a:lnB w="6350" cap="flat" cmpd="sng" algn="ctr">
-                      <a:solidFill>
-                        <a:schemeClr val="tx2"/>
-                      </a:solidFill>
-                      <a:prstDash val="solid"/>
-                      <a:round/>
-                      <a:headEnd type="none" w="med" len="med"/>
-                      <a:tailEnd type="none" w="med" len="med"/>
-                    </a:lnB>
-                    <a:lnTlToBr w="12700" cmpd="sng">
-                      <a:noFill/>
-                      <a:prstDash val="solid"/>
-                    </a:lnTlToBr>
-                    <a:lnBlToTr w="12700" cmpd="sng">
-                      <a:noFill/>
-                      <a:prstDash val="solid"/>
-                    </a:lnBlToTr>
-                  </a:tcPr>
-                </a:tc>
-                <a:tc>
-                  <a:txBody>
-                    <a:bodyPr/>
-                    <a:lstStyle/>
-                    <a:p>
-                      <a:pPr algn="ctr"/>
-                      <a:r>
-                        <a:rPr lang="ru-RU" sz="1400" dirty="0" smtClean="0">
-                          <a:solidFill>
-                            <a:schemeClr val="tx1"/>
-                          </a:solidFill>
-                        </a:rPr>
-                        <a:t>1</a:t>
-                      </a:r>
-                      <a:endParaRPr lang="ru-RU" sz="1400" dirty="0">
-                        <a:solidFill>
-                          <a:schemeClr val="tx1"/>
-                        </a:solidFill>
-                      </a:endParaRPr>
-                    </a:p>
-                  </a:txBody>
-                  <a:tcPr>
-                    <a:lnL w="6350" cap="flat" cmpd="sng" algn="ctr">
-                      <a:solidFill>
-                        <a:schemeClr val="tx2"/>
-                      </a:solidFill>
-                      <a:prstDash val="solid"/>
-                      <a:round/>
-                      <a:headEnd type="none" w="med" len="med"/>
-                      <a:tailEnd type="none" w="med" len="med"/>
-                    </a:lnL>
-                    <a:lnR w="6350" cap="flat" cmpd="sng" algn="ctr">
-                      <a:solidFill>
-                        <a:schemeClr val="tx2"/>
-                      </a:solidFill>
-                      <a:prstDash val="solid"/>
-                      <a:round/>
-                      <a:headEnd type="none" w="med" len="med"/>
-                      <a:tailEnd type="none" w="med" len="med"/>
-                    </a:lnR>
-                    <a:lnT w="6350" cap="flat" cmpd="sng" algn="ctr">
-                      <a:solidFill>
-                        <a:schemeClr val="tx2"/>
-                      </a:solidFill>
-                      <a:prstDash val="solid"/>
-                      <a:round/>
-                      <a:headEnd type="none" w="med" len="med"/>
-                      <a:tailEnd type="none" w="med" len="med"/>
-                    </a:lnT>
-                    <a:lnB w="6350" cap="flat" cmpd="sng" algn="ctr">
-                      <a:solidFill>
-                        <a:schemeClr val="tx2"/>
-                      </a:solidFill>
-                      <a:prstDash val="solid"/>
-                      <a:round/>
-                      <a:headEnd type="none" w="med" len="med"/>
-                      <a:tailEnd type="none" w="med" len="med"/>
-                    </a:lnB>
-                    <a:lnTlToBr w="12700" cmpd="sng">
-                      <a:noFill/>
-                      <a:prstDash val="solid"/>
-                    </a:lnTlToBr>
-                    <a:lnBlToTr w="12700" cmpd="sng">
-                      <a:noFill/>
-                      <a:prstDash val="solid"/>
-                    </a:lnBlToTr>
-                  </a:tcPr>
-                </a:tc>
-              </a:tr>
-              <a:tr h="202932">
-                <a:tc>
-                  <a:txBody>
-                    <a:bodyPr/>
-                    <a:lstStyle/>
-                    <a:p>
-                      <a:pPr algn="ctr"/>
-                      <a:r>
-                        <a:rPr lang="ru-RU" sz="1400" dirty="0" smtClean="0">
-                          <a:solidFill>
-                            <a:schemeClr val="tx1"/>
-                          </a:solidFill>
-                        </a:rPr>
-                        <a:t>0</a:t>
-                      </a:r>
-                      <a:endParaRPr lang="ru-RU" sz="1400" dirty="0">
-                        <a:solidFill>
-                          <a:schemeClr val="tx1"/>
-                        </a:solidFill>
-                      </a:endParaRPr>
-                    </a:p>
-                  </a:txBody>
-                  <a:tcPr>
-                    <a:lnL w="6350" cap="flat" cmpd="sng" algn="ctr">
-                      <a:solidFill>
-                        <a:schemeClr val="tx2"/>
-                      </a:solidFill>
-                      <a:prstDash val="solid"/>
-                      <a:round/>
-                      <a:headEnd type="none" w="med" len="med"/>
-                      <a:tailEnd type="none" w="med" len="med"/>
-                    </a:lnL>
-                    <a:lnR w="6350" cap="flat" cmpd="sng" algn="ctr">
-                      <a:solidFill>
-                        <a:schemeClr val="tx2"/>
-                      </a:solidFill>
-                      <a:prstDash val="solid"/>
-                      <a:round/>
-                      <a:headEnd type="none" w="med" len="med"/>
-                      <a:tailEnd type="none" w="med" len="med"/>
-                    </a:lnR>
-                    <a:lnT w="6350" cap="flat" cmpd="sng" algn="ctr">
-                      <a:solidFill>
-                        <a:schemeClr val="tx2"/>
-                      </a:solidFill>
-                      <a:prstDash val="solid"/>
-                      <a:round/>
-                      <a:headEnd type="none" w="med" len="med"/>
-                      <a:tailEnd type="none" w="med" len="med"/>
-                    </a:lnT>
-                    <a:lnB w="6350" cap="flat" cmpd="sng" algn="ctr">
-                      <a:solidFill>
-                        <a:schemeClr val="tx2"/>
-                      </a:solidFill>
-                      <a:prstDash val="solid"/>
-                      <a:round/>
-                      <a:headEnd type="none" w="med" len="med"/>
-                      <a:tailEnd type="none" w="med" len="med"/>
-                    </a:lnB>
-                    <a:lnTlToBr w="12700" cmpd="sng">
-                      <a:noFill/>
-                      <a:prstDash val="solid"/>
-                    </a:lnTlToBr>
-                    <a:lnBlToTr w="12700" cmpd="sng">
-                      <a:noFill/>
-                      <a:prstDash val="solid"/>
-                    </a:lnBlToTr>
-                  </a:tcPr>
-                </a:tc>
-                <a:tc>
-                  <a:txBody>
-                    <a:bodyPr/>
-                    <a:lstStyle/>
-                    <a:p>
-                      <a:pPr algn="ctr"/>
-                      <a:r>
-                        <a:rPr lang="ru-RU" sz="1400" dirty="0" smtClean="0">
-                          <a:solidFill>
-                            <a:schemeClr val="tx1"/>
-                          </a:solidFill>
-                        </a:rPr>
-                        <a:t>0</a:t>
-                      </a:r>
-                      <a:endParaRPr lang="ru-RU" sz="1400" dirty="0">
-                        <a:solidFill>
-                          <a:schemeClr val="tx1"/>
-                        </a:solidFill>
-                      </a:endParaRPr>
-                    </a:p>
-                  </a:txBody>
-                  <a:tcPr>
-                    <a:lnL w="6350" cap="flat" cmpd="sng" algn="ctr">
-                      <a:solidFill>
-                        <a:schemeClr val="tx2"/>
-                      </a:solidFill>
-                      <a:prstDash val="solid"/>
-                      <a:round/>
-                      <a:headEnd type="none" w="med" len="med"/>
-                      <a:tailEnd type="none" w="med" len="med"/>
-                    </a:lnL>
-                    <a:lnR w="6350" cap="flat" cmpd="sng" algn="ctr">
-                      <a:solidFill>
-                        <a:schemeClr val="tx2"/>
-                      </a:solidFill>
-                      <a:prstDash val="solid"/>
-                      <a:round/>
-                      <a:headEnd type="none" w="med" len="med"/>
-                      <a:tailEnd type="none" w="med" len="med"/>
-                    </a:lnR>
-                    <a:lnT w="6350" cap="flat" cmpd="sng" algn="ctr">
-                      <a:solidFill>
-                        <a:schemeClr val="tx2"/>
-                      </a:solidFill>
-                      <a:prstDash val="solid"/>
-                      <a:round/>
-                      <a:headEnd type="none" w="med" len="med"/>
-                      <a:tailEnd type="none" w="med" len="med"/>
-                    </a:lnT>
-                    <a:lnB w="6350" cap="flat" cmpd="sng" algn="ctr">
-                      <a:solidFill>
-                        <a:schemeClr val="tx2"/>
-                      </a:solidFill>
-                      <a:prstDash val="solid"/>
-                      <a:round/>
-                      <a:headEnd type="none" w="med" len="med"/>
-                      <a:tailEnd type="none" w="med" len="med"/>
-                    </a:lnB>
-                    <a:lnTlToBr w="12700" cmpd="sng">
-                      <a:noFill/>
-                      <a:prstDash val="solid"/>
-                    </a:lnTlToBr>
-                    <a:lnBlToTr w="12700" cmpd="sng">
-                      <a:noFill/>
-                      <a:prstDash val="solid"/>
-                    </a:lnBlToTr>
-                  </a:tcPr>
-                </a:tc>
-                <a:tc>
-                  <a:txBody>
-                    <a:bodyPr/>
-                    <a:lstStyle/>
-                    <a:p>
-                      <a:pPr algn="ctr"/>
-                      <a:r>
-                        <a:rPr lang="ru-RU" sz="1400" dirty="0" smtClean="0">
-                          <a:solidFill>
-                            <a:schemeClr val="tx1"/>
-                          </a:solidFill>
-                        </a:rPr>
-                        <a:t>1</a:t>
-                      </a:r>
-                      <a:endParaRPr lang="ru-RU" sz="1400" dirty="0">
-                        <a:solidFill>
-                          <a:schemeClr val="tx1"/>
-                        </a:solidFill>
-                      </a:endParaRPr>
-                    </a:p>
-                  </a:txBody>
-                  <a:tcPr>
-                    <a:lnL w="6350" cap="flat" cmpd="sng" algn="ctr">
-                      <a:solidFill>
-                        <a:schemeClr val="tx2"/>
-                      </a:solidFill>
-                      <a:prstDash val="solid"/>
-                      <a:round/>
-                      <a:headEnd type="none" w="med" len="med"/>
-                      <a:tailEnd type="none" w="med" len="med"/>
-                    </a:lnL>
-                    <a:lnR w="6350" cap="flat" cmpd="sng" algn="ctr">
-                      <a:solidFill>
-                        <a:schemeClr val="tx2"/>
-                      </a:solidFill>
-                      <a:prstDash val="solid"/>
-                      <a:round/>
-                      <a:headEnd type="none" w="med" len="med"/>
-                      <a:tailEnd type="none" w="med" len="med"/>
-                    </a:lnR>
-                    <a:lnT w="6350" cap="flat" cmpd="sng" algn="ctr">
-                      <a:solidFill>
-                        <a:schemeClr val="tx2"/>
-                      </a:solidFill>
-                      <a:prstDash val="solid"/>
-                      <a:round/>
-                      <a:headEnd type="none" w="med" len="med"/>
-                      <a:tailEnd type="none" w="med" len="med"/>
-                    </a:lnT>
-                    <a:lnB w="6350" cap="flat" cmpd="sng" algn="ctr">
-                      <a:solidFill>
-                        <a:schemeClr val="tx2"/>
-                      </a:solidFill>
-                      <a:prstDash val="solid"/>
-                      <a:round/>
-                      <a:headEnd type="none" w="med" len="med"/>
-                      <a:tailEnd type="none" w="med" len="med"/>
-                    </a:lnB>
-                    <a:lnTlToBr w="12700" cmpd="sng">
-                      <a:noFill/>
-                      <a:prstDash val="solid"/>
-                    </a:lnTlToBr>
-                    <a:lnBlToTr w="12700" cmpd="sng">
-                      <a:noFill/>
-                      <a:prstDash val="solid"/>
-                    </a:lnBlToTr>
-                  </a:tcPr>
-                </a:tc>
-                <a:tc>
-                  <a:txBody>
-                    <a:bodyPr/>
-                    <a:lstStyle/>
-                    <a:p>
-                      <a:pPr algn="ctr"/>
-                      <a:r>
-                        <a:rPr lang="ru-RU" sz="1400" dirty="0" smtClean="0">
-                          <a:solidFill>
-                            <a:schemeClr val="tx1"/>
-                          </a:solidFill>
-                        </a:rPr>
-                        <a:t>1</a:t>
-                      </a:r>
-                      <a:endParaRPr lang="ru-RU" sz="1400" dirty="0">
-                        <a:solidFill>
-                          <a:schemeClr val="tx1"/>
-                        </a:solidFill>
-                      </a:endParaRPr>
-                    </a:p>
-                  </a:txBody>
-                  <a:tcPr>
-                    <a:lnL w="6350" cap="flat" cmpd="sng" algn="ctr">
-                      <a:solidFill>
-                        <a:schemeClr val="tx2"/>
-                      </a:solidFill>
-                      <a:prstDash val="solid"/>
-                      <a:round/>
-                      <a:headEnd type="none" w="med" len="med"/>
-                      <a:tailEnd type="none" w="med" len="med"/>
-                    </a:lnL>
-                    <a:lnR w="6350" cap="flat" cmpd="sng" algn="ctr">
-                      <a:solidFill>
-                        <a:schemeClr val="tx2"/>
-                      </a:solidFill>
-                      <a:prstDash val="solid"/>
-                      <a:round/>
-                      <a:headEnd type="none" w="med" len="med"/>
-                      <a:tailEnd type="none" w="med" len="med"/>
-                    </a:lnR>
-                    <a:lnT w="6350" cap="flat" cmpd="sng" algn="ctr">
-                      <a:solidFill>
-                        <a:schemeClr val="tx2"/>
-                      </a:solidFill>
-                      <a:prstDash val="solid"/>
-                      <a:round/>
-                      <a:headEnd type="none" w="med" len="med"/>
-                      <a:tailEnd type="none" w="med" len="med"/>
-                    </a:lnT>
-                    <a:lnB w="6350" cap="flat" cmpd="sng" algn="ctr">
-                      <a:solidFill>
-                        <a:schemeClr val="tx2"/>
-                      </a:solidFill>
-                      <a:prstDash val="solid"/>
-                      <a:round/>
-                      <a:headEnd type="none" w="med" len="med"/>
-                      <a:tailEnd type="none" w="med" len="med"/>
-                    </a:lnB>
-                    <a:lnTlToBr w="12700" cmpd="sng">
-                      <a:noFill/>
-                      <a:prstDash val="solid"/>
-                    </a:lnTlToBr>
-                    <a:lnBlToTr w="12700" cmpd="sng">
-                      <a:noFill/>
-                      <a:prstDash val="solid"/>
-                    </a:lnBlToTr>
-                  </a:tcPr>
-                </a:tc>
-              </a:tr>
-              <a:tr h="202932">
-                <a:tc>
-                  <a:txBody>
-                    <a:bodyPr/>
-                    <a:lstStyle/>
-                    <a:p>
-                      <a:pPr algn="ctr"/>
-                      <a:r>
-                        <a:rPr lang="ru-RU" sz="1400" dirty="0" smtClean="0">
-                          <a:solidFill>
-                            <a:schemeClr val="tx1"/>
-                          </a:solidFill>
-                        </a:rPr>
-                        <a:t>0</a:t>
-                      </a:r>
-                      <a:endParaRPr lang="ru-RU" sz="1400" dirty="0">
-                        <a:solidFill>
-                          <a:schemeClr val="tx1"/>
-                        </a:solidFill>
-                      </a:endParaRPr>
-                    </a:p>
-                  </a:txBody>
-                  <a:tcPr>
-                    <a:lnL w="6350" cap="flat" cmpd="sng" algn="ctr">
-                      <a:solidFill>
-                        <a:schemeClr val="tx2"/>
-                      </a:solidFill>
-                      <a:prstDash val="solid"/>
-                      <a:round/>
-                      <a:headEnd type="none" w="med" len="med"/>
-                      <a:tailEnd type="none" w="med" len="med"/>
-                    </a:lnL>
-                    <a:lnR w="6350" cap="flat" cmpd="sng" algn="ctr">
-                      <a:solidFill>
-                        <a:schemeClr val="tx2"/>
-                      </a:solidFill>
-                      <a:prstDash val="solid"/>
-                      <a:round/>
-                      <a:headEnd type="none" w="med" len="med"/>
-                      <a:tailEnd type="none" w="med" len="med"/>
-                    </a:lnR>
-                    <a:lnT w="6350" cap="flat" cmpd="sng" algn="ctr">
-                      <a:solidFill>
-                        <a:schemeClr val="tx2"/>
-                      </a:solidFill>
-                      <a:prstDash val="solid"/>
-                      <a:round/>
-                      <a:headEnd type="none" w="med" len="med"/>
-                      <a:tailEnd type="none" w="med" len="med"/>
-                    </a:lnT>
-                    <a:lnB w="6350" cap="flat" cmpd="sng" algn="ctr">
-                      <a:solidFill>
-                        <a:schemeClr val="tx2"/>
-                      </a:solidFill>
-                      <a:prstDash val="solid"/>
-                      <a:round/>
-                      <a:headEnd type="none" w="med" len="med"/>
-                      <a:tailEnd type="none" w="med" len="med"/>
-                    </a:lnB>
-                    <a:lnTlToBr w="12700" cmpd="sng">
-                      <a:noFill/>
-                      <a:prstDash val="solid"/>
-                    </a:lnTlToBr>
-                    <a:lnBlToTr w="12700" cmpd="sng">
-                      <a:noFill/>
-                      <a:prstDash val="solid"/>
-                    </a:lnBlToTr>
-                  </a:tcPr>
-                </a:tc>
-                <a:tc>
-                  <a:txBody>
-                    <a:bodyPr/>
-                    <a:lstStyle/>
-                    <a:p>
-                      <a:pPr algn="ctr"/>
-                      <a:r>
-                        <a:rPr lang="ru-RU" sz="1400" dirty="0" smtClean="0">
-                          <a:solidFill>
-                            <a:schemeClr val="tx1"/>
-                          </a:solidFill>
-                        </a:rPr>
-                        <a:t>1</a:t>
-                      </a:r>
-                      <a:endParaRPr lang="ru-RU" sz="1400" dirty="0">
-                        <a:solidFill>
-                          <a:schemeClr val="tx1"/>
-                        </a:solidFill>
-                      </a:endParaRPr>
-                    </a:p>
-                  </a:txBody>
-                  <a:tcPr>
-                    <a:lnL w="6350" cap="flat" cmpd="sng" algn="ctr">
-                      <a:solidFill>
-                        <a:schemeClr val="tx2"/>
-                      </a:solidFill>
-                      <a:prstDash val="solid"/>
-                      <a:round/>
-                      <a:headEnd type="none" w="med" len="med"/>
-                      <a:tailEnd type="none" w="med" len="med"/>
-                    </a:lnL>
-                    <a:lnR w="6350" cap="flat" cmpd="sng" algn="ctr">
-                      <a:solidFill>
-                        <a:schemeClr val="tx2"/>
-                      </a:solidFill>
-                      <a:prstDash val="solid"/>
-                      <a:round/>
-                      <a:headEnd type="none" w="med" len="med"/>
-                      <a:tailEnd type="none" w="med" len="med"/>
-                    </a:lnR>
-                    <a:lnT w="6350" cap="flat" cmpd="sng" algn="ctr">
-                      <a:solidFill>
-                        <a:schemeClr val="tx2"/>
-                      </a:solidFill>
-                      <a:prstDash val="solid"/>
-                      <a:round/>
-                      <a:headEnd type="none" w="med" len="med"/>
-                      <a:tailEnd type="none" w="med" len="med"/>
-                    </a:lnT>
-                    <a:lnB w="6350" cap="flat" cmpd="sng" algn="ctr">
-                      <a:solidFill>
-                        <a:schemeClr val="tx2"/>
-                      </a:solidFill>
-                      <a:prstDash val="solid"/>
-                      <a:round/>
-                      <a:headEnd type="none" w="med" len="med"/>
-                      <a:tailEnd type="none" w="med" len="med"/>
-                    </a:lnB>
-                    <a:lnTlToBr w="12700" cmpd="sng">
-                      <a:noFill/>
-                      <a:prstDash val="solid"/>
-                    </a:lnTlToBr>
-                    <a:lnBlToTr w="12700" cmpd="sng">
-                      <a:noFill/>
-                      <a:prstDash val="solid"/>
-                    </a:lnBlToTr>
-                  </a:tcPr>
-                </a:tc>
-                <a:tc>
-                  <a:txBody>
-                    <a:bodyPr/>
-                    <a:lstStyle/>
-                    <a:p>
-                      <a:pPr algn="ctr"/>
-                      <a:r>
-                        <a:rPr lang="ru-RU" sz="1400" dirty="0" smtClean="0">
-                          <a:solidFill>
-                            <a:schemeClr val="tx1"/>
-                          </a:solidFill>
-                        </a:rPr>
-                        <a:t>0</a:t>
-                      </a:r>
-                      <a:endParaRPr lang="ru-RU" sz="1400" dirty="0">
-                        <a:solidFill>
-                          <a:schemeClr val="tx1"/>
-                        </a:solidFill>
-                      </a:endParaRPr>
-                    </a:p>
-                  </a:txBody>
-                  <a:tcPr>
-                    <a:lnL w="6350" cap="flat" cmpd="sng" algn="ctr">
-                      <a:solidFill>
-                        <a:schemeClr val="tx2"/>
-                      </a:solidFill>
-                      <a:prstDash val="solid"/>
-                      <a:round/>
-                      <a:headEnd type="none" w="med" len="med"/>
-                      <a:tailEnd type="none" w="med" len="med"/>
-                    </a:lnL>
-                    <a:lnR w="6350" cap="flat" cmpd="sng" algn="ctr">
-                      <a:solidFill>
-                        <a:schemeClr val="tx2"/>
-                      </a:solidFill>
-                      <a:prstDash val="solid"/>
-                      <a:round/>
-                      <a:headEnd type="none" w="med" len="med"/>
-                      <a:tailEnd type="none" w="med" len="med"/>
-                    </a:lnR>
-                    <a:lnT w="6350" cap="flat" cmpd="sng" algn="ctr">
-                      <a:solidFill>
-                        <a:schemeClr val="tx2"/>
-                      </a:solidFill>
-                      <a:prstDash val="solid"/>
-                      <a:round/>
-                      <a:headEnd type="none" w="med" len="med"/>
-                      <a:tailEnd type="none" w="med" len="med"/>
-                    </a:lnT>
-                    <a:lnB w="6350" cap="flat" cmpd="sng" algn="ctr">
-                      <a:solidFill>
-                        <a:schemeClr val="tx2"/>
-                      </a:solidFill>
-                      <a:prstDash val="solid"/>
-                      <a:round/>
-                      <a:headEnd type="none" w="med" len="med"/>
-                      <a:tailEnd type="none" w="med" len="med"/>
-                    </a:lnB>
-                    <a:lnTlToBr w="12700" cmpd="sng">
-                      <a:noFill/>
-                      <a:prstDash val="solid"/>
-                    </a:lnTlToBr>
-                    <a:lnBlToTr w="12700" cmpd="sng">
-                      <a:noFill/>
-                      <a:prstDash val="solid"/>
-                    </a:lnBlToTr>
-                  </a:tcPr>
-                </a:tc>
-                <a:tc>
-                  <a:txBody>
-                    <a:bodyPr/>
-                    <a:lstStyle/>
-                    <a:p>
-                      <a:pPr algn="ctr"/>
-                      <a:r>
-                        <a:rPr lang="ru-RU" sz="1400" dirty="0" smtClean="0">
-                          <a:solidFill>
-                            <a:schemeClr val="tx1"/>
-                          </a:solidFill>
-                        </a:rPr>
-                        <a:t>0</a:t>
-                      </a:r>
-                      <a:endParaRPr lang="ru-RU" sz="1400" dirty="0">
-                        <a:solidFill>
-                          <a:schemeClr val="tx1"/>
-                        </a:solidFill>
-                      </a:endParaRPr>
-                    </a:p>
-                  </a:txBody>
-                  <a:tcPr>
-                    <a:lnL w="6350" cap="flat" cmpd="sng" algn="ctr">
-                      <a:solidFill>
-                        <a:schemeClr val="tx2"/>
-                      </a:solidFill>
-                      <a:prstDash val="solid"/>
-                      <a:round/>
-                      <a:headEnd type="none" w="med" len="med"/>
-                      <a:tailEnd type="none" w="med" len="med"/>
-                    </a:lnL>
-                    <a:lnR w="6350" cap="flat" cmpd="sng" algn="ctr">
-                      <a:solidFill>
-                        <a:schemeClr val="tx2"/>
-                      </a:solidFill>
-                      <a:prstDash val="solid"/>
-                      <a:round/>
-                      <a:headEnd type="none" w="med" len="med"/>
-                      <a:tailEnd type="none" w="med" len="med"/>
-                    </a:lnR>
-                    <a:lnT w="6350" cap="flat" cmpd="sng" algn="ctr">
-                      <a:solidFill>
-                        <a:schemeClr val="tx2"/>
-                      </a:solidFill>
-                      <a:prstDash val="solid"/>
-                      <a:round/>
-                      <a:headEnd type="none" w="med" len="med"/>
-                      <a:tailEnd type="none" w="med" len="med"/>
-                    </a:lnT>
-                    <a:lnB w="6350" cap="flat" cmpd="sng" algn="ctr">
-                      <a:solidFill>
-                        <a:schemeClr val="tx2"/>
-                      </a:solidFill>
-                      <a:prstDash val="solid"/>
-                      <a:round/>
-                      <a:headEnd type="none" w="med" len="med"/>
-                      <a:tailEnd type="none" w="med" len="med"/>
-                    </a:lnB>
-                    <a:lnTlToBr w="12700" cmpd="sng">
-                      <a:noFill/>
-                      <a:prstDash val="solid"/>
-                    </a:lnTlToBr>
-                    <a:lnBlToTr w="12700" cmpd="sng">
-                      <a:noFill/>
-                      <a:prstDash val="solid"/>
-                    </a:lnBlToTr>
-                  </a:tcPr>
-                </a:tc>
-              </a:tr>
-            </a:tbl>
-          </a:graphicData>
-        </a:graphic>
-      </p:graphicFrame>
-      <p:sp>
-        <p:nvSpPr>
-          <p:cNvPr id="13" name="Заголовок 1"/>
-          <p:cNvSpPr txBox="1">
-            <a:spLocks/>
-          </p:cNvSpPr>
-          <p:nvPr/>
-        </p:nvSpPr>
-        <p:spPr>
-          <a:xfrm>
-            <a:off x="457200" y="188640"/>
-            <a:ext cx="8229600" cy="720080"/>
-          </a:xfrm>
-          <a:prstGeom prst="rect">
-            <a:avLst/>
-          </a:prstGeom>
-        </p:spPr>
-        <p:txBody>
-          <a:bodyPr vert="horz" lIns="91440" tIns="45720" rIns="91440" bIns="45720" rtlCol="0" anchor="b">
-            <a:noAutofit/>
-          </a:bodyPr>
-          <a:lstStyle>
-            <a:lvl1pPr algn="ctr" defTabSz="914400" rtl="0" eaLnBrk="1" latinLnBrk="0" hangingPunct="1">
-              <a:lnSpc>
-                <a:spcPts val="5800"/>
-              </a:lnSpc>
-              <a:spcBef>
-                <a:spcPct val="0"/>
-              </a:spcBef>
-              <a:buNone/>
-              <a:defRPr sz="5400" kern="1200">
-                <a:solidFill>
-                  <a:schemeClr val="tx2"/>
-                </a:solidFill>
-                <a:effectLst>
-                  <a:outerShdw blurRad="63500" dist="38100" dir="5400000" algn="t" rotWithShape="0">
-                    <a:prstClr val="black">
-                      <a:alpha val="25000"/>
-                    </a:prstClr>
-                  </a:outerShdw>
-                </a:effectLst>
-                <a:latin typeface="+mn-lt"/>
-                <a:ea typeface="+mj-ea"/>
-                <a:cs typeface="+mj-cs"/>
-              </a:defRPr>
-            </a:lvl1pPr>
-          </a:lstStyle>
-          <a:p>
-            <a:r>
-              <a:rPr lang="ru-RU" sz="3600" dirty="0" smtClean="0"/>
-              <a:t>Поиск ассоциативных </a:t>
-            </a:r>
-            <a:r>
-              <a:rPr lang="ru-RU" sz="3600" dirty="0" smtClean="0"/>
-              <a:t>правил</a:t>
-            </a:r>
-            <a:endParaRPr lang="ru-RU" sz="3600" dirty="0"/>
-          </a:p>
-        </p:txBody>
-      </p:sp>
-      <p:sp>
-        <p:nvSpPr>
-          <p:cNvPr id="14" name="Заголовок 1"/>
-          <p:cNvSpPr txBox="1">
-            <a:spLocks/>
-          </p:cNvSpPr>
-          <p:nvPr/>
-        </p:nvSpPr>
-        <p:spPr>
-          <a:xfrm>
-            <a:off x="4788024" y="836712"/>
-            <a:ext cx="3909120" cy="288032"/>
-          </a:xfrm>
-          <a:prstGeom prst="rect">
-            <a:avLst/>
-          </a:prstGeom>
-        </p:spPr>
-        <p:txBody>
-          <a:bodyPr vert="horz" lIns="91440" tIns="45720" rIns="91440" bIns="45720" rtlCol="0" anchor="ctr">
-            <a:noAutofit/>
-          </a:bodyPr>
-          <a:lstStyle>
-            <a:lvl1pPr algn="ctr" defTabSz="914400" rtl="0" eaLnBrk="1" latinLnBrk="0" hangingPunct="1">
-              <a:spcBef>
-                <a:spcPct val="0"/>
-              </a:spcBef>
-              <a:buNone/>
-              <a:defRPr sz="4400" kern="1200">
-                <a:solidFill>
-                  <a:schemeClr val="tx1"/>
-                </a:solidFill>
-                <a:latin typeface="+mj-lt"/>
-                <a:ea typeface="+mj-ea"/>
-                <a:cs typeface="+mj-cs"/>
-              </a:defRPr>
-            </a:lvl1pPr>
-          </a:lstStyle>
-          <a:p>
-            <a:pPr algn="r"/>
-            <a:r>
-              <a:rPr lang="ru-RU" sz="2800" dirty="0" smtClean="0">
-                <a:solidFill>
-                  <a:schemeClr val="bg1">
-                    <a:lumMod val="50000"/>
-                  </a:schemeClr>
-                </a:solidFill>
-              </a:rPr>
-              <a:t>Алгоритм </a:t>
-            </a:r>
-            <a:r>
-              <a:rPr lang="en-US" sz="2800" dirty="0" err="1" smtClean="0">
-                <a:solidFill>
-                  <a:schemeClr val="bg1">
-                    <a:lumMod val="50000"/>
-                  </a:schemeClr>
-                </a:solidFill>
-              </a:rPr>
-              <a:t>Apriori</a:t>
-            </a:r>
-            <a:endParaRPr lang="en-US" sz="2800" dirty="0" smtClean="0">
-              <a:solidFill>
-                <a:schemeClr val="bg1">
-                  <a:lumMod val="50000"/>
-                </a:schemeClr>
-              </a:solidFill>
-            </a:endParaRPr>
-          </a:p>
-        </p:txBody>
-      </p:sp>
-      <p:sp>
-        <p:nvSpPr>
-          <p:cNvPr id="15" name="TextBox 14"/>
-          <p:cNvSpPr txBox="1"/>
-          <p:nvPr/>
-        </p:nvSpPr>
-        <p:spPr>
-          <a:xfrm>
-            <a:off x="1115616" y="1340768"/>
-            <a:ext cx="6984776" cy="369332"/>
-          </a:xfrm>
-          <a:prstGeom prst="rect">
-            <a:avLst/>
-          </a:prstGeom>
-          <a:noFill/>
-        </p:spPr>
-        <p:txBody>
-          <a:bodyPr wrap="square" rtlCol="0">
-            <a:spAutoFit/>
-          </a:bodyPr>
-          <a:lstStyle/>
-          <a:p>
-            <a:r>
-              <a:rPr lang="ru-RU" dirty="0" smtClean="0"/>
-              <a:t>Этап </a:t>
-            </a:r>
-            <a:r>
-              <a:rPr lang="en-US" dirty="0" smtClean="0"/>
-              <a:t>2</a:t>
-            </a:r>
-            <a:r>
-              <a:rPr lang="ru-RU" dirty="0" smtClean="0"/>
-              <a:t>. Построение дерева частых наборов</a:t>
-            </a:r>
-            <a:endParaRPr lang="ru-RU" dirty="0"/>
-          </a:p>
-        </p:txBody>
-      </p:sp>
-      <p:sp>
-        <p:nvSpPr>
-          <p:cNvPr id="7" name="TextBox 6"/>
-          <p:cNvSpPr txBox="1"/>
-          <p:nvPr/>
-        </p:nvSpPr>
-        <p:spPr>
-          <a:xfrm>
-            <a:off x="457200" y="5733256"/>
-            <a:ext cx="8003232" cy="646331"/>
-          </a:xfrm>
-          <a:prstGeom prst="rect">
-            <a:avLst/>
-          </a:prstGeom>
-          <a:noFill/>
-        </p:spPr>
-        <p:txBody>
-          <a:bodyPr wrap="square" rtlCol="0">
-            <a:spAutoFit/>
-          </a:bodyPr>
-          <a:lstStyle/>
-          <a:p>
-            <a:pPr algn="ctr"/>
-            <a:r>
-              <a:rPr lang="ru-RU" dirty="0" smtClean="0"/>
-              <a:t>Показатели характеристик при </a:t>
-            </a:r>
-            <a:r>
-              <a:rPr lang="ru-RU" dirty="0" smtClean="0"/>
-              <a:t>высоком количестве пожаров.</a:t>
-            </a:r>
-            <a:endParaRPr lang="ru-RU" dirty="0" smtClean="0"/>
-          </a:p>
-          <a:p>
-            <a:pPr algn="ctr"/>
-            <a:r>
-              <a:rPr lang="ru-RU" dirty="0"/>
-              <a:t>Значение минимальной поддержки наборов равно </a:t>
-            </a:r>
-            <a:r>
-              <a:rPr lang="en-US" dirty="0"/>
-              <a:t>0.15(</a:t>
-            </a:r>
-            <a:r>
-              <a:rPr lang="ru-RU" dirty="0"/>
-              <a:t>15%</a:t>
-            </a:r>
-            <a:r>
-              <a:rPr lang="en-US" dirty="0"/>
-              <a:t>)</a:t>
-            </a:r>
-            <a:r>
-              <a:rPr lang="ru-RU" dirty="0"/>
-              <a:t>.</a:t>
-            </a:r>
-            <a:endParaRPr lang="ru-RU" dirty="0"/>
-          </a:p>
-        </p:txBody>
-      </p:sp>
-      <p:sp>
-        <p:nvSpPr>
-          <p:cNvPr id="3" name="Номер слайда 2"/>
-          <p:cNvSpPr>
-            <a:spLocks noGrp="1"/>
-          </p:cNvSpPr>
-          <p:nvPr>
-            <p:ph type="sldNum" sz="quarter" idx="12"/>
-          </p:nvPr>
-        </p:nvSpPr>
-        <p:spPr/>
-        <p:txBody>
-          <a:bodyPr/>
-          <a:lstStyle/>
-          <a:p>
-            <a:fld id="{EDFC3FDD-8E34-46B9-B4F0-1D742C30C66D}" type="slidenum">
-              <a:rPr lang="ru-RU" smtClean="0"/>
-              <a:t>9</a:t>
-            </a:fld>
-            <a:endParaRPr lang="ru-RU"/>
-          </a:p>
-        </p:txBody>
-      </p:sp>
-      <p:pic>
-        <p:nvPicPr>
-          <p:cNvPr id="1026" name="Picture 2" descr="D:\Work\Fires\Apriori\my_tex\apriori_tree_1.png"/>
-          <p:cNvPicPr>
-            <a:picLocks noChangeAspect="1" noChangeArrowheads="1"/>
-          </p:cNvPicPr>
-          <p:nvPr/>
-        </p:nvPicPr>
-        <p:blipFill>
-          <a:blip r:embed="rId2">
-            <a:extLst>
-              <a:ext uri="{28A0092B-C50C-407E-A947-70E740481C1C}">
-                <a14:useLocalDpi xmlns:a14="http://schemas.microsoft.com/office/drawing/2010/main" val="0"/>
-              </a:ext>
-            </a:extLst>
-          </a:blip>
-          <a:srcRect/>
-          <a:stretch>
-            <a:fillRect/>
-          </a:stretch>
-        </p:blipFill>
-        <p:spPr bwMode="auto">
-          <a:xfrm>
-            <a:off x="4561656" y="2020416"/>
-            <a:ext cx="4125144" cy="1032796"/>
-          </a:xfrm>
-          <a:prstGeom prst="rect">
-            <a:avLst/>
-          </a:prstGeom>
-          <a:noFill/>
-          <a:extLst>
-            <a:ext uri="{909E8E84-426E-40DD-AFC4-6F175D3DCCD1}">
-              <a14:hiddenFill xmlns:a14="http://schemas.microsoft.com/office/drawing/2010/main">
-                <a:solidFill>
-                  <a:srgbClr val="FFFFFF"/>
-                </a:solidFill>
-              </a14:hiddenFill>
-            </a:ext>
-          </a:extLst>
-        </p:spPr>
-      </p:pic>
-      <p:sp>
-        <p:nvSpPr>
-          <p:cNvPr id="2" name="TextBox 1"/>
-          <p:cNvSpPr txBox="1"/>
-          <p:nvPr/>
-        </p:nvSpPr>
-        <p:spPr>
-          <a:xfrm>
-            <a:off x="395536" y="1835750"/>
-            <a:ext cx="2797561" cy="369332"/>
-          </a:xfrm>
-          <a:prstGeom prst="rect">
-            <a:avLst/>
-          </a:prstGeom>
-          <a:noFill/>
-        </p:spPr>
-        <p:txBody>
-          <a:bodyPr wrap="none" rtlCol="0">
-            <a:spAutoFit/>
-          </a:bodyPr>
-          <a:lstStyle/>
-          <a:p>
-            <a:r>
-              <a:rPr lang="ru-RU" dirty="0" smtClean="0"/>
-              <a:t>Высокое число пожаров</a:t>
-            </a:r>
-            <a:endParaRPr lang="ru-RU" dirty="0"/>
-          </a:p>
-        </p:txBody>
-      </p:sp>
-    </p:spTree>
-    <p:extLst>
-      <p:ext uri="{BB962C8B-B14F-4D97-AF65-F5344CB8AC3E}">
-        <p14:creationId xmlns:p14="http://schemas.microsoft.com/office/powerpoint/2010/main" val="2332958742"/>
       </p:ext>
     </p:extLst>
   </p:cSld>

--- a/Apriori/my_tex/Поиск ассоциативных правил_Apriori.pptx
+++ b/Apriori/my_tex/Поиск ассоциативных правил_Apriori.pptx
@@ -5,23 +5,22 @@
     <p:sldMasterId id="2147483660" r:id="rId1"/>
   </p:sldMasterIdLst>
   <p:notesMasterIdLst>
-    <p:notesMasterId r:id="rId16"/>
+    <p:notesMasterId r:id="rId15"/>
   </p:notesMasterIdLst>
   <p:sldIdLst>
     <p:sldId id="284" r:id="rId2"/>
-    <p:sldId id="276" r:id="rId3"/>
-    <p:sldId id="258" r:id="rId4"/>
-    <p:sldId id="257" r:id="rId5"/>
-    <p:sldId id="259" r:id="rId6"/>
-    <p:sldId id="261" r:id="rId7"/>
-    <p:sldId id="274" r:id="rId8"/>
-    <p:sldId id="260" r:id="rId9"/>
-    <p:sldId id="277" r:id="rId10"/>
-    <p:sldId id="282" r:id="rId11"/>
-    <p:sldId id="280" r:id="rId12"/>
-    <p:sldId id="263" r:id="rId13"/>
-    <p:sldId id="273" r:id="rId14"/>
-    <p:sldId id="285" r:id="rId15"/>
+    <p:sldId id="258" r:id="rId3"/>
+    <p:sldId id="257" r:id="rId4"/>
+    <p:sldId id="259" r:id="rId5"/>
+    <p:sldId id="261" r:id="rId6"/>
+    <p:sldId id="274" r:id="rId7"/>
+    <p:sldId id="260" r:id="rId8"/>
+    <p:sldId id="277" r:id="rId9"/>
+    <p:sldId id="282" r:id="rId10"/>
+    <p:sldId id="280" r:id="rId11"/>
+    <p:sldId id="263" r:id="rId12"/>
+    <p:sldId id="273" r:id="rId13"/>
+    <p:sldId id="285" r:id="rId14"/>
   </p:sldIdLst>
   <p:sldSz cx="9144000" cy="6858000" type="screen4x3"/>
   <p:notesSz cx="6858000" cy="9144000"/>
@@ -121,526 +120,6 @@
     </a:lvl9pPr>
   </p:defaultTextStyle>
 </p:presentation>
-</file>
-
-<file path=ppt/charts/chart1.xml><?xml version="1.0" encoding="utf-8"?>
-<c:chartSpace xmlns:c="http://schemas.openxmlformats.org/drawingml/2006/chart" xmlns:a="http://schemas.openxmlformats.org/drawingml/2006/main" xmlns:r="http://schemas.openxmlformats.org/officeDocument/2006/relationships">
-  <c:date1904 val="0"/>
-  <c:lang val="ru-RU"/>
-  <c:roundedCorners val="0"/>
-  <mc:AlternateContent xmlns:mc="http://schemas.openxmlformats.org/markup-compatibility/2006">
-    <mc:Choice xmlns:c14="http://schemas.microsoft.com/office/drawing/2007/8/2/chart" Requires="c14">
-      <c14:style val="102"/>
-    </mc:Choice>
-    <mc:Fallback>
-      <c:style val="2"/>
-    </mc:Fallback>
-  </mc:AlternateContent>
-  <c:chart>
-    <c:title>
-      <c:tx>
-        <c:rich>
-          <a:bodyPr/>
-          <a:lstStyle/>
-          <a:p>
-            <a:pPr>
-              <a:defRPr/>
-            </a:pPr>
-            <a:r>
-              <a:rPr lang="ru-RU" dirty="0" smtClean="0"/>
-              <a:t>Количество </a:t>
-            </a:r>
-            <a:r>
-              <a:rPr lang="ru-RU" dirty="0"/>
-              <a:t>лесных пожаров</a:t>
-            </a:r>
-            <a:r>
-              <a:rPr lang="ru-RU" dirty="0" smtClean="0"/>
-              <a:t>, </a:t>
-            </a:r>
-            <a:r>
-              <a:rPr lang="ru-RU" dirty="0" err="1" smtClean="0"/>
-              <a:t>тыс.ед</a:t>
-            </a:r>
-            <a:r>
-              <a:rPr lang="ru-RU" dirty="0"/>
-              <a:t>.</a:t>
-            </a:r>
-          </a:p>
-        </c:rich>
-      </c:tx>
-      <c:layout/>
-      <c:overlay val="0"/>
-    </c:title>
-    <c:autoTitleDeleted val="0"/>
-    <c:plotArea>
-      <c:layout/>
-      <c:scatterChart>
-        <c:scatterStyle val="smoothMarker"/>
-        <c:varyColors val="0"/>
-        <c:ser>
-          <c:idx val="1"/>
-          <c:order val="0"/>
-          <c:tx>
-            <c:v>Число лесных пожаров,тыс.ед.</c:v>
-          </c:tx>
-          <c:xVal>
-            <c:numRef>
-              <c:f>Лист1!$A$1:$A$21</c:f>
-              <c:numCache>
-                <c:formatCode>General</c:formatCode>
-                <c:ptCount val="21"/>
-                <c:pt idx="0">
-                  <c:v>1992</c:v>
-                </c:pt>
-                <c:pt idx="1">
-                  <c:v>1993</c:v>
-                </c:pt>
-                <c:pt idx="2">
-                  <c:v>1994</c:v>
-                </c:pt>
-                <c:pt idx="3">
-                  <c:v>1995</c:v>
-                </c:pt>
-                <c:pt idx="4">
-                  <c:v>1996</c:v>
-                </c:pt>
-                <c:pt idx="5">
-                  <c:v>1997</c:v>
-                </c:pt>
-                <c:pt idx="6">
-                  <c:v>1998</c:v>
-                </c:pt>
-                <c:pt idx="7">
-                  <c:v>1999</c:v>
-                </c:pt>
-                <c:pt idx="8">
-                  <c:v>2000</c:v>
-                </c:pt>
-                <c:pt idx="9">
-                  <c:v>2001</c:v>
-                </c:pt>
-                <c:pt idx="10">
-                  <c:v>2002</c:v>
-                </c:pt>
-                <c:pt idx="11">
-                  <c:v>2003</c:v>
-                </c:pt>
-                <c:pt idx="12">
-                  <c:v>2004</c:v>
-                </c:pt>
-                <c:pt idx="13">
-                  <c:v>2005</c:v>
-                </c:pt>
-                <c:pt idx="14">
-                  <c:v>2006</c:v>
-                </c:pt>
-                <c:pt idx="15">
-                  <c:v>2007</c:v>
-                </c:pt>
-                <c:pt idx="16">
-                  <c:v>2008</c:v>
-                </c:pt>
-                <c:pt idx="17">
-                  <c:v>2009</c:v>
-                </c:pt>
-                <c:pt idx="18">
-                  <c:v>2010</c:v>
-                </c:pt>
-                <c:pt idx="19">
-                  <c:v>2011</c:v>
-                </c:pt>
-                <c:pt idx="20">
-                  <c:v>2012</c:v>
-                </c:pt>
-              </c:numCache>
-            </c:numRef>
-          </c:xVal>
-          <c:yVal>
-            <c:numRef>
-              <c:f>Лист1!$B$1:$B$21</c:f>
-              <c:numCache>
-                <c:formatCode>General</c:formatCode>
-                <c:ptCount val="21"/>
-                <c:pt idx="0">
-                  <c:v>25.8</c:v>
-                </c:pt>
-                <c:pt idx="1">
-                  <c:v>18.399999999999999</c:v>
-                </c:pt>
-                <c:pt idx="2">
-                  <c:v>20.3</c:v>
-                </c:pt>
-                <c:pt idx="3">
-                  <c:v>26</c:v>
-                </c:pt>
-                <c:pt idx="4">
-                  <c:v>32.799999999999997</c:v>
-                </c:pt>
-                <c:pt idx="5">
-                  <c:v>31.3</c:v>
-                </c:pt>
-                <c:pt idx="6">
-                  <c:v>26.7</c:v>
-                </c:pt>
-                <c:pt idx="7">
-                  <c:v>36.700000000000003</c:v>
-                </c:pt>
-                <c:pt idx="8">
-                  <c:v>22.4</c:v>
-                </c:pt>
-                <c:pt idx="9">
-                  <c:v>23.7</c:v>
-                </c:pt>
-                <c:pt idx="10">
-                  <c:v>43.4</c:v>
-                </c:pt>
-                <c:pt idx="11">
-                  <c:v>33.1</c:v>
-                </c:pt>
-                <c:pt idx="12">
-                  <c:v>27.2</c:v>
-                </c:pt>
-                <c:pt idx="13">
-                  <c:v>19.2</c:v>
-                </c:pt>
-                <c:pt idx="14">
-                  <c:v>32.5</c:v>
-                </c:pt>
-                <c:pt idx="15">
-                  <c:v>17.8</c:v>
-                </c:pt>
-                <c:pt idx="16">
-                  <c:v>26.3</c:v>
-                </c:pt>
-                <c:pt idx="17">
-                  <c:v>23.2</c:v>
-                </c:pt>
-                <c:pt idx="18">
-                  <c:v>34.799999999999997</c:v>
-                </c:pt>
-                <c:pt idx="19">
-                  <c:v>21.1</c:v>
-                </c:pt>
-                <c:pt idx="20">
-                  <c:v>20.2</c:v>
-                </c:pt>
-              </c:numCache>
-            </c:numRef>
-          </c:yVal>
-          <c:smooth val="1"/>
-        </c:ser>
-        <c:dLbls>
-          <c:showLegendKey val="0"/>
-          <c:showVal val="0"/>
-          <c:showCatName val="0"/>
-          <c:showSerName val="0"/>
-          <c:showPercent val="0"/>
-          <c:showBubbleSize val="0"/>
-        </c:dLbls>
-        <c:axId val="49905024"/>
-        <c:axId val="70362240"/>
-      </c:scatterChart>
-      <c:valAx>
-        <c:axId val="49905024"/>
-        <c:scaling>
-          <c:orientation val="minMax"/>
-        </c:scaling>
-        <c:delete val="0"/>
-        <c:axPos val="b"/>
-        <c:numFmt formatCode="General" sourceLinked="1"/>
-        <c:majorTickMark val="out"/>
-        <c:minorTickMark val="none"/>
-        <c:tickLblPos val="nextTo"/>
-        <c:crossAx val="70362240"/>
-        <c:crosses val="autoZero"/>
-        <c:crossBetween val="midCat"/>
-      </c:valAx>
-      <c:valAx>
-        <c:axId val="70362240"/>
-        <c:scaling>
-          <c:orientation val="minMax"/>
-        </c:scaling>
-        <c:delete val="0"/>
-        <c:axPos val="l"/>
-        <c:majorGridlines/>
-        <c:numFmt formatCode="General" sourceLinked="1"/>
-        <c:majorTickMark val="out"/>
-        <c:minorTickMark val="none"/>
-        <c:tickLblPos val="nextTo"/>
-        <c:crossAx val="49905024"/>
-        <c:crosses val="autoZero"/>
-        <c:crossBetween val="midCat"/>
-      </c:valAx>
-    </c:plotArea>
-    <c:plotVisOnly val="1"/>
-    <c:dispBlanksAs val="gap"/>
-    <c:showDLblsOverMax val="0"/>
-  </c:chart>
-  <c:externalData r:id="rId1">
-    <c:autoUpdate val="0"/>
-  </c:externalData>
-</c:chartSpace>
-</file>
-
-<file path=ppt/charts/chart2.xml><?xml version="1.0" encoding="utf-8"?>
-<c:chartSpace xmlns:c="http://schemas.openxmlformats.org/drawingml/2006/chart" xmlns:a="http://schemas.openxmlformats.org/drawingml/2006/main" xmlns:r="http://schemas.openxmlformats.org/officeDocument/2006/relationships">
-  <c:date1904 val="0"/>
-  <c:lang val="ru-RU"/>
-  <c:roundedCorners val="0"/>
-  <mc:AlternateContent xmlns:mc="http://schemas.openxmlformats.org/markup-compatibility/2006">
-    <mc:Choice xmlns:c14="http://schemas.microsoft.com/office/drawing/2007/8/2/chart" Requires="c14">
-      <c14:style val="102"/>
-    </mc:Choice>
-    <mc:Fallback>
-      <c:style val="2"/>
-    </mc:Fallback>
-  </mc:AlternateContent>
-  <c:chart>
-    <c:title>
-      <c:tx>
-        <c:rich>
-          <a:bodyPr/>
-          <a:lstStyle/>
-          <a:p>
-            <a:pPr>
-              <a:defRPr/>
-            </a:pPr>
-            <a:r>
-              <a:rPr lang="ru-RU" dirty="0"/>
-              <a:t>Лесные земли</a:t>
-            </a:r>
-            <a:r>
-              <a:rPr lang="ru-RU" dirty="0" smtClean="0"/>
-              <a:t>, пройденные </a:t>
-            </a:r>
-            <a:r>
-              <a:rPr lang="ru-RU" dirty="0"/>
-              <a:t>пожарами</a:t>
-            </a:r>
-            <a:r>
-              <a:rPr lang="ru-RU" dirty="0" smtClean="0"/>
-              <a:t>, тыс</a:t>
-            </a:r>
-            <a:r>
-              <a:rPr lang="ru-RU" dirty="0"/>
-              <a:t>. га</a:t>
-            </a:r>
-          </a:p>
-        </c:rich>
-      </c:tx>
-      <c:layout/>
-      <c:overlay val="0"/>
-    </c:title>
-    <c:autoTitleDeleted val="0"/>
-    <c:plotArea>
-      <c:layout/>
-      <c:scatterChart>
-        <c:scatterStyle val="smoothMarker"/>
-        <c:varyColors val="0"/>
-        <c:ser>
-          <c:idx val="1"/>
-          <c:order val="0"/>
-          <c:tx>
-            <c:v>Лесные земли,пройденные пожарами,тыс. га</c:v>
-          </c:tx>
-          <c:xVal>
-            <c:numRef>
-              <c:f>Лист1!$C$1:$C$21</c:f>
-              <c:numCache>
-                <c:formatCode>General</c:formatCode>
-                <c:ptCount val="21"/>
-                <c:pt idx="0">
-                  <c:v>1992</c:v>
-                </c:pt>
-                <c:pt idx="1">
-                  <c:v>1993</c:v>
-                </c:pt>
-                <c:pt idx="2">
-                  <c:v>1994</c:v>
-                </c:pt>
-                <c:pt idx="3">
-                  <c:v>1995</c:v>
-                </c:pt>
-                <c:pt idx="4">
-                  <c:v>1996</c:v>
-                </c:pt>
-                <c:pt idx="5">
-                  <c:v>1997</c:v>
-                </c:pt>
-                <c:pt idx="6">
-                  <c:v>1998</c:v>
-                </c:pt>
-                <c:pt idx="7">
-                  <c:v>1999</c:v>
-                </c:pt>
-                <c:pt idx="8">
-                  <c:v>2000</c:v>
-                </c:pt>
-                <c:pt idx="9">
-                  <c:v>2001</c:v>
-                </c:pt>
-                <c:pt idx="10">
-                  <c:v>2002</c:v>
-                </c:pt>
-                <c:pt idx="11">
-                  <c:v>2003</c:v>
-                </c:pt>
-                <c:pt idx="12">
-                  <c:v>2004</c:v>
-                </c:pt>
-                <c:pt idx="13">
-                  <c:v>2005</c:v>
-                </c:pt>
-                <c:pt idx="14">
-                  <c:v>2006</c:v>
-                </c:pt>
-                <c:pt idx="15">
-                  <c:v>2007</c:v>
-                </c:pt>
-                <c:pt idx="16">
-                  <c:v>2008</c:v>
-                </c:pt>
-                <c:pt idx="17">
-                  <c:v>2009</c:v>
-                </c:pt>
-                <c:pt idx="18">
-                  <c:v>2010</c:v>
-                </c:pt>
-                <c:pt idx="19">
-                  <c:v>2011</c:v>
-                </c:pt>
-                <c:pt idx="20">
-                  <c:v>2012</c:v>
-                </c:pt>
-              </c:numCache>
-            </c:numRef>
-          </c:xVal>
-          <c:yVal>
-            <c:numRef>
-              <c:f>Лист1!$D$1:$D$21</c:f>
-              <c:numCache>
-                <c:formatCode>General</c:formatCode>
-                <c:ptCount val="21"/>
-                <c:pt idx="0">
-                  <c:v>691.5</c:v>
-                </c:pt>
-                <c:pt idx="1">
-                  <c:v>748.6</c:v>
-                </c:pt>
-                <c:pt idx="2">
-                  <c:v>536.79999999999995</c:v>
-                </c:pt>
-                <c:pt idx="3">
-                  <c:v>360.1</c:v>
-                </c:pt>
-                <c:pt idx="4">
-                  <c:v>1853.5</c:v>
-                </c:pt>
-                <c:pt idx="5">
-                  <c:v>726.7</c:v>
-                </c:pt>
-                <c:pt idx="6">
-                  <c:v>2497</c:v>
-                </c:pt>
-                <c:pt idx="7">
-                  <c:v>751.7</c:v>
-                </c:pt>
-                <c:pt idx="8">
-                  <c:v>1328.6</c:v>
-                </c:pt>
-                <c:pt idx="9">
-                  <c:v>896.8</c:v>
-                </c:pt>
-                <c:pt idx="10">
-                  <c:v>1369.5</c:v>
-                </c:pt>
-                <c:pt idx="11">
-                  <c:v>2352.8000000000002</c:v>
-                </c:pt>
-                <c:pt idx="12">
-                  <c:v>543.29999999999995</c:v>
-                </c:pt>
-                <c:pt idx="13">
-                  <c:v>845.3</c:v>
-                </c:pt>
-                <c:pt idx="14">
-                  <c:v>1493.5</c:v>
-                </c:pt>
-                <c:pt idx="15">
-                  <c:v>1036.0999999999999</c:v>
-                </c:pt>
-                <c:pt idx="16">
-                  <c:v>2069.8000000000002</c:v>
-                </c:pt>
-                <c:pt idx="17">
-                  <c:v>2111.6</c:v>
-                </c:pt>
-                <c:pt idx="18">
-                  <c:v>2026.9</c:v>
-                </c:pt>
-                <c:pt idx="19">
-                  <c:v>1408.4</c:v>
-                </c:pt>
-                <c:pt idx="20">
-                  <c:v>2101.1999999999998</c:v>
-                </c:pt>
-              </c:numCache>
-            </c:numRef>
-          </c:yVal>
-          <c:smooth val="1"/>
-        </c:ser>
-        <c:dLbls>
-          <c:showLegendKey val="0"/>
-          <c:showVal val="0"/>
-          <c:showCatName val="0"/>
-          <c:showSerName val="0"/>
-          <c:showPercent val="0"/>
-          <c:showBubbleSize val="0"/>
-        </c:dLbls>
-        <c:axId val="70386432"/>
-        <c:axId val="70387968"/>
-      </c:scatterChart>
-      <c:valAx>
-        <c:axId val="70386432"/>
-        <c:scaling>
-          <c:orientation val="minMax"/>
-        </c:scaling>
-        <c:delete val="0"/>
-        <c:axPos val="b"/>
-        <c:numFmt formatCode="General" sourceLinked="1"/>
-        <c:majorTickMark val="out"/>
-        <c:minorTickMark val="none"/>
-        <c:tickLblPos val="nextTo"/>
-        <c:crossAx val="70387968"/>
-        <c:crosses val="autoZero"/>
-        <c:crossBetween val="midCat"/>
-      </c:valAx>
-      <c:valAx>
-        <c:axId val="70387968"/>
-        <c:scaling>
-          <c:orientation val="minMax"/>
-        </c:scaling>
-        <c:delete val="0"/>
-        <c:axPos val="l"/>
-        <c:majorGridlines/>
-        <c:numFmt formatCode="General" sourceLinked="1"/>
-        <c:majorTickMark val="out"/>
-        <c:minorTickMark val="none"/>
-        <c:tickLblPos val="nextTo"/>
-        <c:crossAx val="70386432"/>
-        <c:crosses val="autoZero"/>
-        <c:crossBetween val="midCat"/>
-      </c:valAx>
-    </c:plotArea>
-    <c:plotVisOnly val="1"/>
-    <c:dispBlanksAs val="gap"/>
-    <c:showDLblsOverMax val="0"/>
-  </c:chart>
-  <c:externalData r:id="rId1">
-    <c:autoUpdate val="0"/>
-  </c:externalData>
-</c:chartSpace>
 </file>
 
 <file path=ppt/notesMasters/notesMaster1.xml><?xml version="1.0" encoding="utf-8"?>
@@ -991,90 +470,6 @@
     </a:lvl9pPr>
   </p:notesStyle>
 </p:notesMaster>
-</file>
-
-<file path=ppt/notesSlides/notesSlide1.xml><?xml version="1.0" encoding="utf-8"?>
-<p:notes xmlns:a="http://schemas.openxmlformats.org/drawingml/2006/main" xmlns:r="http://schemas.openxmlformats.org/officeDocument/2006/relationships" xmlns:p="http://schemas.openxmlformats.org/presentationml/2006/main">
-  <p:cSld>
-    <p:spTree>
-      <p:nvGrpSpPr>
-        <p:cNvPr id="1" name=""/>
-        <p:cNvGrpSpPr/>
-        <p:nvPr/>
-      </p:nvGrpSpPr>
-      <p:grpSpPr>
-        <a:xfrm>
-          <a:off x="0" y="0"/>
-          <a:ext cx="0" cy="0"/>
-          <a:chOff x="0" y="0"/>
-          <a:chExt cx="0" cy="0"/>
-        </a:xfrm>
-      </p:grpSpPr>
-      <p:sp>
-        <p:nvSpPr>
-          <p:cNvPr id="2" name="Образ слайда 1"/>
-          <p:cNvSpPr>
-            <a:spLocks noGrp="1" noRot="1" noChangeAspect="1"/>
-          </p:cNvSpPr>
-          <p:nvPr>
-            <p:ph type="sldImg"/>
-          </p:nvPr>
-        </p:nvSpPr>
-        <p:spPr/>
-      </p:sp>
-      <p:sp>
-        <p:nvSpPr>
-          <p:cNvPr id="3" name="Заметки 2"/>
-          <p:cNvSpPr>
-            <a:spLocks noGrp="1"/>
-          </p:cNvSpPr>
-          <p:nvPr>
-            <p:ph type="body" idx="1"/>
-          </p:nvPr>
-        </p:nvSpPr>
-        <p:spPr/>
-        <p:txBody>
-          <a:bodyPr/>
-          <a:lstStyle/>
-          <a:p>
-            <a:endParaRPr lang="ru-RU" dirty="0"/>
-          </a:p>
-        </p:txBody>
-      </p:sp>
-      <p:sp>
-        <p:nvSpPr>
-          <p:cNvPr id="4" name="Номер слайда 3"/>
-          <p:cNvSpPr>
-            <a:spLocks noGrp="1"/>
-          </p:cNvSpPr>
-          <p:nvPr>
-            <p:ph type="sldNum" sz="quarter" idx="10"/>
-          </p:nvPr>
-        </p:nvSpPr>
-        <p:spPr/>
-        <p:txBody>
-          <a:bodyPr/>
-          <a:lstStyle/>
-          <a:p>
-            <a:fld id="{CD0605F1-E06D-4620-A0B4-EA8B38CFE09F}" type="slidenum">
-              <a:rPr lang="ru-RU" smtClean="0"/>
-              <a:t>2</a:t>
-            </a:fld>
-            <a:endParaRPr lang="ru-RU"/>
-          </a:p>
-        </p:txBody>
-      </p:sp>
-    </p:spTree>
-    <p:extLst>
-      <p:ext uri="{BB962C8B-B14F-4D97-AF65-F5344CB8AC3E}">
-        <p14:creationId xmlns:p14="http://schemas.microsoft.com/office/powerpoint/2010/main" val="3170476745"/>
-      </p:ext>
-    </p:extLst>
-  </p:cSld>
-  <p:clrMapOvr>
-    <a:masterClrMapping/>
-  </p:clrMapOvr>
-</p:notes>
 </file>
 
 <file path=ppt/slideLayouts/slideLayout1.xml><?xml version="1.0" encoding="utf-8"?>
@@ -4633,35 +4028,11 @@
                 <a:latin typeface="Times New Roman" pitchFamily="18" charset="0"/>
                 <a:cs typeface="Times New Roman" pitchFamily="18" charset="0"/>
               </a:rPr>
-              <a:t>Дрожжин </a:t>
-            </a:r>
-            <a:r>
-              <a:rPr lang="ru-RU" sz="2000" dirty="0" smtClean="0">
-                <a:solidFill>
-                  <a:schemeClr val="tx2">
-                    <a:lumMod val="50000"/>
-                  </a:schemeClr>
-                </a:solidFill>
-                <a:latin typeface="Times New Roman" pitchFamily="18" charset="0"/>
-                <a:cs typeface="Times New Roman" pitchFamily="18" charset="0"/>
-              </a:rPr>
-              <a:t>Н.А.</a:t>
+              <a:t>Дрожжин Н.А.</a:t>
             </a:r>
           </a:p>
           <a:p>
             <a:pPr indent="1616075"/>
-            <a:r>
-              <a:rPr lang="ru-RU" sz="2000" b="1" u="sng" dirty="0" err="1" smtClean="0">
-                <a:solidFill>
-                  <a:schemeClr val="tx2">
-                    <a:lumMod val="50000"/>
-                  </a:schemeClr>
-                </a:solidFill>
-                <a:latin typeface="Times New Roman" pitchFamily="18" charset="0"/>
-                <a:cs typeface="Times New Roman" pitchFamily="18" charset="0"/>
-              </a:rPr>
-              <a:t>Костенчук</a:t>
-            </a:r>
             <a:r>
               <a:rPr lang="ru-RU" sz="2000" b="1" u="sng" dirty="0" smtClean="0">
                 <a:solidFill>
@@ -4672,7 +4043,7 @@
                 <a:latin typeface="Times New Roman" pitchFamily="18" charset="0"/>
                 <a:cs typeface="Times New Roman" pitchFamily="18" charset="0"/>
               </a:rPr>
-              <a:t> М.И.</a:t>
+              <a:t>Костенчук М.И.</a:t>
             </a:r>
             <a:endParaRPr lang="ru-RU" sz="2000" b="1" u="sng" dirty="0">
               <a:solidFill>
@@ -4738,3406 +4109,6 @@
 </file>
 
 <file path=ppt/slides/slide10.xml><?xml version="1.0" encoding="utf-8"?>
-<p:sld xmlns:a="http://schemas.openxmlformats.org/drawingml/2006/main" xmlns:r="http://schemas.openxmlformats.org/officeDocument/2006/relationships" xmlns:p="http://schemas.openxmlformats.org/presentationml/2006/main">
-  <p:cSld>
-    <p:bg>
-      <p:bgPr>
-        <a:gradFill>
-          <a:gsLst>
-            <a:gs pos="50000">
-              <a:schemeClr val="bg1">
-                <a:tint val="80000"/>
-                <a:satMod val="250000"/>
-              </a:schemeClr>
-            </a:gs>
-            <a:gs pos="76000">
-              <a:schemeClr val="bg1">
-                <a:tint val="90000"/>
-                <a:shade val="90000"/>
-                <a:satMod val="200000"/>
-              </a:schemeClr>
-            </a:gs>
-            <a:gs pos="92000">
-              <a:schemeClr val="bg1">
-                <a:tint val="90000"/>
-                <a:shade val="70000"/>
-                <a:satMod val="250000"/>
-              </a:schemeClr>
-            </a:gs>
-          </a:gsLst>
-          <a:path path="circle">
-            <a:fillToRect l="50000" t="50000" r="50000" b="50000"/>
-          </a:path>
-        </a:gradFill>
-        <a:effectLst/>
-      </p:bgPr>
-    </p:bg>
-    <p:spTree>
-      <p:nvGrpSpPr>
-        <p:cNvPr id="1" name=""/>
-        <p:cNvGrpSpPr/>
-        <p:nvPr/>
-      </p:nvGrpSpPr>
-      <p:grpSpPr>
-        <a:xfrm>
-          <a:off x="0" y="0"/>
-          <a:ext cx="0" cy="0"/>
-          <a:chOff x="0" y="0"/>
-          <a:chExt cx="0" cy="0"/>
-        </a:xfrm>
-      </p:grpSpPr>
-      <p:pic>
-        <p:nvPicPr>
-          <p:cNvPr id="2051" name="Picture 3" descr="D:\Work\Fires\Apriori\my_tex\apriori_tree_2.png"/>
-          <p:cNvPicPr>
-            <a:picLocks noChangeAspect="1" noChangeArrowheads="1"/>
-          </p:cNvPicPr>
-          <p:nvPr/>
-        </p:nvPicPr>
-        <p:blipFill>
-          <a:blip r:embed="rId2">
-            <a:extLst>
-              <a:ext uri="{28A0092B-C50C-407E-A947-70E740481C1C}">
-                <a14:useLocalDpi xmlns:a14="http://schemas.microsoft.com/office/drawing/2010/main" val="0"/>
-              </a:ext>
-            </a:extLst>
-          </a:blip>
-          <a:srcRect/>
-          <a:stretch>
-            <a:fillRect/>
-          </a:stretch>
-        </p:blipFill>
-        <p:spPr bwMode="auto">
-          <a:xfrm>
-            <a:off x="3277716" y="2020416"/>
-            <a:ext cx="5446933" cy="1931240"/>
-          </a:xfrm>
-          <a:prstGeom prst="rect">
-            <a:avLst/>
-          </a:prstGeom>
-          <a:noFill/>
-          <a:extLst>
-            <a:ext uri="{909E8E84-426E-40DD-AFC4-6F175D3DCCD1}">
-              <a14:hiddenFill xmlns:a14="http://schemas.microsoft.com/office/drawing/2010/main">
-                <a:solidFill>
-                  <a:srgbClr val="FFFFFF"/>
-                </a:solidFill>
-              </a14:hiddenFill>
-            </a:ext>
-          </a:extLst>
-        </p:spPr>
-      </p:pic>
-      <p:sp>
-        <p:nvSpPr>
-          <p:cNvPr id="13" name="Заголовок 1"/>
-          <p:cNvSpPr txBox="1">
-            <a:spLocks/>
-          </p:cNvSpPr>
-          <p:nvPr/>
-        </p:nvSpPr>
-        <p:spPr>
-          <a:xfrm>
-            <a:off x="457200" y="188640"/>
-            <a:ext cx="8229600" cy="720080"/>
-          </a:xfrm>
-          <a:prstGeom prst="rect">
-            <a:avLst/>
-          </a:prstGeom>
-        </p:spPr>
-        <p:txBody>
-          <a:bodyPr vert="horz" lIns="91440" tIns="45720" rIns="91440" bIns="45720" rtlCol="0" anchor="b">
-            <a:noAutofit/>
-          </a:bodyPr>
-          <a:lstStyle>
-            <a:lvl1pPr algn="ctr" defTabSz="914400" rtl="0" eaLnBrk="1" latinLnBrk="0" hangingPunct="1">
-              <a:lnSpc>
-                <a:spcPts val="5800"/>
-              </a:lnSpc>
-              <a:spcBef>
-                <a:spcPct val="0"/>
-              </a:spcBef>
-              <a:buNone/>
-              <a:defRPr sz="5400" kern="1200">
-                <a:solidFill>
-                  <a:schemeClr val="tx2"/>
-                </a:solidFill>
-                <a:effectLst>
-                  <a:outerShdw blurRad="63500" dist="38100" dir="5400000" algn="t" rotWithShape="0">
-                    <a:prstClr val="black">
-                      <a:alpha val="25000"/>
-                    </a:prstClr>
-                  </a:outerShdw>
-                </a:effectLst>
-                <a:latin typeface="+mn-lt"/>
-                <a:ea typeface="+mj-ea"/>
-                <a:cs typeface="+mj-cs"/>
-              </a:defRPr>
-            </a:lvl1pPr>
-          </a:lstStyle>
-          <a:p>
-            <a:r>
-              <a:rPr lang="ru-RU" sz="3600" dirty="0" smtClean="0"/>
-              <a:t>Поиск ассоциативных правил</a:t>
-            </a:r>
-            <a:endParaRPr lang="ru-RU" sz="3600" dirty="0"/>
-          </a:p>
-        </p:txBody>
-      </p:sp>
-      <p:sp>
-        <p:nvSpPr>
-          <p:cNvPr id="14" name="Заголовок 1"/>
-          <p:cNvSpPr txBox="1">
-            <a:spLocks/>
-          </p:cNvSpPr>
-          <p:nvPr/>
-        </p:nvSpPr>
-        <p:spPr>
-          <a:xfrm>
-            <a:off x="4788024" y="836712"/>
-            <a:ext cx="3909120" cy="288032"/>
-          </a:xfrm>
-          <a:prstGeom prst="rect">
-            <a:avLst/>
-          </a:prstGeom>
-        </p:spPr>
-        <p:txBody>
-          <a:bodyPr vert="horz" lIns="91440" tIns="45720" rIns="91440" bIns="45720" rtlCol="0" anchor="ctr">
-            <a:noAutofit/>
-          </a:bodyPr>
-          <a:lstStyle>
-            <a:lvl1pPr algn="ctr" defTabSz="914400" rtl="0" eaLnBrk="1" latinLnBrk="0" hangingPunct="1">
-              <a:spcBef>
-                <a:spcPct val="0"/>
-              </a:spcBef>
-              <a:buNone/>
-              <a:defRPr sz="4400" kern="1200">
-                <a:solidFill>
-                  <a:schemeClr val="tx1"/>
-                </a:solidFill>
-                <a:latin typeface="+mj-lt"/>
-                <a:ea typeface="+mj-ea"/>
-                <a:cs typeface="+mj-cs"/>
-              </a:defRPr>
-            </a:lvl1pPr>
-          </a:lstStyle>
-          <a:p>
-            <a:pPr algn="r"/>
-            <a:r>
-              <a:rPr lang="ru-RU" sz="2800" dirty="0" smtClean="0">
-                <a:solidFill>
-                  <a:schemeClr val="bg1">
-                    <a:lumMod val="50000"/>
-                  </a:schemeClr>
-                </a:solidFill>
-              </a:rPr>
-              <a:t>Алгоритм </a:t>
-            </a:r>
-            <a:r>
-              <a:rPr lang="en-US" sz="2800" dirty="0" err="1" smtClean="0">
-                <a:solidFill>
-                  <a:schemeClr val="bg1">
-                    <a:lumMod val="50000"/>
-                  </a:schemeClr>
-                </a:solidFill>
-              </a:rPr>
-              <a:t>Apriori</a:t>
-            </a:r>
-            <a:endParaRPr lang="en-US" sz="2800" dirty="0" smtClean="0">
-              <a:solidFill>
-                <a:schemeClr val="bg1">
-                  <a:lumMod val="50000"/>
-                </a:schemeClr>
-              </a:solidFill>
-            </a:endParaRPr>
-          </a:p>
-        </p:txBody>
-      </p:sp>
-      <p:sp>
-        <p:nvSpPr>
-          <p:cNvPr id="15" name="TextBox 14"/>
-          <p:cNvSpPr txBox="1"/>
-          <p:nvPr/>
-        </p:nvSpPr>
-        <p:spPr>
-          <a:xfrm>
-            <a:off x="1115616" y="1340768"/>
-            <a:ext cx="6984776" cy="369332"/>
-          </a:xfrm>
-          <a:prstGeom prst="rect">
-            <a:avLst/>
-          </a:prstGeom>
-          <a:noFill/>
-        </p:spPr>
-        <p:txBody>
-          <a:bodyPr wrap="square" rtlCol="0">
-            <a:spAutoFit/>
-          </a:bodyPr>
-          <a:lstStyle/>
-          <a:p>
-            <a:r>
-              <a:rPr lang="ru-RU" dirty="0" smtClean="0"/>
-              <a:t>Этап </a:t>
-            </a:r>
-            <a:r>
-              <a:rPr lang="en-US" dirty="0" smtClean="0"/>
-              <a:t>2</a:t>
-            </a:r>
-            <a:r>
-              <a:rPr lang="ru-RU" dirty="0" smtClean="0"/>
-              <a:t>. Построение дерева частых наборов</a:t>
-            </a:r>
-            <a:endParaRPr lang="ru-RU" dirty="0"/>
-          </a:p>
-        </p:txBody>
-      </p:sp>
-      <p:sp>
-        <p:nvSpPr>
-          <p:cNvPr id="7" name="TextBox 6"/>
-          <p:cNvSpPr txBox="1"/>
-          <p:nvPr/>
-        </p:nvSpPr>
-        <p:spPr>
-          <a:xfrm>
-            <a:off x="457200" y="5733256"/>
-            <a:ext cx="8003232" cy="646331"/>
-          </a:xfrm>
-          <a:prstGeom prst="rect">
-            <a:avLst/>
-          </a:prstGeom>
-          <a:noFill/>
-        </p:spPr>
-        <p:txBody>
-          <a:bodyPr wrap="square" rtlCol="0">
-            <a:spAutoFit/>
-          </a:bodyPr>
-          <a:lstStyle/>
-          <a:p>
-            <a:pPr algn="ctr"/>
-            <a:r>
-              <a:rPr lang="ru-RU" dirty="0" smtClean="0"/>
-              <a:t>Показатели характеристик при </a:t>
-            </a:r>
-            <a:r>
-              <a:rPr lang="ru-RU" dirty="0"/>
-              <a:t>высоком количестве пожаров.</a:t>
-            </a:r>
-            <a:endParaRPr lang="ru-RU" dirty="0" smtClean="0"/>
-          </a:p>
-          <a:p>
-            <a:pPr algn="ctr"/>
-            <a:r>
-              <a:rPr lang="ru-RU" dirty="0"/>
-              <a:t>Значение минимальной поддержки наборов равно </a:t>
-            </a:r>
-            <a:r>
-              <a:rPr lang="en-US" dirty="0"/>
-              <a:t>0.15(</a:t>
-            </a:r>
-            <a:r>
-              <a:rPr lang="ru-RU" dirty="0"/>
-              <a:t>15%</a:t>
-            </a:r>
-            <a:r>
-              <a:rPr lang="en-US" dirty="0"/>
-              <a:t>)</a:t>
-            </a:r>
-            <a:r>
-              <a:rPr lang="ru-RU" dirty="0"/>
-              <a:t>.</a:t>
-            </a:r>
-          </a:p>
-        </p:txBody>
-      </p:sp>
-      <p:sp>
-        <p:nvSpPr>
-          <p:cNvPr id="3" name="Номер слайда 2"/>
-          <p:cNvSpPr>
-            <a:spLocks noGrp="1"/>
-          </p:cNvSpPr>
-          <p:nvPr>
-            <p:ph type="sldNum" sz="quarter" idx="12"/>
-          </p:nvPr>
-        </p:nvSpPr>
-        <p:spPr/>
-        <p:txBody>
-          <a:bodyPr/>
-          <a:lstStyle/>
-          <a:p>
-            <a:fld id="{EDFC3FDD-8E34-46B9-B4F0-1D742C30C66D}" type="slidenum">
-              <a:rPr lang="ru-RU" smtClean="0"/>
-              <a:t>10</a:t>
-            </a:fld>
-            <a:endParaRPr lang="ru-RU"/>
-          </a:p>
-        </p:txBody>
-      </p:sp>
-      <p:graphicFrame>
-        <p:nvGraphicFramePr>
-          <p:cNvPr id="9" name="Объект 3"/>
-          <p:cNvGraphicFramePr>
-            <a:graphicFrameLocks/>
-          </p:cNvGraphicFramePr>
-          <p:nvPr>
-            <p:extLst>
-              <p:ext uri="{D42A27DB-BD31-4B8C-83A1-F6EECF244321}">
-                <p14:modId xmlns:p14="http://schemas.microsoft.com/office/powerpoint/2010/main" val="4165004755"/>
-              </p:ext>
-            </p:extLst>
-          </p:nvPr>
-        </p:nvGraphicFramePr>
-        <p:xfrm>
-          <a:off x="457200" y="2164432"/>
-          <a:ext cx="2592288" cy="3352800"/>
-        </p:xfrm>
-        <a:graphic>
-          <a:graphicData uri="http://schemas.openxmlformats.org/drawingml/2006/table">
-            <a:tbl>
-              <a:tblPr firstRow="1" bandRow="1">
-                <a:tableStyleId>{E8034E78-7F5D-4C2E-B375-FC64B27BC917}</a:tableStyleId>
-              </a:tblPr>
-              <a:tblGrid>
-                <a:gridCol w="591141"/>
-                <a:gridCol w="667049"/>
-                <a:gridCol w="667049"/>
-                <a:gridCol w="667049"/>
-              </a:tblGrid>
-              <a:tr h="202932">
-                <a:tc>
-                  <a:txBody>
-                    <a:bodyPr/>
-                    <a:lstStyle/>
-                    <a:p>
-                      <a:pPr algn="ctr"/>
-                      <a:r>
-                        <a:rPr lang="ru-RU" sz="1400" dirty="0" smtClean="0"/>
-                        <a:t>А</a:t>
-                      </a:r>
-                      <a:endParaRPr lang="ru-RU" sz="1400" dirty="0"/>
-                    </a:p>
-                  </a:txBody>
-                  <a:tcPr>
-                    <a:lnL w="6350" cap="flat" cmpd="sng" algn="ctr">
-                      <a:solidFill>
-                        <a:schemeClr val="tx2"/>
-                      </a:solidFill>
-                      <a:prstDash val="solid"/>
-                      <a:round/>
-                      <a:headEnd type="none" w="med" len="med"/>
-                      <a:tailEnd type="none" w="med" len="med"/>
-                    </a:lnL>
-                    <a:lnR w="6350" cap="flat" cmpd="sng" algn="ctr">
-                      <a:solidFill>
-                        <a:schemeClr val="tx2"/>
-                      </a:solidFill>
-                      <a:prstDash val="solid"/>
-                      <a:round/>
-                      <a:headEnd type="none" w="med" len="med"/>
-                      <a:tailEnd type="none" w="med" len="med"/>
-                    </a:lnR>
-                    <a:lnT w="6350" cap="flat" cmpd="sng" algn="ctr">
-                      <a:solidFill>
-                        <a:schemeClr val="tx2"/>
-                      </a:solidFill>
-                      <a:prstDash val="solid"/>
-                      <a:round/>
-                      <a:headEnd type="none" w="med" len="med"/>
-                      <a:tailEnd type="none" w="med" len="med"/>
-                    </a:lnT>
-                    <a:lnB w="6350" cap="flat" cmpd="sng" algn="ctr">
-                      <a:solidFill>
-                        <a:schemeClr val="tx2"/>
-                      </a:solidFill>
-                      <a:prstDash val="solid"/>
-                      <a:round/>
-                      <a:headEnd type="none" w="med" len="med"/>
-                      <a:tailEnd type="none" w="med" len="med"/>
-                    </a:lnB>
-                    <a:lnTlToBr w="12700" cmpd="sng">
-                      <a:noFill/>
-                      <a:prstDash val="solid"/>
-                    </a:lnTlToBr>
-                    <a:lnBlToTr w="12700" cmpd="sng">
-                      <a:noFill/>
-                      <a:prstDash val="solid"/>
-                    </a:lnBlToTr>
-                  </a:tcPr>
-                </a:tc>
-                <a:tc>
-                  <a:txBody>
-                    <a:bodyPr/>
-                    <a:lstStyle/>
-                    <a:p>
-                      <a:pPr algn="ctr"/>
-                      <a:r>
-                        <a:rPr lang="ru-RU" sz="1400" dirty="0" smtClean="0"/>
-                        <a:t>Б</a:t>
-                      </a:r>
-                      <a:endParaRPr lang="ru-RU" sz="1400" baseline="-25000" dirty="0"/>
-                    </a:p>
-                  </a:txBody>
-                  <a:tcPr>
-                    <a:lnL w="6350" cap="flat" cmpd="sng" algn="ctr">
-                      <a:solidFill>
-                        <a:schemeClr val="tx2"/>
-                      </a:solidFill>
-                      <a:prstDash val="solid"/>
-                      <a:round/>
-                      <a:headEnd type="none" w="med" len="med"/>
-                      <a:tailEnd type="none" w="med" len="med"/>
-                    </a:lnL>
-                    <a:lnR w="6350" cap="flat" cmpd="sng" algn="ctr">
-                      <a:solidFill>
-                        <a:schemeClr val="tx2"/>
-                      </a:solidFill>
-                      <a:prstDash val="solid"/>
-                      <a:round/>
-                      <a:headEnd type="none" w="med" len="med"/>
-                      <a:tailEnd type="none" w="med" len="med"/>
-                    </a:lnR>
-                    <a:lnT w="6350" cap="flat" cmpd="sng" algn="ctr">
-                      <a:solidFill>
-                        <a:schemeClr val="tx2"/>
-                      </a:solidFill>
-                      <a:prstDash val="solid"/>
-                      <a:round/>
-                      <a:headEnd type="none" w="med" len="med"/>
-                      <a:tailEnd type="none" w="med" len="med"/>
-                    </a:lnT>
-                    <a:lnB w="6350" cap="flat" cmpd="sng" algn="ctr">
-                      <a:solidFill>
-                        <a:schemeClr val="tx2"/>
-                      </a:solidFill>
-                      <a:prstDash val="solid"/>
-                      <a:round/>
-                      <a:headEnd type="none" w="med" len="med"/>
-                      <a:tailEnd type="none" w="med" len="med"/>
-                    </a:lnB>
-                    <a:lnTlToBr w="12700" cmpd="sng">
-                      <a:noFill/>
-                      <a:prstDash val="solid"/>
-                    </a:lnTlToBr>
-                    <a:lnBlToTr w="12700" cmpd="sng">
-                      <a:noFill/>
-                      <a:prstDash val="solid"/>
-                    </a:lnBlToTr>
-                  </a:tcPr>
-                </a:tc>
-                <a:tc>
-                  <a:txBody>
-                    <a:bodyPr/>
-                    <a:lstStyle/>
-                    <a:p>
-                      <a:pPr algn="ctr"/>
-                      <a:r>
-                        <a:rPr lang="ru-RU" sz="1400" dirty="0" smtClean="0"/>
-                        <a:t>В</a:t>
-                      </a:r>
-                      <a:endParaRPr lang="ru-RU" sz="1400" dirty="0"/>
-                    </a:p>
-                  </a:txBody>
-                  <a:tcPr>
-                    <a:lnL w="6350" cap="flat" cmpd="sng" algn="ctr">
-                      <a:solidFill>
-                        <a:schemeClr val="tx2"/>
-                      </a:solidFill>
-                      <a:prstDash val="solid"/>
-                      <a:round/>
-                      <a:headEnd type="none" w="med" len="med"/>
-                      <a:tailEnd type="none" w="med" len="med"/>
-                    </a:lnL>
-                    <a:lnR w="6350" cap="flat" cmpd="sng" algn="ctr">
-                      <a:solidFill>
-                        <a:schemeClr val="tx2"/>
-                      </a:solidFill>
-                      <a:prstDash val="solid"/>
-                      <a:round/>
-                      <a:headEnd type="none" w="med" len="med"/>
-                      <a:tailEnd type="none" w="med" len="med"/>
-                    </a:lnR>
-                    <a:lnT w="6350" cap="flat" cmpd="sng" algn="ctr">
-                      <a:solidFill>
-                        <a:schemeClr val="tx2"/>
-                      </a:solidFill>
-                      <a:prstDash val="solid"/>
-                      <a:round/>
-                      <a:headEnd type="none" w="med" len="med"/>
-                      <a:tailEnd type="none" w="med" len="med"/>
-                    </a:lnT>
-                    <a:lnB w="6350" cap="flat" cmpd="sng" algn="ctr">
-                      <a:solidFill>
-                        <a:schemeClr val="tx2"/>
-                      </a:solidFill>
-                      <a:prstDash val="solid"/>
-                      <a:round/>
-                      <a:headEnd type="none" w="med" len="med"/>
-                      <a:tailEnd type="none" w="med" len="med"/>
-                    </a:lnB>
-                    <a:lnTlToBr w="12700" cmpd="sng">
-                      <a:noFill/>
-                      <a:prstDash val="solid"/>
-                    </a:lnTlToBr>
-                    <a:lnBlToTr w="12700" cmpd="sng">
-                      <a:noFill/>
-                      <a:prstDash val="solid"/>
-                    </a:lnBlToTr>
-                  </a:tcPr>
-                </a:tc>
-                <a:tc>
-                  <a:txBody>
-                    <a:bodyPr/>
-                    <a:lstStyle/>
-                    <a:p>
-                      <a:pPr algn="ctr"/>
-                      <a:r>
-                        <a:rPr lang="ru-RU" sz="1400" dirty="0" smtClean="0"/>
-                        <a:t>Г</a:t>
-                      </a:r>
-                      <a:endParaRPr lang="ru-RU" sz="1400" dirty="0"/>
-                    </a:p>
-                  </a:txBody>
-                  <a:tcPr>
-                    <a:lnL w="6350" cap="flat" cmpd="sng" algn="ctr">
-                      <a:solidFill>
-                        <a:schemeClr val="tx2"/>
-                      </a:solidFill>
-                      <a:prstDash val="solid"/>
-                      <a:round/>
-                      <a:headEnd type="none" w="med" len="med"/>
-                      <a:tailEnd type="none" w="med" len="med"/>
-                    </a:lnL>
-                    <a:lnR w="6350" cap="flat" cmpd="sng" algn="ctr">
-                      <a:solidFill>
-                        <a:schemeClr val="tx2"/>
-                      </a:solidFill>
-                      <a:prstDash val="solid"/>
-                      <a:round/>
-                      <a:headEnd type="none" w="med" len="med"/>
-                      <a:tailEnd type="none" w="med" len="med"/>
-                    </a:lnR>
-                    <a:lnT w="6350" cap="flat" cmpd="sng" algn="ctr">
-                      <a:solidFill>
-                        <a:schemeClr val="tx2"/>
-                      </a:solidFill>
-                      <a:prstDash val="solid"/>
-                      <a:round/>
-                      <a:headEnd type="none" w="med" len="med"/>
-                      <a:tailEnd type="none" w="med" len="med"/>
-                    </a:lnT>
-                    <a:lnB w="6350" cap="flat" cmpd="sng" algn="ctr">
-                      <a:solidFill>
-                        <a:schemeClr val="tx2"/>
-                      </a:solidFill>
-                      <a:prstDash val="solid"/>
-                      <a:round/>
-                      <a:headEnd type="none" w="med" len="med"/>
-                      <a:tailEnd type="none" w="med" len="med"/>
-                    </a:lnB>
-                    <a:lnTlToBr w="12700" cmpd="sng">
-                      <a:noFill/>
-                      <a:prstDash val="solid"/>
-                    </a:lnTlToBr>
-                    <a:lnBlToTr w="12700" cmpd="sng">
-                      <a:noFill/>
-                      <a:prstDash val="solid"/>
-                    </a:lnBlToTr>
-                  </a:tcPr>
-                </a:tc>
-              </a:tr>
-              <a:tr h="202932">
-                <a:tc>
-                  <a:txBody>
-                    <a:bodyPr/>
-                    <a:lstStyle/>
-                    <a:p>
-                      <a:pPr algn="ctr"/>
-                      <a:r>
-                        <a:rPr lang="ru-RU" sz="1400" dirty="0" smtClean="0">
-                          <a:solidFill>
-                            <a:schemeClr val="tx1"/>
-                          </a:solidFill>
-                        </a:rPr>
-                        <a:t>0</a:t>
-                      </a:r>
-                      <a:endParaRPr lang="ru-RU" sz="1400" dirty="0">
-                        <a:solidFill>
-                          <a:schemeClr val="tx1"/>
-                        </a:solidFill>
-                      </a:endParaRPr>
-                    </a:p>
-                  </a:txBody>
-                  <a:tcPr>
-                    <a:lnL w="6350" cap="flat" cmpd="sng" algn="ctr">
-                      <a:solidFill>
-                        <a:schemeClr val="tx2"/>
-                      </a:solidFill>
-                      <a:prstDash val="solid"/>
-                      <a:round/>
-                      <a:headEnd type="none" w="med" len="med"/>
-                      <a:tailEnd type="none" w="med" len="med"/>
-                    </a:lnL>
-                    <a:lnR w="6350" cap="flat" cmpd="sng" algn="ctr">
-                      <a:solidFill>
-                        <a:schemeClr val="tx2"/>
-                      </a:solidFill>
-                      <a:prstDash val="solid"/>
-                      <a:round/>
-                      <a:headEnd type="none" w="med" len="med"/>
-                      <a:tailEnd type="none" w="med" len="med"/>
-                    </a:lnR>
-                    <a:lnT w="6350" cap="flat" cmpd="sng" algn="ctr">
-                      <a:solidFill>
-                        <a:schemeClr val="tx2"/>
-                      </a:solidFill>
-                      <a:prstDash val="solid"/>
-                      <a:round/>
-                      <a:headEnd type="none" w="med" len="med"/>
-                      <a:tailEnd type="none" w="med" len="med"/>
-                    </a:lnT>
-                    <a:lnB w="6350" cap="flat" cmpd="sng" algn="ctr">
-                      <a:solidFill>
-                        <a:schemeClr val="tx2"/>
-                      </a:solidFill>
-                      <a:prstDash val="solid"/>
-                      <a:round/>
-                      <a:headEnd type="none" w="med" len="med"/>
-                      <a:tailEnd type="none" w="med" len="med"/>
-                    </a:lnB>
-                    <a:lnTlToBr w="12700" cmpd="sng">
-                      <a:noFill/>
-                      <a:prstDash val="solid"/>
-                    </a:lnTlToBr>
-                    <a:lnBlToTr w="12700" cmpd="sng">
-                      <a:noFill/>
-                      <a:prstDash val="solid"/>
-                    </a:lnBlToTr>
-                  </a:tcPr>
-                </a:tc>
-                <a:tc>
-                  <a:txBody>
-                    <a:bodyPr/>
-                    <a:lstStyle/>
-                    <a:p>
-                      <a:pPr algn="ctr"/>
-                      <a:r>
-                        <a:rPr lang="ru-RU" sz="1400" dirty="0" smtClean="0">
-                          <a:solidFill>
-                            <a:schemeClr val="tx1"/>
-                          </a:solidFill>
-                        </a:rPr>
-                        <a:t>0</a:t>
-                      </a:r>
-                      <a:endParaRPr lang="ru-RU" sz="1400" dirty="0">
-                        <a:solidFill>
-                          <a:schemeClr val="tx1"/>
-                        </a:solidFill>
-                      </a:endParaRPr>
-                    </a:p>
-                  </a:txBody>
-                  <a:tcPr>
-                    <a:lnL w="6350" cap="flat" cmpd="sng" algn="ctr">
-                      <a:solidFill>
-                        <a:schemeClr val="tx2"/>
-                      </a:solidFill>
-                      <a:prstDash val="solid"/>
-                      <a:round/>
-                      <a:headEnd type="none" w="med" len="med"/>
-                      <a:tailEnd type="none" w="med" len="med"/>
-                    </a:lnL>
-                    <a:lnR w="6350" cap="flat" cmpd="sng" algn="ctr">
-                      <a:solidFill>
-                        <a:schemeClr val="tx2"/>
-                      </a:solidFill>
-                      <a:prstDash val="solid"/>
-                      <a:round/>
-                      <a:headEnd type="none" w="med" len="med"/>
-                      <a:tailEnd type="none" w="med" len="med"/>
-                    </a:lnR>
-                    <a:lnT w="6350" cap="flat" cmpd="sng" algn="ctr">
-                      <a:solidFill>
-                        <a:schemeClr val="tx2"/>
-                      </a:solidFill>
-                      <a:prstDash val="solid"/>
-                      <a:round/>
-                      <a:headEnd type="none" w="med" len="med"/>
-                      <a:tailEnd type="none" w="med" len="med"/>
-                    </a:lnT>
-                    <a:lnB w="6350" cap="flat" cmpd="sng" algn="ctr">
-                      <a:solidFill>
-                        <a:schemeClr val="tx2"/>
-                      </a:solidFill>
-                      <a:prstDash val="solid"/>
-                      <a:round/>
-                      <a:headEnd type="none" w="med" len="med"/>
-                      <a:tailEnd type="none" w="med" len="med"/>
-                    </a:lnB>
-                    <a:lnTlToBr w="12700" cmpd="sng">
-                      <a:noFill/>
-                      <a:prstDash val="solid"/>
-                    </a:lnTlToBr>
-                    <a:lnBlToTr w="12700" cmpd="sng">
-                      <a:noFill/>
-                      <a:prstDash val="solid"/>
-                    </a:lnBlToTr>
-                  </a:tcPr>
-                </a:tc>
-                <a:tc>
-                  <a:txBody>
-                    <a:bodyPr/>
-                    <a:lstStyle/>
-                    <a:p>
-                      <a:pPr algn="ctr"/>
-                      <a:r>
-                        <a:rPr lang="ru-RU" sz="1400" dirty="0" smtClean="0">
-                          <a:solidFill>
-                            <a:schemeClr val="tx1"/>
-                          </a:solidFill>
-                        </a:rPr>
-                        <a:t>1</a:t>
-                      </a:r>
-                      <a:endParaRPr lang="ru-RU" sz="1400" dirty="0">
-                        <a:solidFill>
-                          <a:schemeClr val="tx1"/>
-                        </a:solidFill>
-                      </a:endParaRPr>
-                    </a:p>
-                  </a:txBody>
-                  <a:tcPr>
-                    <a:lnL w="6350" cap="flat" cmpd="sng" algn="ctr">
-                      <a:solidFill>
-                        <a:schemeClr val="tx2"/>
-                      </a:solidFill>
-                      <a:prstDash val="solid"/>
-                      <a:round/>
-                      <a:headEnd type="none" w="med" len="med"/>
-                      <a:tailEnd type="none" w="med" len="med"/>
-                    </a:lnL>
-                    <a:lnR w="6350" cap="flat" cmpd="sng" algn="ctr">
-                      <a:solidFill>
-                        <a:schemeClr val="tx2"/>
-                      </a:solidFill>
-                      <a:prstDash val="solid"/>
-                      <a:round/>
-                      <a:headEnd type="none" w="med" len="med"/>
-                      <a:tailEnd type="none" w="med" len="med"/>
-                    </a:lnR>
-                    <a:lnT w="6350" cap="flat" cmpd="sng" algn="ctr">
-                      <a:solidFill>
-                        <a:schemeClr val="tx2"/>
-                      </a:solidFill>
-                      <a:prstDash val="solid"/>
-                      <a:round/>
-                      <a:headEnd type="none" w="med" len="med"/>
-                      <a:tailEnd type="none" w="med" len="med"/>
-                    </a:lnT>
-                    <a:lnB w="6350" cap="flat" cmpd="sng" algn="ctr">
-                      <a:solidFill>
-                        <a:schemeClr val="tx2"/>
-                      </a:solidFill>
-                      <a:prstDash val="solid"/>
-                      <a:round/>
-                      <a:headEnd type="none" w="med" len="med"/>
-                      <a:tailEnd type="none" w="med" len="med"/>
-                    </a:lnB>
-                    <a:lnTlToBr w="12700" cmpd="sng">
-                      <a:noFill/>
-                      <a:prstDash val="solid"/>
-                    </a:lnTlToBr>
-                    <a:lnBlToTr w="12700" cmpd="sng">
-                      <a:noFill/>
-                      <a:prstDash val="solid"/>
-                    </a:lnBlToTr>
-                  </a:tcPr>
-                </a:tc>
-                <a:tc>
-                  <a:txBody>
-                    <a:bodyPr/>
-                    <a:lstStyle/>
-                    <a:p>
-                      <a:pPr algn="ctr"/>
-                      <a:r>
-                        <a:rPr lang="ru-RU" sz="1400" dirty="0" smtClean="0">
-                          <a:solidFill>
-                            <a:schemeClr val="tx1"/>
-                          </a:solidFill>
-                        </a:rPr>
-                        <a:t>1</a:t>
-                      </a:r>
-                      <a:endParaRPr lang="ru-RU" sz="1400" dirty="0">
-                        <a:solidFill>
-                          <a:schemeClr val="tx1"/>
-                        </a:solidFill>
-                      </a:endParaRPr>
-                    </a:p>
-                  </a:txBody>
-                  <a:tcPr>
-                    <a:lnL w="6350" cap="flat" cmpd="sng" algn="ctr">
-                      <a:solidFill>
-                        <a:schemeClr val="tx2"/>
-                      </a:solidFill>
-                      <a:prstDash val="solid"/>
-                      <a:round/>
-                      <a:headEnd type="none" w="med" len="med"/>
-                      <a:tailEnd type="none" w="med" len="med"/>
-                    </a:lnL>
-                    <a:lnR w="6350" cap="flat" cmpd="sng" algn="ctr">
-                      <a:solidFill>
-                        <a:schemeClr val="tx2"/>
-                      </a:solidFill>
-                      <a:prstDash val="solid"/>
-                      <a:round/>
-                      <a:headEnd type="none" w="med" len="med"/>
-                      <a:tailEnd type="none" w="med" len="med"/>
-                    </a:lnR>
-                    <a:lnT w="6350" cap="flat" cmpd="sng" algn="ctr">
-                      <a:solidFill>
-                        <a:schemeClr val="tx2"/>
-                      </a:solidFill>
-                      <a:prstDash val="solid"/>
-                      <a:round/>
-                      <a:headEnd type="none" w="med" len="med"/>
-                      <a:tailEnd type="none" w="med" len="med"/>
-                    </a:lnT>
-                    <a:lnB w="6350" cap="flat" cmpd="sng" algn="ctr">
-                      <a:solidFill>
-                        <a:schemeClr val="tx2"/>
-                      </a:solidFill>
-                      <a:prstDash val="solid"/>
-                      <a:round/>
-                      <a:headEnd type="none" w="med" len="med"/>
-                      <a:tailEnd type="none" w="med" len="med"/>
-                    </a:lnB>
-                    <a:lnTlToBr w="12700" cmpd="sng">
-                      <a:noFill/>
-                      <a:prstDash val="solid"/>
-                    </a:lnTlToBr>
-                    <a:lnBlToTr w="12700" cmpd="sng">
-                      <a:noFill/>
-                      <a:prstDash val="solid"/>
-                    </a:lnBlToTr>
-                  </a:tcPr>
-                </a:tc>
-              </a:tr>
-              <a:tr h="202932">
-                <a:tc>
-                  <a:txBody>
-                    <a:bodyPr/>
-                    <a:lstStyle/>
-                    <a:p>
-                      <a:pPr algn="ctr"/>
-                      <a:r>
-                        <a:rPr lang="ru-RU" sz="1400" dirty="0" smtClean="0">
-                          <a:solidFill>
-                            <a:schemeClr val="tx1"/>
-                          </a:solidFill>
-                        </a:rPr>
-                        <a:t>1</a:t>
-                      </a:r>
-                      <a:endParaRPr lang="ru-RU" sz="1400" dirty="0">
-                        <a:solidFill>
-                          <a:schemeClr val="tx1"/>
-                        </a:solidFill>
-                      </a:endParaRPr>
-                    </a:p>
-                  </a:txBody>
-                  <a:tcPr>
-                    <a:lnL w="6350" cap="flat" cmpd="sng" algn="ctr">
-                      <a:solidFill>
-                        <a:schemeClr val="tx2"/>
-                      </a:solidFill>
-                      <a:prstDash val="solid"/>
-                      <a:round/>
-                      <a:headEnd type="none" w="med" len="med"/>
-                      <a:tailEnd type="none" w="med" len="med"/>
-                    </a:lnL>
-                    <a:lnR w="6350" cap="flat" cmpd="sng" algn="ctr">
-                      <a:solidFill>
-                        <a:schemeClr val="tx2"/>
-                      </a:solidFill>
-                      <a:prstDash val="solid"/>
-                      <a:round/>
-                      <a:headEnd type="none" w="med" len="med"/>
-                      <a:tailEnd type="none" w="med" len="med"/>
-                    </a:lnR>
-                    <a:lnT w="6350" cap="flat" cmpd="sng" algn="ctr">
-                      <a:solidFill>
-                        <a:schemeClr val="tx2"/>
-                      </a:solidFill>
-                      <a:prstDash val="solid"/>
-                      <a:round/>
-                      <a:headEnd type="none" w="med" len="med"/>
-                      <a:tailEnd type="none" w="med" len="med"/>
-                    </a:lnT>
-                    <a:lnB w="6350" cap="flat" cmpd="sng" algn="ctr">
-                      <a:solidFill>
-                        <a:schemeClr val="tx2"/>
-                      </a:solidFill>
-                      <a:prstDash val="solid"/>
-                      <a:round/>
-                      <a:headEnd type="none" w="med" len="med"/>
-                      <a:tailEnd type="none" w="med" len="med"/>
-                    </a:lnB>
-                    <a:lnTlToBr w="12700" cmpd="sng">
-                      <a:noFill/>
-                      <a:prstDash val="solid"/>
-                    </a:lnTlToBr>
-                    <a:lnBlToTr w="12700" cmpd="sng">
-                      <a:noFill/>
-                      <a:prstDash val="solid"/>
-                    </a:lnBlToTr>
-                  </a:tcPr>
-                </a:tc>
-                <a:tc>
-                  <a:txBody>
-                    <a:bodyPr/>
-                    <a:lstStyle/>
-                    <a:p>
-                      <a:pPr algn="ctr"/>
-                      <a:r>
-                        <a:rPr lang="ru-RU" sz="1400" dirty="0" smtClean="0">
-                          <a:solidFill>
-                            <a:schemeClr val="tx1"/>
-                          </a:solidFill>
-                        </a:rPr>
-                        <a:t>0</a:t>
-                      </a:r>
-                      <a:endParaRPr lang="ru-RU" sz="1400" dirty="0">
-                        <a:solidFill>
-                          <a:schemeClr val="tx1"/>
-                        </a:solidFill>
-                      </a:endParaRPr>
-                    </a:p>
-                  </a:txBody>
-                  <a:tcPr>
-                    <a:lnL w="6350" cap="flat" cmpd="sng" algn="ctr">
-                      <a:solidFill>
-                        <a:schemeClr val="tx2"/>
-                      </a:solidFill>
-                      <a:prstDash val="solid"/>
-                      <a:round/>
-                      <a:headEnd type="none" w="med" len="med"/>
-                      <a:tailEnd type="none" w="med" len="med"/>
-                    </a:lnL>
-                    <a:lnR w="6350" cap="flat" cmpd="sng" algn="ctr">
-                      <a:solidFill>
-                        <a:schemeClr val="tx2"/>
-                      </a:solidFill>
-                      <a:prstDash val="solid"/>
-                      <a:round/>
-                      <a:headEnd type="none" w="med" len="med"/>
-                      <a:tailEnd type="none" w="med" len="med"/>
-                    </a:lnR>
-                    <a:lnT w="6350" cap="flat" cmpd="sng" algn="ctr">
-                      <a:solidFill>
-                        <a:schemeClr val="tx2"/>
-                      </a:solidFill>
-                      <a:prstDash val="solid"/>
-                      <a:round/>
-                      <a:headEnd type="none" w="med" len="med"/>
-                      <a:tailEnd type="none" w="med" len="med"/>
-                    </a:lnT>
-                    <a:lnB w="6350" cap="flat" cmpd="sng" algn="ctr">
-                      <a:solidFill>
-                        <a:schemeClr val="tx2"/>
-                      </a:solidFill>
-                      <a:prstDash val="solid"/>
-                      <a:round/>
-                      <a:headEnd type="none" w="med" len="med"/>
-                      <a:tailEnd type="none" w="med" len="med"/>
-                    </a:lnB>
-                    <a:lnTlToBr w="12700" cmpd="sng">
-                      <a:noFill/>
-                      <a:prstDash val="solid"/>
-                    </a:lnTlToBr>
-                    <a:lnBlToTr w="12700" cmpd="sng">
-                      <a:noFill/>
-                      <a:prstDash val="solid"/>
-                    </a:lnBlToTr>
-                  </a:tcPr>
-                </a:tc>
-                <a:tc>
-                  <a:txBody>
-                    <a:bodyPr/>
-                    <a:lstStyle/>
-                    <a:p>
-                      <a:pPr algn="ctr"/>
-                      <a:r>
-                        <a:rPr lang="ru-RU" sz="1400" dirty="0" smtClean="0">
-                          <a:solidFill>
-                            <a:schemeClr val="tx1"/>
-                          </a:solidFill>
-                        </a:rPr>
-                        <a:t>0</a:t>
-                      </a:r>
-                      <a:endParaRPr lang="ru-RU" sz="1400" dirty="0">
-                        <a:solidFill>
-                          <a:schemeClr val="tx1"/>
-                        </a:solidFill>
-                      </a:endParaRPr>
-                    </a:p>
-                  </a:txBody>
-                  <a:tcPr>
-                    <a:lnL w="6350" cap="flat" cmpd="sng" algn="ctr">
-                      <a:solidFill>
-                        <a:schemeClr val="tx2"/>
-                      </a:solidFill>
-                      <a:prstDash val="solid"/>
-                      <a:round/>
-                      <a:headEnd type="none" w="med" len="med"/>
-                      <a:tailEnd type="none" w="med" len="med"/>
-                    </a:lnL>
-                    <a:lnR w="6350" cap="flat" cmpd="sng" algn="ctr">
-                      <a:solidFill>
-                        <a:schemeClr val="tx2"/>
-                      </a:solidFill>
-                      <a:prstDash val="solid"/>
-                      <a:round/>
-                      <a:headEnd type="none" w="med" len="med"/>
-                      <a:tailEnd type="none" w="med" len="med"/>
-                    </a:lnR>
-                    <a:lnT w="6350" cap="flat" cmpd="sng" algn="ctr">
-                      <a:solidFill>
-                        <a:schemeClr val="tx2"/>
-                      </a:solidFill>
-                      <a:prstDash val="solid"/>
-                      <a:round/>
-                      <a:headEnd type="none" w="med" len="med"/>
-                      <a:tailEnd type="none" w="med" len="med"/>
-                    </a:lnT>
-                    <a:lnB w="6350" cap="flat" cmpd="sng" algn="ctr">
-                      <a:solidFill>
-                        <a:schemeClr val="tx2"/>
-                      </a:solidFill>
-                      <a:prstDash val="solid"/>
-                      <a:round/>
-                      <a:headEnd type="none" w="med" len="med"/>
-                      <a:tailEnd type="none" w="med" len="med"/>
-                    </a:lnB>
-                    <a:lnTlToBr w="12700" cmpd="sng">
-                      <a:noFill/>
-                      <a:prstDash val="solid"/>
-                    </a:lnTlToBr>
-                    <a:lnBlToTr w="12700" cmpd="sng">
-                      <a:noFill/>
-                      <a:prstDash val="solid"/>
-                    </a:lnBlToTr>
-                  </a:tcPr>
-                </a:tc>
-                <a:tc>
-                  <a:txBody>
-                    <a:bodyPr/>
-                    <a:lstStyle/>
-                    <a:p>
-                      <a:pPr algn="ctr"/>
-                      <a:r>
-                        <a:rPr lang="ru-RU" sz="1400" dirty="0" smtClean="0">
-                          <a:solidFill>
-                            <a:schemeClr val="tx1"/>
-                          </a:solidFill>
-                        </a:rPr>
-                        <a:t>1</a:t>
-                      </a:r>
-                      <a:endParaRPr lang="ru-RU" sz="1400" dirty="0">
-                        <a:solidFill>
-                          <a:schemeClr val="tx1"/>
-                        </a:solidFill>
-                      </a:endParaRPr>
-                    </a:p>
-                  </a:txBody>
-                  <a:tcPr>
-                    <a:lnL w="6350" cap="flat" cmpd="sng" algn="ctr">
-                      <a:solidFill>
-                        <a:schemeClr val="tx2"/>
-                      </a:solidFill>
-                      <a:prstDash val="solid"/>
-                      <a:round/>
-                      <a:headEnd type="none" w="med" len="med"/>
-                      <a:tailEnd type="none" w="med" len="med"/>
-                    </a:lnL>
-                    <a:lnR w="6350" cap="flat" cmpd="sng" algn="ctr">
-                      <a:solidFill>
-                        <a:schemeClr val="tx2"/>
-                      </a:solidFill>
-                      <a:prstDash val="solid"/>
-                      <a:round/>
-                      <a:headEnd type="none" w="med" len="med"/>
-                      <a:tailEnd type="none" w="med" len="med"/>
-                    </a:lnR>
-                    <a:lnT w="6350" cap="flat" cmpd="sng" algn="ctr">
-                      <a:solidFill>
-                        <a:schemeClr val="tx2"/>
-                      </a:solidFill>
-                      <a:prstDash val="solid"/>
-                      <a:round/>
-                      <a:headEnd type="none" w="med" len="med"/>
-                      <a:tailEnd type="none" w="med" len="med"/>
-                    </a:lnT>
-                    <a:lnB w="6350" cap="flat" cmpd="sng" algn="ctr">
-                      <a:solidFill>
-                        <a:schemeClr val="tx2"/>
-                      </a:solidFill>
-                      <a:prstDash val="solid"/>
-                      <a:round/>
-                      <a:headEnd type="none" w="med" len="med"/>
-                      <a:tailEnd type="none" w="med" len="med"/>
-                    </a:lnB>
-                    <a:lnTlToBr w="12700" cmpd="sng">
-                      <a:noFill/>
-                      <a:prstDash val="solid"/>
-                    </a:lnTlToBr>
-                    <a:lnBlToTr w="12700" cmpd="sng">
-                      <a:noFill/>
-                      <a:prstDash val="solid"/>
-                    </a:lnBlToTr>
-                  </a:tcPr>
-                </a:tc>
-              </a:tr>
-              <a:tr h="202932">
-                <a:tc>
-                  <a:txBody>
-                    <a:bodyPr/>
-                    <a:lstStyle/>
-                    <a:p>
-                      <a:pPr algn="ctr"/>
-                      <a:r>
-                        <a:rPr lang="ru-RU" sz="1400" dirty="0" smtClean="0">
-                          <a:solidFill>
-                            <a:schemeClr val="tx1"/>
-                          </a:solidFill>
-                        </a:rPr>
-                        <a:t>1</a:t>
-                      </a:r>
-                      <a:endParaRPr lang="ru-RU" sz="1400" dirty="0">
-                        <a:solidFill>
-                          <a:schemeClr val="tx1"/>
-                        </a:solidFill>
-                      </a:endParaRPr>
-                    </a:p>
-                  </a:txBody>
-                  <a:tcPr>
-                    <a:lnL w="6350" cap="flat" cmpd="sng" algn="ctr">
-                      <a:solidFill>
-                        <a:schemeClr val="tx2"/>
-                      </a:solidFill>
-                      <a:prstDash val="solid"/>
-                      <a:round/>
-                      <a:headEnd type="none" w="med" len="med"/>
-                      <a:tailEnd type="none" w="med" len="med"/>
-                    </a:lnL>
-                    <a:lnR w="6350" cap="flat" cmpd="sng" algn="ctr">
-                      <a:solidFill>
-                        <a:schemeClr val="tx2"/>
-                      </a:solidFill>
-                      <a:prstDash val="solid"/>
-                      <a:round/>
-                      <a:headEnd type="none" w="med" len="med"/>
-                      <a:tailEnd type="none" w="med" len="med"/>
-                    </a:lnR>
-                    <a:lnT w="6350" cap="flat" cmpd="sng" algn="ctr">
-                      <a:solidFill>
-                        <a:schemeClr val="tx2"/>
-                      </a:solidFill>
-                      <a:prstDash val="solid"/>
-                      <a:round/>
-                      <a:headEnd type="none" w="med" len="med"/>
-                      <a:tailEnd type="none" w="med" len="med"/>
-                    </a:lnT>
-                    <a:lnB w="6350" cap="flat" cmpd="sng" algn="ctr">
-                      <a:solidFill>
-                        <a:schemeClr val="tx2"/>
-                      </a:solidFill>
-                      <a:prstDash val="solid"/>
-                      <a:round/>
-                      <a:headEnd type="none" w="med" len="med"/>
-                      <a:tailEnd type="none" w="med" len="med"/>
-                    </a:lnB>
-                    <a:lnTlToBr w="12700" cmpd="sng">
-                      <a:noFill/>
-                      <a:prstDash val="solid"/>
-                    </a:lnTlToBr>
-                    <a:lnBlToTr w="12700" cmpd="sng">
-                      <a:noFill/>
-                      <a:prstDash val="solid"/>
-                    </a:lnBlToTr>
-                  </a:tcPr>
-                </a:tc>
-                <a:tc>
-                  <a:txBody>
-                    <a:bodyPr/>
-                    <a:lstStyle/>
-                    <a:p>
-                      <a:pPr algn="ctr"/>
-                      <a:r>
-                        <a:rPr lang="ru-RU" sz="1400" dirty="0" smtClean="0">
-                          <a:solidFill>
-                            <a:schemeClr val="tx1"/>
-                          </a:solidFill>
-                        </a:rPr>
-                        <a:t>1</a:t>
-                      </a:r>
-                      <a:endParaRPr lang="ru-RU" sz="1400" dirty="0">
-                        <a:solidFill>
-                          <a:schemeClr val="tx1"/>
-                        </a:solidFill>
-                      </a:endParaRPr>
-                    </a:p>
-                  </a:txBody>
-                  <a:tcPr>
-                    <a:lnL w="6350" cap="flat" cmpd="sng" algn="ctr">
-                      <a:solidFill>
-                        <a:schemeClr val="tx2"/>
-                      </a:solidFill>
-                      <a:prstDash val="solid"/>
-                      <a:round/>
-                      <a:headEnd type="none" w="med" len="med"/>
-                      <a:tailEnd type="none" w="med" len="med"/>
-                    </a:lnL>
-                    <a:lnR w="6350" cap="flat" cmpd="sng" algn="ctr">
-                      <a:solidFill>
-                        <a:schemeClr val="tx2"/>
-                      </a:solidFill>
-                      <a:prstDash val="solid"/>
-                      <a:round/>
-                      <a:headEnd type="none" w="med" len="med"/>
-                      <a:tailEnd type="none" w="med" len="med"/>
-                    </a:lnR>
-                    <a:lnT w="6350" cap="flat" cmpd="sng" algn="ctr">
-                      <a:solidFill>
-                        <a:schemeClr val="tx2"/>
-                      </a:solidFill>
-                      <a:prstDash val="solid"/>
-                      <a:round/>
-                      <a:headEnd type="none" w="med" len="med"/>
-                      <a:tailEnd type="none" w="med" len="med"/>
-                    </a:lnT>
-                    <a:lnB w="6350" cap="flat" cmpd="sng" algn="ctr">
-                      <a:solidFill>
-                        <a:schemeClr val="tx2"/>
-                      </a:solidFill>
-                      <a:prstDash val="solid"/>
-                      <a:round/>
-                      <a:headEnd type="none" w="med" len="med"/>
-                      <a:tailEnd type="none" w="med" len="med"/>
-                    </a:lnB>
-                    <a:lnTlToBr w="12700" cmpd="sng">
-                      <a:noFill/>
-                      <a:prstDash val="solid"/>
-                    </a:lnTlToBr>
-                    <a:lnBlToTr w="12700" cmpd="sng">
-                      <a:noFill/>
-                      <a:prstDash val="solid"/>
-                    </a:lnBlToTr>
-                  </a:tcPr>
-                </a:tc>
-                <a:tc>
-                  <a:txBody>
-                    <a:bodyPr/>
-                    <a:lstStyle/>
-                    <a:p>
-                      <a:pPr algn="ctr"/>
-                      <a:r>
-                        <a:rPr lang="ru-RU" sz="1400" dirty="0" smtClean="0">
-                          <a:solidFill>
-                            <a:schemeClr val="tx1"/>
-                          </a:solidFill>
-                        </a:rPr>
-                        <a:t>1</a:t>
-                      </a:r>
-                      <a:endParaRPr lang="ru-RU" sz="1400" dirty="0">
-                        <a:solidFill>
-                          <a:schemeClr val="tx1"/>
-                        </a:solidFill>
-                      </a:endParaRPr>
-                    </a:p>
-                  </a:txBody>
-                  <a:tcPr>
-                    <a:lnL w="6350" cap="flat" cmpd="sng" algn="ctr">
-                      <a:solidFill>
-                        <a:schemeClr val="tx2"/>
-                      </a:solidFill>
-                      <a:prstDash val="solid"/>
-                      <a:round/>
-                      <a:headEnd type="none" w="med" len="med"/>
-                      <a:tailEnd type="none" w="med" len="med"/>
-                    </a:lnL>
-                    <a:lnR w="6350" cap="flat" cmpd="sng" algn="ctr">
-                      <a:solidFill>
-                        <a:schemeClr val="tx2"/>
-                      </a:solidFill>
-                      <a:prstDash val="solid"/>
-                      <a:round/>
-                      <a:headEnd type="none" w="med" len="med"/>
-                      <a:tailEnd type="none" w="med" len="med"/>
-                    </a:lnR>
-                    <a:lnT w="6350" cap="flat" cmpd="sng" algn="ctr">
-                      <a:solidFill>
-                        <a:schemeClr val="tx2"/>
-                      </a:solidFill>
-                      <a:prstDash val="solid"/>
-                      <a:round/>
-                      <a:headEnd type="none" w="med" len="med"/>
-                      <a:tailEnd type="none" w="med" len="med"/>
-                    </a:lnT>
-                    <a:lnB w="6350" cap="flat" cmpd="sng" algn="ctr">
-                      <a:solidFill>
-                        <a:schemeClr val="tx2"/>
-                      </a:solidFill>
-                      <a:prstDash val="solid"/>
-                      <a:round/>
-                      <a:headEnd type="none" w="med" len="med"/>
-                      <a:tailEnd type="none" w="med" len="med"/>
-                    </a:lnB>
-                    <a:lnTlToBr w="12700" cmpd="sng">
-                      <a:noFill/>
-                      <a:prstDash val="solid"/>
-                    </a:lnTlToBr>
-                    <a:lnBlToTr w="12700" cmpd="sng">
-                      <a:noFill/>
-                      <a:prstDash val="solid"/>
-                    </a:lnBlToTr>
-                  </a:tcPr>
-                </a:tc>
-                <a:tc>
-                  <a:txBody>
-                    <a:bodyPr/>
-                    <a:lstStyle/>
-                    <a:p>
-                      <a:pPr algn="ctr"/>
-                      <a:r>
-                        <a:rPr lang="ru-RU" sz="1400" dirty="0" smtClean="0">
-                          <a:solidFill>
-                            <a:schemeClr val="tx1"/>
-                          </a:solidFill>
-                        </a:rPr>
-                        <a:t>1</a:t>
-                      </a:r>
-                      <a:endParaRPr lang="ru-RU" sz="1400" dirty="0">
-                        <a:solidFill>
-                          <a:schemeClr val="tx1"/>
-                        </a:solidFill>
-                      </a:endParaRPr>
-                    </a:p>
-                  </a:txBody>
-                  <a:tcPr>
-                    <a:lnL w="6350" cap="flat" cmpd="sng" algn="ctr">
-                      <a:solidFill>
-                        <a:schemeClr val="tx2"/>
-                      </a:solidFill>
-                      <a:prstDash val="solid"/>
-                      <a:round/>
-                      <a:headEnd type="none" w="med" len="med"/>
-                      <a:tailEnd type="none" w="med" len="med"/>
-                    </a:lnL>
-                    <a:lnR w="6350" cap="flat" cmpd="sng" algn="ctr">
-                      <a:solidFill>
-                        <a:schemeClr val="tx2"/>
-                      </a:solidFill>
-                      <a:prstDash val="solid"/>
-                      <a:round/>
-                      <a:headEnd type="none" w="med" len="med"/>
-                      <a:tailEnd type="none" w="med" len="med"/>
-                    </a:lnR>
-                    <a:lnT w="6350" cap="flat" cmpd="sng" algn="ctr">
-                      <a:solidFill>
-                        <a:schemeClr val="tx2"/>
-                      </a:solidFill>
-                      <a:prstDash val="solid"/>
-                      <a:round/>
-                      <a:headEnd type="none" w="med" len="med"/>
-                      <a:tailEnd type="none" w="med" len="med"/>
-                    </a:lnT>
-                    <a:lnB w="6350" cap="flat" cmpd="sng" algn="ctr">
-                      <a:solidFill>
-                        <a:schemeClr val="tx2"/>
-                      </a:solidFill>
-                      <a:prstDash val="solid"/>
-                      <a:round/>
-                      <a:headEnd type="none" w="med" len="med"/>
-                      <a:tailEnd type="none" w="med" len="med"/>
-                    </a:lnB>
-                    <a:lnTlToBr w="12700" cmpd="sng">
-                      <a:noFill/>
-                      <a:prstDash val="solid"/>
-                    </a:lnTlToBr>
-                    <a:lnBlToTr w="12700" cmpd="sng">
-                      <a:noFill/>
-                      <a:prstDash val="solid"/>
-                    </a:lnBlToTr>
-                  </a:tcPr>
-                </a:tc>
-              </a:tr>
-              <a:tr h="202932">
-                <a:tc>
-                  <a:txBody>
-                    <a:bodyPr/>
-                    <a:lstStyle/>
-                    <a:p>
-                      <a:pPr algn="ctr"/>
-                      <a:r>
-                        <a:rPr lang="ru-RU" sz="1400" dirty="0" smtClean="0">
-                          <a:solidFill>
-                            <a:schemeClr val="tx1"/>
-                          </a:solidFill>
-                        </a:rPr>
-                        <a:t>0</a:t>
-                      </a:r>
-                      <a:endParaRPr lang="ru-RU" sz="1400" dirty="0">
-                        <a:solidFill>
-                          <a:schemeClr val="tx1"/>
-                        </a:solidFill>
-                      </a:endParaRPr>
-                    </a:p>
-                  </a:txBody>
-                  <a:tcPr>
-                    <a:lnL w="6350" cap="flat" cmpd="sng" algn="ctr">
-                      <a:solidFill>
-                        <a:schemeClr val="tx2"/>
-                      </a:solidFill>
-                      <a:prstDash val="solid"/>
-                      <a:round/>
-                      <a:headEnd type="none" w="med" len="med"/>
-                      <a:tailEnd type="none" w="med" len="med"/>
-                    </a:lnL>
-                    <a:lnR w="6350" cap="flat" cmpd="sng" algn="ctr">
-                      <a:solidFill>
-                        <a:schemeClr val="tx2"/>
-                      </a:solidFill>
-                      <a:prstDash val="solid"/>
-                      <a:round/>
-                      <a:headEnd type="none" w="med" len="med"/>
-                      <a:tailEnd type="none" w="med" len="med"/>
-                    </a:lnR>
-                    <a:lnT w="6350" cap="flat" cmpd="sng" algn="ctr">
-                      <a:solidFill>
-                        <a:schemeClr val="tx2"/>
-                      </a:solidFill>
-                      <a:prstDash val="solid"/>
-                      <a:round/>
-                      <a:headEnd type="none" w="med" len="med"/>
-                      <a:tailEnd type="none" w="med" len="med"/>
-                    </a:lnT>
-                    <a:lnB w="6350" cap="flat" cmpd="sng" algn="ctr">
-                      <a:solidFill>
-                        <a:schemeClr val="tx2"/>
-                      </a:solidFill>
-                      <a:prstDash val="solid"/>
-                      <a:round/>
-                      <a:headEnd type="none" w="med" len="med"/>
-                      <a:tailEnd type="none" w="med" len="med"/>
-                    </a:lnB>
-                    <a:lnTlToBr w="12700" cmpd="sng">
-                      <a:noFill/>
-                      <a:prstDash val="solid"/>
-                    </a:lnTlToBr>
-                    <a:lnBlToTr w="12700" cmpd="sng">
-                      <a:noFill/>
-                      <a:prstDash val="solid"/>
-                    </a:lnBlToTr>
-                  </a:tcPr>
-                </a:tc>
-                <a:tc>
-                  <a:txBody>
-                    <a:bodyPr/>
-                    <a:lstStyle/>
-                    <a:p>
-                      <a:pPr algn="ctr"/>
-                      <a:r>
-                        <a:rPr lang="ru-RU" sz="1400" dirty="0" smtClean="0">
-                          <a:solidFill>
-                            <a:schemeClr val="tx1"/>
-                          </a:solidFill>
-                        </a:rPr>
-                        <a:t>0</a:t>
-                      </a:r>
-                      <a:endParaRPr lang="ru-RU" sz="1400" dirty="0">
-                        <a:solidFill>
-                          <a:schemeClr val="tx1"/>
-                        </a:solidFill>
-                      </a:endParaRPr>
-                    </a:p>
-                  </a:txBody>
-                  <a:tcPr>
-                    <a:lnL w="6350" cap="flat" cmpd="sng" algn="ctr">
-                      <a:solidFill>
-                        <a:schemeClr val="tx2"/>
-                      </a:solidFill>
-                      <a:prstDash val="solid"/>
-                      <a:round/>
-                      <a:headEnd type="none" w="med" len="med"/>
-                      <a:tailEnd type="none" w="med" len="med"/>
-                    </a:lnL>
-                    <a:lnR w="6350" cap="flat" cmpd="sng" algn="ctr">
-                      <a:solidFill>
-                        <a:schemeClr val="tx2"/>
-                      </a:solidFill>
-                      <a:prstDash val="solid"/>
-                      <a:round/>
-                      <a:headEnd type="none" w="med" len="med"/>
-                      <a:tailEnd type="none" w="med" len="med"/>
-                    </a:lnR>
-                    <a:lnT w="6350" cap="flat" cmpd="sng" algn="ctr">
-                      <a:solidFill>
-                        <a:schemeClr val="tx2"/>
-                      </a:solidFill>
-                      <a:prstDash val="solid"/>
-                      <a:round/>
-                      <a:headEnd type="none" w="med" len="med"/>
-                      <a:tailEnd type="none" w="med" len="med"/>
-                    </a:lnT>
-                    <a:lnB w="6350" cap="flat" cmpd="sng" algn="ctr">
-                      <a:solidFill>
-                        <a:schemeClr val="tx2"/>
-                      </a:solidFill>
-                      <a:prstDash val="solid"/>
-                      <a:round/>
-                      <a:headEnd type="none" w="med" len="med"/>
-                      <a:tailEnd type="none" w="med" len="med"/>
-                    </a:lnB>
-                    <a:lnTlToBr w="12700" cmpd="sng">
-                      <a:noFill/>
-                      <a:prstDash val="solid"/>
-                    </a:lnTlToBr>
-                    <a:lnBlToTr w="12700" cmpd="sng">
-                      <a:noFill/>
-                      <a:prstDash val="solid"/>
-                    </a:lnBlToTr>
-                  </a:tcPr>
-                </a:tc>
-                <a:tc>
-                  <a:txBody>
-                    <a:bodyPr/>
-                    <a:lstStyle/>
-                    <a:p>
-                      <a:pPr algn="ctr"/>
-                      <a:r>
-                        <a:rPr lang="ru-RU" sz="1400" dirty="0" smtClean="0">
-                          <a:solidFill>
-                            <a:schemeClr val="tx1"/>
-                          </a:solidFill>
-                        </a:rPr>
-                        <a:t>0</a:t>
-                      </a:r>
-                      <a:endParaRPr lang="ru-RU" sz="1400" dirty="0">
-                        <a:solidFill>
-                          <a:schemeClr val="tx1"/>
-                        </a:solidFill>
-                      </a:endParaRPr>
-                    </a:p>
-                  </a:txBody>
-                  <a:tcPr>
-                    <a:lnL w="6350" cap="flat" cmpd="sng" algn="ctr">
-                      <a:solidFill>
-                        <a:schemeClr val="tx2"/>
-                      </a:solidFill>
-                      <a:prstDash val="solid"/>
-                      <a:round/>
-                      <a:headEnd type="none" w="med" len="med"/>
-                      <a:tailEnd type="none" w="med" len="med"/>
-                    </a:lnL>
-                    <a:lnR w="6350" cap="flat" cmpd="sng" algn="ctr">
-                      <a:solidFill>
-                        <a:schemeClr val="tx2"/>
-                      </a:solidFill>
-                      <a:prstDash val="solid"/>
-                      <a:round/>
-                      <a:headEnd type="none" w="med" len="med"/>
-                      <a:tailEnd type="none" w="med" len="med"/>
-                    </a:lnR>
-                    <a:lnT w="6350" cap="flat" cmpd="sng" algn="ctr">
-                      <a:solidFill>
-                        <a:schemeClr val="tx2"/>
-                      </a:solidFill>
-                      <a:prstDash val="solid"/>
-                      <a:round/>
-                      <a:headEnd type="none" w="med" len="med"/>
-                      <a:tailEnd type="none" w="med" len="med"/>
-                    </a:lnT>
-                    <a:lnB w="6350" cap="flat" cmpd="sng" algn="ctr">
-                      <a:solidFill>
-                        <a:schemeClr val="tx2"/>
-                      </a:solidFill>
-                      <a:prstDash val="solid"/>
-                      <a:round/>
-                      <a:headEnd type="none" w="med" len="med"/>
-                      <a:tailEnd type="none" w="med" len="med"/>
-                    </a:lnB>
-                    <a:lnTlToBr w="12700" cmpd="sng">
-                      <a:noFill/>
-                      <a:prstDash val="solid"/>
-                    </a:lnTlToBr>
-                    <a:lnBlToTr w="12700" cmpd="sng">
-                      <a:noFill/>
-                      <a:prstDash val="solid"/>
-                    </a:lnBlToTr>
-                  </a:tcPr>
-                </a:tc>
-                <a:tc>
-                  <a:txBody>
-                    <a:bodyPr/>
-                    <a:lstStyle/>
-                    <a:p>
-                      <a:pPr algn="ctr"/>
-                      <a:r>
-                        <a:rPr lang="ru-RU" sz="1400" dirty="0" smtClean="0">
-                          <a:solidFill>
-                            <a:schemeClr val="tx1"/>
-                          </a:solidFill>
-                        </a:rPr>
-                        <a:t>1</a:t>
-                      </a:r>
-                      <a:endParaRPr lang="ru-RU" sz="1400" dirty="0">
-                        <a:solidFill>
-                          <a:schemeClr val="tx1"/>
-                        </a:solidFill>
-                      </a:endParaRPr>
-                    </a:p>
-                  </a:txBody>
-                  <a:tcPr>
-                    <a:lnL w="6350" cap="flat" cmpd="sng" algn="ctr">
-                      <a:solidFill>
-                        <a:schemeClr val="tx2"/>
-                      </a:solidFill>
-                      <a:prstDash val="solid"/>
-                      <a:round/>
-                      <a:headEnd type="none" w="med" len="med"/>
-                      <a:tailEnd type="none" w="med" len="med"/>
-                    </a:lnL>
-                    <a:lnR w="6350" cap="flat" cmpd="sng" algn="ctr">
-                      <a:solidFill>
-                        <a:schemeClr val="tx2"/>
-                      </a:solidFill>
-                      <a:prstDash val="solid"/>
-                      <a:round/>
-                      <a:headEnd type="none" w="med" len="med"/>
-                      <a:tailEnd type="none" w="med" len="med"/>
-                    </a:lnR>
-                    <a:lnT w="6350" cap="flat" cmpd="sng" algn="ctr">
-                      <a:solidFill>
-                        <a:schemeClr val="tx2"/>
-                      </a:solidFill>
-                      <a:prstDash val="solid"/>
-                      <a:round/>
-                      <a:headEnd type="none" w="med" len="med"/>
-                      <a:tailEnd type="none" w="med" len="med"/>
-                    </a:lnT>
-                    <a:lnB w="6350" cap="flat" cmpd="sng" algn="ctr">
-                      <a:solidFill>
-                        <a:schemeClr val="tx2"/>
-                      </a:solidFill>
-                      <a:prstDash val="solid"/>
-                      <a:round/>
-                      <a:headEnd type="none" w="med" len="med"/>
-                      <a:tailEnd type="none" w="med" len="med"/>
-                    </a:lnB>
-                    <a:lnTlToBr w="12700" cmpd="sng">
-                      <a:noFill/>
-                      <a:prstDash val="solid"/>
-                    </a:lnTlToBr>
-                    <a:lnBlToTr w="12700" cmpd="sng">
-                      <a:noFill/>
-                      <a:prstDash val="solid"/>
-                    </a:lnBlToTr>
-                  </a:tcPr>
-                </a:tc>
-              </a:tr>
-              <a:tr h="202932">
-                <a:tc>
-                  <a:txBody>
-                    <a:bodyPr/>
-                    <a:lstStyle/>
-                    <a:p>
-                      <a:pPr algn="ctr"/>
-                      <a:r>
-                        <a:rPr lang="ru-RU" sz="1400" dirty="0" smtClean="0">
-                          <a:solidFill>
-                            <a:schemeClr val="tx1"/>
-                          </a:solidFill>
-                        </a:rPr>
-                        <a:t>0</a:t>
-                      </a:r>
-                      <a:endParaRPr lang="ru-RU" sz="1400" dirty="0">
-                        <a:solidFill>
-                          <a:schemeClr val="tx1"/>
-                        </a:solidFill>
-                      </a:endParaRPr>
-                    </a:p>
-                  </a:txBody>
-                  <a:tcPr>
-                    <a:lnL w="6350" cap="flat" cmpd="sng" algn="ctr">
-                      <a:solidFill>
-                        <a:schemeClr val="tx2"/>
-                      </a:solidFill>
-                      <a:prstDash val="solid"/>
-                      <a:round/>
-                      <a:headEnd type="none" w="med" len="med"/>
-                      <a:tailEnd type="none" w="med" len="med"/>
-                    </a:lnL>
-                    <a:lnR w="6350" cap="flat" cmpd="sng" algn="ctr">
-                      <a:solidFill>
-                        <a:schemeClr val="tx2"/>
-                      </a:solidFill>
-                      <a:prstDash val="solid"/>
-                      <a:round/>
-                      <a:headEnd type="none" w="med" len="med"/>
-                      <a:tailEnd type="none" w="med" len="med"/>
-                    </a:lnR>
-                    <a:lnT w="6350" cap="flat" cmpd="sng" algn="ctr">
-                      <a:solidFill>
-                        <a:schemeClr val="tx2"/>
-                      </a:solidFill>
-                      <a:prstDash val="solid"/>
-                      <a:round/>
-                      <a:headEnd type="none" w="med" len="med"/>
-                      <a:tailEnd type="none" w="med" len="med"/>
-                    </a:lnT>
-                    <a:lnB w="6350" cap="flat" cmpd="sng" algn="ctr">
-                      <a:solidFill>
-                        <a:schemeClr val="tx2"/>
-                      </a:solidFill>
-                      <a:prstDash val="solid"/>
-                      <a:round/>
-                      <a:headEnd type="none" w="med" len="med"/>
-                      <a:tailEnd type="none" w="med" len="med"/>
-                    </a:lnB>
-                    <a:lnTlToBr w="12700" cmpd="sng">
-                      <a:noFill/>
-                      <a:prstDash val="solid"/>
-                    </a:lnTlToBr>
-                    <a:lnBlToTr w="12700" cmpd="sng">
-                      <a:noFill/>
-                      <a:prstDash val="solid"/>
-                    </a:lnBlToTr>
-                  </a:tcPr>
-                </a:tc>
-                <a:tc>
-                  <a:txBody>
-                    <a:bodyPr/>
-                    <a:lstStyle/>
-                    <a:p>
-                      <a:pPr algn="ctr"/>
-                      <a:r>
-                        <a:rPr lang="ru-RU" sz="1400" dirty="0" smtClean="0">
-                          <a:solidFill>
-                            <a:schemeClr val="tx1"/>
-                          </a:solidFill>
-                        </a:rPr>
-                        <a:t>0</a:t>
-                      </a:r>
-                      <a:endParaRPr lang="ru-RU" sz="1400" dirty="0">
-                        <a:solidFill>
-                          <a:schemeClr val="tx1"/>
-                        </a:solidFill>
-                      </a:endParaRPr>
-                    </a:p>
-                  </a:txBody>
-                  <a:tcPr>
-                    <a:lnL w="6350" cap="flat" cmpd="sng" algn="ctr">
-                      <a:solidFill>
-                        <a:schemeClr val="tx2"/>
-                      </a:solidFill>
-                      <a:prstDash val="solid"/>
-                      <a:round/>
-                      <a:headEnd type="none" w="med" len="med"/>
-                      <a:tailEnd type="none" w="med" len="med"/>
-                    </a:lnL>
-                    <a:lnR w="6350" cap="flat" cmpd="sng" algn="ctr">
-                      <a:solidFill>
-                        <a:schemeClr val="tx2"/>
-                      </a:solidFill>
-                      <a:prstDash val="solid"/>
-                      <a:round/>
-                      <a:headEnd type="none" w="med" len="med"/>
-                      <a:tailEnd type="none" w="med" len="med"/>
-                    </a:lnR>
-                    <a:lnT w="6350" cap="flat" cmpd="sng" algn="ctr">
-                      <a:solidFill>
-                        <a:schemeClr val="tx2"/>
-                      </a:solidFill>
-                      <a:prstDash val="solid"/>
-                      <a:round/>
-                      <a:headEnd type="none" w="med" len="med"/>
-                      <a:tailEnd type="none" w="med" len="med"/>
-                    </a:lnT>
-                    <a:lnB w="6350" cap="flat" cmpd="sng" algn="ctr">
-                      <a:solidFill>
-                        <a:schemeClr val="tx2"/>
-                      </a:solidFill>
-                      <a:prstDash val="solid"/>
-                      <a:round/>
-                      <a:headEnd type="none" w="med" len="med"/>
-                      <a:tailEnd type="none" w="med" len="med"/>
-                    </a:lnB>
-                    <a:lnTlToBr w="12700" cmpd="sng">
-                      <a:noFill/>
-                      <a:prstDash val="solid"/>
-                    </a:lnTlToBr>
-                    <a:lnBlToTr w="12700" cmpd="sng">
-                      <a:noFill/>
-                      <a:prstDash val="solid"/>
-                    </a:lnBlToTr>
-                  </a:tcPr>
-                </a:tc>
-                <a:tc>
-                  <a:txBody>
-                    <a:bodyPr/>
-                    <a:lstStyle/>
-                    <a:p>
-                      <a:pPr algn="ctr"/>
-                      <a:r>
-                        <a:rPr lang="ru-RU" sz="1400" dirty="0" smtClean="0">
-                          <a:solidFill>
-                            <a:schemeClr val="tx1"/>
-                          </a:solidFill>
-                        </a:rPr>
-                        <a:t>1</a:t>
-                      </a:r>
-                      <a:endParaRPr lang="ru-RU" sz="1400" dirty="0">
-                        <a:solidFill>
-                          <a:schemeClr val="tx1"/>
-                        </a:solidFill>
-                      </a:endParaRPr>
-                    </a:p>
-                  </a:txBody>
-                  <a:tcPr>
-                    <a:lnL w="6350" cap="flat" cmpd="sng" algn="ctr">
-                      <a:solidFill>
-                        <a:schemeClr val="tx2"/>
-                      </a:solidFill>
-                      <a:prstDash val="solid"/>
-                      <a:round/>
-                      <a:headEnd type="none" w="med" len="med"/>
-                      <a:tailEnd type="none" w="med" len="med"/>
-                    </a:lnL>
-                    <a:lnR w="6350" cap="flat" cmpd="sng" algn="ctr">
-                      <a:solidFill>
-                        <a:schemeClr val="tx2"/>
-                      </a:solidFill>
-                      <a:prstDash val="solid"/>
-                      <a:round/>
-                      <a:headEnd type="none" w="med" len="med"/>
-                      <a:tailEnd type="none" w="med" len="med"/>
-                    </a:lnR>
-                    <a:lnT w="6350" cap="flat" cmpd="sng" algn="ctr">
-                      <a:solidFill>
-                        <a:schemeClr val="tx2"/>
-                      </a:solidFill>
-                      <a:prstDash val="solid"/>
-                      <a:round/>
-                      <a:headEnd type="none" w="med" len="med"/>
-                      <a:tailEnd type="none" w="med" len="med"/>
-                    </a:lnT>
-                    <a:lnB w="6350" cap="flat" cmpd="sng" algn="ctr">
-                      <a:solidFill>
-                        <a:schemeClr val="tx2"/>
-                      </a:solidFill>
-                      <a:prstDash val="solid"/>
-                      <a:round/>
-                      <a:headEnd type="none" w="med" len="med"/>
-                      <a:tailEnd type="none" w="med" len="med"/>
-                    </a:lnB>
-                    <a:lnTlToBr w="12700" cmpd="sng">
-                      <a:noFill/>
-                      <a:prstDash val="solid"/>
-                    </a:lnTlToBr>
-                    <a:lnBlToTr w="12700" cmpd="sng">
-                      <a:noFill/>
-                      <a:prstDash val="solid"/>
-                    </a:lnBlToTr>
-                  </a:tcPr>
-                </a:tc>
-                <a:tc>
-                  <a:txBody>
-                    <a:bodyPr/>
-                    <a:lstStyle/>
-                    <a:p>
-                      <a:pPr algn="ctr"/>
-                      <a:r>
-                        <a:rPr lang="ru-RU" sz="1400" dirty="0" smtClean="0">
-                          <a:solidFill>
-                            <a:schemeClr val="tx1"/>
-                          </a:solidFill>
-                        </a:rPr>
-                        <a:t>1</a:t>
-                      </a:r>
-                      <a:endParaRPr lang="ru-RU" sz="1400" dirty="0">
-                        <a:solidFill>
-                          <a:schemeClr val="tx1"/>
-                        </a:solidFill>
-                      </a:endParaRPr>
-                    </a:p>
-                  </a:txBody>
-                  <a:tcPr>
-                    <a:lnL w="6350" cap="flat" cmpd="sng" algn="ctr">
-                      <a:solidFill>
-                        <a:schemeClr val="tx2"/>
-                      </a:solidFill>
-                      <a:prstDash val="solid"/>
-                      <a:round/>
-                      <a:headEnd type="none" w="med" len="med"/>
-                      <a:tailEnd type="none" w="med" len="med"/>
-                    </a:lnL>
-                    <a:lnR w="6350" cap="flat" cmpd="sng" algn="ctr">
-                      <a:solidFill>
-                        <a:schemeClr val="tx2"/>
-                      </a:solidFill>
-                      <a:prstDash val="solid"/>
-                      <a:round/>
-                      <a:headEnd type="none" w="med" len="med"/>
-                      <a:tailEnd type="none" w="med" len="med"/>
-                    </a:lnR>
-                    <a:lnT w="6350" cap="flat" cmpd="sng" algn="ctr">
-                      <a:solidFill>
-                        <a:schemeClr val="tx2"/>
-                      </a:solidFill>
-                      <a:prstDash val="solid"/>
-                      <a:round/>
-                      <a:headEnd type="none" w="med" len="med"/>
-                      <a:tailEnd type="none" w="med" len="med"/>
-                    </a:lnT>
-                    <a:lnB w="6350" cap="flat" cmpd="sng" algn="ctr">
-                      <a:solidFill>
-                        <a:schemeClr val="tx2"/>
-                      </a:solidFill>
-                      <a:prstDash val="solid"/>
-                      <a:round/>
-                      <a:headEnd type="none" w="med" len="med"/>
-                      <a:tailEnd type="none" w="med" len="med"/>
-                    </a:lnB>
-                    <a:lnTlToBr w="12700" cmpd="sng">
-                      <a:noFill/>
-                      <a:prstDash val="solid"/>
-                    </a:lnTlToBr>
-                    <a:lnBlToTr w="12700" cmpd="sng">
-                      <a:noFill/>
-                      <a:prstDash val="solid"/>
-                    </a:lnBlToTr>
-                  </a:tcPr>
-                </a:tc>
-              </a:tr>
-              <a:tr h="202932">
-                <a:tc>
-                  <a:txBody>
-                    <a:bodyPr/>
-                    <a:lstStyle/>
-                    <a:p>
-                      <a:pPr algn="ctr"/>
-                      <a:r>
-                        <a:rPr lang="ru-RU" sz="1400" dirty="0" smtClean="0">
-                          <a:solidFill>
-                            <a:schemeClr val="tx1"/>
-                          </a:solidFill>
-                        </a:rPr>
-                        <a:t>0</a:t>
-                      </a:r>
-                      <a:endParaRPr lang="ru-RU" sz="1400" dirty="0">
-                        <a:solidFill>
-                          <a:schemeClr val="tx1"/>
-                        </a:solidFill>
-                      </a:endParaRPr>
-                    </a:p>
-                  </a:txBody>
-                  <a:tcPr>
-                    <a:lnL w="6350" cap="flat" cmpd="sng" algn="ctr">
-                      <a:solidFill>
-                        <a:schemeClr val="tx2"/>
-                      </a:solidFill>
-                      <a:prstDash val="solid"/>
-                      <a:round/>
-                      <a:headEnd type="none" w="med" len="med"/>
-                      <a:tailEnd type="none" w="med" len="med"/>
-                    </a:lnL>
-                    <a:lnR w="6350" cap="flat" cmpd="sng" algn="ctr">
-                      <a:solidFill>
-                        <a:schemeClr val="tx2"/>
-                      </a:solidFill>
-                      <a:prstDash val="solid"/>
-                      <a:round/>
-                      <a:headEnd type="none" w="med" len="med"/>
-                      <a:tailEnd type="none" w="med" len="med"/>
-                    </a:lnR>
-                    <a:lnT w="6350" cap="flat" cmpd="sng" algn="ctr">
-                      <a:solidFill>
-                        <a:schemeClr val="tx2"/>
-                      </a:solidFill>
-                      <a:prstDash val="solid"/>
-                      <a:round/>
-                      <a:headEnd type="none" w="med" len="med"/>
-                      <a:tailEnd type="none" w="med" len="med"/>
-                    </a:lnT>
-                    <a:lnB w="6350" cap="flat" cmpd="sng" algn="ctr">
-                      <a:solidFill>
-                        <a:schemeClr val="tx2"/>
-                      </a:solidFill>
-                      <a:prstDash val="solid"/>
-                      <a:round/>
-                      <a:headEnd type="none" w="med" len="med"/>
-                      <a:tailEnd type="none" w="med" len="med"/>
-                    </a:lnB>
-                    <a:lnTlToBr w="12700" cmpd="sng">
-                      <a:noFill/>
-                      <a:prstDash val="solid"/>
-                    </a:lnTlToBr>
-                    <a:lnBlToTr w="12700" cmpd="sng">
-                      <a:noFill/>
-                      <a:prstDash val="solid"/>
-                    </a:lnBlToTr>
-                  </a:tcPr>
-                </a:tc>
-                <a:tc>
-                  <a:txBody>
-                    <a:bodyPr/>
-                    <a:lstStyle/>
-                    <a:p>
-                      <a:pPr algn="ctr"/>
-                      <a:r>
-                        <a:rPr lang="ru-RU" sz="1400" dirty="0" smtClean="0">
-                          <a:solidFill>
-                            <a:schemeClr val="tx1"/>
-                          </a:solidFill>
-                        </a:rPr>
-                        <a:t>0</a:t>
-                      </a:r>
-                      <a:endParaRPr lang="ru-RU" sz="1400" dirty="0">
-                        <a:solidFill>
-                          <a:schemeClr val="tx1"/>
-                        </a:solidFill>
-                      </a:endParaRPr>
-                    </a:p>
-                  </a:txBody>
-                  <a:tcPr>
-                    <a:lnL w="6350" cap="flat" cmpd="sng" algn="ctr">
-                      <a:solidFill>
-                        <a:schemeClr val="tx2"/>
-                      </a:solidFill>
-                      <a:prstDash val="solid"/>
-                      <a:round/>
-                      <a:headEnd type="none" w="med" len="med"/>
-                      <a:tailEnd type="none" w="med" len="med"/>
-                    </a:lnL>
-                    <a:lnR w="6350" cap="flat" cmpd="sng" algn="ctr">
-                      <a:solidFill>
-                        <a:schemeClr val="tx2"/>
-                      </a:solidFill>
-                      <a:prstDash val="solid"/>
-                      <a:round/>
-                      <a:headEnd type="none" w="med" len="med"/>
-                      <a:tailEnd type="none" w="med" len="med"/>
-                    </a:lnR>
-                    <a:lnT w="6350" cap="flat" cmpd="sng" algn="ctr">
-                      <a:solidFill>
-                        <a:schemeClr val="tx2"/>
-                      </a:solidFill>
-                      <a:prstDash val="solid"/>
-                      <a:round/>
-                      <a:headEnd type="none" w="med" len="med"/>
-                      <a:tailEnd type="none" w="med" len="med"/>
-                    </a:lnT>
-                    <a:lnB w="6350" cap="flat" cmpd="sng" algn="ctr">
-                      <a:solidFill>
-                        <a:schemeClr val="tx2"/>
-                      </a:solidFill>
-                      <a:prstDash val="solid"/>
-                      <a:round/>
-                      <a:headEnd type="none" w="med" len="med"/>
-                      <a:tailEnd type="none" w="med" len="med"/>
-                    </a:lnB>
-                    <a:lnTlToBr w="12700" cmpd="sng">
-                      <a:noFill/>
-                      <a:prstDash val="solid"/>
-                    </a:lnTlToBr>
-                    <a:lnBlToTr w="12700" cmpd="sng">
-                      <a:noFill/>
-                      <a:prstDash val="solid"/>
-                    </a:lnBlToTr>
-                  </a:tcPr>
-                </a:tc>
-                <a:tc>
-                  <a:txBody>
-                    <a:bodyPr/>
-                    <a:lstStyle/>
-                    <a:p>
-                      <a:pPr algn="ctr"/>
-                      <a:r>
-                        <a:rPr lang="ru-RU" sz="1400" dirty="0" smtClean="0">
-                          <a:solidFill>
-                            <a:schemeClr val="tx1"/>
-                          </a:solidFill>
-                        </a:rPr>
-                        <a:t>1</a:t>
-                      </a:r>
-                      <a:endParaRPr lang="ru-RU" sz="1400" dirty="0">
-                        <a:solidFill>
-                          <a:schemeClr val="tx1"/>
-                        </a:solidFill>
-                      </a:endParaRPr>
-                    </a:p>
-                  </a:txBody>
-                  <a:tcPr>
-                    <a:lnL w="6350" cap="flat" cmpd="sng" algn="ctr">
-                      <a:solidFill>
-                        <a:schemeClr val="tx2"/>
-                      </a:solidFill>
-                      <a:prstDash val="solid"/>
-                      <a:round/>
-                      <a:headEnd type="none" w="med" len="med"/>
-                      <a:tailEnd type="none" w="med" len="med"/>
-                    </a:lnL>
-                    <a:lnR w="6350" cap="flat" cmpd="sng" algn="ctr">
-                      <a:solidFill>
-                        <a:schemeClr val="tx2"/>
-                      </a:solidFill>
-                      <a:prstDash val="solid"/>
-                      <a:round/>
-                      <a:headEnd type="none" w="med" len="med"/>
-                      <a:tailEnd type="none" w="med" len="med"/>
-                    </a:lnR>
-                    <a:lnT w="6350" cap="flat" cmpd="sng" algn="ctr">
-                      <a:solidFill>
-                        <a:schemeClr val="tx2"/>
-                      </a:solidFill>
-                      <a:prstDash val="solid"/>
-                      <a:round/>
-                      <a:headEnd type="none" w="med" len="med"/>
-                      <a:tailEnd type="none" w="med" len="med"/>
-                    </a:lnT>
-                    <a:lnB w="6350" cap="flat" cmpd="sng" algn="ctr">
-                      <a:solidFill>
-                        <a:schemeClr val="tx2"/>
-                      </a:solidFill>
-                      <a:prstDash val="solid"/>
-                      <a:round/>
-                      <a:headEnd type="none" w="med" len="med"/>
-                      <a:tailEnd type="none" w="med" len="med"/>
-                    </a:lnB>
-                    <a:lnTlToBr w="12700" cmpd="sng">
-                      <a:noFill/>
-                      <a:prstDash val="solid"/>
-                    </a:lnTlToBr>
-                    <a:lnBlToTr w="12700" cmpd="sng">
-                      <a:noFill/>
-                      <a:prstDash val="solid"/>
-                    </a:lnBlToTr>
-                  </a:tcPr>
-                </a:tc>
-                <a:tc>
-                  <a:txBody>
-                    <a:bodyPr/>
-                    <a:lstStyle/>
-                    <a:p>
-                      <a:pPr algn="ctr"/>
-                      <a:r>
-                        <a:rPr lang="ru-RU" sz="1400" dirty="0" smtClean="0">
-                          <a:solidFill>
-                            <a:schemeClr val="tx1"/>
-                          </a:solidFill>
-                        </a:rPr>
-                        <a:t>0</a:t>
-                      </a:r>
-                      <a:endParaRPr lang="ru-RU" sz="1400" dirty="0">
-                        <a:solidFill>
-                          <a:schemeClr val="tx1"/>
-                        </a:solidFill>
-                      </a:endParaRPr>
-                    </a:p>
-                  </a:txBody>
-                  <a:tcPr>
-                    <a:lnL w="6350" cap="flat" cmpd="sng" algn="ctr">
-                      <a:solidFill>
-                        <a:schemeClr val="tx2"/>
-                      </a:solidFill>
-                      <a:prstDash val="solid"/>
-                      <a:round/>
-                      <a:headEnd type="none" w="med" len="med"/>
-                      <a:tailEnd type="none" w="med" len="med"/>
-                    </a:lnL>
-                    <a:lnR w="6350" cap="flat" cmpd="sng" algn="ctr">
-                      <a:solidFill>
-                        <a:schemeClr val="tx2"/>
-                      </a:solidFill>
-                      <a:prstDash val="solid"/>
-                      <a:round/>
-                      <a:headEnd type="none" w="med" len="med"/>
-                      <a:tailEnd type="none" w="med" len="med"/>
-                    </a:lnR>
-                    <a:lnT w="6350" cap="flat" cmpd="sng" algn="ctr">
-                      <a:solidFill>
-                        <a:schemeClr val="tx2"/>
-                      </a:solidFill>
-                      <a:prstDash val="solid"/>
-                      <a:round/>
-                      <a:headEnd type="none" w="med" len="med"/>
-                      <a:tailEnd type="none" w="med" len="med"/>
-                    </a:lnT>
-                    <a:lnB w="6350" cap="flat" cmpd="sng" algn="ctr">
-                      <a:solidFill>
-                        <a:schemeClr val="tx2"/>
-                      </a:solidFill>
-                      <a:prstDash val="solid"/>
-                      <a:round/>
-                      <a:headEnd type="none" w="med" len="med"/>
-                      <a:tailEnd type="none" w="med" len="med"/>
-                    </a:lnB>
-                    <a:lnTlToBr w="12700" cmpd="sng">
-                      <a:noFill/>
-                      <a:prstDash val="solid"/>
-                    </a:lnTlToBr>
-                    <a:lnBlToTr w="12700" cmpd="sng">
-                      <a:noFill/>
-                      <a:prstDash val="solid"/>
-                    </a:lnBlToTr>
-                  </a:tcPr>
-                </a:tc>
-              </a:tr>
-              <a:tr h="202932">
-                <a:tc>
-                  <a:txBody>
-                    <a:bodyPr/>
-                    <a:lstStyle/>
-                    <a:p>
-                      <a:pPr algn="ctr"/>
-                      <a:r>
-                        <a:rPr lang="ru-RU" sz="1400" dirty="0" smtClean="0">
-                          <a:solidFill>
-                            <a:schemeClr val="tx1"/>
-                          </a:solidFill>
-                        </a:rPr>
-                        <a:t>1</a:t>
-                      </a:r>
-                      <a:endParaRPr lang="ru-RU" sz="1400" dirty="0">
-                        <a:solidFill>
-                          <a:schemeClr val="tx1"/>
-                        </a:solidFill>
-                      </a:endParaRPr>
-                    </a:p>
-                  </a:txBody>
-                  <a:tcPr>
-                    <a:lnL w="6350" cap="flat" cmpd="sng" algn="ctr">
-                      <a:solidFill>
-                        <a:schemeClr val="tx2"/>
-                      </a:solidFill>
-                      <a:prstDash val="solid"/>
-                      <a:round/>
-                      <a:headEnd type="none" w="med" len="med"/>
-                      <a:tailEnd type="none" w="med" len="med"/>
-                    </a:lnL>
-                    <a:lnR w="6350" cap="flat" cmpd="sng" algn="ctr">
-                      <a:solidFill>
-                        <a:schemeClr val="tx2"/>
-                      </a:solidFill>
-                      <a:prstDash val="solid"/>
-                      <a:round/>
-                      <a:headEnd type="none" w="med" len="med"/>
-                      <a:tailEnd type="none" w="med" len="med"/>
-                    </a:lnR>
-                    <a:lnT w="6350" cap="flat" cmpd="sng" algn="ctr">
-                      <a:solidFill>
-                        <a:schemeClr val="tx2"/>
-                      </a:solidFill>
-                      <a:prstDash val="solid"/>
-                      <a:round/>
-                      <a:headEnd type="none" w="med" len="med"/>
-                      <a:tailEnd type="none" w="med" len="med"/>
-                    </a:lnT>
-                    <a:lnB w="6350" cap="flat" cmpd="sng" algn="ctr">
-                      <a:solidFill>
-                        <a:schemeClr val="tx2"/>
-                      </a:solidFill>
-                      <a:prstDash val="solid"/>
-                      <a:round/>
-                      <a:headEnd type="none" w="med" len="med"/>
-                      <a:tailEnd type="none" w="med" len="med"/>
-                    </a:lnB>
-                    <a:lnTlToBr w="12700" cmpd="sng">
-                      <a:noFill/>
-                      <a:prstDash val="solid"/>
-                    </a:lnTlToBr>
-                    <a:lnBlToTr w="12700" cmpd="sng">
-                      <a:noFill/>
-                      <a:prstDash val="solid"/>
-                    </a:lnBlToTr>
-                  </a:tcPr>
-                </a:tc>
-                <a:tc>
-                  <a:txBody>
-                    <a:bodyPr/>
-                    <a:lstStyle/>
-                    <a:p>
-                      <a:pPr algn="ctr"/>
-                      <a:r>
-                        <a:rPr lang="ru-RU" sz="1400" dirty="0" smtClean="0">
-                          <a:solidFill>
-                            <a:schemeClr val="tx1"/>
-                          </a:solidFill>
-                        </a:rPr>
-                        <a:t>0</a:t>
-                      </a:r>
-                      <a:endParaRPr lang="ru-RU" sz="1400" dirty="0">
-                        <a:solidFill>
-                          <a:schemeClr val="tx1"/>
-                        </a:solidFill>
-                      </a:endParaRPr>
-                    </a:p>
-                  </a:txBody>
-                  <a:tcPr>
-                    <a:lnL w="6350" cap="flat" cmpd="sng" algn="ctr">
-                      <a:solidFill>
-                        <a:schemeClr val="tx2"/>
-                      </a:solidFill>
-                      <a:prstDash val="solid"/>
-                      <a:round/>
-                      <a:headEnd type="none" w="med" len="med"/>
-                      <a:tailEnd type="none" w="med" len="med"/>
-                    </a:lnL>
-                    <a:lnR w="6350" cap="flat" cmpd="sng" algn="ctr">
-                      <a:solidFill>
-                        <a:schemeClr val="tx2"/>
-                      </a:solidFill>
-                      <a:prstDash val="solid"/>
-                      <a:round/>
-                      <a:headEnd type="none" w="med" len="med"/>
-                      <a:tailEnd type="none" w="med" len="med"/>
-                    </a:lnR>
-                    <a:lnT w="6350" cap="flat" cmpd="sng" algn="ctr">
-                      <a:solidFill>
-                        <a:schemeClr val="tx2"/>
-                      </a:solidFill>
-                      <a:prstDash val="solid"/>
-                      <a:round/>
-                      <a:headEnd type="none" w="med" len="med"/>
-                      <a:tailEnd type="none" w="med" len="med"/>
-                    </a:lnT>
-                    <a:lnB w="6350" cap="flat" cmpd="sng" algn="ctr">
-                      <a:solidFill>
-                        <a:schemeClr val="tx2"/>
-                      </a:solidFill>
-                      <a:prstDash val="solid"/>
-                      <a:round/>
-                      <a:headEnd type="none" w="med" len="med"/>
-                      <a:tailEnd type="none" w="med" len="med"/>
-                    </a:lnB>
-                    <a:lnTlToBr w="12700" cmpd="sng">
-                      <a:noFill/>
-                      <a:prstDash val="solid"/>
-                    </a:lnTlToBr>
-                    <a:lnBlToTr w="12700" cmpd="sng">
-                      <a:noFill/>
-                      <a:prstDash val="solid"/>
-                    </a:lnBlToTr>
-                  </a:tcPr>
-                </a:tc>
-                <a:tc>
-                  <a:txBody>
-                    <a:bodyPr/>
-                    <a:lstStyle/>
-                    <a:p>
-                      <a:pPr algn="ctr"/>
-                      <a:r>
-                        <a:rPr lang="ru-RU" sz="1400" dirty="0" smtClean="0">
-                          <a:solidFill>
-                            <a:schemeClr val="tx1"/>
-                          </a:solidFill>
-                        </a:rPr>
-                        <a:t>1</a:t>
-                      </a:r>
-                      <a:endParaRPr lang="ru-RU" sz="1400" dirty="0">
-                        <a:solidFill>
-                          <a:schemeClr val="tx1"/>
-                        </a:solidFill>
-                      </a:endParaRPr>
-                    </a:p>
-                  </a:txBody>
-                  <a:tcPr>
-                    <a:lnL w="6350" cap="flat" cmpd="sng" algn="ctr">
-                      <a:solidFill>
-                        <a:schemeClr val="tx2"/>
-                      </a:solidFill>
-                      <a:prstDash val="solid"/>
-                      <a:round/>
-                      <a:headEnd type="none" w="med" len="med"/>
-                      <a:tailEnd type="none" w="med" len="med"/>
-                    </a:lnL>
-                    <a:lnR w="6350" cap="flat" cmpd="sng" algn="ctr">
-                      <a:solidFill>
-                        <a:schemeClr val="tx2"/>
-                      </a:solidFill>
-                      <a:prstDash val="solid"/>
-                      <a:round/>
-                      <a:headEnd type="none" w="med" len="med"/>
-                      <a:tailEnd type="none" w="med" len="med"/>
-                    </a:lnR>
-                    <a:lnT w="6350" cap="flat" cmpd="sng" algn="ctr">
-                      <a:solidFill>
-                        <a:schemeClr val="tx2"/>
-                      </a:solidFill>
-                      <a:prstDash val="solid"/>
-                      <a:round/>
-                      <a:headEnd type="none" w="med" len="med"/>
-                      <a:tailEnd type="none" w="med" len="med"/>
-                    </a:lnT>
-                    <a:lnB w="6350" cap="flat" cmpd="sng" algn="ctr">
-                      <a:solidFill>
-                        <a:schemeClr val="tx2"/>
-                      </a:solidFill>
-                      <a:prstDash val="solid"/>
-                      <a:round/>
-                      <a:headEnd type="none" w="med" len="med"/>
-                      <a:tailEnd type="none" w="med" len="med"/>
-                    </a:lnB>
-                    <a:lnTlToBr w="12700" cmpd="sng">
-                      <a:noFill/>
-                      <a:prstDash val="solid"/>
-                    </a:lnTlToBr>
-                    <a:lnBlToTr w="12700" cmpd="sng">
-                      <a:noFill/>
-                      <a:prstDash val="solid"/>
-                    </a:lnBlToTr>
-                  </a:tcPr>
-                </a:tc>
-                <a:tc>
-                  <a:txBody>
-                    <a:bodyPr/>
-                    <a:lstStyle/>
-                    <a:p>
-                      <a:pPr algn="ctr"/>
-                      <a:r>
-                        <a:rPr lang="ru-RU" sz="1400" dirty="0" smtClean="0">
-                          <a:solidFill>
-                            <a:schemeClr val="tx1"/>
-                          </a:solidFill>
-                        </a:rPr>
-                        <a:t>0</a:t>
-                      </a:r>
-                      <a:endParaRPr lang="ru-RU" sz="1400" dirty="0">
-                        <a:solidFill>
-                          <a:schemeClr val="tx1"/>
-                        </a:solidFill>
-                      </a:endParaRPr>
-                    </a:p>
-                  </a:txBody>
-                  <a:tcPr>
-                    <a:lnL w="6350" cap="flat" cmpd="sng" algn="ctr">
-                      <a:solidFill>
-                        <a:schemeClr val="tx2"/>
-                      </a:solidFill>
-                      <a:prstDash val="solid"/>
-                      <a:round/>
-                      <a:headEnd type="none" w="med" len="med"/>
-                      <a:tailEnd type="none" w="med" len="med"/>
-                    </a:lnL>
-                    <a:lnR w="6350" cap="flat" cmpd="sng" algn="ctr">
-                      <a:solidFill>
-                        <a:schemeClr val="tx2"/>
-                      </a:solidFill>
-                      <a:prstDash val="solid"/>
-                      <a:round/>
-                      <a:headEnd type="none" w="med" len="med"/>
-                      <a:tailEnd type="none" w="med" len="med"/>
-                    </a:lnR>
-                    <a:lnT w="6350" cap="flat" cmpd="sng" algn="ctr">
-                      <a:solidFill>
-                        <a:schemeClr val="tx2"/>
-                      </a:solidFill>
-                      <a:prstDash val="solid"/>
-                      <a:round/>
-                      <a:headEnd type="none" w="med" len="med"/>
-                      <a:tailEnd type="none" w="med" len="med"/>
-                    </a:lnT>
-                    <a:lnB w="6350" cap="flat" cmpd="sng" algn="ctr">
-                      <a:solidFill>
-                        <a:schemeClr val="tx2"/>
-                      </a:solidFill>
-                      <a:prstDash val="solid"/>
-                      <a:round/>
-                      <a:headEnd type="none" w="med" len="med"/>
-                      <a:tailEnd type="none" w="med" len="med"/>
-                    </a:lnB>
-                    <a:lnTlToBr w="12700" cmpd="sng">
-                      <a:noFill/>
-                      <a:prstDash val="solid"/>
-                    </a:lnTlToBr>
-                    <a:lnBlToTr w="12700" cmpd="sng">
-                      <a:noFill/>
-                      <a:prstDash val="solid"/>
-                    </a:lnBlToTr>
-                  </a:tcPr>
-                </a:tc>
-              </a:tr>
-              <a:tr h="202932">
-                <a:tc>
-                  <a:txBody>
-                    <a:bodyPr/>
-                    <a:lstStyle/>
-                    <a:p>
-                      <a:pPr algn="ctr"/>
-                      <a:r>
-                        <a:rPr lang="ru-RU" sz="1400" dirty="0" smtClean="0">
-                          <a:solidFill>
-                            <a:schemeClr val="tx1"/>
-                          </a:solidFill>
-                        </a:rPr>
-                        <a:t>0</a:t>
-                      </a:r>
-                      <a:endParaRPr lang="ru-RU" sz="1400" dirty="0">
-                        <a:solidFill>
-                          <a:schemeClr val="tx1"/>
-                        </a:solidFill>
-                      </a:endParaRPr>
-                    </a:p>
-                  </a:txBody>
-                  <a:tcPr>
-                    <a:lnL w="6350" cap="flat" cmpd="sng" algn="ctr">
-                      <a:solidFill>
-                        <a:schemeClr val="tx2"/>
-                      </a:solidFill>
-                      <a:prstDash val="solid"/>
-                      <a:round/>
-                      <a:headEnd type="none" w="med" len="med"/>
-                      <a:tailEnd type="none" w="med" len="med"/>
-                    </a:lnL>
-                    <a:lnR w="6350" cap="flat" cmpd="sng" algn="ctr">
-                      <a:solidFill>
-                        <a:schemeClr val="tx2"/>
-                      </a:solidFill>
-                      <a:prstDash val="solid"/>
-                      <a:round/>
-                      <a:headEnd type="none" w="med" len="med"/>
-                      <a:tailEnd type="none" w="med" len="med"/>
-                    </a:lnR>
-                    <a:lnT w="6350" cap="flat" cmpd="sng" algn="ctr">
-                      <a:solidFill>
-                        <a:schemeClr val="tx2"/>
-                      </a:solidFill>
-                      <a:prstDash val="solid"/>
-                      <a:round/>
-                      <a:headEnd type="none" w="med" len="med"/>
-                      <a:tailEnd type="none" w="med" len="med"/>
-                    </a:lnT>
-                    <a:lnB w="6350" cap="flat" cmpd="sng" algn="ctr">
-                      <a:solidFill>
-                        <a:schemeClr val="tx2"/>
-                      </a:solidFill>
-                      <a:prstDash val="solid"/>
-                      <a:round/>
-                      <a:headEnd type="none" w="med" len="med"/>
-                      <a:tailEnd type="none" w="med" len="med"/>
-                    </a:lnB>
-                    <a:lnTlToBr w="12700" cmpd="sng">
-                      <a:noFill/>
-                      <a:prstDash val="solid"/>
-                    </a:lnTlToBr>
-                    <a:lnBlToTr w="12700" cmpd="sng">
-                      <a:noFill/>
-                      <a:prstDash val="solid"/>
-                    </a:lnBlToTr>
-                  </a:tcPr>
-                </a:tc>
-                <a:tc>
-                  <a:txBody>
-                    <a:bodyPr/>
-                    <a:lstStyle/>
-                    <a:p>
-                      <a:pPr algn="ctr"/>
-                      <a:r>
-                        <a:rPr lang="ru-RU" sz="1400" dirty="0" smtClean="0">
-                          <a:solidFill>
-                            <a:schemeClr val="tx1"/>
-                          </a:solidFill>
-                        </a:rPr>
-                        <a:t>0</a:t>
-                      </a:r>
-                      <a:endParaRPr lang="ru-RU" sz="1400" dirty="0">
-                        <a:solidFill>
-                          <a:schemeClr val="tx1"/>
-                        </a:solidFill>
-                      </a:endParaRPr>
-                    </a:p>
-                  </a:txBody>
-                  <a:tcPr>
-                    <a:lnL w="6350" cap="flat" cmpd="sng" algn="ctr">
-                      <a:solidFill>
-                        <a:schemeClr val="tx2"/>
-                      </a:solidFill>
-                      <a:prstDash val="solid"/>
-                      <a:round/>
-                      <a:headEnd type="none" w="med" len="med"/>
-                      <a:tailEnd type="none" w="med" len="med"/>
-                    </a:lnL>
-                    <a:lnR w="6350" cap="flat" cmpd="sng" algn="ctr">
-                      <a:solidFill>
-                        <a:schemeClr val="tx2"/>
-                      </a:solidFill>
-                      <a:prstDash val="solid"/>
-                      <a:round/>
-                      <a:headEnd type="none" w="med" len="med"/>
-                      <a:tailEnd type="none" w="med" len="med"/>
-                    </a:lnR>
-                    <a:lnT w="6350" cap="flat" cmpd="sng" algn="ctr">
-                      <a:solidFill>
-                        <a:schemeClr val="tx2"/>
-                      </a:solidFill>
-                      <a:prstDash val="solid"/>
-                      <a:round/>
-                      <a:headEnd type="none" w="med" len="med"/>
-                      <a:tailEnd type="none" w="med" len="med"/>
-                    </a:lnT>
-                    <a:lnB w="6350" cap="flat" cmpd="sng" algn="ctr">
-                      <a:solidFill>
-                        <a:schemeClr val="tx2"/>
-                      </a:solidFill>
-                      <a:prstDash val="solid"/>
-                      <a:round/>
-                      <a:headEnd type="none" w="med" len="med"/>
-                      <a:tailEnd type="none" w="med" len="med"/>
-                    </a:lnB>
-                    <a:lnTlToBr w="12700" cmpd="sng">
-                      <a:noFill/>
-                      <a:prstDash val="solid"/>
-                    </a:lnTlToBr>
-                    <a:lnBlToTr w="12700" cmpd="sng">
-                      <a:noFill/>
-                      <a:prstDash val="solid"/>
-                    </a:lnBlToTr>
-                  </a:tcPr>
-                </a:tc>
-                <a:tc>
-                  <a:txBody>
-                    <a:bodyPr/>
-                    <a:lstStyle/>
-                    <a:p>
-                      <a:pPr algn="ctr"/>
-                      <a:r>
-                        <a:rPr lang="ru-RU" sz="1400" dirty="0" smtClean="0">
-                          <a:solidFill>
-                            <a:schemeClr val="tx1"/>
-                          </a:solidFill>
-                        </a:rPr>
-                        <a:t>0</a:t>
-                      </a:r>
-                      <a:endParaRPr lang="ru-RU" sz="1400" dirty="0">
-                        <a:solidFill>
-                          <a:schemeClr val="tx1"/>
-                        </a:solidFill>
-                      </a:endParaRPr>
-                    </a:p>
-                  </a:txBody>
-                  <a:tcPr>
-                    <a:lnL w="6350" cap="flat" cmpd="sng" algn="ctr">
-                      <a:solidFill>
-                        <a:schemeClr val="tx2"/>
-                      </a:solidFill>
-                      <a:prstDash val="solid"/>
-                      <a:round/>
-                      <a:headEnd type="none" w="med" len="med"/>
-                      <a:tailEnd type="none" w="med" len="med"/>
-                    </a:lnL>
-                    <a:lnR w="6350" cap="flat" cmpd="sng" algn="ctr">
-                      <a:solidFill>
-                        <a:schemeClr val="tx2"/>
-                      </a:solidFill>
-                      <a:prstDash val="solid"/>
-                      <a:round/>
-                      <a:headEnd type="none" w="med" len="med"/>
-                      <a:tailEnd type="none" w="med" len="med"/>
-                    </a:lnR>
-                    <a:lnT w="6350" cap="flat" cmpd="sng" algn="ctr">
-                      <a:solidFill>
-                        <a:schemeClr val="tx2"/>
-                      </a:solidFill>
-                      <a:prstDash val="solid"/>
-                      <a:round/>
-                      <a:headEnd type="none" w="med" len="med"/>
-                      <a:tailEnd type="none" w="med" len="med"/>
-                    </a:lnT>
-                    <a:lnB w="6350" cap="flat" cmpd="sng" algn="ctr">
-                      <a:solidFill>
-                        <a:schemeClr val="tx2"/>
-                      </a:solidFill>
-                      <a:prstDash val="solid"/>
-                      <a:round/>
-                      <a:headEnd type="none" w="med" len="med"/>
-                      <a:tailEnd type="none" w="med" len="med"/>
-                    </a:lnB>
-                    <a:lnTlToBr w="12700" cmpd="sng">
-                      <a:noFill/>
-                      <a:prstDash val="solid"/>
-                    </a:lnTlToBr>
-                    <a:lnBlToTr w="12700" cmpd="sng">
-                      <a:noFill/>
-                      <a:prstDash val="solid"/>
-                    </a:lnBlToTr>
-                  </a:tcPr>
-                </a:tc>
-                <a:tc>
-                  <a:txBody>
-                    <a:bodyPr/>
-                    <a:lstStyle/>
-                    <a:p>
-                      <a:pPr algn="ctr"/>
-                      <a:r>
-                        <a:rPr lang="ru-RU" sz="1400" dirty="0" smtClean="0">
-                          <a:solidFill>
-                            <a:schemeClr val="tx1"/>
-                          </a:solidFill>
-                        </a:rPr>
-                        <a:t>1</a:t>
-                      </a:r>
-                      <a:endParaRPr lang="ru-RU" sz="1400" dirty="0">
-                        <a:solidFill>
-                          <a:schemeClr val="tx1"/>
-                        </a:solidFill>
-                      </a:endParaRPr>
-                    </a:p>
-                  </a:txBody>
-                  <a:tcPr>
-                    <a:lnL w="6350" cap="flat" cmpd="sng" algn="ctr">
-                      <a:solidFill>
-                        <a:schemeClr val="tx2"/>
-                      </a:solidFill>
-                      <a:prstDash val="solid"/>
-                      <a:round/>
-                      <a:headEnd type="none" w="med" len="med"/>
-                      <a:tailEnd type="none" w="med" len="med"/>
-                    </a:lnL>
-                    <a:lnR w="6350" cap="flat" cmpd="sng" algn="ctr">
-                      <a:solidFill>
-                        <a:schemeClr val="tx2"/>
-                      </a:solidFill>
-                      <a:prstDash val="solid"/>
-                      <a:round/>
-                      <a:headEnd type="none" w="med" len="med"/>
-                      <a:tailEnd type="none" w="med" len="med"/>
-                    </a:lnR>
-                    <a:lnT w="6350" cap="flat" cmpd="sng" algn="ctr">
-                      <a:solidFill>
-                        <a:schemeClr val="tx2"/>
-                      </a:solidFill>
-                      <a:prstDash val="solid"/>
-                      <a:round/>
-                      <a:headEnd type="none" w="med" len="med"/>
-                      <a:tailEnd type="none" w="med" len="med"/>
-                    </a:lnT>
-                    <a:lnB w="6350" cap="flat" cmpd="sng" algn="ctr">
-                      <a:solidFill>
-                        <a:schemeClr val="tx2"/>
-                      </a:solidFill>
-                      <a:prstDash val="solid"/>
-                      <a:round/>
-                      <a:headEnd type="none" w="med" len="med"/>
-                      <a:tailEnd type="none" w="med" len="med"/>
-                    </a:lnB>
-                    <a:lnTlToBr w="12700" cmpd="sng">
-                      <a:noFill/>
-                      <a:prstDash val="solid"/>
-                    </a:lnTlToBr>
-                    <a:lnBlToTr w="12700" cmpd="sng">
-                      <a:noFill/>
-                      <a:prstDash val="solid"/>
-                    </a:lnBlToTr>
-                  </a:tcPr>
-                </a:tc>
-              </a:tr>
-              <a:tr h="202932">
-                <a:tc>
-                  <a:txBody>
-                    <a:bodyPr/>
-                    <a:lstStyle/>
-                    <a:p>
-                      <a:pPr algn="ctr"/>
-                      <a:r>
-                        <a:rPr lang="ru-RU" sz="1400" dirty="0" smtClean="0">
-                          <a:solidFill>
-                            <a:schemeClr val="tx1"/>
-                          </a:solidFill>
-                        </a:rPr>
-                        <a:t>0</a:t>
-                      </a:r>
-                      <a:endParaRPr lang="ru-RU" sz="1400" dirty="0">
-                        <a:solidFill>
-                          <a:schemeClr val="tx1"/>
-                        </a:solidFill>
-                      </a:endParaRPr>
-                    </a:p>
-                  </a:txBody>
-                  <a:tcPr>
-                    <a:lnL w="6350" cap="flat" cmpd="sng" algn="ctr">
-                      <a:solidFill>
-                        <a:schemeClr val="tx2"/>
-                      </a:solidFill>
-                      <a:prstDash val="solid"/>
-                      <a:round/>
-                      <a:headEnd type="none" w="med" len="med"/>
-                      <a:tailEnd type="none" w="med" len="med"/>
-                    </a:lnL>
-                    <a:lnR w="6350" cap="flat" cmpd="sng" algn="ctr">
-                      <a:solidFill>
-                        <a:schemeClr val="tx2"/>
-                      </a:solidFill>
-                      <a:prstDash val="solid"/>
-                      <a:round/>
-                      <a:headEnd type="none" w="med" len="med"/>
-                      <a:tailEnd type="none" w="med" len="med"/>
-                    </a:lnR>
-                    <a:lnT w="6350" cap="flat" cmpd="sng" algn="ctr">
-                      <a:solidFill>
-                        <a:schemeClr val="tx2"/>
-                      </a:solidFill>
-                      <a:prstDash val="solid"/>
-                      <a:round/>
-                      <a:headEnd type="none" w="med" len="med"/>
-                      <a:tailEnd type="none" w="med" len="med"/>
-                    </a:lnT>
-                    <a:lnB w="6350" cap="flat" cmpd="sng" algn="ctr">
-                      <a:solidFill>
-                        <a:schemeClr val="tx2"/>
-                      </a:solidFill>
-                      <a:prstDash val="solid"/>
-                      <a:round/>
-                      <a:headEnd type="none" w="med" len="med"/>
-                      <a:tailEnd type="none" w="med" len="med"/>
-                    </a:lnB>
-                    <a:lnTlToBr w="12700" cmpd="sng">
-                      <a:noFill/>
-                      <a:prstDash val="solid"/>
-                    </a:lnTlToBr>
-                    <a:lnBlToTr w="12700" cmpd="sng">
-                      <a:noFill/>
-                      <a:prstDash val="solid"/>
-                    </a:lnBlToTr>
-                  </a:tcPr>
-                </a:tc>
-                <a:tc>
-                  <a:txBody>
-                    <a:bodyPr/>
-                    <a:lstStyle/>
-                    <a:p>
-                      <a:pPr algn="ctr"/>
-                      <a:r>
-                        <a:rPr lang="ru-RU" sz="1400" dirty="0" smtClean="0">
-                          <a:solidFill>
-                            <a:schemeClr val="tx1"/>
-                          </a:solidFill>
-                        </a:rPr>
-                        <a:t>0</a:t>
-                      </a:r>
-                      <a:endParaRPr lang="ru-RU" sz="1400" dirty="0">
-                        <a:solidFill>
-                          <a:schemeClr val="tx1"/>
-                        </a:solidFill>
-                      </a:endParaRPr>
-                    </a:p>
-                  </a:txBody>
-                  <a:tcPr>
-                    <a:lnL w="6350" cap="flat" cmpd="sng" algn="ctr">
-                      <a:solidFill>
-                        <a:schemeClr val="tx2"/>
-                      </a:solidFill>
-                      <a:prstDash val="solid"/>
-                      <a:round/>
-                      <a:headEnd type="none" w="med" len="med"/>
-                      <a:tailEnd type="none" w="med" len="med"/>
-                    </a:lnL>
-                    <a:lnR w="6350" cap="flat" cmpd="sng" algn="ctr">
-                      <a:solidFill>
-                        <a:schemeClr val="tx2"/>
-                      </a:solidFill>
-                      <a:prstDash val="solid"/>
-                      <a:round/>
-                      <a:headEnd type="none" w="med" len="med"/>
-                      <a:tailEnd type="none" w="med" len="med"/>
-                    </a:lnR>
-                    <a:lnT w="6350" cap="flat" cmpd="sng" algn="ctr">
-                      <a:solidFill>
-                        <a:schemeClr val="tx2"/>
-                      </a:solidFill>
-                      <a:prstDash val="solid"/>
-                      <a:round/>
-                      <a:headEnd type="none" w="med" len="med"/>
-                      <a:tailEnd type="none" w="med" len="med"/>
-                    </a:lnT>
-                    <a:lnB w="6350" cap="flat" cmpd="sng" algn="ctr">
-                      <a:solidFill>
-                        <a:schemeClr val="tx2"/>
-                      </a:solidFill>
-                      <a:prstDash val="solid"/>
-                      <a:round/>
-                      <a:headEnd type="none" w="med" len="med"/>
-                      <a:tailEnd type="none" w="med" len="med"/>
-                    </a:lnB>
-                    <a:lnTlToBr w="12700" cmpd="sng">
-                      <a:noFill/>
-                      <a:prstDash val="solid"/>
-                    </a:lnTlToBr>
-                    <a:lnBlToTr w="12700" cmpd="sng">
-                      <a:noFill/>
-                      <a:prstDash val="solid"/>
-                    </a:lnBlToTr>
-                  </a:tcPr>
-                </a:tc>
-                <a:tc>
-                  <a:txBody>
-                    <a:bodyPr/>
-                    <a:lstStyle/>
-                    <a:p>
-                      <a:pPr algn="ctr"/>
-                      <a:r>
-                        <a:rPr lang="ru-RU" sz="1400" dirty="0" smtClean="0">
-                          <a:solidFill>
-                            <a:schemeClr val="tx1"/>
-                          </a:solidFill>
-                        </a:rPr>
-                        <a:t>1</a:t>
-                      </a:r>
-                      <a:endParaRPr lang="ru-RU" sz="1400" dirty="0">
-                        <a:solidFill>
-                          <a:schemeClr val="tx1"/>
-                        </a:solidFill>
-                      </a:endParaRPr>
-                    </a:p>
-                  </a:txBody>
-                  <a:tcPr>
-                    <a:lnL w="6350" cap="flat" cmpd="sng" algn="ctr">
-                      <a:solidFill>
-                        <a:schemeClr val="tx2"/>
-                      </a:solidFill>
-                      <a:prstDash val="solid"/>
-                      <a:round/>
-                      <a:headEnd type="none" w="med" len="med"/>
-                      <a:tailEnd type="none" w="med" len="med"/>
-                    </a:lnL>
-                    <a:lnR w="6350" cap="flat" cmpd="sng" algn="ctr">
-                      <a:solidFill>
-                        <a:schemeClr val="tx2"/>
-                      </a:solidFill>
-                      <a:prstDash val="solid"/>
-                      <a:round/>
-                      <a:headEnd type="none" w="med" len="med"/>
-                      <a:tailEnd type="none" w="med" len="med"/>
-                    </a:lnR>
-                    <a:lnT w="6350" cap="flat" cmpd="sng" algn="ctr">
-                      <a:solidFill>
-                        <a:schemeClr val="tx2"/>
-                      </a:solidFill>
-                      <a:prstDash val="solid"/>
-                      <a:round/>
-                      <a:headEnd type="none" w="med" len="med"/>
-                      <a:tailEnd type="none" w="med" len="med"/>
-                    </a:lnT>
-                    <a:lnB w="6350" cap="flat" cmpd="sng" algn="ctr">
-                      <a:solidFill>
-                        <a:schemeClr val="tx2"/>
-                      </a:solidFill>
-                      <a:prstDash val="solid"/>
-                      <a:round/>
-                      <a:headEnd type="none" w="med" len="med"/>
-                      <a:tailEnd type="none" w="med" len="med"/>
-                    </a:lnB>
-                    <a:lnTlToBr w="12700" cmpd="sng">
-                      <a:noFill/>
-                      <a:prstDash val="solid"/>
-                    </a:lnTlToBr>
-                    <a:lnBlToTr w="12700" cmpd="sng">
-                      <a:noFill/>
-                      <a:prstDash val="solid"/>
-                    </a:lnBlToTr>
-                  </a:tcPr>
-                </a:tc>
-                <a:tc>
-                  <a:txBody>
-                    <a:bodyPr/>
-                    <a:lstStyle/>
-                    <a:p>
-                      <a:pPr algn="ctr"/>
-                      <a:r>
-                        <a:rPr lang="ru-RU" sz="1400" dirty="0" smtClean="0">
-                          <a:solidFill>
-                            <a:schemeClr val="tx1"/>
-                          </a:solidFill>
-                        </a:rPr>
-                        <a:t>1</a:t>
-                      </a:r>
-                      <a:endParaRPr lang="ru-RU" sz="1400" dirty="0">
-                        <a:solidFill>
-                          <a:schemeClr val="tx1"/>
-                        </a:solidFill>
-                      </a:endParaRPr>
-                    </a:p>
-                  </a:txBody>
-                  <a:tcPr>
-                    <a:lnL w="6350" cap="flat" cmpd="sng" algn="ctr">
-                      <a:solidFill>
-                        <a:schemeClr val="tx2"/>
-                      </a:solidFill>
-                      <a:prstDash val="solid"/>
-                      <a:round/>
-                      <a:headEnd type="none" w="med" len="med"/>
-                      <a:tailEnd type="none" w="med" len="med"/>
-                    </a:lnL>
-                    <a:lnR w="6350" cap="flat" cmpd="sng" algn="ctr">
-                      <a:solidFill>
-                        <a:schemeClr val="tx2"/>
-                      </a:solidFill>
-                      <a:prstDash val="solid"/>
-                      <a:round/>
-                      <a:headEnd type="none" w="med" len="med"/>
-                      <a:tailEnd type="none" w="med" len="med"/>
-                    </a:lnR>
-                    <a:lnT w="6350" cap="flat" cmpd="sng" algn="ctr">
-                      <a:solidFill>
-                        <a:schemeClr val="tx2"/>
-                      </a:solidFill>
-                      <a:prstDash val="solid"/>
-                      <a:round/>
-                      <a:headEnd type="none" w="med" len="med"/>
-                      <a:tailEnd type="none" w="med" len="med"/>
-                    </a:lnT>
-                    <a:lnB w="6350" cap="flat" cmpd="sng" algn="ctr">
-                      <a:solidFill>
-                        <a:schemeClr val="tx2"/>
-                      </a:solidFill>
-                      <a:prstDash val="solid"/>
-                      <a:round/>
-                      <a:headEnd type="none" w="med" len="med"/>
-                      <a:tailEnd type="none" w="med" len="med"/>
-                    </a:lnB>
-                    <a:lnTlToBr w="12700" cmpd="sng">
-                      <a:noFill/>
-                      <a:prstDash val="solid"/>
-                    </a:lnTlToBr>
-                    <a:lnBlToTr w="12700" cmpd="sng">
-                      <a:noFill/>
-                      <a:prstDash val="solid"/>
-                    </a:lnBlToTr>
-                  </a:tcPr>
-                </a:tc>
-              </a:tr>
-              <a:tr h="202932">
-                <a:tc>
-                  <a:txBody>
-                    <a:bodyPr/>
-                    <a:lstStyle/>
-                    <a:p>
-                      <a:pPr algn="ctr"/>
-                      <a:r>
-                        <a:rPr lang="ru-RU" sz="1400" dirty="0" smtClean="0">
-                          <a:solidFill>
-                            <a:schemeClr val="tx1"/>
-                          </a:solidFill>
-                        </a:rPr>
-                        <a:t>0</a:t>
-                      </a:r>
-                      <a:endParaRPr lang="ru-RU" sz="1400" dirty="0">
-                        <a:solidFill>
-                          <a:schemeClr val="tx1"/>
-                        </a:solidFill>
-                      </a:endParaRPr>
-                    </a:p>
-                  </a:txBody>
-                  <a:tcPr>
-                    <a:lnL w="6350" cap="flat" cmpd="sng" algn="ctr">
-                      <a:solidFill>
-                        <a:schemeClr val="tx2"/>
-                      </a:solidFill>
-                      <a:prstDash val="solid"/>
-                      <a:round/>
-                      <a:headEnd type="none" w="med" len="med"/>
-                      <a:tailEnd type="none" w="med" len="med"/>
-                    </a:lnL>
-                    <a:lnR w="6350" cap="flat" cmpd="sng" algn="ctr">
-                      <a:solidFill>
-                        <a:schemeClr val="tx2"/>
-                      </a:solidFill>
-                      <a:prstDash val="solid"/>
-                      <a:round/>
-                      <a:headEnd type="none" w="med" len="med"/>
-                      <a:tailEnd type="none" w="med" len="med"/>
-                    </a:lnR>
-                    <a:lnT w="6350" cap="flat" cmpd="sng" algn="ctr">
-                      <a:solidFill>
-                        <a:schemeClr val="tx2"/>
-                      </a:solidFill>
-                      <a:prstDash val="solid"/>
-                      <a:round/>
-                      <a:headEnd type="none" w="med" len="med"/>
-                      <a:tailEnd type="none" w="med" len="med"/>
-                    </a:lnT>
-                    <a:lnB w="6350" cap="flat" cmpd="sng" algn="ctr">
-                      <a:solidFill>
-                        <a:schemeClr val="tx2"/>
-                      </a:solidFill>
-                      <a:prstDash val="solid"/>
-                      <a:round/>
-                      <a:headEnd type="none" w="med" len="med"/>
-                      <a:tailEnd type="none" w="med" len="med"/>
-                    </a:lnB>
-                    <a:lnTlToBr w="12700" cmpd="sng">
-                      <a:noFill/>
-                      <a:prstDash val="solid"/>
-                    </a:lnTlToBr>
-                    <a:lnBlToTr w="12700" cmpd="sng">
-                      <a:noFill/>
-                      <a:prstDash val="solid"/>
-                    </a:lnBlToTr>
-                  </a:tcPr>
-                </a:tc>
-                <a:tc>
-                  <a:txBody>
-                    <a:bodyPr/>
-                    <a:lstStyle/>
-                    <a:p>
-                      <a:pPr algn="ctr"/>
-                      <a:r>
-                        <a:rPr lang="ru-RU" sz="1400" dirty="0" smtClean="0">
-                          <a:solidFill>
-                            <a:schemeClr val="tx1"/>
-                          </a:solidFill>
-                        </a:rPr>
-                        <a:t>1</a:t>
-                      </a:r>
-                      <a:endParaRPr lang="ru-RU" sz="1400" dirty="0">
-                        <a:solidFill>
-                          <a:schemeClr val="tx1"/>
-                        </a:solidFill>
-                      </a:endParaRPr>
-                    </a:p>
-                  </a:txBody>
-                  <a:tcPr>
-                    <a:lnL w="6350" cap="flat" cmpd="sng" algn="ctr">
-                      <a:solidFill>
-                        <a:schemeClr val="tx2"/>
-                      </a:solidFill>
-                      <a:prstDash val="solid"/>
-                      <a:round/>
-                      <a:headEnd type="none" w="med" len="med"/>
-                      <a:tailEnd type="none" w="med" len="med"/>
-                    </a:lnL>
-                    <a:lnR w="6350" cap="flat" cmpd="sng" algn="ctr">
-                      <a:solidFill>
-                        <a:schemeClr val="tx2"/>
-                      </a:solidFill>
-                      <a:prstDash val="solid"/>
-                      <a:round/>
-                      <a:headEnd type="none" w="med" len="med"/>
-                      <a:tailEnd type="none" w="med" len="med"/>
-                    </a:lnR>
-                    <a:lnT w="6350" cap="flat" cmpd="sng" algn="ctr">
-                      <a:solidFill>
-                        <a:schemeClr val="tx2"/>
-                      </a:solidFill>
-                      <a:prstDash val="solid"/>
-                      <a:round/>
-                      <a:headEnd type="none" w="med" len="med"/>
-                      <a:tailEnd type="none" w="med" len="med"/>
-                    </a:lnT>
-                    <a:lnB w="6350" cap="flat" cmpd="sng" algn="ctr">
-                      <a:solidFill>
-                        <a:schemeClr val="tx2"/>
-                      </a:solidFill>
-                      <a:prstDash val="solid"/>
-                      <a:round/>
-                      <a:headEnd type="none" w="med" len="med"/>
-                      <a:tailEnd type="none" w="med" len="med"/>
-                    </a:lnB>
-                    <a:lnTlToBr w="12700" cmpd="sng">
-                      <a:noFill/>
-                      <a:prstDash val="solid"/>
-                    </a:lnTlToBr>
-                    <a:lnBlToTr w="12700" cmpd="sng">
-                      <a:noFill/>
-                      <a:prstDash val="solid"/>
-                    </a:lnBlToTr>
-                  </a:tcPr>
-                </a:tc>
-                <a:tc>
-                  <a:txBody>
-                    <a:bodyPr/>
-                    <a:lstStyle/>
-                    <a:p>
-                      <a:pPr algn="ctr"/>
-                      <a:r>
-                        <a:rPr lang="ru-RU" sz="1400" dirty="0" smtClean="0">
-                          <a:solidFill>
-                            <a:schemeClr val="tx1"/>
-                          </a:solidFill>
-                        </a:rPr>
-                        <a:t>0</a:t>
-                      </a:r>
-                      <a:endParaRPr lang="ru-RU" sz="1400" dirty="0">
-                        <a:solidFill>
-                          <a:schemeClr val="tx1"/>
-                        </a:solidFill>
-                      </a:endParaRPr>
-                    </a:p>
-                  </a:txBody>
-                  <a:tcPr>
-                    <a:lnL w="6350" cap="flat" cmpd="sng" algn="ctr">
-                      <a:solidFill>
-                        <a:schemeClr val="tx2"/>
-                      </a:solidFill>
-                      <a:prstDash val="solid"/>
-                      <a:round/>
-                      <a:headEnd type="none" w="med" len="med"/>
-                      <a:tailEnd type="none" w="med" len="med"/>
-                    </a:lnL>
-                    <a:lnR w="6350" cap="flat" cmpd="sng" algn="ctr">
-                      <a:solidFill>
-                        <a:schemeClr val="tx2"/>
-                      </a:solidFill>
-                      <a:prstDash val="solid"/>
-                      <a:round/>
-                      <a:headEnd type="none" w="med" len="med"/>
-                      <a:tailEnd type="none" w="med" len="med"/>
-                    </a:lnR>
-                    <a:lnT w="6350" cap="flat" cmpd="sng" algn="ctr">
-                      <a:solidFill>
-                        <a:schemeClr val="tx2"/>
-                      </a:solidFill>
-                      <a:prstDash val="solid"/>
-                      <a:round/>
-                      <a:headEnd type="none" w="med" len="med"/>
-                      <a:tailEnd type="none" w="med" len="med"/>
-                    </a:lnT>
-                    <a:lnB w="6350" cap="flat" cmpd="sng" algn="ctr">
-                      <a:solidFill>
-                        <a:schemeClr val="tx2"/>
-                      </a:solidFill>
-                      <a:prstDash val="solid"/>
-                      <a:round/>
-                      <a:headEnd type="none" w="med" len="med"/>
-                      <a:tailEnd type="none" w="med" len="med"/>
-                    </a:lnB>
-                    <a:lnTlToBr w="12700" cmpd="sng">
-                      <a:noFill/>
-                      <a:prstDash val="solid"/>
-                    </a:lnTlToBr>
-                    <a:lnBlToTr w="12700" cmpd="sng">
-                      <a:noFill/>
-                      <a:prstDash val="solid"/>
-                    </a:lnBlToTr>
-                  </a:tcPr>
-                </a:tc>
-                <a:tc>
-                  <a:txBody>
-                    <a:bodyPr/>
-                    <a:lstStyle/>
-                    <a:p>
-                      <a:pPr algn="ctr"/>
-                      <a:r>
-                        <a:rPr lang="ru-RU" sz="1400" dirty="0" smtClean="0">
-                          <a:solidFill>
-                            <a:schemeClr val="tx1"/>
-                          </a:solidFill>
-                        </a:rPr>
-                        <a:t>0</a:t>
-                      </a:r>
-                      <a:endParaRPr lang="ru-RU" sz="1400" dirty="0">
-                        <a:solidFill>
-                          <a:schemeClr val="tx1"/>
-                        </a:solidFill>
-                      </a:endParaRPr>
-                    </a:p>
-                  </a:txBody>
-                  <a:tcPr>
-                    <a:lnL w="6350" cap="flat" cmpd="sng" algn="ctr">
-                      <a:solidFill>
-                        <a:schemeClr val="tx2"/>
-                      </a:solidFill>
-                      <a:prstDash val="solid"/>
-                      <a:round/>
-                      <a:headEnd type="none" w="med" len="med"/>
-                      <a:tailEnd type="none" w="med" len="med"/>
-                    </a:lnL>
-                    <a:lnR w="6350" cap="flat" cmpd="sng" algn="ctr">
-                      <a:solidFill>
-                        <a:schemeClr val="tx2"/>
-                      </a:solidFill>
-                      <a:prstDash val="solid"/>
-                      <a:round/>
-                      <a:headEnd type="none" w="med" len="med"/>
-                      <a:tailEnd type="none" w="med" len="med"/>
-                    </a:lnR>
-                    <a:lnT w="6350" cap="flat" cmpd="sng" algn="ctr">
-                      <a:solidFill>
-                        <a:schemeClr val="tx2"/>
-                      </a:solidFill>
-                      <a:prstDash val="solid"/>
-                      <a:round/>
-                      <a:headEnd type="none" w="med" len="med"/>
-                      <a:tailEnd type="none" w="med" len="med"/>
-                    </a:lnT>
-                    <a:lnB w="6350" cap="flat" cmpd="sng" algn="ctr">
-                      <a:solidFill>
-                        <a:schemeClr val="tx2"/>
-                      </a:solidFill>
-                      <a:prstDash val="solid"/>
-                      <a:round/>
-                      <a:headEnd type="none" w="med" len="med"/>
-                      <a:tailEnd type="none" w="med" len="med"/>
-                    </a:lnB>
-                    <a:lnTlToBr w="12700" cmpd="sng">
-                      <a:noFill/>
-                      <a:prstDash val="solid"/>
-                    </a:lnTlToBr>
-                    <a:lnBlToTr w="12700" cmpd="sng">
-                      <a:noFill/>
-                      <a:prstDash val="solid"/>
-                    </a:lnBlToTr>
-                  </a:tcPr>
-                </a:tc>
-              </a:tr>
-            </a:tbl>
-          </a:graphicData>
-        </a:graphic>
-      </p:graphicFrame>
-      <p:sp>
-        <p:nvSpPr>
-          <p:cNvPr id="10" name="TextBox 9"/>
-          <p:cNvSpPr txBox="1"/>
-          <p:nvPr/>
-        </p:nvSpPr>
-        <p:spPr>
-          <a:xfrm>
-            <a:off x="395536" y="1835750"/>
-            <a:ext cx="2797561" cy="369332"/>
-          </a:xfrm>
-          <a:prstGeom prst="rect">
-            <a:avLst/>
-          </a:prstGeom>
-          <a:noFill/>
-        </p:spPr>
-        <p:txBody>
-          <a:bodyPr wrap="none" rtlCol="0">
-            <a:spAutoFit/>
-          </a:bodyPr>
-          <a:lstStyle/>
-          <a:p>
-            <a:r>
-              <a:rPr lang="ru-RU" dirty="0" smtClean="0"/>
-              <a:t>Высокое число пожаров</a:t>
-            </a:r>
-            <a:endParaRPr lang="ru-RU" dirty="0"/>
-          </a:p>
-        </p:txBody>
-      </p:sp>
-    </p:spTree>
-    <p:extLst>
-      <p:ext uri="{BB962C8B-B14F-4D97-AF65-F5344CB8AC3E}">
-        <p14:creationId xmlns:p14="http://schemas.microsoft.com/office/powerpoint/2010/main" val="1542972249"/>
-      </p:ext>
-    </p:extLst>
-  </p:cSld>
-  <p:clrMapOvr>
-    <a:masterClrMapping/>
-  </p:clrMapOvr>
-  <p:timing>
-    <p:tnLst>
-      <p:par>
-        <p:cTn id="1" dur="indefinite" restart="never" nodeType="tmRoot"/>
-      </p:par>
-    </p:tnLst>
-  </p:timing>
-</p:sld>
-</file>
-
-<file path=ppt/slides/slide11.xml><?xml version="1.0" encoding="utf-8"?>
 <p:sld xmlns:a="http://schemas.openxmlformats.org/drawingml/2006/main" xmlns:r="http://schemas.openxmlformats.org/officeDocument/2006/relationships" xmlns:p="http://schemas.openxmlformats.org/presentationml/2006/main">
   <p:cSld>
     <p:bg>
@@ -8425,7 +4396,7 @@
           <a:p>
             <a:fld id="{EDFC3FDD-8E34-46B9-B4F0-1D742C30C66D}" type="slidenum">
               <a:rPr lang="ru-RU" smtClean="0"/>
-              <a:t>11</a:t>
+              <a:t>10</a:t>
             </a:fld>
             <a:endParaRPr lang="ru-RU" dirty="0"/>
           </a:p>
@@ -11538,7 +7509,7 @@
 </p:sld>
 </file>
 
-<file path=ppt/slides/slide12.xml><?xml version="1.0" encoding="utf-8"?>
+<file path=ppt/slides/slide11.xml><?xml version="1.0" encoding="utf-8"?>
 <p:sld xmlns:a="http://schemas.openxmlformats.org/drawingml/2006/main" xmlns:r="http://schemas.openxmlformats.org/officeDocument/2006/relationships" xmlns:p="http://schemas.openxmlformats.org/presentationml/2006/main">
   <p:cSld>
     <p:spTree>
@@ -11677,7 +7648,7 @@
           <p:nvPr>
             <p:extLst>
               <p:ext uri="{D42A27DB-BD31-4B8C-83A1-F6EECF244321}">
-                <p14:modId xmlns:p14="http://schemas.microsoft.com/office/powerpoint/2010/main" val="2398043892"/>
+                <p14:modId xmlns:p14="http://schemas.microsoft.com/office/powerpoint/2010/main" val="2020222981"/>
               </p:ext>
             </p:extLst>
           </p:nvPr>
@@ -11796,7 +7767,7 @@
                     <a:lnT>
                       <a:noFill/>
                     </a:lnT>
-                    <a:lnB w="12700" cap="flat" cmpd="sng" algn="ctr">
+                    <a:lnB w="28575" cap="flat" cmpd="sng" algn="ctr">
                       <a:solidFill>
                         <a:schemeClr val="bg1"/>
                       </a:solidFill>
@@ -11970,7 +7941,7 @@
                     <a:lnR>
                       <a:noFill/>
                     </a:lnR>
-                    <a:lnT w="12700" cap="flat" cmpd="sng" algn="ctr">
+                    <a:lnT w="28575" cap="flat" cmpd="sng" algn="ctr">
                       <a:solidFill>
                         <a:schemeClr val="bg1"/>
                       </a:solidFill>
@@ -13224,7 +9195,7 @@
           <a:p>
             <a:fld id="{EDFC3FDD-8E34-46B9-B4F0-1D742C30C66D}" type="slidenum">
               <a:rPr lang="ru-RU" smtClean="0"/>
-              <a:t>12</a:t>
+              <a:t>11</a:t>
             </a:fld>
             <a:endParaRPr lang="ru-RU"/>
           </a:p>
@@ -13250,7 +9221,7 @@
 </p:sld>
 </file>
 
-<file path=ppt/slides/slide13.xml><?xml version="1.0" encoding="utf-8"?>
+<file path=ppt/slides/slide12.xml><?xml version="1.0" encoding="utf-8"?>
 <p:sld xmlns:a="http://schemas.openxmlformats.org/drawingml/2006/main" xmlns:r="http://schemas.openxmlformats.org/officeDocument/2006/relationships" xmlns:p="http://schemas.openxmlformats.org/presentationml/2006/main">
   <p:cSld>
     <p:spTree>
@@ -14608,7 +10579,7 @@
           <a:p>
             <a:fld id="{EDFC3FDD-8E34-46B9-B4F0-1D742C30C66D}" type="slidenum">
               <a:rPr lang="ru-RU" smtClean="0"/>
-              <a:t>13</a:t>
+              <a:t>12</a:t>
             </a:fld>
             <a:endParaRPr lang="ru-RU"/>
           </a:p>
@@ -14642,7 +10613,7 @@
 </p:sld>
 </file>
 
-<file path=ppt/slides/slide14.xml><?xml version="1.0" encoding="utf-8"?>
+<file path=ppt/slides/slide13.xml><?xml version="1.0" encoding="utf-8"?>
 <p:sld xmlns:a="http://schemas.openxmlformats.org/drawingml/2006/main" xmlns:r="http://schemas.openxmlformats.org/officeDocument/2006/relationships" xmlns:p="http://schemas.openxmlformats.org/presentationml/2006/main">
   <p:cSld>
     <p:spTree>
@@ -14676,7 +10647,7 @@
           <a:p>
             <a:fld id="{EDFC3FDD-8E34-46B9-B4F0-1D742C30C66D}" type="slidenum">
               <a:rPr lang="ru-RU" smtClean="0"/>
-              <a:t>14</a:t>
+              <a:t>13</a:t>
             </a:fld>
             <a:endParaRPr lang="ru-RU"/>
           </a:p>
@@ -14979,35 +10950,11 @@
                 <a:latin typeface="Times New Roman" pitchFamily="18" charset="0"/>
                 <a:cs typeface="Times New Roman" pitchFamily="18" charset="0"/>
               </a:rPr>
-              <a:t>Дрожжин </a:t>
-            </a:r>
-            <a:r>
-              <a:rPr lang="ru-RU" sz="2000" dirty="0" smtClean="0">
-                <a:solidFill>
-                  <a:schemeClr val="tx2">
-                    <a:lumMod val="50000"/>
-                  </a:schemeClr>
-                </a:solidFill>
-                <a:latin typeface="Times New Roman" pitchFamily="18" charset="0"/>
-                <a:cs typeface="Times New Roman" pitchFamily="18" charset="0"/>
-              </a:rPr>
-              <a:t>Н.А.</a:t>
+              <a:t>Дрожжин Н.А.</a:t>
             </a:r>
           </a:p>
           <a:p>
             <a:pPr indent="1616075"/>
-            <a:r>
-              <a:rPr lang="ru-RU" sz="2000" b="1" u="sng" dirty="0" err="1" smtClean="0">
-                <a:solidFill>
-                  <a:schemeClr val="tx2">
-                    <a:lumMod val="50000"/>
-                  </a:schemeClr>
-                </a:solidFill>
-                <a:latin typeface="Times New Roman" pitchFamily="18" charset="0"/>
-                <a:cs typeface="Times New Roman" pitchFamily="18" charset="0"/>
-              </a:rPr>
-              <a:t>Костенчук</a:t>
-            </a:r>
             <a:r>
               <a:rPr lang="ru-RU" sz="2000" b="1" u="sng" dirty="0" smtClean="0">
                 <a:solidFill>
@@ -15018,7 +10965,7 @@
                 <a:latin typeface="Times New Roman" pitchFamily="18" charset="0"/>
                 <a:cs typeface="Times New Roman" pitchFamily="18" charset="0"/>
               </a:rPr>
-              <a:t> М.И.</a:t>
+              <a:t>Костенчук М.И.</a:t>
             </a:r>
             <a:endParaRPr lang="ru-RU" sz="2000" b="1" u="sng" dirty="0">
               <a:solidFill>
@@ -15084,183 +11031,6 @@
 </file>
 
 <file path=ppt/slides/slide2.xml><?xml version="1.0" encoding="utf-8"?>
-<p:sld xmlns:a="http://schemas.openxmlformats.org/drawingml/2006/main" xmlns:r="http://schemas.openxmlformats.org/officeDocument/2006/relationships" xmlns:p="http://schemas.openxmlformats.org/presentationml/2006/main">
-  <p:cSld>
-    <p:spTree>
-      <p:nvGrpSpPr>
-        <p:cNvPr id="1" name=""/>
-        <p:cNvGrpSpPr/>
-        <p:nvPr/>
-      </p:nvGrpSpPr>
-      <p:grpSpPr>
-        <a:xfrm>
-          <a:off x="0" y="0"/>
-          <a:ext cx="0" cy="0"/>
-          <a:chOff x="0" y="0"/>
-          <a:chExt cx="0" cy="0"/>
-        </a:xfrm>
-      </p:grpSpPr>
-      <p:sp>
-        <p:nvSpPr>
-          <p:cNvPr id="2" name="Заголовок 1"/>
-          <p:cNvSpPr>
-            <a:spLocks noGrp="1"/>
-          </p:cNvSpPr>
-          <p:nvPr>
-            <p:ph type="title"/>
-          </p:nvPr>
-        </p:nvSpPr>
-        <p:spPr/>
-        <p:txBody>
-          <a:bodyPr/>
-          <a:lstStyle/>
-          <a:p>
-            <a:r>
-              <a:rPr lang="ru-RU" dirty="0" smtClean="0"/>
-              <a:t>Актуальность</a:t>
-            </a:r>
-            <a:endParaRPr lang="ru-RU" dirty="0"/>
-          </a:p>
-        </p:txBody>
-      </p:sp>
-      <p:graphicFrame>
-        <p:nvGraphicFramePr>
-          <p:cNvPr id="4" name="Диаграмма 3"/>
-          <p:cNvGraphicFramePr>
-            <a:graphicFrameLocks/>
-          </p:cNvGraphicFramePr>
-          <p:nvPr>
-            <p:extLst>
-              <p:ext uri="{D42A27DB-BD31-4B8C-83A1-F6EECF244321}">
-                <p14:modId xmlns:p14="http://schemas.microsoft.com/office/powerpoint/2010/main" val="2037646971"/>
-              </p:ext>
-            </p:extLst>
-          </p:nvPr>
-        </p:nvGraphicFramePr>
-        <p:xfrm>
-          <a:off x="539552" y="1916832"/>
-          <a:ext cx="4117930" cy="3024336"/>
-        </p:xfrm>
-        <a:graphic>
-          <a:graphicData uri="http://schemas.openxmlformats.org/drawingml/2006/chart">
-            <c:chart xmlns:c="http://schemas.openxmlformats.org/drawingml/2006/chart" xmlns:r="http://schemas.openxmlformats.org/officeDocument/2006/relationships" r:id="rId3"/>
-          </a:graphicData>
-        </a:graphic>
-      </p:graphicFrame>
-      <p:graphicFrame>
-        <p:nvGraphicFramePr>
-          <p:cNvPr id="5" name="Диаграмма 4"/>
-          <p:cNvGraphicFramePr>
-            <a:graphicFrameLocks/>
-          </p:cNvGraphicFramePr>
-          <p:nvPr>
-            <p:extLst>
-              <p:ext uri="{D42A27DB-BD31-4B8C-83A1-F6EECF244321}">
-                <p14:modId xmlns:p14="http://schemas.microsoft.com/office/powerpoint/2010/main" val="3071292797"/>
-              </p:ext>
-            </p:extLst>
-          </p:nvPr>
-        </p:nvGraphicFramePr>
-        <p:xfrm>
-          <a:off x="4427984" y="1916832"/>
-          <a:ext cx="4182272" cy="3024336"/>
-        </p:xfrm>
-        <a:graphic>
-          <a:graphicData uri="http://schemas.openxmlformats.org/drawingml/2006/chart">
-            <c:chart xmlns:c="http://schemas.openxmlformats.org/drawingml/2006/chart" xmlns:r="http://schemas.openxmlformats.org/officeDocument/2006/relationships" r:id="rId4"/>
-          </a:graphicData>
-        </a:graphic>
-      </p:graphicFrame>
-      <p:sp>
-        <p:nvSpPr>
-          <p:cNvPr id="6" name="TextBox 5"/>
-          <p:cNvSpPr txBox="1"/>
-          <p:nvPr/>
-        </p:nvSpPr>
-        <p:spPr>
-          <a:xfrm>
-            <a:off x="1331640" y="5229200"/>
-            <a:ext cx="6408712" cy="707886"/>
-          </a:xfrm>
-          <a:prstGeom prst="rect">
-            <a:avLst/>
-          </a:prstGeom>
-          <a:noFill/>
-        </p:spPr>
-        <p:txBody>
-          <a:bodyPr wrap="square" rtlCol="0">
-            <a:spAutoFit/>
-          </a:bodyPr>
-          <a:lstStyle/>
-          <a:p>
-            <a:pPr algn="ctr"/>
-            <a:r>
-              <a:rPr lang="ru-RU" sz="2000" dirty="0"/>
-              <a:t>У</a:t>
-            </a:r>
-            <a:r>
-              <a:rPr lang="ru-RU" sz="2000" dirty="0" smtClean="0"/>
-              <a:t>щерб </a:t>
-            </a:r>
-            <a:r>
-              <a:rPr lang="ru-RU" sz="2000" dirty="0"/>
-              <a:t>от лесных пожаров в 2013 году составил порядка </a:t>
-            </a:r>
-            <a:r>
-              <a:rPr lang="ru-RU" sz="2000" i="1" dirty="0"/>
-              <a:t>20 млрд рублей</a:t>
-            </a:r>
-            <a:r>
-              <a:rPr lang="ru-RU" sz="2000" dirty="0"/>
-              <a:t>.</a:t>
-            </a:r>
-          </a:p>
-        </p:txBody>
-      </p:sp>
-      <p:sp>
-        <p:nvSpPr>
-          <p:cNvPr id="7" name="Номер слайда 6"/>
-          <p:cNvSpPr>
-            <a:spLocks noGrp="1"/>
-          </p:cNvSpPr>
-          <p:nvPr>
-            <p:ph type="sldNum" sz="quarter" idx="12"/>
-          </p:nvPr>
-        </p:nvSpPr>
-        <p:spPr/>
-        <p:txBody>
-          <a:bodyPr/>
-          <a:lstStyle/>
-          <a:p>
-            <a:fld id="{EDFC3FDD-8E34-46B9-B4F0-1D742C30C66D}" type="slidenum">
-              <a:rPr lang="ru-RU" smtClean="0"/>
-              <a:t>2</a:t>
-            </a:fld>
-            <a:endParaRPr lang="ru-RU"/>
-          </a:p>
-        </p:txBody>
-      </p:sp>
-    </p:spTree>
-    <p:extLst>
-      <p:ext uri="{BB962C8B-B14F-4D97-AF65-F5344CB8AC3E}">
-        <p14:creationId xmlns:p14="http://schemas.microsoft.com/office/powerpoint/2010/main" val="372909613"/>
-      </p:ext>
-    </p:extLst>
-  </p:cSld>
-  <p:clrMapOvr>
-    <a:masterClrMapping/>
-  </p:clrMapOvr>
-  <p:timing>
-    <p:tnLst>
-      <p:par>
-        <p:cTn id="1" dur="indefinite" restart="never" nodeType="tmRoot"/>
-      </p:par>
-    </p:tnLst>
-  </p:timing>
-</p:sld>
-</file>
-
-<file path=ppt/slides/slide3.xml><?xml version="1.0" encoding="utf-8"?>
 <p:sld xmlns:a="http://schemas.openxmlformats.org/drawingml/2006/main" xmlns:r="http://schemas.openxmlformats.org/officeDocument/2006/relationships" xmlns:p="http://schemas.openxmlformats.org/presentationml/2006/main">
   <p:cSld>
     <p:spTree>
@@ -15425,7 +11195,7 @@
           <a:p>
             <a:fld id="{EDFC3FDD-8E34-46B9-B4F0-1D742C30C66D}" type="slidenum">
               <a:rPr lang="ru-RU" smtClean="0"/>
-              <a:t>3</a:t>
+              <a:t>2</a:t>
             </a:fld>
             <a:endParaRPr lang="ru-RU"/>
           </a:p>
@@ -15451,7 +11221,7 @@
 </p:sld>
 </file>
 
-<file path=ppt/slides/slide4.xml><?xml version="1.0" encoding="utf-8"?>
+<file path=ppt/slides/slide3.xml><?xml version="1.0" encoding="utf-8"?>
 <p:sld xmlns:a="http://schemas.openxmlformats.org/drawingml/2006/main" xmlns:r="http://schemas.openxmlformats.org/officeDocument/2006/relationships" xmlns:p="http://schemas.openxmlformats.org/presentationml/2006/main">
   <p:cSld>
     <p:spTree>
@@ -19259,7 +15029,7 @@
           <a:p>
             <a:fld id="{EDFC3FDD-8E34-46B9-B4F0-1D742C30C66D}" type="slidenum">
               <a:rPr lang="ru-RU" smtClean="0"/>
-              <a:t>4</a:t>
+              <a:t>3</a:t>
             </a:fld>
             <a:endParaRPr lang="ru-RU"/>
           </a:p>
@@ -19285,7 +15055,7 @@
 </p:sld>
 </file>
 
-<file path=ppt/slides/slide5.xml><?xml version="1.0" encoding="utf-8"?>
+<file path=ppt/slides/slide4.xml><?xml version="1.0" encoding="utf-8"?>
 <p:sld xmlns:a="http://schemas.openxmlformats.org/drawingml/2006/main" xmlns:r="http://schemas.openxmlformats.org/officeDocument/2006/relationships" xmlns:p="http://schemas.openxmlformats.org/presentationml/2006/main">
   <p:cSld>
     <p:spTree>
@@ -19476,7 +15246,7 @@
           <a:p>
             <a:fld id="{EDFC3FDD-8E34-46B9-B4F0-1D742C30C66D}" type="slidenum">
               <a:rPr lang="ru-RU" smtClean="0"/>
-              <a:t>5</a:t>
+              <a:t>4</a:t>
             </a:fld>
             <a:endParaRPr lang="ru-RU" dirty="0"/>
           </a:p>
@@ -19690,7 +15460,7 @@
 </p:sld>
 </file>
 
-<file path=ppt/slides/slide6.xml><?xml version="1.0" encoding="utf-8"?>
+<file path=ppt/slides/slide5.xml><?xml version="1.0" encoding="utf-8"?>
 <p:sld xmlns:a="http://schemas.openxmlformats.org/drawingml/2006/main" xmlns:r="http://schemas.openxmlformats.org/officeDocument/2006/relationships" xmlns:p="http://schemas.openxmlformats.org/presentationml/2006/main">
   <p:cSld>
     <p:spTree>
@@ -20289,7 +16059,7 @@
           <a:p>
             <a:fld id="{EDFC3FDD-8E34-46B9-B4F0-1D742C30C66D}" type="slidenum">
               <a:rPr lang="ru-RU" smtClean="0"/>
-              <a:t>6</a:t>
+              <a:t>5</a:t>
             </a:fld>
             <a:endParaRPr lang="ru-RU"/>
           </a:p>
@@ -20394,7 +16164,7 @@
 </p:sld>
 </file>
 
-<file path=ppt/slides/slide7.xml><?xml version="1.0" encoding="utf-8"?>
+<file path=ppt/slides/slide6.xml><?xml version="1.0" encoding="utf-8"?>
 <p:sld xmlns:a="http://schemas.openxmlformats.org/drawingml/2006/main" xmlns:r="http://schemas.openxmlformats.org/officeDocument/2006/relationships" xmlns:p="http://schemas.openxmlformats.org/presentationml/2006/main">
   <p:cSld>
     <p:spTree>
@@ -20612,7 +16382,7 @@
           <a:p>
             <a:fld id="{EDFC3FDD-8E34-46B9-B4F0-1D742C30C66D}" type="slidenum">
               <a:rPr lang="ru-RU" smtClean="0"/>
-              <a:t>7</a:t>
+              <a:t>6</a:t>
             </a:fld>
             <a:endParaRPr lang="ru-RU"/>
           </a:p>
@@ -20638,7 +16408,7 @@
 </p:sld>
 </file>
 
-<file path=ppt/slides/slide8.xml><?xml version="1.0" encoding="utf-8"?>
+<file path=ppt/slides/slide7.xml><?xml version="1.0" encoding="utf-8"?>
 <p:sld xmlns:a="http://schemas.openxmlformats.org/drawingml/2006/main" xmlns:r="http://schemas.openxmlformats.org/officeDocument/2006/relationships" xmlns:p="http://schemas.openxmlformats.org/presentationml/2006/main">
   <p:cSld>
     <p:spTree>
@@ -20842,7 +16612,7 @@
           <a:p>
             <a:fld id="{EDFC3FDD-8E34-46B9-B4F0-1D742C30C66D}" type="slidenum">
               <a:rPr lang="ru-RU" smtClean="0"/>
-              <a:t>8</a:t>
+              <a:t>7</a:t>
             </a:fld>
             <a:endParaRPr lang="ru-RU"/>
           </a:p>
@@ -20868,7 +16638,7 @@
 </p:sld>
 </file>
 
-<file path=ppt/slides/slide9.xml><?xml version="1.0" encoding="utf-8"?>
+<file path=ppt/slides/slide8.xml><?xml version="1.0" encoding="utf-8"?>
 <p:sld xmlns:a="http://schemas.openxmlformats.org/drawingml/2006/main" xmlns:r="http://schemas.openxmlformats.org/officeDocument/2006/relationships" xmlns:p="http://schemas.openxmlformats.org/presentationml/2006/main">
   <p:cSld>
     <p:bg>
@@ -24166,7 +19936,7 @@
           <a:p>
             <a:fld id="{EDFC3FDD-8E34-46B9-B4F0-1D742C30C66D}" type="slidenum">
               <a:rPr lang="ru-RU" smtClean="0"/>
-              <a:t>9</a:t>
+              <a:t>8</a:t>
             </a:fld>
             <a:endParaRPr lang="ru-RU"/>
           </a:p>
@@ -24247,6 +20017,3406 @@
     <p:extLst>
       <p:ext uri="{BB962C8B-B14F-4D97-AF65-F5344CB8AC3E}">
         <p14:creationId xmlns:p14="http://schemas.microsoft.com/office/powerpoint/2010/main" val="2332958742"/>
+      </p:ext>
+    </p:extLst>
+  </p:cSld>
+  <p:clrMapOvr>
+    <a:masterClrMapping/>
+  </p:clrMapOvr>
+  <p:timing>
+    <p:tnLst>
+      <p:par>
+        <p:cTn id="1" dur="indefinite" restart="never" nodeType="tmRoot"/>
+      </p:par>
+    </p:tnLst>
+  </p:timing>
+</p:sld>
+</file>
+
+<file path=ppt/slides/slide9.xml><?xml version="1.0" encoding="utf-8"?>
+<p:sld xmlns:a="http://schemas.openxmlformats.org/drawingml/2006/main" xmlns:r="http://schemas.openxmlformats.org/officeDocument/2006/relationships" xmlns:p="http://schemas.openxmlformats.org/presentationml/2006/main">
+  <p:cSld>
+    <p:bg>
+      <p:bgPr>
+        <a:gradFill>
+          <a:gsLst>
+            <a:gs pos="50000">
+              <a:schemeClr val="bg1">
+                <a:tint val="80000"/>
+                <a:satMod val="250000"/>
+              </a:schemeClr>
+            </a:gs>
+            <a:gs pos="76000">
+              <a:schemeClr val="bg1">
+                <a:tint val="90000"/>
+                <a:shade val="90000"/>
+                <a:satMod val="200000"/>
+              </a:schemeClr>
+            </a:gs>
+            <a:gs pos="92000">
+              <a:schemeClr val="bg1">
+                <a:tint val="90000"/>
+                <a:shade val="70000"/>
+                <a:satMod val="250000"/>
+              </a:schemeClr>
+            </a:gs>
+          </a:gsLst>
+          <a:path path="circle">
+            <a:fillToRect l="50000" t="50000" r="50000" b="50000"/>
+          </a:path>
+        </a:gradFill>
+        <a:effectLst/>
+      </p:bgPr>
+    </p:bg>
+    <p:spTree>
+      <p:nvGrpSpPr>
+        <p:cNvPr id="1" name=""/>
+        <p:cNvGrpSpPr/>
+        <p:nvPr/>
+      </p:nvGrpSpPr>
+      <p:grpSpPr>
+        <a:xfrm>
+          <a:off x="0" y="0"/>
+          <a:ext cx="0" cy="0"/>
+          <a:chOff x="0" y="0"/>
+          <a:chExt cx="0" cy="0"/>
+        </a:xfrm>
+      </p:grpSpPr>
+      <p:pic>
+        <p:nvPicPr>
+          <p:cNvPr id="2051" name="Picture 3" descr="D:\Work\Fires\Apriori\my_tex\apriori_tree_2.png"/>
+          <p:cNvPicPr>
+            <a:picLocks noChangeAspect="1" noChangeArrowheads="1"/>
+          </p:cNvPicPr>
+          <p:nvPr/>
+        </p:nvPicPr>
+        <p:blipFill>
+          <a:blip r:embed="rId2">
+            <a:extLst>
+              <a:ext uri="{28A0092B-C50C-407E-A947-70E740481C1C}">
+                <a14:useLocalDpi xmlns:a14="http://schemas.microsoft.com/office/drawing/2010/main" val="0"/>
+              </a:ext>
+            </a:extLst>
+          </a:blip>
+          <a:srcRect/>
+          <a:stretch>
+            <a:fillRect/>
+          </a:stretch>
+        </p:blipFill>
+        <p:spPr bwMode="auto">
+          <a:xfrm>
+            <a:off x="3277716" y="2020416"/>
+            <a:ext cx="5446933" cy="1931240"/>
+          </a:xfrm>
+          <a:prstGeom prst="rect">
+            <a:avLst/>
+          </a:prstGeom>
+          <a:noFill/>
+          <a:extLst>
+            <a:ext uri="{909E8E84-426E-40DD-AFC4-6F175D3DCCD1}">
+              <a14:hiddenFill xmlns:a14="http://schemas.microsoft.com/office/drawing/2010/main">
+                <a:solidFill>
+                  <a:srgbClr val="FFFFFF"/>
+                </a:solidFill>
+              </a14:hiddenFill>
+            </a:ext>
+          </a:extLst>
+        </p:spPr>
+      </p:pic>
+      <p:sp>
+        <p:nvSpPr>
+          <p:cNvPr id="13" name="Заголовок 1"/>
+          <p:cNvSpPr txBox="1">
+            <a:spLocks/>
+          </p:cNvSpPr>
+          <p:nvPr/>
+        </p:nvSpPr>
+        <p:spPr>
+          <a:xfrm>
+            <a:off x="457200" y="188640"/>
+            <a:ext cx="8229600" cy="720080"/>
+          </a:xfrm>
+          <a:prstGeom prst="rect">
+            <a:avLst/>
+          </a:prstGeom>
+        </p:spPr>
+        <p:txBody>
+          <a:bodyPr vert="horz" lIns="91440" tIns="45720" rIns="91440" bIns="45720" rtlCol="0" anchor="b">
+            <a:noAutofit/>
+          </a:bodyPr>
+          <a:lstStyle>
+            <a:lvl1pPr algn="ctr" defTabSz="914400" rtl="0" eaLnBrk="1" latinLnBrk="0" hangingPunct="1">
+              <a:lnSpc>
+                <a:spcPts val="5800"/>
+              </a:lnSpc>
+              <a:spcBef>
+                <a:spcPct val="0"/>
+              </a:spcBef>
+              <a:buNone/>
+              <a:defRPr sz="5400" kern="1200">
+                <a:solidFill>
+                  <a:schemeClr val="tx2"/>
+                </a:solidFill>
+                <a:effectLst>
+                  <a:outerShdw blurRad="63500" dist="38100" dir="5400000" algn="t" rotWithShape="0">
+                    <a:prstClr val="black">
+                      <a:alpha val="25000"/>
+                    </a:prstClr>
+                  </a:outerShdw>
+                </a:effectLst>
+                <a:latin typeface="+mn-lt"/>
+                <a:ea typeface="+mj-ea"/>
+                <a:cs typeface="+mj-cs"/>
+              </a:defRPr>
+            </a:lvl1pPr>
+          </a:lstStyle>
+          <a:p>
+            <a:r>
+              <a:rPr lang="ru-RU" sz="3600" dirty="0" smtClean="0"/>
+              <a:t>Поиск ассоциативных правил</a:t>
+            </a:r>
+            <a:endParaRPr lang="ru-RU" sz="3600" dirty="0"/>
+          </a:p>
+        </p:txBody>
+      </p:sp>
+      <p:sp>
+        <p:nvSpPr>
+          <p:cNvPr id="14" name="Заголовок 1"/>
+          <p:cNvSpPr txBox="1">
+            <a:spLocks/>
+          </p:cNvSpPr>
+          <p:nvPr/>
+        </p:nvSpPr>
+        <p:spPr>
+          <a:xfrm>
+            <a:off x="4788024" y="836712"/>
+            <a:ext cx="3909120" cy="288032"/>
+          </a:xfrm>
+          <a:prstGeom prst="rect">
+            <a:avLst/>
+          </a:prstGeom>
+        </p:spPr>
+        <p:txBody>
+          <a:bodyPr vert="horz" lIns="91440" tIns="45720" rIns="91440" bIns="45720" rtlCol="0" anchor="ctr">
+            <a:noAutofit/>
+          </a:bodyPr>
+          <a:lstStyle>
+            <a:lvl1pPr algn="ctr" defTabSz="914400" rtl="0" eaLnBrk="1" latinLnBrk="0" hangingPunct="1">
+              <a:spcBef>
+                <a:spcPct val="0"/>
+              </a:spcBef>
+              <a:buNone/>
+              <a:defRPr sz="4400" kern="1200">
+                <a:solidFill>
+                  <a:schemeClr val="tx1"/>
+                </a:solidFill>
+                <a:latin typeface="+mj-lt"/>
+                <a:ea typeface="+mj-ea"/>
+                <a:cs typeface="+mj-cs"/>
+              </a:defRPr>
+            </a:lvl1pPr>
+          </a:lstStyle>
+          <a:p>
+            <a:pPr algn="r"/>
+            <a:r>
+              <a:rPr lang="ru-RU" sz="2800" dirty="0" smtClean="0">
+                <a:solidFill>
+                  <a:schemeClr val="bg1">
+                    <a:lumMod val="50000"/>
+                  </a:schemeClr>
+                </a:solidFill>
+              </a:rPr>
+              <a:t>Алгоритм </a:t>
+            </a:r>
+            <a:r>
+              <a:rPr lang="en-US" sz="2800" dirty="0" err="1" smtClean="0">
+                <a:solidFill>
+                  <a:schemeClr val="bg1">
+                    <a:lumMod val="50000"/>
+                  </a:schemeClr>
+                </a:solidFill>
+              </a:rPr>
+              <a:t>Apriori</a:t>
+            </a:r>
+            <a:endParaRPr lang="en-US" sz="2800" dirty="0" smtClean="0">
+              <a:solidFill>
+                <a:schemeClr val="bg1">
+                  <a:lumMod val="50000"/>
+                </a:schemeClr>
+              </a:solidFill>
+            </a:endParaRPr>
+          </a:p>
+        </p:txBody>
+      </p:sp>
+      <p:sp>
+        <p:nvSpPr>
+          <p:cNvPr id="15" name="TextBox 14"/>
+          <p:cNvSpPr txBox="1"/>
+          <p:nvPr/>
+        </p:nvSpPr>
+        <p:spPr>
+          <a:xfrm>
+            <a:off x="1115616" y="1340768"/>
+            <a:ext cx="6984776" cy="369332"/>
+          </a:xfrm>
+          <a:prstGeom prst="rect">
+            <a:avLst/>
+          </a:prstGeom>
+          <a:noFill/>
+        </p:spPr>
+        <p:txBody>
+          <a:bodyPr wrap="square" rtlCol="0">
+            <a:spAutoFit/>
+          </a:bodyPr>
+          <a:lstStyle/>
+          <a:p>
+            <a:r>
+              <a:rPr lang="ru-RU" dirty="0" smtClean="0"/>
+              <a:t>Этап </a:t>
+            </a:r>
+            <a:r>
+              <a:rPr lang="en-US" dirty="0" smtClean="0"/>
+              <a:t>2</a:t>
+            </a:r>
+            <a:r>
+              <a:rPr lang="ru-RU" dirty="0" smtClean="0"/>
+              <a:t>. Построение дерева частых наборов</a:t>
+            </a:r>
+            <a:endParaRPr lang="ru-RU" dirty="0"/>
+          </a:p>
+        </p:txBody>
+      </p:sp>
+      <p:sp>
+        <p:nvSpPr>
+          <p:cNvPr id="7" name="TextBox 6"/>
+          <p:cNvSpPr txBox="1"/>
+          <p:nvPr/>
+        </p:nvSpPr>
+        <p:spPr>
+          <a:xfrm>
+            <a:off x="457200" y="5733256"/>
+            <a:ext cx="8003232" cy="646331"/>
+          </a:xfrm>
+          <a:prstGeom prst="rect">
+            <a:avLst/>
+          </a:prstGeom>
+          <a:noFill/>
+        </p:spPr>
+        <p:txBody>
+          <a:bodyPr wrap="square" rtlCol="0">
+            <a:spAutoFit/>
+          </a:bodyPr>
+          <a:lstStyle/>
+          <a:p>
+            <a:pPr algn="ctr"/>
+            <a:r>
+              <a:rPr lang="ru-RU" dirty="0" smtClean="0"/>
+              <a:t>Показатели характеристик при </a:t>
+            </a:r>
+            <a:r>
+              <a:rPr lang="ru-RU" dirty="0"/>
+              <a:t>высоком количестве пожаров.</a:t>
+            </a:r>
+            <a:endParaRPr lang="ru-RU" dirty="0" smtClean="0"/>
+          </a:p>
+          <a:p>
+            <a:pPr algn="ctr"/>
+            <a:r>
+              <a:rPr lang="ru-RU" dirty="0"/>
+              <a:t>Значение минимальной поддержки наборов равно </a:t>
+            </a:r>
+            <a:r>
+              <a:rPr lang="en-US" dirty="0"/>
+              <a:t>0.15(</a:t>
+            </a:r>
+            <a:r>
+              <a:rPr lang="ru-RU" dirty="0"/>
+              <a:t>15%</a:t>
+            </a:r>
+            <a:r>
+              <a:rPr lang="en-US" dirty="0"/>
+              <a:t>)</a:t>
+            </a:r>
+            <a:r>
+              <a:rPr lang="ru-RU" dirty="0"/>
+              <a:t>.</a:t>
+            </a:r>
+          </a:p>
+        </p:txBody>
+      </p:sp>
+      <p:sp>
+        <p:nvSpPr>
+          <p:cNvPr id="3" name="Номер слайда 2"/>
+          <p:cNvSpPr>
+            <a:spLocks noGrp="1"/>
+          </p:cNvSpPr>
+          <p:nvPr>
+            <p:ph type="sldNum" sz="quarter" idx="12"/>
+          </p:nvPr>
+        </p:nvSpPr>
+        <p:spPr/>
+        <p:txBody>
+          <a:bodyPr/>
+          <a:lstStyle/>
+          <a:p>
+            <a:fld id="{EDFC3FDD-8E34-46B9-B4F0-1D742C30C66D}" type="slidenum">
+              <a:rPr lang="ru-RU" smtClean="0"/>
+              <a:t>9</a:t>
+            </a:fld>
+            <a:endParaRPr lang="ru-RU"/>
+          </a:p>
+        </p:txBody>
+      </p:sp>
+      <p:graphicFrame>
+        <p:nvGraphicFramePr>
+          <p:cNvPr id="9" name="Объект 3"/>
+          <p:cNvGraphicFramePr>
+            <a:graphicFrameLocks/>
+          </p:cNvGraphicFramePr>
+          <p:nvPr>
+            <p:extLst>
+              <p:ext uri="{D42A27DB-BD31-4B8C-83A1-F6EECF244321}">
+                <p14:modId xmlns:p14="http://schemas.microsoft.com/office/powerpoint/2010/main" val="4165004755"/>
+              </p:ext>
+            </p:extLst>
+          </p:nvPr>
+        </p:nvGraphicFramePr>
+        <p:xfrm>
+          <a:off x="457200" y="2164432"/>
+          <a:ext cx="2592288" cy="3352800"/>
+        </p:xfrm>
+        <a:graphic>
+          <a:graphicData uri="http://schemas.openxmlformats.org/drawingml/2006/table">
+            <a:tbl>
+              <a:tblPr firstRow="1" bandRow="1">
+                <a:tableStyleId>{E8034E78-7F5D-4C2E-B375-FC64B27BC917}</a:tableStyleId>
+              </a:tblPr>
+              <a:tblGrid>
+                <a:gridCol w="591141"/>
+                <a:gridCol w="667049"/>
+                <a:gridCol w="667049"/>
+                <a:gridCol w="667049"/>
+              </a:tblGrid>
+              <a:tr h="202932">
+                <a:tc>
+                  <a:txBody>
+                    <a:bodyPr/>
+                    <a:lstStyle/>
+                    <a:p>
+                      <a:pPr algn="ctr"/>
+                      <a:r>
+                        <a:rPr lang="ru-RU" sz="1400" dirty="0" smtClean="0"/>
+                        <a:t>А</a:t>
+                      </a:r>
+                      <a:endParaRPr lang="ru-RU" sz="1400" dirty="0"/>
+                    </a:p>
+                  </a:txBody>
+                  <a:tcPr>
+                    <a:lnL w="6350" cap="flat" cmpd="sng" algn="ctr">
+                      <a:solidFill>
+                        <a:schemeClr val="tx2"/>
+                      </a:solidFill>
+                      <a:prstDash val="solid"/>
+                      <a:round/>
+                      <a:headEnd type="none" w="med" len="med"/>
+                      <a:tailEnd type="none" w="med" len="med"/>
+                    </a:lnL>
+                    <a:lnR w="6350" cap="flat" cmpd="sng" algn="ctr">
+                      <a:solidFill>
+                        <a:schemeClr val="tx2"/>
+                      </a:solidFill>
+                      <a:prstDash val="solid"/>
+                      <a:round/>
+                      <a:headEnd type="none" w="med" len="med"/>
+                      <a:tailEnd type="none" w="med" len="med"/>
+                    </a:lnR>
+                    <a:lnT w="6350" cap="flat" cmpd="sng" algn="ctr">
+                      <a:solidFill>
+                        <a:schemeClr val="tx2"/>
+                      </a:solidFill>
+                      <a:prstDash val="solid"/>
+                      <a:round/>
+                      <a:headEnd type="none" w="med" len="med"/>
+                      <a:tailEnd type="none" w="med" len="med"/>
+                    </a:lnT>
+                    <a:lnB w="6350" cap="flat" cmpd="sng" algn="ctr">
+                      <a:solidFill>
+                        <a:schemeClr val="tx2"/>
+                      </a:solidFill>
+                      <a:prstDash val="solid"/>
+                      <a:round/>
+                      <a:headEnd type="none" w="med" len="med"/>
+                      <a:tailEnd type="none" w="med" len="med"/>
+                    </a:lnB>
+                    <a:lnTlToBr w="12700" cmpd="sng">
+                      <a:noFill/>
+                      <a:prstDash val="solid"/>
+                    </a:lnTlToBr>
+                    <a:lnBlToTr w="12700" cmpd="sng">
+                      <a:noFill/>
+                      <a:prstDash val="solid"/>
+                    </a:lnBlToTr>
+                  </a:tcPr>
+                </a:tc>
+                <a:tc>
+                  <a:txBody>
+                    <a:bodyPr/>
+                    <a:lstStyle/>
+                    <a:p>
+                      <a:pPr algn="ctr"/>
+                      <a:r>
+                        <a:rPr lang="ru-RU" sz="1400" dirty="0" smtClean="0"/>
+                        <a:t>Б</a:t>
+                      </a:r>
+                      <a:endParaRPr lang="ru-RU" sz="1400" baseline="-25000" dirty="0"/>
+                    </a:p>
+                  </a:txBody>
+                  <a:tcPr>
+                    <a:lnL w="6350" cap="flat" cmpd="sng" algn="ctr">
+                      <a:solidFill>
+                        <a:schemeClr val="tx2"/>
+                      </a:solidFill>
+                      <a:prstDash val="solid"/>
+                      <a:round/>
+                      <a:headEnd type="none" w="med" len="med"/>
+                      <a:tailEnd type="none" w="med" len="med"/>
+                    </a:lnL>
+                    <a:lnR w="6350" cap="flat" cmpd="sng" algn="ctr">
+                      <a:solidFill>
+                        <a:schemeClr val="tx2"/>
+                      </a:solidFill>
+                      <a:prstDash val="solid"/>
+                      <a:round/>
+                      <a:headEnd type="none" w="med" len="med"/>
+                      <a:tailEnd type="none" w="med" len="med"/>
+                    </a:lnR>
+                    <a:lnT w="6350" cap="flat" cmpd="sng" algn="ctr">
+                      <a:solidFill>
+                        <a:schemeClr val="tx2"/>
+                      </a:solidFill>
+                      <a:prstDash val="solid"/>
+                      <a:round/>
+                      <a:headEnd type="none" w="med" len="med"/>
+                      <a:tailEnd type="none" w="med" len="med"/>
+                    </a:lnT>
+                    <a:lnB w="6350" cap="flat" cmpd="sng" algn="ctr">
+                      <a:solidFill>
+                        <a:schemeClr val="tx2"/>
+                      </a:solidFill>
+                      <a:prstDash val="solid"/>
+                      <a:round/>
+                      <a:headEnd type="none" w="med" len="med"/>
+                      <a:tailEnd type="none" w="med" len="med"/>
+                    </a:lnB>
+                    <a:lnTlToBr w="12700" cmpd="sng">
+                      <a:noFill/>
+                      <a:prstDash val="solid"/>
+                    </a:lnTlToBr>
+                    <a:lnBlToTr w="12700" cmpd="sng">
+                      <a:noFill/>
+                      <a:prstDash val="solid"/>
+                    </a:lnBlToTr>
+                  </a:tcPr>
+                </a:tc>
+                <a:tc>
+                  <a:txBody>
+                    <a:bodyPr/>
+                    <a:lstStyle/>
+                    <a:p>
+                      <a:pPr algn="ctr"/>
+                      <a:r>
+                        <a:rPr lang="ru-RU" sz="1400" dirty="0" smtClean="0"/>
+                        <a:t>В</a:t>
+                      </a:r>
+                      <a:endParaRPr lang="ru-RU" sz="1400" dirty="0"/>
+                    </a:p>
+                  </a:txBody>
+                  <a:tcPr>
+                    <a:lnL w="6350" cap="flat" cmpd="sng" algn="ctr">
+                      <a:solidFill>
+                        <a:schemeClr val="tx2"/>
+                      </a:solidFill>
+                      <a:prstDash val="solid"/>
+                      <a:round/>
+                      <a:headEnd type="none" w="med" len="med"/>
+                      <a:tailEnd type="none" w="med" len="med"/>
+                    </a:lnL>
+                    <a:lnR w="6350" cap="flat" cmpd="sng" algn="ctr">
+                      <a:solidFill>
+                        <a:schemeClr val="tx2"/>
+                      </a:solidFill>
+                      <a:prstDash val="solid"/>
+                      <a:round/>
+                      <a:headEnd type="none" w="med" len="med"/>
+                      <a:tailEnd type="none" w="med" len="med"/>
+                    </a:lnR>
+                    <a:lnT w="6350" cap="flat" cmpd="sng" algn="ctr">
+                      <a:solidFill>
+                        <a:schemeClr val="tx2"/>
+                      </a:solidFill>
+                      <a:prstDash val="solid"/>
+                      <a:round/>
+                      <a:headEnd type="none" w="med" len="med"/>
+                      <a:tailEnd type="none" w="med" len="med"/>
+                    </a:lnT>
+                    <a:lnB w="6350" cap="flat" cmpd="sng" algn="ctr">
+                      <a:solidFill>
+                        <a:schemeClr val="tx2"/>
+                      </a:solidFill>
+                      <a:prstDash val="solid"/>
+                      <a:round/>
+                      <a:headEnd type="none" w="med" len="med"/>
+                      <a:tailEnd type="none" w="med" len="med"/>
+                    </a:lnB>
+                    <a:lnTlToBr w="12700" cmpd="sng">
+                      <a:noFill/>
+                      <a:prstDash val="solid"/>
+                    </a:lnTlToBr>
+                    <a:lnBlToTr w="12700" cmpd="sng">
+                      <a:noFill/>
+                      <a:prstDash val="solid"/>
+                    </a:lnBlToTr>
+                  </a:tcPr>
+                </a:tc>
+                <a:tc>
+                  <a:txBody>
+                    <a:bodyPr/>
+                    <a:lstStyle/>
+                    <a:p>
+                      <a:pPr algn="ctr"/>
+                      <a:r>
+                        <a:rPr lang="ru-RU" sz="1400" dirty="0" smtClean="0"/>
+                        <a:t>Г</a:t>
+                      </a:r>
+                      <a:endParaRPr lang="ru-RU" sz="1400" dirty="0"/>
+                    </a:p>
+                  </a:txBody>
+                  <a:tcPr>
+                    <a:lnL w="6350" cap="flat" cmpd="sng" algn="ctr">
+                      <a:solidFill>
+                        <a:schemeClr val="tx2"/>
+                      </a:solidFill>
+                      <a:prstDash val="solid"/>
+                      <a:round/>
+                      <a:headEnd type="none" w="med" len="med"/>
+                      <a:tailEnd type="none" w="med" len="med"/>
+                    </a:lnL>
+                    <a:lnR w="6350" cap="flat" cmpd="sng" algn="ctr">
+                      <a:solidFill>
+                        <a:schemeClr val="tx2"/>
+                      </a:solidFill>
+                      <a:prstDash val="solid"/>
+                      <a:round/>
+                      <a:headEnd type="none" w="med" len="med"/>
+                      <a:tailEnd type="none" w="med" len="med"/>
+                    </a:lnR>
+                    <a:lnT w="6350" cap="flat" cmpd="sng" algn="ctr">
+                      <a:solidFill>
+                        <a:schemeClr val="tx2"/>
+                      </a:solidFill>
+                      <a:prstDash val="solid"/>
+                      <a:round/>
+                      <a:headEnd type="none" w="med" len="med"/>
+                      <a:tailEnd type="none" w="med" len="med"/>
+                    </a:lnT>
+                    <a:lnB w="6350" cap="flat" cmpd="sng" algn="ctr">
+                      <a:solidFill>
+                        <a:schemeClr val="tx2"/>
+                      </a:solidFill>
+                      <a:prstDash val="solid"/>
+                      <a:round/>
+                      <a:headEnd type="none" w="med" len="med"/>
+                      <a:tailEnd type="none" w="med" len="med"/>
+                    </a:lnB>
+                    <a:lnTlToBr w="12700" cmpd="sng">
+                      <a:noFill/>
+                      <a:prstDash val="solid"/>
+                    </a:lnTlToBr>
+                    <a:lnBlToTr w="12700" cmpd="sng">
+                      <a:noFill/>
+                      <a:prstDash val="solid"/>
+                    </a:lnBlToTr>
+                  </a:tcPr>
+                </a:tc>
+              </a:tr>
+              <a:tr h="202932">
+                <a:tc>
+                  <a:txBody>
+                    <a:bodyPr/>
+                    <a:lstStyle/>
+                    <a:p>
+                      <a:pPr algn="ctr"/>
+                      <a:r>
+                        <a:rPr lang="ru-RU" sz="1400" dirty="0" smtClean="0">
+                          <a:solidFill>
+                            <a:schemeClr val="tx1"/>
+                          </a:solidFill>
+                        </a:rPr>
+                        <a:t>0</a:t>
+                      </a:r>
+                      <a:endParaRPr lang="ru-RU" sz="1400" dirty="0">
+                        <a:solidFill>
+                          <a:schemeClr val="tx1"/>
+                        </a:solidFill>
+                      </a:endParaRPr>
+                    </a:p>
+                  </a:txBody>
+                  <a:tcPr>
+                    <a:lnL w="6350" cap="flat" cmpd="sng" algn="ctr">
+                      <a:solidFill>
+                        <a:schemeClr val="tx2"/>
+                      </a:solidFill>
+                      <a:prstDash val="solid"/>
+                      <a:round/>
+                      <a:headEnd type="none" w="med" len="med"/>
+                      <a:tailEnd type="none" w="med" len="med"/>
+                    </a:lnL>
+                    <a:lnR w="6350" cap="flat" cmpd="sng" algn="ctr">
+                      <a:solidFill>
+                        <a:schemeClr val="tx2"/>
+                      </a:solidFill>
+                      <a:prstDash val="solid"/>
+                      <a:round/>
+                      <a:headEnd type="none" w="med" len="med"/>
+                      <a:tailEnd type="none" w="med" len="med"/>
+                    </a:lnR>
+                    <a:lnT w="6350" cap="flat" cmpd="sng" algn="ctr">
+                      <a:solidFill>
+                        <a:schemeClr val="tx2"/>
+                      </a:solidFill>
+                      <a:prstDash val="solid"/>
+                      <a:round/>
+                      <a:headEnd type="none" w="med" len="med"/>
+                      <a:tailEnd type="none" w="med" len="med"/>
+                    </a:lnT>
+                    <a:lnB w="6350" cap="flat" cmpd="sng" algn="ctr">
+                      <a:solidFill>
+                        <a:schemeClr val="tx2"/>
+                      </a:solidFill>
+                      <a:prstDash val="solid"/>
+                      <a:round/>
+                      <a:headEnd type="none" w="med" len="med"/>
+                      <a:tailEnd type="none" w="med" len="med"/>
+                    </a:lnB>
+                    <a:lnTlToBr w="12700" cmpd="sng">
+                      <a:noFill/>
+                      <a:prstDash val="solid"/>
+                    </a:lnTlToBr>
+                    <a:lnBlToTr w="12700" cmpd="sng">
+                      <a:noFill/>
+                      <a:prstDash val="solid"/>
+                    </a:lnBlToTr>
+                  </a:tcPr>
+                </a:tc>
+                <a:tc>
+                  <a:txBody>
+                    <a:bodyPr/>
+                    <a:lstStyle/>
+                    <a:p>
+                      <a:pPr algn="ctr"/>
+                      <a:r>
+                        <a:rPr lang="ru-RU" sz="1400" dirty="0" smtClean="0">
+                          <a:solidFill>
+                            <a:schemeClr val="tx1"/>
+                          </a:solidFill>
+                        </a:rPr>
+                        <a:t>0</a:t>
+                      </a:r>
+                      <a:endParaRPr lang="ru-RU" sz="1400" dirty="0">
+                        <a:solidFill>
+                          <a:schemeClr val="tx1"/>
+                        </a:solidFill>
+                      </a:endParaRPr>
+                    </a:p>
+                  </a:txBody>
+                  <a:tcPr>
+                    <a:lnL w="6350" cap="flat" cmpd="sng" algn="ctr">
+                      <a:solidFill>
+                        <a:schemeClr val="tx2"/>
+                      </a:solidFill>
+                      <a:prstDash val="solid"/>
+                      <a:round/>
+                      <a:headEnd type="none" w="med" len="med"/>
+                      <a:tailEnd type="none" w="med" len="med"/>
+                    </a:lnL>
+                    <a:lnR w="6350" cap="flat" cmpd="sng" algn="ctr">
+                      <a:solidFill>
+                        <a:schemeClr val="tx2"/>
+                      </a:solidFill>
+                      <a:prstDash val="solid"/>
+                      <a:round/>
+                      <a:headEnd type="none" w="med" len="med"/>
+                      <a:tailEnd type="none" w="med" len="med"/>
+                    </a:lnR>
+                    <a:lnT w="6350" cap="flat" cmpd="sng" algn="ctr">
+                      <a:solidFill>
+                        <a:schemeClr val="tx2"/>
+                      </a:solidFill>
+                      <a:prstDash val="solid"/>
+                      <a:round/>
+                      <a:headEnd type="none" w="med" len="med"/>
+                      <a:tailEnd type="none" w="med" len="med"/>
+                    </a:lnT>
+                    <a:lnB w="6350" cap="flat" cmpd="sng" algn="ctr">
+                      <a:solidFill>
+                        <a:schemeClr val="tx2"/>
+                      </a:solidFill>
+                      <a:prstDash val="solid"/>
+                      <a:round/>
+                      <a:headEnd type="none" w="med" len="med"/>
+                      <a:tailEnd type="none" w="med" len="med"/>
+                    </a:lnB>
+                    <a:lnTlToBr w="12700" cmpd="sng">
+                      <a:noFill/>
+                      <a:prstDash val="solid"/>
+                    </a:lnTlToBr>
+                    <a:lnBlToTr w="12700" cmpd="sng">
+                      <a:noFill/>
+                      <a:prstDash val="solid"/>
+                    </a:lnBlToTr>
+                  </a:tcPr>
+                </a:tc>
+                <a:tc>
+                  <a:txBody>
+                    <a:bodyPr/>
+                    <a:lstStyle/>
+                    <a:p>
+                      <a:pPr algn="ctr"/>
+                      <a:r>
+                        <a:rPr lang="ru-RU" sz="1400" dirty="0" smtClean="0">
+                          <a:solidFill>
+                            <a:schemeClr val="tx1"/>
+                          </a:solidFill>
+                        </a:rPr>
+                        <a:t>1</a:t>
+                      </a:r>
+                      <a:endParaRPr lang="ru-RU" sz="1400" dirty="0">
+                        <a:solidFill>
+                          <a:schemeClr val="tx1"/>
+                        </a:solidFill>
+                      </a:endParaRPr>
+                    </a:p>
+                  </a:txBody>
+                  <a:tcPr>
+                    <a:lnL w="6350" cap="flat" cmpd="sng" algn="ctr">
+                      <a:solidFill>
+                        <a:schemeClr val="tx2"/>
+                      </a:solidFill>
+                      <a:prstDash val="solid"/>
+                      <a:round/>
+                      <a:headEnd type="none" w="med" len="med"/>
+                      <a:tailEnd type="none" w="med" len="med"/>
+                    </a:lnL>
+                    <a:lnR w="6350" cap="flat" cmpd="sng" algn="ctr">
+                      <a:solidFill>
+                        <a:schemeClr val="tx2"/>
+                      </a:solidFill>
+                      <a:prstDash val="solid"/>
+                      <a:round/>
+                      <a:headEnd type="none" w="med" len="med"/>
+                      <a:tailEnd type="none" w="med" len="med"/>
+                    </a:lnR>
+                    <a:lnT w="6350" cap="flat" cmpd="sng" algn="ctr">
+                      <a:solidFill>
+                        <a:schemeClr val="tx2"/>
+                      </a:solidFill>
+                      <a:prstDash val="solid"/>
+                      <a:round/>
+                      <a:headEnd type="none" w="med" len="med"/>
+                      <a:tailEnd type="none" w="med" len="med"/>
+                    </a:lnT>
+                    <a:lnB w="6350" cap="flat" cmpd="sng" algn="ctr">
+                      <a:solidFill>
+                        <a:schemeClr val="tx2"/>
+                      </a:solidFill>
+                      <a:prstDash val="solid"/>
+                      <a:round/>
+                      <a:headEnd type="none" w="med" len="med"/>
+                      <a:tailEnd type="none" w="med" len="med"/>
+                    </a:lnB>
+                    <a:lnTlToBr w="12700" cmpd="sng">
+                      <a:noFill/>
+                      <a:prstDash val="solid"/>
+                    </a:lnTlToBr>
+                    <a:lnBlToTr w="12700" cmpd="sng">
+                      <a:noFill/>
+                      <a:prstDash val="solid"/>
+                    </a:lnBlToTr>
+                  </a:tcPr>
+                </a:tc>
+                <a:tc>
+                  <a:txBody>
+                    <a:bodyPr/>
+                    <a:lstStyle/>
+                    <a:p>
+                      <a:pPr algn="ctr"/>
+                      <a:r>
+                        <a:rPr lang="ru-RU" sz="1400" dirty="0" smtClean="0">
+                          <a:solidFill>
+                            <a:schemeClr val="tx1"/>
+                          </a:solidFill>
+                        </a:rPr>
+                        <a:t>1</a:t>
+                      </a:r>
+                      <a:endParaRPr lang="ru-RU" sz="1400" dirty="0">
+                        <a:solidFill>
+                          <a:schemeClr val="tx1"/>
+                        </a:solidFill>
+                      </a:endParaRPr>
+                    </a:p>
+                  </a:txBody>
+                  <a:tcPr>
+                    <a:lnL w="6350" cap="flat" cmpd="sng" algn="ctr">
+                      <a:solidFill>
+                        <a:schemeClr val="tx2"/>
+                      </a:solidFill>
+                      <a:prstDash val="solid"/>
+                      <a:round/>
+                      <a:headEnd type="none" w="med" len="med"/>
+                      <a:tailEnd type="none" w="med" len="med"/>
+                    </a:lnL>
+                    <a:lnR w="6350" cap="flat" cmpd="sng" algn="ctr">
+                      <a:solidFill>
+                        <a:schemeClr val="tx2"/>
+                      </a:solidFill>
+                      <a:prstDash val="solid"/>
+                      <a:round/>
+                      <a:headEnd type="none" w="med" len="med"/>
+                      <a:tailEnd type="none" w="med" len="med"/>
+                    </a:lnR>
+                    <a:lnT w="6350" cap="flat" cmpd="sng" algn="ctr">
+                      <a:solidFill>
+                        <a:schemeClr val="tx2"/>
+                      </a:solidFill>
+                      <a:prstDash val="solid"/>
+                      <a:round/>
+                      <a:headEnd type="none" w="med" len="med"/>
+                      <a:tailEnd type="none" w="med" len="med"/>
+                    </a:lnT>
+                    <a:lnB w="6350" cap="flat" cmpd="sng" algn="ctr">
+                      <a:solidFill>
+                        <a:schemeClr val="tx2"/>
+                      </a:solidFill>
+                      <a:prstDash val="solid"/>
+                      <a:round/>
+                      <a:headEnd type="none" w="med" len="med"/>
+                      <a:tailEnd type="none" w="med" len="med"/>
+                    </a:lnB>
+                    <a:lnTlToBr w="12700" cmpd="sng">
+                      <a:noFill/>
+                      <a:prstDash val="solid"/>
+                    </a:lnTlToBr>
+                    <a:lnBlToTr w="12700" cmpd="sng">
+                      <a:noFill/>
+                      <a:prstDash val="solid"/>
+                    </a:lnBlToTr>
+                  </a:tcPr>
+                </a:tc>
+              </a:tr>
+              <a:tr h="202932">
+                <a:tc>
+                  <a:txBody>
+                    <a:bodyPr/>
+                    <a:lstStyle/>
+                    <a:p>
+                      <a:pPr algn="ctr"/>
+                      <a:r>
+                        <a:rPr lang="ru-RU" sz="1400" dirty="0" smtClean="0">
+                          <a:solidFill>
+                            <a:schemeClr val="tx1"/>
+                          </a:solidFill>
+                        </a:rPr>
+                        <a:t>1</a:t>
+                      </a:r>
+                      <a:endParaRPr lang="ru-RU" sz="1400" dirty="0">
+                        <a:solidFill>
+                          <a:schemeClr val="tx1"/>
+                        </a:solidFill>
+                      </a:endParaRPr>
+                    </a:p>
+                  </a:txBody>
+                  <a:tcPr>
+                    <a:lnL w="6350" cap="flat" cmpd="sng" algn="ctr">
+                      <a:solidFill>
+                        <a:schemeClr val="tx2"/>
+                      </a:solidFill>
+                      <a:prstDash val="solid"/>
+                      <a:round/>
+                      <a:headEnd type="none" w="med" len="med"/>
+                      <a:tailEnd type="none" w="med" len="med"/>
+                    </a:lnL>
+                    <a:lnR w="6350" cap="flat" cmpd="sng" algn="ctr">
+                      <a:solidFill>
+                        <a:schemeClr val="tx2"/>
+                      </a:solidFill>
+                      <a:prstDash val="solid"/>
+                      <a:round/>
+                      <a:headEnd type="none" w="med" len="med"/>
+                      <a:tailEnd type="none" w="med" len="med"/>
+                    </a:lnR>
+                    <a:lnT w="6350" cap="flat" cmpd="sng" algn="ctr">
+                      <a:solidFill>
+                        <a:schemeClr val="tx2"/>
+                      </a:solidFill>
+                      <a:prstDash val="solid"/>
+                      <a:round/>
+                      <a:headEnd type="none" w="med" len="med"/>
+                      <a:tailEnd type="none" w="med" len="med"/>
+                    </a:lnT>
+                    <a:lnB w="6350" cap="flat" cmpd="sng" algn="ctr">
+                      <a:solidFill>
+                        <a:schemeClr val="tx2"/>
+                      </a:solidFill>
+                      <a:prstDash val="solid"/>
+                      <a:round/>
+                      <a:headEnd type="none" w="med" len="med"/>
+                      <a:tailEnd type="none" w="med" len="med"/>
+                    </a:lnB>
+                    <a:lnTlToBr w="12700" cmpd="sng">
+                      <a:noFill/>
+                      <a:prstDash val="solid"/>
+                    </a:lnTlToBr>
+                    <a:lnBlToTr w="12700" cmpd="sng">
+                      <a:noFill/>
+                      <a:prstDash val="solid"/>
+                    </a:lnBlToTr>
+                  </a:tcPr>
+                </a:tc>
+                <a:tc>
+                  <a:txBody>
+                    <a:bodyPr/>
+                    <a:lstStyle/>
+                    <a:p>
+                      <a:pPr algn="ctr"/>
+                      <a:r>
+                        <a:rPr lang="ru-RU" sz="1400" dirty="0" smtClean="0">
+                          <a:solidFill>
+                            <a:schemeClr val="tx1"/>
+                          </a:solidFill>
+                        </a:rPr>
+                        <a:t>0</a:t>
+                      </a:r>
+                      <a:endParaRPr lang="ru-RU" sz="1400" dirty="0">
+                        <a:solidFill>
+                          <a:schemeClr val="tx1"/>
+                        </a:solidFill>
+                      </a:endParaRPr>
+                    </a:p>
+                  </a:txBody>
+                  <a:tcPr>
+                    <a:lnL w="6350" cap="flat" cmpd="sng" algn="ctr">
+                      <a:solidFill>
+                        <a:schemeClr val="tx2"/>
+                      </a:solidFill>
+                      <a:prstDash val="solid"/>
+                      <a:round/>
+                      <a:headEnd type="none" w="med" len="med"/>
+                      <a:tailEnd type="none" w="med" len="med"/>
+                    </a:lnL>
+                    <a:lnR w="6350" cap="flat" cmpd="sng" algn="ctr">
+                      <a:solidFill>
+                        <a:schemeClr val="tx2"/>
+                      </a:solidFill>
+                      <a:prstDash val="solid"/>
+                      <a:round/>
+                      <a:headEnd type="none" w="med" len="med"/>
+                      <a:tailEnd type="none" w="med" len="med"/>
+                    </a:lnR>
+                    <a:lnT w="6350" cap="flat" cmpd="sng" algn="ctr">
+                      <a:solidFill>
+                        <a:schemeClr val="tx2"/>
+                      </a:solidFill>
+                      <a:prstDash val="solid"/>
+                      <a:round/>
+                      <a:headEnd type="none" w="med" len="med"/>
+                      <a:tailEnd type="none" w="med" len="med"/>
+                    </a:lnT>
+                    <a:lnB w="6350" cap="flat" cmpd="sng" algn="ctr">
+                      <a:solidFill>
+                        <a:schemeClr val="tx2"/>
+                      </a:solidFill>
+                      <a:prstDash val="solid"/>
+                      <a:round/>
+                      <a:headEnd type="none" w="med" len="med"/>
+                      <a:tailEnd type="none" w="med" len="med"/>
+                    </a:lnB>
+                    <a:lnTlToBr w="12700" cmpd="sng">
+                      <a:noFill/>
+                      <a:prstDash val="solid"/>
+                    </a:lnTlToBr>
+                    <a:lnBlToTr w="12700" cmpd="sng">
+                      <a:noFill/>
+                      <a:prstDash val="solid"/>
+                    </a:lnBlToTr>
+                  </a:tcPr>
+                </a:tc>
+                <a:tc>
+                  <a:txBody>
+                    <a:bodyPr/>
+                    <a:lstStyle/>
+                    <a:p>
+                      <a:pPr algn="ctr"/>
+                      <a:r>
+                        <a:rPr lang="ru-RU" sz="1400" dirty="0" smtClean="0">
+                          <a:solidFill>
+                            <a:schemeClr val="tx1"/>
+                          </a:solidFill>
+                        </a:rPr>
+                        <a:t>0</a:t>
+                      </a:r>
+                      <a:endParaRPr lang="ru-RU" sz="1400" dirty="0">
+                        <a:solidFill>
+                          <a:schemeClr val="tx1"/>
+                        </a:solidFill>
+                      </a:endParaRPr>
+                    </a:p>
+                  </a:txBody>
+                  <a:tcPr>
+                    <a:lnL w="6350" cap="flat" cmpd="sng" algn="ctr">
+                      <a:solidFill>
+                        <a:schemeClr val="tx2"/>
+                      </a:solidFill>
+                      <a:prstDash val="solid"/>
+                      <a:round/>
+                      <a:headEnd type="none" w="med" len="med"/>
+                      <a:tailEnd type="none" w="med" len="med"/>
+                    </a:lnL>
+                    <a:lnR w="6350" cap="flat" cmpd="sng" algn="ctr">
+                      <a:solidFill>
+                        <a:schemeClr val="tx2"/>
+                      </a:solidFill>
+                      <a:prstDash val="solid"/>
+                      <a:round/>
+                      <a:headEnd type="none" w="med" len="med"/>
+                      <a:tailEnd type="none" w="med" len="med"/>
+                    </a:lnR>
+                    <a:lnT w="6350" cap="flat" cmpd="sng" algn="ctr">
+                      <a:solidFill>
+                        <a:schemeClr val="tx2"/>
+                      </a:solidFill>
+                      <a:prstDash val="solid"/>
+                      <a:round/>
+                      <a:headEnd type="none" w="med" len="med"/>
+                      <a:tailEnd type="none" w="med" len="med"/>
+                    </a:lnT>
+                    <a:lnB w="6350" cap="flat" cmpd="sng" algn="ctr">
+                      <a:solidFill>
+                        <a:schemeClr val="tx2"/>
+                      </a:solidFill>
+                      <a:prstDash val="solid"/>
+                      <a:round/>
+                      <a:headEnd type="none" w="med" len="med"/>
+                      <a:tailEnd type="none" w="med" len="med"/>
+                    </a:lnB>
+                    <a:lnTlToBr w="12700" cmpd="sng">
+                      <a:noFill/>
+                      <a:prstDash val="solid"/>
+                    </a:lnTlToBr>
+                    <a:lnBlToTr w="12700" cmpd="sng">
+                      <a:noFill/>
+                      <a:prstDash val="solid"/>
+                    </a:lnBlToTr>
+                  </a:tcPr>
+                </a:tc>
+                <a:tc>
+                  <a:txBody>
+                    <a:bodyPr/>
+                    <a:lstStyle/>
+                    <a:p>
+                      <a:pPr algn="ctr"/>
+                      <a:r>
+                        <a:rPr lang="ru-RU" sz="1400" dirty="0" smtClean="0">
+                          <a:solidFill>
+                            <a:schemeClr val="tx1"/>
+                          </a:solidFill>
+                        </a:rPr>
+                        <a:t>1</a:t>
+                      </a:r>
+                      <a:endParaRPr lang="ru-RU" sz="1400" dirty="0">
+                        <a:solidFill>
+                          <a:schemeClr val="tx1"/>
+                        </a:solidFill>
+                      </a:endParaRPr>
+                    </a:p>
+                  </a:txBody>
+                  <a:tcPr>
+                    <a:lnL w="6350" cap="flat" cmpd="sng" algn="ctr">
+                      <a:solidFill>
+                        <a:schemeClr val="tx2"/>
+                      </a:solidFill>
+                      <a:prstDash val="solid"/>
+                      <a:round/>
+                      <a:headEnd type="none" w="med" len="med"/>
+                      <a:tailEnd type="none" w="med" len="med"/>
+                    </a:lnL>
+                    <a:lnR w="6350" cap="flat" cmpd="sng" algn="ctr">
+                      <a:solidFill>
+                        <a:schemeClr val="tx2"/>
+                      </a:solidFill>
+                      <a:prstDash val="solid"/>
+                      <a:round/>
+                      <a:headEnd type="none" w="med" len="med"/>
+                      <a:tailEnd type="none" w="med" len="med"/>
+                    </a:lnR>
+                    <a:lnT w="6350" cap="flat" cmpd="sng" algn="ctr">
+                      <a:solidFill>
+                        <a:schemeClr val="tx2"/>
+                      </a:solidFill>
+                      <a:prstDash val="solid"/>
+                      <a:round/>
+                      <a:headEnd type="none" w="med" len="med"/>
+                      <a:tailEnd type="none" w="med" len="med"/>
+                    </a:lnT>
+                    <a:lnB w="6350" cap="flat" cmpd="sng" algn="ctr">
+                      <a:solidFill>
+                        <a:schemeClr val="tx2"/>
+                      </a:solidFill>
+                      <a:prstDash val="solid"/>
+                      <a:round/>
+                      <a:headEnd type="none" w="med" len="med"/>
+                      <a:tailEnd type="none" w="med" len="med"/>
+                    </a:lnB>
+                    <a:lnTlToBr w="12700" cmpd="sng">
+                      <a:noFill/>
+                      <a:prstDash val="solid"/>
+                    </a:lnTlToBr>
+                    <a:lnBlToTr w="12700" cmpd="sng">
+                      <a:noFill/>
+                      <a:prstDash val="solid"/>
+                    </a:lnBlToTr>
+                  </a:tcPr>
+                </a:tc>
+              </a:tr>
+              <a:tr h="202932">
+                <a:tc>
+                  <a:txBody>
+                    <a:bodyPr/>
+                    <a:lstStyle/>
+                    <a:p>
+                      <a:pPr algn="ctr"/>
+                      <a:r>
+                        <a:rPr lang="ru-RU" sz="1400" dirty="0" smtClean="0">
+                          <a:solidFill>
+                            <a:schemeClr val="tx1"/>
+                          </a:solidFill>
+                        </a:rPr>
+                        <a:t>1</a:t>
+                      </a:r>
+                      <a:endParaRPr lang="ru-RU" sz="1400" dirty="0">
+                        <a:solidFill>
+                          <a:schemeClr val="tx1"/>
+                        </a:solidFill>
+                      </a:endParaRPr>
+                    </a:p>
+                  </a:txBody>
+                  <a:tcPr>
+                    <a:lnL w="6350" cap="flat" cmpd="sng" algn="ctr">
+                      <a:solidFill>
+                        <a:schemeClr val="tx2"/>
+                      </a:solidFill>
+                      <a:prstDash val="solid"/>
+                      <a:round/>
+                      <a:headEnd type="none" w="med" len="med"/>
+                      <a:tailEnd type="none" w="med" len="med"/>
+                    </a:lnL>
+                    <a:lnR w="6350" cap="flat" cmpd="sng" algn="ctr">
+                      <a:solidFill>
+                        <a:schemeClr val="tx2"/>
+                      </a:solidFill>
+                      <a:prstDash val="solid"/>
+                      <a:round/>
+                      <a:headEnd type="none" w="med" len="med"/>
+                      <a:tailEnd type="none" w="med" len="med"/>
+                    </a:lnR>
+                    <a:lnT w="6350" cap="flat" cmpd="sng" algn="ctr">
+                      <a:solidFill>
+                        <a:schemeClr val="tx2"/>
+                      </a:solidFill>
+                      <a:prstDash val="solid"/>
+                      <a:round/>
+                      <a:headEnd type="none" w="med" len="med"/>
+                      <a:tailEnd type="none" w="med" len="med"/>
+                    </a:lnT>
+                    <a:lnB w="6350" cap="flat" cmpd="sng" algn="ctr">
+                      <a:solidFill>
+                        <a:schemeClr val="tx2"/>
+                      </a:solidFill>
+                      <a:prstDash val="solid"/>
+                      <a:round/>
+                      <a:headEnd type="none" w="med" len="med"/>
+                      <a:tailEnd type="none" w="med" len="med"/>
+                    </a:lnB>
+                    <a:lnTlToBr w="12700" cmpd="sng">
+                      <a:noFill/>
+                      <a:prstDash val="solid"/>
+                    </a:lnTlToBr>
+                    <a:lnBlToTr w="12700" cmpd="sng">
+                      <a:noFill/>
+                      <a:prstDash val="solid"/>
+                    </a:lnBlToTr>
+                  </a:tcPr>
+                </a:tc>
+                <a:tc>
+                  <a:txBody>
+                    <a:bodyPr/>
+                    <a:lstStyle/>
+                    <a:p>
+                      <a:pPr algn="ctr"/>
+                      <a:r>
+                        <a:rPr lang="ru-RU" sz="1400" dirty="0" smtClean="0">
+                          <a:solidFill>
+                            <a:schemeClr val="tx1"/>
+                          </a:solidFill>
+                        </a:rPr>
+                        <a:t>1</a:t>
+                      </a:r>
+                      <a:endParaRPr lang="ru-RU" sz="1400" dirty="0">
+                        <a:solidFill>
+                          <a:schemeClr val="tx1"/>
+                        </a:solidFill>
+                      </a:endParaRPr>
+                    </a:p>
+                  </a:txBody>
+                  <a:tcPr>
+                    <a:lnL w="6350" cap="flat" cmpd="sng" algn="ctr">
+                      <a:solidFill>
+                        <a:schemeClr val="tx2"/>
+                      </a:solidFill>
+                      <a:prstDash val="solid"/>
+                      <a:round/>
+                      <a:headEnd type="none" w="med" len="med"/>
+                      <a:tailEnd type="none" w="med" len="med"/>
+                    </a:lnL>
+                    <a:lnR w="6350" cap="flat" cmpd="sng" algn="ctr">
+                      <a:solidFill>
+                        <a:schemeClr val="tx2"/>
+                      </a:solidFill>
+                      <a:prstDash val="solid"/>
+                      <a:round/>
+                      <a:headEnd type="none" w="med" len="med"/>
+                      <a:tailEnd type="none" w="med" len="med"/>
+                    </a:lnR>
+                    <a:lnT w="6350" cap="flat" cmpd="sng" algn="ctr">
+                      <a:solidFill>
+                        <a:schemeClr val="tx2"/>
+                      </a:solidFill>
+                      <a:prstDash val="solid"/>
+                      <a:round/>
+                      <a:headEnd type="none" w="med" len="med"/>
+                      <a:tailEnd type="none" w="med" len="med"/>
+                    </a:lnT>
+                    <a:lnB w="6350" cap="flat" cmpd="sng" algn="ctr">
+                      <a:solidFill>
+                        <a:schemeClr val="tx2"/>
+                      </a:solidFill>
+                      <a:prstDash val="solid"/>
+                      <a:round/>
+                      <a:headEnd type="none" w="med" len="med"/>
+                      <a:tailEnd type="none" w="med" len="med"/>
+                    </a:lnB>
+                    <a:lnTlToBr w="12700" cmpd="sng">
+                      <a:noFill/>
+                      <a:prstDash val="solid"/>
+                    </a:lnTlToBr>
+                    <a:lnBlToTr w="12700" cmpd="sng">
+                      <a:noFill/>
+                      <a:prstDash val="solid"/>
+                    </a:lnBlToTr>
+                  </a:tcPr>
+                </a:tc>
+                <a:tc>
+                  <a:txBody>
+                    <a:bodyPr/>
+                    <a:lstStyle/>
+                    <a:p>
+                      <a:pPr algn="ctr"/>
+                      <a:r>
+                        <a:rPr lang="ru-RU" sz="1400" dirty="0" smtClean="0">
+                          <a:solidFill>
+                            <a:schemeClr val="tx1"/>
+                          </a:solidFill>
+                        </a:rPr>
+                        <a:t>1</a:t>
+                      </a:r>
+                      <a:endParaRPr lang="ru-RU" sz="1400" dirty="0">
+                        <a:solidFill>
+                          <a:schemeClr val="tx1"/>
+                        </a:solidFill>
+                      </a:endParaRPr>
+                    </a:p>
+                  </a:txBody>
+                  <a:tcPr>
+                    <a:lnL w="6350" cap="flat" cmpd="sng" algn="ctr">
+                      <a:solidFill>
+                        <a:schemeClr val="tx2"/>
+                      </a:solidFill>
+                      <a:prstDash val="solid"/>
+                      <a:round/>
+                      <a:headEnd type="none" w="med" len="med"/>
+                      <a:tailEnd type="none" w="med" len="med"/>
+                    </a:lnL>
+                    <a:lnR w="6350" cap="flat" cmpd="sng" algn="ctr">
+                      <a:solidFill>
+                        <a:schemeClr val="tx2"/>
+                      </a:solidFill>
+                      <a:prstDash val="solid"/>
+                      <a:round/>
+                      <a:headEnd type="none" w="med" len="med"/>
+                      <a:tailEnd type="none" w="med" len="med"/>
+                    </a:lnR>
+                    <a:lnT w="6350" cap="flat" cmpd="sng" algn="ctr">
+                      <a:solidFill>
+                        <a:schemeClr val="tx2"/>
+                      </a:solidFill>
+                      <a:prstDash val="solid"/>
+                      <a:round/>
+                      <a:headEnd type="none" w="med" len="med"/>
+                      <a:tailEnd type="none" w="med" len="med"/>
+                    </a:lnT>
+                    <a:lnB w="6350" cap="flat" cmpd="sng" algn="ctr">
+                      <a:solidFill>
+                        <a:schemeClr val="tx2"/>
+                      </a:solidFill>
+                      <a:prstDash val="solid"/>
+                      <a:round/>
+                      <a:headEnd type="none" w="med" len="med"/>
+                      <a:tailEnd type="none" w="med" len="med"/>
+                    </a:lnB>
+                    <a:lnTlToBr w="12700" cmpd="sng">
+                      <a:noFill/>
+                      <a:prstDash val="solid"/>
+                    </a:lnTlToBr>
+                    <a:lnBlToTr w="12700" cmpd="sng">
+                      <a:noFill/>
+                      <a:prstDash val="solid"/>
+                    </a:lnBlToTr>
+                  </a:tcPr>
+                </a:tc>
+                <a:tc>
+                  <a:txBody>
+                    <a:bodyPr/>
+                    <a:lstStyle/>
+                    <a:p>
+                      <a:pPr algn="ctr"/>
+                      <a:r>
+                        <a:rPr lang="ru-RU" sz="1400" dirty="0" smtClean="0">
+                          <a:solidFill>
+                            <a:schemeClr val="tx1"/>
+                          </a:solidFill>
+                        </a:rPr>
+                        <a:t>1</a:t>
+                      </a:r>
+                      <a:endParaRPr lang="ru-RU" sz="1400" dirty="0">
+                        <a:solidFill>
+                          <a:schemeClr val="tx1"/>
+                        </a:solidFill>
+                      </a:endParaRPr>
+                    </a:p>
+                  </a:txBody>
+                  <a:tcPr>
+                    <a:lnL w="6350" cap="flat" cmpd="sng" algn="ctr">
+                      <a:solidFill>
+                        <a:schemeClr val="tx2"/>
+                      </a:solidFill>
+                      <a:prstDash val="solid"/>
+                      <a:round/>
+                      <a:headEnd type="none" w="med" len="med"/>
+                      <a:tailEnd type="none" w="med" len="med"/>
+                    </a:lnL>
+                    <a:lnR w="6350" cap="flat" cmpd="sng" algn="ctr">
+                      <a:solidFill>
+                        <a:schemeClr val="tx2"/>
+                      </a:solidFill>
+                      <a:prstDash val="solid"/>
+                      <a:round/>
+                      <a:headEnd type="none" w="med" len="med"/>
+                      <a:tailEnd type="none" w="med" len="med"/>
+                    </a:lnR>
+                    <a:lnT w="6350" cap="flat" cmpd="sng" algn="ctr">
+                      <a:solidFill>
+                        <a:schemeClr val="tx2"/>
+                      </a:solidFill>
+                      <a:prstDash val="solid"/>
+                      <a:round/>
+                      <a:headEnd type="none" w="med" len="med"/>
+                      <a:tailEnd type="none" w="med" len="med"/>
+                    </a:lnT>
+                    <a:lnB w="6350" cap="flat" cmpd="sng" algn="ctr">
+                      <a:solidFill>
+                        <a:schemeClr val="tx2"/>
+                      </a:solidFill>
+                      <a:prstDash val="solid"/>
+                      <a:round/>
+                      <a:headEnd type="none" w="med" len="med"/>
+                      <a:tailEnd type="none" w="med" len="med"/>
+                    </a:lnB>
+                    <a:lnTlToBr w="12700" cmpd="sng">
+                      <a:noFill/>
+                      <a:prstDash val="solid"/>
+                    </a:lnTlToBr>
+                    <a:lnBlToTr w="12700" cmpd="sng">
+                      <a:noFill/>
+                      <a:prstDash val="solid"/>
+                    </a:lnBlToTr>
+                  </a:tcPr>
+                </a:tc>
+              </a:tr>
+              <a:tr h="202932">
+                <a:tc>
+                  <a:txBody>
+                    <a:bodyPr/>
+                    <a:lstStyle/>
+                    <a:p>
+                      <a:pPr algn="ctr"/>
+                      <a:r>
+                        <a:rPr lang="ru-RU" sz="1400" dirty="0" smtClean="0">
+                          <a:solidFill>
+                            <a:schemeClr val="tx1"/>
+                          </a:solidFill>
+                        </a:rPr>
+                        <a:t>0</a:t>
+                      </a:r>
+                      <a:endParaRPr lang="ru-RU" sz="1400" dirty="0">
+                        <a:solidFill>
+                          <a:schemeClr val="tx1"/>
+                        </a:solidFill>
+                      </a:endParaRPr>
+                    </a:p>
+                  </a:txBody>
+                  <a:tcPr>
+                    <a:lnL w="6350" cap="flat" cmpd="sng" algn="ctr">
+                      <a:solidFill>
+                        <a:schemeClr val="tx2"/>
+                      </a:solidFill>
+                      <a:prstDash val="solid"/>
+                      <a:round/>
+                      <a:headEnd type="none" w="med" len="med"/>
+                      <a:tailEnd type="none" w="med" len="med"/>
+                    </a:lnL>
+                    <a:lnR w="6350" cap="flat" cmpd="sng" algn="ctr">
+                      <a:solidFill>
+                        <a:schemeClr val="tx2"/>
+                      </a:solidFill>
+                      <a:prstDash val="solid"/>
+                      <a:round/>
+                      <a:headEnd type="none" w="med" len="med"/>
+                      <a:tailEnd type="none" w="med" len="med"/>
+                    </a:lnR>
+                    <a:lnT w="6350" cap="flat" cmpd="sng" algn="ctr">
+                      <a:solidFill>
+                        <a:schemeClr val="tx2"/>
+                      </a:solidFill>
+                      <a:prstDash val="solid"/>
+                      <a:round/>
+                      <a:headEnd type="none" w="med" len="med"/>
+                      <a:tailEnd type="none" w="med" len="med"/>
+                    </a:lnT>
+                    <a:lnB w="6350" cap="flat" cmpd="sng" algn="ctr">
+                      <a:solidFill>
+                        <a:schemeClr val="tx2"/>
+                      </a:solidFill>
+                      <a:prstDash val="solid"/>
+                      <a:round/>
+                      <a:headEnd type="none" w="med" len="med"/>
+                      <a:tailEnd type="none" w="med" len="med"/>
+                    </a:lnB>
+                    <a:lnTlToBr w="12700" cmpd="sng">
+                      <a:noFill/>
+                      <a:prstDash val="solid"/>
+                    </a:lnTlToBr>
+                    <a:lnBlToTr w="12700" cmpd="sng">
+                      <a:noFill/>
+                      <a:prstDash val="solid"/>
+                    </a:lnBlToTr>
+                  </a:tcPr>
+                </a:tc>
+                <a:tc>
+                  <a:txBody>
+                    <a:bodyPr/>
+                    <a:lstStyle/>
+                    <a:p>
+                      <a:pPr algn="ctr"/>
+                      <a:r>
+                        <a:rPr lang="ru-RU" sz="1400" dirty="0" smtClean="0">
+                          <a:solidFill>
+                            <a:schemeClr val="tx1"/>
+                          </a:solidFill>
+                        </a:rPr>
+                        <a:t>0</a:t>
+                      </a:r>
+                      <a:endParaRPr lang="ru-RU" sz="1400" dirty="0">
+                        <a:solidFill>
+                          <a:schemeClr val="tx1"/>
+                        </a:solidFill>
+                      </a:endParaRPr>
+                    </a:p>
+                  </a:txBody>
+                  <a:tcPr>
+                    <a:lnL w="6350" cap="flat" cmpd="sng" algn="ctr">
+                      <a:solidFill>
+                        <a:schemeClr val="tx2"/>
+                      </a:solidFill>
+                      <a:prstDash val="solid"/>
+                      <a:round/>
+                      <a:headEnd type="none" w="med" len="med"/>
+                      <a:tailEnd type="none" w="med" len="med"/>
+                    </a:lnL>
+                    <a:lnR w="6350" cap="flat" cmpd="sng" algn="ctr">
+                      <a:solidFill>
+                        <a:schemeClr val="tx2"/>
+                      </a:solidFill>
+                      <a:prstDash val="solid"/>
+                      <a:round/>
+                      <a:headEnd type="none" w="med" len="med"/>
+                      <a:tailEnd type="none" w="med" len="med"/>
+                    </a:lnR>
+                    <a:lnT w="6350" cap="flat" cmpd="sng" algn="ctr">
+                      <a:solidFill>
+                        <a:schemeClr val="tx2"/>
+                      </a:solidFill>
+                      <a:prstDash val="solid"/>
+                      <a:round/>
+                      <a:headEnd type="none" w="med" len="med"/>
+                      <a:tailEnd type="none" w="med" len="med"/>
+                    </a:lnT>
+                    <a:lnB w="6350" cap="flat" cmpd="sng" algn="ctr">
+                      <a:solidFill>
+                        <a:schemeClr val="tx2"/>
+                      </a:solidFill>
+                      <a:prstDash val="solid"/>
+                      <a:round/>
+                      <a:headEnd type="none" w="med" len="med"/>
+                      <a:tailEnd type="none" w="med" len="med"/>
+                    </a:lnB>
+                    <a:lnTlToBr w="12700" cmpd="sng">
+                      <a:noFill/>
+                      <a:prstDash val="solid"/>
+                    </a:lnTlToBr>
+                    <a:lnBlToTr w="12700" cmpd="sng">
+                      <a:noFill/>
+                      <a:prstDash val="solid"/>
+                    </a:lnBlToTr>
+                  </a:tcPr>
+                </a:tc>
+                <a:tc>
+                  <a:txBody>
+                    <a:bodyPr/>
+                    <a:lstStyle/>
+                    <a:p>
+                      <a:pPr algn="ctr"/>
+                      <a:r>
+                        <a:rPr lang="ru-RU" sz="1400" dirty="0" smtClean="0">
+                          <a:solidFill>
+                            <a:schemeClr val="tx1"/>
+                          </a:solidFill>
+                        </a:rPr>
+                        <a:t>0</a:t>
+                      </a:r>
+                      <a:endParaRPr lang="ru-RU" sz="1400" dirty="0">
+                        <a:solidFill>
+                          <a:schemeClr val="tx1"/>
+                        </a:solidFill>
+                      </a:endParaRPr>
+                    </a:p>
+                  </a:txBody>
+                  <a:tcPr>
+                    <a:lnL w="6350" cap="flat" cmpd="sng" algn="ctr">
+                      <a:solidFill>
+                        <a:schemeClr val="tx2"/>
+                      </a:solidFill>
+                      <a:prstDash val="solid"/>
+                      <a:round/>
+                      <a:headEnd type="none" w="med" len="med"/>
+                      <a:tailEnd type="none" w="med" len="med"/>
+                    </a:lnL>
+                    <a:lnR w="6350" cap="flat" cmpd="sng" algn="ctr">
+                      <a:solidFill>
+                        <a:schemeClr val="tx2"/>
+                      </a:solidFill>
+                      <a:prstDash val="solid"/>
+                      <a:round/>
+                      <a:headEnd type="none" w="med" len="med"/>
+                      <a:tailEnd type="none" w="med" len="med"/>
+                    </a:lnR>
+                    <a:lnT w="6350" cap="flat" cmpd="sng" algn="ctr">
+                      <a:solidFill>
+                        <a:schemeClr val="tx2"/>
+                      </a:solidFill>
+                      <a:prstDash val="solid"/>
+                      <a:round/>
+                      <a:headEnd type="none" w="med" len="med"/>
+                      <a:tailEnd type="none" w="med" len="med"/>
+                    </a:lnT>
+                    <a:lnB w="6350" cap="flat" cmpd="sng" algn="ctr">
+                      <a:solidFill>
+                        <a:schemeClr val="tx2"/>
+                      </a:solidFill>
+                      <a:prstDash val="solid"/>
+                      <a:round/>
+                      <a:headEnd type="none" w="med" len="med"/>
+                      <a:tailEnd type="none" w="med" len="med"/>
+                    </a:lnB>
+                    <a:lnTlToBr w="12700" cmpd="sng">
+                      <a:noFill/>
+                      <a:prstDash val="solid"/>
+                    </a:lnTlToBr>
+                    <a:lnBlToTr w="12700" cmpd="sng">
+                      <a:noFill/>
+                      <a:prstDash val="solid"/>
+                    </a:lnBlToTr>
+                  </a:tcPr>
+                </a:tc>
+                <a:tc>
+                  <a:txBody>
+                    <a:bodyPr/>
+                    <a:lstStyle/>
+                    <a:p>
+                      <a:pPr algn="ctr"/>
+                      <a:r>
+                        <a:rPr lang="ru-RU" sz="1400" dirty="0" smtClean="0">
+                          <a:solidFill>
+                            <a:schemeClr val="tx1"/>
+                          </a:solidFill>
+                        </a:rPr>
+                        <a:t>1</a:t>
+                      </a:r>
+                      <a:endParaRPr lang="ru-RU" sz="1400" dirty="0">
+                        <a:solidFill>
+                          <a:schemeClr val="tx1"/>
+                        </a:solidFill>
+                      </a:endParaRPr>
+                    </a:p>
+                  </a:txBody>
+                  <a:tcPr>
+                    <a:lnL w="6350" cap="flat" cmpd="sng" algn="ctr">
+                      <a:solidFill>
+                        <a:schemeClr val="tx2"/>
+                      </a:solidFill>
+                      <a:prstDash val="solid"/>
+                      <a:round/>
+                      <a:headEnd type="none" w="med" len="med"/>
+                      <a:tailEnd type="none" w="med" len="med"/>
+                    </a:lnL>
+                    <a:lnR w="6350" cap="flat" cmpd="sng" algn="ctr">
+                      <a:solidFill>
+                        <a:schemeClr val="tx2"/>
+                      </a:solidFill>
+                      <a:prstDash val="solid"/>
+                      <a:round/>
+                      <a:headEnd type="none" w="med" len="med"/>
+                      <a:tailEnd type="none" w="med" len="med"/>
+                    </a:lnR>
+                    <a:lnT w="6350" cap="flat" cmpd="sng" algn="ctr">
+                      <a:solidFill>
+                        <a:schemeClr val="tx2"/>
+                      </a:solidFill>
+                      <a:prstDash val="solid"/>
+                      <a:round/>
+                      <a:headEnd type="none" w="med" len="med"/>
+                      <a:tailEnd type="none" w="med" len="med"/>
+                    </a:lnT>
+                    <a:lnB w="6350" cap="flat" cmpd="sng" algn="ctr">
+                      <a:solidFill>
+                        <a:schemeClr val="tx2"/>
+                      </a:solidFill>
+                      <a:prstDash val="solid"/>
+                      <a:round/>
+                      <a:headEnd type="none" w="med" len="med"/>
+                      <a:tailEnd type="none" w="med" len="med"/>
+                    </a:lnB>
+                    <a:lnTlToBr w="12700" cmpd="sng">
+                      <a:noFill/>
+                      <a:prstDash val="solid"/>
+                    </a:lnTlToBr>
+                    <a:lnBlToTr w="12700" cmpd="sng">
+                      <a:noFill/>
+                      <a:prstDash val="solid"/>
+                    </a:lnBlToTr>
+                  </a:tcPr>
+                </a:tc>
+              </a:tr>
+              <a:tr h="202932">
+                <a:tc>
+                  <a:txBody>
+                    <a:bodyPr/>
+                    <a:lstStyle/>
+                    <a:p>
+                      <a:pPr algn="ctr"/>
+                      <a:r>
+                        <a:rPr lang="ru-RU" sz="1400" dirty="0" smtClean="0">
+                          <a:solidFill>
+                            <a:schemeClr val="tx1"/>
+                          </a:solidFill>
+                        </a:rPr>
+                        <a:t>0</a:t>
+                      </a:r>
+                      <a:endParaRPr lang="ru-RU" sz="1400" dirty="0">
+                        <a:solidFill>
+                          <a:schemeClr val="tx1"/>
+                        </a:solidFill>
+                      </a:endParaRPr>
+                    </a:p>
+                  </a:txBody>
+                  <a:tcPr>
+                    <a:lnL w="6350" cap="flat" cmpd="sng" algn="ctr">
+                      <a:solidFill>
+                        <a:schemeClr val="tx2"/>
+                      </a:solidFill>
+                      <a:prstDash val="solid"/>
+                      <a:round/>
+                      <a:headEnd type="none" w="med" len="med"/>
+                      <a:tailEnd type="none" w="med" len="med"/>
+                    </a:lnL>
+                    <a:lnR w="6350" cap="flat" cmpd="sng" algn="ctr">
+                      <a:solidFill>
+                        <a:schemeClr val="tx2"/>
+                      </a:solidFill>
+                      <a:prstDash val="solid"/>
+                      <a:round/>
+                      <a:headEnd type="none" w="med" len="med"/>
+                      <a:tailEnd type="none" w="med" len="med"/>
+                    </a:lnR>
+                    <a:lnT w="6350" cap="flat" cmpd="sng" algn="ctr">
+                      <a:solidFill>
+                        <a:schemeClr val="tx2"/>
+                      </a:solidFill>
+                      <a:prstDash val="solid"/>
+                      <a:round/>
+                      <a:headEnd type="none" w="med" len="med"/>
+                      <a:tailEnd type="none" w="med" len="med"/>
+                    </a:lnT>
+                    <a:lnB w="6350" cap="flat" cmpd="sng" algn="ctr">
+                      <a:solidFill>
+                        <a:schemeClr val="tx2"/>
+                      </a:solidFill>
+                      <a:prstDash val="solid"/>
+                      <a:round/>
+                      <a:headEnd type="none" w="med" len="med"/>
+                      <a:tailEnd type="none" w="med" len="med"/>
+                    </a:lnB>
+                    <a:lnTlToBr w="12700" cmpd="sng">
+                      <a:noFill/>
+                      <a:prstDash val="solid"/>
+                    </a:lnTlToBr>
+                    <a:lnBlToTr w="12700" cmpd="sng">
+                      <a:noFill/>
+                      <a:prstDash val="solid"/>
+                    </a:lnBlToTr>
+                  </a:tcPr>
+                </a:tc>
+                <a:tc>
+                  <a:txBody>
+                    <a:bodyPr/>
+                    <a:lstStyle/>
+                    <a:p>
+                      <a:pPr algn="ctr"/>
+                      <a:r>
+                        <a:rPr lang="ru-RU" sz="1400" dirty="0" smtClean="0">
+                          <a:solidFill>
+                            <a:schemeClr val="tx1"/>
+                          </a:solidFill>
+                        </a:rPr>
+                        <a:t>0</a:t>
+                      </a:r>
+                      <a:endParaRPr lang="ru-RU" sz="1400" dirty="0">
+                        <a:solidFill>
+                          <a:schemeClr val="tx1"/>
+                        </a:solidFill>
+                      </a:endParaRPr>
+                    </a:p>
+                  </a:txBody>
+                  <a:tcPr>
+                    <a:lnL w="6350" cap="flat" cmpd="sng" algn="ctr">
+                      <a:solidFill>
+                        <a:schemeClr val="tx2"/>
+                      </a:solidFill>
+                      <a:prstDash val="solid"/>
+                      <a:round/>
+                      <a:headEnd type="none" w="med" len="med"/>
+                      <a:tailEnd type="none" w="med" len="med"/>
+                    </a:lnL>
+                    <a:lnR w="6350" cap="flat" cmpd="sng" algn="ctr">
+                      <a:solidFill>
+                        <a:schemeClr val="tx2"/>
+                      </a:solidFill>
+                      <a:prstDash val="solid"/>
+                      <a:round/>
+                      <a:headEnd type="none" w="med" len="med"/>
+                      <a:tailEnd type="none" w="med" len="med"/>
+                    </a:lnR>
+                    <a:lnT w="6350" cap="flat" cmpd="sng" algn="ctr">
+                      <a:solidFill>
+                        <a:schemeClr val="tx2"/>
+                      </a:solidFill>
+                      <a:prstDash val="solid"/>
+                      <a:round/>
+                      <a:headEnd type="none" w="med" len="med"/>
+                      <a:tailEnd type="none" w="med" len="med"/>
+                    </a:lnT>
+                    <a:lnB w="6350" cap="flat" cmpd="sng" algn="ctr">
+                      <a:solidFill>
+                        <a:schemeClr val="tx2"/>
+                      </a:solidFill>
+                      <a:prstDash val="solid"/>
+                      <a:round/>
+                      <a:headEnd type="none" w="med" len="med"/>
+                      <a:tailEnd type="none" w="med" len="med"/>
+                    </a:lnB>
+                    <a:lnTlToBr w="12700" cmpd="sng">
+                      <a:noFill/>
+                      <a:prstDash val="solid"/>
+                    </a:lnTlToBr>
+                    <a:lnBlToTr w="12700" cmpd="sng">
+                      <a:noFill/>
+                      <a:prstDash val="solid"/>
+                    </a:lnBlToTr>
+                  </a:tcPr>
+                </a:tc>
+                <a:tc>
+                  <a:txBody>
+                    <a:bodyPr/>
+                    <a:lstStyle/>
+                    <a:p>
+                      <a:pPr algn="ctr"/>
+                      <a:r>
+                        <a:rPr lang="ru-RU" sz="1400" dirty="0" smtClean="0">
+                          <a:solidFill>
+                            <a:schemeClr val="tx1"/>
+                          </a:solidFill>
+                        </a:rPr>
+                        <a:t>1</a:t>
+                      </a:r>
+                      <a:endParaRPr lang="ru-RU" sz="1400" dirty="0">
+                        <a:solidFill>
+                          <a:schemeClr val="tx1"/>
+                        </a:solidFill>
+                      </a:endParaRPr>
+                    </a:p>
+                  </a:txBody>
+                  <a:tcPr>
+                    <a:lnL w="6350" cap="flat" cmpd="sng" algn="ctr">
+                      <a:solidFill>
+                        <a:schemeClr val="tx2"/>
+                      </a:solidFill>
+                      <a:prstDash val="solid"/>
+                      <a:round/>
+                      <a:headEnd type="none" w="med" len="med"/>
+                      <a:tailEnd type="none" w="med" len="med"/>
+                    </a:lnL>
+                    <a:lnR w="6350" cap="flat" cmpd="sng" algn="ctr">
+                      <a:solidFill>
+                        <a:schemeClr val="tx2"/>
+                      </a:solidFill>
+                      <a:prstDash val="solid"/>
+                      <a:round/>
+                      <a:headEnd type="none" w="med" len="med"/>
+                      <a:tailEnd type="none" w="med" len="med"/>
+                    </a:lnR>
+                    <a:lnT w="6350" cap="flat" cmpd="sng" algn="ctr">
+                      <a:solidFill>
+                        <a:schemeClr val="tx2"/>
+                      </a:solidFill>
+                      <a:prstDash val="solid"/>
+                      <a:round/>
+                      <a:headEnd type="none" w="med" len="med"/>
+                      <a:tailEnd type="none" w="med" len="med"/>
+                    </a:lnT>
+                    <a:lnB w="6350" cap="flat" cmpd="sng" algn="ctr">
+                      <a:solidFill>
+                        <a:schemeClr val="tx2"/>
+                      </a:solidFill>
+                      <a:prstDash val="solid"/>
+                      <a:round/>
+                      <a:headEnd type="none" w="med" len="med"/>
+                      <a:tailEnd type="none" w="med" len="med"/>
+                    </a:lnB>
+                    <a:lnTlToBr w="12700" cmpd="sng">
+                      <a:noFill/>
+                      <a:prstDash val="solid"/>
+                    </a:lnTlToBr>
+                    <a:lnBlToTr w="12700" cmpd="sng">
+                      <a:noFill/>
+                      <a:prstDash val="solid"/>
+                    </a:lnBlToTr>
+                  </a:tcPr>
+                </a:tc>
+                <a:tc>
+                  <a:txBody>
+                    <a:bodyPr/>
+                    <a:lstStyle/>
+                    <a:p>
+                      <a:pPr algn="ctr"/>
+                      <a:r>
+                        <a:rPr lang="ru-RU" sz="1400" dirty="0" smtClean="0">
+                          <a:solidFill>
+                            <a:schemeClr val="tx1"/>
+                          </a:solidFill>
+                        </a:rPr>
+                        <a:t>1</a:t>
+                      </a:r>
+                      <a:endParaRPr lang="ru-RU" sz="1400" dirty="0">
+                        <a:solidFill>
+                          <a:schemeClr val="tx1"/>
+                        </a:solidFill>
+                      </a:endParaRPr>
+                    </a:p>
+                  </a:txBody>
+                  <a:tcPr>
+                    <a:lnL w="6350" cap="flat" cmpd="sng" algn="ctr">
+                      <a:solidFill>
+                        <a:schemeClr val="tx2"/>
+                      </a:solidFill>
+                      <a:prstDash val="solid"/>
+                      <a:round/>
+                      <a:headEnd type="none" w="med" len="med"/>
+                      <a:tailEnd type="none" w="med" len="med"/>
+                    </a:lnL>
+                    <a:lnR w="6350" cap="flat" cmpd="sng" algn="ctr">
+                      <a:solidFill>
+                        <a:schemeClr val="tx2"/>
+                      </a:solidFill>
+                      <a:prstDash val="solid"/>
+                      <a:round/>
+                      <a:headEnd type="none" w="med" len="med"/>
+                      <a:tailEnd type="none" w="med" len="med"/>
+                    </a:lnR>
+                    <a:lnT w="6350" cap="flat" cmpd="sng" algn="ctr">
+                      <a:solidFill>
+                        <a:schemeClr val="tx2"/>
+                      </a:solidFill>
+                      <a:prstDash val="solid"/>
+                      <a:round/>
+                      <a:headEnd type="none" w="med" len="med"/>
+                      <a:tailEnd type="none" w="med" len="med"/>
+                    </a:lnT>
+                    <a:lnB w="6350" cap="flat" cmpd="sng" algn="ctr">
+                      <a:solidFill>
+                        <a:schemeClr val="tx2"/>
+                      </a:solidFill>
+                      <a:prstDash val="solid"/>
+                      <a:round/>
+                      <a:headEnd type="none" w="med" len="med"/>
+                      <a:tailEnd type="none" w="med" len="med"/>
+                    </a:lnB>
+                    <a:lnTlToBr w="12700" cmpd="sng">
+                      <a:noFill/>
+                      <a:prstDash val="solid"/>
+                    </a:lnTlToBr>
+                    <a:lnBlToTr w="12700" cmpd="sng">
+                      <a:noFill/>
+                      <a:prstDash val="solid"/>
+                    </a:lnBlToTr>
+                  </a:tcPr>
+                </a:tc>
+              </a:tr>
+              <a:tr h="202932">
+                <a:tc>
+                  <a:txBody>
+                    <a:bodyPr/>
+                    <a:lstStyle/>
+                    <a:p>
+                      <a:pPr algn="ctr"/>
+                      <a:r>
+                        <a:rPr lang="ru-RU" sz="1400" dirty="0" smtClean="0">
+                          <a:solidFill>
+                            <a:schemeClr val="tx1"/>
+                          </a:solidFill>
+                        </a:rPr>
+                        <a:t>0</a:t>
+                      </a:r>
+                      <a:endParaRPr lang="ru-RU" sz="1400" dirty="0">
+                        <a:solidFill>
+                          <a:schemeClr val="tx1"/>
+                        </a:solidFill>
+                      </a:endParaRPr>
+                    </a:p>
+                  </a:txBody>
+                  <a:tcPr>
+                    <a:lnL w="6350" cap="flat" cmpd="sng" algn="ctr">
+                      <a:solidFill>
+                        <a:schemeClr val="tx2"/>
+                      </a:solidFill>
+                      <a:prstDash val="solid"/>
+                      <a:round/>
+                      <a:headEnd type="none" w="med" len="med"/>
+                      <a:tailEnd type="none" w="med" len="med"/>
+                    </a:lnL>
+                    <a:lnR w="6350" cap="flat" cmpd="sng" algn="ctr">
+                      <a:solidFill>
+                        <a:schemeClr val="tx2"/>
+                      </a:solidFill>
+                      <a:prstDash val="solid"/>
+                      <a:round/>
+                      <a:headEnd type="none" w="med" len="med"/>
+                      <a:tailEnd type="none" w="med" len="med"/>
+                    </a:lnR>
+                    <a:lnT w="6350" cap="flat" cmpd="sng" algn="ctr">
+                      <a:solidFill>
+                        <a:schemeClr val="tx2"/>
+                      </a:solidFill>
+                      <a:prstDash val="solid"/>
+                      <a:round/>
+                      <a:headEnd type="none" w="med" len="med"/>
+                      <a:tailEnd type="none" w="med" len="med"/>
+                    </a:lnT>
+                    <a:lnB w="6350" cap="flat" cmpd="sng" algn="ctr">
+                      <a:solidFill>
+                        <a:schemeClr val="tx2"/>
+                      </a:solidFill>
+                      <a:prstDash val="solid"/>
+                      <a:round/>
+                      <a:headEnd type="none" w="med" len="med"/>
+                      <a:tailEnd type="none" w="med" len="med"/>
+                    </a:lnB>
+                    <a:lnTlToBr w="12700" cmpd="sng">
+                      <a:noFill/>
+                      <a:prstDash val="solid"/>
+                    </a:lnTlToBr>
+                    <a:lnBlToTr w="12700" cmpd="sng">
+                      <a:noFill/>
+                      <a:prstDash val="solid"/>
+                    </a:lnBlToTr>
+                  </a:tcPr>
+                </a:tc>
+                <a:tc>
+                  <a:txBody>
+                    <a:bodyPr/>
+                    <a:lstStyle/>
+                    <a:p>
+                      <a:pPr algn="ctr"/>
+                      <a:r>
+                        <a:rPr lang="ru-RU" sz="1400" dirty="0" smtClean="0">
+                          <a:solidFill>
+                            <a:schemeClr val="tx1"/>
+                          </a:solidFill>
+                        </a:rPr>
+                        <a:t>0</a:t>
+                      </a:r>
+                      <a:endParaRPr lang="ru-RU" sz="1400" dirty="0">
+                        <a:solidFill>
+                          <a:schemeClr val="tx1"/>
+                        </a:solidFill>
+                      </a:endParaRPr>
+                    </a:p>
+                  </a:txBody>
+                  <a:tcPr>
+                    <a:lnL w="6350" cap="flat" cmpd="sng" algn="ctr">
+                      <a:solidFill>
+                        <a:schemeClr val="tx2"/>
+                      </a:solidFill>
+                      <a:prstDash val="solid"/>
+                      <a:round/>
+                      <a:headEnd type="none" w="med" len="med"/>
+                      <a:tailEnd type="none" w="med" len="med"/>
+                    </a:lnL>
+                    <a:lnR w="6350" cap="flat" cmpd="sng" algn="ctr">
+                      <a:solidFill>
+                        <a:schemeClr val="tx2"/>
+                      </a:solidFill>
+                      <a:prstDash val="solid"/>
+                      <a:round/>
+                      <a:headEnd type="none" w="med" len="med"/>
+                      <a:tailEnd type="none" w="med" len="med"/>
+                    </a:lnR>
+                    <a:lnT w="6350" cap="flat" cmpd="sng" algn="ctr">
+                      <a:solidFill>
+                        <a:schemeClr val="tx2"/>
+                      </a:solidFill>
+                      <a:prstDash val="solid"/>
+                      <a:round/>
+                      <a:headEnd type="none" w="med" len="med"/>
+                      <a:tailEnd type="none" w="med" len="med"/>
+                    </a:lnT>
+                    <a:lnB w="6350" cap="flat" cmpd="sng" algn="ctr">
+                      <a:solidFill>
+                        <a:schemeClr val="tx2"/>
+                      </a:solidFill>
+                      <a:prstDash val="solid"/>
+                      <a:round/>
+                      <a:headEnd type="none" w="med" len="med"/>
+                      <a:tailEnd type="none" w="med" len="med"/>
+                    </a:lnB>
+                    <a:lnTlToBr w="12700" cmpd="sng">
+                      <a:noFill/>
+                      <a:prstDash val="solid"/>
+                    </a:lnTlToBr>
+                    <a:lnBlToTr w="12700" cmpd="sng">
+                      <a:noFill/>
+                      <a:prstDash val="solid"/>
+                    </a:lnBlToTr>
+                  </a:tcPr>
+                </a:tc>
+                <a:tc>
+                  <a:txBody>
+                    <a:bodyPr/>
+                    <a:lstStyle/>
+                    <a:p>
+                      <a:pPr algn="ctr"/>
+                      <a:r>
+                        <a:rPr lang="ru-RU" sz="1400" dirty="0" smtClean="0">
+                          <a:solidFill>
+                            <a:schemeClr val="tx1"/>
+                          </a:solidFill>
+                        </a:rPr>
+                        <a:t>1</a:t>
+                      </a:r>
+                      <a:endParaRPr lang="ru-RU" sz="1400" dirty="0">
+                        <a:solidFill>
+                          <a:schemeClr val="tx1"/>
+                        </a:solidFill>
+                      </a:endParaRPr>
+                    </a:p>
+                  </a:txBody>
+                  <a:tcPr>
+                    <a:lnL w="6350" cap="flat" cmpd="sng" algn="ctr">
+                      <a:solidFill>
+                        <a:schemeClr val="tx2"/>
+                      </a:solidFill>
+                      <a:prstDash val="solid"/>
+                      <a:round/>
+                      <a:headEnd type="none" w="med" len="med"/>
+                      <a:tailEnd type="none" w="med" len="med"/>
+                    </a:lnL>
+                    <a:lnR w="6350" cap="flat" cmpd="sng" algn="ctr">
+                      <a:solidFill>
+                        <a:schemeClr val="tx2"/>
+                      </a:solidFill>
+                      <a:prstDash val="solid"/>
+                      <a:round/>
+                      <a:headEnd type="none" w="med" len="med"/>
+                      <a:tailEnd type="none" w="med" len="med"/>
+                    </a:lnR>
+                    <a:lnT w="6350" cap="flat" cmpd="sng" algn="ctr">
+                      <a:solidFill>
+                        <a:schemeClr val="tx2"/>
+                      </a:solidFill>
+                      <a:prstDash val="solid"/>
+                      <a:round/>
+                      <a:headEnd type="none" w="med" len="med"/>
+                      <a:tailEnd type="none" w="med" len="med"/>
+                    </a:lnT>
+                    <a:lnB w="6350" cap="flat" cmpd="sng" algn="ctr">
+                      <a:solidFill>
+                        <a:schemeClr val="tx2"/>
+                      </a:solidFill>
+                      <a:prstDash val="solid"/>
+                      <a:round/>
+                      <a:headEnd type="none" w="med" len="med"/>
+                      <a:tailEnd type="none" w="med" len="med"/>
+                    </a:lnB>
+                    <a:lnTlToBr w="12700" cmpd="sng">
+                      <a:noFill/>
+                      <a:prstDash val="solid"/>
+                    </a:lnTlToBr>
+                    <a:lnBlToTr w="12700" cmpd="sng">
+                      <a:noFill/>
+                      <a:prstDash val="solid"/>
+                    </a:lnBlToTr>
+                  </a:tcPr>
+                </a:tc>
+                <a:tc>
+                  <a:txBody>
+                    <a:bodyPr/>
+                    <a:lstStyle/>
+                    <a:p>
+                      <a:pPr algn="ctr"/>
+                      <a:r>
+                        <a:rPr lang="ru-RU" sz="1400" dirty="0" smtClean="0">
+                          <a:solidFill>
+                            <a:schemeClr val="tx1"/>
+                          </a:solidFill>
+                        </a:rPr>
+                        <a:t>0</a:t>
+                      </a:r>
+                      <a:endParaRPr lang="ru-RU" sz="1400" dirty="0">
+                        <a:solidFill>
+                          <a:schemeClr val="tx1"/>
+                        </a:solidFill>
+                      </a:endParaRPr>
+                    </a:p>
+                  </a:txBody>
+                  <a:tcPr>
+                    <a:lnL w="6350" cap="flat" cmpd="sng" algn="ctr">
+                      <a:solidFill>
+                        <a:schemeClr val="tx2"/>
+                      </a:solidFill>
+                      <a:prstDash val="solid"/>
+                      <a:round/>
+                      <a:headEnd type="none" w="med" len="med"/>
+                      <a:tailEnd type="none" w="med" len="med"/>
+                    </a:lnL>
+                    <a:lnR w="6350" cap="flat" cmpd="sng" algn="ctr">
+                      <a:solidFill>
+                        <a:schemeClr val="tx2"/>
+                      </a:solidFill>
+                      <a:prstDash val="solid"/>
+                      <a:round/>
+                      <a:headEnd type="none" w="med" len="med"/>
+                      <a:tailEnd type="none" w="med" len="med"/>
+                    </a:lnR>
+                    <a:lnT w="6350" cap="flat" cmpd="sng" algn="ctr">
+                      <a:solidFill>
+                        <a:schemeClr val="tx2"/>
+                      </a:solidFill>
+                      <a:prstDash val="solid"/>
+                      <a:round/>
+                      <a:headEnd type="none" w="med" len="med"/>
+                      <a:tailEnd type="none" w="med" len="med"/>
+                    </a:lnT>
+                    <a:lnB w="6350" cap="flat" cmpd="sng" algn="ctr">
+                      <a:solidFill>
+                        <a:schemeClr val="tx2"/>
+                      </a:solidFill>
+                      <a:prstDash val="solid"/>
+                      <a:round/>
+                      <a:headEnd type="none" w="med" len="med"/>
+                      <a:tailEnd type="none" w="med" len="med"/>
+                    </a:lnB>
+                    <a:lnTlToBr w="12700" cmpd="sng">
+                      <a:noFill/>
+                      <a:prstDash val="solid"/>
+                    </a:lnTlToBr>
+                    <a:lnBlToTr w="12700" cmpd="sng">
+                      <a:noFill/>
+                      <a:prstDash val="solid"/>
+                    </a:lnBlToTr>
+                  </a:tcPr>
+                </a:tc>
+              </a:tr>
+              <a:tr h="202932">
+                <a:tc>
+                  <a:txBody>
+                    <a:bodyPr/>
+                    <a:lstStyle/>
+                    <a:p>
+                      <a:pPr algn="ctr"/>
+                      <a:r>
+                        <a:rPr lang="ru-RU" sz="1400" dirty="0" smtClean="0">
+                          <a:solidFill>
+                            <a:schemeClr val="tx1"/>
+                          </a:solidFill>
+                        </a:rPr>
+                        <a:t>1</a:t>
+                      </a:r>
+                      <a:endParaRPr lang="ru-RU" sz="1400" dirty="0">
+                        <a:solidFill>
+                          <a:schemeClr val="tx1"/>
+                        </a:solidFill>
+                      </a:endParaRPr>
+                    </a:p>
+                  </a:txBody>
+                  <a:tcPr>
+                    <a:lnL w="6350" cap="flat" cmpd="sng" algn="ctr">
+                      <a:solidFill>
+                        <a:schemeClr val="tx2"/>
+                      </a:solidFill>
+                      <a:prstDash val="solid"/>
+                      <a:round/>
+                      <a:headEnd type="none" w="med" len="med"/>
+                      <a:tailEnd type="none" w="med" len="med"/>
+                    </a:lnL>
+                    <a:lnR w="6350" cap="flat" cmpd="sng" algn="ctr">
+                      <a:solidFill>
+                        <a:schemeClr val="tx2"/>
+                      </a:solidFill>
+                      <a:prstDash val="solid"/>
+                      <a:round/>
+                      <a:headEnd type="none" w="med" len="med"/>
+                      <a:tailEnd type="none" w="med" len="med"/>
+                    </a:lnR>
+                    <a:lnT w="6350" cap="flat" cmpd="sng" algn="ctr">
+                      <a:solidFill>
+                        <a:schemeClr val="tx2"/>
+                      </a:solidFill>
+                      <a:prstDash val="solid"/>
+                      <a:round/>
+                      <a:headEnd type="none" w="med" len="med"/>
+                      <a:tailEnd type="none" w="med" len="med"/>
+                    </a:lnT>
+                    <a:lnB w="6350" cap="flat" cmpd="sng" algn="ctr">
+                      <a:solidFill>
+                        <a:schemeClr val="tx2"/>
+                      </a:solidFill>
+                      <a:prstDash val="solid"/>
+                      <a:round/>
+                      <a:headEnd type="none" w="med" len="med"/>
+                      <a:tailEnd type="none" w="med" len="med"/>
+                    </a:lnB>
+                    <a:lnTlToBr w="12700" cmpd="sng">
+                      <a:noFill/>
+                      <a:prstDash val="solid"/>
+                    </a:lnTlToBr>
+                    <a:lnBlToTr w="12700" cmpd="sng">
+                      <a:noFill/>
+                      <a:prstDash val="solid"/>
+                    </a:lnBlToTr>
+                  </a:tcPr>
+                </a:tc>
+                <a:tc>
+                  <a:txBody>
+                    <a:bodyPr/>
+                    <a:lstStyle/>
+                    <a:p>
+                      <a:pPr algn="ctr"/>
+                      <a:r>
+                        <a:rPr lang="ru-RU" sz="1400" dirty="0" smtClean="0">
+                          <a:solidFill>
+                            <a:schemeClr val="tx1"/>
+                          </a:solidFill>
+                        </a:rPr>
+                        <a:t>0</a:t>
+                      </a:r>
+                      <a:endParaRPr lang="ru-RU" sz="1400" dirty="0">
+                        <a:solidFill>
+                          <a:schemeClr val="tx1"/>
+                        </a:solidFill>
+                      </a:endParaRPr>
+                    </a:p>
+                  </a:txBody>
+                  <a:tcPr>
+                    <a:lnL w="6350" cap="flat" cmpd="sng" algn="ctr">
+                      <a:solidFill>
+                        <a:schemeClr val="tx2"/>
+                      </a:solidFill>
+                      <a:prstDash val="solid"/>
+                      <a:round/>
+                      <a:headEnd type="none" w="med" len="med"/>
+                      <a:tailEnd type="none" w="med" len="med"/>
+                    </a:lnL>
+                    <a:lnR w="6350" cap="flat" cmpd="sng" algn="ctr">
+                      <a:solidFill>
+                        <a:schemeClr val="tx2"/>
+                      </a:solidFill>
+                      <a:prstDash val="solid"/>
+                      <a:round/>
+                      <a:headEnd type="none" w="med" len="med"/>
+                      <a:tailEnd type="none" w="med" len="med"/>
+                    </a:lnR>
+                    <a:lnT w="6350" cap="flat" cmpd="sng" algn="ctr">
+                      <a:solidFill>
+                        <a:schemeClr val="tx2"/>
+                      </a:solidFill>
+                      <a:prstDash val="solid"/>
+                      <a:round/>
+                      <a:headEnd type="none" w="med" len="med"/>
+                      <a:tailEnd type="none" w="med" len="med"/>
+                    </a:lnT>
+                    <a:lnB w="6350" cap="flat" cmpd="sng" algn="ctr">
+                      <a:solidFill>
+                        <a:schemeClr val="tx2"/>
+                      </a:solidFill>
+                      <a:prstDash val="solid"/>
+                      <a:round/>
+                      <a:headEnd type="none" w="med" len="med"/>
+                      <a:tailEnd type="none" w="med" len="med"/>
+                    </a:lnB>
+                    <a:lnTlToBr w="12700" cmpd="sng">
+                      <a:noFill/>
+                      <a:prstDash val="solid"/>
+                    </a:lnTlToBr>
+                    <a:lnBlToTr w="12700" cmpd="sng">
+                      <a:noFill/>
+                      <a:prstDash val="solid"/>
+                    </a:lnBlToTr>
+                  </a:tcPr>
+                </a:tc>
+                <a:tc>
+                  <a:txBody>
+                    <a:bodyPr/>
+                    <a:lstStyle/>
+                    <a:p>
+                      <a:pPr algn="ctr"/>
+                      <a:r>
+                        <a:rPr lang="ru-RU" sz="1400" dirty="0" smtClean="0">
+                          <a:solidFill>
+                            <a:schemeClr val="tx1"/>
+                          </a:solidFill>
+                        </a:rPr>
+                        <a:t>1</a:t>
+                      </a:r>
+                      <a:endParaRPr lang="ru-RU" sz="1400" dirty="0">
+                        <a:solidFill>
+                          <a:schemeClr val="tx1"/>
+                        </a:solidFill>
+                      </a:endParaRPr>
+                    </a:p>
+                  </a:txBody>
+                  <a:tcPr>
+                    <a:lnL w="6350" cap="flat" cmpd="sng" algn="ctr">
+                      <a:solidFill>
+                        <a:schemeClr val="tx2"/>
+                      </a:solidFill>
+                      <a:prstDash val="solid"/>
+                      <a:round/>
+                      <a:headEnd type="none" w="med" len="med"/>
+                      <a:tailEnd type="none" w="med" len="med"/>
+                    </a:lnL>
+                    <a:lnR w="6350" cap="flat" cmpd="sng" algn="ctr">
+                      <a:solidFill>
+                        <a:schemeClr val="tx2"/>
+                      </a:solidFill>
+                      <a:prstDash val="solid"/>
+                      <a:round/>
+                      <a:headEnd type="none" w="med" len="med"/>
+                      <a:tailEnd type="none" w="med" len="med"/>
+                    </a:lnR>
+                    <a:lnT w="6350" cap="flat" cmpd="sng" algn="ctr">
+                      <a:solidFill>
+                        <a:schemeClr val="tx2"/>
+                      </a:solidFill>
+                      <a:prstDash val="solid"/>
+                      <a:round/>
+                      <a:headEnd type="none" w="med" len="med"/>
+                      <a:tailEnd type="none" w="med" len="med"/>
+                    </a:lnT>
+                    <a:lnB w="6350" cap="flat" cmpd="sng" algn="ctr">
+                      <a:solidFill>
+                        <a:schemeClr val="tx2"/>
+                      </a:solidFill>
+                      <a:prstDash val="solid"/>
+                      <a:round/>
+                      <a:headEnd type="none" w="med" len="med"/>
+                      <a:tailEnd type="none" w="med" len="med"/>
+                    </a:lnB>
+                    <a:lnTlToBr w="12700" cmpd="sng">
+                      <a:noFill/>
+                      <a:prstDash val="solid"/>
+                    </a:lnTlToBr>
+                    <a:lnBlToTr w="12700" cmpd="sng">
+                      <a:noFill/>
+                      <a:prstDash val="solid"/>
+                    </a:lnBlToTr>
+                  </a:tcPr>
+                </a:tc>
+                <a:tc>
+                  <a:txBody>
+                    <a:bodyPr/>
+                    <a:lstStyle/>
+                    <a:p>
+                      <a:pPr algn="ctr"/>
+                      <a:r>
+                        <a:rPr lang="ru-RU" sz="1400" dirty="0" smtClean="0">
+                          <a:solidFill>
+                            <a:schemeClr val="tx1"/>
+                          </a:solidFill>
+                        </a:rPr>
+                        <a:t>0</a:t>
+                      </a:r>
+                      <a:endParaRPr lang="ru-RU" sz="1400" dirty="0">
+                        <a:solidFill>
+                          <a:schemeClr val="tx1"/>
+                        </a:solidFill>
+                      </a:endParaRPr>
+                    </a:p>
+                  </a:txBody>
+                  <a:tcPr>
+                    <a:lnL w="6350" cap="flat" cmpd="sng" algn="ctr">
+                      <a:solidFill>
+                        <a:schemeClr val="tx2"/>
+                      </a:solidFill>
+                      <a:prstDash val="solid"/>
+                      <a:round/>
+                      <a:headEnd type="none" w="med" len="med"/>
+                      <a:tailEnd type="none" w="med" len="med"/>
+                    </a:lnL>
+                    <a:lnR w="6350" cap="flat" cmpd="sng" algn="ctr">
+                      <a:solidFill>
+                        <a:schemeClr val="tx2"/>
+                      </a:solidFill>
+                      <a:prstDash val="solid"/>
+                      <a:round/>
+                      <a:headEnd type="none" w="med" len="med"/>
+                      <a:tailEnd type="none" w="med" len="med"/>
+                    </a:lnR>
+                    <a:lnT w="6350" cap="flat" cmpd="sng" algn="ctr">
+                      <a:solidFill>
+                        <a:schemeClr val="tx2"/>
+                      </a:solidFill>
+                      <a:prstDash val="solid"/>
+                      <a:round/>
+                      <a:headEnd type="none" w="med" len="med"/>
+                      <a:tailEnd type="none" w="med" len="med"/>
+                    </a:lnT>
+                    <a:lnB w="6350" cap="flat" cmpd="sng" algn="ctr">
+                      <a:solidFill>
+                        <a:schemeClr val="tx2"/>
+                      </a:solidFill>
+                      <a:prstDash val="solid"/>
+                      <a:round/>
+                      <a:headEnd type="none" w="med" len="med"/>
+                      <a:tailEnd type="none" w="med" len="med"/>
+                    </a:lnB>
+                    <a:lnTlToBr w="12700" cmpd="sng">
+                      <a:noFill/>
+                      <a:prstDash val="solid"/>
+                    </a:lnTlToBr>
+                    <a:lnBlToTr w="12700" cmpd="sng">
+                      <a:noFill/>
+                      <a:prstDash val="solid"/>
+                    </a:lnBlToTr>
+                  </a:tcPr>
+                </a:tc>
+              </a:tr>
+              <a:tr h="202932">
+                <a:tc>
+                  <a:txBody>
+                    <a:bodyPr/>
+                    <a:lstStyle/>
+                    <a:p>
+                      <a:pPr algn="ctr"/>
+                      <a:r>
+                        <a:rPr lang="ru-RU" sz="1400" dirty="0" smtClean="0">
+                          <a:solidFill>
+                            <a:schemeClr val="tx1"/>
+                          </a:solidFill>
+                        </a:rPr>
+                        <a:t>0</a:t>
+                      </a:r>
+                      <a:endParaRPr lang="ru-RU" sz="1400" dirty="0">
+                        <a:solidFill>
+                          <a:schemeClr val="tx1"/>
+                        </a:solidFill>
+                      </a:endParaRPr>
+                    </a:p>
+                  </a:txBody>
+                  <a:tcPr>
+                    <a:lnL w="6350" cap="flat" cmpd="sng" algn="ctr">
+                      <a:solidFill>
+                        <a:schemeClr val="tx2"/>
+                      </a:solidFill>
+                      <a:prstDash val="solid"/>
+                      <a:round/>
+                      <a:headEnd type="none" w="med" len="med"/>
+                      <a:tailEnd type="none" w="med" len="med"/>
+                    </a:lnL>
+                    <a:lnR w="6350" cap="flat" cmpd="sng" algn="ctr">
+                      <a:solidFill>
+                        <a:schemeClr val="tx2"/>
+                      </a:solidFill>
+                      <a:prstDash val="solid"/>
+                      <a:round/>
+                      <a:headEnd type="none" w="med" len="med"/>
+                      <a:tailEnd type="none" w="med" len="med"/>
+                    </a:lnR>
+                    <a:lnT w="6350" cap="flat" cmpd="sng" algn="ctr">
+                      <a:solidFill>
+                        <a:schemeClr val="tx2"/>
+                      </a:solidFill>
+                      <a:prstDash val="solid"/>
+                      <a:round/>
+                      <a:headEnd type="none" w="med" len="med"/>
+                      <a:tailEnd type="none" w="med" len="med"/>
+                    </a:lnT>
+                    <a:lnB w="6350" cap="flat" cmpd="sng" algn="ctr">
+                      <a:solidFill>
+                        <a:schemeClr val="tx2"/>
+                      </a:solidFill>
+                      <a:prstDash val="solid"/>
+                      <a:round/>
+                      <a:headEnd type="none" w="med" len="med"/>
+                      <a:tailEnd type="none" w="med" len="med"/>
+                    </a:lnB>
+                    <a:lnTlToBr w="12700" cmpd="sng">
+                      <a:noFill/>
+                      <a:prstDash val="solid"/>
+                    </a:lnTlToBr>
+                    <a:lnBlToTr w="12700" cmpd="sng">
+                      <a:noFill/>
+                      <a:prstDash val="solid"/>
+                    </a:lnBlToTr>
+                  </a:tcPr>
+                </a:tc>
+                <a:tc>
+                  <a:txBody>
+                    <a:bodyPr/>
+                    <a:lstStyle/>
+                    <a:p>
+                      <a:pPr algn="ctr"/>
+                      <a:r>
+                        <a:rPr lang="ru-RU" sz="1400" dirty="0" smtClean="0">
+                          <a:solidFill>
+                            <a:schemeClr val="tx1"/>
+                          </a:solidFill>
+                        </a:rPr>
+                        <a:t>0</a:t>
+                      </a:r>
+                      <a:endParaRPr lang="ru-RU" sz="1400" dirty="0">
+                        <a:solidFill>
+                          <a:schemeClr val="tx1"/>
+                        </a:solidFill>
+                      </a:endParaRPr>
+                    </a:p>
+                  </a:txBody>
+                  <a:tcPr>
+                    <a:lnL w="6350" cap="flat" cmpd="sng" algn="ctr">
+                      <a:solidFill>
+                        <a:schemeClr val="tx2"/>
+                      </a:solidFill>
+                      <a:prstDash val="solid"/>
+                      <a:round/>
+                      <a:headEnd type="none" w="med" len="med"/>
+                      <a:tailEnd type="none" w="med" len="med"/>
+                    </a:lnL>
+                    <a:lnR w="6350" cap="flat" cmpd="sng" algn="ctr">
+                      <a:solidFill>
+                        <a:schemeClr val="tx2"/>
+                      </a:solidFill>
+                      <a:prstDash val="solid"/>
+                      <a:round/>
+                      <a:headEnd type="none" w="med" len="med"/>
+                      <a:tailEnd type="none" w="med" len="med"/>
+                    </a:lnR>
+                    <a:lnT w="6350" cap="flat" cmpd="sng" algn="ctr">
+                      <a:solidFill>
+                        <a:schemeClr val="tx2"/>
+                      </a:solidFill>
+                      <a:prstDash val="solid"/>
+                      <a:round/>
+                      <a:headEnd type="none" w="med" len="med"/>
+                      <a:tailEnd type="none" w="med" len="med"/>
+                    </a:lnT>
+                    <a:lnB w="6350" cap="flat" cmpd="sng" algn="ctr">
+                      <a:solidFill>
+                        <a:schemeClr val="tx2"/>
+                      </a:solidFill>
+                      <a:prstDash val="solid"/>
+                      <a:round/>
+                      <a:headEnd type="none" w="med" len="med"/>
+                      <a:tailEnd type="none" w="med" len="med"/>
+                    </a:lnB>
+                    <a:lnTlToBr w="12700" cmpd="sng">
+                      <a:noFill/>
+                      <a:prstDash val="solid"/>
+                    </a:lnTlToBr>
+                    <a:lnBlToTr w="12700" cmpd="sng">
+                      <a:noFill/>
+                      <a:prstDash val="solid"/>
+                    </a:lnBlToTr>
+                  </a:tcPr>
+                </a:tc>
+                <a:tc>
+                  <a:txBody>
+                    <a:bodyPr/>
+                    <a:lstStyle/>
+                    <a:p>
+                      <a:pPr algn="ctr"/>
+                      <a:r>
+                        <a:rPr lang="ru-RU" sz="1400" dirty="0" smtClean="0">
+                          <a:solidFill>
+                            <a:schemeClr val="tx1"/>
+                          </a:solidFill>
+                        </a:rPr>
+                        <a:t>0</a:t>
+                      </a:r>
+                      <a:endParaRPr lang="ru-RU" sz="1400" dirty="0">
+                        <a:solidFill>
+                          <a:schemeClr val="tx1"/>
+                        </a:solidFill>
+                      </a:endParaRPr>
+                    </a:p>
+                  </a:txBody>
+                  <a:tcPr>
+                    <a:lnL w="6350" cap="flat" cmpd="sng" algn="ctr">
+                      <a:solidFill>
+                        <a:schemeClr val="tx2"/>
+                      </a:solidFill>
+                      <a:prstDash val="solid"/>
+                      <a:round/>
+                      <a:headEnd type="none" w="med" len="med"/>
+                      <a:tailEnd type="none" w="med" len="med"/>
+                    </a:lnL>
+                    <a:lnR w="6350" cap="flat" cmpd="sng" algn="ctr">
+                      <a:solidFill>
+                        <a:schemeClr val="tx2"/>
+                      </a:solidFill>
+                      <a:prstDash val="solid"/>
+                      <a:round/>
+                      <a:headEnd type="none" w="med" len="med"/>
+                      <a:tailEnd type="none" w="med" len="med"/>
+                    </a:lnR>
+                    <a:lnT w="6350" cap="flat" cmpd="sng" algn="ctr">
+                      <a:solidFill>
+                        <a:schemeClr val="tx2"/>
+                      </a:solidFill>
+                      <a:prstDash val="solid"/>
+                      <a:round/>
+                      <a:headEnd type="none" w="med" len="med"/>
+                      <a:tailEnd type="none" w="med" len="med"/>
+                    </a:lnT>
+                    <a:lnB w="6350" cap="flat" cmpd="sng" algn="ctr">
+                      <a:solidFill>
+                        <a:schemeClr val="tx2"/>
+                      </a:solidFill>
+                      <a:prstDash val="solid"/>
+                      <a:round/>
+                      <a:headEnd type="none" w="med" len="med"/>
+                      <a:tailEnd type="none" w="med" len="med"/>
+                    </a:lnB>
+                    <a:lnTlToBr w="12700" cmpd="sng">
+                      <a:noFill/>
+                      <a:prstDash val="solid"/>
+                    </a:lnTlToBr>
+                    <a:lnBlToTr w="12700" cmpd="sng">
+                      <a:noFill/>
+                      <a:prstDash val="solid"/>
+                    </a:lnBlToTr>
+                  </a:tcPr>
+                </a:tc>
+                <a:tc>
+                  <a:txBody>
+                    <a:bodyPr/>
+                    <a:lstStyle/>
+                    <a:p>
+                      <a:pPr algn="ctr"/>
+                      <a:r>
+                        <a:rPr lang="ru-RU" sz="1400" dirty="0" smtClean="0">
+                          <a:solidFill>
+                            <a:schemeClr val="tx1"/>
+                          </a:solidFill>
+                        </a:rPr>
+                        <a:t>1</a:t>
+                      </a:r>
+                      <a:endParaRPr lang="ru-RU" sz="1400" dirty="0">
+                        <a:solidFill>
+                          <a:schemeClr val="tx1"/>
+                        </a:solidFill>
+                      </a:endParaRPr>
+                    </a:p>
+                  </a:txBody>
+                  <a:tcPr>
+                    <a:lnL w="6350" cap="flat" cmpd="sng" algn="ctr">
+                      <a:solidFill>
+                        <a:schemeClr val="tx2"/>
+                      </a:solidFill>
+                      <a:prstDash val="solid"/>
+                      <a:round/>
+                      <a:headEnd type="none" w="med" len="med"/>
+                      <a:tailEnd type="none" w="med" len="med"/>
+                    </a:lnL>
+                    <a:lnR w="6350" cap="flat" cmpd="sng" algn="ctr">
+                      <a:solidFill>
+                        <a:schemeClr val="tx2"/>
+                      </a:solidFill>
+                      <a:prstDash val="solid"/>
+                      <a:round/>
+                      <a:headEnd type="none" w="med" len="med"/>
+                      <a:tailEnd type="none" w="med" len="med"/>
+                    </a:lnR>
+                    <a:lnT w="6350" cap="flat" cmpd="sng" algn="ctr">
+                      <a:solidFill>
+                        <a:schemeClr val="tx2"/>
+                      </a:solidFill>
+                      <a:prstDash val="solid"/>
+                      <a:round/>
+                      <a:headEnd type="none" w="med" len="med"/>
+                      <a:tailEnd type="none" w="med" len="med"/>
+                    </a:lnT>
+                    <a:lnB w="6350" cap="flat" cmpd="sng" algn="ctr">
+                      <a:solidFill>
+                        <a:schemeClr val="tx2"/>
+                      </a:solidFill>
+                      <a:prstDash val="solid"/>
+                      <a:round/>
+                      <a:headEnd type="none" w="med" len="med"/>
+                      <a:tailEnd type="none" w="med" len="med"/>
+                    </a:lnB>
+                    <a:lnTlToBr w="12700" cmpd="sng">
+                      <a:noFill/>
+                      <a:prstDash val="solid"/>
+                    </a:lnTlToBr>
+                    <a:lnBlToTr w="12700" cmpd="sng">
+                      <a:noFill/>
+                      <a:prstDash val="solid"/>
+                    </a:lnBlToTr>
+                  </a:tcPr>
+                </a:tc>
+              </a:tr>
+              <a:tr h="202932">
+                <a:tc>
+                  <a:txBody>
+                    <a:bodyPr/>
+                    <a:lstStyle/>
+                    <a:p>
+                      <a:pPr algn="ctr"/>
+                      <a:r>
+                        <a:rPr lang="ru-RU" sz="1400" dirty="0" smtClean="0">
+                          <a:solidFill>
+                            <a:schemeClr val="tx1"/>
+                          </a:solidFill>
+                        </a:rPr>
+                        <a:t>0</a:t>
+                      </a:r>
+                      <a:endParaRPr lang="ru-RU" sz="1400" dirty="0">
+                        <a:solidFill>
+                          <a:schemeClr val="tx1"/>
+                        </a:solidFill>
+                      </a:endParaRPr>
+                    </a:p>
+                  </a:txBody>
+                  <a:tcPr>
+                    <a:lnL w="6350" cap="flat" cmpd="sng" algn="ctr">
+                      <a:solidFill>
+                        <a:schemeClr val="tx2"/>
+                      </a:solidFill>
+                      <a:prstDash val="solid"/>
+                      <a:round/>
+                      <a:headEnd type="none" w="med" len="med"/>
+                      <a:tailEnd type="none" w="med" len="med"/>
+                    </a:lnL>
+                    <a:lnR w="6350" cap="flat" cmpd="sng" algn="ctr">
+                      <a:solidFill>
+                        <a:schemeClr val="tx2"/>
+                      </a:solidFill>
+                      <a:prstDash val="solid"/>
+                      <a:round/>
+                      <a:headEnd type="none" w="med" len="med"/>
+                      <a:tailEnd type="none" w="med" len="med"/>
+                    </a:lnR>
+                    <a:lnT w="6350" cap="flat" cmpd="sng" algn="ctr">
+                      <a:solidFill>
+                        <a:schemeClr val="tx2"/>
+                      </a:solidFill>
+                      <a:prstDash val="solid"/>
+                      <a:round/>
+                      <a:headEnd type="none" w="med" len="med"/>
+                      <a:tailEnd type="none" w="med" len="med"/>
+                    </a:lnT>
+                    <a:lnB w="6350" cap="flat" cmpd="sng" algn="ctr">
+                      <a:solidFill>
+                        <a:schemeClr val="tx2"/>
+                      </a:solidFill>
+                      <a:prstDash val="solid"/>
+                      <a:round/>
+                      <a:headEnd type="none" w="med" len="med"/>
+                      <a:tailEnd type="none" w="med" len="med"/>
+                    </a:lnB>
+                    <a:lnTlToBr w="12700" cmpd="sng">
+                      <a:noFill/>
+                      <a:prstDash val="solid"/>
+                    </a:lnTlToBr>
+                    <a:lnBlToTr w="12700" cmpd="sng">
+                      <a:noFill/>
+                      <a:prstDash val="solid"/>
+                    </a:lnBlToTr>
+                  </a:tcPr>
+                </a:tc>
+                <a:tc>
+                  <a:txBody>
+                    <a:bodyPr/>
+                    <a:lstStyle/>
+                    <a:p>
+                      <a:pPr algn="ctr"/>
+                      <a:r>
+                        <a:rPr lang="ru-RU" sz="1400" dirty="0" smtClean="0">
+                          <a:solidFill>
+                            <a:schemeClr val="tx1"/>
+                          </a:solidFill>
+                        </a:rPr>
+                        <a:t>0</a:t>
+                      </a:r>
+                      <a:endParaRPr lang="ru-RU" sz="1400" dirty="0">
+                        <a:solidFill>
+                          <a:schemeClr val="tx1"/>
+                        </a:solidFill>
+                      </a:endParaRPr>
+                    </a:p>
+                  </a:txBody>
+                  <a:tcPr>
+                    <a:lnL w="6350" cap="flat" cmpd="sng" algn="ctr">
+                      <a:solidFill>
+                        <a:schemeClr val="tx2"/>
+                      </a:solidFill>
+                      <a:prstDash val="solid"/>
+                      <a:round/>
+                      <a:headEnd type="none" w="med" len="med"/>
+                      <a:tailEnd type="none" w="med" len="med"/>
+                    </a:lnL>
+                    <a:lnR w="6350" cap="flat" cmpd="sng" algn="ctr">
+                      <a:solidFill>
+                        <a:schemeClr val="tx2"/>
+                      </a:solidFill>
+                      <a:prstDash val="solid"/>
+                      <a:round/>
+                      <a:headEnd type="none" w="med" len="med"/>
+                      <a:tailEnd type="none" w="med" len="med"/>
+                    </a:lnR>
+                    <a:lnT w="6350" cap="flat" cmpd="sng" algn="ctr">
+                      <a:solidFill>
+                        <a:schemeClr val="tx2"/>
+                      </a:solidFill>
+                      <a:prstDash val="solid"/>
+                      <a:round/>
+                      <a:headEnd type="none" w="med" len="med"/>
+                      <a:tailEnd type="none" w="med" len="med"/>
+                    </a:lnT>
+                    <a:lnB w="6350" cap="flat" cmpd="sng" algn="ctr">
+                      <a:solidFill>
+                        <a:schemeClr val="tx2"/>
+                      </a:solidFill>
+                      <a:prstDash val="solid"/>
+                      <a:round/>
+                      <a:headEnd type="none" w="med" len="med"/>
+                      <a:tailEnd type="none" w="med" len="med"/>
+                    </a:lnB>
+                    <a:lnTlToBr w="12700" cmpd="sng">
+                      <a:noFill/>
+                      <a:prstDash val="solid"/>
+                    </a:lnTlToBr>
+                    <a:lnBlToTr w="12700" cmpd="sng">
+                      <a:noFill/>
+                      <a:prstDash val="solid"/>
+                    </a:lnBlToTr>
+                  </a:tcPr>
+                </a:tc>
+                <a:tc>
+                  <a:txBody>
+                    <a:bodyPr/>
+                    <a:lstStyle/>
+                    <a:p>
+                      <a:pPr algn="ctr"/>
+                      <a:r>
+                        <a:rPr lang="ru-RU" sz="1400" dirty="0" smtClean="0">
+                          <a:solidFill>
+                            <a:schemeClr val="tx1"/>
+                          </a:solidFill>
+                        </a:rPr>
+                        <a:t>1</a:t>
+                      </a:r>
+                      <a:endParaRPr lang="ru-RU" sz="1400" dirty="0">
+                        <a:solidFill>
+                          <a:schemeClr val="tx1"/>
+                        </a:solidFill>
+                      </a:endParaRPr>
+                    </a:p>
+                  </a:txBody>
+                  <a:tcPr>
+                    <a:lnL w="6350" cap="flat" cmpd="sng" algn="ctr">
+                      <a:solidFill>
+                        <a:schemeClr val="tx2"/>
+                      </a:solidFill>
+                      <a:prstDash val="solid"/>
+                      <a:round/>
+                      <a:headEnd type="none" w="med" len="med"/>
+                      <a:tailEnd type="none" w="med" len="med"/>
+                    </a:lnL>
+                    <a:lnR w="6350" cap="flat" cmpd="sng" algn="ctr">
+                      <a:solidFill>
+                        <a:schemeClr val="tx2"/>
+                      </a:solidFill>
+                      <a:prstDash val="solid"/>
+                      <a:round/>
+                      <a:headEnd type="none" w="med" len="med"/>
+                      <a:tailEnd type="none" w="med" len="med"/>
+                    </a:lnR>
+                    <a:lnT w="6350" cap="flat" cmpd="sng" algn="ctr">
+                      <a:solidFill>
+                        <a:schemeClr val="tx2"/>
+                      </a:solidFill>
+                      <a:prstDash val="solid"/>
+                      <a:round/>
+                      <a:headEnd type="none" w="med" len="med"/>
+                      <a:tailEnd type="none" w="med" len="med"/>
+                    </a:lnT>
+                    <a:lnB w="6350" cap="flat" cmpd="sng" algn="ctr">
+                      <a:solidFill>
+                        <a:schemeClr val="tx2"/>
+                      </a:solidFill>
+                      <a:prstDash val="solid"/>
+                      <a:round/>
+                      <a:headEnd type="none" w="med" len="med"/>
+                      <a:tailEnd type="none" w="med" len="med"/>
+                    </a:lnB>
+                    <a:lnTlToBr w="12700" cmpd="sng">
+                      <a:noFill/>
+                      <a:prstDash val="solid"/>
+                    </a:lnTlToBr>
+                    <a:lnBlToTr w="12700" cmpd="sng">
+                      <a:noFill/>
+                      <a:prstDash val="solid"/>
+                    </a:lnBlToTr>
+                  </a:tcPr>
+                </a:tc>
+                <a:tc>
+                  <a:txBody>
+                    <a:bodyPr/>
+                    <a:lstStyle/>
+                    <a:p>
+                      <a:pPr algn="ctr"/>
+                      <a:r>
+                        <a:rPr lang="ru-RU" sz="1400" dirty="0" smtClean="0">
+                          <a:solidFill>
+                            <a:schemeClr val="tx1"/>
+                          </a:solidFill>
+                        </a:rPr>
+                        <a:t>1</a:t>
+                      </a:r>
+                      <a:endParaRPr lang="ru-RU" sz="1400" dirty="0">
+                        <a:solidFill>
+                          <a:schemeClr val="tx1"/>
+                        </a:solidFill>
+                      </a:endParaRPr>
+                    </a:p>
+                  </a:txBody>
+                  <a:tcPr>
+                    <a:lnL w="6350" cap="flat" cmpd="sng" algn="ctr">
+                      <a:solidFill>
+                        <a:schemeClr val="tx2"/>
+                      </a:solidFill>
+                      <a:prstDash val="solid"/>
+                      <a:round/>
+                      <a:headEnd type="none" w="med" len="med"/>
+                      <a:tailEnd type="none" w="med" len="med"/>
+                    </a:lnL>
+                    <a:lnR w="6350" cap="flat" cmpd="sng" algn="ctr">
+                      <a:solidFill>
+                        <a:schemeClr val="tx2"/>
+                      </a:solidFill>
+                      <a:prstDash val="solid"/>
+                      <a:round/>
+                      <a:headEnd type="none" w="med" len="med"/>
+                      <a:tailEnd type="none" w="med" len="med"/>
+                    </a:lnR>
+                    <a:lnT w="6350" cap="flat" cmpd="sng" algn="ctr">
+                      <a:solidFill>
+                        <a:schemeClr val="tx2"/>
+                      </a:solidFill>
+                      <a:prstDash val="solid"/>
+                      <a:round/>
+                      <a:headEnd type="none" w="med" len="med"/>
+                      <a:tailEnd type="none" w="med" len="med"/>
+                    </a:lnT>
+                    <a:lnB w="6350" cap="flat" cmpd="sng" algn="ctr">
+                      <a:solidFill>
+                        <a:schemeClr val="tx2"/>
+                      </a:solidFill>
+                      <a:prstDash val="solid"/>
+                      <a:round/>
+                      <a:headEnd type="none" w="med" len="med"/>
+                      <a:tailEnd type="none" w="med" len="med"/>
+                    </a:lnB>
+                    <a:lnTlToBr w="12700" cmpd="sng">
+                      <a:noFill/>
+                      <a:prstDash val="solid"/>
+                    </a:lnTlToBr>
+                    <a:lnBlToTr w="12700" cmpd="sng">
+                      <a:noFill/>
+                      <a:prstDash val="solid"/>
+                    </a:lnBlToTr>
+                  </a:tcPr>
+                </a:tc>
+              </a:tr>
+              <a:tr h="202932">
+                <a:tc>
+                  <a:txBody>
+                    <a:bodyPr/>
+                    <a:lstStyle/>
+                    <a:p>
+                      <a:pPr algn="ctr"/>
+                      <a:r>
+                        <a:rPr lang="ru-RU" sz="1400" dirty="0" smtClean="0">
+                          <a:solidFill>
+                            <a:schemeClr val="tx1"/>
+                          </a:solidFill>
+                        </a:rPr>
+                        <a:t>0</a:t>
+                      </a:r>
+                      <a:endParaRPr lang="ru-RU" sz="1400" dirty="0">
+                        <a:solidFill>
+                          <a:schemeClr val="tx1"/>
+                        </a:solidFill>
+                      </a:endParaRPr>
+                    </a:p>
+                  </a:txBody>
+                  <a:tcPr>
+                    <a:lnL w="6350" cap="flat" cmpd="sng" algn="ctr">
+                      <a:solidFill>
+                        <a:schemeClr val="tx2"/>
+                      </a:solidFill>
+                      <a:prstDash val="solid"/>
+                      <a:round/>
+                      <a:headEnd type="none" w="med" len="med"/>
+                      <a:tailEnd type="none" w="med" len="med"/>
+                    </a:lnL>
+                    <a:lnR w="6350" cap="flat" cmpd="sng" algn="ctr">
+                      <a:solidFill>
+                        <a:schemeClr val="tx2"/>
+                      </a:solidFill>
+                      <a:prstDash val="solid"/>
+                      <a:round/>
+                      <a:headEnd type="none" w="med" len="med"/>
+                      <a:tailEnd type="none" w="med" len="med"/>
+                    </a:lnR>
+                    <a:lnT w="6350" cap="flat" cmpd="sng" algn="ctr">
+                      <a:solidFill>
+                        <a:schemeClr val="tx2"/>
+                      </a:solidFill>
+                      <a:prstDash val="solid"/>
+                      <a:round/>
+                      <a:headEnd type="none" w="med" len="med"/>
+                      <a:tailEnd type="none" w="med" len="med"/>
+                    </a:lnT>
+                    <a:lnB w="6350" cap="flat" cmpd="sng" algn="ctr">
+                      <a:solidFill>
+                        <a:schemeClr val="tx2"/>
+                      </a:solidFill>
+                      <a:prstDash val="solid"/>
+                      <a:round/>
+                      <a:headEnd type="none" w="med" len="med"/>
+                      <a:tailEnd type="none" w="med" len="med"/>
+                    </a:lnB>
+                    <a:lnTlToBr w="12700" cmpd="sng">
+                      <a:noFill/>
+                      <a:prstDash val="solid"/>
+                    </a:lnTlToBr>
+                    <a:lnBlToTr w="12700" cmpd="sng">
+                      <a:noFill/>
+                      <a:prstDash val="solid"/>
+                    </a:lnBlToTr>
+                  </a:tcPr>
+                </a:tc>
+                <a:tc>
+                  <a:txBody>
+                    <a:bodyPr/>
+                    <a:lstStyle/>
+                    <a:p>
+                      <a:pPr algn="ctr"/>
+                      <a:r>
+                        <a:rPr lang="ru-RU" sz="1400" dirty="0" smtClean="0">
+                          <a:solidFill>
+                            <a:schemeClr val="tx1"/>
+                          </a:solidFill>
+                        </a:rPr>
+                        <a:t>1</a:t>
+                      </a:r>
+                      <a:endParaRPr lang="ru-RU" sz="1400" dirty="0">
+                        <a:solidFill>
+                          <a:schemeClr val="tx1"/>
+                        </a:solidFill>
+                      </a:endParaRPr>
+                    </a:p>
+                  </a:txBody>
+                  <a:tcPr>
+                    <a:lnL w="6350" cap="flat" cmpd="sng" algn="ctr">
+                      <a:solidFill>
+                        <a:schemeClr val="tx2"/>
+                      </a:solidFill>
+                      <a:prstDash val="solid"/>
+                      <a:round/>
+                      <a:headEnd type="none" w="med" len="med"/>
+                      <a:tailEnd type="none" w="med" len="med"/>
+                    </a:lnL>
+                    <a:lnR w="6350" cap="flat" cmpd="sng" algn="ctr">
+                      <a:solidFill>
+                        <a:schemeClr val="tx2"/>
+                      </a:solidFill>
+                      <a:prstDash val="solid"/>
+                      <a:round/>
+                      <a:headEnd type="none" w="med" len="med"/>
+                      <a:tailEnd type="none" w="med" len="med"/>
+                    </a:lnR>
+                    <a:lnT w="6350" cap="flat" cmpd="sng" algn="ctr">
+                      <a:solidFill>
+                        <a:schemeClr val="tx2"/>
+                      </a:solidFill>
+                      <a:prstDash val="solid"/>
+                      <a:round/>
+                      <a:headEnd type="none" w="med" len="med"/>
+                      <a:tailEnd type="none" w="med" len="med"/>
+                    </a:lnT>
+                    <a:lnB w="6350" cap="flat" cmpd="sng" algn="ctr">
+                      <a:solidFill>
+                        <a:schemeClr val="tx2"/>
+                      </a:solidFill>
+                      <a:prstDash val="solid"/>
+                      <a:round/>
+                      <a:headEnd type="none" w="med" len="med"/>
+                      <a:tailEnd type="none" w="med" len="med"/>
+                    </a:lnB>
+                    <a:lnTlToBr w="12700" cmpd="sng">
+                      <a:noFill/>
+                      <a:prstDash val="solid"/>
+                    </a:lnTlToBr>
+                    <a:lnBlToTr w="12700" cmpd="sng">
+                      <a:noFill/>
+                      <a:prstDash val="solid"/>
+                    </a:lnBlToTr>
+                  </a:tcPr>
+                </a:tc>
+                <a:tc>
+                  <a:txBody>
+                    <a:bodyPr/>
+                    <a:lstStyle/>
+                    <a:p>
+                      <a:pPr algn="ctr"/>
+                      <a:r>
+                        <a:rPr lang="ru-RU" sz="1400" dirty="0" smtClean="0">
+                          <a:solidFill>
+                            <a:schemeClr val="tx1"/>
+                          </a:solidFill>
+                        </a:rPr>
+                        <a:t>0</a:t>
+                      </a:r>
+                      <a:endParaRPr lang="ru-RU" sz="1400" dirty="0">
+                        <a:solidFill>
+                          <a:schemeClr val="tx1"/>
+                        </a:solidFill>
+                      </a:endParaRPr>
+                    </a:p>
+                  </a:txBody>
+                  <a:tcPr>
+                    <a:lnL w="6350" cap="flat" cmpd="sng" algn="ctr">
+                      <a:solidFill>
+                        <a:schemeClr val="tx2"/>
+                      </a:solidFill>
+                      <a:prstDash val="solid"/>
+                      <a:round/>
+                      <a:headEnd type="none" w="med" len="med"/>
+                      <a:tailEnd type="none" w="med" len="med"/>
+                    </a:lnL>
+                    <a:lnR w="6350" cap="flat" cmpd="sng" algn="ctr">
+                      <a:solidFill>
+                        <a:schemeClr val="tx2"/>
+                      </a:solidFill>
+                      <a:prstDash val="solid"/>
+                      <a:round/>
+                      <a:headEnd type="none" w="med" len="med"/>
+                      <a:tailEnd type="none" w="med" len="med"/>
+                    </a:lnR>
+                    <a:lnT w="6350" cap="flat" cmpd="sng" algn="ctr">
+                      <a:solidFill>
+                        <a:schemeClr val="tx2"/>
+                      </a:solidFill>
+                      <a:prstDash val="solid"/>
+                      <a:round/>
+                      <a:headEnd type="none" w="med" len="med"/>
+                      <a:tailEnd type="none" w="med" len="med"/>
+                    </a:lnT>
+                    <a:lnB w="6350" cap="flat" cmpd="sng" algn="ctr">
+                      <a:solidFill>
+                        <a:schemeClr val="tx2"/>
+                      </a:solidFill>
+                      <a:prstDash val="solid"/>
+                      <a:round/>
+                      <a:headEnd type="none" w="med" len="med"/>
+                      <a:tailEnd type="none" w="med" len="med"/>
+                    </a:lnB>
+                    <a:lnTlToBr w="12700" cmpd="sng">
+                      <a:noFill/>
+                      <a:prstDash val="solid"/>
+                    </a:lnTlToBr>
+                    <a:lnBlToTr w="12700" cmpd="sng">
+                      <a:noFill/>
+                      <a:prstDash val="solid"/>
+                    </a:lnBlToTr>
+                  </a:tcPr>
+                </a:tc>
+                <a:tc>
+                  <a:txBody>
+                    <a:bodyPr/>
+                    <a:lstStyle/>
+                    <a:p>
+                      <a:pPr algn="ctr"/>
+                      <a:r>
+                        <a:rPr lang="ru-RU" sz="1400" dirty="0" smtClean="0">
+                          <a:solidFill>
+                            <a:schemeClr val="tx1"/>
+                          </a:solidFill>
+                        </a:rPr>
+                        <a:t>0</a:t>
+                      </a:r>
+                      <a:endParaRPr lang="ru-RU" sz="1400" dirty="0">
+                        <a:solidFill>
+                          <a:schemeClr val="tx1"/>
+                        </a:solidFill>
+                      </a:endParaRPr>
+                    </a:p>
+                  </a:txBody>
+                  <a:tcPr>
+                    <a:lnL w="6350" cap="flat" cmpd="sng" algn="ctr">
+                      <a:solidFill>
+                        <a:schemeClr val="tx2"/>
+                      </a:solidFill>
+                      <a:prstDash val="solid"/>
+                      <a:round/>
+                      <a:headEnd type="none" w="med" len="med"/>
+                      <a:tailEnd type="none" w="med" len="med"/>
+                    </a:lnL>
+                    <a:lnR w="6350" cap="flat" cmpd="sng" algn="ctr">
+                      <a:solidFill>
+                        <a:schemeClr val="tx2"/>
+                      </a:solidFill>
+                      <a:prstDash val="solid"/>
+                      <a:round/>
+                      <a:headEnd type="none" w="med" len="med"/>
+                      <a:tailEnd type="none" w="med" len="med"/>
+                    </a:lnR>
+                    <a:lnT w="6350" cap="flat" cmpd="sng" algn="ctr">
+                      <a:solidFill>
+                        <a:schemeClr val="tx2"/>
+                      </a:solidFill>
+                      <a:prstDash val="solid"/>
+                      <a:round/>
+                      <a:headEnd type="none" w="med" len="med"/>
+                      <a:tailEnd type="none" w="med" len="med"/>
+                    </a:lnT>
+                    <a:lnB w="6350" cap="flat" cmpd="sng" algn="ctr">
+                      <a:solidFill>
+                        <a:schemeClr val="tx2"/>
+                      </a:solidFill>
+                      <a:prstDash val="solid"/>
+                      <a:round/>
+                      <a:headEnd type="none" w="med" len="med"/>
+                      <a:tailEnd type="none" w="med" len="med"/>
+                    </a:lnB>
+                    <a:lnTlToBr w="12700" cmpd="sng">
+                      <a:noFill/>
+                      <a:prstDash val="solid"/>
+                    </a:lnTlToBr>
+                    <a:lnBlToTr w="12700" cmpd="sng">
+                      <a:noFill/>
+                      <a:prstDash val="solid"/>
+                    </a:lnBlToTr>
+                  </a:tcPr>
+                </a:tc>
+              </a:tr>
+            </a:tbl>
+          </a:graphicData>
+        </a:graphic>
+      </p:graphicFrame>
+      <p:sp>
+        <p:nvSpPr>
+          <p:cNvPr id="10" name="TextBox 9"/>
+          <p:cNvSpPr txBox="1"/>
+          <p:nvPr/>
+        </p:nvSpPr>
+        <p:spPr>
+          <a:xfrm>
+            <a:off x="395536" y="1835750"/>
+            <a:ext cx="2797561" cy="369332"/>
+          </a:xfrm>
+          <a:prstGeom prst="rect">
+            <a:avLst/>
+          </a:prstGeom>
+          <a:noFill/>
+        </p:spPr>
+        <p:txBody>
+          <a:bodyPr wrap="none" rtlCol="0">
+            <a:spAutoFit/>
+          </a:bodyPr>
+          <a:lstStyle/>
+          <a:p>
+            <a:r>
+              <a:rPr lang="ru-RU" dirty="0" smtClean="0"/>
+              <a:t>Высокое число пожаров</a:t>
+            </a:r>
+            <a:endParaRPr lang="ru-RU" dirty="0"/>
+          </a:p>
+        </p:txBody>
+      </p:sp>
+    </p:spTree>
+    <p:extLst>
+      <p:ext uri="{BB962C8B-B14F-4D97-AF65-F5344CB8AC3E}">
+        <p14:creationId xmlns:p14="http://schemas.microsoft.com/office/powerpoint/2010/main" val="1542972249"/>
       </p:ext>
     </p:extLst>
   </p:cSld>
